--- a/presentation slides/ارائه پایان نامه.pptx
+++ b/presentation slides/ارائه پایان نامه.pptx
@@ -10,45 +10,50 @@
     <p:sldId id="257" r:id="rId4"/>
     <p:sldId id="259" r:id="rId5"/>
     <p:sldId id="260" r:id="rId6"/>
-    <p:sldId id="270" r:id="rId7"/>
-    <p:sldId id="299" r:id="rId8"/>
-    <p:sldId id="301" r:id="rId9"/>
-    <p:sldId id="300" r:id="rId10"/>
-    <p:sldId id="302" r:id="rId11"/>
-    <p:sldId id="303" r:id="rId12"/>
-    <p:sldId id="304" r:id="rId13"/>
-    <p:sldId id="305" r:id="rId14"/>
-    <p:sldId id="271" r:id="rId15"/>
-    <p:sldId id="306" r:id="rId16"/>
-    <p:sldId id="307" r:id="rId17"/>
-    <p:sldId id="308" r:id="rId18"/>
-    <p:sldId id="309" r:id="rId19"/>
-    <p:sldId id="310" r:id="rId20"/>
-    <p:sldId id="311" r:id="rId21"/>
+    <p:sldId id="317" r:id="rId7"/>
+    <p:sldId id="316" r:id="rId8"/>
+    <p:sldId id="270" r:id="rId9"/>
+    <p:sldId id="299" r:id="rId10"/>
+    <p:sldId id="301" r:id="rId11"/>
+    <p:sldId id="300" r:id="rId12"/>
+    <p:sldId id="302" r:id="rId13"/>
+    <p:sldId id="303" r:id="rId14"/>
+    <p:sldId id="304" r:id="rId15"/>
+    <p:sldId id="305" r:id="rId16"/>
+    <p:sldId id="271" r:id="rId17"/>
+    <p:sldId id="306" r:id="rId18"/>
+    <p:sldId id="307" r:id="rId19"/>
+    <p:sldId id="308" r:id="rId20"/>
+    <p:sldId id="309" r:id="rId21"/>
     <p:sldId id="312" r:id="rId22"/>
     <p:sldId id="313" r:id="rId23"/>
-    <p:sldId id="272" r:id="rId24"/>
-    <p:sldId id="314" r:id="rId25"/>
-    <p:sldId id="315" r:id="rId26"/>
-    <p:sldId id="297" r:id="rId27"/>
+    <p:sldId id="315" r:id="rId24"/>
+    <p:sldId id="297" r:id="rId25"/>
+    <p:sldId id="272" r:id="rId26"/>
+    <p:sldId id="314" r:id="rId27"/>
     <p:sldId id="298" r:id="rId28"/>
   </p:sldIdLst>
   <p:sldSz cx="12192000" cy="6858000"/>
   <p:notesSz cx="6858000" cy="9144000"/>
   <p:embeddedFontLst>
     <p:embeddedFont>
-      <p:font typeface="Cambria Math" panose="02040503050406030204" pitchFamily="18" charset="0"/>
+      <p:font typeface="B Nazanin" panose="00000400000000000000" pitchFamily="2" charset="-78"/>
       <p:regular r:id="rId29"/>
+      <p:bold r:id="rId30"/>
     </p:embeddedFont>
     <p:embeddedFont>
       <p:font typeface="IRTerafik" panose="02000503000000020002" pitchFamily="2" charset="-78"/>
-      <p:regular r:id="rId30"/>
-      <p:bold r:id="rId31"/>
-      <p:italic r:id="rId32"/>
+      <p:regular r:id="rId31"/>
+      <p:bold r:id="rId32"/>
+      <p:italic r:id="rId33"/>
     </p:embeddedFont>
     <p:embeddedFont>
       <p:font typeface="IRTitr" panose="02000506000000020002" pitchFamily="2" charset="-78"/>
-      <p:regular r:id="rId33"/>
+      <p:regular r:id="rId34"/>
+    </p:embeddedFont>
+    <p:embeddedFont>
+      <p:font typeface="Wingdings 3" panose="05040102010807070707" pitchFamily="18" charset="2"/>
+      <p:regular r:id="rId35"/>
     </p:embeddedFont>
   </p:embeddedFontLst>
   <p:defaultTextStyle>
@@ -164,6 +169,8 @@
             <p14:sldId id="257"/>
             <p14:sldId id="259"/>
             <p14:sldId id="260"/>
+            <p14:sldId id="317"/>
+            <p14:sldId id="316"/>
           </p14:sldIdLst>
         </p14:section>
         <p14:section name="روش اجرا" id="{D767CB8A-0153-46F6-89FC-F079A745DFB0}">
@@ -185,22 +192,20 @@
             <p14:sldId id="307"/>
             <p14:sldId id="308"/>
             <p14:sldId id="309"/>
-            <p14:sldId id="310"/>
-            <p14:sldId id="311"/>
             <p14:sldId id="312"/>
             <p14:sldId id="313"/>
+          </p14:sldIdLst>
+        </p14:section>
+        <p14:section name="نتیجه گیری" id="{F7A5B370-85E4-4382-AA37-A73C15148025}">
+          <p14:sldIdLst>
+            <p14:sldId id="315"/>
+            <p14:sldId id="297"/>
           </p14:sldIdLst>
         </p14:section>
         <p14:section name="محدودیت های مطالعه" id="{97CEEFF9-98CB-455D-8C16-06139B513E56}">
           <p14:sldIdLst>
             <p14:sldId id="272"/>
             <p14:sldId id="314"/>
-          </p14:sldIdLst>
-        </p14:section>
-        <p14:section name="نتیجه گیری" id="{F7A5B370-85E4-4382-AA37-A73C15148025}">
-          <p14:sldIdLst>
-            <p14:sldId id="315"/>
-            <p14:sldId id="297"/>
             <p14:sldId id="298"/>
           </p14:sldIdLst>
         </p14:section>
@@ -776,7 +781,7 @@
           <a:p>
             <a:fld id="{0B5A8F20-3E02-4461-994C-EA7C73B16FC1}" type="datetimeFigureOut">
               <a:rPr lang="en-US" smtClean="0"/>
-              <a:t>2/22/2025</a:t>
+              <a:t>2/23/2025</a:t>
             </a:fld>
             <a:endParaRPr lang="en-US"/>
           </a:p>
@@ -1393,7 +1398,7 @@
           <a:p>
             <a:fld id="{0B5A8F20-3E02-4461-994C-EA7C73B16FC1}" type="datetimeFigureOut">
               <a:rPr lang="en-US" smtClean="0"/>
-              <a:t>2/22/2025</a:t>
+              <a:t>2/23/2025</a:t>
             </a:fld>
             <a:endParaRPr lang="en-US"/>
           </a:p>
@@ -1684,7 +1689,7 @@
           <a:p>
             <a:fld id="{0B5A8F20-3E02-4461-994C-EA7C73B16FC1}" type="datetimeFigureOut">
               <a:rPr lang="en-US" smtClean="0"/>
-              <a:t>2/22/2025</a:t>
+              <a:t>2/23/2025</a:t>
             </a:fld>
             <a:endParaRPr lang="en-US"/>
           </a:p>
@@ -1882,7 +1887,7 @@
           <a:p>
             <a:fld id="{0B5A8F20-3E02-4461-994C-EA7C73B16FC1}" type="datetimeFigureOut">
               <a:rPr lang="en-US" smtClean="0"/>
-              <a:t>2/22/2025</a:t>
+              <a:t>2/23/2025</a:t>
             </a:fld>
             <a:endParaRPr lang="en-US"/>
           </a:p>
@@ -2090,7 +2095,7 @@
           <a:p>
             <a:fld id="{0B5A8F20-3E02-4461-994C-EA7C73B16FC1}" type="datetimeFigureOut">
               <a:rPr lang="en-US" smtClean="0"/>
-              <a:t>2/22/2025</a:t>
+              <a:t>2/23/2025</a:t>
             </a:fld>
             <a:endParaRPr lang="en-US"/>
           </a:p>
@@ -2356,66 +2361,66 @@
             <a:lvl1pPr algn="r" rtl="1">
               <a:defRPr sz="3200">
                 <a:latin typeface="IRTerafik" panose="02000503000000020002" pitchFamily="2" charset="-78"/>
-                <a:cs typeface="IRTerafik" panose="02000503000000020002" pitchFamily="2" charset="-78"/>
+                <a:cs typeface="B Nazanin" panose="00000400000000000000" pitchFamily="2" charset="-78"/>
               </a:defRPr>
             </a:lvl1pPr>
             <a:lvl2pPr algn="r" rtl="1">
               <a:defRPr sz="2800">
                 <a:latin typeface="IRTerafik" panose="02000503000000020002" pitchFamily="2" charset="-78"/>
-                <a:cs typeface="IRTerafik" panose="02000503000000020002" pitchFamily="2" charset="-78"/>
+                <a:cs typeface="B Nazanin" panose="00000400000000000000" pitchFamily="2" charset="-78"/>
               </a:defRPr>
             </a:lvl2pPr>
             <a:lvl3pPr algn="r" rtl="1">
               <a:defRPr sz="2400">
                 <a:latin typeface="IRTerafik" panose="02000503000000020002" pitchFamily="2" charset="-78"/>
-                <a:cs typeface="IRTerafik" panose="02000503000000020002" pitchFamily="2" charset="-78"/>
+                <a:cs typeface="B Nazanin" panose="00000400000000000000" pitchFamily="2" charset="-78"/>
               </a:defRPr>
             </a:lvl3pPr>
             <a:lvl4pPr algn="r" rtl="1">
               <a:defRPr sz="2000">
                 <a:latin typeface="IRTerafik" panose="02000503000000020002" pitchFamily="2" charset="-78"/>
-                <a:cs typeface="IRTerafik" panose="02000503000000020002" pitchFamily="2" charset="-78"/>
+                <a:cs typeface="B Nazanin" panose="00000400000000000000" pitchFamily="2" charset="-78"/>
               </a:defRPr>
             </a:lvl4pPr>
             <a:lvl5pPr algn="r" rtl="1">
               <a:defRPr sz="2000">
                 <a:latin typeface="IRTerafik" panose="02000503000000020002" pitchFamily="2" charset="-78"/>
-                <a:cs typeface="IRTerafik" panose="02000503000000020002" pitchFamily="2" charset="-78"/>
+                <a:cs typeface="B Nazanin" panose="00000400000000000000" pitchFamily="2" charset="-78"/>
               </a:defRPr>
             </a:lvl5pPr>
           </a:lstStyle>
           <a:p>
             <a:pPr lvl="0"/>
             <a:r>
-              <a:rPr lang="en-US"/>
+              <a:rPr lang="en-US" dirty="0"/>
               <a:t>Click to edit Master text styles</a:t>
             </a:r>
           </a:p>
           <a:p>
             <a:pPr lvl="1"/>
             <a:r>
-              <a:rPr lang="en-US"/>
+              <a:rPr lang="en-US" dirty="0"/>
               <a:t>Second level</a:t>
             </a:r>
           </a:p>
           <a:p>
             <a:pPr lvl="2"/>
             <a:r>
-              <a:rPr lang="en-US"/>
+              <a:rPr lang="en-US" dirty="0"/>
               <a:t>Third level</a:t>
             </a:r>
           </a:p>
           <a:p>
             <a:pPr lvl="3"/>
             <a:r>
-              <a:rPr lang="en-US"/>
+              <a:rPr lang="en-US" dirty="0"/>
               <a:t>Fourth level</a:t>
             </a:r>
           </a:p>
           <a:p>
             <a:pPr lvl="4"/>
             <a:r>
-              <a:rPr lang="en-US"/>
+              <a:rPr lang="en-US" dirty="0"/>
               <a:t>Fifth level</a:t>
             </a:r>
           </a:p>
@@ -2444,7 +2449,7 @@
           <a:p>
             <a:fld id="{0B5A8F20-3E02-4461-994C-EA7C73B16FC1}" type="datetimeFigureOut">
               <a:rPr lang="en-US" smtClean="0"/>
-              <a:t>2/22/2025</a:t>
+              <a:t>2/23/2025</a:t>
             </a:fld>
             <a:endParaRPr lang="en-US"/>
           </a:p>
@@ -2768,66 +2773,66 @@
             <a:lvl1pPr algn="r" rtl="1">
               <a:defRPr sz="3200">
                 <a:latin typeface="IRTerafik" panose="02000503000000020002" pitchFamily="2" charset="-78"/>
-                <a:cs typeface="IRTerafik" panose="02000503000000020002" pitchFamily="2" charset="-78"/>
+                <a:cs typeface="B Nazanin" panose="00000400000000000000" pitchFamily="2" charset="-78"/>
               </a:defRPr>
             </a:lvl1pPr>
             <a:lvl2pPr algn="r" rtl="1">
               <a:defRPr sz="2800">
                 <a:latin typeface="IRTerafik" panose="02000503000000020002" pitchFamily="2" charset="-78"/>
-                <a:cs typeface="IRTerafik" panose="02000503000000020002" pitchFamily="2" charset="-78"/>
+                <a:cs typeface="B Nazanin" panose="00000400000000000000" pitchFamily="2" charset="-78"/>
               </a:defRPr>
             </a:lvl2pPr>
             <a:lvl3pPr algn="r" rtl="1">
               <a:defRPr sz="2400">
                 <a:latin typeface="IRTerafik" panose="02000503000000020002" pitchFamily="2" charset="-78"/>
-                <a:cs typeface="IRTerafik" panose="02000503000000020002" pitchFamily="2" charset="-78"/>
+                <a:cs typeface="B Nazanin" panose="00000400000000000000" pitchFamily="2" charset="-78"/>
               </a:defRPr>
             </a:lvl3pPr>
             <a:lvl4pPr algn="r" rtl="1">
               <a:defRPr sz="2000">
                 <a:latin typeface="IRTerafik" panose="02000503000000020002" pitchFamily="2" charset="-78"/>
-                <a:cs typeface="IRTerafik" panose="02000503000000020002" pitchFamily="2" charset="-78"/>
+                <a:cs typeface="B Nazanin" panose="00000400000000000000" pitchFamily="2" charset="-78"/>
               </a:defRPr>
             </a:lvl4pPr>
             <a:lvl5pPr algn="r" rtl="1">
               <a:defRPr sz="2000">
                 <a:latin typeface="IRTerafik" panose="02000503000000020002" pitchFamily="2" charset="-78"/>
-                <a:cs typeface="IRTerafik" panose="02000503000000020002" pitchFamily="2" charset="-78"/>
+                <a:cs typeface="B Nazanin" panose="00000400000000000000" pitchFamily="2" charset="-78"/>
               </a:defRPr>
             </a:lvl5pPr>
           </a:lstStyle>
           <a:p>
             <a:pPr lvl="0"/>
             <a:r>
-              <a:rPr lang="en-US"/>
+              <a:rPr lang="en-US" dirty="0"/>
               <a:t>Click to edit Master text styles</a:t>
             </a:r>
           </a:p>
           <a:p>
             <a:pPr lvl="1"/>
             <a:r>
-              <a:rPr lang="en-US"/>
+              <a:rPr lang="en-US" dirty="0"/>
               <a:t>Second level</a:t>
             </a:r>
           </a:p>
           <a:p>
             <a:pPr lvl="2"/>
             <a:r>
-              <a:rPr lang="en-US"/>
+              <a:rPr lang="en-US" dirty="0"/>
               <a:t>Third level</a:t>
             </a:r>
           </a:p>
           <a:p>
             <a:pPr lvl="3"/>
             <a:r>
-              <a:rPr lang="en-US"/>
+              <a:rPr lang="en-US" dirty="0"/>
               <a:t>Fourth level</a:t>
             </a:r>
           </a:p>
           <a:p>
             <a:pPr lvl="4"/>
             <a:r>
-              <a:rPr lang="en-US"/>
+              <a:rPr lang="en-US" dirty="0"/>
               <a:t>Fifth level</a:t>
             </a:r>
           </a:p>
@@ -2856,7 +2861,7 @@
           <a:p>
             <a:fld id="{0B5A8F20-3E02-4461-994C-EA7C73B16FC1}" type="datetimeFigureOut">
               <a:rPr lang="en-US" smtClean="0"/>
-              <a:t>2/22/2025</a:t>
+              <a:t>2/23/2025</a:t>
             </a:fld>
             <a:endParaRPr lang="en-US"/>
           </a:p>
@@ -3180,66 +3185,66 @@
             <a:lvl1pPr algn="r" rtl="1">
               <a:defRPr sz="3200">
                 <a:latin typeface="IRTerafik" panose="02000503000000020002" pitchFamily="2" charset="-78"/>
-                <a:cs typeface="IRTerafik" panose="02000503000000020002" pitchFamily="2" charset="-78"/>
+                <a:cs typeface="B Nazanin" panose="00000400000000000000" pitchFamily="2" charset="-78"/>
               </a:defRPr>
             </a:lvl1pPr>
             <a:lvl2pPr algn="r" rtl="1">
               <a:defRPr sz="2800">
                 <a:latin typeface="IRTerafik" panose="02000503000000020002" pitchFamily="2" charset="-78"/>
-                <a:cs typeface="IRTerafik" panose="02000503000000020002" pitchFamily="2" charset="-78"/>
+                <a:cs typeface="B Nazanin" panose="00000400000000000000" pitchFamily="2" charset="-78"/>
               </a:defRPr>
             </a:lvl2pPr>
             <a:lvl3pPr algn="r" rtl="1">
               <a:defRPr sz="2400">
                 <a:latin typeface="IRTerafik" panose="02000503000000020002" pitchFamily="2" charset="-78"/>
-                <a:cs typeface="IRTerafik" panose="02000503000000020002" pitchFamily="2" charset="-78"/>
+                <a:cs typeface="B Nazanin" panose="00000400000000000000" pitchFamily="2" charset="-78"/>
               </a:defRPr>
             </a:lvl3pPr>
             <a:lvl4pPr algn="r" rtl="1">
               <a:defRPr sz="2000">
                 <a:latin typeface="IRTerafik" panose="02000503000000020002" pitchFamily="2" charset="-78"/>
-                <a:cs typeface="IRTerafik" panose="02000503000000020002" pitchFamily="2" charset="-78"/>
+                <a:cs typeface="B Nazanin" panose="00000400000000000000" pitchFamily="2" charset="-78"/>
               </a:defRPr>
             </a:lvl4pPr>
             <a:lvl5pPr algn="r" rtl="1">
               <a:defRPr sz="2000">
                 <a:latin typeface="IRTerafik" panose="02000503000000020002" pitchFamily="2" charset="-78"/>
-                <a:cs typeface="IRTerafik" panose="02000503000000020002" pitchFamily="2" charset="-78"/>
+                <a:cs typeface="B Nazanin" panose="00000400000000000000" pitchFamily="2" charset="-78"/>
               </a:defRPr>
             </a:lvl5pPr>
           </a:lstStyle>
           <a:p>
             <a:pPr lvl="0"/>
             <a:r>
-              <a:rPr lang="en-US"/>
+              <a:rPr lang="en-US" dirty="0"/>
               <a:t>Click to edit Master text styles</a:t>
             </a:r>
           </a:p>
           <a:p>
             <a:pPr lvl="1"/>
             <a:r>
-              <a:rPr lang="en-US"/>
+              <a:rPr lang="en-US" dirty="0"/>
               <a:t>Second level</a:t>
             </a:r>
           </a:p>
           <a:p>
             <a:pPr lvl="2"/>
             <a:r>
-              <a:rPr lang="en-US"/>
+              <a:rPr lang="en-US" dirty="0"/>
               <a:t>Third level</a:t>
             </a:r>
           </a:p>
           <a:p>
             <a:pPr lvl="3"/>
             <a:r>
-              <a:rPr lang="en-US"/>
+              <a:rPr lang="en-US" dirty="0"/>
               <a:t>Fourth level</a:t>
             </a:r>
           </a:p>
           <a:p>
             <a:pPr lvl="4"/>
             <a:r>
-              <a:rPr lang="en-US"/>
+              <a:rPr lang="en-US" dirty="0"/>
               <a:t>Fifth level</a:t>
             </a:r>
           </a:p>
@@ -3268,7 +3273,7 @@
           <a:p>
             <a:fld id="{0B5A8F20-3E02-4461-994C-EA7C73B16FC1}" type="datetimeFigureOut">
               <a:rPr lang="en-US" smtClean="0"/>
-              <a:t>2/22/2025</a:t>
+              <a:t>2/23/2025</a:t>
             </a:fld>
             <a:endParaRPr lang="en-US"/>
           </a:p>
@@ -3983,7 +3988,7 @@
           <a:p>
             <a:fld id="{0B5A8F20-3E02-4461-994C-EA7C73B16FC1}" type="datetimeFigureOut">
               <a:rPr lang="en-US" smtClean="0"/>
-              <a:t>2/22/2025</a:t>
+              <a:t>2/23/2025</a:t>
             </a:fld>
             <a:endParaRPr lang="en-US"/>
           </a:p>
@@ -4117,66 +4122,66 @@
             <a:lvl1pPr algn="r" rtl="1">
               <a:defRPr sz="3200">
                 <a:latin typeface="IRTerafik" panose="02000503000000020002" pitchFamily="2" charset="-78"/>
-                <a:cs typeface="IRTerafik" panose="02000503000000020002" pitchFamily="2" charset="-78"/>
+                <a:cs typeface="B Nazanin" panose="00000400000000000000" pitchFamily="2" charset="-78"/>
               </a:defRPr>
             </a:lvl1pPr>
             <a:lvl2pPr algn="r" rtl="1">
               <a:defRPr sz="2800">
                 <a:latin typeface="IRTerafik" panose="02000503000000020002" pitchFamily="2" charset="-78"/>
-                <a:cs typeface="IRTerafik" panose="02000503000000020002" pitchFamily="2" charset="-78"/>
+                <a:cs typeface="B Nazanin" panose="00000400000000000000" pitchFamily="2" charset="-78"/>
               </a:defRPr>
             </a:lvl2pPr>
             <a:lvl3pPr algn="r" rtl="1">
               <a:defRPr sz="2400">
                 <a:latin typeface="IRTerafik" panose="02000503000000020002" pitchFamily="2" charset="-78"/>
-                <a:cs typeface="IRTerafik" panose="02000503000000020002" pitchFamily="2" charset="-78"/>
+                <a:cs typeface="B Nazanin" panose="00000400000000000000" pitchFamily="2" charset="-78"/>
               </a:defRPr>
             </a:lvl3pPr>
             <a:lvl4pPr algn="r" rtl="1">
               <a:defRPr sz="2000">
                 <a:latin typeface="IRTerafik" panose="02000503000000020002" pitchFamily="2" charset="-78"/>
-                <a:cs typeface="IRTerafik" panose="02000503000000020002" pitchFamily="2" charset="-78"/>
+                <a:cs typeface="B Nazanin" panose="00000400000000000000" pitchFamily="2" charset="-78"/>
               </a:defRPr>
             </a:lvl4pPr>
             <a:lvl5pPr algn="r" rtl="1">
               <a:defRPr sz="2000">
                 <a:latin typeface="IRTerafik" panose="02000503000000020002" pitchFamily="2" charset="-78"/>
-                <a:cs typeface="IRTerafik" panose="02000503000000020002" pitchFamily="2" charset="-78"/>
+                <a:cs typeface="B Nazanin" panose="00000400000000000000" pitchFamily="2" charset="-78"/>
               </a:defRPr>
             </a:lvl5pPr>
           </a:lstStyle>
           <a:p>
             <a:pPr lvl="0"/>
             <a:r>
-              <a:rPr lang="en-US"/>
+              <a:rPr lang="en-US" dirty="0"/>
               <a:t>Click to edit Master text styles</a:t>
             </a:r>
           </a:p>
           <a:p>
             <a:pPr lvl="1"/>
             <a:r>
-              <a:rPr lang="en-US"/>
+              <a:rPr lang="en-US" dirty="0"/>
               <a:t>Second level</a:t>
             </a:r>
           </a:p>
           <a:p>
             <a:pPr lvl="2"/>
             <a:r>
-              <a:rPr lang="en-US"/>
+              <a:rPr lang="en-US" dirty="0"/>
               <a:t>Third level</a:t>
             </a:r>
           </a:p>
           <a:p>
             <a:pPr lvl="3"/>
             <a:r>
-              <a:rPr lang="en-US"/>
+              <a:rPr lang="en-US" dirty="0"/>
               <a:t>Fourth level</a:t>
             </a:r>
           </a:p>
           <a:p>
             <a:pPr lvl="4"/>
             <a:r>
-              <a:rPr lang="en-US"/>
+              <a:rPr lang="en-US" dirty="0"/>
               <a:t>Fifth level</a:t>
             </a:r>
           </a:p>
@@ -4268,35 +4273,35 @@
           <a:p>
             <a:pPr lvl="0"/>
             <a:r>
-              <a:rPr lang="en-US"/>
+              <a:rPr lang="en-US" dirty="0"/>
               <a:t>Click to edit Master text styles</a:t>
             </a:r>
           </a:p>
           <a:p>
             <a:pPr lvl="1"/>
             <a:r>
-              <a:rPr lang="en-US"/>
+              <a:rPr lang="en-US" dirty="0"/>
               <a:t>Second level</a:t>
             </a:r>
           </a:p>
           <a:p>
             <a:pPr lvl="2"/>
             <a:r>
-              <a:rPr lang="en-US"/>
+              <a:rPr lang="en-US" dirty="0"/>
               <a:t>Third level</a:t>
             </a:r>
           </a:p>
           <a:p>
             <a:pPr lvl="3"/>
             <a:r>
-              <a:rPr lang="en-US"/>
+              <a:rPr lang="en-US" dirty="0"/>
               <a:t>Fourth level</a:t>
             </a:r>
           </a:p>
           <a:p>
             <a:pPr lvl="4"/>
             <a:r>
-              <a:rPr lang="en-US"/>
+              <a:rPr lang="en-US" dirty="0"/>
               <a:t>Fifth level</a:t>
             </a:r>
           </a:p>
@@ -4387,7 +4392,7 @@
           <a:p>
             <a:fld id="{0B5A8F20-3E02-4461-994C-EA7C73B16FC1}" type="datetimeFigureOut">
               <a:rPr lang="en-US" smtClean="0"/>
-              <a:t>2/22/2025</a:t>
+              <a:t>2/23/2025</a:t>
             </a:fld>
             <a:endParaRPr lang="en-US"/>
           </a:p>
@@ -4799,7 +4804,7 @@
           <a:p>
             <a:fld id="{0B5A8F20-3E02-4461-994C-EA7C73B16FC1}" type="datetimeFigureOut">
               <a:rPr lang="en-US" smtClean="0"/>
-              <a:t>2/22/2025</a:t>
+              <a:t>2/23/2025</a:t>
             </a:fld>
             <a:endParaRPr lang="en-US"/>
           </a:p>
@@ -4940,7 +4945,7 @@
           <a:p>
             <a:fld id="{0B5A8F20-3E02-4461-994C-EA7C73B16FC1}" type="datetimeFigureOut">
               <a:rPr lang="en-US" smtClean="0"/>
-              <a:t>2/22/2025</a:t>
+              <a:t>2/23/2025</a:t>
             </a:fld>
             <a:endParaRPr lang="en-US"/>
           </a:p>
@@ -5053,7 +5058,7 @@
           <a:p>
             <a:fld id="{0B5A8F20-3E02-4461-994C-EA7C73B16FC1}" type="datetimeFigureOut">
               <a:rPr lang="en-US" smtClean="0"/>
-              <a:t>2/22/2025</a:t>
+              <a:t>2/23/2025</a:t>
             </a:fld>
             <a:endParaRPr lang="en-US"/>
           </a:p>
@@ -5763,35 +5768,35 @@
           <a:p>
             <a:pPr lvl="0"/>
             <a:r>
-              <a:rPr lang="en-US"/>
+              <a:rPr lang="en-US" dirty="0"/>
               <a:t>Click to edit Master text styles</a:t>
             </a:r>
           </a:p>
           <a:p>
             <a:pPr lvl="1"/>
             <a:r>
-              <a:rPr lang="en-US"/>
+              <a:rPr lang="en-US" dirty="0"/>
               <a:t>Second level</a:t>
             </a:r>
           </a:p>
           <a:p>
             <a:pPr lvl="2"/>
             <a:r>
-              <a:rPr lang="en-US"/>
+              <a:rPr lang="en-US" dirty="0"/>
               <a:t>Third level</a:t>
             </a:r>
           </a:p>
           <a:p>
             <a:pPr lvl="3"/>
             <a:r>
-              <a:rPr lang="en-US"/>
+              <a:rPr lang="en-US" dirty="0"/>
               <a:t>Fourth level</a:t>
             </a:r>
           </a:p>
           <a:p>
             <a:pPr lvl="4"/>
             <a:r>
-              <a:rPr lang="en-US"/>
+              <a:rPr lang="en-US" dirty="0"/>
               <a:t>Fifth level</a:t>
             </a:r>
           </a:p>
@@ -5838,7 +5843,7 @@
           <a:p>
             <a:fld id="{0B5A8F20-3E02-4461-994C-EA7C73B16FC1}" type="datetimeFigureOut">
               <a:rPr lang="en-US" smtClean="0"/>
-              <a:t>2/22/2025</a:t>
+              <a:t>2/23/2025</a:t>
             </a:fld>
             <a:endParaRPr lang="en-US"/>
           </a:p>
@@ -5993,7 +5998,7 @@
           </a:solidFill>
           <a:latin typeface="+mn-lt"/>
           <a:ea typeface="+mn-ea"/>
-          <a:cs typeface="+mn-cs"/>
+          <a:cs typeface="B Nazanin" panose="00000400000000000000" pitchFamily="2" charset="-78"/>
         </a:defRPr>
       </a:lvl1pPr>
       <a:lvl2pPr marL="685800" indent="-228600" algn="l" defTabSz="914400" rtl="0" eaLnBrk="1" latinLnBrk="0" hangingPunct="1">
@@ -6011,7 +6016,7 @@
           </a:solidFill>
           <a:latin typeface="+mn-lt"/>
           <a:ea typeface="+mn-ea"/>
-          <a:cs typeface="+mn-cs"/>
+          <a:cs typeface="B Nazanin" panose="00000400000000000000" pitchFamily="2" charset="-78"/>
         </a:defRPr>
       </a:lvl2pPr>
       <a:lvl3pPr marL="1143000" indent="-228600" algn="l" defTabSz="914400" rtl="0" eaLnBrk="1" latinLnBrk="0" hangingPunct="1">
@@ -6029,7 +6034,7 @@
           </a:solidFill>
           <a:latin typeface="+mn-lt"/>
           <a:ea typeface="+mn-ea"/>
-          <a:cs typeface="+mn-cs"/>
+          <a:cs typeface="B Nazanin" panose="00000400000000000000" pitchFamily="2" charset="-78"/>
         </a:defRPr>
       </a:lvl3pPr>
       <a:lvl4pPr marL="1600200" indent="-228600" algn="l" defTabSz="914400" rtl="0" eaLnBrk="1" latinLnBrk="0" hangingPunct="1">
@@ -6047,7 +6052,7 @@
           </a:solidFill>
           <a:latin typeface="+mn-lt"/>
           <a:ea typeface="+mn-ea"/>
-          <a:cs typeface="+mn-cs"/>
+          <a:cs typeface="B Nazanin" panose="00000400000000000000" pitchFamily="2" charset="-78"/>
         </a:defRPr>
       </a:lvl4pPr>
       <a:lvl5pPr marL="2057400" indent="-228600" algn="l" defTabSz="914400" rtl="0" eaLnBrk="1" latinLnBrk="0" hangingPunct="1">
@@ -6065,7 +6070,7 @@
           </a:solidFill>
           <a:latin typeface="+mn-lt"/>
           <a:ea typeface="+mn-ea"/>
-          <a:cs typeface="+mn-cs"/>
+          <a:cs typeface="B Nazanin" panose="00000400000000000000" pitchFamily="2" charset="-78"/>
         </a:defRPr>
       </a:lvl5pPr>
       <a:lvl6pPr marL="2514600" indent="-228600" algn="l" defTabSz="914400" rtl="0" eaLnBrk="1" latinLnBrk="0" hangingPunct="1">
@@ -6499,12 +6504,42 @@
           <a:chExt cx="0" cy="0"/>
         </a:xfrm>
       </p:grpSpPr>
-      <p:sp>
-        <p:nvSpPr>
-          <p:cNvPr id="2" name="Title 1">
-            <a:extLst>
-              <a:ext uri="{FF2B5EF4-FFF2-40B4-BE49-F238E27FC236}">
-                <a16:creationId xmlns:a16="http://schemas.microsoft.com/office/drawing/2014/main" id="{4E69BD38-FCCD-96C0-47E7-CE99A760DB4D}"/>
+      <p:pic>
+        <p:nvPicPr>
+          <p:cNvPr id="6" name="Picture 5">
+            <a:extLst>
+              <a:ext uri="{FF2B5EF4-FFF2-40B4-BE49-F238E27FC236}">
+                <a16:creationId xmlns:a16="http://schemas.microsoft.com/office/drawing/2014/main" id="{32881F6B-3CDD-DE1D-EEC5-5C93AB954400}"/>
+              </a:ext>
+            </a:extLst>
+          </p:cNvPr>
+          <p:cNvPicPr>
+            <a:picLocks noChangeAspect="1"/>
+          </p:cNvPicPr>
+          <p:nvPr/>
+        </p:nvPicPr>
+        <p:blipFill>
+          <a:blip r:embed="rId2"/>
+          <a:stretch>
+            <a:fillRect/>
+          </a:stretch>
+        </p:blipFill>
+        <p:spPr>
+          <a:xfrm>
+            <a:off x="1118912" y="1634918"/>
+            <a:ext cx="9954176" cy="4303766"/>
+          </a:xfrm>
+          <a:prstGeom prst="rect">
+            <a:avLst/>
+          </a:prstGeom>
+        </p:spPr>
+      </p:pic>
+      <p:sp>
+        <p:nvSpPr>
+          <p:cNvPr id="7" name="Title 6">
+            <a:extLst>
+              <a:ext uri="{FF2B5EF4-FFF2-40B4-BE49-F238E27FC236}">
+                <a16:creationId xmlns:a16="http://schemas.microsoft.com/office/drawing/2014/main" id="{DAAD03C6-4A53-6B4F-85D2-81536659F9B4}"/>
               </a:ext>
             </a:extLst>
           </p:cNvPr>
@@ -6520,144 +6555,14 @@
           <a:bodyPr/>
           <a:lstStyle/>
           <a:p>
-            <a:r>
-              <a:rPr lang="fa-IR" dirty="0"/>
-              <a:t>مداخله صورت گرفته</a:t>
-            </a:r>
-            <a:endParaRPr lang="en-US" dirty="0"/>
-          </a:p>
-        </p:txBody>
-      </p:sp>
-      <p:sp>
-        <p:nvSpPr>
-          <p:cNvPr id="3" name="Content Placeholder 2">
-            <a:extLst>
-              <a:ext uri="{FF2B5EF4-FFF2-40B4-BE49-F238E27FC236}">
-                <a16:creationId xmlns:a16="http://schemas.microsoft.com/office/drawing/2014/main" id="{D9B2BB2A-0F26-EFDA-D854-7AED00C6D235}"/>
-              </a:ext>
-            </a:extLst>
-          </p:cNvPr>
-          <p:cNvSpPr>
-            <a:spLocks noGrp="1"/>
-          </p:cNvSpPr>
-          <p:nvPr>
-            <p:ph idx="1"/>
-          </p:nvPr>
-        </p:nvSpPr>
-        <p:spPr/>
-        <p:txBody>
-          <a:bodyPr>
-            <a:normAutofit/>
-          </a:bodyPr>
-          <a:lstStyle/>
-          <a:p>
-            <a:pPr marL="0" indent="0">
-              <a:buNone/>
-            </a:pPr>
-            <a:r>
-              <a:rPr lang="fa-IR" dirty="0"/>
-              <a:t>تزریق وریدی یک دوز ۲۰,۰۰۰ واحدی </a:t>
-            </a:r>
-            <a:r>
-              <a:rPr lang="fa-IR" dirty="0" err="1"/>
-              <a:t>اپرکس</a:t>
-            </a:r>
-            <a:r>
-              <a:rPr lang="fa-IR" dirty="0"/>
-              <a:t> (</a:t>
-            </a:r>
-            <a:r>
-              <a:rPr lang="fa-IR" dirty="0" err="1"/>
-              <a:t>اپوئتین</a:t>
-            </a:r>
-            <a:r>
-              <a:rPr lang="fa-IR" dirty="0"/>
-              <a:t> آلفا)</a:t>
-            </a:r>
-          </a:p>
-          <a:p>
-            <a:r>
-              <a:rPr lang="fa-IR" dirty="0"/>
-              <a:t>دارو طبق پروتکل استاندارد </a:t>
-            </a:r>
-            <a:r>
-              <a:rPr lang="en-US" dirty="0"/>
-              <a:t>ICU، </a:t>
-            </a:r>
-            <a:r>
-              <a:rPr lang="fa-IR" dirty="0"/>
-              <a:t>توسط پرستار </a:t>
-            </a:r>
-            <a:r>
-              <a:rPr lang="fa-IR" dirty="0" err="1"/>
-              <a:t>به‌صورت</a:t>
-            </a:r>
-            <a:r>
-              <a:rPr lang="fa-IR" dirty="0"/>
-              <a:t> وریدی تزریق شد.</a:t>
-            </a:r>
-          </a:p>
-          <a:p>
-            <a:r>
-              <a:rPr lang="fa-IR" dirty="0" err="1"/>
-              <a:t>اپوئتین</a:t>
-            </a:r>
-            <a:r>
-              <a:rPr lang="fa-IR" dirty="0"/>
-              <a:t> آلفا در ۱۰ </a:t>
-            </a:r>
-            <a:r>
-              <a:rPr lang="fa-IR" dirty="0" err="1"/>
-              <a:t>میلی‌لیتر</a:t>
-            </a:r>
-            <a:r>
-              <a:rPr lang="fa-IR" dirty="0"/>
-              <a:t> نرمال </a:t>
-            </a:r>
-            <a:r>
-              <a:rPr lang="fa-IR" dirty="0" err="1"/>
-              <a:t>سالین</a:t>
-            </a:r>
-            <a:r>
-              <a:rPr lang="fa-IR" dirty="0"/>
-              <a:t> (۰.۹٪) حل شد.</a:t>
-            </a:r>
-          </a:p>
-          <a:p>
-            <a:r>
-              <a:rPr lang="fa-IR" dirty="0"/>
-              <a:t>۱۰ </a:t>
-            </a:r>
-            <a:r>
-              <a:rPr lang="fa-IR" dirty="0" err="1"/>
-              <a:t>میلی‌لیتر</a:t>
-            </a:r>
-            <a:r>
-              <a:rPr lang="fa-IR" dirty="0"/>
-              <a:t> نرمال </a:t>
-            </a:r>
-            <a:r>
-              <a:rPr lang="fa-IR" dirty="0" err="1"/>
-              <a:t>سالین</a:t>
-            </a:r>
-            <a:r>
-              <a:rPr lang="fa-IR" dirty="0"/>
-              <a:t> قبل و بعد از تزریق دارو استفاده شد.</a:t>
-            </a:r>
-          </a:p>
-          <a:p>
-            <a:r>
-              <a:rPr lang="fa-IR" dirty="0"/>
-              <a:t>در زمان یا بلافاصله پس از تزریق، هیچ داروی دیگری از طریق خط وریدی تجویز نشد.</a:t>
-            </a:r>
-            <a:endParaRPr lang="en-US" dirty="0"/>
+            <a:endParaRPr lang="en-US"/>
           </a:p>
         </p:txBody>
       </p:sp>
     </p:spTree>
     <p:extLst>
       <p:ext uri="{BB962C8B-B14F-4D97-AF65-F5344CB8AC3E}">
-        <p14:creationId xmlns:p14="http://schemas.microsoft.com/office/powerpoint/2010/main" val="3041852771"/>
+        <p14:creationId xmlns:p14="http://schemas.microsoft.com/office/powerpoint/2010/main" val="436838293"/>
       </p:ext>
     </p:extLst>
   </p:cSld>
@@ -6689,6 +6594,482 @@
           <p:cNvPr id="2" name="Title 1">
             <a:extLst>
               <a:ext uri="{FF2B5EF4-FFF2-40B4-BE49-F238E27FC236}">
+                <a16:creationId xmlns:a16="http://schemas.microsoft.com/office/drawing/2014/main" id="{C7E87E29-861D-608D-C4B8-053DF49D84F3}"/>
+              </a:ext>
+            </a:extLst>
+          </p:cNvPr>
+          <p:cNvSpPr>
+            <a:spLocks noGrp="1"/>
+          </p:cNvSpPr>
+          <p:nvPr>
+            <p:ph type="title"/>
+          </p:nvPr>
+        </p:nvSpPr>
+        <p:spPr/>
+        <p:txBody>
+          <a:bodyPr/>
+          <a:lstStyle/>
+          <a:p>
+            <a:r>
+              <a:rPr lang="fa-IR" dirty="0"/>
+              <a:t>شرایط خروج از مطالعه</a:t>
+            </a:r>
+            <a:endParaRPr lang="en-US" dirty="0"/>
+          </a:p>
+        </p:txBody>
+      </p:sp>
+      <p:sp>
+        <p:nvSpPr>
+          <p:cNvPr id="3" name="Content Placeholder 2">
+            <a:extLst>
+              <a:ext uri="{FF2B5EF4-FFF2-40B4-BE49-F238E27FC236}">
+                <a16:creationId xmlns:a16="http://schemas.microsoft.com/office/drawing/2014/main" id="{C9B70213-1AF8-56D4-4ECC-D85C886FAB5B}"/>
+              </a:ext>
+            </a:extLst>
+          </p:cNvPr>
+          <p:cNvSpPr>
+            <a:spLocks noGrp="1"/>
+          </p:cNvSpPr>
+          <p:nvPr>
+            <p:ph idx="1"/>
+          </p:nvPr>
+        </p:nvSpPr>
+        <p:spPr/>
+        <p:txBody>
+          <a:bodyPr>
+            <a:normAutofit fontScale="85000" lnSpcReduction="20000"/>
+          </a:bodyPr>
+          <a:lstStyle/>
+          <a:p>
+            <a:r>
+              <a:rPr lang="fa-IR" dirty="0"/>
+              <a:t>سابقه </a:t>
+            </a:r>
+            <a:r>
+              <a:rPr lang="fa-IR" dirty="0" err="1"/>
+              <a:t>ترانسفیوژن</a:t>
+            </a:r>
+            <a:r>
+              <a:rPr lang="fa-IR" dirty="0"/>
+              <a:t> طی 7 روز قبل از ورود به مطالعه </a:t>
+            </a:r>
+          </a:p>
+          <a:p>
+            <a:r>
+              <a:rPr lang="fa-IR" dirty="0"/>
+              <a:t>سابقه قبلی </a:t>
+            </a:r>
+            <a:r>
+              <a:rPr lang="fa-IR" dirty="0" err="1"/>
+              <a:t>ترومبوز</a:t>
+            </a:r>
+            <a:r>
+              <a:rPr lang="fa-IR" dirty="0"/>
+              <a:t> ورید عمقی یا آمبولی ریه </a:t>
+            </a:r>
+          </a:p>
+          <a:p>
+            <a:r>
+              <a:rPr lang="fa-IR" dirty="0"/>
+              <a:t>تشنج تازه شروع شده </a:t>
+            </a:r>
+          </a:p>
+          <a:p>
+            <a:r>
+              <a:rPr lang="fa-IR" dirty="0"/>
+              <a:t>فشار خون بالای </a:t>
+            </a:r>
+            <a:r>
+              <a:rPr lang="fa-IR" dirty="0" err="1"/>
+              <a:t>كنترل</a:t>
+            </a:r>
+            <a:r>
+              <a:rPr lang="fa-IR" dirty="0"/>
+              <a:t> نشده (</a:t>
+            </a:r>
+            <a:r>
+              <a:rPr lang="en-US" dirty="0"/>
+              <a:t>SBP&gt;140 </a:t>
+            </a:r>
+            <a:r>
+              <a:rPr lang="fa-IR" dirty="0"/>
+              <a:t> و</a:t>
+            </a:r>
+            <a:r>
+              <a:rPr lang="en-US" dirty="0"/>
+              <a:t>DBP&gt;90</a:t>
+            </a:r>
+            <a:r>
+              <a:rPr lang="fa-IR" dirty="0"/>
+              <a:t>)</a:t>
+            </a:r>
+            <a:endParaRPr lang="en-US" dirty="0"/>
+          </a:p>
+          <a:p>
+            <a:r>
+              <a:rPr lang="fa-IR" dirty="0"/>
+              <a:t>سابقه بیماری </a:t>
+            </a:r>
+            <a:r>
+              <a:rPr lang="fa-IR" dirty="0" err="1"/>
+              <a:t>ایسكمیک</a:t>
+            </a:r>
+            <a:r>
+              <a:rPr lang="fa-IR" dirty="0"/>
+              <a:t> حاد قلبی یا عصبی </a:t>
+            </a:r>
+          </a:p>
+          <a:p>
+            <a:r>
+              <a:rPr lang="fa-IR" dirty="0"/>
+              <a:t>سابقه نارسایی </a:t>
+            </a:r>
+            <a:r>
+              <a:rPr lang="fa-IR" dirty="0" err="1"/>
+              <a:t>كلیه</a:t>
+            </a:r>
+            <a:r>
+              <a:rPr lang="fa-IR" dirty="0"/>
+              <a:t> </a:t>
+            </a:r>
+            <a:r>
+              <a:rPr lang="en-US" dirty="0"/>
+              <a:t>eGFR &lt;60 mL/min) </a:t>
+            </a:r>
+            <a:r>
+              <a:rPr lang="fa-IR" dirty="0"/>
+              <a:t> و بیماران تحت دیالیز)</a:t>
+            </a:r>
+          </a:p>
+          <a:p>
+            <a:r>
+              <a:rPr lang="fa-IR" dirty="0"/>
+              <a:t>بیماران مبتلا به </a:t>
+            </a:r>
+            <a:r>
+              <a:rPr lang="fa-IR" dirty="0" err="1"/>
+              <a:t>كمبود</a:t>
+            </a:r>
+            <a:r>
+              <a:rPr lang="fa-IR" dirty="0"/>
+              <a:t> آهن یا </a:t>
+            </a:r>
+            <a:r>
+              <a:rPr lang="fa-IR" dirty="0" err="1"/>
+              <a:t>فولات</a:t>
+            </a:r>
+            <a:r>
+              <a:rPr lang="fa-IR" dirty="0"/>
+              <a:t> در هنگام شروع مطالعه</a:t>
+            </a:r>
+          </a:p>
+          <a:p>
+            <a:r>
+              <a:rPr lang="fa-IR" dirty="0"/>
+              <a:t>بیماران مبتلا </a:t>
+            </a:r>
+            <a:r>
+              <a:rPr lang="fa-IR" dirty="0" err="1"/>
+              <a:t>هموگلوبینوپاتی</a:t>
+            </a:r>
+            <a:r>
+              <a:rPr lang="fa-IR" dirty="0"/>
+              <a:t> </a:t>
+            </a:r>
+          </a:p>
+          <a:p>
+            <a:r>
+              <a:rPr lang="fa-IR" dirty="0"/>
+              <a:t>بیماران باردار </a:t>
+            </a:r>
+          </a:p>
+          <a:p>
+            <a:r>
+              <a:rPr lang="fa-IR" dirty="0"/>
+              <a:t>بیماران مبتلا به بیماری های مغز استخوان ازجمله آنمی </a:t>
+            </a:r>
+            <a:r>
+              <a:rPr lang="fa-IR" dirty="0" err="1"/>
+              <a:t>آپلاستیک</a:t>
+            </a:r>
+            <a:r>
+              <a:rPr lang="fa-IR" dirty="0"/>
+              <a:t> و </a:t>
+            </a:r>
+            <a:r>
+              <a:rPr lang="en-US" dirty="0"/>
+              <a:t>MDS </a:t>
+            </a:r>
+          </a:p>
+          <a:p>
+            <a:endParaRPr lang="en-US" dirty="0"/>
+          </a:p>
+        </p:txBody>
+      </p:sp>
+    </p:spTree>
+    <p:extLst>
+      <p:ext uri="{BB962C8B-B14F-4D97-AF65-F5344CB8AC3E}">
+        <p14:creationId xmlns:p14="http://schemas.microsoft.com/office/powerpoint/2010/main" val="2892616950"/>
+      </p:ext>
+    </p:extLst>
+  </p:cSld>
+  <p:clrMapOvr>
+    <a:masterClrMapping/>
+  </p:clrMapOvr>
+</p:sld>
+</file>
+
+<file path=ppt/slides/slide12.xml><?xml version="1.0" encoding="utf-8"?>
+<p:sld xmlns:a="http://schemas.openxmlformats.org/drawingml/2006/main" xmlns:r="http://schemas.openxmlformats.org/officeDocument/2006/relationships" xmlns:p="http://schemas.openxmlformats.org/presentationml/2006/main">
+  <p:cSld>
+    <p:spTree>
+      <p:nvGrpSpPr>
+        <p:cNvPr id="1" name=""/>
+        <p:cNvGrpSpPr/>
+        <p:nvPr/>
+      </p:nvGrpSpPr>
+      <p:grpSpPr>
+        <a:xfrm>
+          <a:off x="0" y="0"/>
+          <a:ext cx="0" cy="0"/>
+          <a:chOff x="0" y="0"/>
+          <a:chExt cx="0" cy="0"/>
+        </a:xfrm>
+      </p:grpSpPr>
+      <p:sp>
+        <p:nvSpPr>
+          <p:cNvPr id="2" name="Title 1">
+            <a:extLst>
+              <a:ext uri="{FF2B5EF4-FFF2-40B4-BE49-F238E27FC236}">
+                <a16:creationId xmlns:a16="http://schemas.microsoft.com/office/drawing/2014/main" id="{4E69BD38-FCCD-96C0-47E7-CE99A760DB4D}"/>
+              </a:ext>
+            </a:extLst>
+          </p:cNvPr>
+          <p:cNvSpPr>
+            <a:spLocks noGrp="1"/>
+          </p:cNvSpPr>
+          <p:nvPr>
+            <p:ph type="title"/>
+          </p:nvPr>
+        </p:nvSpPr>
+        <p:spPr/>
+        <p:txBody>
+          <a:bodyPr/>
+          <a:lstStyle/>
+          <a:p>
+            <a:r>
+              <a:rPr lang="fa-IR" dirty="0"/>
+              <a:t>مداخله صورت گرفته</a:t>
+            </a:r>
+            <a:endParaRPr lang="en-US" dirty="0"/>
+          </a:p>
+        </p:txBody>
+      </p:sp>
+      <p:sp>
+        <p:nvSpPr>
+          <p:cNvPr id="3" name="Content Placeholder 2">
+            <a:extLst>
+              <a:ext uri="{FF2B5EF4-FFF2-40B4-BE49-F238E27FC236}">
+                <a16:creationId xmlns:a16="http://schemas.microsoft.com/office/drawing/2014/main" id="{D9B2BB2A-0F26-EFDA-D854-7AED00C6D235}"/>
+              </a:ext>
+            </a:extLst>
+          </p:cNvPr>
+          <p:cNvSpPr>
+            <a:spLocks noGrp="1"/>
+          </p:cNvSpPr>
+          <p:nvPr>
+            <p:ph idx="1"/>
+          </p:nvPr>
+        </p:nvSpPr>
+        <p:spPr>
+          <a:xfrm>
+            <a:off x="5378244" y="1825625"/>
+            <a:ext cx="5975555" cy="4351338"/>
+          </a:xfrm>
+        </p:spPr>
+        <p:txBody>
+          <a:bodyPr>
+            <a:normAutofit fontScale="92500" lnSpcReduction="10000"/>
+          </a:bodyPr>
+          <a:lstStyle/>
+          <a:p>
+            <a:pPr marL="0" indent="0">
+              <a:buNone/>
+            </a:pPr>
+            <a:r>
+              <a:rPr lang="fa-IR" dirty="0"/>
+              <a:t>تزریق وریدی یک دوز ۲۰,۰۰۰ واحدی </a:t>
+            </a:r>
+            <a:r>
+              <a:rPr lang="fa-IR" dirty="0" err="1"/>
+              <a:t>اپوئتین</a:t>
+            </a:r>
+            <a:r>
+              <a:rPr lang="fa-IR" dirty="0"/>
+              <a:t> آلفا</a:t>
+            </a:r>
+          </a:p>
+          <a:p>
+            <a:r>
+              <a:rPr lang="fa-IR" dirty="0"/>
+              <a:t>دارو طبق پروتکل استاندارد </a:t>
+            </a:r>
+            <a:r>
+              <a:rPr lang="en-US" dirty="0"/>
+              <a:t>ICU، </a:t>
+            </a:r>
+            <a:r>
+              <a:rPr lang="fa-IR" dirty="0"/>
+              <a:t>توسط پرستار </a:t>
+            </a:r>
+            <a:r>
+              <a:rPr lang="fa-IR" dirty="0" err="1"/>
+              <a:t>به‌صورت</a:t>
+            </a:r>
+            <a:r>
+              <a:rPr lang="fa-IR" dirty="0"/>
+              <a:t> وریدی تزریق شد.</a:t>
+            </a:r>
+          </a:p>
+          <a:p>
+            <a:r>
+              <a:rPr lang="fa-IR" dirty="0" err="1"/>
+              <a:t>اپوئتین</a:t>
+            </a:r>
+            <a:r>
+              <a:rPr lang="fa-IR" dirty="0"/>
+              <a:t> آلفا در ۱۰ </a:t>
+            </a:r>
+            <a:r>
+              <a:rPr lang="fa-IR" dirty="0" err="1"/>
+              <a:t>میلی‌لیتر</a:t>
+            </a:r>
+            <a:r>
+              <a:rPr lang="fa-IR" dirty="0"/>
+              <a:t> نرمال </a:t>
+            </a:r>
+            <a:r>
+              <a:rPr lang="fa-IR" dirty="0" err="1"/>
+              <a:t>سالین</a:t>
+            </a:r>
+            <a:r>
+              <a:rPr lang="fa-IR" dirty="0"/>
+              <a:t> (۰.۹٪) حل شد.</a:t>
+            </a:r>
+          </a:p>
+          <a:p>
+            <a:r>
+              <a:rPr lang="fa-IR" dirty="0"/>
+              <a:t>۱۰ </a:t>
+            </a:r>
+            <a:r>
+              <a:rPr lang="fa-IR" dirty="0" err="1"/>
+              <a:t>میلی‌لیتر</a:t>
+            </a:r>
+            <a:r>
+              <a:rPr lang="fa-IR" dirty="0"/>
+              <a:t> نرمال </a:t>
+            </a:r>
+            <a:r>
+              <a:rPr lang="fa-IR" dirty="0" err="1"/>
+              <a:t>سالین</a:t>
+            </a:r>
+            <a:r>
+              <a:rPr lang="fa-IR" dirty="0"/>
+              <a:t> قبل و بعد از تزریق دارو استفاده شد.</a:t>
+            </a:r>
+          </a:p>
+          <a:p>
+            <a:r>
+              <a:rPr lang="fa-IR" dirty="0"/>
+              <a:t>در زمان یا بلافاصله پس از تزریق، هیچ داروی دیگری از طریق خط وریدی تجویز نشد.</a:t>
+            </a:r>
+            <a:endParaRPr lang="en-US" dirty="0"/>
+          </a:p>
+        </p:txBody>
+      </p:sp>
+      <p:pic>
+        <p:nvPicPr>
+          <p:cNvPr id="1030" name="Picture 6" descr="دارو اریتروپوئیتین : موارد مصرف و عوارض جانبی Erythropoietin">
+            <a:extLst>
+              <a:ext uri="{FF2B5EF4-FFF2-40B4-BE49-F238E27FC236}">
+                <a16:creationId xmlns:a16="http://schemas.microsoft.com/office/drawing/2014/main" id="{61F9A5C6-FB4E-30CD-D1DC-E8C345FF951C}"/>
+              </a:ext>
+            </a:extLst>
+          </p:cNvPr>
+          <p:cNvPicPr>
+            <a:picLocks noChangeAspect="1" noChangeArrowheads="1"/>
+          </p:cNvPicPr>
+          <p:nvPr/>
+        </p:nvPicPr>
+        <p:blipFill>
+          <a:blip r:embed="rId2">
+            <a:extLst>
+              <a:ext uri="{28A0092B-C50C-407E-A947-70E740481C1C}">
+                <a14:useLocalDpi xmlns:a14="http://schemas.microsoft.com/office/drawing/2010/main" val="0"/>
+              </a:ext>
+            </a:extLst>
+          </a:blip>
+          <a:srcRect/>
+          <a:stretch>
+            <a:fillRect/>
+          </a:stretch>
+        </p:blipFill>
+        <p:spPr bwMode="auto">
+          <a:xfrm>
+            <a:off x="282370" y="2231922"/>
+            <a:ext cx="4969976" cy="3313317"/>
+          </a:xfrm>
+          <a:prstGeom prst="rect">
+            <a:avLst/>
+          </a:prstGeom>
+          <a:noFill/>
+          <a:extLst>
+            <a:ext uri="{909E8E84-426E-40DD-AFC4-6F175D3DCCD1}">
+              <a14:hiddenFill xmlns:a14="http://schemas.microsoft.com/office/drawing/2010/main">
+                <a:solidFill>
+                  <a:srgbClr val="FFFFFF"/>
+                </a:solidFill>
+              </a14:hiddenFill>
+            </a:ext>
+          </a:extLst>
+        </p:spPr>
+      </p:pic>
+    </p:spTree>
+    <p:extLst>
+      <p:ext uri="{BB962C8B-B14F-4D97-AF65-F5344CB8AC3E}">
+        <p14:creationId xmlns:p14="http://schemas.microsoft.com/office/powerpoint/2010/main" val="3041852771"/>
+      </p:ext>
+    </p:extLst>
+  </p:cSld>
+  <p:clrMapOvr>
+    <a:masterClrMapping/>
+  </p:clrMapOvr>
+</p:sld>
+</file>
+
+<file path=ppt/slides/slide13.xml><?xml version="1.0" encoding="utf-8"?>
+<p:sld xmlns:a="http://schemas.openxmlformats.org/drawingml/2006/main" xmlns:r="http://schemas.openxmlformats.org/officeDocument/2006/relationships" xmlns:p="http://schemas.openxmlformats.org/presentationml/2006/main">
+  <p:cSld>
+    <p:spTree>
+      <p:nvGrpSpPr>
+        <p:cNvPr id="1" name=""/>
+        <p:cNvGrpSpPr/>
+        <p:nvPr/>
+      </p:nvGrpSpPr>
+      <p:grpSpPr>
+        <a:xfrm>
+          <a:off x="0" y="0"/>
+          <a:ext cx="0" cy="0"/>
+          <a:chOff x="0" y="0"/>
+          <a:chExt cx="0" cy="0"/>
+        </a:xfrm>
+      </p:grpSpPr>
+      <p:sp>
+        <p:nvSpPr>
+          <p:cNvPr id="2" name="Title 1">
+            <a:extLst>
+              <a:ext uri="{FF2B5EF4-FFF2-40B4-BE49-F238E27FC236}">
                 <a16:creationId xmlns:a16="http://schemas.microsoft.com/office/drawing/2014/main" id="{9D409413-5F69-B72C-A87D-B9B0F6F3597E}"/>
               </a:ext>
             </a:extLst>
@@ -6842,7 +7223,7 @@
 </p:sld>
 </file>
 
-<file path=ppt/slides/slide12.xml><?xml version="1.0" encoding="utf-8"?>
+<file path=ppt/slides/slide14.xml><?xml version="1.0" encoding="utf-8"?>
 <p:sld xmlns:a="http://schemas.openxmlformats.org/drawingml/2006/main" xmlns:r="http://schemas.openxmlformats.org/officeDocument/2006/relationships" xmlns:p="http://schemas.openxmlformats.org/presentationml/2006/main">
   <p:cSld>
     <p:spTree>
@@ -6931,386 +7312,6 @@
 </p:sld>
 </file>
 
-<file path=ppt/slides/slide13.xml><?xml version="1.0" encoding="utf-8"?>
-<p:sld xmlns:a="http://schemas.openxmlformats.org/drawingml/2006/main" xmlns:r="http://schemas.openxmlformats.org/officeDocument/2006/relationships" xmlns:p="http://schemas.openxmlformats.org/presentationml/2006/main">
-  <p:cSld>
-    <p:spTree>
-      <p:nvGrpSpPr>
-        <p:cNvPr id="1" name=""/>
-        <p:cNvGrpSpPr/>
-        <p:nvPr/>
-      </p:nvGrpSpPr>
-      <p:grpSpPr>
-        <a:xfrm>
-          <a:off x="0" y="0"/>
-          <a:ext cx="0" cy="0"/>
-          <a:chOff x="0" y="0"/>
-          <a:chExt cx="0" cy="0"/>
-        </a:xfrm>
-      </p:grpSpPr>
-      <p:sp>
-        <p:nvSpPr>
-          <p:cNvPr id="2" name="Title 1">
-            <a:extLst>
-              <a:ext uri="{FF2B5EF4-FFF2-40B4-BE49-F238E27FC236}">
-                <a16:creationId xmlns:a16="http://schemas.microsoft.com/office/drawing/2014/main" id="{8DE660B3-21CF-C5BF-DE75-9C4E66A58226}"/>
-              </a:ext>
-            </a:extLst>
-          </p:cNvPr>
-          <p:cNvSpPr>
-            <a:spLocks noGrp="1"/>
-          </p:cNvSpPr>
-          <p:nvPr>
-            <p:ph type="title"/>
-          </p:nvPr>
-        </p:nvSpPr>
-        <p:spPr/>
-        <p:txBody>
-          <a:bodyPr/>
-          <a:lstStyle/>
-          <a:p>
-            <a:r>
-              <a:rPr lang="fa-IR" dirty="0"/>
-              <a:t>تحلیل فارماکوکینتیک</a:t>
-            </a:r>
-            <a:endParaRPr lang="en-US" dirty="0"/>
-          </a:p>
-        </p:txBody>
-      </p:sp>
-      <p:sp>
-        <p:nvSpPr>
-          <p:cNvPr id="3" name="Content Placeholder 2">
-            <a:extLst>
-              <a:ext uri="{FF2B5EF4-FFF2-40B4-BE49-F238E27FC236}">
-                <a16:creationId xmlns:a16="http://schemas.microsoft.com/office/drawing/2014/main" id="{90E25786-ED40-3D64-5C62-6DCCBAAD5B47}"/>
-              </a:ext>
-            </a:extLst>
-          </p:cNvPr>
-          <p:cNvSpPr>
-            <a:spLocks noGrp="1"/>
-          </p:cNvSpPr>
-          <p:nvPr>
-            <p:ph idx="1"/>
-          </p:nvPr>
-        </p:nvSpPr>
-        <p:spPr/>
-        <p:txBody>
-          <a:bodyPr/>
-          <a:lstStyle/>
-          <a:p>
-            <a:pPr>
-              <a:lnSpc>
-                <a:spcPct val="100000"/>
-              </a:lnSpc>
-            </a:pPr>
-            <a:r>
-              <a:rPr lang="fa-IR" dirty="0" err="1"/>
-              <a:t>داده‌ها</a:t>
-            </a:r>
-            <a:r>
-              <a:rPr lang="fa-IR" dirty="0"/>
-              <a:t> با استفاده از </a:t>
-            </a:r>
-            <a:r>
-              <a:rPr lang="fa-IR" dirty="0" err="1"/>
-              <a:t>نرم‌افزار</a:t>
-            </a:r>
-            <a:r>
-              <a:rPr lang="fa-IR" dirty="0"/>
-              <a:t> </a:t>
-            </a:r>
-            <a:r>
-              <a:rPr lang="en-US" dirty="0" err="1"/>
-              <a:t>Monolix</a:t>
-            </a:r>
-            <a:r>
-              <a:rPr lang="fa-IR" dirty="0"/>
-              <a:t> تحلیل شدند.</a:t>
-            </a:r>
-          </a:p>
-          <a:p>
-            <a:pPr>
-              <a:lnSpc>
-                <a:spcPct val="100000"/>
-              </a:lnSpc>
-            </a:pPr>
-            <a:r>
-              <a:rPr lang="fa-IR" dirty="0"/>
-              <a:t>ابتدا مدل </a:t>
-            </a:r>
-            <a:r>
-              <a:rPr lang="fa-IR" dirty="0" err="1"/>
-              <a:t>تک‌کمپارتمانه</a:t>
-            </a:r>
-            <a:r>
-              <a:rPr lang="fa-IR" dirty="0"/>
-              <a:t> برای بررسی </a:t>
-            </a:r>
-            <a:r>
-              <a:rPr lang="fa-IR" dirty="0" err="1"/>
-              <a:t>داده‌ها</a:t>
-            </a:r>
-            <a:r>
-              <a:rPr lang="fa-IR" dirty="0"/>
-              <a:t> استفاده شد.</a:t>
-            </a:r>
-          </a:p>
-          <a:p>
-            <a:pPr>
-              <a:lnSpc>
-                <a:spcPct val="100000"/>
-              </a:lnSpc>
-            </a:pPr>
-            <a:r>
-              <a:rPr lang="fa-IR" dirty="0"/>
-              <a:t>مدل با در نظر گرفتن غلظت پایه دارو و نرخ </a:t>
-            </a:r>
-            <a:r>
-              <a:rPr lang="fa-IR" dirty="0" err="1"/>
-              <a:t>فیلتراسیون</a:t>
-            </a:r>
-            <a:r>
-              <a:rPr lang="fa-IR" dirty="0"/>
-              <a:t> </a:t>
-            </a:r>
-            <a:r>
-              <a:rPr lang="fa-IR" dirty="0" err="1"/>
-              <a:t>گلومرولی</a:t>
-            </a:r>
-            <a:r>
-              <a:rPr lang="fa-IR" dirty="0"/>
-              <a:t> (</a:t>
-            </a:r>
-            <a:r>
-              <a:rPr lang="en-US" dirty="0"/>
-              <a:t>GFR</a:t>
-            </a:r>
-            <a:r>
-              <a:rPr lang="fa-IR" dirty="0"/>
-              <a:t>) اصلاح شد.</a:t>
-            </a:r>
-            <a:endParaRPr lang="en-US" dirty="0"/>
-          </a:p>
-          <a:p>
-            <a:pPr>
-              <a:lnSpc>
-                <a:spcPct val="100000"/>
-              </a:lnSpc>
-            </a:pPr>
-            <a:r>
-              <a:rPr lang="fa-IR" dirty="0" err="1"/>
-              <a:t>مدل‌های</a:t>
-            </a:r>
-            <a:r>
-              <a:rPr lang="fa-IR" dirty="0"/>
-              <a:t> </a:t>
-            </a:r>
-            <a:r>
-              <a:rPr lang="fa-IR" dirty="0" err="1"/>
-              <a:t>یک‌کمپارتمانه</a:t>
-            </a:r>
-            <a:r>
-              <a:rPr lang="fa-IR" dirty="0"/>
-              <a:t>، </a:t>
-            </a:r>
-            <a:r>
-              <a:rPr lang="fa-IR" dirty="0" err="1"/>
-              <a:t>دو‌کمپارتمانه</a:t>
-            </a:r>
-            <a:r>
-              <a:rPr lang="fa-IR" dirty="0"/>
-              <a:t> و </a:t>
-            </a:r>
-            <a:r>
-              <a:rPr lang="fa-IR" dirty="0" err="1"/>
-              <a:t>سه‌کمپارتمانه</a:t>
-            </a:r>
-            <a:r>
-              <a:rPr lang="fa-IR" dirty="0"/>
-              <a:t> مقایسه شدند تا </a:t>
-            </a:r>
-            <a:r>
-              <a:rPr lang="fa-IR" dirty="0" err="1"/>
-              <a:t>مناسب‌ترین</a:t>
-            </a:r>
-            <a:r>
-              <a:rPr lang="fa-IR" dirty="0"/>
-              <a:t> مدل انتخاب شود.</a:t>
-            </a:r>
-            <a:endParaRPr lang="en-US" dirty="0"/>
-          </a:p>
-        </p:txBody>
-      </p:sp>
-    </p:spTree>
-    <p:extLst>
-      <p:ext uri="{BB962C8B-B14F-4D97-AF65-F5344CB8AC3E}">
-        <p14:creationId xmlns:p14="http://schemas.microsoft.com/office/powerpoint/2010/main" val="191647200"/>
-      </p:ext>
-    </p:extLst>
-  </p:cSld>
-  <p:clrMapOvr>
-    <a:masterClrMapping/>
-  </p:clrMapOvr>
-</p:sld>
-</file>
-
-<file path=ppt/slides/slide14.xml><?xml version="1.0" encoding="utf-8"?>
-<p:sld xmlns:a="http://schemas.openxmlformats.org/drawingml/2006/main" xmlns:r="http://schemas.openxmlformats.org/officeDocument/2006/relationships" xmlns:p="http://schemas.openxmlformats.org/presentationml/2006/main">
-  <p:cSld>
-    <p:spTree>
-      <p:nvGrpSpPr>
-        <p:cNvPr id="1" name=""/>
-        <p:cNvGrpSpPr/>
-        <p:nvPr/>
-      </p:nvGrpSpPr>
-      <p:grpSpPr>
-        <a:xfrm>
-          <a:off x="0" y="0"/>
-          <a:ext cx="0" cy="0"/>
-          <a:chOff x="0" y="0"/>
-          <a:chExt cx="0" cy="0"/>
-        </a:xfrm>
-      </p:grpSpPr>
-      <p:sp>
-        <p:nvSpPr>
-          <p:cNvPr id="2" name="Title 1">
-            <a:extLst>
-              <a:ext uri="{FF2B5EF4-FFF2-40B4-BE49-F238E27FC236}">
-                <a16:creationId xmlns:a16="http://schemas.microsoft.com/office/drawing/2014/main" id="{4BC1F650-F988-3CA6-AAA8-442019423B94}"/>
-              </a:ext>
-            </a:extLst>
-          </p:cNvPr>
-          <p:cNvSpPr>
-            <a:spLocks noGrp="1"/>
-          </p:cNvSpPr>
-          <p:nvPr>
-            <p:ph type="title"/>
-          </p:nvPr>
-        </p:nvSpPr>
-        <p:spPr/>
-        <p:txBody>
-          <a:bodyPr/>
-          <a:lstStyle/>
-          <a:p>
-            <a:r>
-              <a:rPr lang="fa-IR" dirty="0"/>
-              <a:t>یافته ها</a:t>
-            </a:r>
-            <a:endParaRPr lang="en-US" dirty="0"/>
-          </a:p>
-        </p:txBody>
-      </p:sp>
-      <p:sp>
-        <p:nvSpPr>
-          <p:cNvPr id="4" name="Text Placeholder 3">
-            <a:extLst>
-              <a:ext uri="{FF2B5EF4-FFF2-40B4-BE49-F238E27FC236}">
-                <a16:creationId xmlns:a16="http://schemas.microsoft.com/office/drawing/2014/main" id="{E252DA76-3CF8-7AA4-19F0-6DDDF91B6C85}"/>
-              </a:ext>
-            </a:extLst>
-          </p:cNvPr>
-          <p:cNvSpPr>
-            <a:spLocks noGrp="1"/>
-          </p:cNvSpPr>
-          <p:nvPr>
-            <p:ph type="body" sz="quarter" idx="13"/>
-          </p:nvPr>
-        </p:nvSpPr>
-        <p:spPr/>
-        <p:txBody>
-          <a:bodyPr>
-            <a:normAutofit lnSpcReduction="10000"/>
-          </a:bodyPr>
-          <a:lstStyle/>
-          <a:p>
-            <a:pPr marL="0" indent="0">
-              <a:lnSpc>
-                <a:spcPct val="200000"/>
-              </a:lnSpc>
-              <a:buNone/>
-            </a:pPr>
-            <a:r>
-              <a:rPr lang="fa-IR" dirty="0">
-                <a:solidFill>
-                  <a:srgbClr val="002060"/>
-                </a:solidFill>
-              </a:rPr>
-              <a:t>جمعیت مطالعه</a:t>
-            </a:r>
-          </a:p>
-          <a:p>
-            <a:pPr lvl="1">
-              <a:lnSpc>
-                <a:spcPct val="200000"/>
-              </a:lnSpc>
-            </a:pPr>
-            <a:r>
-              <a:rPr lang="fa-IR" dirty="0"/>
-              <a:t>این مطالعه شامل ۱۳ بیمار بستری در </a:t>
-            </a:r>
-            <a:r>
-              <a:rPr lang="en-US" dirty="0"/>
-              <a:t>ICU </a:t>
-            </a:r>
-            <a:r>
-              <a:rPr lang="fa-IR" dirty="0"/>
-              <a:t>بیمارستان سینا بود.</a:t>
-            </a:r>
-          </a:p>
-          <a:p>
-            <a:pPr lvl="1">
-              <a:lnSpc>
-                <a:spcPct val="200000"/>
-              </a:lnSpc>
-            </a:pPr>
-            <a:r>
-              <a:rPr lang="fa-IR" dirty="0"/>
-              <a:t>۵۴.۶۱٪ از جمعیت مورد مطالعه را مردان تشکیل </a:t>
-            </a:r>
-            <a:r>
-              <a:rPr lang="fa-IR" dirty="0" err="1"/>
-              <a:t>می‌دادند</a:t>
-            </a:r>
-            <a:r>
-              <a:rPr lang="fa-IR" dirty="0"/>
-              <a:t>.</a:t>
-            </a:r>
-          </a:p>
-          <a:p>
-            <a:pPr lvl="1">
-              <a:lnSpc>
-                <a:spcPct val="200000"/>
-              </a:lnSpc>
-            </a:pPr>
-            <a:r>
-              <a:rPr lang="fa-IR" dirty="0"/>
-              <a:t>میانگین سنی </a:t>
-            </a:r>
-            <a:r>
-              <a:rPr lang="fa-IR" dirty="0" err="1"/>
-              <a:t>شرکت‌کنندگان</a:t>
-            </a:r>
-            <a:r>
-              <a:rPr lang="fa-IR" dirty="0"/>
-              <a:t> ۶۳.۳۸ ± ۱۷.۵۲ سال بود.</a:t>
-            </a:r>
-            <a:endParaRPr lang="en-US" dirty="0"/>
-          </a:p>
-        </p:txBody>
-      </p:sp>
-    </p:spTree>
-    <p:extLst>
-      <p:ext uri="{BB962C8B-B14F-4D97-AF65-F5344CB8AC3E}">
-        <p14:creationId xmlns:p14="http://schemas.microsoft.com/office/powerpoint/2010/main" val="1481792794"/>
-      </p:ext>
-    </p:extLst>
-  </p:cSld>
-  <p:clrMapOvr>
-    <a:masterClrMapping/>
-  </p:clrMapOvr>
-</p:sld>
-</file>
-
 <file path=ppt/slides/slide15.xml><?xml version="1.0" encoding="utf-8"?>
 <p:sld xmlns:a="http://schemas.openxmlformats.org/drawingml/2006/main" xmlns:r="http://schemas.openxmlformats.org/officeDocument/2006/relationships" xmlns:p="http://schemas.openxmlformats.org/presentationml/2006/main">
   <p:cSld>
@@ -7333,7 +7334,7 @@
           <p:cNvPr id="2" name="Title 1">
             <a:extLst>
               <a:ext uri="{FF2B5EF4-FFF2-40B4-BE49-F238E27FC236}">
-                <a16:creationId xmlns:a16="http://schemas.microsoft.com/office/drawing/2014/main" id="{90D90BC4-66AD-976C-3D78-AAB7AE6AC037}"/>
+                <a16:creationId xmlns:a16="http://schemas.microsoft.com/office/drawing/2014/main" id="{8DE660B3-21CF-C5BF-DE75-9C4E66A58226}"/>
               </a:ext>
             </a:extLst>
           </p:cNvPr>
@@ -7351,7 +7352,7 @@
           <a:p>
             <a:r>
               <a:rPr lang="fa-IR" dirty="0"/>
-              <a:t>خصوصیات پایه ای بیماران</a:t>
+              <a:t>تحلیل فارماکوکینتیک</a:t>
             </a:r>
             <a:endParaRPr lang="en-US" dirty="0"/>
           </a:p>
@@ -7359,10 +7360,10 @@
       </p:sp>
       <p:sp>
         <p:nvSpPr>
-          <p:cNvPr id="6" name="Content Placeholder 5">
-            <a:extLst>
-              <a:ext uri="{FF2B5EF4-FFF2-40B4-BE49-F238E27FC236}">
-                <a16:creationId xmlns:a16="http://schemas.microsoft.com/office/drawing/2014/main" id="{981BCBD5-9A0B-9A01-CE13-6407AF9A9299}"/>
+          <p:cNvPr id="3" name="Content Placeholder 2">
+            <a:extLst>
+              <a:ext uri="{FF2B5EF4-FFF2-40B4-BE49-F238E27FC236}">
+                <a16:creationId xmlns:a16="http://schemas.microsoft.com/office/drawing/2014/main" id="{90E25786-ED40-3D64-5C62-6DCCBAAD5B47}"/>
               </a:ext>
             </a:extLst>
           </p:cNvPr>
@@ -7380,77 +7381,142 @@
           <a:p>
             <a:pPr>
               <a:lnSpc>
-                <a:spcPct val="150000"/>
+                <a:spcPct val="100000"/>
               </a:lnSpc>
             </a:pPr>
             <a:r>
-              <a:rPr lang="fa-IR" dirty="0"/>
-              <a:t>میانگین نمره</a:t>
-            </a:r>
-            <a:r>
-              <a:rPr lang="en-US" dirty="0"/>
-              <a:t>SOFA</a:t>
-            </a:r>
-            <a:r>
-              <a:rPr lang="fa-IR" dirty="0"/>
-              <a:t> در زمان ورود به مطالعه ۷.۷۸ ± ۱.۲۳ بود.</a:t>
+              <a:rPr lang="fa-IR" dirty="0" err="1"/>
+              <a:t>داده‌ها</a:t>
+            </a:r>
+            <a:r>
+              <a:rPr lang="fa-IR" dirty="0"/>
+              <a:t> با استفاده از </a:t>
+            </a:r>
+            <a:r>
+              <a:rPr lang="fa-IR" dirty="0" err="1"/>
+              <a:t>نرم‌افزار</a:t>
+            </a:r>
+            <a:r>
+              <a:rPr lang="fa-IR" dirty="0"/>
+              <a:t> </a:t>
+            </a:r>
+            <a:r>
+              <a:rPr lang="en-US" dirty="0" err="1"/>
+              <a:t>Monolix</a:t>
+            </a:r>
+            <a:r>
+              <a:rPr lang="fa-IR" dirty="0"/>
+              <a:t> تحلیل شدند.</a:t>
             </a:r>
           </a:p>
           <a:p>
             <a:pPr>
               <a:lnSpc>
-                <a:spcPct val="150000"/>
+                <a:spcPct val="100000"/>
               </a:lnSpc>
             </a:pPr>
             <a:r>
               <a:rPr lang="fa-IR" dirty="0"/>
-              <a:t>میانگین نمره</a:t>
-            </a:r>
-            <a:r>
-              <a:rPr lang="en-US" dirty="0"/>
-              <a:t>APACHE </a:t>
-            </a:r>
-            <a:r>
-              <a:rPr lang="fa-IR" dirty="0"/>
-              <a:t> در ابتدای مطالعه ۶.۴۸ ± ۷۷.۱۸ بود.</a:t>
+              <a:t>ابتدا مدل </a:t>
+            </a:r>
+            <a:r>
+              <a:rPr lang="fa-IR" dirty="0" err="1"/>
+              <a:t>تک‌کمپارتمانه</a:t>
+            </a:r>
+            <a:r>
+              <a:rPr lang="fa-IR" dirty="0"/>
+              <a:t> برای بررسی </a:t>
+            </a:r>
+            <a:r>
+              <a:rPr lang="fa-IR" dirty="0" err="1"/>
+              <a:t>داده‌ها</a:t>
+            </a:r>
+            <a:r>
+              <a:rPr lang="fa-IR" dirty="0"/>
+              <a:t> استفاده شد.</a:t>
             </a:r>
           </a:p>
           <a:p>
             <a:pPr>
               <a:lnSpc>
-                <a:spcPct val="150000"/>
+                <a:spcPct val="100000"/>
               </a:lnSpc>
             </a:pPr>
             <a:r>
               <a:rPr lang="fa-IR" dirty="0"/>
-              <a:t>میانگین سطح هموگلوبین ۸.۵۵ ± ۰.۸۲ </a:t>
+              <a:t>مدل با در نظر گرفتن غلظت پایه دارو و نرخ </a:t>
+            </a:r>
+            <a:r>
+              <a:rPr lang="fa-IR" dirty="0" err="1"/>
+              <a:t>فیلتراسیون</a:t>
+            </a:r>
+            <a:r>
+              <a:rPr lang="fa-IR" dirty="0"/>
+              <a:t> </a:t>
+            </a:r>
+            <a:r>
+              <a:rPr lang="fa-IR" dirty="0" err="1"/>
+              <a:t>گلومرولی</a:t>
+            </a:r>
+            <a:r>
+              <a:rPr lang="fa-IR" dirty="0"/>
+              <a:t> (</a:t>
             </a:r>
             <a:r>
               <a:rPr lang="en-US" dirty="0"/>
-              <a:t>mg/dL </a:t>
-            </a:r>
-            <a:r>
-              <a:rPr lang="fa-IR" dirty="0"/>
-              <a:t> بود.</a:t>
-            </a:r>
+              <a:t>GFR</a:t>
+            </a:r>
+            <a:r>
+              <a:rPr lang="fa-IR" dirty="0"/>
+              <a:t>) اصلاح شد.</a:t>
+            </a:r>
+            <a:endParaRPr lang="en-US" dirty="0"/>
           </a:p>
           <a:p>
             <a:pPr>
               <a:lnSpc>
-                <a:spcPct val="150000"/>
+                <a:spcPct val="100000"/>
               </a:lnSpc>
             </a:pPr>
             <a:r>
-              <a:rPr lang="fa-IR" dirty="0"/>
-              <a:t>میانگین سطح آهن سرمی ۳۸.۹ ± ۱.۶۴ µ</a:t>
-            </a:r>
-            <a:r>
-              <a:rPr lang="en-US" dirty="0"/>
-              <a:t>g/dL </a:t>
-            </a:r>
-            <a:r>
-              <a:rPr lang="fa-IR" dirty="0"/>
-              <a:t> بود.</a:t>
+              <a:rPr lang="fa-IR" dirty="0" err="1"/>
+              <a:t>مدل‌های</a:t>
+            </a:r>
+            <a:r>
+              <a:rPr lang="fa-IR" dirty="0"/>
+              <a:t> </a:t>
+            </a:r>
+            <a:r>
+              <a:rPr lang="fa-IR" dirty="0" err="1"/>
+              <a:t>یک‌کمپارتمانه</a:t>
+            </a:r>
+            <a:r>
+              <a:rPr lang="fa-IR" dirty="0"/>
+              <a:t>، </a:t>
+            </a:r>
+            <a:r>
+              <a:rPr lang="fa-IR" dirty="0" err="1"/>
+              <a:t>دو‌کمپارتمانه</a:t>
+            </a:r>
+            <a:r>
+              <a:rPr lang="fa-IR" dirty="0"/>
+              <a:t> و </a:t>
+            </a:r>
+            <a:r>
+              <a:rPr lang="fa-IR" dirty="0" err="1"/>
+              <a:t>سه‌کمپارتمانه</a:t>
+            </a:r>
+            <a:r>
+              <a:rPr lang="fa-IR" dirty="0"/>
+              <a:t> مقایسه شدند تا </a:t>
+            </a:r>
+            <a:r>
+              <a:rPr lang="fa-IR" dirty="0" err="1"/>
+              <a:t>مناسب‌ترین</a:t>
+            </a:r>
+            <a:r>
+              <a:rPr lang="fa-IR" dirty="0"/>
+              <a:t> مدل انتخاب شود.</a:t>
             </a:r>
             <a:endParaRPr lang="en-US" dirty="0"/>
           </a:p>
@@ -7459,7 +7525,7 @@
     </p:spTree>
     <p:extLst>
       <p:ext uri="{BB962C8B-B14F-4D97-AF65-F5344CB8AC3E}">
-        <p14:creationId xmlns:p14="http://schemas.microsoft.com/office/powerpoint/2010/main" val="1360440720"/>
+        <p14:creationId xmlns:p14="http://schemas.microsoft.com/office/powerpoint/2010/main" val="191647200"/>
       </p:ext>
     </p:extLst>
   </p:cSld>
@@ -7491,7 +7557,7 @@
           <p:cNvPr id="2" name="Title 1">
             <a:extLst>
               <a:ext uri="{FF2B5EF4-FFF2-40B4-BE49-F238E27FC236}">
-                <a16:creationId xmlns:a16="http://schemas.microsoft.com/office/drawing/2014/main" id="{EB4C1530-F152-48A1-976A-EAE99F449FF0}"/>
+                <a16:creationId xmlns:a16="http://schemas.microsoft.com/office/drawing/2014/main" id="{4BC1F650-F988-3CA6-AAA8-442019423B94}"/>
               </a:ext>
             </a:extLst>
           </p:cNvPr>
@@ -7507,16 +7573,303 @@
           <a:bodyPr/>
           <a:lstStyle/>
           <a:p>
-            <a:endParaRPr lang="en-US"/>
+            <a:r>
+              <a:rPr lang="fa-IR" dirty="0"/>
+              <a:t>یافته ها</a:t>
+            </a:r>
+            <a:endParaRPr lang="en-US" dirty="0"/>
+          </a:p>
+        </p:txBody>
+      </p:sp>
+      <p:sp>
+        <p:nvSpPr>
+          <p:cNvPr id="4" name="Text Placeholder 3">
+            <a:extLst>
+              <a:ext uri="{FF2B5EF4-FFF2-40B4-BE49-F238E27FC236}">
+                <a16:creationId xmlns:a16="http://schemas.microsoft.com/office/drawing/2014/main" id="{E252DA76-3CF8-7AA4-19F0-6DDDF91B6C85}"/>
+              </a:ext>
+            </a:extLst>
+          </p:cNvPr>
+          <p:cNvSpPr>
+            <a:spLocks noGrp="1"/>
+          </p:cNvSpPr>
+          <p:nvPr>
+            <p:ph type="body" sz="quarter" idx="13"/>
+          </p:nvPr>
+        </p:nvSpPr>
+        <p:spPr/>
+        <p:txBody>
+          <a:bodyPr>
+            <a:normAutofit/>
+          </a:bodyPr>
+          <a:lstStyle/>
+          <a:p>
+            <a:pPr marL="0" indent="0">
+              <a:lnSpc>
+                <a:spcPct val="200000"/>
+              </a:lnSpc>
+              <a:buNone/>
+            </a:pPr>
+            <a:r>
+              <a:rPr lang="fa-IR" dirty="0">
+                <a:solidFill>
+                  <a:srgbClr val="002060"/>
+                </a:solidFill>
+              </a:rPr>
+              <a:t>جمعیت مطالعه</a:t>
+            </a:r>
+          </a:p>
+          <a:p>
+            <a:pPr lvl="1">
+              <a:lnSpc>
+                <a:spcPct val="200000"/>
+              </a:lnSpc>
+            </a:pPr>
+            <a:r>
+              <a:rPr lang="fa-IR" dirty="0"/>
+              <a:t>13 بیمار </a:t>
+            </a:r>
+            <a:r>
+              <a:rPr lang="en-US" dirty="0"/>
+              <a:t>ICU</a:t>
+            </a:r>
+            <a:endParaRPr lang="fa-IR" dirty="0"/>
+          </a:p>
+          <a:p>
+            <a:pPr lvl="1">
+              <a:lnSpc>
+                <a:spcPct val="200000"/>
+              </a:lnSpc>
+            </a:pPr>
+            <a:r>
+              <a:rPr lang="fa-IR" dirty="0"/>
+              <a:t>۵۴.۶۱٪ </a:t>
+            </a:r>
+            <a:r>
+              <a:rPr lang="fa-IR" dirty="0">
+                <a:sym typeface="Wingdings 3" panose="05040102010807070707" pitchFamily="18" charset="2"/>
+              </a:rPr>
+              <a:t></a:t>
+            </a:r>
+            <a:r>
+              <a:rPr lang="en-US" dirty="0">
+                <a:sym typeface="Wingdings 3" panose="05040102010807070707" pitchFamily="18" charset="2"/>
+              </a:rPr>
+              <a:t> </a:t>
+            </a:r>
+            <a:r>
+              <a:rPr lang="fa-IR" dirty="0"/>
+              <a:t>مردان </a:t>
+            </a:r>
+            <a:endParaRPr lang="en-US" dirty="0"/>
+          </a:p>
+          <a:p>
+            <a:pPr lvl="1">
+              <a:lnSpc>
+                <a:spcPct val="200000"/>
+              </a:lnSpc>
+            </a:pPr>
+            <a:r>
+              <a:rPr lang="fa-IR" dirty="0"/>
+              <a:t>میانگین سنی </a:t>
+            </a:r>
+            <a:r>
+              <a:rPr lang="fa-IR" dirty="0" err="1"/>
+              <a:t>شرکت‌کنندگان</a:t>
+            </a:r>
+            <a:r>
+              <a:rPr lang="fa-IR" dirty="0"/>
+              <a:t> </a:t>
+            </a:r>
+            <a:r>
+              <a:rPr lang="en-US" dirty="0"/>
+              <a:t>63.38 ± 17.52</a:t>
+            </a:r>
+            <a:r>
+              <a:rPr lang="fa-IR" dirty="0"/>
+              <a:t> سال بود.</a:t>
+            </a:r>
+            <a:endParaRPr lang="en-US" dirty="0"/>
+          </a:p>
+        </p:txBody>
+      </p:sp>
+    </p:spTree>
+    <p:extLst>
+      <p:ext uri="{BB962C8B-B14F-4D97-AF65-F5344CB8AC3E}">
+        <p14:creationId xmlns:p14="http://schemas.microsoft.com/office/powerpoint/2010/main" val="1481792794"/>
+      </p:ext>
+    </p:extLst>
+  </p:cSld>
+  <p:clrMapOvr>
+    <a:masterClrMapping/>
+  </p:clrMapOvr>
+</p:sld>
+</file>
+
+<file path=ppt/slides/slide17.xml><?xml version="1.0" encoding="utf-8"?>
+<p:sld xmlns:a="http://schemas.openxmlformats.org/drawingml/2006/main" xmlns:r="http://schemas.openxmlformats.org/officeDocument/2006/relationships" xmlns:p="http://schemas.openxmlformats.org/presentationml/2006/main">
+  <p:cSld>
+    <p:spTree>
+      <p:nvGrpSpPr>
+        <p:cNvPr id="1" name=""/>
+        <p:cNvGrpSpPr/>
+        <p:nvPr/>
+      </p:nvGrpSpPr>
+      <p:grpSpPr>
+        <a:xfrm>
+          <a:off x="0" y="0"/>
+          <a:ext cx="0" cy="0"/>
+          <a:chOff x="0" y="0"/>
+          <a:chExt cx="0" cy="0"/>
+        </a:xfrm>
+      </p:grpSpPr>
+      <p:sp>
+        <p:nvSpPr>
+          <p:cNvPr id="2" name="Title 1">
+            <a:extLst>
+              <a:ext uri="{FF2B5EF4-FFF2-40B4-BE49-F238E27FC236}">
+                <a16:creationId xmlns:a16="http://schemas.microsoft.com/office/drawing/2014/main" id="{90D90BC4-66AD-976C-3D78-AAB7AE6AC037}"/>
+              </a:ext>
+            </a:extLst>
+          </p:cNvPr>
+          <p:cNvSpPr>
+            <a:spLocks noGrp="1"/>
+          </p:cNvSpPr>
+          <p:nvPr>
+            <p:ph type="title"/>
+          </p:nvPr>
+        </p:nvSpPr>
+        <p:spPr/>
+        <p:txBody>
+          <a:bodyPr/>
+          <a:lstStyle/>
+          <a:p>
+            <a:r>
+              <a:rPr lang="fa-IR" dirty="0"/>
+              <a:t>خصوصیات پایه ای بیماران</a:t>
+            </a:r>
+            <a:endParaRPr lang="en-US" dirty="0"/>
           </a:p>
         </p:txBody>
       </p:sp>
       <p:pic>
         <p:nvPicPr>
-          <p:cNvPr id="4" name="Picture 3">
-            <a:extLst>
-              <a:ext uri="{FF2B5EF4-FFF2-40B4-BE49-F238E27FC236}">
-                <a16:creationId xmlns:a16="http://schemas.microsoft.com/office/drawing/2014/main" id="{D80603DF-67FA-13F0-DD1D-11CB170B5622}"/>
+          <p:cNvPr id="7" name="Content Placeholder 6">
+            <a:extLst>
+              <a:ext uri="{FF2B5EF4-FFF2-40B4-BE49-F238E27FC236}">
+                <a16:creationId xmlns:a16="http://schemas.microsoft.com/office/drawing/2014/main" id="{D2070E2B-8F70-9BE3-B2DE-D88C5A8FE78D}"/>
+              </a:ext>
+            </a:extLst>
+          </p:cNvPr>
+          <p:cNvPicPr>
+            <a:picLocks noGrp="1" noChangeAspect="1"/>
+          </p:cNvPicPr>
+          <p:nvPr>
+            <p:ph idx="4294967295"/>
+          </p:nvPr>
+        </p:nvPicPr>
+        <p:blipFill>
+          <a:blip r:embed="rId2"/>
+          <a:stretch>
+            <a:fillRect/>
+          </a:stretch>
+        </p:blipFill>
+        <p:spPr>
+          <a:xfrm>
+            <a:off x="4261260" y="492792"/>
+            <a:ext cx="6623050" cy="5416550"/>
+          </a:xfrm>
+        </p:spPr>
+      </p:pic>
+    </p:spTree>
+    <p:extLst>
+      <p:ext uri="{BB962C8B-B14F-4D97-AF65-F5344CB8AC3E}">
+        <p14:creationId xmlns:p14="http://schemas.microsoft.com/office/powerpoint/2010/main" val="1360440720"/>
+      </p:ext>
+    </p:extLst>
+  </p:cSld>
+  <p:clrMapOvr>
+    <a:masterClrMapping/>
+  </p:clrMapOvr>
+</p:sld>
+</file>
+
+<file path=ppt/slides/slide18.xml><?xml version="1.0" encoding="utf-8"?>
+<p:sld xmlns:a="http://schemas.openxmlformats.org/drawingml/2006/main" xmlns:r="http://schemas.openxmlformats.org/officeDocument/2006/relationships" xmlns:p="http://schemas.openxmlformats.org/presentationml/2006/main">
+  <p:cSld>
+    <p:spTree>
+      <p:nvGrpSpPr>
+        <p:cNvPr id="1" name=""/>
+        <p:cNvGrpSpPr/>
+        <p:nvPr/>
+      </p:nvGrpSpPr>
+      <p:grpSpPr>
+        <a:xfrm>
+          <a:off x="0" y="0"/>
+          <a:ext cx="0" cy="0"/>
+          <a:chOff x="0" y="0"/>
+          <a:chExt cx="0" cy="0"/>
+        </a:xfrm>
+      </p:grpSpPr>
+      <p:sp>
+        <p:nvSpPr>
+          <p:cNvPr id="2" name="Title 1">
+            <a:extLst>
+              <a:ext uri="{FF2B5EF4-FFF2-40B4-BE49-F238E27FC236}">
+                <a16:creationId xmlns:a16="http://schemas.microsoft.com/office/drawing/2014/main" id="{EB4C1530-F152-48A1-976A-EAE99F449FF0}"/>
+              </a:ext>
+            </a:extLst>
+          </p:cNvPr>
+          <p:cNvSpPr>
+            <a:spLocks noGrp="1"/>
+          </p:cNvSpPr>
+          <p:nvPr>
+            <p:ph type="title"/>
+          </p:nvPr>
+        </p:nvSpPr>
+        <p:spPr>
+          <a:xfrm>
+            <a:off x="838200" y="365126"/>
+            <a:ext cx="10515600" cy="500114"/>
+          </a:xfrm>
+        </p:spPr>
+        <p:txBody>
+          <a:bodyPr>
+            <a:noAutofit/>
+          </a:bodyPr>
+          <a:lstStyle/>
+          <a:p>
+            <a:pPr algn="ctr"/>
+            <a:r>
+              <a:rPr lang="fa-IR" sz="2400" dirty="0">
+                <a:cs typeface="B Nazanin" panose="00000400000000000000" pitchFamily="2" charset="-78"/>
+              </a:rPr>
+              <a:t>رنج نرمال </a:t>
+            </a:r>
+            <a:r>
+              <a:rPr lang="fa-IR" sz="2400" dirty="0" err="1">
+                <a:cs typeface="B Nazanin" panose="00000400000000000000" pitchFamily="2" charset="-78"/>
+              </a:rPr>
+              <a:t>اریتروپوئتین</a:t>
+            </a:r>
+            <a:r>
+              <a:rPr lang="fa-IR" sz="2400" dirty="0">
+                <a:cs typeface="B Nazanin" panose="00000400000000000000" pitchFamily="2" charset="-78"/>
+              </a:rPr>
+              <a:t> = 3.2 – 31.9</a:t>
+            </a:r>
+            <a:endParaRPr lang="en-US" sz="2400" dirty="0">
+              <a:cs typeface="B Nazanin" panose="00000400000000000000" pitchFamily="2" charset="-78"/>
+            </a:endParaRPr>
+          </a:p>
+        </p:txBody>
+      </p:sp>
+      <p:pic>
+        <p:nvPicPr>
+          <p:cNvPr id="5" name="Picture 4">
+            <a:extLst>
+              <a:ext uri="{FF2B5EF4-FFF2-40B4-BE49-F238E27FC236}">
+                <a16:creationId xmlns:a16="http://schemas.microsoft.com/office/drawing/2014/main" id="{1093EB2C-4779-9DC6-DF57-25F55A84FDEE}"/>
               </a:ext>
             </a:extLst>
           </p:cNvPr>
@@ -7533,8 +7886,8 @@
         </p:blipFill>
         <p:spPr>
           <a:xfrm>
-            <a:off x="1608190" y="0"/>
-            <a:ext cx="8700316" cy="6858000"/>
+            <a:off x="2168320" y="1137603"/>
+            <a:ext cx="7855360" cy="5720397"/>
           </a:xfrm>
           <a:prstGeom prst="rect">
             <a:avLst/>
@@ -7554,7 +7907,7 @@
 </p:sld>
 </file>
 
-<file path=ppt/slides/slide17.xml><?xml version="1.0" encoding="utf-8"?>
+<file path=ppt/slides/slide19.xml><?xml version="1.0" encoding="utf-8"?>
 <p:sld xmlns:a="http://schemas.openxmlformats.org/drawingml/2006/main" xmlns:r="http://schemas.openxmlformats.org/officeDocument/2006/relationships" xmlns:p="http://schemas.openxmlformats.org/presentationml/2006/main">
   <p:cSld>
     <p:spTree>
@@ -7640,268 +7993,6 @@
   <p:clrMapOvr>
     <a:masterClrMapping/>
   </p:clrMapOvr>
-</p:sld>
-</file>
-
-<file path=ppt/slides/slide18.xml><?xml version="1.0" encoding="utf-8"?>
-<p:sld xmlns:a="http://schemas.openxmlformats.org/drawingml/2006/main" xmlns:r="http://schemas.openxmlformats.org/officeDocument/2006/relationships" xmlns:p="http://schemas.openxmlformats.org/presentationml/2006/main">
-  <p:cSld>
-    <p:spTree>
-      <p:nvGrpSpPr>
-        <p:cNvPr id="1" name=""/>
-        <p:cNvGrpSpPr/>
-        <p:nvPr/>
-      </p:nvGrpSpPr>
-      <p:grpSpPr>
-        <a:xfrm>
-          <a:off x="0" y="0"/>
-          <a:ext cx="0" cy="0"/>
-          <a:chOff x="0" y="0"/>
-          <a:chExt cx="0" cy="0"/>
-        </a:xfrm>
-      </p:grpSpPr>
-      <p:grpSp>
-        <p:nvGrpSpPr>
-          <p:cNvPr id="7" name="Group 6">
-            <a:extLst>
-              <a:ext uri="{FF2B5EF4-FFF2-40B4-BE49-F238E27FC236}">
-                <a16:creationId xmlns:a16="http://schemas.microsoft.com/office/drawing/2014/main" id="{D4FDFA9C-E899-F703-72AB-2353F03CB8C3}"/>
-              </a:ext>
-            </a:extLst>
-          </p:cNvPr>
-          <p:cNvGrpSpPr/>
-          <p:nvPr/>
-        </p:nvGrpSpPr>
-        <p:grpSpPr>
-          <a:xfrm>
-            <a:off x="1886748" y="383458"/>
-            <a:ext cx="8418503" cy="17181870"/>
-            <a:chOff x="1887795" y="1415845"/>
-            <a:chExt cx="8418503" cy="17181870"/>
-          </a:xfrm>
-        </p:grpSpPr>
-        <p:pic>
-          <p:nvPicPr>
-            <p:cNvPr id="4" name="Picture 3">
-              <a:extLst>
-                <a:ext uri="{FF2B5EF4-FFF2-40B4-BE49-F238E27FC236}">
-                  <a16:creationId xmlns:a16="http://schemas.microsoft.com/office/drawing/2014/main" id="{48C44C2D-00AD-C31B-D8FD-C715F2050350}"/>
-                </a:ext>
-              </a:extLst>
-            </p:cNvPr>
-            <p:cNvPicPr>
-              <a:picLocks noChangeAspect="1"/>
-            </p:cNvPicPr>
-            <p:nvPr/>
-          </p:nvPicPr>
-          <p:blipFill>
-            <a:blip r:embed="rId2"/>
-            <a:stretch>
-              <a:fillRect/>
-            </a:stretch>
-          </p:blipFill>
-          <p:spPr>
-            <a:xfrm>
-              <a:off x="2728191" y="3640682"/>
-              <a:ext cx="6735618" cy="14957033"/>
-            </a:xfrm>
-            <a:prstGeom prst="rect">
-              <a:avLst/>
-            </a:prstGeom>
-          </p:spPr>
-        </p:pic>
-        <p:pic>
-          <p:nvPicPr>
-            <p:cNvPr id="6" name="Picture 5">
-              <a:extLst>
-                <a:ext uri="{FF2B5EF4-FFF2-40B4-BE49-F238E27FC236}">
-                  <a16:creationId xmlns:a16="http://schemas.microsoft.com/office/drawing/2014/main" id="{FF5E1556-1980-32E3-F91B-CFE1093B8893}"/>
-                </a:ext>
-              </a:extLst>
-            </p:cNvPr>
-            <p:cNvPicPr>
-              <a:picLocks noChangeAspect="1"/>
-            </p:cNvPicPr>
-            <p:nvPr/>
-          </p:nvPicPr>
-          <p:blipFill>
-            <a:blip r:embed="rId3">
-              <a:clrChange>
-                <a:clrFrom>
-                  <a:srgbClr val="FFFFFF"/>
-                </a:clrFrom>
-                <a:clrTo>
-                  <a:srgbClr val="FFFFFF">
-                    <a:alpha val="0"/>
-                  </a:srgbClr>
-                </a:clrTo>
-              </a:clrChange>
-            </a:blip>
-            <a:stretch>
-              <a:fillRect/>
-            </a:stretch>
-          </p:blipFill>
-          <p:spPr>
-            <a:xfrm>
-              <a:off x="1887795" y="1415845"/>
-              <a:ext cx="8418503" cy="2612261"/>
-            </a:xfrm>
-            <a:prstGeom prst="rect">
-              <a:avLst/>
-            </a:prstGeom>
-          </p:spPr>
-        </p:pic>
-      </p:grpSp>
-    </p:spTree>
-    <p:extLst>
-      <p:ext uri="{BB962C8B-B14F-4D97-AF65-F5344CB8AC3E}">
-        <p14:creationId xmlns:p14="http://schemas.microsoft.com/office/powerpoint/2010/main" val="859422206"/>
-      </p:ext>
-    </p:extLst>
-  </p:cSld>
-  <p:clrMapOvr>
-    <a:masterClrMapping/>
-  </p:clrMapOvr>
-</p:sld>
-</file>
-
-<file path=ppt/slides/slide19.xml><?xml version="1.0" encoding="utf-8"?>
-<p:sld xmlns:a="http://schemas.openxmlformats.org/drawingml/2006/main" xmlns:r="http://schemas.openxmlformats.org/officeDocument/2006/relationships" xmlns:p="http://schemas.openxmlformats.org/presentationml/2006/main">
-  <p:cSld>
-    <p:spTree>
-      <p:nvGrpSpPr>
-        <p:cNvPr id="1" name="">
-          <a:extLst>
-            <a:ext uri="{FF2B5EF4-FFF2-40B4-BE49-F238E27FC236}">
-              <a16:creationId xmlns:a16="http://schemas.microsoft.com/office/drawing/2014/main" id="{19D17558-75A1-1EB7-6D01-335D1BD33020}"/>
-            </a:ext>
-          </a:extLst>
-        </p:cNvPr>
-        <p:cNvGrpSpPr/>
-        <p:nvPr/>
-      </p:nvGrpSpPr>
-      <p:grpSpPr>
-        <a:xfrm>
-          <a:off x="0" y="0"/>
-          <a:ext cx="0" cy="0"/>
-          <a:chOff x="0" y="0"/>
-          <a:chExt cx="0" cy="0"/>
-        </a:xfrm>
-      </p:grpSpPr>
-      <p:grpSp>
-        <p:nvGrpSpPr>
-          <p:cNvPr id="7" name="Group 6">
-            <a:extLst>
-              <a:ext uri="{FF2B5EF4-FFF2-40B4-BE49-F238E27FC236}">
-                <a16:creationId xmlns:a16="http://schemas.microsoft.com/office/drawing/2014/main" id="{18CF7CD8-B8D8-CE9B-C61F-27E9D592CE26}"/>
-              </a:ext>
-            </a:extLst>
-          </p:cNvPr>
-          <p:cNvGrpSpPr/>
-          <p:nvPr/>
-        </p:nvGrpSpPr>
-        <p:grpSpPr>
-          <a:xfrm>
-            <a:off x="1886748" y="-4945626"/>
-            <a:ext cx="8418503" cy="17181870"/>
-            <a:chOff x="1887795" y="1415845"/>
-            <a:chExt cx="8418503" cy="17181870"/>
-          </a:xfrm>
-        </p:grpSpPr>
-        <p:pic>
-          <p:nvPicPr>
-            <p:cNvPr id="4" name="Picture 3">
-              <a:extLst>
-                <a:ext uri="{FF2B5EF4-FFF2-40B4-BE49-F238E27FC236}">
-                  <a16:creationId xmlns:a16="http://schemas.microsoft.com/office/drawing/2014/main" id="{83924BB2-ABBF-97B8-B0C4-E39458CE3252}"/>
-                </a:ext>
-              </a:extLst>
-            </p:cNvPr>
-            <p:cNvPicPr>
-              <a:picLocks noChangeAspect="1"/>
-            </p:cNvPicPr>
-            <p:nvPr/>
-          </p:nvPicPr>
-          <p:blipFill>
-            <a:blip r:embed="rId2"/>
-            <a:stretch>
-              <a:fillRect/>
-            </a:stretch>
-          </p:blipFill>
-          <p:spPr>
-            <a:xfrm>
-              <a:off x="2728191" y="3640682"/>
-              <a:ext cx="6735618" cy="14957033"/>
-            </a:xfrm>
-            <a:prstGeom prst="rect">
-              <a:avLst/>
-            </a:prstGeom>
-          </p:spPr>
-        </p:pic>
-        <p:pic>
-          <p:nvPicPr>
-            <p:cNvPr id="6" name="Picture 5">
-              <a:extLst>
-                <a:ext uri="{FF2B5EF4-FFF2-40B4-BE49-F238E27FC236}">
-                  <a16:creationId xmlns:a16="http://schemas.microsoft.com/office/drawing/2014/main" id="{82D7F301-8DD6-AE74-DC9F-5478746D72AF}"/>
-                </a:ext>
-              </a:extLst>
-            </p:cNvPr>
-            <p:cNvPicPr>
-              <a:picLocks noChangeAspect="1"/>
-            </p:cNvPicPr>
-            <p:nvPr/>
-          </p:nvPicPr>
-          <p:blipFill>
-            <a:blip r:embed="rId3">
-              <a:clrChange>
-                <a:clrFrom>
-                  <a:srgbClr val="FFFFFF"/>
-                </a:clrFrom>
-                <a:clrTo>
-                  <a:srgbClr val="FFFFFF">
-                    <a:alpha val="0"/>
-                  </a:srgbClr>
-                </a:clrTo>
-              </a:clrChange>
-            </a:blip>
-            <a:stretch>
-              <a:fillRect/>
-            </a:stretch>
-          </p:blipFill>
-          <p:spPr>
-            <a:xfrm>
-              <a:off x="1887795" y="1415845"/>
-              <a:ext cx="8418503" cy="2612261"/>
-            </a:xfrm>
-            <a:prstGeom prst="rect">
-              <a:avLst/>
-            </a:prstGeom>
-          </p:spPr>
-        </p:pic>
-      </p:grpSp>
-    </p:spTree>
-    <p:extLst>
-      <p:ext uri="{BB962C8B-B14F-4D97-AF65-F5344CB8AC3E}">
-        <p14:creationId xmlns:p14="http://schemas.microsoft.com/office/powerpoint/2010/main" val="3567584601"/>
-      </p:ext>
-    </p:extLst>
-  </p:cSld>
-  <p:clrMapOvr>
-    <a:masterClrMapping/>
-  </p:clrMapOvr>
-  <mc:AlternateContent xmlns:mc="http://schemas.openxmlformats.org/markup-compatibility/2006">
-    <mc:Choice xmlns:p159="http://schemas.microsoft.com/office/powerpoint/2015/09/main" Requires="p159">
-      <p:transition xmlns:p14="http://schemas.microsoft.com/office/powerpoint/2010/main" spd="slow" p14:dur="2000">
-        <p159:morph option="byObject"/>
-      </p:transition>
-    </mc:Choice>
-    <mc:Fallback>
-      <p:transition spd="slow">
-        <p:fade/>
-      </p:transition>
-    </mc:Fallback>
-  </mc:AlternateContent>
 </p:sld>
 </file>
 
@@ -8105,8 +8196,8 @@
           </p:pic>
         </mc:Fallback>
       </mc:AlternateContent>
-      <mc:AlternateContent xmlns:mc="http://schemas.openxmlformats.org/markup-compatibility/2006">
-        <mc:Choice xmlns:psez="http://schemas.microsoft.com/office/powerpoint/2016/sectionzoom" Requires="psez">
+      <mc:AlternateContent xmlns:mc="http://schemas.openxmlformats.org/markup-compatibility/2006" xmlns:psez="http://schemas.microsoft.com/office/powerpoint/2016/sectionzoom">
+        <mc:Choice Requires="psez">
           <p:graphicFrame>
             <p:nvGraphicFramePr>
               <p:cNvPr id="15" name="Section Zoom 14">
@@ -8163,7 +8254,7 @@
             </a:graphic>
           </p:graphicFrame>
         </mc:Choice>
-        <mc:Fallback>
+        <mc:Fallback xmlns="">
           <p:pic>
             <p:nvPicPr>
               <p:cNvPr id="15" name="Section Zoom 14">
@@ -8180,7 +8271,7 @@
               <p:nvPr/>
             </p:nvPicPr>
             <p:blipFill>
-              <a:blip r:embed="rId6"/>
+              <a:blip r:embed="rId8"/>
               <a:stretch>
                 <a:fillRect/>
               </a:stretch>
@@ -8202,8 +8293,8 @@
           </p:pic>
         </mc:Fallback>
       </mc:AlternateContent>
-      <mc:AlternateContent xmlns:mc="http://schemas.openxmlformats.org/markup-compatibility/2006">
-        <mc:Choice xmlns:psez="http://schemas.microsoft.com/office/powerpoint/2016/sectionzoom" Requires="psez">
+      <mc:AlternateContent xmlns:mc="http://schemas.openxmlformats.org/markup-compatibility/2006" xmlns:psez="http://schemas.microsoft.com/office/powerpoint/2016/sectionzoom">
+        <mc:Choice Requires="psez">
           <p:graphicFrame>
             <p:nvGraphicFramePr>
               <p:cNvPr id="17" name="Section Zoom 16">
@@ -8234,7 +8325,7 @@
                   <psez:sectionZmObj sectionId="{C3156E9A-3C03-434F-B51C-05D078DA7BBD}">
                     <psez:zmPr id="{CFF44564-BD30-4436-BAB7-67B2A95443CE}" transitionDur="1000">
                       <p166:blipFill xmlns:p166="http://schemas.microsoft.com/office/powerpoint/2016/6/main">
-                        <a:blip r:embed="rId8"/>
+                        <a:blip r:embed="rId9"/>
                         <a:stretch>
                           <a:fillRect/>
                         </a:stretch>
@@ -8260,11 +8351,11 @@
             </a:graphic>
           </p:graphicFrame>
         </mc:Choice>
-        <mc:Fallback>
+        <mc:Fallback xmlns="">
           <p:pic>
             <p:nvPicPr>
               <p:cNvPr id="17" name="Section Zoom 16">
-                <a:hlinkClick r:id="rId9" action="ppaction://hlinksldjump"/>
+                <a:hlinkClick r:id="rId10" action="ppaction://hlinksldjump"/>
                 <a:extLst>
                   <a:ext uri="{FF2B5EF4-FFF2-40B4-BE49-F238E27FC236}">
                     <a16:creationId xmlns:a16="http://schemas.microsoft.com/office/drawing/2014/main" id="{927D5D90-DF1A-AD0D-AF28-74685EC47167}"/>
@@ -8277,7 +8368,7 @@
               <p:nvPr/>
             </p:nvPicPr>
             <p:blipFill>
-              <a:blip r:embed="rId8"/>
+              <a:blip r:embed="rId11"/>
               <a:stretch>
                 <a:fillRect/>
               </a:stretch>
@@ -8299,8 +8390,8 @@
           </p:pic>
         </mc:Fallback>
       </mc:AlternateContent>
-      <mc:AlternateContent xmlns:mc="http://schemas.openxmlformats.org/markup-compatibility/2006">
-        <mc:Choice xmlns:psez="http://schemas.microsoft.com/office/powerpoint/2016/sectionzoom" Requires="psez">
+      <mc:AlternateContent xmlns:mc="http://schemas.openxmlformats.org/markup-compatibility/2006" xmlns:psez="http://schemas.microsoft.com/office/powerpoint/2016/sectionzoom">
+        <mc:Choice Requires="psez">
           <p:graphicFrame>
             <p:nvGraphicFramePr>
               <p:cNvPr id="19" name="Section Zoom 18">
@@ -8331,7 +8422,7 @@
                   <psez:sectionZmObj sectionId="{97CEEFF9-98CB-455D-8C16-06139B513E56}">
                     <psez:zmPr id="{26CE9652-46F8-4F25-8B95-F86CF78C457A}" transitionDur="1000">
                       <p166:blipFill xmlns:p166="http://schemas.microsoft.com/office/powerpoint/2016/6/main">
-                        <a:blip r:embed="rId10"/>
+                        <a:blip r:embed="rId12"/>
                         <a:stretch>
                           <a:fillRect/>
                         </a:stretch>
@@ -8357,11 +8448,11 @@
             </a:graphic>
           </p:graphicFrame>
         </mc:Choice>
-        <mc:Fallback>
+        <mc:Fallback xmlns="">
           <p:pic>
             <p:nvPicPr>
               <p:cNvPr id="19" name="Section Zoom 18">
-                <a:hlinkClick r:id="rId11" action="ppaction://hlinksldjump"/>
+                <a:hlinkClick r:id="rId13" action="ppaction://hlinksldjump"/>
                 <a:extLst>
                   <a:ext uri="{FF2B5EF4-FFF2-40B4-BE49-F238E27FC236}">
                     <a16:creationId xmlns:a16="http://schemas.microsoft.com/office/drawing/2014/main" id="{022A1C72-DF26-C276-1BC4-4F548D6DA665}"/>
@@ -8374,7 +8465,7 @@
               <p:nvPr/>
             </p:nvPicPr>
             <p:blipFill>
-              <a:blip r:embed="rId10"/>
+              <a:blip r:embed="rId14"/>
               <a:stretch>
                 <a:fillRect/>
               </a:stretch>
@@ -8396,8 +8487,8 @@
           </p:pic>
         </mc:Fallback>
       </mc:AlternateContent>
-      <mc:AlternateContent xmlns:mc="http://schemas.openxmlformats.org/markup-compatibility/2006">
-        <mc:Choice xmlns:psez="http://schemas.microsoft.com/office/powerpoint/2016/sectionzoom" Requires="psez">
+      <mc:AlternateContent xmlns:mc="http://schemas.openxmlformats.org/markup-compatibility/2006" xmlns:psez="http://schemas.microsoft.com/office/powerpoint/2016/sectionzoom">
+        <mc:Choice Requires="psez">
           <p:graphicFrame>
             <p:nvGraphicFramePr>
               <p:cNvPr id="21" name="Section Zoom 20">
@@ -8428,7 +8519,7 @@
                   <psez:sectionZmObj sectionId="{F7A5B370-85E4-4382-AA37-A73C15148025}">
                     <psez:zmPr id="{DE535D5D-8F47-46EA-8EE8-FC19E3FA8536}" transitionDur="1000">
                       <p166:blipFill xmlns:p166="http://schemas.microsoft.com/office/powerpoint/2016/6/main">
-                        <a:blip r:embed="rId12"/>
+                        <a:blip r:embed="rId15"/>
                         <a:stretch>
                           <a:fillRect/>
                         </a:stretch>
@@ -8454,11 +8545,11 @@
             </a:graphic>
           </p:graphicFrame>
         </mc:Choice>
-        <mc:Fallback>
+        <mc:Fallback xmlns="">
           <p:pic>
             <p:nvPicPr>
               <p:cNvPr id="21" name="Section Zoom 20">
-                <a:hlinkClick r:id="rId13" action="ppaction://hlinksldjump"/>
+                <a:hlinkClick r:id="rId16" action="ppaction://hlinksldjump"/>
                 <a:extLst>
                   <a:ext uri="{FF2B5EF4-FFF2-40B4-BE49-F238E27FC236}">
                     <a16:creationId xmlns:a16="http://schemas.microsoft.com/office/drawing/2014/main" id="{9BFEF01A-499C-3A18-BAE4-A7EBE386683E}"/>
@@ -8471,7 +8562,7 @@
               <p:nvPr/>
             </p:nvPicPr>
             <p:blipFill>
-              <a:blip r:embed="rId12"/>
+              <a:blip r:embed="rId17"/>
               <a:stretch>
                 <a:fillRect/>
               </a:stretch>
@@ -8523,13 +8614,7 @@
   <p:cSld>
     <p:spTree>
       <p:nvGrpSpPr>
-        <p:cNvPr id="1" name="">
-          <a:extLst>
-            <a:ext uri="{FF2B5EF4-FFF2-40B4-BE49-F238E27FC236}">
-              <a16:creationId xmlns:a16="http://schemas.microsoft.com/office/drawing/2014/main" id="{B01EA717-EA95-0875-1FC4-AB9A11C3D45A}"/>
-            </a:ext>
-          </a:extLst>
-        </p:cNvPr>
+        <p:cNvPr id="1" name=""/>
         <p:cNvGrpSpPr/>
         <p:nvPr/>
       </p:nvGrpSpPr>
@@ -8546,7 +8631,7 @@
           <p:cNvPr id="7" name="Group 6">
             <a:extLst>
               <a:ext uri="{FF2B5EF4-FFF2-40B4-BE49-F238E27FC236}">
-                <a16:creationId xmlns:a16="http://schemas.microsoft.com/office/drawing/2014/main" id="{DBC27854-B148-E686-13DC-1649C4D9C95D}"/>
+                <a16:creationId xmlns:a16="http://schemas.microsoft.com/office/drawing/2014/main" id="{D4FDFA9C-E899-F703-72AB-2353F03CB8C3}"/>
               </a:ext>
             </a:extLst>
           </p:cNvPr>
@@ -8555,8 +8640,8 @@
         </p:nvGrpSpPr>
         <p:grpSpPr>
           <a:xfrm>
-            <a:off x="1886748" y="-10441858"/>
-            <a:ext cx="8418503" cy="17181870"/>
+            <a:off x="5562639" y="-658762"/>
+            <a:ext cx="6745975" cy="15421896"/>
             <a:chOff x="1887795" y="1415845"/>
             <a:chExt cx="8418503" cy="17181870"/>
           </a:xfrm>
@@ -8566,7 +8651,7 @@
             <p:cNvPr id="4" name="Picture 3">
               <a:extLst>
                 <a:ext uri="{FF2B5EF4-FFF2-40B4-BE49-F238E27FC236}">
-                  <a16:creationId xmlns:a16="http://schemas.microsoft.com/office/drawing/2014/main" id="{7F7298C2-73D2-1D2B-AF41-B9D519308A55}"/>
+                  <a16:creationId xmlns:a16="http://schemas.microsoft.com/office/drawing/2014/main" id="{48C44C2D-00AD-C31B-D8FD-C715F2050350}"/>
                 </a:ext>
               </a:extLst>
             </p:cNvPr>
@@ -8596,7 +8681,7 @@
             <p:cNvPr id="6" name="Picture 5">
               <a:extLst>
                 <a:ext uri="{FF2B5EF4-FFF2-40B4-BE49-F238E27FC236}">
-                  <a16:creationId xmlns:a16="http://schemas.microsoft.com/office/drawing/2014/main" id="{442336A2-1BF1-6D2E-ACF0-D9C214397912}"/>
+                  <a16:creationId xmlns:a16="http://schemas.microsoft.com/office/drawing/2014/main" id="{FF5E1556-1980-32E3-F91B-CFE1093B8893}"/>
                 </a:ext>
               </a:extLst>
             </p:cNvPr>
@@ -8633,28 +8718,46 @@
           </p:spPr>
         </p:pic>
       </p:grpSp>
+      <p:pic>
+        <p:nvPicPr>
+          <p:cNvPr id="2" name="Picture 1">
+            <a:extLst>
+              <a:ext uri="{FF2B5EF4-FFF2-40B4-BE49-F238E27FC236}">
+                <a16:creationId xmlns:a16="http://schemas.microsoft.com/office/drawing/2014/main" id="{9A247DB5-D076-D5E3-A8B2-73B609982AC2}"/>
+              </a:ext>
+            </a:extLst>
+          </p:cNvPr>
+          <p:cNvPicPr>
+            <a:picLocks noChangeAspect="1"/>
+          </p:cNvPicPr>
+          <p:nvPr/>
+        </p:nvPicPr>
+        <p:blipFill>
+          <a:blip r:embed="rId2"/>
+          <a:stretch>
+            <a:fillRect/>
+          </a:stretch>
+        </p:blipFill>
+        <p:spPr>
+          <a:xfrm>
+            <a:off x="501921" y="-5305471"/>
+            <a:ext cx="5397434" cy="13424954"/>
+          </a:xfrm>
+          <a:prstGeom prst="rect">
+            <a:avLst/>
+          </a:prstGeom>
+        </p:spPr>
+      </p:pic>
     </p:spTree>
     <p:extLst>
       <p:ext uri="{BB962C8B-B14F-4D97-AF65-F5344CB8AC3E}">
-        <p14:creationId xmlns:p14="http://schemas.microsoft.com/office/powerpoint/2010/main" val="3394161416"/>
+        <p14:creationId xmlns:p14="http://schemas.microsoft.com/office/powerpoint/2010/main" val="859422206"/>
       </p:ext>
     </p:extLst>
   </p:cSld>
   <p:clrMapOvr>
     <a:masterClrMapping/>
   </p:clrMapOvr>
-  <mc:AlternateContent xmlns:mc="http://schemas.openxmlformats.org/markup-compatibility/2006">
-    <mc:Choice xmlns:p159="http://schemas.microsoft.com/office/powerpoint/2015/09/main" Requires="p159">
-      <p:transition xmlns:p14="http://schemas.microsoft.com/office/powerpoint/2010/main" spd="slow" p14:dur="2000">
-        <p159:morph option="byObject"/>
-      </p:transition>
-    </mc:Choice>
-    <mc:Fallback>
-      <p:transition spd="slow">
-        <p:fade/>
-      </p:transition>
-    </mc:Fallback>
-  </mc:AlternateContent>
 </p:sld>
 </file>
 
@@ -8781,13 +8884,13 @@
   <p:clrMapOvr>
     <a:masterClrMapping/>
   </p:clrMapOvr>
-  <mc:AlternateContent xmlns:mc="http://schemas.openxmlformats.org/markup-compatibility/2006">
-    <mc:Choice xmlns:p159="http://schemas.microsoft.com/office/powerpoint/2015/09/main" Requires="p159">
+  <mc:AlternateContent xmlns:mc="http://schemas.openxmlformats.org/markup-compatibility/2006" xmlns:p159="http://schemas.microsoft.com/office/powerpoint/2015/09/main">
+    <mc:Choice Requires="p159">
       <p:transition xmlns:p14="http://schemas.microsoft.com/office/powerpoint/2010/main" spd="slow" p14:dur="2000">
         <p159:morph option="byObject"/>
       </p:transition>
     </mc:Choice>
-    <mc:Fallback>
+    <mc:Fallback xmlns="">
       <p:transition spd="slow">
         <p:fade/>
       </p:transition>
@@ -8797,6 +8900,149 @@
 </file>
 
 <file path=ppt/slides/slide23.xml><?xml version="1.0" encoding="utf-8"?>
+<p:sld xmlns:a="http://schemas.openxmlformats.org/drawingml/2006/main" xmlns:r="http://schemas.openxmlformats.org/officeDocument/2006/relationships" xmlns:p="http://schemas.openxmlformats.org/presentationml/2006/main">
+  <p:cSld>
+    <p:spTree>
+      <p:nvGrpSpPr>
+        <p:cNvPr id="1" name="">
+          <a:extLst>
+            <a:ext uri="{FF2B5EF4-FFF2-40B4-BE49-F238E27FC236}">
+              <a16:creationId xmlns:a16="http://schemas.microsoft.com/office/drawing/2014/main" id="{6F2C13D6-4DB7-AC1A-3B78-78BA8E2E109A}"/>
+            </a:ext>
+          </a:extLst>
+        </p:cNvPr>
+        <p:cNvGrpSpPr/>
+        <p:nvPr/>
+      </p:nvGrpSpPr>
+      <p:grpSpPr>
+        <a:xfrm>
+          <a:off x="0" y="0"/>
+          <a:ext cx="0" cy="0"/>
+          <a:chOff x="0" y="0"/>
+          <a:chExt cx="0" cy="0"/>
+        </a:xfrm>
+      </p:grpSpPr>
+      <p:sp>
+        <p:nvSpPr>
+          <p:cNvPr id="2" name="Title 1">
+            <a:extLst>
+              <a:ext uri="{FF2B5EF4-FFF2-40B4-BE49-F238E27FC236}">
+                <a16:creationId xmlns:a16="http://schemas.microsoft.com/office/drawing/2014/main" id="{4879A729-24CA-C85D-1AF8-8CE36C7914BE}"/>
+              </a:ext>
+            </a:extLst>
+          </p:cNvPr>
+          <p:cNvSpPr>
+            <a:spLocks noGrp="1"/>
+          </p:cNvSpPr>
+          <p:nvPr>
+            <p:ph type="title"/>
+          </p:nvPr>
+        </p:nvSpPr>
+        <p:spPr/>
+        <p:txBody>
+          <a:bodyPr/>
+          <a:lstStyle/>
+          <a:p>
+            <a:r>
+              <a:rPr lang="fa-IR" dirty="0"/>
+              <a:t>نتیجه گیری</a:t>
+            </a:r>
+            <a:endParaRPr lang="en-US" dirty="0"/>
+          </a:p>
+        </p:txBody>
+      </p:sp>
+      <p:sp>
+        <p:nvSpPr>
+          <p:cNvPr id="3" name="Text Placeholder 2">
+            <a:extLst>
+              <a:ext uri="{FF2B5EF4-FFF2-40B4-BE49-F238E27FC236}">
+                <a16:creationId xmlns:a16="http://schemas.microsoft.com/office/drawing/2014/main" id="{44A68D25-B86B-CE2C-3264-DBED75B29067}"/>
+              </a:ext>
+            </a:extLst>
+          </p:cNvPr>
+          <p:cNvSpPr>
+            <a:spLocks noGrp="1"/>
+          </p:cNvSpPr>
+          <p:nvPr>
+            <p:ph type="body" sz="quarter" idx="13"/>
+          </p:nvPr>
+        </p:nvSpPr>
+        <p:spPr/>
+        <p:txBody>
+          <a:bodyPr anchor="ctr">
+            <a:normAutofit/>
+          </a:bodyPr>
+          <a:lstStyle/>
+          <a:p>
+            <a:r>
+              <a:rPr lang="fa-IR" dirty="0"/>
+              <a:t>نتایج این مطالعه نشان </a:t>
+            </a:r>
+            <a:r>
+              <a:rPr lang="fa-IR" dirty="0" err="1"/>
+              <a:t>می‌دهد</a:t>
+            </a:r>
+            <a:r>
+              <a:rPr lang="fa-IR" dirty="0"/>
+              <a:t> که مدل </a:t>
+            </a:r>
+            <a:r>
+              <a:rPr lang="fa-IR" dirty="0" err="1"/>
+              <a:t>دو‌کمپارتمانه</a:t>
+            </a:r>
+            <a:r>
+              <a:rPr lang="fa-IR" dirty="0"/>
+              <a:t> با در نظر گرفتن </a:t>
+            </a:r>
+            <a:r>
+              <a:rPr lang="en-US" dirty="0"/>
+              <a:t>GFR، </a:t>
+            </a:r>
+            <a:r>
+              <a:rPr lang="fa-IR" dirty="0"/>
+              <a:t>جنسیت و سن بهترین تطابق را با </a:t>
+            </a:r>
+            <a:r>
+              <a:rPr lang="fa-IR" dirty="0" err="1"/>
+              <a:t>داده‌ها</a:t>
+            </a:r>
+            <a:r>
+              <a:rPr lang="fa-IR" dirty="0"/>
+              <a:t> داشته و </a:t>
+            </a:r>
+            <a:r>
+              <a:rPr lang="fa-IR" dirty="0" err="1"/>
+              <a:t>می‌تواند</a:t>
+            </a:r>
+            <a:r>
+              <a:rPr lang="fa-IR" dirty="0"/>
+              <a:t> برای تحلیل و </a:t>
+            </a:r>
+            <a:r>
+              <a:rPr lang="fa-IR" dirty="0" err="1"/>
+              <a:t>پیش‌بینی</a:t>
+            </a:r>
+            <a:r>
+              <a:rPr lang="fa-IR" dirty="0"/>
+              <a:t> سطح سرمی اریتروپویتین وریدی استفاده شود.</a:t>
+            </a:r>
+          </a:p>
+        </p:txBody>
+      </p:sp>
+    </p:spTree>
+    <p:extLst>
+      <p:ext uri="{BB962C8B-B14F-4D97-AF65-F5344CB8AC3E}">
+        <p14:creationId xmlns:p14="http://schemas.microsoft.com/office/powerpoint/2010/main" val="690068946"/>
+      </p:ext>
+    </p:extLst>
+  </p:cSld>
+  <p:clrMapOvr>
+    <a:masterClrMapping/>
+  </p:clrMapOvr>
+</p:sld>
+</file>
+
+<file path=ppt/slides/slide24.xml><?xml version="1.0" encoding="utf-8"?>
 <p:sld xmlns:a="http://schemas.openxmlformats.org/drawingml/2006/main" xmlns:r="http://schemas.openxmlformats.org/officeDocument/2006/relationships" xmlns:p="http://schemas.openxmlformats.org/presentationml/2006/main">
   <p:cSld>
     <p:spTree>
@@ -8818,6 +9064,202 @@
           <p:cNvPr id="2" name="Title 1">
             <a:extLst>
               <a:ext uri="{FF2B5EF4-FFF2-40B4-BE49-F238E27FC236}">
+                <a16:creationId xmlns:a16="http://schemas.microsoft.com/office/drawing/2014/main" id="{88B7119C-132A-FDBF-3988-93ACC4C35A43}"/>
+              </a:ext>
+            </a:extLst>
+          </p:cNvPr>
+          <p:cNvSpPr>
+            <a:spLocks noGrp="1"/>
+          </p:cNvSpPr>
+          <p:nvPr>
+            <p:ph type="title"/>
+          </p:nvPr>
+        </p:nvSpPr>
+        <p:spPr/>
+        <p:txBody>
+          <a:bodyPr/>
+          <a:lstStyle/>
+          <a:p>
+            <a:r>
+              <a:rPr lang="fa-IR" dirty="0"/>
+              <a:t>نتیجه گیری</a:t>
+            </a:r>
+            <a:endParaRPr lang="en-US" dirty="0"/>
+          </a:p>
+        </p:txBody>
+      </p:sp>
+      <p:sp>
+        <p:nvSpPr>
+          <p:cNvPr id="3" name="Text Placeholder 2">
+            <a:extLst>
+              <a:ext uri="{FF2B5EF4-FFF2-40B4-BE49-F238E27FC236}">
+                <a16:creationId xmlns:a16="http://schemas.microsoft.com/office/drawing/2014/main" id="{70C93CF8-DD50-8ED5-11D9-9CEE7779B2C6}"/>
+              </a:ext>
+            </a:extLst>
+          </p:cNvPr>
+          <p:cNvSpPr>
+            <a:spLocks noGrp="1"/>
+          </p:cNvSpPr>
+          <p:nvPr>
+            <p:ph type="body" sz="quarter" idx="13"/>
+          </p:nvPr>
+        </p:nvSpPr>
+        <p:spPr/>
+        <p:txBody>
+          <a:bodyPr anchor="ctr">
+            <a:normAutofit/>
+          </a:bodyPr>
+          <a:lstStyle/>
+          <a:p>
+            <a:r>
+              <a:rPr lang="fa-IR" dirty="0"/>
+              <a:t>این مطالعه نشان </a:t>
+            </a:r>
+            <a:r>
+              <a:rPr lang="fa-IR" dirty="0" err="1"/>
+              <a:t>می‌دهد</a:t>
+            </a:r>
+            <a:r>
+              <a:rPr lang="fa-IR" dirty="0"/>
+              <a:t> که فارماکوکینتیک </a:t>
+            </a:r>
+            <a:r>
+              <a:rPr lang="fa-IR" dirty="0" err="1"/>
+              <a:t>اریتروپوئتین</a:t>
+            </a:r>
+            <a:r>
+              <a:rPr lang="fa-IR" dirty="0"/>
+              <a:t> تحت تأثیر عوامل فردی نظیر سن، جنسیت و عملکرد کلیوی است. </a:t>
+            </a:r>
+            <a:endParaRPr lang="en-US" dirty="0"/>
+          </a:p>
+          <a:p>
+            <a:r>
+              <a:rPr lang="fa-IR" dirty="0"/>
+              <a:t>این عوامل </a:t>
+            </a:r>
+            <a:r>
+              <a:rPr lang="fa-IR" dirty="0" err="1"/>
+              <a:t>می‌توانند</a:t>
+            </a:r>
+            <a:r>
+              <a:rPr lang="fa-IR" dirty="0"/>
+              <a:t> بر حجم توزیع، </a:t>
+            </a:r>
+            <a:r>
+              <a:rPr lang="fa-IR" dirty="0" err="1"/>
+              <a:t>زیست‌دسترس‌پذیری</a:t>
+            </a:r>
+            <a:r>
+              <a:rPr lang="fa-IR" dirty="0"/>
+              <a:t> و نرخ پاکسازی دارو تأثیر بگذارند. </a:t>
+            </a:r>
+            <a:endParaRPr lang="en-US" dirty="0"/>
+          </a:p>
+          <a:p>
+            <a:r>
+              <a:rPr lang="fa-IR" dirty="0" err="1"/>
+              <a:t>مدل‌سازی</a:t>
+            </a:r>
+            <a:r>
+              <a:rPr lang="fa-IR" dirty="0"/>
+              <a:t> دو-</a:t>
+            </a:r>
+            <a:r>
+              <a:rPr lang="fa-IR" dirty="0" err="1"/>
+              <a:t>کمپارتمانه</a:t>
+            </a:r>
+            <a:r>
+              <a:rPr lang="fa-IR" dirty="0"/>
+              <a:t> ابزار مناسبی برای درک بهتر </a:t>
+            </a:r>
+            <a:r>
+              <a:rPr lang="fa-IR" dirty="0" err="1"/>
+              <a:t>دینامیک</a:t>
+            </a:r>
+            <a:r>
+              <a:rPr lang="fa-IR" dirty="0"/>
+              <a:t> دارو ارائه </a:t>
+            </a:r>
+            <a:r>
+              <a:rPr lang="fa-IR" dirty="0" err="1"/>
+              <a:t>می‌دهد</a:t>
+            </a:r>
+            <a:r>
+              <a:rPr lang="fa-IR" dirty="0"/>
+              <a:t> و </a:t>
+            </a:r>
+            <a:r>
+              <a:rPr lang="fa-IR" dirty="0" err="1"/>
+              <a:t>می‌تواند</a:t>
+            </a:r>
+            <a:r>
+              <a:rPr lang="fa-IR" dirty="0"/>
+              <a:t> به بهبود </a:t>
+            </a:r>
+            <a:r>
+              <a:rPr lang="fa-IR" dirty="0" err="1"/>
+              <a:t>دوزبندی</a:t>
+            </a:r>
+            <a:r>
+              <a:rPr lang="fa-IR" dirty="0"/>
+              <a:t> و افزایش اثربخشی </a:t>
+            </a:r>
+            <a:r>
+              <a:rPr lang="fa-IR" dirty="0" err="1"/>
+              <a:t>اریتروپوئتین</a:t>
+            </a:r>
+            <a:r>
+              <a:rPr lang="fa-IR" dirty="0"/>
+              <a:t> در بیماران </a:t>
+            </a:r>
+            <a:r>
+              <a:rPr lang="fa-IR" dirty="0" err="1"/>
+              <a:t>بدحال</a:t>
+            </a:r>
+            <a:r>
+              <a:rPr lang="fa-IR" dirty="0"/>
+              <a:t> کمک کند.</a:t>
+            </a:r>
+            <a:endParaRPr lang="en-US" dirty="0"/>
+          </a:p>
+        </p:txBody>
+      </p:sp>
+    </p:spTree>
+    <p:extLst>
+      <p:ext uri="{BB962C8B-B14F-4D97-AF65-F5344CB8AC3E}">
+        <p14:creationId xmlns:p14="http://schemas.microsoft.com/office/powerpoint/2010/main" val="196395468"/>
+      </p:ext>
+    </p:extLst>
+  </p:cSld>
+  <p:clrMapOvr>
+    <a:masterClrMapping/>
+  </p:clrMapOvr>
+</p:sld>
+</file>
+
+<file path=ppt/slides/slide25.xml><?xml version="1.0" encoding="utf-8"?>
+<p:sld xmlns:a="http://schemas.openxmlformats.org/drawingml/2006/main" xmlns:r="http://schemas.openxmlformats.org/officeDocument/2006/relationships" xmlns:p="http://schemas.openxmlformats.org/presentationml/2006/main">
+  <p:cSld>
+    <p:spTree>
+      <p:nvGrpSpPr>
+        <p:cNvPr id="1" name=""/>
+        <p:cNvGrpSpPr/>
+        <p:nvPr/>
+      </p:nvGrpSpPr>
+      <p:grpSpPr>
+        <a:xfrm>
+          <a:off x="0" y="0"/>
+          <a:ext cx="0" cy="0"/>
+          <a:chOff x="0" y="0"/>
+          <a:chExt cx="0" cy="0"/>
+        </a:xfrm>
+      </p:grpSpPr>
+      <p:sp>
+        <p:nvSpPr>
+          <p:cNvPr id="2" name="Title 1">
+            <a:extLst>
+              <a:ext uri="{FF2B5EF4-FFF2-40B4-BE49-F238E27FC236}">
                 <a16:creationId xmlns:a16="http://schemas.microsoft.com/office/drawing/2014/main" id="{E441D7D2-C8DA-1A88-E01D-84EF282D5198}"/>
               </a:ext>
             </a:extLst>
@@ -8960,7 +9402,7 @@
 </p:sld>
 </file>
 
-<file path=ppt/slides/slide24.xml><?xml version="1.0" encoding="utf-8"?>
+<file path=ppt/slides/slide26.xml><?xml version="1.0" encoding="utf-8"?>
 <p:sld xmlns:a="http://schemas.openxmlformats.org/drawingml/2006/main" xmlns:r="http://schemas.openxmlformats.org/officeDocument/2006/relationships" xmlns:p="http://schemas.openxmlformats.org/presentationml/2006/main">
   <p:cSld>
     <p:spTree>
@@ -9104,15 +9546,7 @@
             </a:pPr>
             <a:r>
               <a:rPr lang="fa-IR" dirty="0"/>
-              <a:t>عدم تحلیل پیامدهای بالینی: تمرکز بر فارماکوکینتیک بدون بررسی تأثیر بر </a:t>
-            </a:r>
-            <a:r>
-              <a:rPr lang="fa-IR" dirty="0" err="1"/>
-              <a:t>کم‌خونی</a:t>
-            </a:r>
-            <a:r>
-              <a:rPr lang="fa-IR" dirty="0"/>
-              <a:t> یا نرخ بقا.</a:t>
+              <a:t>عدم تحلیل پیامدهای بالینی: تمرکز بر فارماکوکینتیک بدون بررسی تأثیر بر آنمی یا نرخ بقا.</a:t>
             </a:r>
             <a:endParaRPr lang="en-US" dirty="0"/>
           </a:p>
@@ -9122,420 +9556,6 @@
     <p:extLst>
       <p:ext uri="{BB962C8B-B14F-4D97-AF65-F5344CB8AC3E}">
         <p14:creationId xmlns:p14="http://schemas.microsoft.com/office/powerpoint/2010/main" val="3429740160"/>
-      </p:ext>
-    </p:extLst>
-  </p:cSld>
-  <p:clrMapOvr>
-    <a:masterClrMapping/>
-  </p:clrMapOvr>
-</p:sld>
-</file>
-
-<file path=ppt/slides/slide25.xml><?xml version="1.0" encoding="utf-8"?>
-<p:sld xmlns:a="http://schemas.openxmlformats.org/drawingml/2006/main" xmlns:r="http://schemas.openxmlformats.org/officeDocument/2006/relationships" xmlns:p="http://schemas.openxmlformats.org/presentationml/2006/main">
-  <p:cSld>
-    <p:spTree>
-      <p:nvGrpSpPr>
-        <p:cNvPr id="1" name="">
-          <a:extLst>
-            <a:ext uri="{FF2B5EF4-FFF2-40B4-BE49-F238E27FC236}">
-              <a16:creationId xmlns:a16="http://schemas.microsoft.com/office/drawing/2014/main" id="{6F2C13D6-4DB7-AC1A-3B78-78BA8E2E109A}"/>
-            </a:ext>
-          </a:extLst>
-        </p:cNvPr>
-        <p:cNvGrpSpPr/>
-        <p:nvPr/>
-      </p:nvGrpSpPr>
-      <p:grpSpPr>
-        <a:xfrm>
-          <a:off x="0" y="0"/>
-          <a:ext cx="0" cy="0"/>
-          <a:chOff x="0" y="0"/>
-          <a:chExt cx="0" cy="0"/>
-        </a:xfrm>
-      </p:grpSpPr>
-      <p:sp>
-        <p:nvSpPr>
-          <p:cNvPr id="2" name="Title 1">
-            <a:extLst>
-              <a:ext uri="{FF2B5EF4-FFF2-40B4-BE49-F238E27FC236}">
-                <a16:creationId xmlns:a16="http://schemas.microsoft.com/office/drawing/2014/main" id="{4879A729-24CA-C85D-1AF8-8CE36C7914BE}"/>
-              </a:ext>
-            </a:extLst>
-          </p:cNvPr>
-          <p:cNvSpPr>
-            <a:spLocks noGrp="1"/>
-          </p:cNvSpPr>
-          <p:nvPr>
-            <p:ph type="title"/>
-          </p:nvPr>
-        </p:nvSpPr>
-        <p:spPr/>
-        <p:txBody>
-          <a:bodyPr/>
-          <a:lstStyle/>
-          <a:p>
-            <a:r>
-              <a:rPr lang="fa-IR" dirty="0"/>
-              <a:t>نتیجه گیری</a:t>
-            </a:r>
-            <a:endParaRPr lang="en-US" dirty="0"/>
-          </a:p>
-        </p:txBody>
-      </p:sp>
-      <p:sp>
-        <p:nvSpPr>
-          <p:cNvPr id="3" name="Text Placeholder 2">
-            <a:extLst>
-              <a:ext uri="{FF2B5EF4-FFF2-40B4-BE49-F238E27FC236}">
-                <a16:creationId xmlns:a16="http://schemas.microsoft.com/office/drawing/2014/main" id="{44A68D25-B86B-CE2C-3264-DBED75B29067}"/>
-              </a:ext>
-            </a:extLst>
-          </p:cNvPr>
-          <p:cNvSpPr>
-            <a:spLocks noGrp="1"/>
-          </p:cNvSpPr>
-          <p:nvPr>
-            <p:ph type="body" sz="quarter" idx="13"/>
-          </p:nvPr>
-        </p:nvSpPr>
-        <p:spPr/>
-        <p:txBody>
-          <a:bodyPr anchor="ctr">
-            <a:normAutofit/>
-          </a:bodyPr>
-          <a:lstStyle/>
-          <a:p>
-            <a:r>
-              <a:rPr lang="fa-IR" dirty="0"/>
-              <a:t>نتایج این مطالعه نشان </a:t>
-            </a:r>
-            <a:r>
-              <a:rPr lang="fa-IR" dirty="0" err="1"/>
-              <a:t>می‌دهد</a:t>
-            </a:r>
-            <a:r>
-              <a:rPr lang="fa-IR" dirty="0"/>
-              <a:t> که مدل </a:t>
-            </a:r>
-            <a:r>
-              <a:rPr lang="fa-IR" dirty="0" err="1"/>
-              <a:t>دو‌کمپارتمانه</a:t>
-            </a:r>
-            <a:r>
-              <a:rPr lang="fa-IR" dirty="0"/>
-              <a:t> با در نظر گرفتن </a:t>
-            </a:r>
-            <a:r>
-              <a:rPr lang="en-US" dirty="0"/>
-              <a:t>GFR، </a:t>
-            </a:r>
-            <a:r>
-              <a:rPr lang="fa-IR" dirty="0"/>
-              <a:t>جنسیت و سن بهترین تطابق را با </a:t>
-            </a:r>
-            <a:r>
-              <a:rPr lang="fa-IR" dirty="0" err="1"/>
-              <a:t>داده‌ها</a:t>
-            </a:r>
-            <a:r>
-              <a:rPr lang="fa-IR" dirty="0"/>
-              <a:t> داشته و </a:t>
-            </a:r>
-            <a:r>
-              <a:rPr lang="fa-IR" dirty="0" err="1"/>
-              <a:t>می‌تواند</a:t>
-            </a:r>
-            <a:r>
-              <a:rPr lang="fa-IR" dirty="0"/>
-              <a:t> برای تحلیل و </a:t>
-            </a:r>
-            <a:r>
-              <a:rPr lang="fa-IR" dirty="0" err="1"/>
-              <a:t>پیش‌بینی</a:t>
-            </a:r>
-            <a:r>
-              <a:rPr lang="fa-IR" dirty="0"/>
-              <a:t> سطح سرمی اریتروپویتین وریدی استفاده شود.</a:t>
-            </a:r>
-          </a:p>
-        </p:txBody>
-      </p:sp>
-    </p:spTree>
-    <p:extLst>
-      <p:ext uri="{BB962C8B-B14F-4D97-AF65-F5344CB8AC3E}">
-        <p14:creationId xmlns:p14="http://schemas.microsoft.com/office/powerpoint/2010/main" val="690068946"/>
-      </p:ext>
-    </p:extLst>
-  </p:cSld>
-  <p:clrMapOvr>
-    <a:masterClrMapping/>
-  </p:clrMapOvr>
-</p:sld>
-</file>
-
-<file path=ppt/slides/slide26.xml><?xml version="1.0" encoding="utf-8"?>
-<p:sld xmlns:a="http://schemas.openxmlformats.org/drawingml/2006/main" xmlns:r="http://schemas.openxmlformats.org/officeDocument/2006/relationships" xmlns:p="http://schemas.openxmlformats.org/presentationml/2006/main">
-  <p:cSld>
-    <p:spTree>
-      <p:nvGrpSpPr>
-        <p:cNvPr id="1" name=""/>
-        <p:cNvGrpSpPr/>
-        <p:nvPr/>
-      </p:nvGrpSpPr>
-      <p:grpSpPr>
-        <a:xfrm>
-          <a:off x="0" y="0"/>
-          <a:ext cx="0" cy="0"/>
-          <a:chOff x="0" y="0"/>
-          <a:chExt cx="0" cy="0"/>
-        </a:xfrm>
-      </p:grpSpPr>
-      <p:sp>
-        <p:nvSpPr>
-          <p:cNvPr id="2" name="Title 1">
-            <a:extLst>
-              <a:ext uri="{FF2B5EF4-FFF2-40B4-BE49-F238E27FC236}">
-                <a16:creationId xmlns:a16="http://schemas.microsoft.com/office/drawing/2014/main" id="{88B7119C-132A-FDBF-3988-93ACC4C35A43}"/>
-              </a:ext>
-            </a:extLst>
-          </p:cNvPr>
-          <p:cNvSpPr>
-            <a:spLocks noGrp="1"/>
-          </p:cNvSpPr>
-          <p:nvPr>
-            <p:ph type="title"/>
-          </p:nvPr>
-        </p:nvSpPr>
-        <p:spPr/>
-        <p:txBody>
-          <a:bodyPr/>
-          <a:lstStyle/>
-          <a:p>
-            <a:r>
-              <a:rPr lang="fa-IR" dirty="0"/>
-              <a:t>نتیجه گیری</a:t>
-            </a:r>
-            <a:endParaRPr lang="en-US" dirty="0"/>
-          </a:p>
-        </p:txBody>
-      </p:sp>
-      <mc:AlternateContent xmlns:mc="http://schemas.openxmlformats.org/markup-compatibility/2006">
-        <mc:Choice xmlns:a14="http://schemas.microsoft.com/office/drawing/2010/main" Requires="a14">
-          <p:sp>
-            <p:nvSpPr>
-              <p:cNvPr id="3" name="Text Placeholder 2">
-                <a:extLst>
-                  <a:ext uri="{FF2B5EF4-FFF2-40B4-BE49-F238E27FC236}">
-                    <a16:creationId xmlns:a16="http://schemas.microsoft.com/office/drawing/2014/main" id="{70C93CF8-DD50-8ED5-11D9-9CEE7779B2C6}"/>
-                  </a:ext>
-                </a:extLst>
-              </p:cNvPr>
-              <p:cNvSpPr>
-                <a:spLocks noGrp="1"/>
-              </p:cNvSpPr>
-              <p:nvPr>
-                <p:ph type="body" sz="quarter" idx="13"/>
-              </p:nvPr>
-            </p:nvSpPr>
-            <p:spPr/>
-            <p:txBody>
-              <a:bodyPr anchor="ctr">
-                <a:normAutofit/>
-              </a:bodyPr>
-              <a:lstStyle/>
-              <a:p>
-                <a:r>
-                  <a:rPr lang="fa-IR" dirty="0"/>
-                  <a:t>جمعیت مورد مطالعه شامل ۵۴.۶۱٪ مرد با میانگین سنی ۶۳.۳۸ ± ۱۷.۵۲ سال بود.</a:t>
-                </a:r>
-              </a:p>
-              <a:p>
-                <a:r>
-                  <a:rPr lang="fa-IR" dirty="0"/>
-                  <a:t>پارامترهای کلیدی مدل </a:t>
-                </a:r>
-                <a:r>
-                  <a:rPr lang="fa-IR" dirty="0" err="1"/>
-                  <a:t>دو‌کمپارتمانه</a:t>
-                </a:r>
-                <a:r>
-                  <a:rPr lang="fa-IR" dirty="0"/>
-                  <a:t> </a:t>
-                </a:r>
-                <a:r>
-                  <a:rPr lang="fa-IR" dirty="0" err="1"/>
-                  <a:t>تعدیل‌شده</a:t>
-                </a:r>
-                <a:r>
-                  <a:rPr lang="fa-IR" dirty="0"/>
-                  <a:t>:</a:t>
-                </a:r>
-              </a:p>
-              <a:p>
-                <a:pPr lvl="1"/>
-                <a:r>
-                  <a:rPr lang="fa-IR" dirty="0"/>
-                  <a:t>حجم توزیع (</a:t>
-                </a:r>
-                <a:r>
-                  <a:rPr lang="en-US" dirty="0" err="1"/>
-                  <a:t>V_pop</a:t>
-                </a:r>
-                <a:r>
-                  <a:rPr lang="fa-IR" dirty="0"/>
-                  <a:t>)</a:t>
-                </a:r>
-                <a:r>
-                  <a:rPr lang="en-US" dirty="0"/>
-                  <a:t>: </a:t>
-                </a:r>
-                <a:r>
-                  <a:rPr lang="fa-IR" dirty="0"/>
-                  <a:t>۲۳.۲۱ ± ۱۳.۲۳ لیتر</a:t>
-                </a:r>
-              </a:p>
-              <a:p>
-                <a:pPr lvl="1"/>
-                <a:r>
-                  <a:rPr lang="fa-IR" dirty="0"/>
-                  <a:t>نرخ حذف (</a:t>
-                </a:r>
-                <a:r>
-                  <a:rPr lang="en-US" dirty="0" err="1"/>
-                  <a:t>k_pop</a:t>
-                </a:r>
-                <a:r>
-                  <a:rPr lang="fa-IR" dirty="0"/>
-                  <a:t>)</a:t>
-                </a:r>
-                <a:r>
-                  <a:rPr lang="en-US" dirty="0"/>
-                  <a:t>: </a:t>
-                </a:r>
-                <a:r>
-                  <a:rPr lang="fa-IR" dirty="0"/>
-                  <a:t>۰.۰۲۷ ± ۰.۰۲ </a:t>
-                </a:r>
-                <a14:m>
-                  <m:oMath xmlns:m="http://schemas.openxmlformats.org/officeDocument/2006/math">
-                    <m:sSup>
-                      <m:sSupPr>
-                        <m:ctrlPr>
-                          <a:rPr lang="en-US" b="0" i="1" smtClean="0">
-                            <a:latin typeface="Cambria Math" panose="02040503050406030204" pitchFamily="18" charset="0"/>
-                          </a:rPr>
-                        </m:ctrlPr>
-                      </m:sSupPr>
-                      <m:e>
-                        <m:r>
-                          <a:rPr lang="en-US" b="0" i="1" smtClean="0">
-                            <a:latin typeface="Cambria Math" panose="02040503050406030204" pitchFamily="18" charset="0"/>
-                          </a:rPr>
-                          <m:t>h</m:t>
-                        </m:r>
-                      </m:e>
-                      <m:sup>
-                        <m:r>
-                          <a:rPr lang="en-US" b="0" i="1" smtClean="0">
-                            <a:latin typeface="Cambria Math" panose="02040503050406030204" pitchFamily="18" charset="0"/>
-                          </a:rPr>
-                          <m:t>−</m:t>
-                        </m:r>
-                        <m:r>
-                          <a:rPr lang="en-US" b="0" i="1" smtClean="0">
-                            <a:latin typeface="Cambria Math" panose="02040503050406030204" pitchFamily="18" charset="0"/>
-                          </a:rPr>
-                          <m:t>1</m:t>
-                        </m:r>
-                      </m:sup>
-                    </m:sSup>
-                  </m:oMath>
-                </a14:m>
-                <a:endParaRPr lang="fa-IR" dirty="0"/>
-              </a:p>
-              <a:p>
-                <a:pPr lvl="1"/>
-                <a:r>
-                  <a:rPr lang="fa-IR" dirty="0"/>
-                  <a:t>غلظت پایه (</a:t>
-                </a:r>
-                <a:r>
-                  <a:rPr lang="en-US" dirty="0" err="1"/>
-                  <a:t>Cc_baseline_pop</a:t>
-                </a:r>
-                <a:r>
-                  <a:rPr lang="fa-IR" dirty="0"/>
-                  <a:t>)</a:t>
-                </a:r>
-                <a:r>
-                  <a:rPr lang="en-US" dirty="0"/>
-                  <a:t>: </a:t>
-                </a:r>
-                <a:r>
-                  <a:rPr lang="fa-IR" dirty="0"/>
-                  <a:t>۴۳.۵۵ ± ۱۷.۲۹ </a:t>
-                </a:r>
-                <a:r>
-                  <a:rPr lang="en-US" dirty="0"/>
-                  <a:t>mg/L</a:t>
-                </a:r>
-              </a:p>
-              <a:p>
-                <a:pPr lvl="1"/>
-                <a:r>
-                  <a:rPr lang="fa-IR" dirty="0"/>
-                  <a:t>عواملی مانند سن، جنسیت و عملکرد کلیه تأثیر مهمی بر حجم توزیع، میزان جذب و دفع اریتروپویتین دارند. </a:t>
-                </a:r>
-                <a:endParaRPr lang="en-US" dirty="0"/>
-              </a:p>
-            </p:txBody>
-          </p:sp>
-        </mc:Choice>
-        <mc:Fallback>
-          <p:sp>
-            <p:nvSpPr>
-              <p:cNvPr id="3" name="Text Placeholder 2">
-                <a:extLst>
-                  <a:ext uri="{FF2B5EF4-FFF2-40B4-BE49-F238E27FC236}">
-                    <a16:creationId xmlns:a16="http://schemas.microsoft.com/office/drawing/2014/main" id="{70C93CF8-DD50-8ED5-11D9-9CEE7779B2C6}"/>
-                  </a:ext>
-                </a:extLst>
-              </p:cNvPr>
-              <p:cNvSpPr>
-                <a:spLocks noGrp="1" noRot="1" noChangeAspect="1" noMove="1" noResize="1" noEditPoints="1" noAdjustHandles="1" noChangeArrowheads="1" noChangeShapeType="1" noTextEdit="1"/>
-              </p:cNvSpPr>
-              <p:nvPr>
-                <p:ph type="body" sz="quarter" idx="13"/>
-              </p:nvPr>
-            </p:nvSpPr>
-            <p:spPr>
-              <a:blipFill>
-                <a:blip r:embed="rId2"/>
-                <a:stretch>
-                  <a:fillRect l="-405" r="-1861"/>
-                </a:stretch>
-              </a:blipFill>
-            </p:spPr>
-            <p:txBody>
-              <a:bodyPr/>
-              <a:lstStyle/>
-              <a:p>
-                <a:r>
-                  <a:rPr lang="en-US">
-                    <a:noFill/>
-                  </a:rPr>
-                  <a:t> </a:t>
-                </a:r>
-              </a:p>
-            </p:txBody>
-          </p:sp>
-        </mc:Fallback>
-      </mc:AlternateContent>
-    </p:spTree>
-    <p:extLst>
-      <p:ext uri="{BB962C8B-B14F-4D97-AF65-F5344CB8AC3E}">
-        <p14:creationId xmlns:p14="http://schemas.microsoft.com/office/powerpoint/2010/main" val="196395468"/>
       </p:ext>
     </p:extLst>
   </p:cSld>
@@ -9683,123 +9703,77 @@
             <p:ph type="body" sz="quarter" idx="13"/>
           </p:nvPr>
         </p:nvSpPr>
-        <p:spPr/>
-        <p:txBody>
-          <a:bodyPr/>
+        <p:spPr>
+          <a:xfrm>
+            <a:off x="7423355" y="675408"/>
+            <a:ext cx="3930445" cy="5226627"/>
+          </a:xfrm>
+        </p:spPr>
+        <p:txBody>
+          <a:bodyPr>
+            <a:normAutofit/>
+          </a:bodyPr>
           <a:lstStyle/>
           <a:p>
             <a:r>
+              <a:rPr lang="fa-IR" dirty="0"/>
+              <a:t>آنمی: کاهش سطح هموگلوبین</a:t>
+            </a:r>
+          </a:p>
+          <a:p>
+            <a:pPr lvl="1"/>
+            <a:r>
+              <a:rPr lang="fa-IR" dirty="0"/>
+              <a:t>یکی از مشکلات بسیار شایع در </a:t>
+            </a:r>
+            <a:r>
+              <a:rPr lang="en-US" dirty="0"/>
+              <a:t>ICU</a:t>
+            </a:r>
+          </a:p>
+          <a:p>
+            <a:pPr lvl="1"/>
+            <a:endParaRPr lang="en-US" dirty="0"/>
+          </a:p>
+          <a:p>
+            <a:r>
+              <a:rPr lang="fa-IR" dirty="0"/>
+              <a:t>کاهش </a:t>
+            </a:r>
+            <a:r>
               <a:rPr lang="fa-IR" dirty="0" err="1"/>
-              <a:t>کم‌خونی</a:t>
-            </a:r>
-            <a:r>
-              <a:rPr lang="fa-IR" dirty="0"/>
-              <a:t> به کاهش سطح هموگلوبین در خون گفته </a:t>
+              <a:t>هماتوپوئز</a:t>
+            </a:r>
+            <a:endParaRPr lang="fa-IR" dirty="0"/>
+          </a:p>
+          <a:p>
+            <a:pPr lvl="1"/>
+            <a:r>
+              <a:rPr lang="fa-IR" dirty="0"/>
+              <a:t>سوء تغذیه</a:t>
+            </a:r>
+          </a:p>
+          <a:p>
+            <a:pPr lvl="1"/>
+            <a:r>
+              <a:rPr lang="fa-IR" dirty="0"/>
+              <a:t>نارسایی کلیه</a:t>
+            </a:r>
+          </a:p>
+          <a:p>
+            <a:pPr lvl="1"/>
+            <a:r>
+              <a:rPr lang="fa-IR" dirty="0"/>
+              <a:t>بیماری های </a:t>
             </a:r>
             <a:r>
               <a:rPr lang="fa-IR" dirty="0" err="1"/>
-              <a:t>می‌شود</a:t>
-            </a:r>
-            <a:r>
-              <a:rPr lang="fa-IR" dirty="0"/>
-              <a:t> که توانایی خون در انتقال اکسیژن به </a:t>
-            </a:r>
-            <a:r>
-              <a:rPr lang="fa-IR" dirty="0" err="1"/>
-              <a:t>بافت‌ها</a:t>
-            </a:r>
-            <a:r>
-              <a:rPr lang="fa-IR" dirty="0"/>
-              <a:t> را کاهش </a:t>
-            </a:r>
-            <a:r>
-              <a:rPr lang="fa-IR" dirty="0" err="1"/>
-              <a:t>می‌دهد</a:t>
-            </a:r>
-            <a:r>
-              <a:rPr lang="fa-IR" dirty="0"/>
-              <a:t>.</a:t>
-            </a:r>
-          </a:p>
-          <a:p>
-            <a:r>
-              <a:rPr lang="fa-IR" dirty="0"/>
-              <a:t>این بیماری یکی از مشکلات مهم سلامت جهانی است و </a:t>
-            </a:r>
-            <a:r>
-              <a:rPr lang="fa-IR" dirty="0" err="1"/>
-              <a:t>به‌ویژه</a:t>
-            </a:r>
-            <a:r>
-              <a:rPr lang="fa-IR" dirty="0"/>
-              <a:t> </a:t>
-            </a:r>
-            <a:r>
-              <a:rPr lang="fa-IR" dirty="0" err="1"/>
-              <a:t>جمعیت‌های</a:t>
-            </a:r>
-            <a:r>
-              <a:rPr lang="fa-IR" dirty="0"/>
-              <a:t> </a:t>
-            </a:r>
-            <a:r>
-              <a:rPr lang="fa-IR" dirty="0" err="1"/>
-              <a:t>آسیب‌پذیر</a:t>
-            </a:r>
-            <a:r>
-              <a:rPr lang="fa-IR" dirty="0"/>
-              <a:t> مانند کودکان و زنان باردار را تحت تأثیر قرار </a:t>
-            </a:r>
-            <a:r>
-              <a:rPr lang="fa-IR" dirty="0" err="1"/>
-              <a:t>می‌دهد</a:t>
-            </a:r>
-            <a:r>
-              <a:rPr lang="fa-IR" dirty="0"/>
-              <a:t>.</a:t>
-            </a:r>
-          </a:p>
-          <a:p>
-            <a:r>
-              <a:rPr lang="fa-IR" dirty="0" err="1"/>
-              <a:t>کم‌خونی</a:t>
-            </a:r>
-            <a:r>
-              <a:rPr lang="fa-IR" dirty="0"/>
-              <a:t> در بیماران</a:t>
-            </a:r>
-            <a:r>
-              <a:rPr lang="en-US" dirty="0"/>
-              <a:t>ICU </a:t>
-            </a:r>
-            <a:r>
-              <a:rPr lang="fa-IR" dirty="0"/>
-              <a:t> بسیار شایع است و </a:t>
-            </a:r>
-            <a:r>
-              <a:rPr lang="fa-IR" dirty="0" err="1"/>
-              <a:t>می‌تواند</a:t>
-            </a:r>
-            <a:r>
-              <a:rPr lang="fa-IR" dirty="0"/>
-              <a:t> به دلایل مختلفی از جمله خونریزی گوارشی، جراحی، </a:t>
-            </a:r>
-            <a:r>
-              <a:rPr lang="fa-IR" dirty="0" err="1"/>
-              <a:t>نمونه‌گیری‌های</a:t>
-            </a:r>
-            <a:r>
-              <a:rPr lang="fa-IR" dirty="0"/>
-              <a:t> مکرر خون و کاهش تولید </a:t>
-            </a:r>
-            <a:r>
-              <a:rPr lang="fa-IR" dirty="0" err="1"/>
-              <a:t>گلبول‌های</a:t>
-            </a:r>
-            <a:r>
-              <a:rPr lang="fa-IR" dirty="0"/>
-              <a:t> قرمز رخ دهد.</a:t>
-            </a:r>
+              <a:t>میلوپرولیفراتیو</a:t>
+            </a:r>
+            <a:endParaRPr lang="fa-IR" dirty="0"/>
+          </a:p>
+          <a:p>
+            <a:pPr lvl="1"/>
             <a:endParaRPr lang="en-US" dirty="0"/>
           </a:p>
         </p:txBody>
@@ -9855,6 +9829,265 @@
           </a:ln>
         </p:spPr>
       </p:pic>
+      <p:sp>
+        <p:nvSpPr>
+          <p:cNvPr id="4" name="Content Placeholder 2">
+            <a:extLst>
+              <a:ext uri="{FF2B5EF4-FFF2-40B4-BE49-F238E27FC236}">
+                <a16:creationId xmlns:a16="http://schemas.microsoft.com/office/drawing/2014/main" id="{F7CD71D1-B33C-13B9-A9CC-6B778BFF44A3}"/>
+              </a:ext>
+            </a:extLst>
+          </p:cNvPr>
+          <p:cNvSpPr txBox="1">
+            <a:spLocks/>
+          </p:cNvSpPr>
+          <p:nvPr/>
+        </p:nvSpPr>
+        <p:spPr>
+          <a:xfrm>
+            <a:off x="3492910" y="675407"/>
+            <a:ext cx="3930445" cy="5226627"/>
+          </a:xfrm>
+          <a:prstGeom prst="rect">
+            <a:avLst/>
+          </a:prstGeom>
+        </p:spPr>
+        <p:txBody>
+          <a:bodyPr vert="horz" lIns="91440" tIns="45720" rIns="91440" bIns="45720" rtlCol="0">
+            <a:normAutofit/>
+          </a:bodyPr>
+          <a:lstStyle>
+            <a:lvl1pPr marL="228600" indent="-228600" algn="r" defTabSz="914400" rtl="1" eaLnBrk="1" latinLnBrk="0" hangingPunct="1">
+              <a:lnSpc>
+                <a:spcPct val="90000"/>
+              </a:lnSpc>
+              <a:spcBef>
+                <a:spcPts val="1000"/>
+              </a:spcBef>
+              <a:buFont typeface="Arial" panose="020B0604020202020204" pitchFamily="34" charset="0"/>
+              <a:buChar char="•"/>
+              <a:defRPr sz="3200" kern="1200">
+                <a:solidFill>
+                  <a:schemeClr val="tx1"/>
+                </a:solidFill>
+                <a:latin typeface="IRTerafik" panose="02000503000000020002" pitchFamily="2" charset="-78"/>
+                <a:ea typeface="+mn-ea"/>
+                <a:cs typeface="B Nazanin" panose="00000400000000000000" pitchFamily="2" charset="-78"/>
+              </a:defRPr>
+            </a:lvl1pPr>
+            <a:lvl2pPr marL="685800" indent="-228600" algn="r" defTabSz="914400" rtl="1" eaLnBrk="1" latinLnBrk="0" hangingPunct="1">
+              <a:lnSpc>
+                <a:spcPct val="90000"/>
+              </a:lnSpc>
+              <a:spcBef>
+                <a:spcPts val="500"/>
+              </a:spcBef>
+              <a:buFont typeface="Arial" panose="020B0604020202020204" pitchFamily="34" charset="0"/>
+              <a:buChar char="•"/>
+              <a:defRPr sz="2800" kern="1200">
+                <a:solidFill>
+                  <a:schemeClr val="tx1"/>
+                </a:solidFill>
+                <a:latin typeface="IRTerafik" panose="02000503000000020002" pitchFamily="2" charset="-78"/>
+                <a:ea typeface="+mn-ea"/>
+                <a:cs typeface="B Nazanin" panose="00000400000000000000" pitchFamily="2" charset="-78"/>
+              </a:defRPr>
+            </a:lvl2pPr>
+            <a:lvl3pPr marL="1143000" indent="-228600" algn="r" defTabSz="914400" rtl="1" eaLnBrk="1" latinLnBrk="0" hangingPunct="1">
+              <a:lnSpc>
+                <a:spcPct val="90000"/>
+              </a:lnSpc>
+              <a:spcBef>
+                <a:spcPts val="500"/>
+              </a:spcBef>
+              <a:buFont typeface="Arial" panose="020B0604020202020204" pitchFamily="34" charset="0"/>
+              <a:buChar char="•"/>
+              <a:defRPr sz="2400" kern="1200">
+                <a:solidFill>
+                  <a:schemeClr val="tx1"/>
+                </a:solidFill>
+                <a:latin typeface="IRTerafik" panose="02000503000000020002" pitchFamily="2" charset="-78"/>
+                <a:ea typeface="+mn-ea"/>
+                <a:cs typeface="B Nazanin" panose="00000400000000000000" pitchFamily="2" charset="-78"/>
+              </a:defRPr>
+            </a:lvl3pPr>
+            <a:lvl4pPr marL="1600200" indent="-228600" algn="r" defTabSz="914400" rtl="1" eaLnBrk="1" latinLnBrk="0" hangingPunct="1">
+              <a:lnSpc>
+                <a:spcPct val="90000"/>
+              </a:lnSpc>
+              <a:spcBef>
+                <a:spcPts val="500"/>
+              </a:spcBef>
+              <a:buFont typeface="Arial" panose="020B0604020202020204" pitchFamily="34" charset="0"/>
+              <a:buChar char="•"/>
+              <a:defRPr sz="2000" kern="1200">
+                <a:solidFill>
+                  <a:schemeClr val="tx1"/>
+                </a:solidFill>
+                <a:latin typeface="IRTerafik" panose="02000503000000020002" pitchFamily="2" charset="-78"/>
+                <a:ea typeface="+mn-ea"/>
+                <a:cs typeface="B Nazanin" panose="00000400000000000000" pitchFamily="2" charset="-78"/>
+              </a:defRPr>
+            </a:lvl4pPr>
+            <a:lvl5pPr marL="2057400" indent="-228600" algn="r" defTabSz="914400" rtl="1" eaLnBrk="1" latinLnBrk="0" hangingPunct="1">
+              <a:lnSpc>
+                <a:spcPct val="90000"/>
+              </a:lnSpc>
+              <a:spcBef>
+                <a:spcPts val="500"/>
+              </a:spcBef>
+              <a:buFont typeface="Arial" panose="020B0604020202020204" pitchFamily="34" charset="0"/>
+              <a:buChar char="•"/>
+              <a:defRPr sz="2000" kern="1200">
+                <a:solidFill>
+                  <a:schemeClr val="tx1"/>
+                </a:solidFill>
+                <a:latin typeface="IRTerafik" panose="02000503000000020002" pitchFamily="2" charset="-78"/>
+                <a:ea typeface="+mn-ea"/>
+                <a:cs typeface="B Nazanin" panose="00000400000000000000" pitchFamily="2" charset="-78"/>
+              </a:defRPr>
+            </a:lvl5pPr>
+            <a:lvl6pPr marL="2514600" indent="-228600" algn="l" defTabSz="914400" rtl="0" eaLnBrk="1" latinLnBrk="0" hangingPunct="1">
+              <a:lnSpc>
+                <a:spcPct val="90000"/>
+              </a:lnSpc>
+              <a:spcBef>
+                <a:spcPts val="500"/>
+              </a:spcBef>
+              <a:buFont typeface="Arial" panose="020B0604020202020204" pitchFamily="34" charset="0"/>
+              <a:buChar char="•"/>
+              <a:defRPr sz="1800" kern="1200">
+                <a:solidFill>
+                  <a:schemeClr val="tx1"/>
+                </a:solidFill>
+                <a:latin typeface="+mn-lt"/>
+                <a:ea typeface="+mn-ea"/>
+                <a:cs typeface="+mn-cs"/>
+              </a:defRPr>
+            </a:lvl6pPr>
+            <a:lvl7pPr marL="2971800" indent="-228600" algn="l" defTabSz="914400" rtl="0" eaLnBrk="1" latinLnBrk="0" hangingPunct="1">
+              <a:lnSpc>
+                <a:spcPct val="90000"/>
+              </a:lnSpc>
+              <a:spcBef>
+                <a:spcPts val="500"/>
+              </a:spcBef>
+              <a:buFont typeface="Arial" panose="020B0604020202020204" pitchFamily="34" charset="0"/>
+              <a:buChar char="•"/>
+              <a:defRPr sz="1800" kern="1200">
+                <a:solidFill>
+                  <a:schemeClr val="tx1"/>
+                </a:solidFill>
+                <a:latin typeface="+mn-lt"/>
+                <a:ea typeface="+mn-ea"/>
+                <a:cs typeface="+mn-cs"/>
+              </a:defRPr>
+            </a:lvl7pPr>
+            <a:lvl8pPr marL="3429000" indent="-228600" algn="l" defTabSz="914400" rtl="0" eaLnBrk="1" latinLnBrk="0" hangingPunct="1">
+              <a:lnSpc>
+                <a:spcPct val="90000"/>
+              </a:lnSpc>
+              <a:spcBef>
+                <a:spcPts val="500"/>
+              </a:spcBef>
+              <a:buFont typeface="Arial" panose="020B0604020202020204" pitchFamily="34" charset="0"/>
+              <a:buChar char="•"/>
+              <a:defRPr sz="1800" kern="1200">
+                <a:solidFill>
+                  <a:schemeClr val="tx1"/>
+                </a:solidFill>
+                <a:latin typeface="+mn-lt"/>
+                <a:ea typeface="+mn-ea"/>
+                <a:cs typeface="+mn-cs"/>
+              </a:defRPr>
+            </a:lvl8pPr>
+            <a:lvl9pPr marL="3886200" indent="-228600" algn="l" defTabSz="914400" rtl="0" eaLnBrk="1" latinLnBrk="0" hangingPunct="1">
+              <a:lnSpc>
+                <a:spcPct val="90000"/>
+              </a:lnSpc>
+              <a:spcBef>
+                <a:spcPts val="500"/>
+              </a:spcBef>
+              <a:buFont typeface="Arial" panose="020B0604020202020204" pitchFamily="34" charset="0"/>
+              <a:buChar char="•"/>
+              <a:defRPr sz="1800" kern="1200">
+                <a:solidFill>
+                  <a:schemeClr val="tx1"/>
+                </a:solidFill>
+                <a:latin typeface="+mn-lt"/>
+                <a:ea typeface="+mn-ea"/>
+                <a:cs typeface="+mn-cs"/>
+              </a:defRPr>
+            </a:lvl9pPr>
+          </a:lstStyle>
+          <a:p>
+            <a:r>
+              <a:rPr lang="fa-IR" dirty="0"/>
+              <a:t>افزایش تخریب</a:t>
+            </a:r>
+          </a:p>
+          <a:p>
+            <a:pPr lvl="1"/>
+            <a:r>
+              <a:rPr lang="fa-IR" dirty="0"/>
+              <a:t>مکانیسم های خود ایمنی</a:t>
+            </a:r>
+          </a:p>
+          <a:p>
+            <a:pPr lvl="1"/>
+            <a:r>
+              <a:rPr lang="fa-IR" dirty="0" err="1"/>
+              <a:t>همولیز</a:t>
+            </a:r>
+            <a:r>
+              <a:rPr lang="fa-IR" dirty="0"/>
+              <a:t> داخل عروقی</a:t>
+            </a:r>
+          </a:p>
+          <a:p>
+            <a:pPr lvl="1"/>
+            <a:r>
+              <a:rPr lang="fa-IR" dirty="0" err="1"/>
+              <a:t>همولیز</a:t>
+            </a:r>
+            <a:r>
+              <a:rPr lang="fa-IR" dirty="0"/>
+              <a:t> خارج عروقی</a:t>
+            </a:r>
+          </a:p>
+          <a:p>
+            <a:pPr lvl="1"/>
+            <a:endParaRPr lang="fa-IR" dirty="0"/>
+          </a:p>
+          <a:p>
+            <a:r>
+              <a:rPr lang="fa-IR" dirty="0"/>
+              <a:t>از دست دادن خون</a:t>
+            </a:r>
+          </a:p>
+          <a:p>
+            <a:pPr lvl="1"/>
+            <a:r>
+              <a:rPr lang="fa-IR" dirty="0"/>
+              <a:t>خونریزی گوارشی</a:t>
+            </a:r>
+          </a:p>
+          <a:p>
+            <a:pPr lvl="1"/>
+            <a:r>
+              <a:rPr lang="fa-IR" dirty="0"/>
+              <a:t>جراحی های گسترده</a:t>
+            </a:r>
+          </a:p>
+          <a:p>
+            <a:pPr lvl="1"/>
+            <a:r>
+              <a:rPr lang="fa-IR" dirty="0"/>
+              <a:t>تروما</a:t>
+            </a:r>
+          </a:p>
+        </p:txBody>
+      </p:sp>
     </p:spTree>
     <p:extLst>
       <p:ext uri="{BB962C8B-B14F-4D97-AF65-F5344CB8AC3E}">
@@ -9901,7 +10134,12 @@
             <p:ph type="title"/>
           </p:nvPr>
         </p:nvSpPr>
-        <p:spPr/>
+        <p:spPr>
+          <a:xfrm>
+            <a:off x="838200" y="524019"/>
+            <a:ext cx="10515600" cy="1009651"/>
+          </a:xfrm>
+        </p:spPr>
         <p:txBody>
           <a:bodyPr/>
           <a:lstStyle/>
@@ -9934,14 +10172,23 @@
             <p:ph idx="1"/>
           </p:nvPr>
         </p:nvSpPr>
-        <p:spPr/>
-        <p:txBody>
-          <a:bodyPr/>
+        <p:spPr>
+          <a:xfrm>
+            <a:off x="838200" y="1825625"/>
+            <a:ext cx="10515600" cy="4351338"/>
+          </a:xfrm>
+        </p:spPr>
+        <p:txBody>
+          <a:bodyPr anchor="ctr"/>
           <a:lstStyle/>
           <a:p>
             <a:r>
-              <a:rPr lang="fa-IR" dirty="0"/>
-              <a:t>انتقال خون یکی از </a:t>
+              <a:rPr lang="fa-IR" dirty="0" err="1"/>
+              <a:t>ترانسفیوژن</a:t>
+            </a:r>
+            <a:r>
+              <a:rPr lang="fa-IR" dirty="0"/>
+              <a:t> خون یکی از </a:t>
             </a:r>
             <a:r>
               <a:rPr lang="fa-IR" dirty="0" err="1"/>
@@ -9949,15 +10196,7 @@
             </a:r>
             <a:r>
               <a:rPr lang="fa-IR" dirty="0"/>
-              <a:t> رایج درمان </a:t>
-            </a:r>
-            <a:r>
-              <a:rPr lang="fa-IR" dirty="0" err="1"/>
-              <a:t>کم‌خونی</a:t>
-            </a:r>
-            <a:r>
-              <a:rPr lang="fa-IR" dirty="0"/>
-              <a:t> در بیماران </a:t>
+              <a:t> رایج مدیریت آنمی در بیماران </a:t>
             </a:r>
             <a:r>
               <a:rPr lang="en-US" dirty="0"/>
@@ -9965,16 +10204,30 @@
             </a:r>
             <a:r>
               <a:rPr lang="fa-IR" dirty="0"/>
-              <a:t>است، اما خطراتی مانند عفونت و </a:t>
-            </a:r>
+              <a:t> است</a:t>
+            </a:r>
+          </a:p>
+          <a:p>
+            <a:pPr lvl="1"/>
+            <a:r>
+              <a:rPr lang="fa-IR" dirty="0"/>
+              <a:t>عفونت</a:t>
+            </a:r>
+          </a:p>
+          <a:p>
+            <a:pPr lvl="1"/>
             <a:r>
               <a:rPr lang="fa-IR" dirty="0" err="1"/>
               <a:t>اضافه‌بار</a:t>
             </a:r>
             <a:r>
               <a:rPr lang="fa-IR" dirty="0"/>
-              <a:t> گردش خون را به همراه دارد.</a:t>
-            </a:r>
+              <a:t> گردش خون</a:t>
+            </a:r>
+          </a:p>
+          <a:p>
+            <a:pPr lvl="1"/>
+            <a:endParaRPr lang="fa-IR" dirty="0"/>
           </a:p>
           <a:p>
             <a:r>
@@ -9983,7 +10236,14 @@
             </a:r>
             <a:r>
               <a:rPr lang="fa-IR" dirty="0"/>
-              <a:t> جایگزین برای انتقال خون شامل عوامل محرک تولید گلبول قرمز (</a:t>
+              <a:t> جایگزین </a:t>
+            </a:r>
+          </a:p>
+          <a:p>
+            <a:pPr lvl="1"/>
+            <a:r>
+              <a:rPr lang="fa-IR" dirty="0"/>
+              <a:t>عوامل محرک تولید گلبول قرمز (</a:t>
             </a:r>
             <a:r>
               <a:rPr lang="en-US" dirty="0"/>
@@ -9991,44 +10251,15 @@
             </a:r>
             <a:r>
               <a:rPr lang="fa-IR" dirty="0"/>
-              <a:t>ها) مانند اریتروپویتین و آهن وریدی هستند که برای کاهش نیاز به انتقال خون و عوارض مرتبط با آن استفاده </a:t>
-            </a:r>
-            <a:r>
-              <a:rPr lang="fa-IR" dirty="0" err="1"/>
-              <a:t>می‌شوند</a:t>
-            </a:r>
-            <a:endParaRPr lang="fa-IR" dirty="0"/>
-          </a:p>
-          <a:p>
-            <a:r>
-              <a:rPr lang="fa-IR" dirty="0"/>
-              <a:t>اریتروپویتین یک هورمون </a:t>
-            </a:r>
-            <a:r>
-              <a:rPr lang="fa-IR" dirty="0" err="1"/>
-              <a:t>گلیکوپروتئینی</a:t>
-            </a:r>
-            <a:r>
-              <a:rPr lang="fa-IR" dirty="0"/>
-              <a:t> است که باعث افزایش تولید </a:t>
-            </a:r>
-            <a:r>
-              <a:rPr lang="fa-IR" dirty="0" err="1"/>
-              <a:t>گلبول‌های</a:t>
-            </a:r>
-            <a:r>
-              <a:rPr lang="fa-IR" dirty="0"/>
-              <a:t> قرمز </a:t>
-            </a:r>
-            <a:r>
-              <a:rPr lang="fa-IR" dirty="0" err="1"/>
-              <a:t>می‌شود</a:t>
-            </a:r>
-            <a:r>
-              <a:rPr lang="fa-IR" dirty="0"/>
-              <a:t>.</a:t>
-            </a:r>
-            <a:endParaRPr lang="en-US" dirty="0"/>
+              <a:t>ها) مانند اریتروپویتین</a:t>
+            </a:r>
+          </a:p>
+          <a:p>
+            <a:pPr lvl="1"/>
+            <a:r>
+              <a:rPr lang="fa-IR" dirty="0"/>
+              <a:t>آهن وریدی</a:t>
+            </a:r>
           </a:p>
         </p:txBody>
       </p:sp>
@@ -10108,62 +10339,51 @@
         </p:nvSpPr>
         <p:spPr/>
         <p:txBody>
-          <a:bodyPr>
+          <a:bodyPr anchor="ctr">
             <a:normAutofit/>
           </a:bodyPr>
           <a:lstStyle/>
           <a:p>
-            <a:r>
-              <a:rPr lang="fa-IR" dirty="0"/>
-              <a:t>بیماری بحرانی به وضعیتی گفته </a:t>
+            <a:pPr>
+              <a:lnSpc>
+                <a:spcPct val="200000"/>
+              </a:lnSpc>
+            </a:pPr>
+            <a:r>
+              <a:rPr lang="fa-IR" dirty="0"/>
+              <a:t>شدت بالاتر بیماری در بیماران </a:t>
+            </a:r>
+            <a:r>
+              <a:rPr lang="en-US" dirty="0"/>
+              <a:t>ICU</a:t>
+            </a:r>
+          </a:p>
+          <a:p>
+            <a:pPr>
+              <a:lnSpc>
+                <a:spcPct val="200000"/>
+              </a:lnSpc>
+            </a:pPr>
+            <a:r>
+              <a:rPr lang="fa-IR" dirty="0"/>
+              <a:t>نارسایی چند ارگانی دخیل در کاهش </a:t>
             </a:r>
             <a:r>
               <a:rPr lang="fa-IR" dirty="0" err="1"/>
-              <a:t>می‌شود</a:t>
-            </a:r>
-            <a:r>
-              <a:rPr lang="fa-IR" dirty="0"/>
-              <a:t> که خطر مرگ بالایی دارد و ممکن است منجر به آسیب غیرقابل برگشت به </a:t>
-            </a:r>
-            <a:r>
-              <a:rPr lang="fa-IR" dirty="0" err="1"/>
-              <a:t>اندام‌ها</a:t>
-            </a:r>
-            <a:r>
-              <a:rPr lang="fa-IR" dirty="0"/>
-              <a:t> شود، بنابراین نیاز به </a:t>
-            </a:r>
-            <a:r>
-              <a:rPr lang="fa-IR" dirty="0" err="1"/>
-              <a:t>مراقبت‌های</a:t>
-            </a:r>
-            <a:r>
-              <a:rPr lang="fa-IR" dirty="0"/>
-              <a:t> ویژه دارد.</a:t>
-            </a:r>
-          </a:p>
-          <a:p>
-            <a:r>
-              <a:rPr lang="fa-IR" dirty="0"/>
-              <a:t>هدف این مطالعه، بررسی فارماکوکینتیک دوز بالای اریتروپویتین وریدی در بیماران بحرانی مبتلا به </a:t>
-            </a:r>
-            <a:r>
-              <a:rPr lang="fa-IR" dirty="0" err="1"/>
-              <a:t>کم‌خونی</a:t>
-            </a:r>
-            <a:r>
-              <a:rPr lang="fa-IR" dirty="0"/>
-              <a:t> و ارائه راهکارهایی برای </a:t>
-            </a:r>
-            <a:r>
-              <a:rPr lang="fa-IR" dirty="0" err="1"/>
-              <a:t>بهینه‌سازی</a:t>
-            </a:r>
-            <a:r>
-              <a:rPr lang="fa-IR" dirty="0"/>
-              <a:t> دوز این دارو است.</a:t>
-            </a:r>
-            <a:endParaRPr lang="en-US" dirty="0"/>
+              <a:t>هماتوپوئز</a:t>
+            </a:r>
+            <a:endParaRPr lang="fa-IR" dirty="0"/>
+          </a:p>
+          <a:p>
+            <a:pPr>
+              <a:lnSpc>
+                <a:spcPct val="200000"/>
+              </a:lnSpc>
+            </a:pPr>
+            <a:r>
+              <a:rPr lang="fa-IR" dirty="0"/>
+              <a:t>کاهش قدرت مکانیسم های جبرانی</a:t>
+            </a:r>
           </a:p>
         </p:txBody>
       </p:sp>
@@ -10205,7 +10425,7 @@
           <p:cNvPr id="2" name="Title 1">
             <a:extLst>
               <a:ext uri="{FF2B5EF4-FFF2-40B4-BE49-F238E27FC236}">
-                <a16:creationId xmlns:a16="http://schemas.microsoft.com/office/drawing/2014/main" id="{E4394BA4-2902-90AB-0DD7-8743ACA12F24}"/>
+                <a16:creationId xmlns:a16="http://schemas.microsoft.com/office/drawing/2014/main" id="{2E7BA0D6-AB00-95E9-1B36-B77D0B9670D6}"/>
               </a:ext>
             </a:extLst>
           </p:cNvPr>
@@ -10222,88 +10442,84 @@
           <a:lstStyle/>
           <a:p>
             <a:r>
-              <a:rPr lang="fa-IR" dirty="0"/>
-              <a:t>روش اجرا</a:t>
+              <a:rPr lang="fa-IR" dirty="0" err="1"/>
+              <a:t>اریتروپوئتین</a:t>
+            </a:r>
+            <a:r>
+              <a:rPr lang="fa-IR" dirty="0"/>
+              <a:t> و کاربرد آن</a:t>
             </a:r>
             <a:endParaRPr lang="en-US" dirty="0"/>
           </a:p>
         </p:txBody>
       </p:sp>
-      <p:sp>
-        <p:nvSpPr>
-          <p:cNvPr id="3" name="Text Placeholder 2">
-            <a:extLst>
-              <a:ext uri="{FF2B5EF4-FFF2-40B4-BE49-F238E27FC236}">
-                <a16:creationId xmlns:a16="http://schemas.microsoft.com/office/drawing/2014/main" id="{CBD7ED54-3D94-D303-824A-FDFBDD323E4B}"/>
-              </a:ext>
-            </a:extLst>
-          </p:cNvPr>
-          <p:cNvSpPr>
-            <a:spLocks noGrp="1"/>
-          </p:cNvSpPr>
-          <p:nvPr>
-            <p:ph type="body" sz="quarter" idx="13"/>
-          </p:nvPr>
-        </p:nvSpPr>
-        <p:spPr/>
-        <p:txBody>
-          <a:bodyPr/>
-          <a:lstStyle/>
-          <a:p>
-            <a:r>
-              <a:rPr lang="fa-IR" dirty="0"/>
-              <a:t>مطالعه حاضر به صورت یک پژوهش پایلوت با هدف ارزیابی </a:t>
-            </a:r>
-            <a:r>
-              <a:rPr lang="fa-IR" dirty="0" err="1"/>
-              <a:t>فارماكوكینتیک</a:t>
-            </a:r>
-            <a:r>
-              <a:rPr lang="fa-IR" dirty="0"/>
-              <a:t> تجویز تک دوز اریتروپویتین آلفا با دوز 20000 واحد وریدی در بیماران </a:t>
-            </a:r>
-            <a:r>
-              <a:rPr lang="fa-IR" dirty="0" err="1"/>
-              <a:t>بدحال</a:t>
-            </a:r>
-            <a:r>
-              <a:rPr lang="fa-IR" dirty="0"/>
-              <a:t> دچار آنمی طراحی شد.</a:t>
-            </a:r>
-          </a:p>
-          <a:p>
-            <a:endParaRPr lang="fa-IR" dirty="0"/>
-          </a:p>
-          <a:p>
-            <a:r>
-              <a:rPr lang="fa-IR" dirty="0"/>
-              <a:t>جمعیت مورد مطالعه ما از گروه بیماران </a:t>
-            </a:r>
-            <a:r>
-              <a:rPr lang="fa-IR" dirty="0" err="1"/>
-              <a:t>بدحال</a:t>
-            </a:r>
-            <a:r>
-              <a:rPr lang="fa-IR" dirty="0"/>
-              <a:t> دچار آنمی بستری در بخش مراقبت های ویژه بیمارستان سینا در سال 1402 می باشد. </a:t>
-            </a:r>
-            <a:endParaRPr lang="en-US" dirty="0"/>
-          </a:p>
-        </p:txBody>
-      </p:sp>
+      <p:pic>
+        <p:nvPicPr>
+          <p:cNvPr id="2052" name="Picture 4" descr="Alfa, Epoetin | Drug Information, Uses, Side Effects, Chemistry |  PharmaCompass.com">
+            <a:extLst>
+              <a:ext uri="{FF2B5EF4-FFF2-40B4-BE49-F238E27FC236}">
+                <a16:creationId xmlns:a16="http://schemas.microsoft.com/office/drawing/2014/main" id="{0EC13EFD-7EFE-3DDE-934F-4249AC63CB71}"/>
+              </a:ext>
+            </a:extLst>
+          </p:cNvPr>
+          <p:cNvPicPr>
+            <a:picLocks noChangeAspect="1" noChangeArrowheads="1"/>
+          </p:cNvPicPr>
+          <p:nvPr/>
+        </p:nvPicPr>
+        <p:blipFill>
+          <a:blip r:embed="rId2">
+            <a:clrChange>
+              <a:clrFrom>
+                <a:srgbClr val="F5F5F5"/>
+              </a:clrFrom>
+              <a:clrTo>
+                <a:srgbClr val="F5F5F5">
+                  <a:alpha val="0"/>
+                </a:srgbClr>
+              </a:clrTo>
+            </a:clrChange>
+            <a:extLst>
+              <a:ext uri="{28A0092B-C50C-407E-A947-70E740481C1C}">
+                <a14:useLocalDpi xmlns:a14="http://schemas.microsoft.com/office/drawing/2010/main" val="0"/>
+              </a:ext>
+            </a:extLst>
+          </a:blip>
+          <a:srcRect/>
+          <a:stretch>
+            <a:fillRect/>
+          </a:stretch>
+        </p:blipFill>
+        <p:spPr bwMode="auto">
+          <a:xfrm>
+            <a:off x="4293623" y="141954"/>
+            <a:ext cx="6423538" cy="6423538"/>
+          </a:xfrm>
+          <a:prstGeom prst="rect">
+            <a:avLst/>
+          </a:prstGeom>
+          <a:noFill/>
+          <a:extLst>
+            <a:ext uri="{909E8E84-426E-40DD-AFC4-6F175D3DCCD1}">
+              <a14:hiddenFill xmlns:a14="http://schemas.microsoft.com/office/drawing/2010/main">
+                <a:solidFill>
+                  <a:srgbClr val="FFFFFF"/>
+                </a:solidFill>
+              </a14:hiddenFill>
+            </a:ext>
+          </a:extLst>
+        </p:spPr>
+      </p:pic>
     </p:spTree>
     <p:extLst>
       <p:ext uri="{BB962C8B-B14F-4D97-AF65-F5344CB8AC3E}">
-        <p14:creationId xmlns:p14="http://schemas.microsoft.com/office/powerpoint/2010/main" val="959072616"/>
+        <p14:creationId xmlns:p14="http://schemas.microsoft.com/office/powerpoint/2010/main" val="3473970875"/>
       </p:ext>
     </p:extLst>
   </p:cSld>
   <p:clrMapOvr>
     <a:masterClrMapping/>
   </p:clrMapOvr>
-  <p:transition spd="slow">
-    <p:push dir="u"/>
-  </p:transition>
 </p:sld>
 </file>
 
@@ -10329,7 +10545,7 @@
           <p:cNvPr id="2" name="Title 1">
             <a:extLst>
               <a:ext uri="{FF2B5EF4-FFF2-40B4-BE49-F238E27FC236}">
-                <a16:creationId xmlns:a16="http://schemas.microsoft.com/office/drawing/2014/main" id="{FF8FDF87-F3B2-1167-0DFF-225632C19308}"/>
+                <a16:creationId xmlns:a16="http://schemas.microsoft.com/office/drawing/2014/main" id="{98503F91-4AE1-6F4F-CFD6-0584E299822F}"/>
               </a:ext>
             </a:extLst>
           </p:cNvPr>
@@ -10347,7 +10563,7 @@
           <a:p>
             <a:r>
               <a:rPr lang="fa-IR" dirty="0"/>
-              <a:t>شرایط ورود به مطالعه</a:t>
+              <a:t>هدف مطالعه</a:t>
             </a:r>
             <a:endParaRPr lang="en-US" dirty="0"/>
           </a:p>
@@ -10355,10 +10571,10 @@
       </p:sp>
       <p:sp>
         <p:nvSpPr>
-          <p:cNvPr id="3" name="Content Placeholder 2">
-            <a:extLst>
-              <a:ext uri="{FF2B5EF4-FFF2-40B4-BE49-F238E27FC236}">
-                <a16:creationId xmlns:a16="http://schemas.microsoft.com/office/drawing/2014/main" id="{27A4C79F-A968-EB04-83AB-02B1017FC257}"/>
+          <p:cNvPr id="3" name="Text Placeholder 2">
+            <a:extLst>
+              <a:ext uri="{FF2B5EF4-FFF2-40B4-BE49-F238E27FC236}">
+                <a16:creationId xmlns:a16="http://schemas.microsoft.com/office/drawing/2014/main" id="{CD57302C-F4C6-FBFA-57E3-28925921CE9D}"/>
               </a:ext>
             </a:extLst>
           </p:cNvPr>
@@ -10366,105 +10582,50 @@
             <a:spLocks noGrp="1"/>
           </p:cNvSpPr>
           <p:nvPr>
-            <p:ph idx="1"/>
+            <p:ph type="body" sz="quarter" idx="13"/>
           </p:nvPr>
         </p:nvSpPr>
         <p:spPr/>
         <p:txBody>
-          <a:bodyPr>
-            <a:normAutofit fontScale="92500"/>
-          </a:bodyPr>
+          <a:bodyPr anchor="ctr"/>
           <a:lstStyle/>
           <a:p>
-            <a:pPr marL="0" indent="0">
-              <a:buNone/>
-            </a:pPr>
-            <a:r>
-              <a:rPr lang="fa-IR" dirty="0"/>
-              <a:t>شرایط ورود شرکت </a:t>
+            <a:r>
+              <a:rPr lang="fa-IR" dirty="0"/>
+              <a:t>بررسی خصوصیات </a:t>
             </a:r>
             <a:r>
               <a:rPr lang="fa-IR" dirty="0" err="1"/>
-              <a:t>کنندگان</a:t>
-            </a:r>
-            <a:r>
-              <a:rPr lang="fa-IR" dirty="0"/>
-              <a:t> به مطالعه به شرح زیر بود:</a:t>
-            </a:r>
-          </a:p>
-          <a:p>
-            <a:r>
-              <a:rPr lang="fa-IR" dirty="0"/>
-              <a:t>بیماران بستری در بخش مراقبتهای ویژه </a:t>
-            </a:r>
-          </a:p>
-          <a:p>
+              <a:t>فارماکوکینتیکی</a:t>
+            </a:r>
+            <a:r>
+              <a:rPr lang="fa-IR" dirty="0"/>
+              <a:t> </a:t>
+            </a:r>
+            <a:r>
+              <a:rPr lang="fa-IR" dirty="0" err="1"/>
+              <a:t>اریتروپوئتین</a:t>
+            </a:r>
+            <a:r>
+              <a:rPr lang="fa-IR" dirty="0"/>
+              <a:t> وریدی در بیماران </a:t>
+            </a:r>
+            <a:r>
+              <a:rPr lang="fa-IR" dirty="0" err="1"/>
+              <a:t>بدحال</a:t>
+            </a:r>
+            <a:r>
+              <a:rPr lang="fa-IR" dirty="0"/>
+              <a:t> بستری در بخش </a:t>
+            </a:r>
             <a:r>
               <a:rPr lang="en-US" dirty="0"/>
-              <a:t>Hb </a:t>
-            </a:r>
-            <a:r>
-              <a:rPr lang="fa-IR" dirty="0"/>
-              <a:t>سرم &lt;10 گرم در </a:t>
-            </a:r>
-            <a:r>
-              <a:rPr lang="fa-IR" dirty="0" err="1"/>
-              <a:t>دسی</a:t>
-            </a:r>
-            <a:r>
-              <a:rPr lang="fa-IR" dirty="0"/>
-              <a:t> لیتر  </a:t>
-            </a:r>
-          </a:p>
-          <a:p>
-            <a:r>
-              <a:rPr lang="fa-IR" dirty="0"/>
-              <a:t>سن بالای 18 سال </a:t>
-            </a:r>
-          </a:p>
-          <a:p>
-            <a:r>
-              <a:rPr lang="fa-IR" dirty="0"/>
-              <a:t>بیماران دارای حداقل دو معیار از معیارهای سندروم </a:t>
-            </a:r>
-            <a:r>
-              <a:rPr lang="fa-IR" dirty="0" err="1"/>
-              <a:t>التهابی</a:t>
-            </a:r>
-            <a:r>
-              <a:rPr lang="fa-IR" dirty="0"/>
-              <a:t> سیستمیک (</a:t>
-            </a:r>
-            <a:r>
-              <a:rPr lang="en-US" dirty="0"/>
-              <a:t>SIRS</a:t>
-            </a:r>
-            <a:r>
-              <a:rPr lang="fa-IR" dirty="0"/>
-              <a:t>)</a:t>
-            </a:r>
-          </a:p>
-          <a:p>
-            <a:r>
-              <a:rPr lang="fa-IR" dirty="0"/>
-              <a:t>انتظار اقامت در </a:t>
-            </a:r>
-            <a:r>
-              <a:rPr lang="en-US" dirty="0"/>
-              <a:t>ICU </a:t>
-            </a:r>
-            <a:r>
-              <a:rPr lang="fa-IR" dirty="0"/>
-              <a:t>حداقل 7 روز پس از ورود به مطالعه بر اساس تشخیص پزشک معالج بیمار</a:t>
-            </a:r>
-          </a:p>
-          <a:p>
-            <a:r>
-              <a:rPr lang="fa-IR" dirty="0"/>
-              <a:t>رضایت آگاهانه بیمار یا قیم قانونی وی </a:t>
-            </a:r>
-          </a:p>
-          <a:p>
+              <a:t>ICU</a:t>
+            </a:r>
+            <a:r>
+              <a:rPr lang="fa-IR" dirty="0"/>
+              <a:t> و ارائه راهکارهای بهینه سازی دوز دارو</a:t>
+            </a:r>
             <a:endParaRPr lang="en-US" dirty="0"/>
           </a:p>
         </p:txBody>
@@ -10472,7 +10633,7 @@
     </p:spTree>
     <p:extLst>
       <p:ext uri="{BB962C8B-B14F-4D97-AF65-F5344CB8AC3E}">
-        <p14:creationId xmlns:p14="http://schemas.microsoft.com/office/powerpoint/2010/main" val="4281404498"/>
+        <p14:creationId xmlns:p14="http://schemas.microsoft.com/office/powerpoint/2010/main" val="3253294757"/>
       </p:ext>
     </p:extLst>
   </p:cSld>
@@ -10499,42 +10660,12 @@
           <a:chExt cx="0" cy="0"/>
         </a:xfrm>
       </p:grpSpPr>
-      <p:pic>
-        <p:nvPicPr>
-          <p:cNvPr id="6" name="Picture 5">
-            <a:extLst>
-              <a:ext uri="{FF2B5EF4-FFF2-40B4-BE49-F238E27FC236}">
-                <a16:creationId xmlns:a16="http://schemas.microsoft.com/office/drawing/2014/main" id="{32881F6B-3CDD-DE1D-EEC5-5C93AB954400}"/>
-              </a:ext>
-            </a:extLst>
-          </p:cNvPr>
-          <p:cNvPicPr>
-            <a:picLocks noChangeAspect="1"/>
-          </p:cNvPicPr>
-          <p:nvPr/>
-        </p:nvPicPr>
-        <p:blipFill>
-          <a:blip r:embed="rId2"/>
-          <a:stretch>
-            <a:fillRect/>
-          </a:stretch>
-        </p:blipFill>
-        <p:spPr>
-          <a:xfrm>
-            <a:off x="1118912" y="1634918"/>
-            <a:ext cx="9954176" cy="4303766"/>
-          </a:xfrm>
-          <a:prstGeom prst="rect">
-            <a:avLst/>
-          </a:prstGeom>
-        </p:spPr>
-      </p:pic>
-      <p:sp>
-        <p:nvSpPr>
-          <p:cNvPr id="7" name="Title 6">
-            <a:extLst>
-              <a:ext uri="{FF2B5EF4-FFF2-40B4-BE49-F238E27FC236}">
-                <a16:creationId xmlns:a16="http://schemas.microsoft.com/office/drawing/2014/main" id="{DAAD03C6-4A53-6B4F-85D2-81536659F9B4}"/>
+      <p:sp>
+        <p:nvSpPr>
+          <p:cNvPr id="2" name="Title 1">
+            <a:extLst>
+              <a:ext uri="{FF2B5EF4-FFF2-40B4-BE49-F238E27FC236}">
+                <a16:creationId xmlns:a16="http://schemas.microsoft.com/office/drawing/2014/main" id="{E4394BA4-2902-90AB-0DD7-8743ACA12F24}"/>
               </a:ext>
             </a:extLst>
           </p:cNvPr>
@@ -10550,20 +10681,85 @@
           <a:bodyPr/>
           <a:lstStyle/>
           <a:p>
-            <a:endParaRPr lang="en-US"/>
+            <a:r>
+              <a:rPr lang="fa-IR" dirty="0"/>
+              <a:t>روش اجرا</a:t>
+            </a:r>
+            <a:endParaRPr lang="en-US" dirty="0"/>
+          </a:p>
+        </p:txBody>
+      </p:sp>
+      <p:sp>
+        <p:nvSpPr>
+          <p:cNvPr id="3" name="Text Placeholder 2">
+            <a:extLst>
+              <a:ext uri="{FF2B5EF4-FFF2-40B4-BE49-F238E27FC236}">
+                <a16:creationId xmlns:a16="http://schemas.microsoft.com/office/drawing/2014/main" id="{CBD7ED54-3D94-D303-824A-FDFBDD323E4B}"/>
+              </a:ext>
+            </a:extLst>
+          </p:cNvPr>
+          <p:cNvSpPr>
+            <a:spLocks noGrp="1"/>
+          </p:cNvSpPr>
+          <p:nvPr>
+            <p:ph type="body" sz="quarter" idx="13"/>
+          </p:nvPr>
+        </p:nvSpPr>
+        <p:spPr/>
+        <p:txBody>
+          <a:bodyPr anchor="ctr"/>
+          <a:lstStyle/>
+          <a:p>
+            <a:r>
+              <a:rPr lang="fa-IR" dirty="0"/>
+              <a:t>یک پژوهش پایلوت</a:t>
+            </a:r>
+          </a:p>
+          <a:p>
+            <a:r>
+              <a:rPr lang="fa-IR" dirty="0"/>
+              <a:t>تک دوز اریتروپویتین آلفا</a:t>
+            </a:r>
+          </a:p>
+          <a:p>
+            <a:r>
+              <a:rPr lang="fa-IR" dirty="0"/>
+              <a:t>دوز 20000 واحد وریدی</a:t>
+            </a:r>
+          </a:p>
+          <a:p>
+            <a:endParaRPr lang="fa-IR" dirty="0"/>
+          </a:p>
+          <a:p>
+            <a:r>
+              <a:rPr lang="fa-IR" dirty="0"/>
+              <a:t>بیماران </a:t>
+            </a:r>
+            <a:r>
+              <a:rPr lang="fa-IR" dirty="0" err="1"/>
+              <a:t>بدحال</a:t>
+            </a:r>
+            <a:r>
+              <a:rPr lang="fa-IR" dirty="0"/>
+              <a:t> دچار آنمی بستری در بخش مراقبت های ویژه بیمارستان سینا در سال 1402. </a:t>
+            </a:r>
+            <a:endParaRPr lang="en-US" dirty="0"/>
           </a:p>
         </p:txBody>
       </p:sp>
     </p:spTree>
     <p:extLst>
       <p:ext uri="{BB962C8B-B14F-4D97-AF65-F5344CB8AC3E}">
-        <p14:creationId xmlns:p14="http://schemas.microsoft.com/office/powerpoint/2010/main" val="436838293"/>
+        <p14:creationId xmlns:p14="http://schemas.microsoft.com/office/powerpoint/2010/main" val="959072616"/>
       </p:ext>
     </p:extLst>
   </p:cSld>
   <p:clrMapOvr>
     <a:masterClrMapping/>
   </p:clrMapOvr>
+  <p:transition spd="slow">
+    <p:push dir="u"/>
+  </p:transition>
 </p:sld>
 </file>
 
@@ -10589,7 +10785,7 @@
           <p:cNvPr id="2" name="Title 1">
             <a:extLst>
               <a:ext uri="{FF2B5EF4-FFF2-40B4-BE49-F238E27FC236}">
-                <a16:creationId xmlns:a16="http://schemas.microsoft.com/office/drawing/2014/main" id="{C7E87E29-861D-608D-C4B8-053DF49D84F3}"/>
+                <a16:creationId xmlns:a16="http://schemas.microsoft.com/office/drawing/2014/main" id="{FF8FDF87-F3B2-1167-0DFF-225632C19308}"/>
               </a:ext>
             </a:extLst>
           </p:cNvPr>
@@ -10607,7 +10803,7 @@
           <a:p>
             <a:r>
               <a:rPr lang="fa-IR" dirty="0"/>
-              <a:t>شرایط خروج از مطالعه</a:t>
+              <a:t>شرایط ورود به مطالعه</a:t>
             </a:r>
             <a:endParaRPr lang="en-US" dirty="0"/>
           </a:p>
@@ -10618,7 +10814,7 @@
           <p:cNvPr id="3" name="Content Placeholder 2">
             <a:extLst>
               <a:ext uri="{FF2B5EF4-FFF2-40B4-BE49-F238E27FC236}">
-                <a16:creationId xmlns:a16="http://schemas.microsoft.com/office/drawing/2014/main" id="{C9B70213-1AF8-56D4-4ECC-D85C886FAB5B}"/>
+                <a16:creationId xmlns:a16="http://schemas.microsoft.com/office/drawing/2014/main" id="{27A4C79F-A968-EB04-83AB-02B1017FC257}"/>
               </a:ext>
             </a:extLst>
           </p:cNvPr>
@@ -10632,168 +10828,79 @@
         <p:spPr/>
         <p:txBody>
           <a:bodyPr>
-            <a:normAutofit fontScale="85000" lnSpcReduction="20000"/>
+            <a:normAutofit/>
           </a:bodyPr>
           <a:lstStyle/>
           <a:p>
             <a:r>
               <a:rPr lang="fa-IR" dirty="0"/>
-              <a:t>سابقه </a:t>
+              <a:t>بیماران بستری در بخش مراقبتهای ویژه </a:t>
+            </a:r>
+          </a:p>
+          <a:p>
+            <a:r>
+              <a:rPr lang="en-US" dirty="0"/>
+              <a:t>Hb </a:t>
+            </a:r>
+            <a:r>
+              <a:rPr lang="fa-IR" dirty="0"/>
+              <a:t>سرم &lt;10 گرم در </a:t>
             </a:r>
             <a:r>
               <a:rPr lang="fa-IR" dirty="0" err="1"/>
-              <a:t>ترانسفیوژن</a:t>
-            </a:r>
-            <a:r>
-              <a:rPr lang="fa-IR" dirty="0"/>
-              <a:t> طی 7 روز قبل از ورود به مطالعه </a:t>
-            </a:r>
-          </a:p>
-          <a:p>
-            <a:r>
-              <a:rPr lang="fa-IR" dirty="0"/>
-              <a:t>سابقه قبلی </a:t>
+              <a:t>دسی</a:t>
+            </a:r>
+            <a:r>
+              <a:rPr lang="fa-IR" dirty="0"/>
+              <a:t> لیتر  </a:t>
+            </a:r>
+          </a:p>
+          <a:p>
+            <a:r>
+              <a:rPr lang="fa-IR" dirty="0"/>
+              <a:t>سن بالای 18 سال </a:t>
+            </a:r>
+          </a:p>
+          <a:p>
+            <a:r>
+              <a:rPr lang="fa-IR" dirty="0"/>
+              <a:t>بیماران دارای حداقل دو معیار از معیارهای سندروم </a:t>
             </a:r>
             <a:r>
               <a:rPr lang="fa-IR" dirty="0" err="1"/>
-              <a:t>ترومبوز</a:t>
-            </a:r>
-            <a:r>
-              <a:rPr lang="fa-IR" dirty="0"/>
-              <a:t> ورید عمقی یا آمبولی ریه </a:t>
-            </a:r>
-          </a:p>
-          <a:p>
-            <a:r>
-              <a:rPr lang="fa-IR" dirty="0"/>
-              <a:t>تشنج تازه شروع شده </a:t>
-            </a:r>
-          </a:p>
-          <a:p>
-            <a:r>
-              <a:rPr lang="fa-IR" dirty="0"/>
-              <a:t>فشار خون بالای </a:t>
-            </a:r>
-            <a:r>
-              <a:rPr lang="fa-IR" dirty="0" err="1"/>
-              <a:t>كنترل</a:t>
-            </a:r>
-            <a:r>
-              <a:rPr lang="fa-IR" dirty="0"/>
-              <a:t> نشده (</a:t>
+              <a:t>التهابی</a:t>
+            </a:r>
+            <a:r>
+              <a:rPr lang="fa-IR" dirty="0"/>
+              <a:t> سیستمیک (</a:t>
             </a:r>
             <a:r>
               <a:rPr lang="en-US" dirty="0"/>
-              <a:t>SBP&gt;140 </a:t>
-            </a:r>
-            <a:r>
-              <a:rPr lang="fa-IR" dirty="0"/>
-              <a:t> و</a:t>
+              <a:t>SIRS</a:t>
+            </a:r>
+            <a:r>
+              <a:rPr lang="fa-IR" dirty="0"/>
+              <a:t>)</a:t>
+            </a:r>
+          </a:p>
+          <a:p>
+            <a:r>
+              <a:rPr lang="fa-IR" dirty="0"/>
+              <a:t>انتظار اقامت در </a:t>
             </a:r>
             <a:r>
               <a:rPr lang="en-US" dirty="0"/>
-              <a:t>DBP&gt;90</a:t>
-            </a:r>
-            <a:r>
-              <a:rPr lang="fa-IR" dirty="0"/>
-              <a:t>)</a:t>
-            </a:r>
-            <a:endParaRPr lang="en-US" dirty="0"/>
-          </a:p>
-          <a:p>
-            <a:r>
-              <a:rPr lang="fa-IR" dirty="0"/>
-              <a:t>سابقه بیماری </a:t>
-            </a:r>
-            <a:r>
-              <a:rPr lang="fa-IR" dirty="0" err="1"/>
-              <a:t>ایسكمیک</a:t>
-            </a:r>
-            <a:r>
-              <a:rPr lang="fa-IR" dirty="0"/>
-              <a:t> حاد قلبی یا عصبی </a:t>
-            </a:r>
-          </a:p>
-          <a:p>
-            <a:r>
-              <a:rPr lang="fa-IR" dirty="0"/>
-              <a:t>سابقه نارسایی </a:t>
-            </a:r>
-            <a:r>
-              <a:rPr lang="fa-IR" dirty="0" err="1"/>
-              <a:t>كلیه</a:t>
-            </a:r>
-            <a:r>
-              <a:rPr lang="fa-IR" dirty="0"/>
-              <a:t> </a:t>
-            </a:r>
-            <a:r>
-              <a:rPr lang="en-US" dirty="0"/>
-              <a:t>eGFR &lt;60 mL/min) </a:t>
-            </a:r>
-            <a:r>
-              <a:rPr lang="fa-IR" dirty="0"/>
-              <a:t> و بیماران تحت دیالیز)</a:t>
-            </a:r>
-          </a:p>
-          <a:p>
-            <a:r>
-              <a:rPr lang="fa-IR" dirty="0"/>
-              <a:t>بیماران مبتلا به </a:t>
-            </a:r>
-            <a:r>
-              <a:rPr lang="fa-IR" dirty="0" err="1"/>
-              <a:t>كمبود</a:t>
-            </a:r>
-            <a:r>
-              <a:rPr lang="fa-IR" dirty="0"/>
-              <a:t> آهن یا </a:t>
-            </a:r>
-            <a:r>
-              <a:rPr lang="fa-IR" dirty="0" err="1"/>
-              <a:t>فولات</a:t>
-            </a:r>
-            <a:r>
-              <a:rPr lang="fa-IR" dirty="0"/>
-              <a:t> در هنگام شروع مطالعه</a:t>
-            </a:r>
-          </a:p>
-          <a:p>
-            <a:r>
-              <a:rPr lang="fa-IR" dirty="0"/>
-              <a:t>بیماران مبتلا </a:t>
-            </a:r>
-            <a:r>
-              <a:rPr lang="fa-IR" dirty="0" err="1"/>
-              <a:t>هموگلوبینوپاتی</a:t>
-            </a:r>
-            <a:r>
-              <a:rPr lang="fa-IR" dirty="0"/>
-              <a:t> </a:t>
-            </a:r>
-          </a:p>
-          <a:p>
-            <a:r>
-              <a:rPr lang="fa-IR" dirty="0"/>
-              <a:t>بیماران باردار </a:t>
-            </a:r>
-          </a:p>
-          <a:p>
-            <a:r>
-              <a:rPr lang="fa-IR" dirty="0"/>
-              <a:t>بیماران مبتلا به بیماری های مغز استخوان ازجمله آنمی </a:t>
-            </a:r>
-            <a:r>
-              <a:rPr lang="fa-IR" dirty="0" err="1"/>
-              <a:t>آپلاستیک</a:t>
-            </a:r>
-            <a:r>
-              <a:rPr lang="fa-IR" dirty="0"/>
-              <a:t> و </a:t>
-            </a:r>
-            <a:r>
-              <a:rPr lang="en-US" dirty="0"/>
-              <a:t>MDS </a:t>
+              <a:t>ICU </a:t>
+            </a:r>
+            <a:r>
+              <a:rPr lang="fa-IR" dirty="0"/>
+              <a:t>حداقل 7 روز پس از ورود به مطالعه بر اساس تشخیص پزشک معالج بیمار</a:t>
+            </a:r>
+          </a:p>
+          <a:p>
+            <a:r>
+              <a:rPr lang="fa-IR" dirty="0"/>
+              <a:t>رضایت آگاهانه بیمار یا قیم قانونی وی </a:t>
             </a:r>
           </a:p>
           <a:p>
@@ -10804,7 +10911,7 @@
     </p:spTree>
     <p:extLst>
       <p:ext uri="{BB962C8B-B14F-4D97-AF65-F5344CB8AC3E}">
-        <p14:creationId xmlns:p14="http://schemas.microsoft.com/office/powerpoint/2010/main" val="2892616950"/>
+        <p14:creationId xmlns:p14="http://schemas.microsoft.com/office/powerpoint/2010/main" val="4281404498"/>
       </p:ext>
     </p:extLst>
   </p:cSld>

--- a/presentation slides/ارائه پایان نامه.pptx
+++ b/presentation slides/ارائه پایان نامه.pptx
@@ -1,32 +1,35 @@
 
 <file path=ppt/presentation.xml><?xml version="1.0" encoding="utf-8"?>
-<p:presentation xmlns:a="http://schemas.openxmlformats.org/drawingml/2006/main" xmlns:r="http://schemas.openxmlformats.org/officeDocument/2006/relationships" xmlns:p="http://schemas.openxmlformats.org/presentationml/2006/main" embedTrueTypeFonts="1" bookmarkIdSeed="4">
+<p:presentation xmlns:a="http://schemas.openxmlformats.org/drawingml/2006/main" xmlns:r="http://schemas.openxmlformats.org/officeDocument/2006/relationships" xmlns:p="http://schemas.openxmlformats.org/presentationml/2006/main" embedTrueTypeFonts="1" bookmarkIdSeed="7">
   <p:sldMasterIdLst>
     <p:sldMasterId id="2147483648" r:id="rId1"/>
   </p:sldMasterIdLst>
+  <p:notesMasterIdLst>
+    <p:notesMasterId r:id="rId29"/>
+  </p:notesMasterIdLst>
   <p:sldIdLst>
     <p:sldId id="256" r:id="rId2"/>
     <p:sldId id="267" r:id="rId3"/>
     <p:sldId id="257" r:id="rId4"/>
     <p:sldId id="259" r:id="rId5"/>
     <p:sldId id="260" r:id="rId6"/>
-    <p:sldId id="317" r:id="rId7"/>
-    <p:sldId id="316" r:id="rId8"/>
-    <p:sldId id="270" r:id="rId9"/>
-    <p:sldId id="299" r:id="rId10"/>
-    <p:sldId id="301" r:id="rId11"/>
-    <p:sldId id="300" r:id="rId12"/>
-    <p:sldId id="302" r:id="rId13"/>
-    <p:sldId id="303" r:id="rId14"/>
-    <p:sldId id="304" r:id="rId15"/>
-    <p:sldId id="305" r:id="rId16"/>
-    <p:sldId id="271" r:id="rId17"/>
-    <p:sldId id="306" r:id="rId18"/>
-    <p:sldId id="307" r:id="rId19"/>
-    <p:sldId id="308" r:id="rId20"/>
-    <p:sldId id="309" r:id="rId21"/>
-    <p:sldId id="312" r:id="rId22"/>
-    <p:sldId id="313" r:id="rId23"/>
+    <p:sldId id="318" r:id="rId7"/>
+    <p:sldId id="319" r:id="rId8"/>
+    <p:sldId id="316" r:id="rId9"/>
+    <p:sldId id="270" r:id="rId10"/>
+    <p:sldId id="299" r:id="rId11"/>
+    <p:sldId id="301" r:id="rId12"/>
+    <p:sldId id="300" r:id="rId13"/>
+    <p:sldId id="302" r:id="rId14"/>
+    <p:sldId id="320" r:id="rId15"/>
+    <p:sldId id="304" r:id="rId16"/>
+    <p:sldId id="305" r:id="rId17"/>
+    <p:sldId id="271" r:id="rId18"/>
+    <p:sldId id="306" r:id="rId19"/>
+    <p:sldId id="307" r:id="rId20"/>
+    <p:sldId id="321" r:id="rId21"/>
+    <p:sldId id="322" r:id="rId22"/>
+    <p:sldId id="323" r:id="rId23"/>
     <p:sldId id="315" r:id="rId24"/>
     <p:sldId id="297" r:id="rId25"/>
     <p:sldId id="272" r:id="rId26"/>
@@ -38,22 +41,22 @@
   <p:embeddedFontLst>
     <p:embeddedFont>
       <p:font typeface="B Nazanin" panose="00000400000000000000" pitchFamily="2" charset="-78"/>
-      <p:regular r:id="rId29"/>
-      <p:bold r:id="rId30"/>
+      <p:regular r:id="rId30"/>
+      <p:bold r:id="rId31"/>
     </p:embeddedFont>
     <p:embeddedFont>
       <p:font typeface="IRTerafik" panose="02000503000000020002" pitchFamily="2" charset="-78"/>
-      <p:regular r:id="rId31"/>
-      <p:bold r:id="rId32"/>
-      <p:italic r:id="rId33"/>
+      <p:regular r:id="rId32"/>
+      <p:bold r:id="rId33"/>
+      <p:italic r:id="rId34"/>
     </p:embeddedFont>
     <p:embeddedFont>
       <p:font typeface="IRTitr" panose="02000506000000020002" pitchFamily="2" charset="-78"/>
-      <p:regular r:id="rId34"/>
+      <p:regular r:id="rId35"/>
     </p:embeddedFont>
     <p:embeddedFont>
       <p:font typeface="Wingdings 3" panose="05040102010807070707" pitchFamily="18" charset="2"/>
-      <p:regular r:id="rId35"/>
+      <p:regular r:id="rId36"/>
     </p:embeddedFont>
   </p:embeddedFontLst>
   <p:defaultTextStyle>
@@ -169,7 +172,8 @@
             <p14:sldId id="257"/>
             <p14:sldId id="259"/>
             <p14:sldId id="260"/>
-            <p14:sldId id="317"/>
+            <p14:sldId id="318"/>
+            <p14:sldId id="319"/>
             <p14:sldId id="316"/>
           </p14:sldIdLst>
         </p14:section>
@@ -180,7 +184,7 @@
             <p14:sldId id="301"/>
             <p14:sldId id="300"/>
             <p14:sldId id="302"/>
-            <p14:sldId id="303"/>
+            <p14:sldId id="320"/>
             <p14:sldId id="304"/>
             <p14:sldId id="305"/>
           </p14:sldIdLst>
@@ -190,10 +194,9 @@
             <p14:sldId id="271"/>
             <p14:sldId id="306"/>
             <p14:sldId id="307"/>
-            <p14:sldId id="308"/>
-            <p14:sldId id="309"/>
-            <p14:sldId id="312"/>
-            <p14:sldId id="313"/>
+            <p14:sldId id="321"/>
+            <p14:sldId id="322"/>
+            <p14:sldId id="323"/>
           </p14:sldIdLst>
         </p14:section>
         <p14:section name="نتیجه گیری" id="{F7A5B370-85E4-4382-AA37-A73C15148025}">
@@ -216,6 +219,355 @@
     </p:ext>
   </p:extLst>
 </p:presentation>
+</file>
+
+<file path=ppt/notesMasters/notesMaster1.xml><?xml version="1.0" encoding="utf-8"?>
+<p:notesMaster xmlns:a="http://schemas.openxmlformats.org/drawingml/2006/main" xmlns:r="http://schemas.openxmlformats.org/officeDocument/2006/relationships" xmlns:p="http://schemas.openxmlformats.org/presentationml/2006/main">
+  <p:cSld>
+    <p:bg>
+      <p:bgRef idx="1001">
+        <a:schemeClr val="bg1"/>
+      </p:bgRef>
+    </p:bg>
+    <p:spTree>
+      <p:nvGrpSpPr>
+        <p:cNvPr id="1" name=""/>
+        <p:cNvGrpSpPr/>
+        <p:nvPr/>
+      </p:nvGrpSpPr>
+      <p:grpSpPr>
+        <a:xfrm>
+          <a:off x="0" y="0"/>
+          <a:ext cx="0" cy="0"/>
+          <a:chOff x="0" y="0"/>
+          <a:chExt cx="0" cy="0"/>
+        </a:xfrm>
+      </p:grpSpPr>
+      <p:sp>
+        <p:nvSpPr>
+          <p:cNvPr id="2" name="Header Placeholder 1"/>
+          <p:cNvSpPr>
+            <a:spLocks noGrp="1"/>
+          </p:cNvSpPr>
+          <p:nvPr>
+            <p:ph type="hdr" sz="quarter"/>
+          </p:nvPr>
+        </p:nvSpPr>
+        <p:spPr>
+          <a:xfrm>
+            <a:off x="0" y="0"/>
+            <a:ext cx="2971800" cy="458788"/>
+          </a:xfrm>
+          <a:prstGeom prst="rect">
+            <a:avLst/>
+          </a:prstGeom>
+        </p:spPr>
+        <p:txBody>
+          <a:bodyPr vert="horz" lIns="91440" tIns="45720" rIns="91440" bIns="45720" rtlCol="0"/>
+          <a:lstStyle>
+            <a:lvl1pPr algn="l">
+              <a:defRPr sz="1200"/>
+            </a:lvl1pPr>
+          </a:lstStyle>
+          <a:p>
+            <a:endParaRPr lang="en-US"/>
+          </a:p>
+        </p:txBody>
+      </p:sp>
+      <p:sp>
+        <p:nvSpPr>
+          <p:cNvPr id="3" name="Date Placeholder 2"/>
+          <p:cNvSpPr>
+            <a:spLocks noGrp="1"/>
+          </p:cNvSpPr>
+          <p:nvPr>
+            <p:ph type="dt" idx="1"/>
+          </p:nvPr>
+        </p:nvSpPr>
+        <p:spPr>
+          <a:xfrm>
+            <a:off x="3884613" y="0"/>
+            <a:ext cx="2971800" cy="458788"/>
+          </a:xfrm>
+          <a:prstGeom prst="rect">
+            <a:avLst/>
+          </a:prstGeom>
+        </p:spPr>
+        <p:txBody>
+          <a:bodyPr vert="horz" lIns="91440" tIns="45720" rIns="91440" bIns="45720" rtlCol="0"/>
+          <a:lstStyle>
+            <a:lvl1pPr algn="r">
+              <a:defRPr sz="1200"/>
+            </a:lvl1pPr>
+          </a:lstStyle>
+          <a:p>
+            <a:fld id="{56A4B7B7-614C-4EA9-8BE6-9D77F23E5717}" type="datetimeFigureOut">
+              <a:rPr lang="en-US" smtClean="0"/>
+              <a:t>2/28/2025</a:t>
+            </a:fld>
+            <a:endParaRPr lang="en-US"/>
+          </a:p>
+        </p:txBody>
+      </p:sp>
+      <p:sp>
+        <p:nvSpPr>
+          <p:cNvPr id="4" name="Slide Image Placeholder 3"/>
+          <p:cNvSpPr>
+            <a:spLocks noGrp="1" noRot="1" noChangeAspect="1"/>
+          </p:cNvSpPr>
+          <p:nvPr>
+            <p:ph type="sldImg" idx="2"/>
+          </p:nvPr>
+        </p:nvSpPr>
+        <p:spPr>
+          <a:xfrm>
+            <a:off x="685800" y="1143000"/>
+            <a:ext cx="5486400" cy="3086100"/>
+          </a:xfrm>
+          <a:prstGeom prst="rect">
+            <a:avLst/>
+          </a:prstGeom>
+          <a:noFill/>
+          <a:ln w="12700">
+            <a:solidFill>
+              <a:prstClr val="black"/>
+            </a:solidFill>
+          </a:ln>
+        </p:spPr>
+        <p:txBody>
+          <a:bodyPr vert="horz" lIns="91440" tIns="45720" rIns="91440" bIns="45720" rtlCol="0" anchor="ctr"/>
+          <a:lstStyle/>
+          <a:p>
+            <a:endParaRPr lang="en-US"/>
+          </a:p>
+        </p:txBody>
+      </p:sp>
+      <p:sp>
+        <p:nvSpPr>
+          <p:cNvPr id="5" name="Notes Placeholder 4"/>
+          <p:cNvSpPr>
+            <a:spLocks noGrp="1"/>
+          </p:cNvSpPr>
+          <p:nvPr>
+            <p:ph type="body" sz="quarter" idx="3"/>
+          </p:nvPr>
+        </p:nvSpPr>
+        <p:spPr>
+          <a:xfrm>
+            <a:off x="685800" y="4400550"/>
+            <a:ext cx="5486400" cy="3600450"/>
+          </a:xfrm>
+          <a:prstGeom prst="rect">
+            <a:avLst/>
+          </a:prstGeom>
+        </p:spPr>
+        <p:txBody>
+          <a:bodyPr vert="horz" lIns="91440" tIns="45720" rIns="91440" bIns="45720" rtlCol="0"/>
+          <a:lstStyle/>
+          <a:p>
+            <a:pPr lvl="0"/>
+            <a:r>
+              <a:rPr lang="en-US"/>
+              <a:t>Edit Master text styles</a:t>
+            </a:r>
+          </a:p>
+          <a:p>
+            <a:pPr lvl="1"/>
+            <a:r>
+              <a:rPr lang="en-US"/>
+              <a:t>Second level</a:t>
+            </a:r>
+          </a:p>
+          <a:p>
+            <a:pPr lvl="2"/>
+            <a:r>
+              <a:rPr lang="en-US"/>
+              <a:t>Third level</a:t>
+            </a:r>
+          </a:p>
+          <a:p>
+            <a:pPr lvl="3"/>
+            <a:r>
+              <a:rPr lang="en-US"/>
+              <a:t>Fourth level</a:t>
+            </a:r>
+          </a:p>
+          <a:p>
+            <a:pPr lvl="4"/>
+            <a:r>
+              <a:rPr lang="en-US"/>
+              <a:t>Fifth level</a:t>
+            </a:r>
+          </a:p>
+        </p:txBody>
+      </p:sp>
+      <p:sp>
+        <p:nvSpPr>
+          <p:cNvPr id="6" name="Footer Placeholder 5"/>
+          <p:cNvSpPr>
+            <a:spLocks noGrp="1"/>
+          </p:cNvSpPr>
+          <p:nvPr>
+            <p:ph type="ftr" sz="quarter" idx="4"/>
+          </p:nvPr>
+        </p:nvSpPr>
+        <p:spPr>
+          <a:xfrm>
+            <a:off x="0" y="8685213"/>
+            <a:ext cx="2971800" cy="458787"/>
+          </a:xfrm>
+          <a:prstGeom prst="rect">
+            <a:avLst/>
+          </a:prstGeom>
+        </p:spPr>
+        <p:txBody>
+          <a:bodyPr vert="horz" lIns="91440" tIns="45720" rIns="91440" bIns="45720" rtlCol="0" anchor="b"/>
+          <a:lstStyle>
+            <a:lvl1pPr algn="l">
+              <a:defRPr sz="1200"/>
+            </a:lvl1pPr>
+          </a:lstStyle>
+          <a:p>
+            <a:endParaRPr lang="en-US"/>
+          </a:p>
+        </p:txBody>
+      </p:sp>
+      <p:sp>
+        <p:nvSpPr>
+          <p:cNvPr id="7" name="Slide Number Placeholder 6"/>
+          <p:cNvSpPr>
+            <a:spLocks noGrp="1"/>
+          </p:cNvSpPr>
+          <p:nvPr>
+            <p:ph type="sldNum" sz="quarter" idx="5"/>
+          </p:nvPr>
+        </p:nvSpPr>
+        <p:spPr>
+          <a:xfrm>
+            <a:off x="3884613" y="8685213"/>
+            <a:ext cx="2971800" cy="458787"/>
+          </a:xfrm>
+          <a:prstGeom prst="rect">
+            <a:avLst/>
+          </a:prstGeom>
+        </p:spPr>
+        <p:txBody>
+          <a:bodyPr vert="horz" lIns="91440" tIns="45720" rIns="91440" bIns="45720" rtlCol="0" anchor="b"/>
+          <a:lstStyle>
+            <a:lvl1pPr algn="r">
+              <a:defRPr sz="1200"/>
+            </a:lvl1pPr>
+          </a:lstStyle>
+          <a:p>
+            <a:fld id="{105A5481-8A24-4A10-9EF5-9FCB7B71F20B}" type="slidenum">
+              <a:rPr lang="en-US" smtClean="0"/>
+              <a:t>‹#›</a:t>
+            </a:fld>
+            <a:endParaRPr lang="en-US"/>
+          </a:p>
+        </p:txBody>
+      </p:sp>
+    </p:spTree>
+    <p:extLst>
+      <p:ext uri="{BB962C8B-B14F-4D97-AF65-F5344CB8AC3E}">
+        <p14:creationId xmlns:p14="http://schemas.microsoft.com/office/powerpoint/2010/main" val="1087130672"/>
+      </p:ext>
+    </p:extLst>
+  </p:cSld>
+  <p:clrMap bg1="lt1" tx1="dk1" bg2="lt2" tx2="dk2" accent1="accent1" accent2="accent2" accent3="accent3" accent4="accent4" accent5="accent5" accent6="accent6" hlink="hlink" folHlink="folHlink"/>
+  <p:notesStyle>
+    <a:lvl1pPr marL="0" algn="l" defTabSz="914400" rtl="0" eaLnBrk="1" latinLnBrk="0" hangingPunct="1">
+      <a:defRPr sz="1200" kern="1200">
+        <a:solidFill>
+          <a:schemeClr val="tx1"/>
+        </a:solidFill>
+        <a:latin typeface="+mn-lt"/>
+        <a:ea typeface="+mn-ea"/>
+        <a:cs typeface="+mn-cs"/>
+      </a:defRPr>
+    </a:lvl1pPr>
+    <a:lvl2pPr marL="457200" algn="l" defTabSz="914400" rtl="0" eaLnBrk="1" latinLnBrk="0" hangingPunct="1">
+      <a:defRPr sz="1200" kern="1200">
+        <a:solidFill>
+          <a:schemeClr val="tx1"/>
+        </a:solidFill>
+        <a:latin typeface="+mn-lt"/>
+        <a:ea typeface="+mn-ea"/>
+        <a:cs typeface="+mn-cs"/>
+      </a:defRPr>
+    </a:lvl2pPr>
+    <a:lvl3pPr marL="914400" algn="l" defTabSz="914400" rtl="0" eaLnBrk="1" latinLnBrk="0" hangingPunct="1">
+      <a:defRPr sz="1200" kern="1200">
+        <a:solidFill>
+          <a:schemeClr val="tx1"/>
+        </a:solidFill>
+        <a:latin typeface="+mn-lt"/>
+        <a:ea typeface="+mn-ea"/>
+        <a:cs typeface="+mn-cs"/>
+      </a:defRPr>
+    </a:lvl3pPr>
+    <a:lvl4pPr marL="1371600" algn="l" defTabSz="914400" rtl="0" eaLnBrk="1" latinLnBrk="0" hangingPunct="1">
+      <a:defRPr sz="1200" kern="1200">
+        <a:solidFill>
+          <a:schemeClr val="tx1"/>
+        </a:solidFill>
+        <a:latin typeface="+mn-lt"/>
+        <a:ea typeface="+mn-ea"/>
+        <a:cs typeface="+mn-cs"/>
+      </a:defRPr>
+    </a:lvl4pPr>
+    <a:lvl5pPr marL="1828800" algn="l" defTabSz="914400" rtl="0" eaLnBrk="1" latinLnBrk="0" hangingPunct="1">
+      <a:defRPr sz="1200" kern="1200">
+        <a:solidFill>
+          <a:schemeClr val="tx1"/>
+        </a:solidFill>
+        <a:latin typeface="+mn-lt"/>
+        <a:ea typeface="+mn-ea"/>
+        <a:cs typeface="+mn-cs"/>
+      </a:defRPr>
+    </a:lvl5pPr>
+    <a:lvl6pPr marL="2286000" algn="l" defTabSz="914400" rtl="0" eaLnBrk="1" latinLnBrk="0" hangingPunct="1">
+      <a:defRPr sz="1200" kern="1200">
+        <a:solidFill>
+          <a:schemeClr val="tx1"/>
+        </a:solidFill>
+        <a:latin typeface="+mn-lt"/>
+        <a:ea typeface="+mn-ea"/>
+        <a:cs typeface="+mn-cs"/>
+      </a:defRPr>
+    </a:lvl6pPr>
+    <a:lvl7pPr marL="2743200" algn="l" defTabSz="914400" rtl="0" eaLnBrk="1" latinLnBrk="0" hangingPunct="1">
+      <a:defRPr sz="1200" kern="1200">
+        <a:solidFill>
+          <a:schemeClr val="tx1"/>
+        </a:solidFill>
+        <a:latin typeface="+mn-lt"/>
+        <a:ea typeface="+mn-ea"/>
+        <a:cs typeface="+mn-cs"/>
+      </a:defRPr>
+    </a:lvl7pPr>
+    <a:lvl8pPr marL="3200400" algn="l" defTabSz="914400" rtl="0" eaLnBrk="1" latinLnBrk="0" hangingPunct="1">
+      <a:defRPr sz="1200" kern="1200">
+        <a:solidFill>
+          <a:schemeClr val="tx1"/>
+        </a:solidFill>
+        <a:latin typeface="+mn-lt"/>
+        <a:ea typeface="+mn-ea"/>
+        <a:cs typeface="+mn-cs"/>
+      </a:defRPr>
+    </a:lvl8pPr>
+    <a:lvl9pPr marL="3657600" algn="l" defTabSz="914400" rtl="0" eaLnBrk="1" latinLnBrk="0" hangingPunct="1">
+      <a:defRPr sz="1200" kern="1200">
+        <a:solidFill>
+          <a:schemeClr val="tx1"/>
+        </a:solidFill>
+        <a:latin typeface="+mn-lt"/>
+        <a:ea typeface="+mn-ea"/>
+        <a:cs typeface="+mn-cs"/>
+      </a:defRPr>
+    </a:lvl9pPr>
+  </p:notesStyle>
+</p:notesMaster>
 </file>
 
 <file path=ppt/slideLayouts/slideLayout1.xml><?xml version="1.0" encoding="utf-8"?>
@@ -781,7 +1133,7 @@
           <a:p>
             <a:fld id="{0B5A8F20-3E02-4461-994C-EA7C73B16FC1}" type="datetimeFigureOut">
               <a:rPr lang="en-US" smtClean="0"/>
-              <a:t>2/23/2025</a:t>
+              <a:t>2/28/2025</a:t>
             </a:fld>
             <a:endParaRPr lang="en-US"/>
           </a:p>
@@ -1398,7 +1750,7 @@
           <a:p>
             <a:fld id="{0B5A8F20-3E02-4461-994C-EA7C73B16FC1}" type="datetimeFigureOut">
               <a:rPr lang="en-US" smtClean="0"/>
-              <a:t>2/23/2025</a:t>
+              <a:t>2/28/2025</a:t>
             </a:fld>
             <a:endParaRPr lang="en-US"/>
           </a:p>
@@ -1689,7 +2041,7 @@
           <a:p>
             <a:fld id="{0B5A8F20-3E02-4461-994C-EA7C73B16FC1}" type="datetimeFigureOut">
               <a:rPr lang="en-US" smtClean="0"/>
-              <a:t>2/23/2025</a:t>
+              <a:t>2/28/2025</a:t>
             </a:fld>
             <a:endParaRPr lang="en-US"/>
           </a:p>
@@ -1887,7 +2239,7 @@
           <a:p>
             <a:fld id="{0B5A8F20-3E02-4461-994C-EA7C73B16FC1}" type="datetimeFigureOut">
               <a:rPr lang="en-US" smtClean="0"/>
-              <a:t>2/23/2025</a:t>
+              <a:t>2/28/2025</a:t>
             </a:fld>
             <a:endParaRPr lang="en-US"/>
           </a:p>
@@ -2095,7 +2447,7 @@
           <a:p>
             <a:fld id="{0B5A8F20-3E02-4461-994C-EA7C73B16FC1}" type="datetimeFigureOut">
               <a:rPr lang="en-US" smtClean="0"/>
-              <a:t>2/23/2025</a:t>
+              <a:t>2/28/2025</a:t>
             </a:fld>
             <a:endParaRPr lang="en-US"/>
           </a:p>
@@ -2449,7 +2801,7 @@
           <a:p>
             <a:fld id="{0B5A8F20-3E02-4461-994C-EA7C73B16FC1}" type="datetimeFigureOut">
               <a:rPr lang="en-US" smtClean="0"/>
-              <a:t>2/23/2025</a:t>
+              <a:t>2/28/2025</a:t>
             </a:fld>
             <a:endParaRPr lang="en-US"/>
           </a:p>
@@ -2861,7 +3213,7 @@
           <a:p>
             <a:fld id="{0B5A8F20-3E02-4461-994C-EA7C73B16FC1}" type="datetimeFigureOut">
               <a:rPr lang="en-US" smtClean="0"/>
-              <a:t>2/23/2025</a:t>
+              <a:t>2/28/2025</a:t>
             </a:fld>
             <a:endParaRPr lang="en-US"/>
           </a:p>
@@ -3273,7 +3625,7 @@
           <a:p>
             <a:fld id="{0B5A8F20-3E02-4461-994C-EA7C73B16FC1}" type="datetimeFigureOut">
               <a:rPr lang="en-US" smtClean="0"/>
-              <a:t>2/23/2025</a:t>
+              <a:t>2/28/2025</a:t>
             </a:fld>
             <a:endParaRPr lang="en-US"/>
           </a:p>
@@ -3988,7 +4340,7 @@
           <a:p>
             <a:fld id="{0B5A8F20-3E02-4461-994C-EA7C73B16FC1}" type="datetimeFigureOut">
               <a:rPr lang="en-US" smtClean="0"/>
-              <a:t>2/23/2025</a:t>
+              <a:t>2/28/2025</a:t>
             </a:fld>
             <a:endParaRPr lang="en-US"/>
           </a:p>
@@ -4392,7 +4744,7 @@
           <a:p>
             <a:fld id="{0B5A8F20-3E02-4461-994C-EA7C73B16FC1}" type="datetimeFigureOut">
               <a:rPr lang="en-US" smtClean="0"/>
-              <a:t>2/23/2025</a:t>
+              <a:t>2/28/2025</a:t>
             </a:fld>
             <a:endParaRPr lang="en-US"/>
           </a:p>
@@ -4804,7 +5156,7 @@
           <a:p>
             <a:fld id="{0B5A8F20-3E02-4461-994C-EA7C73B16FC1}" type="datetimeFigureOut">
               <a:rPr lang="en-US" smtClean="0"/>
-              <a:t>2/23/2025</a:t>
+              <a:t>2/28/2025</a:t>
             </a:fld>
             <a:endParaRPr lang="en-US"/>
           </a:p>
@@ -4945,7 +5297,7 @@
           <a:p>
             <a:fld id="{0B5A8F20-3E02-4461-994C-EA7C73B16FC1}" type="datetimeFigureOut">
               <a:rPr lang="en-US" smtClean="0"/>
-              <a:t>2/23/2025</a:t>
+              <a:t>2/28/2025</a:t>
             </a:fld>
             <a:endParaRPr lang="en-US"/>
           </a:p>
@@ -5058,7 +5410,7 @@
           <a:p>
             <a:fld id="{0B5A8F20-3E02-4461-994C-EA7C73B16FC1}" type="datetimeFigureOut">
               <a:rPr lang="en-US" smtClean="0"/>
-              <a:t>2/23/2025</a:t>
+              <a:t>2/28/2025</a:t>
             </a:fld>
             <a:endParaRPr lang="en-US"/>
           </a:p>
@@ -5843,7 +6195,7 @@
           <a:p>
             <a:fld id="{0B5A8F20-3E02-4461-994C-EA7C73B16FC1}" type="datetimeFigureOut">
               <a:rPr lang="en-US" smtClean="0"/>
-              <a:t>2/23/2025</a:t>
+              <a:t>2/28/2025</a:t>
             </a:fld>
             <a:endParaRPr lang="en-US"/>
           </a:p>
@@ -6504,42 +6856,12 @@
           <a:chExt cx="0" cy="0"/>
         </a:xfrm>
       </p:grpSpPr>
-      <p:pic>
-        <p:nvPicPr>
-          <p:cNvPr id="6" name="Picture 5">
-            <a:extLst>
-              <a:ext uri="{FF2B5EF4-FFF2-40B4-BE49-F238E27FC236}">
-                <a16:creationId xmlns:a16="http://schemas.microsoft.com/office/drawing/2014/main" id="{32881F6B-3CDD-DE1D-EEC5-5C93AB954400}"/>
-              </a:ext>
-            </a:extLst>
-          </p:cNvPr>
-          <p:cNvPicPr>
-            <a:picLocks noChangeAspect="1"/>
-          </p:cNvPicPr>
-          <p:nvPr/>
-        </p:nvPicPr>
-        <p:blipFill>
-          <a:blip r:embed="rId2"/>
-          <a:stretch>
-            <a:fillRect/>
-          </a:stretch>
-        </p:blipFill>
-        <p:spPr>
-          <a:xfrm>
-            <a:off x="1118912" y="1634918"/>
-            <a:ext cx="9954176" cy="4303766"/>
-          </a:xfrm>
-          <a:prstGeom prst="rect">
-            <a:avLst/>
-          </a:prstGeom>
-        </p:spPr>
-      </p:pic>
-      <p:sp>
-        <p:nvSpPr>
-          <p:cNvPr id="7" name="Title 6">
-            <a:extLst>
-              <a:ext uri="{FF2B5EF4-FFF2-40B4-BE49-F238E27FC236}">
-                <a16:creationId xmlns:a16="http://schemas.microsoft.com/office/drawing/2014/main" id="{DAAD03C6-4A53-6B4F-85D2-81536659F9B4}"/>
+      <p:sp>
+        <p:nvSpPr>
+          <p:cNvPr id="2" name="Title 1">
+            <a:extLst>
+              <a:ext uri="{FF2B5EF4-FFF2-40B4-BE49-F238E27FC236}">
+                <a16:creationId xmlns:a16="http://schemas.microsoft.com/office/drawing/2014/main" id="{FF8FDF87-F3B2-1167-0DFF-225632C19308}"/>
               </a:ext>
             </a:extLst>
           </p:cNvPr>
@@ -6555,14 +6877,117 @@
           <a:bodyPr/>
           <a:lstStyle/>
           <a:p>
-            <a:endParaRPr lang="en-US"/>
+            <a:r>
+              <a:rPr lang="fa-IR" dirty="0"/>
+              <a:t>شرایط ورود به مطالعه</a:t>
+            </a:r>
+            <a:endParaRPr lang="en-US" dirty="0"/>
+          </a:p>
+        </p:txBody>
+      </p:sp>
+      <p:sp>
+        <p:nvSpPr>
+          <p:cNvPr id="3" name="Content Placeholder 2">
+            <a:extLst>
+              <a:ext uri="{FF2B5EF4-FFF2-40B4-BE49-F238E27FC236}">
+                <a16:creationId xmlns:a16="http://schemas.microsoft.com/office/drawing/2014/main" id="{27A4C79F-A968-EB04-83AB-02B1017FC257}"/>
+              </a:ext>
+            </a:extLst>
+          </p:cNvPr>
+          <p:cNvSpPr>
+            <a:spLocks noGrp="1"/>
+          </p:cNvSpPr>
+          <p:nvPr>
+            <p:ph idx="1"/>
+          </p:nvPr>
+        </p:nvSpPr>
+        <p:spPr/>
+        <p:txBody>
+          <a:bodyPr>
+            <a:normAutofit/>
+          </a:bodyPr>
+          <a:lstStyle/>
+          <a:p>
+            <a:r>
+              <a:rPr lang="fa-IR" dirty="0"/>
+              <a:t>بیماران بستری در بخش مراقبتهای ویژه </a:t>
+            </a:r>
+          </a:p>
+          <a:p>
+            <a:r>
+              <a:rPr lang="en-US" dirty="0"/>
+              <a:t>Hb </a:t>
+            </a:r>
+            <a:r>
+              <a:rPr lang="fa-IR" dirty="0"/>
+              <a:t>سرم &lt;10 گرم در </a:t>
+            </a:r>
+            <a:r>
+              <a:rPr lang="fa-IR" dirty="0" err="1"/>
+              <a:t>دسی</a:t>
+            </a:r>
+            <a:r>
+              <a:rPr lang="fa-IR" dirty="0"/>
+              <a:t> لیتر  </a:t>
+            </a:r>
+          </a:p>
+          <a:p>
+            <a:r>
+              <a:rPr lang="fa-IR" dirty="0"/>
+              <a:t>سن بالای 18 سال </a:t>
+            </a:r>
+          </a:p>
+          <a:p>
+            <a:r>
+              <a:rPr lang="fa-IR" dirty="0"/>
+              <a:t>بیماران دارای حداقل دو معیار از معیارهای سندروم </a:t>
+            </a:r>
+            <a:r>
+              <a:rPr lang="fa-IR" dirty="0" err="1"/>
+              <a:t>التهابی</a:t>
+            </a:r>
+            <a:r>
+              <a:rPr lang="fa-IR" dirty="0"/>
+              <a:t> سیستمیک (</a:t>
+            </a:r>
+            <a:r>
+              <a:rPr lang="en-US" dirty="0"/>
+              <a:t>SIRS</a:t>
+            </a:r>
+            <a:r>
+              <a:rPr lang="fa-IR" dirty="0"/>
+              <a:t>)</a:t>
+            </a:r>
+          </a:p>
+          <a:p>
+            <a:r>
+              <a:rPr lang="fa-IR" dirty="0"/>
+              <a:t>انتظار اقامت در </a:t>
+            </a:r>
+            <a:r>
+              <a:rPr lang="en-US" dirty="0"/>
+              <a:t>ICU </a:t>
+            </a:r>
+            <a:r>
+              <a:rPr lang="fa-IR" dirty="0"/>
+              <a:t>حداقل 7 روز پس از ورود به مطالعه بر اساس تشخیص پزشک معالج بیمار</a:t>
+            </a:r>
+          </a:p>
+          <a:p>
+            <a:r>
+              <a:rPr lang="fa-IR" dirty="0"/>
+              <a:t>رضایت آگاهانه بیمار یا قیم قانونی وی </a:t>
+            </a:r>
+          </a:p>
+          <a:p>
+            <a:endParaRPr lang="en-US" dirty="0"/>
           </a:p>
         </p:txBody>
       </p:sp>
     </p:spTree>
     <p:extLst>
       <p:ext uri="{BB962C8B-B14F-4D97-AF65-F5344CB8AC3E}">
-        <p14:creationId xmlns:p14="http://schemas.microsoft.com/office/powerpoint/2010/main" val="436838293"/>
+        <p14:creationId xmlns:p14="http://schemas.microsoft.com/office/powerpoint/2010/main" val="4281404498"/>
       </p:ext>
     </p:extLst>
   </p:cSld>
@@ -6589,6 +7014,91 @@
           <a:chExt cx="0" cy="0"/>
         </a:xfrm>
       </p:grpSpPr>
+      <p:pic>
+        <p:nvPicPr>
+          <p:cNvPr id="6" name="Picture 5">
+            <a:extLst>
+              <a:ext uri="{FF2B5EF4-FFF2-40B4-BE49-F238E27FC236}">
+                <a16:creationId xmlns:a16="http://schemas.microsoft.com/office/drawing/2014/main" id="{32881F6B-3CDD-DE1D-EEC5-5C93AB954400}"/>
+              </a:ext>
+            </a:extLst>
+          </p:cNvPr>
+          <p:cNvPicPr>
+            <a:picLocks noChangeAspect="1"/>
+          </p:cNvPicPr>
+          <p:nvPr/>
+        </p:nvPicPr>
+        <p:blipFill>
+          <a:blip r:embed="rId2"/>
+          <a:stretch>
+            <a:fillRect/>
+          </a:stretch>
+        </p:blipFill>
+        <p:spPr>
+          <a:xfrm>
+            <a:off x="1118912" y="1634918"/>
+            <a:ext cx="9954176" cy="4303766"/>
+          </a:xfrm>
+          <a:prstGeom prst="rect">
+            <a:avLst/>
+          </a:prstGeom>
+        </p:spPr>
+      </p:pic>
+      <p:sp>
+        <p:nvSpPr>
+          <p:cNvPr id="7" name="Title 6">
+            <a:extLst>
+              <a:ext uri="{FF2B5EF4-FFF2-40B4-BE49-F238E27FC236}">
+                <a16:creationId xmlns:a16="http://schemas.microsoft.com/office/drawing/2014/main" id="{DAAD03C6-4A53-6B4F-85D2-81536659F9B4}"/>
+              </a:ext>
+            </a:extLst>
+          </p:cNvPr>
+          <p:cNvSpPr>
+            <a:spLocks noGrp="1"/>
+          </p:cNvSpPr>
+          <p:nvPr>
+            <p:ph type="title"/>
+          </p:nvPr>
+        </p:nvSpPr>
+        <p:spPr/>
+        <p:txBody>
+          <a:bodyPr/>
+          <a:lstStyle/>
+          <a:p>
+            <a:endParaRPr lang="en-US"/>
+          </a:p>
+        </p:txBody>
+      </p:sp>
+    </p:spTree>
+    <p:extLst>
+      <p:ext uri="{BB962C8B-B14F-4D97-AF65-F5344CB8AC3E}">
+        <p14:creationId xmlns:p14="http://schemas.microsoft.com/office/powerpoint/2010/main" val="436838293"/>
+      </p:ext>
+    </p:extLst>
+  </p:cSld>
+  <p:clrMapOvr>
+    <a:masterClrMapping/>
+  </p:clrMapOvr>
+</p:sld>
+</file>
+
+<file path=ppt/slides/slide12.xml><?xml version="1.0" encoding="utf-8"?>
+<p:sld xmlns:a="http://schemas.openxmlformats.org/drawingml/2006/main" xmlns:r="http://schemas.openxmlformats.org/officeDocument/2006/relationships" xmlns:p="http://schemas.openxmlformats.org/presentationml/2006/main">
+  <p:cSld>
+    <p:spTree>
+      <p:nvGrpSpPr>
+        <p:cNvPr id="1" name=""/>
+        <p:cNvGrpSpPr/>
+        <p:nvPr/>
+      </p:nvGrpSpPr>
+      <p:grpSpPr>
+        <a:xfrm>
+          <a:off x="0" y="0"/>
+          <a:ext cx="0" cy="0"/>
+          <a:chOff x="0" y="0"/>
+          <a:chExt cx="0" cy="0"/>
+        </a:xfrm>
+      </p:grpSpPr>
       <p:sp>
         <p:nvSpPr>
           <p:cNvPr id="2" name="Title 1">
@@ -6819,7 +7329,7 @@
 </p:sld>
 </file>
 
-<file path=ppt/slides/slide12.xml><?xml version="1.0" encoding="utf-8"?>
+<file path=ppt/slides/slide13.xml><?xml version="1.0" encoding="utf-8"?>
 <p:sld xmlns:a="http://schemas.openxmlformats.org/drawingml/2006/main" xmlns:r="http://schemas.openxmlformats.org/officeDocument/2006/relationships" xmlns:p="http://schemas.openxmlformats.org/presentationml/2006/main">
   <p:cSld>
     <p:spTree>
@@ -7048,7 +7558,7 @@
 </p:sld>
 </file>
 
-<file path=ppt/slides/slide13.xml><?xml version="1.0" encoding="utf-8"?>
+<file path=ppt/slides/slide14.xml><?xml version="1.0" encoding="utf-8"?>
 <p:sld xmlns:a="http://schemas.openxmlformats.org/drawingml/2006/main" xmlns:r="http://schemas.openxmlformats.org/officeDocument/2006/relationships" xmlns:p="http://schemas.openxmlformats.org/presentationml/2006/main">
   <p:cSld>
     <p:spTree>
@@ -7094,126 +7604,833 @@
           </a:p>
         </p:txBody>
       </p:sp>
-      <p:sp>
-        <p:nvSpPr>
-          <p:cNvPr id="3" name="Content Placeholder 2">
-            <a:extLst>
-              <a:ext uri="{FF2B5EF4-FFF2-40B4-BE49-F238E27FC236}">
-                <a16:creationId xmlns:a16="http://schemas.microsoft.com/office/drawing/2014/main" id="{DC9CFE5F-AB79-E45A-55FA-77A399824E7A}"/>
-              </a:ext>
-            </a:extLst>
-          </p:cNvPr>
-          <p:cNvSpPr>
-            <a:spLocks noGrp="1"/>
-          </p:cNvSpPr>
+      <p:graphicFrame>
+        <p:nvGraphicFramePr>
+          <p:cNvPr id="3" name="Table 2">
+            <a:extLst>
+              <a:ext uri="{FF2B5EF4-FFF2-40B4-BE49-F238E27FC236}">
+                <a16:creationId xmlns:a16="http://schemas.microsoft.com/office/drawing/2014/main" id="{62FB1A2B-675A-E5B0-DDFA-66F9472685E9}"/>
+              </a:ext>
+            </a:extLst>
+          </p:cNvPr>
+          <p:cNvGraphicFramePr>
+            <a:graphicFrameLocks noGrp="1"/>
+          </p:cNvGraphicFramePr>
           <p:nvPr>
-            <p:ph idx="1"/>
-          </p:nvPr>
-        </p:nvSpPr>
-        <p:spPr/>
-        <p:txBody>
-          <a:bodyPr/>
-          <a:lstStyle/>
-          <a:p>
-            <a:pPr>
-              <a:lnSpc>
-                <a:spcPct val="150000"/>
-              </a:lnSpc>
-            </a:pPr>
-            <a:r>
-              <a:rPr lang="fa-IR" dirty="0"/>
-              <a:t>مشخصات </a:t>
-            </a:r>
-            <a:r>
-              <a:rPr lang="fa-IR" dirty="0" err="1"/>
-              <a:t>دموگرافیک</a:t>
-            </a:r>
-            <a:r>
-              <a:rPr lang="fa-IR" dirty="0"/>
-              <a:t>: سن، جنسیت</a:t>
-            </a:r>
-          </a:p>
-          <a:p>
-            <a:pPr>
-              <a:lnSpc>
-                <a:spcPct val="150000"/>
-              </a:lnSpc>
-            </a:pPr>
-            <a:r>
-              <a:rPr lang="fa-IR" dirty="0" err="1"/>
-              <a:t>ویژگی‌های</a:t>
-            </a:r>
-            <a:r>
-              <a:rPr lang="fa-IR" dirty="0"/>
-              <a:t> پایه: قد، وزن، </a:t>
-            </a:r>
-            <a:r>
-              <a:rPr lang="fa-IR" dirty="0" err="1"/>
-              <a:t>بیماری‌های</a:t>
-            </a:r>
-            <a:r>
-              <a:rPr lang="fa-IR" dirty="0"/>
-              <a:t> </a:t>
-            </a:r>
-            <a:r>
-              <a:rPr lang="fa-IR" dirty="0" err="1"/>
-              <a:t>زمینه‌ای</a:t>
-            </a:r>
-            <a:endParaRPr lang="fa-IR" dirty="0"/>
-          </a:p>
-          <a:p>
-            <a:pPr>
-              <a:lnSpc>
-                <a:spcPct val="150000"/>
-              </a:lnSpc>
-            </a:pPr>
-            <a:r>
-              <a:rPr lang="fa-IR" dirty="0"/>
-              <a:t>نمره</a:t>
-            </a:r>
-            <a:r>
-              <a:rPr lang="en-US" dirty="0"/>
-              <a:t>SOFA </a:t>
-            </a:r>
-            <a:r>
-              <a:rPr lang="fa-IR" dirty="0"/>
-              <a:t> (شاخص شدت بیماری)</a:t>
-            </a:r>
-          </a:p>
-          <a:p>
-            <a:pPr>
-              <a:lnSpc>
-                <a:spcPct val="150000"/>
-              </a:lnSpc>
-            </a:pPr>
-            <a:r>
-              <a:rPr lang="fa-IR" dirty="0"/>
-              <a:t>آزمایش </a:t>
-            </a:r>
-            <a:r>
-              <a:rPr lang="en-US" dirty="0"/>
-              <a:t>CBC</a:t>
-            </a:r>
-            <a:r>
-              <a:rPr lang="fa-IR" dirty="0"/>
-              <a:t> (شمارش کامل </a:t>
-            </a:r>
-            <a:r>
-              <a:rPr lang="fa-IR" dirty="0" err="1"/>
-              <a:t>سلول‌های</a:t>
-            </a:r>
-            <a:r>
-              <a:rPr lang="fa-IR" dirty="0"/>
-              <a:t> خونی)</a:t>
-            </a:r>
-            <a:endParaRPr lang="en-US" dirty="0"/>
-          </a:p>
-        </p:txBody>
-      </p:sp>
+            <p:extLst>
+              <p:ext uri="{D42A27DB-BD31-4B8C-83A1-F6EECF244321}">
+                <p14:modId xmlns:p14="http://schemas.microsoft.com/office/powerpoint/2010/main" val="4290817360"/>
+              </p:ext>
+            </p:extLst>
+          </p:nvPr>
+        </p:nvGraphicFramePr>
+        <p:xfrm>
+          <a:off x="2212259" y="2281493"/>
+          <a:ext cx="7767482" cy="3200400"/>
+        </p:xfrm>
+        <a:graphic>
+          <a:graphicData uri="http://schemas.openxmlformats.org/drawingml/2006/table">
+            <a:tbl>
+              <a:tblPr rtl="1">
+                <a:tableStyleId>{5940675A-B579-460E-94D1-54222C63F5DA}</a:tableStyleId>
+              </a:tblPr>
+              <a:tblGrid>
+                <a:gridCol w="3818650">
+                  <a:extLst>
+                    <a:ext uri="{9D8B030D-6E8A-4147-A177-3AD203B41FA5}">
+                      <a16:colId xmlns:a16="http://schemas.microsoft.com/office/drawing/2014/main" val="906891272"/>
+                    </a:ext>
+                  </a:extLst>
+                </a:gridCol>
+                <a:gridCol w="2039506">
+                  <a:extLst>
+                    <a:ext uri="{9D8B030D-6E8A-4147-A177-3AD203B41FA5}">
+                      <a16:colId xmlns:a16="http://schemas.microsoft.com/office/drawing/2014/main" val="330975064"/>
+                    </a:ext>
+                  </a:extLst>
+                </a:gridCol>
+                <a:gridCol w="1909326">
+                  <a:extLst>
+                    <a:ext uri="{9D8B030D-6E8A-4147-A177-3AD203B41FA5}">
+                      <a16:colId xmlns:a16="http://schemas.microsoft.com/office/drawing/2014/main" val="792110967"/>
+                    </a:ext>
+                  </a:extLst>
+                </a:gridCol>
+              </a:tblGrid>
+              <a:tr h="355600">
+                <a:tc>
+                  <a:txBody>
+                    <a:bodyPr/>
+                    <a:lstStyle/>
+                    <a:p>
+                      <a:pPr algn="ctr" rtl="1" fontAlgn="b"/>
+                      <a:r>
+                        <a:rPr lang="fa-IR" sz="2000" u="none" strike="noStrike" dirty="0">
+                          <a:effectLst/>
+                          <a:cs typeface="B Nazanin" panose="00000400000000000000" pitchFamily="2" charset="-78"/>
+                        </a:rPr>
+                        <a:t>متغیر</a:t>
+                      </a:r>
+                      <a:endParaRPr lang="fa-IR" sz="2000" b="0" i="0" u="none" strike="noStrike" dirty="0">
+                        <a:solidFill>
+                          <a:srgbClr val="000000"/>
+                        </a:solidFill>
+                        <a:effectLst/>
+                        <a:latin typeface="Calibri" panose="020F0502020204030204" pitchFamily="34" charset="0"/>
+                        <a:cs typeface="B Nazanin" panose="00000400000000000000" pitchFamily="2" charset="-78"/>
+                      </a:endParaRPr>
+                    </a:p>
+                  </a:txBody>
+                  <a:tcPr marL="7620" marR="7620" marT="7620" marB="0" anchor="ctr"/>
+                </a:tc>
+                <a:tc>
+                  <a:txBody>
+                    <a:bodyPr/>
+                    <a:lstStyle/>
+                    <a:p>
+                      <a:pPr algn="ctr" rtl="1" fontAlgn="b"/>
+                      <a:r>
+                        <a:rPr lang="fa-IR" sz="2000" u="none" strike="noStrike">
+                          <a:effectLst/>
+                          <a:cs typeface="B Nazanin" panose="00000400000000000000" pitchFamily="2" charset="-78"/>
+                        </a:rPr>
+                        <a:t>نوع متغیر</a:t>
+                      </a:r>
+                      <a:endParaRPr lang="fa-IR" sz="2000" b="0" i="0" u="none" strike="noStrike">
+                        <a:solidFill>
+                          <a:srgbClr val="000000"/>
+                        </a:solidFill>
+                        <a:effectLst/>
+                        <a:latin typeface="Calibri" panose="020F0502020204030204" pitchFamily="34" charset="0"/>
+                        <a:cs typeface="B Nazanin" panose="00000400000000000000" pitchFamily="2" charset="-78"/>
+                      </a:endParaRPr>
+                    </a:p>
+                  </a:txBody>
+                  <a:tcPr marL="7620" marR="7620" marT="7620" marB="0" anchor="ctr"/>
+                </a:tc>
+                <a:tc>
+                  <a:txBody>
+                    <a:bodyPr/>
+                    <a:lstStyle/>
+                    <a:p>
+                      <a:pPr algn="ctr" rtl="1" fontAlgn="b"/>
+                      <a:r>
+                        <a:rPr lang="fa-IR" sz="2000" u="none" strike="noStrike">
+                          <a:effectLst/>
+                          <a:cs typeface="B Nazanin" panose="00000400000000000000" pitchFamily="2" charset="-78"/>
+                        </a:rPr>
+                        <a:t>نقش متغیر</a:t>
+                      </a:r>
+                      <a:endParaRPr lang="fa-IR" sz="2000" b="0" i="0" u="none" strike="noStrike">
+                        <a:solidFill>
+                          <a:srgbClr val="000000"/>
+                        </a:solidFill>
+                        <a:effectLst/>
+                        <a:latin typeface="Calibri" panose="020F0502020204030204" pitchFamily="34" charset="0"/>
+                        <a:cs typeface="B Nazanin" panose="00000400000000000000" pitchFamily="2" charset="-78"/>
+                      </a:endParaRPr>
+                    </a:p>
+                  </a:txBody>
+                  <a:tcPr marL="7620" marR="7620" marT="7620" marB="0" anchor="ctr"/>
+                </a:tc>
+                <a:extLst>
+                  <a:ext uri="{0D108BD9-81ED-4DB2-BD59-A6C34878D82A}">
+                    <a16:rowId xmlns:a16="http://schemas.microsoft.com/office/drawing/2014/main" val="1776135026"/>
+                  </a:ext>
+                </a:extLst>
+              </a:tr>
+              <a:tr h="355600">
+                <a:tc>
+                  <a:txBody>
+                    <a:bodyPr/>
+                    <a:lstStyle/>
+                    <a:p>
+                      <a:pPr algn="ctr" rtl="1" fontAlgn="b"/>
+                      <a:r>
+                        <a:rPr lang="fa-IR" sz="2000" u="none" strike="noStrike" dirty="0">
+                          <a:effectLst/>
+                          <a:cs typeface="B Nazanin" panose="00000400000000000000" pitchFamily="2" charset="-78"/>
+                        </a:rPr>
+                        <a:t>قد</a:t>
+                      </a:r>
+                      <a:endParaRPr lang="fa-IR" sz="2000" b="0" i="0" u="none" strike="noStrike" dirty="0">
+                        <a:solidFill>
+                          <a:srgbClr val="000000"/>
+                        </a:solidFill>
+                        <a:effectLst/>
+                        <a:latin typeface="Calibri" panose="020F0502020204030204" pitchFamily="34" charset="0"/>
+                        <a:cs typeface="B Nazanin" panose="00000400000000000000" pitchFamily="2" charset="-78"/>
+                      </a:endParaRPr>
+                    </a:p>
+                  </a:txBody>
+                  <a:tcPr marL="7620" marR="7620" marT="7620" marB="0" anchor="ctr"/>
+                </a:tc>
+                <a:tc>
+                  <a:txBody>
+                    <a:bodyPr/>
+                    <a:lstStyle/>
+                    <a:p>
+                      <a:pPr algn="ctr" rtl="1" fontAlgn="b"/>
+                      <a:r>
+                        <a:rPr lang="fa-IR" sz="2000" u="none" strike="noStrike">
+                          <a:effectLst/>
+                          <a:cs typeface="B Nazanin" panose="00000400000000000000" pitchFamily="2" charset="-78"/>
+                        </a:rPr>
+                        <a:t>کمی پیوسته</a:t>
+                      </a:r>
+                      <a:endParaRPr lang="fa-IR" sz="2000" b="0" i="0" u="none" strike="noStrike">
+                        <a:solidFill>
+                          <a:srgbClr val="000000"/>
+                        </a:solidFill>
+                        <a:effectLst/>
+                        <a:latin typeface="Calibri" panose="020F0502020204030204" pitchFamily="34" charset="0"/>
+                        <a:cs typeface="B Nazanin" panose="00000400000000000000" pitchFamily="2" charset="-78"/>
+                      </a:endParaRPr>
+                    </a:p>
+                  </a:txBody>
+                  <a:tcPr marL="7620" marR="7620" marT="7620" marB="0" anchor="ctr"/>
+                </a:tc>
+                <a:tc>
+                  <a:txBody>
+                    <a:bodyPr/>
+                    <a:lstStyle/>
+                    <a:p>
+                      <a:pPr algn="ctr" rtl="1" fontAlgn="b"/>
+                      <a:r>
+                        <a:rPr lang="fa-IR" sz="2000" u="none" strike="noStrike">
+                          <a:effectLst/>
+                          <a:cs typeface="B Nazanin" panose="00000400000000000000" pitchFamily="2" charset="-78"/>
+                        </a:rPr>
+                        <a:t>مستقل</a:t>
+                      </a:r>
+                      <a:endParaRPr lang="fa-IR" sz="2000" b="0" i="0" u="none" strike="noStrike">
+                        <a:solidFill>
+                          <a:srgbClr val="000000"/>
+                        </a:solidFill>
+                        <a:effectLst/>
+                        <a:latin typeface="Calibri" panose="020F0502020204030204" pitchFamily="34" charset="0"/>
+                        <a:cs typeface="B Nazanin" panose="00000400000000000000" pitchFamily="2" charset="-78"/>
+                      </a:endParaRPr>
+                    </a:p>
+                  </a:txBody>
+                  <a:tcPr marL="7620" marR="7620" marT="7620" marB="0" anchor="ctr"/>
+                </a:tc>
+                <a:extLst>
+                  <a:ext uri="{0D108BD9-81ED-4DB2-BD59-A6C34878D82A}">
+                    <a16:rowId xmlns:a16="http://schemas.microsoft.com/office/drawing/2014/main" val="844632868"/>
+                  </a:ext>
+                </a:extLst>
+              </a:tr>
+              <a:tr h="355600">
+                <a:tc>
+                  <a:txBody>
+                    <a:bodyPr/>
+                    <a:lstStyle/>
+                    <a:p>
+                      <a:pPr algn="ctr" rtl="1" fontAlgn="b"/>
+                      <a:r>
+                        <a:rPr lang="fa-IR" sz="2000" u="none" strike="noStrike" dirty="0">
+                          <a:effectLst/>
+                          <a:cs typeface="B Nazanin" panose="00000400000000000000" pitchFamily="2" charset="-78"/>
+                        </a:rPr>
+                        <a:t>وزن</a:t>
+                      </a:r>
+                      <a:endParaRPr lang="fa-IR" sz="2000" b="0" i="0" u="none" strike="noStrike" dirty="0">
+                        <a:solidFill>
+                          <a:srgbClr val="000000"/>
+                        </a:solidFill>
+                        <a:effectLst/>
+                        <a:latin typeface="Calibri" panose="020F0502020204030204" pitchFamily="34" charset="0"/>
+                        <a:cs typeface="B Nazanin" panose="00000400000000000000" pitchFamily="2" charset="-78"/>
+                      </a:endParaRPr>
+                    </a:p>
+                  </a:txBody>
+                  <a:tcPr marL="7620" marR="7620" marT="7620" marB="0" anchor="ctr"/>
+                </a:tc>
+                <a:tc>
+                  <a:txBody>
+                    <a:bodyPr/>
+                    <a:lstStyle/>
+                    <a:p>
+                      <a:pPr algn="ctr" rtl="1" fontAlgn="b"/>
+                      <a:r>
+                        <a:rPr lang="fa-IR" sz="2000" u="none" strike="noStrike">
+                          <a:effectLst/>
+                          <a:cs typeface="B Nazanin" panose="00000400000000000000" pitchFamily="2" charset="-78"/>
+                        </a:rPr>
+                        <a:t>کمی پیوسته</a:t>
+                      </a:r>
+                      <a:endParaRPr lang="fa-IR" sz="2000" b="0" i="0" u="none" strike="noStrike">
+                        <a:solidFill>
+                          <a:srgbClr val="000000"/>
+                        </a:solidFill>
+                        <a:effectLst/>
+                        <a:latin typeface="Calibri" panose="020F0502020204030204" pitchFamily="34" charset="0"/>
+                        <a:cs typeface="B Nazanin" panose="00000400000000000000" pitchFamily="2" charset="-78"/>
+                      </a:endParaRPr>
+                    </a:p>
+                  </a:txBody>
+                  <a:tcPr marL="7620" marR="7620" marT="7620" marB="0" anchor="ctr"/>
+                </a:tc>
+                <a:tc>
+                  <a:txBody>
+                    <a:bodyPr/>
+                    <a:lstStyle/>
+                    <a:p>
+                      <a:pPr algn="ctr" rtl="1" fontAlgn="b"/>
+                      <a:r>
+                        <a:rPr lang="fa-IR" sz="2000" u="none" strike="noStrike">
+                          <a:effectLst/>
+                          <a:cs typeface="B Nazanin" panose="00000400000000000000" pitchFamily="2" charset="-78"/>
+                        </a:rPr>
+                        <a:t>مستقل</a:t>
+                      </a:r>
+                      <a:endParaRPr lang="fa-IR" sz="2000" b="0" i="0" u="none" strike="noStrike">
+                        <a:solidFill>
+                          <a:srgbClr val="000000"/>
+                        </a:solidFill>
+                        <a:effectLst/>
+                        <a:latin typeface="Calibri" panose="020F0502020204030204" pitchFamily="34" charset="0"/>
+                        <a:cs typeface="B Nazanin" panose="00000400000000000000" pitchFamily="2" charset="-78"/>
+                      </a:endParaRPr>
+                    </a:p>
+                  </a:txBody>
+                  <a:tcPr marL="7620" marR="7620" marT="7620" marB="0" anchor="ctr"/>
+                </a:tc>
+                <a:extLst>
+                  <a:ext uri="{0D108BD9-81ED-4DB2-BD59-A6C34878D82A}">
+                    <a16:rowId xmlns:a16="http://schemas.microsoft.com/office/drawing/2014/main" val="2132987774"/>
+                  </a:ext>
+                </a:extLst>
+              </a:tr>
+              <a:tr h="355600">
+                <a:tc>
+                  <a:txBody>
+                    <a:bodyPr/>
+                    <a:lstStyle/>
+                    <a:p>
+                      <a:pPr algn="ctr" rtl="1" fontAlgn="b"/>
+                      <a:r>
+                        <a:rPr lang="fa-IR" sz="2000" u="none" strike="noStrike" dirty="0">
+                          <a:effectLst/>
+                          <a:cs typeface="B Nazanin" panose="00000400000000000000" pitchFamily="2" charset="-78"/>
+                        </a:rPr>
+                        <a:t>بیماری زمینه ای</a:t>
+                      </a:r>
+                      <a:endParaRPr lang="fa-IR" sz="2000" b="0" i="0" u="none" strike="noStrike" dirty="0">
+                        <a:solidFill>
+                          <a:srgbClr val="000000"/>
+                        </a:solidFill>
+                        <a:effectLst/>
+                        <a:latin typeface="Calibri" panose="020F0502020204030204" pitchFamily="34" charset="0"/>
+                        <a:cs typeface="B Nazanin" panose="00000400000000000000" pitchFamily="2" charset="-78"/>
+                      </a:endParaRPr>
+                    </a:p>
+                  </a:txBody>
+                  <a:tcPr marL="7620" marR="7620" marT="7620" marB="0" anchor="ctr"/>
+                </a:tc>
+                <a:tc>
+                  <a:txBody>
+                    <a:bodyPr/>
+                    <a:lstStyle/>
+                    <a:p>
+                      <a:pPr algn="ctr" rtl="1" fontAlgn="b"/>
+                      <a:r>
+                        <a:rPr lang="fa-IR" sz="2000" u="none" strike="noStrike">
+                          <a:effectLst/>
+                          <a:cs typeface="B Nazanin" panose="00000400000000000000" pitchFamily="2" charset="-78"/>
+                        </a:rPr>
+                        <a:t>کیفی اسمی</a:t>
+                      </a:r>
+                      <a:endParaRPr lang="fa-IR" sz="2000" b="0" i="0" u="none" strike="noStrike">
+                        <a:solidFill>
+                          <a:srgbClr val="000000"/>
+                        </a:solidFill>
+                        <a:effectLst/>
+                        <a:latin typeface="Calibri" panose="020F0502020204030204" pitchFamily="34" charset="0"/>
+                        <a:cs typeface="B Nazanin" panose="00000400000000000000" pitchFamily="2" charset="-78"/>
+                      </a:endParaRPr>
+                    </a:p>
+                  </a:txBody>
+                  <a:tcPr marL="7620" marR="7620" marT="7620" marB="0" anchor="ctr"/>
+                </a:tc>
+                <a:tc>
+                  <a:txBody>
+                    <a:bodyPr/>
+                    <a:lstStyle/>
+                    <a:p>
+                      <a:pPr algn="ctr" rtl="1" fontAlgn="b"/>
+                      <a:r>
+                        <a:rPr lang="fa-IR" sz="2000" u="none" strike="noStrike">
+                          <a:effectLst/>
+                          <a:cs typeface="B Nazanin" panose="00000400000000000000" pitchFamily="2" charset="-78"/>
+                        </a:rPr>
+                        <a:t>مستقل</a:t>
+                      </a:r>
+                      <a:endParaRPr lang="fa-IR" sz="2000" b="0" i="0" u="none" strike="noStrike">
+                        <a:solidFill>
+                          <a:srgbClr val="000000"/>
+                        </a:solidFill>
+                        <a:effectLst/>
+                        <a:latin typeface="Calibri" panose="020F0502020204030204" pitchFamily="34" charset="0"/>
+                        <a:cs typeface="B Nazanin" panose="00000400000000000000" pitchFamily="2" charset="-78"/>
+                      </a:endParaRPr>
+                    </a:p>
+                  </a:txBody>
+                  <a:tcPr marL="7620" marR="7620" marT="7620" marB="0" anchor="ctr"/>
+                </a:tc>
+                <a:extLst>
+                  <a:ext uri="{0D108BD9-81ED-4DB2-BD59-A6C34878D82A}">
+                    <a16:rowId xmlns:a16="http://schemas.microsoft.com/office/drawing/2014/main" val="3590453997"/>
+                  </a:ext>
+                </a:extLst>
+              </a:tr>
+              <a:tr h="355600">
+                <a:tc>
+                  <a:txBody>
+                    <a:bodyPr/>
+                    <a:lstStyle/>
+                    <a:p>
+                      <a:pPr algn="ctr" rtl="1" fontAlgn="b"/>
+                      <a:r>
+                        <a:rPr lang="fa-IR" sz="2000" u="none" strike="noStrike">
+                          <a:effectLst/>
+                          <a:cs typeface="B Nazanin" panose="00000400000000000000" pitchFamily="2" charset="-78"/>
+                        </a:rPr>
+                        <a:t>نمره </a:t>
+                      </a:r>
+                      <a:r>
+                        <a:rPr lang="en-US" sz="2000" u="none" strike="noStrike">
+                          <a:effectLst/>
+                          <a:cs typeface="B Nazanin" panose="00000400000000000000" pitchFamily="2" charset="-78"/>
+                        </a:rPr>
+                        <a:t>SOFA</a:t>
+                      </a:r>
+                      <a:endParaRPr lang="en-US" sz="2000" b="0" i="0" u="none" strike="noStrike">
+                        <a:solidFill>
+                          <a:srgbClr val="000000"/>
+                        </a:solidFill>
+                        <a:effectLst/>
+                        <a:latin typeface="Calibri" panose="020F0502020204030204" pitchFamily="34" charset="0"/>
+                        <a:cs typeface="B Nazanin" panose="00000400000000000000" pitchFamily="2" charset="-78"/>
+                      </a:endParaRPr>
+                    </a:p>
+                  </a:txBody>
+                  <a:tcPr marL="7620" marR="7620" marT="7620" marB="0" anchor="ctr"/>
+                </a:tc>
+                <a:tc>
+                  <a:txBody>
+                    <a:bodyPr/>
+                    <a:lstStyle/>
+                    <a:p>
+                      <a:pPr algn="ctr" rtl="1" fontAlgn="b"/>
+                      <a:r>
+                        <a:rPr lang="fa-IR" sz="2000" u="none" strike="noStrike">
+                          <a:effectLst/>
+                          <a:cs typeface="B Nazanin" panose="00000400000000000000" pitchFamily="2" charset="-78"/>
+                        </a:rPr>
+                        <a:t>کمی گسسته</a:t>
+                      </a:r>
+                      <a:endParaRPr lang="fa-IR" sz="2000" b="0" i="0" u="none" strike="noStrike">
+                        <a:solidFill>
+                          <a:srgbClr val="000000"/>
+                        </a:solidFill>
+                        <a:effectLst/>
+                        <a:latin typeface="Calibri" panose="020F0502020204030204" pitchFamily="34" charset="0"/>
+                        <a:cs typeface="B Nazanin" panose="00000400000000000000" pitchFamily="2" charset="-78"/>
+                      </a:endParaRPr>
+                    </a:p>
+                  </a:txBody>
+                  <a:tcPr marL="7620" marR="7620" marT="7620" marB="0" anchor="ctr"/>
+                </a:tc>
+                <a:tc>
+                  <a:txBody>
+                    <a:bodyPr/>
+                    <a:lstStyle/>
+                    <a:p>
+                      <a:pPr algn="ctr" rtl="1" fontAlgn="b"/>
+                      <a:r>
+                        <a:rPr lang="fa-IR" sz="2000" u="none" strike="noStrike">
+                          <a:effectLst/>
+                          <a:cs typeface="B Nazanin" panose="00000400000000000000" pitchFamily="2" charset="-78"/>
+                        </a:rPr>
+                        <a:t>مستقل</a:t>
+                      </a:r>
+                      <a:endParaRPr lang="fa-IR" sz="2000" b="0" i="0" u="none" strike="noStrike">
+                        <a:solidFill>
+                          <a:srgbClr val="000000"/>
+                        </a:solidFill>
+                        <a:effectLst/>
+                        <a:latin typeface="Calibri" panose="020F0502020204030204" pitchFamily="34" charset="0"/>
+                        <a:cs typeface="B Nazanin" panose="00000400000000000000" pitchFamily="2" charset="-78"/>
+                      </a:endParaRPr>
+                    </a:p>
+                  </a:txBody>
+                  <a:tcPr marL="7620" marR="7620" marT="7620" marB="0" anchor="ctr"/>
+                </a:tc>
+                <a:extLst>
+                  <a:ext uri="{0D108BD9-81ED-4DB2-BD59-A6C34878D82A}">
+                    <a16:rowId xmlns:a16="http://schemas.microsoft.com/office/drawing/2014/main" val="2185105630"/>
+                  </a:ext>
+                </a:extLst>
+              </a:tr>
+              <a:tr h="355600">
+                <a:tc>
+                  <a:txBody>
+                    <a:bodyPr/>
+                    <a:lstStyle/>
+                    <a:p>
+                      <a:pPr algn="ctr" rtl="1" fontAlgn="b"/>
+                      <a:r>
+                        <a:rPr lang="fa-IR" sz="2000" u="none" strike="noStrike" dirty="0">
+                          <a:effectLst/>
+                          <a:cs typeface="B Nazanin" panose="00000400000000000000" pitchFamily="2" charset="-78"/>
+                        </a:rPr>
+                        <a:t>تعداد </a:t>
+                      </a:r>
+                      <a:r>
+                        <a:rPr lang="en-US" sz="2000" u="none" strike="noStrike" dirty="0">
+                          <a:effectLst/>
+                          <a:cs typeface="B Nazanin" panose="00000400000000000000" pitchFamily="2" charset="-78"/>
+                        </a:rPr>
+                        <a:t>RBC</a:t>
+                      </a:r>
+                      <a:r>
+                        <a:rPr lang="fa-IR" sz="2000" u="none" strike="noStrike" dirty="0">
+                          <a:effectLst/>
+                          <a:cs typeface="B Nazanin" panose="00000400000000000000" pitchFamily="2" charset="-78"/>
+                        </a:rPr>
+                        <a:t> در </a:t>
+                      </a:r>
+                      <a:r>
+                        <a:rPr lang="en-US" sz="2000" u="none" strike="noStrike" dirty="0">
+                          <a:effectLst/>
+                          <a:cs typeface="B Nazanin" panose="00000400000000000000" pitchFamily="2" charset="-78"/>
+                        </a:rPr>
+                        <a:t>ml</a:t>
+                      </a:r>
+                      <a:endParaRPr lang="en-US" sz="2000" b="0" i="0" u="none" strike="noStrike" dirty="0">
+                        <a:solidFill>
+                          <a:srgbClr val="000000"/>
+                        </a:solidFill>
+                        <a:effectLst/>
+                        <a:latin typeface="Calibri" panose="020F0502020204030204" pitchFamily="34" charset="0"/>
+                        <a:cs typeface="B Nazanin" panose="00000400000000000000" pitchFamily="2" charset="-78"/>
+                      </a:endParaRPr>
+                    </a:p>
+                  </a:txBody>
+                  <a:tcPr marL="7620" marR="7620" marT="7620" marB="0" anchor="ctr"/>
+                </a:tc>
+                <a:tc>
+                  <a:txBody>
+                    <a:bodyPr/>
+                    <a:lstStyle/>
+                    <a:p>
+                      <a:pPr algn="ctr" rtl="1" fontAlgn="b"/>
+                      <a:r>
+                        <a:rPr lang="fa-IR" sz="2000" u="none" strike="noStrike">
+                          <a:effectLst/>
+                          <a:cs typeface="B Nazanin" panose="00000400000000000000" pitchFamily="2" charset="-78"/>
+                        </a:rPr>
+                        <a:t>کمی گسسته</a:t>
+                      </a:r>
+                      <a:endParaRPr lang="fa-IR" sz="2000" b="0" i="0" u="none" strike="noStrike">
+                        <a:solidFill>
+                          <a:srgbClr val="000000"/>
+                        </a:solidFill>
+                        <a:effectLst/>
+                        <a:latin typeface="Calibri" panose="020F0502020204030204" pitchFamily="34" charset="0"/>
+                        <a:cs typeface="B Nazanin" panose="00000400000000000000" pitchFamily="2" charset="-78"/>
+                      </a:endParaRPr>
+                    </a:p>
+                  </a:txBody>
+                  <a:tcPr marL="7620" marR="7620" marT="7620" marB="0" anchor="ctr"/>
+                </a:tc>
+                <a:tc>
+                  <a:txBody>
+                    <a:bodyPr/>
+                    <a:lstStyle/>
+                    <a:p>
+                      <a:pPr algn="ctr" rtl="1" fontAlgn="b"/>
+                      <a:r>
+                        <a:rPr lang="fa-IR" sz="2000" u="none" strike="noStrike">
+                          <a:effectLst/>
+                          <a:cs typeface="B Nazanin" panose="00000400000000000000" pitchFamily="2" charset="-78"/>
+                        </a:rPr>
+                        <a:t>مستقل</a:t>
+                      </a:r>
+                      <a:endParaRPr lang="fa-IR" sz="2000" b="0" i="0" u="none" strike="noStrike">
+                        <a:solidFill>
+                          <a:srgbClr val="000000"/>
+                        </a:solidFill>
+                        <a:effectLst/>
+                        <a:latin typeface="Calibri" panose="020F0502020204030204" pitchFamily="34" charset="0"/>
+                        <a:cs typeface="B Nazanin" panose="00000400000000000000" pitchFamily="2" charset="-78"/>
+                      </a:endParaRPr>
+                    </a:p>
+                  </a:txBody>
+                  <a:tcPr marL="7620" marR="7620" marT="7620" marB="0" anchor="ctr"/>
+                </a:tc>
+                <a:extLst>
+                  <a:ext uri="{0D108BD9-81ED-4DB2-BD59-A6C34878D82A}">
+                    <a16:rowId xmlns:a16="http://schemas.microsoft.com/office/drawing/2014/main" val="570677514"/>
+                  </a:ext>
+                </a:extLst>
+              </a:tr>
+              <a:tr h="355600">
+                <a:tc>
+                  <a:txBody>
+                    <a:bodyPr/>
+                    <a:lstStyle/>
+                    <a:p>
+                      <a:pPr algn="ctr" rtl="1" fontAlgn="b"/>
+                      <a:r>
+                        <a:rPr lang="fa-IR" sz="2000" u="none" strike="noStrike" dirty="0">
+                          <a:effectLst/>
+                          <a:cs typeface="B Nazanin" panose="00000400000000000000" pitchFamily="2" charset="-78"/>
+                        </a:rPr>
+                        <a:t>میزان هموگلوبین</a:t>
+                      </a:r>
+                      <a:endParaRPr lang="fa-IR" sz="2000" b="0" i="0" u="none" strike="noStrike" dirty="0">
+                        <a:solidFill>
+                          <a:srgbClr val="000000"/>
+                        </a:solidFill>
+                        <a:effectLst/>
+                        <a:latin typeface="Calibri" panose="020F0502020204030204" pitchFamily="34" charset="0"/>
+                        <a:cs typeface="B Nazanin" panose="00000400000000000000" pitchFamily="2" charset="-78"/>
+                      </a:endParaRPr>
+                    </a:p>
+                  </a:txBody>
+                  <a:tcPr marL="7620" marR="7620" marT="7620" marB="0" anchor="ctr"/>
+                </a:tc>
+                <a:tc>
+                  <a:txBody>
+                    <a:bodyPr/>
+                    <a:lstStyle/>
+                    <a:p>
+                      <a:pPr algn="ctr" rtl="1" fontAlgn="b"/>
+                      <a:r>
+                        <a:rPr lang="fa-IR" sz="2000" u="none" strike="noStrike">
+                          <a:effectLst/>
+                          <a:cs typeface="B Nazanin" panose="00000400000000000000" pitchFamily="2" charset="-78"/>
+                        </a:rPr>
+                        <a:t>کمی پیوسته</a:t>
+                      </a:r>
+                      <a:endParaRPr lang="fa-IR" sz="2000" b="0" i="0" u="none" strike="noStrike">
+                        <a:solidFill>
+                          <a:srgbClr val="000000"/>
+                        </a:solidFill>
+                        <a:effectLst/>
+                        <a:latin typeface="Calibri" panose="020F0502020204030204" pitchFamily="34" charset="0"/>
+                        <a:cs typeface="B Nazanin" panose="00000400000000000000" pitchFamily="2" charset="-78"/>
+                      </a:endParaRPr>
+                    </a:p>
+                  </a:txBody>
+                  <a:tcPr marL="7620" marR="7620" marT="7620" marB="0" anchor="ctr"/>
+                </a:tc>
+                <a:tc>
+                  <a:txBody>
+                    <a:bodyPr/>
+                    <a:lstStyle/>
+                    <a:p>
+                      <a:pPr algn="ctr" rtl="1" fontAlgn="b"/>
+                      <a:r>
+                        <a:rPr lang="fa-IR" sz="2000" u="none" strike="noStrike">
+                          <a:effectLst/>
+                          <a:cs typeface="B Nazanin" panose="00000400000000000000" pitchFamily="2" charset="-78"/>
+                        </a:rPr>
+                        <a:t>مستقل</a:t>
+                      </a:r>
+                      <a:endParaRPr lang="fa-IR" sz="2000" b="0" i="0" u="none" strike="noStrike">
+                        <a:solidFill>
+                          <a:srgbClr val="000000"/>
+                        </a:solidFill>
+                        <a:effectLst/>
+                        <a:latin typeface="Calibri" panose="020F0502020204030204" pitchFamily="34" charset="0"/>
+                        <a:cs typeface="B Nazanin" panose="00000400000000000000" pitchFamily="2" charset="-78"/>
+                      </a:endParaRPr>
+                    </a:p>
+                  </a:txBody>
+                  <a:tcPr marL="7620" marR="7620" marT="7620" marB="0" anchor="ctr"/>
+                </a:tc>
+                <a:extLst>
+                  <a:ext uri="{0D108BD9-81ED-4DB2-BD59-A6C34878D82A}">
+                    <a16:rowId xmlns:a16="http://schemas.microsoft.com/office/drawing/2014/main" val="2877746396"/>
+                  </a:ext>
+                </a:extLst>
+              </a:tr>
+              <a:tr h="355600">
+                <a:tc>
+                  <a:txBody>
+                    <a:bodyPr/>
+                    <a:lstStyle/>
+                    <a:p>
+                      <a:pPr algn="ctr" rtl="1" fontAlgn="b"/>
+                      <a:r>
+                        <a:rPr lang="fa-IR" sz="2000" u="none" strike="noStrike">
+                          <a:effectLst/>
+                          <a:cs typeface="B Nazanin" panose="00000400000000000000" pitchFamily="2" charset="-78"/>
+                        </a:rPr>
+                        <a:t>سطح آهن سرم</a:t>
+                      </a:r>
+                      <a:endParaRPr lang="fa-IR" sz="2000" b="0" i="0" u="none" strike="noStrike">
+                        <a:solidFill>
+                          <a:srgbClr val="000000"/>
+                        </a:solidFill>
+                        <a:effectLst/>
+                        <a:latin typeface="Calibri" panose="020F0502020204030204" pitchFamily="34" charset="0"/>
+                        <a:cs typeface="B Nazanin" panose="00000400000000000000" pitchFamily="2" charset="-78"/>
+                      </a:endParaRPr>
+                    </a:p>
+                  </a:txBody>
+                  <a:tcPr marL="7620" marR="7620" marT="7620" marB="0" anchor="ctr"/>
+                </a:tc>
+                <a:tc>
+                  <a:txBody>
+                    <a:bodyPr/>
+                    <a:lstStyle/>
+                    <a:p>
+                      <a:pPr algn="ctr" rtl="1" fontAlgn="b"/>
+                      <a:r>
+                        <a:rPr lang="fa-IR" sz="2000" u="none" strike="noStrike">
+                          <a:effectLst/>
+                          <a:cs typeface="B Nazanin" panose="00000400000000000000" pitchFamily="2" charset="-78"/>
+                        </a:rPr>
+                        <a:t>کمی پیوسته</a:t>
+                      </a:r>
+                      <a:endParaRPr lang="fa-IR" sz="2000" b="0" i="0" u="none" strike="noStrike">
+                        <a:solidFill>
+                          <a:srgbClr val="000000"/>
+                        </a:solidFill>
+                        <a:effectLst/>
+                        <a:latin typeface="Calibri" panose="020F0502020204030204" pitchFamily="34" charset="0"/>
+                        <a:cs typeface="B Nazanin" panose="00000400000000000000" pitchFamily="2" charset="-78"/>
+                      </a:endParaRPr>
+                    </a:p>
+                  </a:txBody>
+                  <a:tcPr marL="7620" marR="7620" marT="7620" marB="0" anchor="ctr"/>
+                </a:tc>
+                <a:tc>
+                  <a:txBody>
+                    <a:bodyPr/>
+                    <a:lstStyle/>
+                    <a:p>
+                      <a:pPr algn="ctr" rtl="1" fontAlgn="b"/>
+                      <a:r>
+                        <a:rPr lang="fa-IR" sz="2000" u="none" strike="noStrike">
+                          <a:effectLst/>
+                          <a:cs typeface="B Nazanin" panose="00000400000000000000" pitchFamily="2" charset="-78"/>
+                        </a:rPr>
+                        <a:t>مستقل</a:t>
+                      </a:r>
+                      <a:endParaRPr lang="fa-IR" sz="2000" b="0" i="0" u="none" strike="noStrike">
+                        <a:solidFill>
+                          <a:srgbClr val="000000"/>
+                        </a:solidFill>
+                        <a:effectLst/>
+                        <a:latin typeface="Calibri" panose="020F0502020204030204" pitchFamily="34" charset="0"/>
+                        <a:cs typeface="B Nazanin" panose="00000400000000000000" pitchFamily="2" charset="-78"/>
+                      </a:endParaRPr>
+                    </a:p>
+                  </a:txBody>
+                  <a:tcPr marL="7620" marR="7620" marT="7620" marB="0" anchor="ctr"/>
+                </a:tc>
+                <a:extLst>
+                  <a:ext uri="{0D108BD9-81ED-4DB2-BD59-A6C34878D82A}">
+                    <a16:rowId xmlns:a16="http://schemas.microsoft.com/office/drawing/2014/main" val="1559062091"/>
+                  </a:ext>
+                </a:extLst>
+              </a:tr>
+              <a:tr h="355600">
+                <a:tc>
+                  <a:txBody>
+                    <a:bodyPr/>
+                    <a:lstStyle/>
+                    <a:p>
+                      <a:pPr algn="ctr" rtl="1" fontAlgn="b"/>
+                      <a:r>
+                        <a:rPr lang="fa-IR" sz="2000" u="none" strike="noStrike">
+                          <a:effectLst/>
+                          <a:cs typeface="B Nazanin" panose="00000400000000000000" pitchFamily="2" charset="-78"/>
+                        </a:rPr>
+                        <a:t>غلظت اریتروپوئتین سرم</a:t>
+                      </a:r>
+                      <a:endParaRPr lang="fa-IR" sz="2000" b="0" i="0" u="none" strike="noStrike">
+                        <a:solidFill>
+                          <a:srgbClr val="000000"/>
+                        </a:solidFill>
+                        <a:effectLst/>
+                        <a:latin typeface="Calibri" panose="020F0502020204030204" pitchFamily="34" charset="0"/>
+                        <a:cs typeface="B Nazanin" panose="00000400000000000000" pitchFamily="2" charset="-78"/>
+                      </a:endParaRPr>
+                    </a:p>
+                  </a:txBody>
+                  <a:tcPr marL="7620" marR="7620" marT="7620" marB="0" anchor="ctr"/>
+                </a:tc>
+                <a:tc>
+                  <a:txBody>
+                    <a:bodyPr/>
+                    <a:lstStyle/>
+                    <a:p>
+                      <a:pPr algn="ctr" rtl="1" fontAlgn="b"/>
+                      <a:r>
+                        <a:rPr lang="fa-IR" sz="2000" u="none" strike="noStrike">
+                          <a:effectLst/>
+                          <a:cs typeface="B Nazanin" panose="00000400000000000000" pitchFamily="2" charset="-78"/>
+                        </a:rPr>
+                        <a:t>کمی پیوسته</a:t>
+                      </a:r>
+                      <a:endParaRPr lang="fa-IR" sz="2000" b="0" i="0" u="none" strike="noStrike">
+                        <a:solidFill>
+                          <a:srgbClr val="000000"/>
+                        </a:solidFill>
+                        <a:effectLst/>
+                        <a:latin typeface="Calibri" panose="020F0502020204030204" pitchFamily="34" charset="0"/>
+                        <a:cs typeface="B Nazanin" panose="00000400000000000000" pitchFamily="2" charset="-78"/>
+                      </a:endParaRPr>
+                    </a:p>
+                  </a:txBody>
+                  <a:tcPr marL="7620" marR="7620" marT="7620" marB="0" anchor="ctr"/>
+                </a:tc>
+                <a:tc>
+                  <a:txBody>
+                    <a:bodyPr/>
+                    <a:lstStyle/>
+                    <a:p>
+                      <a:pPr algn="ctr" rtl="1" fontAlgn="b"/>
+                      <a:r>
+                        <a:rPr lang="fa-IR" sz="2000" u="none" strike="noStrike" dirty="0">
+                          <a:effectLst/>
+                          <a:cs typeface="B Nazanin" panose="00000400000000000000" pitchFamily="2" charset="-78"/>
+                        </a:rPr>
+                        <a:t>وابسته</a:t>
+                      </a:r>
+                      <a:endParaRPr lang="fa-IR" sz="2000" b="0" i="0" u="none" strike="noStrike" dirty="0">
+                        <a:solidFill>
+                          <a:srgbClr val="000000"/>
+                        </a:solidFill>
+                        <a:effectLst/>
+                        <a:latin typeface="Calibri" panose="020F0502020204030204" pitchFamily="34" charset="0"/>
+                        <a:cs typeface="B Nazanin" panose="00000400000000000000" pitchFamily="2" charset="-78"/>
+                      </a:endParaRPr>
+                    </a:p>
+                  </a:txBody>
+                  <a:tcPr marL="7620" marR="7620" marT="7620" marB="0" anchor="ctr"/>
+                </a:tc>
+                <a:extLst>
+                  <a:ext uri="{0D108BD9-81ED-4DB2-BD59-A6C34878D82A}">
+                    <a16:rowId xmlns:a16="http://schemas.microsoft.com/office/drawing/2014/main" val="2233157512"/>
+                  </a:ext>
+                </a:extLst>
+              </a:tr>
+            </a:tbl>
+          </a:graphicData>
+        </a:graphic>
+      </p:graphicFrame>
     </p:spTree>
     <p:extLst>
       <p:ext uri="{BB962C8B-B14F-4D97-AF65-F5344CB8AC3E}">
-        <p14:creationId xmlns:p14="http://schemas.microsoft.com/office/powerpoint/2010/main" val="1329069704"/>
+        <p14:creationId xmlns:p14="http://schemas.microsoft.com/office/powerpoint/2010/main" val="3742746910"/>
       </p:ext>
     </p:extLst>
   </p:cSld>
@@ -7223,7 +8440,7 @@
 </p:sld>
 </file>
 
-<file path=ppt/slides/slide14.xml><?xml version="1.0" encoding="utf-8"?>
+<file path=ppt/slides/slide15.xml><?xml version="1.0" encoding="utf-8"?>
 <p:sld xmlns:a="http://schemas.openxmlformats.org/drawingml/2006/main" xmlns:r="http://schemas.openxmlformats.org/officeDocument/2006/relationships" xmlns:p="http://schemas.openxmlformats.org/presentationml/2006/main">
   <p:cSld>
     <p:spTree>
@@ -7312,229 +8529,6 @@
 </p:sld>
 </file>
 
-<file path=ppt/slides/slide15.xml><?xml version="1.0" encoding="utf-8"?>
-<p:sld xmlns:a="http://schemas.openxmlformats.org/drawingml/2006/main" xmlns:r="http://schemas.openxmlformats.org/officeDocument/2006/relationships" xmlns:p="http://schemas.openxmlformats.org/presentationml/2006/main">
-  <p:cSld>
-    <p:spTree>
-      <p:nvGrpSpPr>
-        <p:cNvPr id="1" name=""/>
-        <p:cNvGrpSpPr/>
-        <p:nvPr/>
-      </p:nvGrpSpPr>
-      <p:grpSpPr>
-        <a:xfrm>
-          <a:off x="0" y="0"/>
-          <a:ext cx="0" cy="0"/>
-          <a:chOff x="0" y="0"/>
-          <a:chExt cx="0" cy="0"/>
-        </a:xfrm>
-      </p:grpSpPr>
-      <p:sp>
-        <p:nvSpPr>
-          <p:cNvPr id="2" name="Title 1">
-            <a:extLst>
-              <a:ext uri="{FF2B5EF4-FFF2-40B4-BE49-F238E27FC236}">
-                <a16:creationId xmlns:a16="http://schemas.microsoft.com/office/drawing/2014/main" id="{8DE660B3-21CF-C5BF-DE75-9C4E66A58226}"/>
-              </a:ext>
-            </a:extLst>
-          </p:cNvPr>
-          <p:cNvSpPr>
-            <a:spLocks noGrp="1"/>
-          </p:cNvSpPr>
-          <p:nvPr>
-            <p:ph type="title"/>
-          </p:nvPr>
-        </p:nvSpPr>
-        <p:spPr/>
-        <p:txBody>
-          <a:bodyPr/>
-          <a:lstStyle/>
-          <a:p>
-            <a:r>
-              <a:rPr lang="fa-IR" dirty="0"/>
-              <a:t>تحلیل فارماکوکینتیک</a:t>
-            </a:r>
-            <a:endParaRPr lang="en-US" dirty="0"/>
-          </a:p>
-        </p:txBody>
-      </p:sp>
-      <p:sp>
-        <p:nvSpPr>
-          <p:cNvPr id="3" name="Content Placeholder 2">
-            <a:extLst>
-              <a:ext uri="{FF2B5EF4-FFF2-40B4-BE49-F238E27FC236}">
-                <a16:creationId xmlns:a16="http://schemas.microsoft.com/office/drawing/2014/main" id="{90E25786-ED40-3D64-5C62-6DCCBAAD5B47}"/>
-              </a:ext>
-            </a:extLst>
-          </p:cNvPr>
-          <p:cNvSpPr>
-            <a:spLocks noGrp="1"/>
-          </p:cNvSpPr>
-          <p:nvPr>
-            <p:ph idx="1"/>
-          </p:nvPr>
-        </p:nvSpPr>
-        <p:spPr/>
-        <p:txBody>
-          <a:bodyPr/>
-          <a:lstStyle/>
-          <a:p>
-            <a:pPr>
-              <a:lnSpc>
-                <a:spcPct val="100000"/>
-              </a:lnSpc>
-            </a:pPr>
-            <a:r>
-              <a:rPr lang="fa-IR" dirty="0" err="1"/>
-              <a:t>داده‌ها</a:t>
-            </a:r>
-            <a:r>
-              <a:rPr lang="fa-IR" dirty="0"/>
-              <a:t> با استفاده از </a:t>
-            </a:r>
-            <a:r>
-              <a:rPr lang="fa-IR" dirty="0" err="1"/>
-              <a:t>نرم‌افزار</a:t>
-            </a:r>
-            <a:r>
-              <a:rPr lang="fa-IR" dirty="0"/>
-              <a:t> </a:t>
-            </a:r>
-            <a:r>
-              <a:rPr lang="en-US" dirty="0" err="1"/>
-              <a:t>Monolix</a:t>
-            </a:r>
-            <a:r>
-              <a:rPr lang="fa-IR" dirty="0"/>
-              <a:t> تحلیل شدند.</a:t>
-            </a:r>
-          </a:p>
-          <a:p>
-            <a:pPr>
-              <a:lnSpc>
-                <a:spcPct val="100000"/>
-              </a:lnSpc>
-            </a:pPr>
-            <a:r>
-              <a:rPr lang="fa-IR" dirty="0"/>
-              <a:t>ابتدا مدل </a:t>
-            </a:r>
-            <a:r>
-              <a:rPr lang="fa-IR" dirty="0" err="1"/>
-              <a:t>تک‌کمپارتمانه</a:t>
-            </a:r>
-            <a:r>
-              <a:rPr lang="fa-IR" dirty="0"/>
-              <a:t> برای بررسی </a:t>
-            </a:r>
-            <a:r>
-              <a:rPr lang="fa-IR" dirty="0" err="1"/>
-              <a:t>داده‌ها</a:t>
-            </a:r>
-            <a:r>
-              <a:rPr lang="fa-IR" dirty="0"/>
-              <a:t> استفاده شد.</a:t>
-            </a:r>
-          </a:p>
-          <a:p>
-            <a:pPr>
-              <a:lnSpc>
-                <a:spcPct val="100000"/>
-              </a:lnSpc>
-            </a:pPr>
-            <a:r>
-              <a:rPr lang="fa-IR" dirty="0"/>
-              <a:t>مدل با در نظر گرفتن غلظت پایه دارو و نرخ </a:t>
-            </a:r>
-            <a:r>
-              <a:rPr lang="fa-IR" dirty="0" err="1"/>
-              <a:t>فیلتراسیون</a:t>
-            </a:r>
-            <a:r>
-              <a:rPr lang="fa-IR" dirty="0"/>
-              <a:t> </a:t>
-            </a:r>
-            <a:r>
-              <a:rPr lang="fa-IR" dirty="0" err="1"/>
-              <a:t>گلومرولی</a:t>
-            </a:r>
-            <a:r>
-              <a:rPr lang="fa-IR" dirty="0"/>
-              <a:t> (</a:t>
-            </a:r>
-            <a:r>
-              <a:rPr lang="en-US" dirty="0"/>
-              <a:t>GFR</a:t>
-            </a:r>
-            <a:r>
-              <a:rPr lang="fa-IR" dirty="0"/>
-              <a:t>) اصلاح شد.</a:t>
-            </a:r>
-            <a:endParaRPr lang="en-US" dirty="0"/>
-          </a:p>
-          <a:p>
-            <a:pPr>
-              <a:lnSpc>
-                <a:spcPct val="100000"/>
-              </a:lnSpc>
-            </a:pPr>
-            <a:r>
-              <a:rPr lang="fa-IR" dirty="0" err="1"/>
-              <a:t>مدل‌های</a:t>
-            </a:r>
-            <a:r>
-              <a:rPr lang="fa-IR" dirty="0"/>
-              <a:t> </a:t>
-            </a:r>
-            <a:r>
-              <a:rPr lang="fa-IR" dirty="0" err="1"/>
-              <a:t>یک‌کمپارتمانه</a:t>
-            </a:r>
-            <a:r>
-              <a:rPr lang="fa-IR" dirty="0"/>
-              <a:t>، </a:t>
-            </a:r>
-            <a:r>
-              <a:rPr lang="fa-IR" dirty="0" err="1"/>
-              <a:t>دو‌کمپارتمانه</a:t>
-            </a:r>
-            <a:r>
-              <a:rPr lang="fa-IR" dirty="0"/>
-              <a:t> و </a:t>
-            </a:r>
-            <a:r>
-              <a:rPr lang="fa-IR" dirty="0" err="1"/>
-              <a:t>سه‌کمپارتمانه</a:t>
-            </a:r>
-            <a:r>
-              <a:rPr lang="fa-IR" dirty="0"/>
-              <a:t> مقایسه شدند تا </a:t>
-            </a:r>
-            <a:r>
-              <a:rPr lang="fa-IR" dirty="0" err="1"/>
-              <a:t>مناسب‌ترین</a:t>
-            </a:r>
-            <a:r>
-              <a:rPr lang="fa-IR" dirty="0"/>
-              <a:t> مدل انتخاب شود.</a:t>
-            </a:r>
-            <a:endParaRPr lang="en-US" dirty="0"/>
-          </a:p>
-        </p:txBody>
-      </p:sp>
-    </p:spTree>
-    <p:extLst>
-      <p:ext uri="{BB962C8B-B14F-4D97-AF65-F5344CB8AC3E}">
-        <p14:creationId xmlns:p14="http://schemas.microsoft.com/office/powerpoint/2010/main" val="191647200"/>
-      </p:ext>
-    </p:extLst>
-  </p:cSld>
-  <p:clrMapOvr>
-    <a:masterClrMapping/>
-  </p:clrMapOvr>
-</p:sld>
-</file>
-
 <file path=ppt/slides/slide16.xml><?xml version="1.0" encoding="utf-8"?>
 <p:sld xmlns:a="http://schemas.openxmlformats.org/drawingml/2006/main" xmlns:r="http://schemas.openxmlformats.org/officeDocument/2006/relationships" xmlns:p="http://schemas.openxmlformats.org/presentationml/2006/main">
   <p:cSld>
@@ -7557,6 +8551,201 @@
           <p:cNvPr id="2" name="Title 1">
             <a:extLst>
               <a:ext uri="{FF2B5EF4-FFF2-40B4-BE49-F238E27FC236}">
+                <a16:creationId xmlns:a16="http://schemas.microsoft.com/office/drawing/2014/main" id="{8DE660B3-21CF-C5BF-DE75-9C4E66A58226}"/>
+              </a:ext>
+            </a:extLst>
+          </p:cNvPr>
+          <p:cNvSpPr>
+            <a:spLocks noGrp="1"/>
+          </p:cNvSpPr>
+          <p:nvPr>
+            <p:ph type="title"/>
+          </p:nvPr>
+        </p:nvSpPr>
+        <p:spPr/>
+        <p:txBody>
+          <a:bodyPr/>
+          <a:lstStyle/>
+          <a:p>
+            <a:r>
+              <a:rPr lang="fa-IR" dirty="0"/>
+              <a:t>تحلیل فارماکوکینتیک</a:t>
+            </a:r>
+            <a:endParaRPr lang="en-US" dirty="0"/>
+          </a:p>
+        </p:txBody>
+      </p:sp>
+      <p:sp>
+        <p:nvSpPr>
+          <p:cNvPr id="3" name="Content Placeholder 2">
+            <a:extLst>
+              <a:ext uri="{FF2B5EF4-FFF2-40B4-BE49-F238E27FC236}">
+                <a16:creationId xmlns:a16="http://schemas.microsoft.com/office/drawing/2014/main" id="{90E25786-ED40-3D64-5C62-6DCCBAAD5B47}"/>
+              </a:ext>
+            </a:extLst>
+          </p:cNvPr>
+          <p:cNvSpPr>
+            <a:spLocks noGrp="1"/>
+          </p:cNvSpPr>
+          <p:nvPr>
+            <p:ph idx="1"/>
+          </p:nvPr>
+        </p:nvSpPr>
+        <p:spPr/>
+        <p:txBody>
+          <a:bodyPr/>
+          <a:lstStyle/>
+          <a:p>
+            <a:pPr>
+              <a:lnSpc>
+                <a:spcPct val="100000"/>
+              </a:lnSpc>
+            </a:pPr>
+            <a:r>
+              <a:rPr lang="fa-IR" dirty="0" err="1"/>
+              <a:t>داده‌ها</a:t>
+            </a:r>
+            <a:r>
+              <a:rPr lang="fa-IR" dirty="0"/>
+              <a:t> با استفاده از </a:t>
+            </a:r>
+            <a:r>
+              <a:rPr lang="fa-IR" dirty="0" err="1"/>
+              <a:t>نرم‌افزار</a:t>
+            </a:r>
+            <a:r>
+              <a:rPr lang="fa-IR" dirty="0"/>
+              <a:t> </a:t>
+            </a:r>
+            <a:r>
+              <a:rPr lang="en-US" dirty="0" err="1"/>
+              <a:t>Monolix</a:t>
+            </a:r>
+            <a:r>
+              <a:rPr lang="fa-IR" dirty="0"/>
+              <a:t> تحلیل شدند.</a:t>
+            </a:r>
+          </a:p>
+          <a:p>
+            <a:pPr>
+              <a:lnSpc>
+                <a:spcPct val="100000"/>
+              </a:lnSpc>
+            </a:pPr>
+            <a:r>
+              <a:rPr lang="fa-IR" dirty="0"/>
+              <a:t>ابتدا مدل </a:t>
+            </a:r>
+            <a:r>
+              <a:rPr lang="fa-IR" dirty="0" err="1"/>
+              <a:t>تک‌کمپارتمانه</a:t>
+            </a:r>
+            <a:r>
+              <a:rPr lang="fa-IR" dirty="0"/>
+              <a:t> برای بررسی </a:t>
+            </a:r>
+            <a:r>
+              <a:rPr lang="fa-IR" dirty="0" err="1"/>
+              <a:t>داده‌ها</a:t>
+            </a:r>
+            <a:r>
+              <a:rPr lang="fa-IR" dirty="0"/>
+              <a:t> استفاده شد.</a:t>
+            </a:r>
+          </a:p>
+          <a:p>
+            <a:pPr>
+              <a:lnSpc>
+                <a:spcPct val="100000"/>
+              </a:lnSpc>
+            </a:pPr>
+            <a:r>
+              <a:rPr lang="fa-IR" dirty="0"/>
+              <a:t>مدل با در نظر گرفتن غلظت پایه دارو و نرخ </a:t>
+            </a:r>
+            <a:r>
+              <a:rPr lang="fa-IR" dirty="0" err="1"/>
+              <a:t>فیلتراسیون</a:t>
+            </a:r>
+            <a:r>
+              <a:rPr lang="fa-IR" dirty="0"/>
+              <a:t> </a:t>
+            </a:r>
+            <a:r>
+              <a:rPr lang="fa-IR" dirty="0" err="1"/>
+              <a:t>گلومرولی</a:t>
+            </a:r>
+            <a:r>
+              <a:rPr lang="fa-IR" dirty="0"/>
+              <a:t> (</a:t>
+            </a:r>
+            <a:r>
+              <a:rPr lang="en-US" dirty="0"/>
+              <a:t>GFR</a:t>
+            </a:r>
+            <a:r>
+              <a:rPr lang="fa-IR" dirty="0"/>
+              <a:t>) اصلاح شد.</a:t>
+            </a:r>
+            <a:endParaRPr lang="en-US" dirty="0"/>
+          </a:p>
+          <a:p>
+            <a:pPr>
+              <a:lnSpc>
+                <a:spcPct val="100000"/>
+              </a:lnSpc>
+            </a:pPr>
+            <a:r>
+              <a:rPr lang="fa-IR" dirty="0"/>
+              <a:t>مدل‌های یک‌کمپارتمانه، دو‌کمپارتمانه و سه‌کمپارتمانه مقایسه شدند تا مناسب‌ترین مدل انتخاب شود. </a:t>
+            </a:r>
+          </a:p>
+          <a:p>
+            <a:pPr marL="0" indent="0">
+              <a:lnSpc>
+                <a:spcPct val="100000"/>
+              </a:lnSpc>
+              <a:buNone/>
+            </a:pPr>
+            <a:endParaRPr lang="en-US" dirty="0"/>
+          </a:p>
+        </p:txBody>
+      </p:sp>
+    </p:spTree>
+    <p:extLst>
+      <p:ext uri="{BB962C8B-B14F-4D97-AF65-F5344CB8AC3E}">
+        <p14:creationId xmlns:p14="http://schemas.microsoft.com/office/powerpoint/2010/main" val="191647200"/>
+      </p:ext>
+    </p:extLst>
+  </p:cSld>
+  <p:clrMapOvr>
+    <a:masterClrMapping/>
+  </p:clrMapOvr>
+</p:sld>
+</file>
+
+<file path=ppt/slides/slide17.xml><?xml version="1.0" encoding="utf-8"?>
+<p:sld xmlns:a="http://schemas.openxmlformats.org/drawingml/2006/main" xmlns:r="http://schemas.openxmlformats.org/officeDocument/2006/relationships" xmlns:p="http://schemas.openxmlformats.org/presentationml/2006/main">
+  <p:cSld>
+    <p:spTree>
+      <p:nvGrpSpPr>
+        <p:cNvPr id="1" name=""/>
+        <p:cNvGrpSpPr/>
+        <p:nvPr/>
+      </p:nvGrpSpPr>
+      <p:grpSpPr>
+        <a:xfrm>
+          <a:off x="0" y="0"/>
+          <a:ext cx="0" cy="0"/>
+          <a:chOff x="0" y="0"/>
+          <a:chExt cx="0" cy="0"/>
+        </a:xfrm>
+      </p:grpSpPr>
+      <p:sp>
+        <p:nvSpPr>
+          <p:cNvPr id="2" name="Title 1">
+            <a:extLst>
+              <a:ext uri="{FF2B5EF4-FFF2-40B4-BE49-F238E27FC236}">
                 <a16:creationId xmlns:a16="http://schemas.microsoft.com/office/drawing/2014/main" id="{4BC1F650-F988-3CA6-AAA8-442019423B94}"/>
               </a:ext>
             </a:extLst>
@@ -7706,7 +8895,7 @@
 </p:sld>
 </file>
 
-<file path=ppt/slides/slide17.xml><?xml version="1.0" encoding="utf-8"?>
+<file path=ppt/slides/slide18.xml><?xml version="1.0" encoding="utf-8"?>
 <p:sld xmlns:a="http://schemas.openxmlformats.org/drawingml/2006/main" xmlns:r="http://schemas.openxmlformats.org/officeDocument/2006/relationships" xmlns:p="http://schemas.openxmlformats.org/presentationml/2006/main">
   <p:cSld>
     <p:spTree>
@@ -7794,7 +8983,7 @@
 </p:sld>
 </file>
 
-<file path=ppt/slides/slide18.xml><?xml version="1.0" encoding="utf-8"?>
+<file path=ppt/slides/slide19.xml><?xml version="1.0" encoding="utf-8"?>
 <p:sld xmlns:a="http://schemas.openxmlformats.org/drawingml/2006/main" xmlns:r="http://schemas.openxmlformats.org/officeDocument/2006/relationships" xmlns:p="http://schemas.openxmlformats.org/presentationml/2006/main">
   <p:cSld>
     <p:spTree>
@@ -7898,95 +9087,6 @@
     <p:extLst>
       <p:ext uri="{BB962C8B-B14F-4D97-AF65-F5344CB8AC3E}">
         <p14:creationId xmlns:p14="http://schemas.microsoft.com/office/powerpoint/2010/main" val="3102789641"/>
-      </p:ext>
-    </p:extLst>
-  </p:cSld>
-  <p:clrMapOvr>
-    <a:masterClrMapping/>
-  </p:clrMapOvr>
-</p:sld>
-</file>
-
-<file path=ppt/slides/slide19.xml><?xml version="1.0" encoding="utf-8"?>
-<p:sld xmlns:a="http://schemas.openxmlformats.org/drawingml/2006/main" xmlns:r="http://schemas.openxmlformats.org/officeDocument/2006/relationships" xmlns:p="http://schemas.openxmlformats.org/presentationml/2006/main">
-  <p:cSld>
-    <p:spTree>
-      <p:nvGrpSpPr>
-        <p:cNvPr id="1" name=""/>
-        <p:cNvGrpSpPr/>
-        <p:nvPr/>
-      </p:nvGrpSpPr>
-      <p:grpSpPr>
-        <a:xfrm>
-          <a:off x="0" y="0"/>
-          <a:ext cx="0" cy="0"/>
-          <a:chOff x="0" y="0"/>
-          <a:chExt cx="0" cy="0"/>
-        </a:xfrm>
-      </p:grpSpPr>
-      <p:sp>
-        <p:nvSpPr>
-          <p:cNvPr id="2" name="Title 1">
-            <a:extLst>
-              <a:ext uri="{FF2B5EF4-FFF2-40B4-BE49-F238E27FC236}">
-                <a16:creationId xmlns:a16="http://schemas.microsoft.com/office/drawing/2014/main" id="{6EC70FBE-93B0-C94A-D730-C957817BB84E}"/>
-              </a:ext>
-            </a:extLst>
-          </p:cNvPr>
-          <p:cNvSpPr>
-            <a:spLocks noGrp="1"/>
-          </p:cNvSpPr>
-          <p:nvPr>
-            <p:ph type="title"/>
-          </p:nvPr>
-        </p:nvSpPr>
-        <p:spPr/>
-        <p:txBody>
-          <a:bodyPr/>
-          <a:lstStyle/>
-          <a:p>
-            <a:r>
-              <a:rPr lang="fa-IR" dirty="0"/>
-              <a:t>مقایسه معیارهای خطا در مدل سازی های مختلف</a:t>
-            </a:r>
-            <a:endParaRPr lang="en-US" dirty="0"/>
-          </a:p>
-        </p:txBody>
-      </p:sp>
-      <p:pic>
-        <p:nvPicPr>
-          <p:cNvPr id="5" name="Picture 4">
-            <a:extLst>
-              <a:ext uri="{FF2B5EF4-FFF2-40B4-BE49-F238E27FC236}">
-                <a16:creationId xmlns:a16="http://schemas.microsoft.com/office/drawing/2014/main" id="{3DCFEDF7-773E-B35B-F159-636EE8C7526C}"/>
-              </a:ext>
-            </a:extLst>
-          </p:cNvPr>
-          <p:cNvPicPr>
-            <a:picLocks noChangeAspect="1"/>
-          </p:cNvPicPr>
-          <p:nvPr/>
-        </p:nvPicPr>
-        <p:blipFill>
-          <a:blip r:embed="rId2"/>
-          <a:stretch>
-            <a:fillRect/>
-          </a:stretch>
-        </p:blipFill>
-        <p:spPr>
-          <a:xfrm>
-            <a:off x="2100262" y="1624934"/>
-            <a:ext cx="7991475" cy="4886325"/>
-          </a:xfrm>
-          <a:prstGeom prst="rect">
-            <a:avLst/>
-          </a:prstGeom>
-        </p:spPr>
-      </p:pic>
-    </p:spTree>
-    <p:extLst>
-      <p:ext uri="{BB962C8B-B14F-4D97-AF65-F5344CB8AC3E}">
-        <p14:creationId xmlns:p14="http://schemas.microsoft.com/office/powerpoint/2010/main" val="3213279168"/>
       </p:ext>
     </p:extLst>
   </p:cSld>
@@ -8626,6 +9726,95 @@
           <a:chExt cx="0" cy="0"/>
         </a:xfrm>
       </p:grpSpPr>
+      <p:sp>
+        <p:nvSpPr>
+          <p:cNvPr id="2" name="Title 1">
+            <a:extLst>
+              <a:ext uri="{FF2B5EF4-FFF2-40B4-BE49-F238E27FC236}">
+                <a16:creationId xmlns:a16="http://schemas.microsoft.com/office/drawing/2014/main" id="{6EC70FBE-93B0-C94A-D730-C957817BB84E}"/>
+              </a:ext>
+            </a:extLst>
+          </p:cNvPr>
+          <p:cNvSpPr>
+            <a:spLocks noGrp="1"/>
+          </p:cNvSpPr>
+          <p:nvPr>
+            <p:ph type="title"/>
+          </p:nvPr>
+        </p:nvSpPr>
+        <p:spPr/>
+        <p:txBody>
+          <a:bodyPr/>
+          <a:lstStyle/>
+          <a:p>
+            <a:r>
+              <a:rPr lang="fa-IR" dirty="0"/>
+              <a:t>مقایسه معیارهای خطا در مدل سازی های مختلف</a:t>
+            </a:r>
+            <a:endParaRPr lang="en-US" dirty="0"/>
+          </a:p>
+        </p:txBody>
+      </p:sp>
+      <p:pic>
+        <p:nvPicPr>
+          <p:cNvPr id="4" name="Picture 3">
+            <a:extLst>
+              <a:ext uri="{FF2B5EF4-FFF2-40B4-BE49-F238E27FC236}">
+                <a16:creationId xmlns:a16="http://schemas.microsoft.com/office/drawing/2014/main" id="{760D6A81-E97B-9251-C8F1-B6022B3EDF72}"/>
+              </a:ext>
+            </a:extLst>
+          </p:cNvPr>
+          <p:cNvPicPr>
+            <a:picLocks noChangeAspect="1"/>
+          </p:cNvPicPr>
+          <p:nvPr/>
+        </p:nvPicPr>
+        <p:blipFill>
+          <a:blip r:embed="rId2"/>
+          <a:stretch>
+            <a:fillRect/>
+          </a:stretch>
+        </p:blipFill>
+        <p:spPr>
+          <a:xfrm>
+            <a:off x="2105025" y="1651820"/>
+            <a:ext cx="7981950" cy="5029200"/>
+          </a:xfrm>
+          <a:prstGeom prst="rect">
+            <a:avLst/>
+          </a:prstGeom>
+        </p:spPr>
+      </p:pic>
+    </p:spTree>
+    <p:extLst>
+      <p:ext uri="{BB962C8B-B14F-4D97-AF65-F5344CB8AC3E}">
+        <p14:creationId xmlns:p14="http://schemas.microsoft.com/office/powerpoint/2010/main" val="4037048009"/>
+      </p:ext>
+    </p:extLst>
+  </p:cSld>
+  <p:clrMapOvr>
+    <a:masterClrMapping/>
+  </p:clrMapOvr>
+</p:sld>
+</file>
+
+<file path=ppt/slides/slide21.xml><?xml version="1.0" encoding="utf-8"?>
+<p:sld xmlns:a="http://schemas.openxmlformats.org/drawingml/2006/main" xmlns:r="http://schemas.openxmlformats.org/officeDocument/2006/relationships" xmlns:p="http://schemas.openxmlformats.org/presentationml/2006/main">
+  <p:cSld>
+    <p:spTree>
+      <p:nvGrpSpPr>
+        <p:cNvPr id="1" name=""/>
+        <p:cNvGrpSpPr/>
+        <p:nvPr/>
+      </p:nvGrpSpPr>
+      <p:grpSpPr>
+        <a:xfrm>
+          <a:off x="0" y="0"/>
+          <a:ext cx="0" cy="0"/>
+          <a:chOff x="0" y="0"/>
+          <a:chExt cx="0" cy="0"/>
+        </a:xfrm>
+      </p:grpSpPr>
       <p:grpSp>
         <p:nvGrpSpPr>
           <p:cNvPr id="7" name="Group 6">
@@ -8635,15 +9824,17 @@
               </a:ext>
             </a:extLst>
           </p:cNvPr>
-          <p:cNvGrpSpPr/>
+          <p:cNvGrpSpPr>
+            <a:grpSpLocks noChangeAspect="1"/>
+          </p:cNvGrpSpPr>
           <p:nvPr/>
         </p:nvGrpSpPr>
         <p:grpSpPr>
           <a:xfrm>
-            <a:off x="5562639" y="-658762"/>
-            <a:ext cx="6745975" cy="15421896"/>
+            <a:off x="6156544" y="290052"/>
+            <a:ext cx="5486400" cy="6277896"/>
             <a:chOff x="1887795" y="1415845"/>
-            <a:chExt cx="8418503" cy="17181870"/>
+            <a:chExt cx="8418503" cy="8600111"/>
           </a:xfrm>
         </p:grpSpPr>
         <p:pic>
@@ -8662,14 +9853,13 @@
           </p:nvPicPr>
           <p:blipFill>
             <a:blip r:embed="rId2"/>
-            <a:stretch>
-              <a:fillRect/>
-            </a:stretch>
+            <a:srcRect b="57376"/>
+            <a:stretch/>
           </p:blipFill>
           <p:spPr>
             <a:xfrm>
               <a:off x="2728191" y="3640682"/>
-              <a:ext cx="6735618" cy="14957033"/>
+              <a:ext cx="6735619" cy="6375274"/>
             </a:xfrm>
             <a:prstGeom prst="rect">
               <a:avLst/>
@@ -8734,14 +9924,13 @@
         </p:nvPicPr>
         <p:blipFill>
           <a:blip r:embed="rId2"/>
-          <a:stretch>
-            <a:fillRect/>
-          </a:stretch>
+          <a:srcRect t="41431"/>
+          <a:stretch/>
         </p:blipFill>
         <p:spPr>
           <a:xfrm>
-            <a:off x="501921" y="-5305471"/>
-            <a:ext cx="5397434" cy="13424954"/>
+            <a:off x="1098112" y="165392"/>
+            <a:ext cx="4480560" cy="6527216"/>
           </a:xfrm>
           <a:prstGeom prst="rect">
             <a:avLst/>
@@ -8751,7 +9940,7 @@
     </p:spTree>
     <p:extLst>
       <p:ext uri="{BB962C8B-B14F-4D97-AF65-F5344CB8AC3E}">
-        <p14:creationId xmlns:p14="http://schemas.microsoft.com/office/powerpoint/2010/main" val="859422206"/>
+        <p14:creationId xmlns:p14="http://schemas.microsoft.com/office/powerpoint/2010/main" val="3696437994"/>
       </p:ext>
     </p:extLst>
   </p:cSld>
@@ -8761,7 +9950,7 @@
 </p:sld>
 </file>
 
-<file path=ppt/slides/slide21.xml><?xml version="1.0" encoding="utf-8"?>
+<file path=ppt/slides/slide22.xml><?xml version="1.0" encoding="utf-8"?>
 <p:sld xmlns:a="http://schemas.openxmlformats.org/drawingml/2006/main" xmlns:r="http://schemas.openxmlformats.org/officeDocument/2006/relationships" xmlns:p="http://schemas.openxmlformats.org/presentationml/2006/main">
   <p:cSld>
     <p:spTree>
@@ -8800,8 +9989,8 @@
         </p:blipFill>
         <p:spPr>
           <a:xfrm>
-            <a:off x="858187" y="98323"/>
-            <a:ext cx="10475626" cy="10731910"/>
+            <a:off x="3209564" y="471948"/>
+            <a:ext cx="5772871" cy="5914103"/>
           </a:xfrm>
           <a:prstGeom prst="rect">
             <a:avLst/>
@@ -8811,91 +10000,13 @@
     </p:spTree>
     <p:extLst>
       <p:ext uri="{BB962C8B-B14F-4D97-AF65-F5344CB8AC3E}">
-        <p14:creationId xmlns:p14="http://schemas.microsoft.com/office/powerpoint/2010/main" val="1944261115"/>
+        <p14:creationId xmlns:p14="http://schemas.microsoft.com/office/powerpoint/2010/main" val="1977110573"/>
       </p:ext>
     </p:extLst>
   </p:cSld>
   <p:clrMapOvr>
     <a:masterClrMapping/>
   </p:clrMapOvr>
-</p:sld>
-</file>
-
-<file path=ppt/slides/slide22.xml><?xml version="1.0" encoding="utf-8"?>
-<p:sld xmlns:a="http://schemas.openxmlformats.org/drawingml/2006/main" xmlns:r="http://schemas.openxmlformats.org/officeDocument/2006/relationships" xmlns:p="http://schemas.openxmlformats.org/presentationml/2006/main">
-  <p:cSld>
-    <p:spTree>
-      <p:nvGrpSpPr>
-        <p:cNvPr id="1" name="">
-          <a:extLst>
-            <a:ext uri="{FF2B5EF4-FFF2-40B4-BE49-F238E27FC236}">
-              <a16:creationId xmlns:a16="http://schemas.microsoft.com/office/drawing/2014/main" id="{722942B3-2213-F2BC-59B9-1E3F0E0A0E40}"/>
-            </a:ext>
-          </a:extLst>
-        </p:cNvPr>
-        <p:cNvGrpSpPr/>
-        <p:nvPr/>
-      </p:nvGrpSpPr>
-      <p:grpSpPr>
-        <a:xfrm>
-          <a:off x="0" y="0"/>
-          <a:ext cx="0" cy="0"/>
-          <a:chOff x="0" y="0"/>
-          <a:chExt cx="0" cy="0"/>
-        </a:xfrm>
-      </p:grpSpPr>
-      <p:pic>
-        <p:nvPicPr>
-          <p:cNvPr id="4" name="Picture 3">
-            <a:extLst>
-              <a:ext uri="{FF2B5EF4-FFF2-40B4-BE49-F238E27FC236}">
-                <a16:creationId xmlns:a16="http://schemas.microsoft.com/office/drawing/2014/main" id="{239D8BC0-1B62-B677-7141-EA4F4143BE82}"/>
-              </a:ext>
-            </a:extLst>
-          </p:cNvPr>
-          <p:cNvPicPr>
-            <a:picLocks noChangeAspect="1"/>
-          </p:cNvPicPr>
-          <p:nvPr/>
-        </p:nvPicPr>
-        <p:blipFill>
-          <a:blip r:embed="rId2"/>
-          <a:stretch>
-            <a:fillRect/>
-          </a:stretch>
-        </p:blipFill>
-        <p:spPr>
-          <a:xfrm>
-            <a:off x="858187" y="-3962399"/>
-            <a:ext cx="10475626" cy="10731910"/>
-          </a:xfrm>
-          <a:prstGeom prst="rect">
-            <a:avLst/>
-          </a:prstGeom>
-        </p:spPr>
-      </p:pic>
-    </p:spTree>
-    <p:extLst>
-      <p:ext uri="{BB962C8B-B14F-4D97-AF65-F5344CB8AC3E}">
-        <p14:creationId xmlns:p14="http://schemas.microsoft.com/office/powerpoint/2010/main" val="1035345650"/>
-      </p:ext>
-    </p:extLst>
-  </p:cSld>
-  <p:clrMapOvr>
-    <a:masterClrMapping/>
-  </p:clrMapOvr>
-  <mc:AlternateContent xmlns:mc="http://schemas.openxmlformats.org/markup-compatibility/2006" xmlns:p159="http://schemas.microsoft.com/office/powerpoint/2015/09/main">
-    <mc:Choice Requires="p159">
-      <p:transition xmlns:p14="http://schemas.microsoft.com/office/powerpoint/2010/main" spd="slow" p14:dur="2000">
-        <p159:morph option="byObject"/>
-      </p:transition>
-    </mc:Choice>
-    <mc:Fallback xmlns="">
-      <p:transition spd="slow">
-        <p:fade/>
-      </p:transition>
-    </mc:Fallback>
-  </mc:AlternateContent>
 </p:sld>
 </file>
 
@@ -10069,8 +11180,9 @@
             <a:pPr lvl="1"/>
             <a:r>
               <a:rPr lang="fa-IR" dirty="0"/>
-              <a:t>خونریزی گوارشی</a:t>
-            </a:r>
+              <a:t>خونریزی </a:t>
+            </a:r>
+            <a:endParaRPr lang="en-US" dirty="0"/>
           </a:p>
           <a:p>
             <a:pPr lvl="1"/>
@@ -10146,11 +11258,7 @@
           <a:p>
             <a:r>
               <a:rPr lang="fa-IR" dirty="0"/>
-              <a:t>درمان کم خونی در بیماران </a:t>
-            </a:r>
-            <a:r>
-              <a:rPr lang="fa-IR" dirty="0" err="1"/>
-              <a:t>بدحال</a:t>
+              <a:t>مدیریت کم خونی در بیماران بدحال</a:t>
             </a:r>
             <a:endParaRPr lang="en-US" dirty="0"/>
           </a:p>
@@ -10422,13 +11530,7 @@
       </p:grpSpPr>
       <p:sp>
         <p:nvSpPr>
-          <p:cNvPr id="2" name="Title 1">
-            <a:extLst>
-              <a:ext uri="{FF2B5EF4-FFF2-40B4-BE49-F238E27FC236}">
-                <a16:creationId xmlns:a16="http://schemas.microsoft.com/office/drawing/2014/main" id="{2E7BA0D6-AB00-95E9-1B36-B77D0B9670D6}"/>
-              </a:ext>
-            </a:extLst>
-          </p:cNvPr>
+          <p:cNvPr id="2" name="Title 1"/>
           <p:cNvSpPr>
             <a:spLocks noGrp="1"/>
           </p:cNvSpPr>
@@ -10442,78 +11544,84 @@
           <a:lstStyle/>
           <a:p>
             <a:r>
-              <a:rPr lang="fa-IR" dirty="0" err="1"/>
-              <a:t>اریتروپوئتین</a:t>
-            </a:r>
-            <a:r>
-              <a:rPr lang="fa-IR" dirty="0"/>
-              <a:t> و کاربرد آن</a:t>
-            </a:r>
+              <a:rPr lang="fa-IR" dirty="0"/>
+              <a:t>اریتروپویتین</a:t>
+            </a:r>
+            <a:endParaRPr lang="en-US" dirty="0"/>
+          </a:p>
+        </p:txBody>
+      </p:sp>
+      <p:sp>
+        <p:nvSpPr>
+          <p:cNvPr id="3" name="Text Placeholder 2"/>
+          <p:cNvSpPr>
+            <a:spLocks noGrp="1"/>
+          </p:cNvSpPr>
+          <p:nvPr>
+            <p:ph type="body" sz="quarter" idx="13"/>
+          </p:nvPr>
+        </p:nvSpPr>
+        <p:spPr/>
+        <p:txBody>
+          <a:bodyPr/>
+          <a:lstStyle/>
+          <a:p>
+            <a:r>
+              <a:rPr lang="fa-IR" dirty="0"/>
+              <a:t>هورمون گلیکوپروتئینی تولید شده توسط کبد و کلیه</a:t>
+            </a:r>
+          </a:p>
+          <a:p>
+            <a:r>
+              <a:rPr lang="fa-IR" dirty="0"/>
+              <a:t>تنظیم کننده اصلی تولید گلبول های قرمز خون</a:t>
+            </a:r>
+          </a:p>
+          <a:p>
+            <a:r>
+              <a:rPr lang="fa-IR" dirty="0"/>
+              <a:t>تحریک کننده سنتز هموگلوبین </a:t>
+            </a:r>
+          </a:p>
+          <a:p>
             <a:endParaRPr lang="en-US" dirty="0"/>
           </a:p>
         </p:txBody>
       </p:sp>
       <p:pic>
         <p:nvPicPr>
-          <p:cNvPr id="2052" name="Picture 4" descr="Alfa, Epoetin | Drug Information, Uses, Side Effects, Chemistry |  PharmaCompass.com">
-            <a:extLst>
-              <a:ext uri="{FF2B5EF4-FFF2-40B4-BE49-F238E27FC236}">
-                <a16:creationId xmlns:a16="http://schemas.microsoft.com/office/drawing/2014/main" id="{0EC13EFD-7EFE-3DDE-934F-4249AC63CB71}"/>
-              </a:ext>
-            </a:extLst>
-          </p:cNvPr>
+          <p:cNvPr id="4" name="Picture 3"/>
           <p:cNvPicPr>
-            <a:picLocks noChangeAspect="1" noChangeArrowheads="1"/>
+            <a:picLocks noChangeAspect="1"/>
           </p:cNvPicPr>
           <p:nvPr/>
         </p:nvPicPr>
         <p:blipFill>
           <a:blip r:embed="rId2">
-            <a:clrChange>
-              <a:clrFrom>
-                <a:srgbClr val="F5F5F5"/>
-              </a:clrFrom>
-              <a:clrTo>
-                <a:srgbClr val="F5F5F5">
-                  <a:alpha val="0"/>
-                </a:srgbClr>
-              </a:clrTo>
-            </a:clrChange>
             <a:extLst>
               <a:ext uri="{28A0092B-C50C-407E-A947-70E740481C1C}">
                 <a14:useLocalDpi xmlns:a14="http://schemas.microsoft.com/office/drawing/2010/main" val="0"/>
               </a:ext>
             </a:extLst>
           </a:blip>
-          <a:srcRect/>
           <a:stretch>
             <a:fillRect/>
           </a:stretch>
         </p:blipFill>
-        <p:spPr bwMode="auto">
+        <p:spPr>
           <a:xfrm>
-            <a:off x="4293623" y="141954"/>
-            <a:ext cx="6423538" cy="6423538"/>
+            <a:off x="4807526" y="3288721"/>
+            <a:ext cx="5763491" cy="2479964"/>
           </a:xfrm>
           <a:prstGeom prst="rect">
             <a:avLst/>
           </a:prstGeom>
-          <a:noFill/>
-          <a:extLst>
-            <a:ext uri="{909E8E84-426E-40DD-AFC4-6F175D3DCCD1}">
-              <a14:hiddenFill xmlns:a14="http://schemas.microsoft.com/office/drawing/2010/main">
-                <a:solidFill>
-                  <a:srgbClr val="FFFFFF"/>
-                </a:solidFill>
-              </a14:hiddenFill>
-            </a:ext>
-          </a:extLst>
         </p:spPr>
       </p:pic>
     </p:spTree>
     <p:extLst>
       <p:ext uri="{BB962C8B-B14F-4D97-AF65-F5344CB8AC3E}">
-        <p14:creationId xmlns:p14="http://schemas.microsoft.com/office/powerpoint/2010/main" val="3473970875"/>
+        <p14:creationId xmlns:p14="http://schemas.microsoft.com/office/powerpoint/2010/main" val="3935028227"/>
       </p:ext>
     </p:extLst>
   </p:cSld>
@@ -10542,13 +11650,7 @@
       </p:grpSpPr>
       <p:sp>
         <p:nvSpPr>
-          <p:cNvPr id="2" name="Title 1">
-            <a:extLst>
-              <a:ext uri="{FF2B5EF4-FFF2-40B4-BE49-F238E27FC236}">
-                <a16:creationId xmlns:a16="http://schemas.microsoft.com/office/drawing/2014/main" id="{98503F91-4AE1-6F4F-CFD6-0584E299822F}"/>
-              </a:ext>
-            </a:extLst>
-          </p:cNvPr>
+          <p:cNvPr id="2" name="Title 1"/>
           <p:cNvSpPr>
             <a:spLocks noGrp="1"/>
           </p:cNvSpPr>
@@ -10563,7 +11665,7 @@
           <a:p>
             <a:r>
               <a:rPr lang="fa-IR" dirty="0"/>
-              <a:t>هدف مطالعه</a:t>
+              <a:t>کاربرد اریتروپویتین </a:t>
             </a:r>
             <a:endParaRPr lang="en-US" dirty="0"/>
           </a:p>
@@ -10571,13 +11673,7 @@
       </p:sp>
       <p:sp>
         <p:nvSpPr>
-          <p:cNvPr id="3" name="Text Placeholder 2">
-            <a:extLst>
-              <a:ext uri="{FF2B5EF4-FFF2-40B4-BE49-F238E27FC236}">
-                <a16:creationId xmlns:a16="http://schemas.microsoft.com/office/drawing/2014/main" id="{CD57302C-F4C6-FBFA-57E3-28925921CE9D}"/>
-              </a:ext>
-            </a:extLst>
-          </p:cNvPr>
+          <p:cNvPr id="3" name="Text Placeholder 2"/>
           <p:cNvSpPr>
             <a:spLocks noGrp="1"/>
           </p:cNvSpPr>
@@ -10587,53 +11683,93 @@
         </p:nvSpPr>
         <p:spPr/>
         <p:txBody>
-          <a:bodyPr anchor="ctr"/>
+          <a:bodyPr/>
           <a:lstStyle/>
           <a:p>
             <a:r>
               <a:rPr lang="fa-IR" dirty="0"/>
-              <a:t>بررسی خصوصیات </a:t>
-            </a:r>
-            <a:r>
-              <a:rPr lang="fa-IR" dirty="0" err="1"/>
-              <a:t>فارماکوکینتیکی</a:t>
-            </a:r>
-            <a:r>
-              <a:rPr lang="fa-IR" dirty="0"/>
-              <a:t> </a:t>
-            </a:r>
-            <a:r>
-              <a:rPr lang="fa-IR" dirty="0" err="1"/>
-              <a:t>اریتروپوئتین</a:t>
-            </a:r>
-            <a:r>
-              <a:rPr lang="fa-IR" dirty="0"/>
-              <a:t> وریدی در بیماران </a:t>
-            </a:r>
-            <a:r>
-              <a:rPr lang="fa-IR" dirty="0" err="1"/>
-              <a:t>بدحال</a:t>
-            </a:r>
-            <a:r>
-              <a:rPr lang="fa-IR" dirty="0"/>
-              <a:t> بستری در بخش </a:t>
-            </a:r>
-            <a:r>
-              <a:rPr lang="en-US" dirty="0"/>
-              <a:t>ICU</a:t>
-            </a:r>
-            <a:r>
-              <a:rPr lang="fa-IR" dirty="0"/>
-              <a:t> و ارائه راهکارهای بهینه سازی دوز دارو</a:t>
+              <a:t>مدیریت آنمی مرتبط با بیماران بدحال</a:t>
+            </a:r>
+          </a:p>
+          <a:p>
+            <a:r>
+              <a:rPr lang="fa-IR" dirty="0"/>
+              <a:t>کاهش نیاز به ترانسفیوژن گلبول های قرمز</a:t>
+            </a:r>
+          </a:p>
+          <a:p>
+            <a:r>
+              <a:rPr lang="fa-IR" dirty="0"/>
+              <a:t>کاهش مرگ و میر بدون افزایش در ریسک ترومبوآمبولی و عوارض قلبی عروقی </a:t>
             </a:r>
             <a:endParaRPr lang="en-US" dirty="0"/>
           </a:p>
         </p:txBody>
       </p:sp>
+      <p:pic>
+        <p:nvPicPr>
+          <p:cNvPr id="4" name="Picture 3"/>
+          <p:cNvPicPr>
+            <a:picLocks noChangeAspect="1"/>
+          </p:cNvPicPr>
+          <p:nvPr/>
+        </p:nvPicPr>
+        <p:blipFill>
+          <a:blip r:embed="rId2" cstate="hqprint">
+            <a:extLst>
+              <a:ext uri="{28A0092B-C50C-407E-A947-70E740481C1C}">
+                <a14:useLocalDpi xmlns:a14="http://schemas.microsoft.com/office/drawing/2010/main" val="0"/>
+              </a:ext>
+            </a:extLst>
+          </a:blip>
+          <a:stretch>
+            <a:fillRect/>
+          </a:stretch>
+        </p:blipFill>
+        <p:spPr>
+          <a:xfrm>
+            <a:off x="3823855" y="2903695"/>
+            <a:ext cx="3519054" cy="2998340"/>
+          </a:xfrm>
+          <a:prstGeom prst="rect">
+            <a:avLst/>
+          </a:prstGeom>
+        </p:spPr>
+      </p:pic>
+      <p:pic>
+        <p:nvPicPr>
+          <p:cNvPr id="5" name="Picture 4"/>
+          <p:cNvPicPr>
+            <a:picLocks noChangeAspect="1"/>
+          </p:cNvPicPr>
+          <p:nvPr/>
+        </p:nvPicPr>
+        <p:blipFill>
+          <a:blip r:embed="rId3">
+            <a:extLst>
+              <a:ext uri="{28A0092B-C50C-407E-A947-70E740481C1C}">
+                <a14:useLocalDpi xmlns:a14="http://schemas.microsoft.com/office/drawing/2010/main" val="0"/>
+              </a:ext>
+            </a:extLst>
+          </a:blip>
+          <a:stretch>
+            <a:fillRect/>
+          </a:stretch>
+        </p:blipFill>
+        <p:spPr>
+          <a:xfrm>
+            <a:off x="7910944" y="2903696"/>
+            <a:ext cx="3442855" cy="2998340"/>
+          </a:xfrm>
+          <a:prstGeom prst="rect">
+            <a:avLst/>
+          </a:prstGeom>
+        </p:spPr>
+      </p:pic>
     </p:spTree>
     <p:extLst>
       <p:ext uri="{BB962C8B-B14F-4D97-AF65-F5344CB8AC3E}">
-        <p14:creationId xmlns:p14="http://schemas.microsoft.com/office/powerpoint/2010/main" val="3253294757"/>
+        <p14:creationId xmlns:p14="http://schemas.microsoft.com/office/powerpoint/2010/main" val="3089686470"/>
       </p:ext>
     </p:extLst>
   </p:cSld>
@@ -10665,7 +11801,7 @@
           <p:cNvPr id="2" name="Title 1">
             <a:extLst>
               <a:ext uri="{FF2B5EF4-FFF2-40B4-BE49-F238E27FC236}">
-                <a16:creationId xmlns:a16="http://schemas.microsoft.com/office/drawing/2014/main" id="{E4394BA4-2902-90AB-0DD7-8743ACA12F24}"/>
+                <a16:creationId xmlns:a16="http://schemas.microsoft.com/office/drawing/2014/main" id="{98503F91-4AE1-6F4F-CFD6-0584E299822F}"/>
               </a:ext>
             </a:extLst>
           </p:cNvPr>
@@ -10683,7 +11819,7 @@
           <a:p>
             <a:r>
               <a:rPr lang="fa-IR" dirty="0"/>
-              <a:t>روش اجرا</a:t>
+              <a:t>هدف مطالعه</a:t>
             </a:r>
             <a:endParaRPr lang="en-US" dirty="0"/>
           </a:p>
@@ -10694,7 +11830,7 @@
           <p:cNvPr id="3" name="Text Placeholder 2">
             <a:extLst>
               <a:ext uri="{FF2B5EF4-FFF2-40B4-BE49-F238E27FC236}">
-                <a16:creationId xmlns:a16="http://schemas.microsoft.com/office/drawing/2014/main" id="{CBD7ED54-3D94-D303-824A-FDFBDD323E4B}"/>
+                <a16:creationId xmlns:a16="http://schemas.microsoft.com/office/drawing/2014/main" id="{CD57302C-F4C6-FBFA-57E3-28925921CE9D}"/>
               </a:ext>
             </a:extLst>
           </p:cNvPr>
@@ -10712,28 +11848,23 @@
           <a:p>
             <a:r>
               <a:rPr lang="fa-IR" dirty="0"/>
-              <a:t>یک پژوهش پایلوت</a:t>
-            </a:r>
-          </a:p>
-          <a:p>
-            <a:r>
-              <a:rPr lang="fa-IR" dirty="0"/>
-              <a:t>تک دوز اریتروپویتین آلفا</a:t>
-            </a:r>
-          </a:p>
-          <a:p>
-            <a:r>
-              <a:rPr lang="fa-IR" dirty="0"/>
-              <a:t>دوز 20000 واحد وریدی</a:t>
-            </a:r>
-          </a:p>
-          <a:p>
-            <a:endParaRPr lang="fa-IR" dirty="0"/>
-          </a:p>
-          <a:p>
-            <a:r>
-              <a:rPr lang="fa-IR" dirty="0"/>
-              <a:t>بیماران </a:t>
+              <a:t>بررسی خصوصیات </a:t>
+            </a:r>
+            <a:r>
+              <a:rPr lang="fa-IR" dirty="0" err="1"/>
+              <a:t>فارماکوکینتیکی</a:t>
+            </a:r>
+            <a:r>
+              <a:rPr lang="fa-IR" dirty="0"/>
+              <a:t> </a:t>
+            </a:r>
+            <a:r>
+              <a:rPr lang="fa-IR" dirty="0" err="1"/>
+              <a:t>اریتروپوئتین</a:t>
+            </a:r>
+            <a:r>
+              <a:rPr lang="fa-IR" dirty="0"/>
+              <a:t> وریدی در بیماران </a:t>
             </a:r>
             <a:r>
               <a:rPr lang="fa-IR" dirty="0" err="1"/>
@@ -10741,7 +11872,15 @@
             </a:r>
             <a:r>
               <a:rPr lang="fa-IR" dirty="0"/>
-              <a:t> دچار آنمی بستری در بخش مراقبت های ویژه بیمارستان سینا در سال 1402. </a:t>
+              <a:t> بستری در بخش </a:t>
+            </a:r>
+            <a:r>
+              <a:rPr lang="en-US" dirty="0"/>
+              <a:t>ICU</a:t>
+            </a:r>
+            <a:r>
+              <a:rPr lang="fa-IR" dirty="0"/>
+              <a:t> و ارائه راهکارهای بهینه سازی دوز دارو</a:t>
             </a:r>
             <a:endParaRPr lang="en-US" dirty="0"/>
           </a:p>
@@ -10750,16 +11889,13 @@
     </p:spTree>
     <p:extLst>
       <p:ext uri="{BB962C8B-B14F-4D97-AF65-F5344CB8AC3E}">
-        <p14:creationId xmlns:p14="http://schemas.microsoft.com/office/powerpoint/2010/main" val="959072616"/>
+        <p14:creationId xmlns:p14="http://schemas.microsoft.com/office/powerpoint/2010/main" val="3253294757"/>
       </p:ext>
     </p:extLst>
   </p:cSld>
   <p:clrMapOvr>
     <a:masterClrMapping/>
   </p:clrMapOvr>
-  <p:transition spd="slow">
-    <p:push dir="u"/>
-  </p:transition>
 </p:sld>
 </file>
 
@@ -10785,7 +11921,7 @@
           <p:cNvPr id="2" name="Title 1">
             <a:extLst>
               <a:ext uri="{FF2B5EF4-FFF2-40B4-BE49-F238E27FC236}">
-                <a16:creationId xmlns:a16="http://schemas.microsoft.com/office/drawing/2014/main" id="{FF8FDF87-F3B2-1167-0DFF-225632C19308}"/>
+                <a16:creationId xmlns:a16="http://schemas.microsoft.com/office/drawing/2014/main" id="{E4394BA4-2902-90AB-0DD7-8743ACA12F24}"/>
               </a:ext>
             </a:extLst>
           </p:cNvPr>
@@ -10803,7 +11939,7 @@
           <a:p>
             <a:r>
               <a:rPr lang="fa-IR" dirty="0"/>
-              <a:t>شرایط ورود به مطالعه</a:t>
+              <a:t>روش اجرا</a:t>
             </a:r>
             <a:endParaRPr lang="en-US" dirty="0"/>
           </a:p>
@@ -10811,10 +11947,10 @@
       </p:sp>
       <p:sp>
         <p:nvSpPr>
-          <p:cNvPr id="3" name="Content Placeholder 2">
-            <a:extLst>
-              <a:ext uri="{FF2B5EF4-FFF2-40B4-BE49-F238E27FC236}">
-                <a16:creationId xmlns:a16="http://schemas.microsoft.com/office/drawing/2014/main" id="{27A4C79F-A968-EB04-83AB-02B1017FC257}"/>
+          <p:cNvPr id="3" name="Text Placeholder 2">
+            <a:extLst>
+              <a:ext uri="{FF2B5EF4-FFF2-40B4-BE49-F238E27FC236}">
+                <a16:creationId xmlns:a16="http://schemas.microsoft.com/office/drawing/2014/main" id="{CBD7ED54-3D94-D303-824A-FDFBDD323E4B}"/>
               </a:ext>
             </a:extLst>
           </p:cNvPr>
@@ -10822,88 +11958,39 @@
             <a:spLocks noGrp="1"/>
           </p:cNvSpPr>
           <p:nvPr>
-            <p:ph idx="1"/>
+            <p:ph type="body" sz="quarter" idx="13"/>
           </p:nvPr>
         </p:nvSpPr>
         <p:spPr/>
         <p:txBody>
-          <a:bodyPr>
-            <a:normAutofit/>
-          </a:bodyPr>
+          <a:bodyPr anchor="ctr"/>
           <a:lstStyle/>
           <a:p>
             <a:r>
               <a:rPr lang="fa-IR" dirty="0"/>
-              <a:t>بیماران بستری در بخش مراقبتهای ویژه </a:t>
-            </a:r>
-          </a:p>
-          <a:p>
-            <a:r>
-              <a:rPr lang="en-US" dirty="0"/>
-              <a:t>Hb </a:t>
-            </a:r>
-            <a:r>
-              <a:rPr lang="fa-IR" dirty="0"/>
-              <a:t>سرم &lt;10 گرم در </a:t>
-            </a:r>
-            <a:r>
-              <a:rPr lang="fa-IR" dirty="0" err="1"/>
-              <a:t>دسی</a:t>
-            </a:r>
-            <a:r>
-              <a:rPr lang="fa-IR" dirty="0"/>
-              <a:t> لیتر  </a:t>
-            </a:r>
-          </a:p>
-          <a:p>
-            <a:r>
-              <a:rPr lang="fa-IR" dirty="0"/>
-              <a:t>سن بالای 18 سال </a:t>
-            </a:r>
-          </a:p>
-          <a:p>
-            <a:r>
-              <a:rPr lang="fa-IR" dirty="0"/>
-              <a:t>بیماران دارای حداقل دو معیار از معیارهای سندروم </a:t>
-            </a:r>
-            <a:r>
-              <a:rPr lang="fa-IR" dirty="0" err="1"/>
-              <a:t>التهابی</a:t>
-            </a:r>
-            <a:r>
-              <a:rPr lang="fa-IR" dirty="0"/>
-              <a:t> سیستمیک (</a:t>
-            </a:r>
-            <a:r>
-              <a:rPr lang="en-US" dirty="0"/>
-              <a:t>SIRS</a:t>
-            </a:r>
-            <a:r>
-              <a:rPr lang="fa-IR" dirty="0"/>
-              <a:t>)</a:t>
-            </a:r>
-          </a:p>
-          <a:p>
-            <a:r>
-              <a:rPr lang="fa-IR" dirty="0"/>
-              <a:t>انتظار اقامت در </a:t>
-            </a:r>
-            <a:r>
-              <a:rPr lang="en-US" dirty="0"/>
-              <a:t>ICU </a:t>
-            </a:r>
-            <a:r>
-              <a:rPr lang="fa-IR" dirty="0"/>
-              <a:t>حداقل 7 روز پس از ورود به مطالعه بر اساس تشخیص پزشک معالج بیمار</a:t>
-            </a:r>
-          </a:p>
-          <a:p>
-            <a:r>
-              <a:rPr lang="fa-IR" dirty="0"/>
-              <a:t>رضایت آگاهانه بیمار یا قیم قانونی وی </a:t>
-            </a:r>
-          </a:p>
-          <a:p>
+              <a:t>یک پژوهش پایلوت</a:t>
+            </a:r>
+          </a:p>
+          <a:p>
+            <a:r>
+              <a:rPr lang="fa-IR" dirty="0"/>
+              <a:t>تک دوز اریتروپویتین آلفا</a:t>
+            </a:r>
+          </a:p>
+          <a:p>
+            <a:r>
+              <a:rPr lang="fa-IR" dirty="0"/>
+              <a:t>دوز 20000 واحد وریدی</a:t>
+            </a:r>
+          </a:p>
+          <a:p>
+            <a:endParaRPr lang="fa-IR" dirty="0"/>
+          </a:p>
+          <a:p>
+            <a:r>
+              <a:rPr lang="fa-IR" dirty="0"/>
+              <a:t>بیماران بدحال دچار آنمی بستری در بخش مراقبت های ویژه بیمارستان سینا در سال 1403. </a:t>
+            </a:r>
             <a:endParaRPr lang="en-US" dirty="0"/>
           </a:p>
         </p:txBody>
@@ -10911,13 +11998,16 @@
     </p:spTree>
     <p:extLst>
       <p:ext uri="{BB962C8B-B14F-4D97-AF65-F5344CB8AC3E}">
-        <p14:creationId xmlns:p14="http://schemas.microsoft.com/office/powerpoint/2010/main" val="4281404498"/>
+        <p14:creationId xmlns:p14="http://schemas.microsoft.com/office/powerpoint/2010/main" val="959072616"/>
       </p:ext>
     </p:extLst>
   </p:cSld>
   <p:clrMapOvr>
     <a:masterClrMapping/>
   </p:clrMapOvr>
+  <p:transition spd="slow">
+    <p:push dir="u"/>
+  </p:transition>
 </p:sld>
 </file>
 
@@ -11214,4 +12304,265 @@
     </a:ext>
   </a:extLst>
 </a:theme>
+</file>
+
+<file path=ppt/theme/theme2.xml><?xml version="1.0" encoding="utf-8"?>
+<a:theme xmlns:a="http://schemas.openxmlformats.org/drawingml/2006/main" name="Office Theme">
+  <a:themeElements>
+    <a:clrScheme name="Office">
+      <a:dk1>
+        <a:sysClr val="windowText" lastClr="000000"/>
+      </a:dk1>
+      <a:lt1>
+        <a:sysClr val="window" lastClr="FFFFFF"/>
+      </a:lt1>
+      <a:dk2>
+        <a:srgbClr val="44546A"/>
+      </a:dk2>
+      <a:lt2>
+        <a:srgbClr val="E7E6E6"/>
+      </a:lt2>
+      <a:accent1>
+        <a:srgbClr val="5B9BD5"/>
+      </a:accent1>
+      <a:accent2>
+        <a:srgbClr val="ED7D31"/>
+      </a:accent2>
+      <a:accent3>
+        <a:srgbClr val="A5A5A5"/>
+      </a:accent3>
+      <a:accent4>
+        <a:srgbClr val="FFC000"/>
+      </a:accent4>
+      <a:accent5>
+        <a:srgbClr val="4472C4"/>
+      </a:accent5>
+      <a:accent6>
+        <a:srgbClr val="70AD47"/>
+      </a:accent6>
+      <a:hlink>
+        <a:srgbClr val="0563C1"/>
+      </a:hlink>
+      <a:folHlink>
+        <a:srgbClr val="954F72"/>
+      </a:folHlink>
+    </a:clrScheme>
+    <a:fontScheme name="Office">
+      <a:majorFont>
+        <a:latin typeface="Calibri Light" panose="020F0302020204030204"/>
+        <a:ea typeface=""/>
+        <a:cs typeface=""/>
+        <a:font script="Jpan" typeface="游ゴシック Light"/>
+        <a:font script="Hang" typeface="맑은 고딕"/>
+        <a:font script="Hans" typeface="等线 Light"/>
+        <a:font script="Hant" typeface="新細明體"/>
+        <a:font script="Arab" typeface="Times New Roman"/>
+        <a:font script="Hebr" typeface="Times New Roman"/>
+        <a:font script="Thai" typeface="Angsana New"/>
+        <a:font script="Ethi" typeface="Nyala"/>
+        <a:font script="Beng" typeface="Vrinda"/>
+        <a:font script="Gujr" typeface="Shruti"/>
+        <a:font script="Khmr" typeface="MoolBoran"/>
+        <a:font script="Knda" typeface="Tunga"/>
+        <a:font script="Guru" typeface="Raavi"/>
+        <a:font script="Cans" typeface="Euphemia"/>
+        <a:font script="Cher" typeface="Plantagenet Cherokee"/>
+        <a:font script="Yiii" typeface="Microsoft Yi Baiti"/>
+        <a:font script="Tibt" typeface="Microsoft Himalaya"/>
+        <a:font script="Thaa" typeface="MV Boli"/>
+        <a:font script="Deva" typeface="Mangal"/>
+        <a:font script="Telu" typeface="Gautami"/>
+        <a:font script="Taml" typeface="Latha"/>
+        <a:font script="Syrc" typeface="Estrangelo Edessa"/>
+        <a:font script="Orya" typeface="Kalinga"/>
+        <a:font script="Mlym" typeface="Kartika"/>
+        <a:font script="Laoo" typeface="DokChampa"/>
+        <a:font script="Sinh" typeface="Iskoola Pota"/>
+        <a:font script="Mong" typeface="Mongolian Baiti"/>
+        <a:font script="Viet" typeface="Times New Roman"/>
+        <a:font script="Uigh" typeface="Microsoft Uighur"/>
+        <a:font script="Geor" typeface="Sylfaen"/>
+      </a:majorFont>
+      <a:minorFont>
+        <a:latin typeface="Calibri" panose="020F0502020204030204"/>
+        <a:ea typeface=""/>
+        <a:cs typeface=""/>
+        <a:font script="Jpan" typeface="游ゴシック"/>
+        <a:font script="Hang" typeface="맑은 고딕"/>
+        <a:font script="Hans" typeface="等线"/>
+        <a:font script="Hant" typeface="新細明體"/>
+        <a:font script="Arab" typeface="Arial"/>
+        <a:font script="Hebr" typeface="Arial"/>
+        <a:font script="Thai" typeface="Cordia New"/>
+        <a:font script="Ethi" typeface="Nyala"/>
+        <a:font script="Beng" typeface="Vrinda"/>
+        <a:font script="Gujr" typeface="Shruti"/>
+        <a:font script="Khmr" typeface="DaunPenh"/>
+        <a:font script="Knda" typeface="Tunga"/>
+        <a:font script="Guru" typeface="Raavi"/>
+        <a:font script="Cans" typeface="Euphemia"/>
+        <a:font script="Cher" typeface="Plantagenet Cherokee"/>
+        <a:font script="Yiii" typeface="Microsoft Yi Baiti"/>
+        <a:font script="Tibt" typeface="Microsoft Himalaya"/>
+        <a:font script="Thaa" typeface="MV Boli"/>
+        <a:font script="Deva" typeface="Mangal"/>
+        <a:font script="Telu" typeface="Gautami"/>
+        <a:font script="Taml" typeface="Latha"/>
+        <a:font script="Syrc" typeface="Estrangelo Edessa"/>
+        <a:font script="Orya" typeface="Kalinga"/>
+        <a:font script="Mlym" typeface="Kartika"/>
+        <a:font script="Laoo" typeface="DokChampa"/>
+        <a:font script="Sinh" typeface="Iskoola Pota"/>
+        <a:font script="Mong" typeface="Mongolian Baiti"/>
+        <a:font script="Viet" typeface="Arial"/>
+        <a:font script="Uigh" typeface="Microsoft Uighur"/>
+        <a:font script="Geor" typeface="Sylfaen"/>
+      </a:minorFont>
+    </a:fontScheme>
+    <a:fmtScheme name="Office">
+      <a:fillStyleLst>
+        <a:solidFill>
+          <a:schemeClr val="phClr"/>
+        </a:solidFill>
+        <a:gradFill rotWithShape="1">
+          <a:gsLst>
+            <a:gs pos="0">
+              <a:schemeClr val="phClr">
+                <a:lumMod val="110000"/>
+                <a:satMod val="105000"/>
+                <a:tint val="67000"/>
+              </a:schemeClr>
+            </a:gs>
+            <a:gs pos="50000">
+              <a:schemeClr val="phClr">
+                <a:lumMod val="105000"/>
+                <a:satMod val="103000"/>
+                <a:tint val="73000"/>
+              </a:schemeClr>
+            </a:gs>
+            <a:gs pos="100000">
+              <a:schemeClr val="phClr">
+                <a:lumMod val="105000"/>
+                <a:satMod val="109000"/>
+                <a:tint val="81000"/>
+              </a:schemeClr>
+            </a:gs>
+          </a:gsLst>
+          <a:lin ang="5400000" scaled="0"/>
+        </a:gradFill>
+        <a:gradFill rotWithShape="1">
+          <a:gsLst>
+            <a:gs pos="0">
+              <a:schemeClr val="phClr">
+                <a:satMod val="103000"/>
+                <a:lumMod val="102000"/>
+                <a:tint val="94000"/>
+              </a:schemeClr>
+            </a:gs>
+            <a:gs pos="50000">
+              <a:schemeClr val="phClr">
+                <a:satMod val="110000"/>
+                <a:lumMod val="100000"/>
+                <a:shade val="100000"/>
+              </a:schemeClr>
+            </a:gs>
+            <a:gs pos="100000">
+              <a:schemeClr val="phClr">
+                <a:lumMod val="99000"/>
+                <a:satMod val="120000"/>
+                <a:shade val="78000"/>
+              </a:schemeClr>
+            </a:gs>
+          </a:gsLst>
+          <a:lin ang="5400000" scaled="0"/>
+        </a:gradFill>
+      </a:fillStyleLst>
+      <a:lnStyleLst>
+        <a:ln w="6350" cap="flat" cmpd="sng" algn="ctr">
+          <a:solidFill>
+            <a:schemeClr val="phClr"/>
+          </a:solidFill>
+          <a:prstDash val="solid"/>
+          <a:miter lim="800000"/>
+        </a:ln>
+        <a:ln w="12700" cap="flat" cmpd="sng" algn="ctr">
+          <a:solidFill>
+            <a:schemeClr val="phClr"/>
+          </a:solidFill>
+          <a:prstDash val="solid"/>
+          <a:miter lim="800000"/>
+        </a:ln>
+        <a:ln w="19050" cap="flat" cmpd="sng" algn="ctr">
+          <a:solidFill>
+            <a:schemeClr val="phClr"/>
+          </a:solidFill>
+          <a:prstDash val="solid"/>
+          <a:miter lim="800000"/>
+        </a:ln>
+      </a:lnStyleLst>
+      <a:effectStyleLst>
+        <a:effectStyle>
+          <a:effectLst/>
+        </a:effectStyle>
+        <a:effectStyle>
+          <a:effectLst/>
+        </a:effectStyle>
+        <a:effectStyle>
+          <a:effectLst>
+            <a:outerShdw blurRad="57150" dist="19050" dir="5400000" algn="ctr" rotWithShape="0">
+              <a:srgbClr val="000000">
+                <a:alpha val="63000"/>
+              </a:srgbClr>
+            </a:outerShdw>
+          </a:effectLst>
+        </a:effectStyle>
+      </a:effectStyleLst>
+      <a:bgFillStyleLst>
+        <a:solidFill>
+          <a:schemeClr val="phClr"/>
+        </a:solidFill>
+        <a:solidFill>
+          <a:schemeClr val="phClr">
+            <a:tint val="95000"/>
+            <a:satMod val="170000"/>
+          </a:schemeClr>
+        </a:solidFill>
+        <a:gradFill rotWithShape="1">
+          <a:gsLst>
+            <a:gs pos="0">
+              <a:schemeClr val="phClr">
+                <a:tint val="93000"/>
+                <a:satMod val="150000"/>
+                <a:shade val="98000"/>
+                <a:lumMod val="102000"/>
+              </a:schemeClr>
+            </a:gs>
+            <a:gs pos="50000">
+              <a:schemeClr val="phClr">
+                <a:tint val="98000"/>
+                <a:satMod val="130000"/>
+                <a:shade val="90000"/>
+                <a:lumMod val="103000"/>
+              </a:schemeClr>
+            </a:gs>
+            <a:gs pos="100000">
+              <a:schemeClr val="phClr">
+                <a:shade val="63000"/>
+                <a:satMod val="120000"/>
+              </a:schemeClr>
+            </a:gs>
+          </a:gsLst>
+          <a:lin ang="5400000" scaled="0"/>
+        </a:gradFill>
+      </a:bgFillStyleLst>
+    </a:fmtScheme>
+  </a:themeElements>
+  <a:objectDefaults/>
+  <a:extraClrSchemeLst/>
+  <a:extLst>
+    <a:ext uri="{05A4C25C-085E-4340-85A3-A5531E510DB2}">
+      <thm15:themeFamily xmlns:thm15="http://schemas.microsoft.com/office/thememl/2012/main" name="Office Theme" id="{62F939B6-93AF-4DB8-9C6B-D6C7DFDC589F}" vid="{4A3C46E8-61CC-4603-A589-7422A47A8E4A}"/>
+    </a:ext>
+  </a:extLst>
+</a:theme>
 </file>
--- a/presentation slides/ارائه پایان نامه.pptx
+++ b/presentation slides/ارائه پایان نامه.pptx
@@ -5,7 +5,7 @@
     <p:sldMasterId id="2147483648" r:id="rId1"/>
   </p:sldMasterIdLst>
   <p:notesMasterIdLst>
-    <p:notesMasterId r:id="rId29"/>
+    <p:notesMasterId r:id="rId36"/>
   </p:notesMasterIdLst>
   <p:sldIdLst>
     <p:sldId id="256" r:id="rId2"/>
@@ -16,47 +16,58 @@
     <p:sldId id="318" r:id="rId7"/>
     <p:sldId id="319" r:id="rId8"/>
     <p:sldId id="316" r:id="rId9"/>
-    <p:sldId id="270" r:id="rId10"/>
-    <p:sldId id="299" r:id="rId11"/>
-    <p:sldId id="301" r:id="rId12"/>
-    <p:sldId id="300" r:id="rId13"/>
-    <p:sldId id="302" r:id="rId14"/>
-    <p:sldId id="320" r:id="rId15"/>
-    <p:sldId id="304" r:id="rId16"/>
-    <p:sldId id="305" r:id="rId17"/>
-    <p:sldId id="271" r:id="rId18"/>
-    <p:sldId id="306" r:id="rId19"/>
-    <p:sldId id="307" r:id="rId20"/>
-    <p:sldId id="321" r:id="rId21"/>
-    <p:sldId id="322" r:id="rId22"/>
-    <p:sldId id="323" r:id="rId23"/>
-    <p:sldId id="315" r:id="rId24"/>
-    <p:sldId id="297" r:id="rId25"/>
-    <p:sldId id="272" r:id="rId26"/>
-    <p:sldId id="314" r:id="rId27"/>
-    <p:sldId id="298" r:id="rId28"/>
+    <p:sldId id="324" r:id="rId10"/>
+    <p:sldId id="325" r:id="rId11"/>
+    <p:sldId id="326" r:id="rId12"/>
+    <p:sldId id="327" r:id="rId13"/>
+    <p:sldId id="328" r:id="rId14"/>
+    <p:sldId id="329" r:id="rId15"/>
+    <p:sldId id="330" r:id="rId16"/>
+    <p:sldId id="270" r:id="rId17"/>
+    <p:sldId id="299" r:id="rId18"/>
+    <p:sldId id="301" r:id="rId19"/>
+    <p:sldId id="300" r:id="rId20"/>
+    <p:sldId id="302" r:id="rId21"/>
+    <p:sldId id="320" r:id="rId22"/>
+    <p:sldId id="304" r:id="rId23"/>
+    <p:sldId id="305" r:id="rId24"/>
+    <p:sldId id="271" r:id="rId25"/>
+    <p:sldId id="306" r:id="rId26"/>
+    <p:sldId id="307" r:id="rId27"/>
+    <p:sldId id="321" r:id="rId28"/>
+    <p:sldId id="322" r:id="rId29"/>
+    <p:sldId id="323" r:id="rId30"/>
+    <p:sldId id="315" r:id="rId31"/>
+    <p:sldId id="297" r:id="rId32"/>
+    <p:sldId id="272" r:id="rId33"/>
+    <p:sldId id="314" r:id="rId34"/>
+    <p:sldId id="298" r:id="rId35"/>
   </p:sldIdLst>
   <p:sldSz cx="12192000" cy="6858000"/>
   <p:notesSz cx="6858000" cy="9144000"/>
   <p:embeddedFontLst>
     <p:embeddedFont>
       <p:font typeface="B Nazanin" panose="00000400000000000000" pitchFamily="2" charset="-78"/>
-      <p:regular r:id="rId30"/>
-      <p:bold r:id="rId31"/>
+      <p:regular r:id="rId37"/>
+      <p:bold r:id="rId38"/>
+    </p:embeddedFont>
+    <p:embeddedFont>
+      <p:font typeface="B Titr" panose="00000700000000000000" pitchFamily="2" charset="-78"/>
+      <p:bold r:id="rId39"/>
     </p:embeddedFont>
     <p:embeddedFont>
       <p:font typeface="IRTerafik" panose="02000503000000020002" pitchFamily="2" charset="-78"/>
-      <p:regular r:id="rId32"/>
-      <p:bold r:id="rId33"/>
-      <p:italic r:id="rId34"/>
+      <p:regular r:id="rId40"/>
+      <p:bold r:id="rId41"/>
+      <p:italic r:id="rId42"/>
     </p:embeddedFont>
     <p:embeddedFont>
       <p:font typeface="IRTitr" panose="02000506000000020002" pitchFamily="2" charset="-78"/>
-      <p:regular r:id="rId35"/>
+      <p:regular r:id="rId43"/>
     </p:embeddedFont>
     <p:embeddedFont>
       <p:font typeface="Wingdings 3" panose="05040102010807070707" pitchFamily="18" charset="2"/>
-      <p:regular r:id="rId36"/>
+      <p:regular r:id="rId44"/>
     </p:embeddedFont>
   </p:embeddedFontLst>
   <p:defaultTextStyle>
@@ -177,6 +188,17 @@
             <p14:sldId id="316"/>
           </p14:sldIdLst>
         </p14:section>
+        <p14:section name="بررسی متون" id="{E68386CA-BC6D-4109-A6C3-F4D272BEBAC9}">
+          <p14:sldIdLst>
+            <p14:sldId id="324"/>
+            <p14:sldId id="325"/>
+            <p14:sldId id="326"/>
+            <p14:sldId id="327"/>
+            <p14:sldId id="328"/>
+            <p14:sldId id="329"/>
+            <p14:sldId id="330"/>
+          </p14:sldIdLst>
+        </p14:section>
         <p14:section name="روش اجرا" id="{D767CB8A-0153-46F6-89FC-F079A745DFB0}">
           <p14:sldIdLst>
             <p14:sldId id="270"/>
@@ -303,7 +325,7 @@
           <a:p>
             <a:fld id="{56A4B7B7-614C-4EA9-8BE6-9D77F23E5717}" type="datetimeFigureOut">
               <a:rPr lang="en-US" smtClean="0"/>
-              <a:t>2/28/2025</a:t>
+              <a:t>3/3/2025</a:t>
             </a:fld>
             <a:endParaRPr lang="en-US"/>
           </a:p>
@@ -1133,7 +1155,7 @@
           <a:p>
             <a:fld id="{0B5A8F20-3E02-4461-994C-EA7C73B16FC1}" type="datetimeFigureOut">
               <a:rPr lang="en-US" smtClean="0"/>
-              <a:t>2/28/2025</a:t>
+              <a:t>3/3/2025</a:t>
             </a:fld>
             <a:endParaRPr lang="en-US"/>
           </a:p>
@@ -1750,7 +1772,7 @@
           <a:p>
             <a:fld id="{0B5A8F20-3E02-4461-994C-EA7C73B16FC1}" type="datetimeFigureOut">
               <a:rPr lang="en-US" smtClean="0"/>
-              <a:t>2/28/2025</a:t>
+              <a:t>3/3/2025</a:t>
             </a:fld>
             <a:endParaRPr lang="en-US"/>
           </a:p>
@@ -2041,7 +2063,7 @@
           <a:p>
             <a:fld id="{0B5A8F20-3E02-4461-994C-EA7C73B16FC1}" type="datetimeFigureOut">
               <a:rPr lang="en-US" smtClean="0"/>
-              <a:t>2/28/2025</a:t>
+              <a:t>3/3/2025</a:t>
             </a:fld>
             <a:endParaRPr lang="en-US"/>
           </a:p>
@@ -2239,7 +2261,7 @@
           <a:p>
             <a:fld id="{0B5A8F20-3E02-4461-994C-EA7C73B16FC1}" type="datetimeFigureOut">
               <a:rPr lang="en-US" smtClean="0"/>
-              <a:t>2/28/2025</a:t>
+              <a:t>3/3/2025</a:t>
             </a:fld>
             <a:endParaRPr lang="en-US"/>
           </a:p>
@@ -2447,7 +2469,7 @@
           <a:p>
             <a:fld id="{0B5A8F20-3E02-4461-994C-EA7C73B16FC1}" type="datetimeFigureOut">
               <a:rPr lang="en-US" smtClean="0"/>
-              <a:t>2/28/2025</a:t>
+              <a:t>3/3/2025</a:t>
             </a:fld>
             <a:endParaRPr lang="en-US"/>
           </a:p>
@@ -2801,7 +2823,7 @@
           <a:p>
             <a:fld id="{0B5A8F20-3E02-4461-994C-EA7C73B16FC1}" type="datetimeFigureOut">
               <a:rPr lang="en-US" smtClean="0"/>
-              <a:t>2/28/2025</a:t>
+              <a:t>3/3/2025</a:t>
             </a:fld>
             <a:endParaRPr lang="en-US"/>
           </a:p>
@@ -3213,7 +3235,7 @@
           <a:p>
             <a:fld id="{0B5A8F20-3E02-4461-994C-EA7C73B16FC1}" type="datetimeFigureOut">
               <a:rPr lang="en-US" smtClean="0"/>
-              <a:t>2/28/2025</a:t>
+              <a:t>3/3/2025</a:t>
             </a:fld>
             <a:endParaRPr lang="en-US"/>
           </a:p>
@@ -3625,7 +3647,7 @@
           <a:p>
             <a:fld id="{0B5A8F20-3E02-4461-994C-EA7C73B16FC1}" type="datetimeFigureOut">
               <a:rPr lang="en-US" smtClean="0"/>
-              <a:t>2/28/2025</a:t>
+              <a:t>3/3/2025</a:t>
             </a:fld>
             <a:endParaRPr lang="en-US"/>
           </a:p>
@@ -4340,7 +4362,7 @@
           <a:p>
             <a:fld id="{0B5A8F20-3E02-4461-994C-EA7C73B16FC1}" type="datetimeFigureOut">
               <a:rPr lang="en-US" smtClean="0"/>
-              <a:t>2/28/2025</a:t>
+              <a:t>3/3/2025</a:t>
             </a:fld>
             <a:endParaRPr lang="en-US"/>
           </a:p>
@@ -4744,7 +4766,7 @@
           <a:p>
             <a:fld id="{0B5A8F20-3E02-4461-994C-EA7C73B16FC1}" type="datetimeFigureOut">
               <a:rPr lang="en-US" smtClean="0"/>
-              <a:t>2/28/2025</a:t>
+              <a:t>3/3/2025</a:t>
             </a:fld>
             <a:endParaRPr lang="en-US"/>
           </a:p>
@@ -5156,7 +5178,7 @@
           <a:p>
             <a:fld id="{0B5A8F20-3E02-4461-994C-EA7C73B16FC1}" type="datetimeFigureOut">
               <a:rPr lang="en-US" smtClean="0"/>
-              <a:t>2/28/2025</a:t>
+              <a:t>3/3/2025</a:t>
             </a:fld>
             <a:endParaRPr lang="en-US"/>
           </a:p>
@@ -5297,7 +5319,7 @@
           <a:p>
             <a:fld id="{0B5A8F20-3E02-4461-994C-EA7C73B16FC1}" type="datetimeFigureOut">
               <a:rPr lang="en-US" smtClean="0"/>
-              <a:t>2/28/2025</a:t>
+              <a:t>3/3/2025</a:t>
             </a:fld>
             <a:endParaRPr lang="en-US"/>
           </a:p>
@@ -5410,7 +5432,7 @@
           <a:p>
             <a:fld id="{0B5A8F20-3E02-4461-994C-EA7C73B16FC1}" type="datetimeFigureOut">
               <a:rPr lang="en-US" smtClean="0"/>
-              <a:t>2/28/2025</a:t>
+              <a:t>3/3/2025</a:t>
             </a:fld>
             <a:endParaRPr lang="en-US"/>
           </a:p>
@@ -6195,7 +6217,7 @@
           <a:p>
             <a:fld id="{0B5A8F20-3E02-4461-994C-EA7C73B16FC1}" type="datetimeFigureOut">
               <a:rPr lang="en-US" smtClean="0"/>
-              <a:t>2/28/2025</a:t>
+              <a:t>3/3/2025</a:t>
             </a:fld>
             <a:endParaRPr lang="en-US"/>
           </a:p>
@@ -6861,7 +6883,7 @@
           <p:cNvPr id="2" name="Title 1">
             <a:extLst>
               <a:ext uri="{FF2B5EF4-FFF2-40B4-BE49-F238E27FC236}">
-                <a16:creationId xmlns:a16="http://schemas.microsoft.com/office/drawing/2014/main" id="{FF8FDF87-F3B2-1167-0DFF-225632C19308}"/>
+                <a16:creationId xmlns:a16="http://schemas.microsoft.com/office/drawing/2014/main" id="{BEB42EE1-30F8-398C-B23A-BAB85BC4F222}"/>
               </a:ext>
             </a:extLst>
           </p:cNvPr>
@@ -6872,14 +6894,27 @@
             <p:ph type="title"/>
           </p:nvPr>
         </p:nvSpPr>
-        <p:spPr/>
+        <p:spPr>
+          <a:xfrm>
+            <a:off x="838200" y="524019"/>
+            <a:ext cx="10515600" cy="1009651"/>
+          </a:xfrm>
+        </p:spPr>
         <p:txBody>
           <a:bodyPr/>
           <a:lstStyle/>
           <a:p>
             <a:r>
               <a:rPr lang="fa-IR" dirty="0"/>
-              <a:t>شرایط ورود به مطالعه</a:t>
+              <a:t>مطالعه </a:t>
+            </a:r>
+            <a:r>
+              <a:rPr lang="fa-IR" dirty="0" err="1"/>
+              <a:t>آرولیگا</a:t>
+            </a:r>
+            <a:r>
+              <a:rPr lang="fa-IR" dirty="0"/>
+              <a:t> و همکاران (2009)</a:t>
             </a:r>
             <a:endParaRPr lang="en-US" dirty="0"/>
           </a:p>
@@ -6887,107 +6922,262 @@
       </p:sp>
       <p:sp>
         <p:nvSpPr>
-          <p:cNvPr id="3" name="Content Placeholder 2">
-            <a:extLst>
-              <a:ext uri="{FF2B5EF4-FFF2-40B4-BE49-F238E27FC236}">
-                <a16:creationId xmlns:a16="http://schemas.microsoft.com/office/drawing/2014/main" id="{27A4C79F-A968-EB04-83AB-02B1017FC257}"/>
+          <p:cNvPr id="5" name="Rectangle 2">
+            <a:extLst>
+              <a:ext uri="{FF2B5EF4-FFF2-40B4-BE49-F238E27FC236}">
+                <a16:creationId xmlns:a16="http://schemas.microsoft.com/office/drawing/2014/main" id="{15084B3D-F956-B8FA-839F-FCA0E04C81AF}"/>
               </a:ext>
             </a:extLst>
           </p:cNvPr>
           <p:cNvSpPr>
-            <a:spLocks noGrp="1"/>
+            <a:spLocks noGrp="1" noChangeArrowheads="1"/>
           </p:cNvSpPr>
           <p:nvPr>
             <p:ph idx="1"/>
           </p:nvPr>
         </p:nvSpPr>
-        <p:spPr/>
+        <p:spPr bwMode="auto">
+          <a:xfrm>
+            <a:off x="838200" y="1949706"/>
+            <a:ext cx="10515600" cy="4103175"/>
+          </a:xfrm>
+          <a:noFill/>
+          <a:ln>
+            <a:noFill/>
+          </a:ln>
+          <a:effectLst/>
+          <a:extLst>
+            <a:ext uri="{909E8E84-426E-40DD-AFC4-6F175D3DCCD1}">
+              <a14:hiddenFill xmlns:a14="http://schemas.microsoft.com/office/drawing/2010/main">
+                <a:solidFill>
+                  <a:schemeClr val="accent1"/>
+                </a:solidFill>
+              </a14:hiddenFill>
+            </a:ext>
+            <a:ext uri="{91240B29-F687-4F45-9708-019B960494DF}">
+              <a14:hiddenLine xmlns:a14="http://schemas.microsoft.com/office/drawing/2010/main" w="9525">
+                <a:solidFill>
+                  <a:schemeClr val="tx1"/>
+                </a:solidFill>
+                <a:miter lim="800000"/>
+                <a:headEnd/>
+                <a:tailEnd/>
+              </a14:hiddenLine>
+            </a:ext>
+            <a:ext uri="{AF507438-7753-43E0-B8FC-AC1667EBCBE1}">
+              <a14:hiddenEffects xmlns:a14="http://schemas.microsoft.com/office/drawing/2010/main">
+                <a:effectLst>
+                  <a:outerShdw dist="35921" dir="2700000" algn="ctr" rotWithShape="0">
+                    <a:schemeClr val="bg2"/>
+                  </a:outerShdw>
+                </a:effectLst>
+              </a14:hiddenEffects>
+            </a:ext>
+          </a:extLst>
+        </p:spPr>
         <p:txBody>
-          <a:bodyPr>
-            <a:normAutofit/>
+          <a:bodyPr vert="horz" wrap="square" lIns="91440" tIns="45720" rIns="91440" bIns="45720" numCol="1" anchor="ctr" anchorCtr="0" compatLnSpc="1">
+            <a:prstTxWarp prst="textNoShape">
+              <a:avLst/>
+            </a:prstTxWarp>
+            <a:spAutoFit/>
           </a:bodyPr>
           <a:lstStyle/>
           <a:p>
-            <a:r>
-              <a:rPr lang="fa-IR" dirty="0"/>
-              <a:t>بیماران بستری در بخش مراقبتهای ویژه </a:t>
-            </a:r>
-          </a:p>
-          <a:p>
-            <a:r>
-              <a:rPr lang="en-US" dirty="0"/>
-              <a:t>Hb </a:t>
-            </a:r>
-            <a:r>
-              <a:rPr lang="fa-IR" dirty="0"/>
-              <a:t>سرم &lt;10 گرم در </a:t>
-            </a:r>
-            <a:r>
-              <a:rPr lang="fa-IR" dirty="0" err="1"/>
-              <a:t>دسی</a:t>
-            </a:r>
-            <a:r>
-              <a:rPr lang="fa-IR" dirty="0"/>
-              <a:t> لیتر  </a:t>
-            </a:r>
-          </a:p>
-          <a:p>
-            <a:r>
-              <a:rPr lang="fa-IR" dirty="0"/>
-              <a:t>سن بالای 18 سال </a:t>
-            </a:r>
-          </a:p>
-          <a:p>
-            <a:r>
-              <a:rPr lang="fa-IR" dirty="0"/>
-              <a:t>بیماران دارای حداقل دو معیار از معیارهای سندروم </a:t>
-            </a:r>
-            <a:r>
-              <a:rPr lang="fa-IR" dirty="0" err="1"/>
-              <a:t>التهابی</a:t>
-            </a:r>
-            <a:r>
-              <a:rPr lang="fa-IR" dirty="0"/>
-              <a:t> سیستمیک (</a:t>
-            </a:r>
-            <a:r>
-              <a:rPr lang="en-US" dirty="0"/>
-              <a:t>SIRS</a:t>
-            </a:r>
-            <a:r>
-              <a:rPr lang="fa-IR" dirty="0"/>
-              <a:t>)</a:t>
-            </a:r>
-          </a:p>
-          <a:p>
-            <a:r>
-              <a:rPr lang="fa-IR" dirty="0"/>
-              <a:t>انتظار اقامت در </a:t>
-            </a:r>
-            <a:r>
-              <a:rPr lang="en-US" dirty="0"/>
-              <a:t>ICU </a:t>
-            </a:r>
-            <a:r>
-              <a:rPr lang="fa-IR" dirty="0"/>
-              <a:t>حداقل 7 روز پس از ورود به مطالعه بر اساس تشخیص پزشک معالج بیمار</a:t>
-            </a:r>
-          </a:p>
-          <a:p>
-            <a:r>
-              <a:rPr lang="fa-IR" dirty="0"/>
-              <a:t>رضایت آگاهانه بیمار یا قیم قانونی وی </a:t>
-            </a:r>
-          </a:p>
-          <a:p>
-            <a:endParaRPr lang="en-US" dirty="0"/>
+            <a:pPr lvl="0"/>
+            <a:r>
+              <a:rPr lang="ar-SA" altLang="en-US" sz="2800" dirty="0"/>
+              <a:t>بررسی</a:t>
+            </a:r>
+            <a:r>
+              <a:rPr lang="en-US" altLang="en-US" sz="2800" dirty="0"/>
+              <a:t> PK </a:t>
+            </a:r>
+            <a:r>
+              <a:rPr lang="ar-SA" altLang="en-US" sz="2800" dirty="0"/>
+              <a:t>و</a:t>
+            </a:r>
+            <a:r>
+              <a:rPr lang="en-US" altLang="en-US" sz="2800" dirty="0"/>
+              <a:t> PD </a:t>
+            </a:r>
+            <a:r>
+              <a:rPr lang="ar-SA" altLang="en-US" sz="2800" dirty="0"/>
+              <a:t>اپوئتین آلفا</a:t>
+            </a:r>
+            <a:r>
+              <a:rPr lang="en-US" altLang="en-US" sz="2800" dirty="0"/>
+              <a:t> IV </a:t>
+            </a:r>
+            <a:r>
+              <a:rPr lang="ar-SA" altLang="en-US" sz="2800" dirty="0"/>
+              <a:t>در بیماران</a:t>
+            </a:r>
+            <a:r>
+              <a:rPr lang="en-US" altLang="en-US" sz="2800" dirty="0"/>
+              <a:t> ICU</a:t>
+            </a:r>
+          </a:p>
+          <a:p>
+            <a:pPr lvl="0"/>
+            <a:r>
+              <a:rPr lang="ar-SA" altLang="en-US" sz="2800" dirty="0"/>
+              <a:t>نمونه: 60 بیمار، 6 گروه دوزدهی</a:t>
+            </a:r>
+            <a:endParaRPr lang="en-US" altLang="en-US" sz="2800" dirty="0"/>
+          </a:p>
+          <a:p>
+            <a:pPr marL="0" lvl="0" indent="0">
+              <a:buNone/>
+            </a:pPr>
+            <a:r>
+              <a:rPr lang="ar-SA" altLang="en-US" sz="2800" dirty="0"/>
+              <a:t>نتایج</a:t>
+            </a:r>
+            <a:r>
+              <a:rPr lang="en-US" altLang="en-US" sz="2800" dirty="0"/>
+              <a:t> PK:</a:t>
+            </a:r>
+          </a:p>
+          <a:p>
+            <a:pPr lvl="0"/>
+            <a:r>
+              <a:rPr lang="en-US" altLang="en-US" sz="2800" dirty="0" err="1"/>
+              <a:t>Cmax</a:t>
+            </a:r>
+            <a:r>
+              <a:rPr lang="en-US" altLang="en-US" sz="2800" dirty="0"/>
+              <a:t> IV </a:t>
+            </a:r>
+            <a:r>
+              <a:rPr lang="ar-SA" altLang="en-US" sz="2800" dirty="0"/>
+              <a:t>برابر با 19,398</a:t>
+            </a:r>
+            <a:r>
+              <a:rPr lang="en-US" altLang="en-US" sz="2800" dirty="0"/>
+              <a:t> </a:t>
+            </a:r>
+            <a:r>
+              <a:rPr lang="en-US" altLang="en-US" sz="2800" dirty="0" err="1"/>
+              <a:t>mIU</a:t>
+            </a:r>
+            <a:r>
+              <a:rPr lang="en-US" altLang="en-US" sz="2800" dirty="0"/>
+              <a:t>/mL، </a:t>
+            </a:r>
+            <a:r>
+              <a:rPr lang="ar-SA" altLang="en-US" sz="2800" dirty="0"/>
+              <a:t>در حالی که</a:t>
+            </a:r>
+            <a:r>
+              <a:rPr lang="en-US" altLang="en-US" sz="2800" dirty="0"/>
+              <a:t> </a:t>
+            </a:r>
+            <a:r>
+              <a:rPr lang="en-US" altLang="en-US" sz="2800" dirty="0" err="1"/>
+              <a:t>Cmax</a:t>
+            </a:r>
+            <a:r>
+              <a:rPr lang="en-US" altLang="en-US" sz="2800" dirty="0"/>
+              <a:t> SC </a:t>
+            </a:r>
+            <a:r>
+              <a:rPr lang="ar-SA" altLang="en-US" sz="2800" dirty="0"/>
+              <a:t>برابر با 434</a:t>
+            </a:r>
+            <a:r>
+              <a:rPr lang="en-US" altLang="en-US" sz="2800" dirty="0"/>
+              <a:t> </a:t>
+            </a:r>
+            <a:r>
+              <a:rPr lang="en-US" altLang="en-US" sz="2800" dirty="0" err="1"/>
+              <a:t>mIU</a:t>
+            </a:r>
+            <a:r>
+              <a:rPr lang="en-US" altLang="en-US" sz="2800" dirty="0"/>
+              <a:t>/mL </a:t>
+            </a:r>
+            <a:r>
+              <a:rPr lang="ar-SA" altLang="en-US" sz="2800" dirty="0"/>
+              <a:t>بود</a:t>
+            </a:r>
+            <a:endParaRPr lang="en-US" altLang="en-US" sz="2800" dirty="0"/>
+          </a:p>
+          <a:p>
+            <a:pPr lvl="0"/>
+            <a:r>
+              <a:rPr lang="en-US" altLang="en-US" sz="2800" dirty="0"/>
+              <a:t>AUC IV </a:t>
+            </a:r>
+            <a:r>
+              <a:rPr lang="ar-SA" altLang="en-US" sz="2800" dirty="0"/>
+              <a:t>به‌طور قابل‌توجهی بالاتر از</a:t>
+            </a:r>
+            <a:r>
+              <a:rPr lang="en-US" altLang="en-US" sz="2800" dirty="0"/>
+              <a:t> SC </a:t>
+            </a:r>
+            <a:r>
+              <a:rPr lang="ar-SA" altLang="en-US" sz="2800" dirty="0"/>
+              <a:t>بود</a:t>
+            </a:r>
+            <a:endParaRPr lang="en-US" altLang="en-US" sz="2800" dirty="0"/>
+          </a:p>
+          <a:p>
+            <a:pPr marL="0" lvl="0" indent="0">
+              <a:buNone/>
+            </a:pPr>
+            <a:r>
+              <a:rPr lang="ar-SA" altLang="en-US" sz="2800" dirty="0"/>
+              <a:t>نتایج</a:t>
+            </a:r>
+            <a:r>
+              <a:rPr lang="en-US" altLang="en-US" sz="2800" dirty="0"/>
+              <a:t> PD:</a:t>
+            </a:r>
+          </a:p>
+          <a:p>
+            <a:pPr lvl="0"/>
+            <a:r>
+              <a:rPr lang="ar-SA" altLang="en-US" sz="2800" dirty="0"/>
+              <a:t>پاسخ رتیکولوسیتی در</a:t>
+            </a:r>
+            <a:r>
+              <a:rPr lang="en-US" altLang="en-US" sz="2800" dirty="0"/>
+              <a:t> SC </a:t>
+            </a:r>
+            <a:r>
+              <a:rPr lang="ar-SA" altLang="en-US" sz="2800" dirty="0"/>
+              <a:t>بالاتر از</a:t>
+            </a:r>
+            <a:r>
+              <a:rPr lang="en-US" altLang="en-US" sz="2800" dirty="0"/>
+              <a:t> IV </a:t>
+            </a:r>
+            <a:r>
+              <a:rPr lang="ar-SA" altLang="en-US" sz="2800" dirty="0"/>
+              <a:t>بود</a:t>
+            </a:r>
+            <a:endParaRPr lang="en-US" altLang="en-US" sz="2800" dirty="0"/>
+          </a:p>
+          <a:p>
+            <a:pPr lvl="0"/>
+            <a:r>
+              <a:rPr lang="en-US" altLang="en-US" sz="2800" dirty="0"/>
+              <a:t>93 </a:t>
+            </a:r>
+            <a:r>
+              <a:rPr lang="ar-SA" altLang="en-US" sz="2800" dirty="0"/>
+              <a:t>درصد بیماران حداقل یک عارضه جانبی داشتند اما هیچ‌کدام مرتبط با دارو نبود</a:t>
+            </a:r>
+            <a:endParaRPr lang="en-US" altLang="en-US" sz="2800" dirty="0"/>
           </a:p>
         </p:txBody>
       </p:sp>
     </p:spTree>
     <p:extLst>
       <p:ext uri="{BB962C8B-B14F-4D97-AF65-F5344CB8AC3E}">
-        <p14:creationId xmlns:p14="http://schemas.microsoft.com/office/powerpoint/2010/main" val="4281404498"/>
+        <p14:creationId xmlns:p14="http://schemas.microsoft.com/office/powerpoint/2010/main" val="1519020151"/>
       </p:ext>
     </p:extLst>
   </p:cSld>
@@ -7014,42 +7204,12 @@
           <a:chExt cx="0" cy="0"/>
         </a:xfrm>
       </p:grpSpPr>
-      <p:pic>
-        <p:nvPicPr>
-          <p:cNvPr id="6" name="Picture 5">
-            <a:extLst>
-              <a:ext uri="{FF2B5EF4-FFF2-40B4-BE49-F238E27FC236}">
-                <a16:creationId xmlns:a16="http://schemas.microsoft.com/office/drawing/2014/main" id="{32881F6B-3CDD-DE1D-EEC5-5C93AB954400}"/>
-              </a:ext>
-            </a:extLst>
-          </p:cNvPr>
-          <p:cNvPicPr>
-            <a:picLocks noChangeAspect="1"/>
-          </p:cNvPicPr>
-          <p:nvPr/>
-        </p:nvPicPr>
-        <p:blipFill>
-          <a:blip r:embed="rId2"/>
-          <a:stretch>
-            <a:fillRect/>
-          </a:stretch>
-        </p:blipFill>
-        <p:spPr>
-          <a:xfrm>
-            <a:off x="1118912" y="1634918"/>
-            <a:ext cx="9954176" cy="4303766"/>
-          </a:xfrm>
-          <a:prstGeom prst="rect">
-            <a:avLst/>
-          </a:prstGeom>
-        </p:spPr>
-      </p:pic>
-      <p:sp>
-        <p:nvSpPr>
-          <p:cNvPr id="7" name="Title 6">
-            <a:extLst>
-              <a:ext uri="{FF2B5EF4-FFF2-40B4-BE49-F238E27FC236}">
-                <a16:creationId xmlns:a16="http://schemas.microsoft.com/office/drawing/2014/main" id="{DAAD03C6-4A53-6B4F-85D2-81536659F9B4}"/>
+      <p:sp>
+        <p:nvSpPr>
+          <p:cNvPr id="2" name="Title 1">
+            <a:extLst>
+              <a:ext uri="{FF2B5EF4-FFF2-40B4-BE49-F238E27FC236}">
+                <a16:creationId xmlns:a16="http://schemas.microsoft.com/office/drawing/2014/main" id="{DE4DC08A-0346-9140-F77A-B302446B165E}"/>
               </a:ext>
             </a:extLst>
           </p:cNvPr>
@@ -7065,14 +7225,215 @@
           <a:bodyPr/>
           <a:lstStyle/>
           <a:p>
-            <a:endParaRPr lang="en-US"/>
+            <a:r>
+              <a:rPr lang="fa-IR" dirty="0"/>
+              <a:t>مقایسه انواع </a:t>
+            </a:r>
+            <a:r>
+              <a:rPr lang="fa-IR" dirty="0" err="1"/>
+              <a:t>اریتروپوئتین</a:t>
+            </a:r>
+            <a:endParaRPr lang="en-US" dirty="0"/>
+          </a:p>
+        </p:txBody>
+      </p:sp>
+      <p:sp>
+        <p:nvSpPr>
+          <p:cNvPr id="3" name="Content Placeholder 2">
+            <a:extLst>
+              <a:ext uri="{FF2B5EF4-FFF2-40B4-BE49-F238E27FC236}">
+                <a16:creationId xmlns:a16="http://schemas.microsoft.com/office/drawing/2014/main" id="{9049DA3E-6756-E8F3-3E53-F0819CE8C3DA}"/>
+              </a:ext>
+            </a:extLst>
+          </p:cNvPr>
+          <p:cNvSpPr>
+            <a:spLocks noGrp="1"/>
+          </p:cNvSpPr>
+          <p:nvPr>
+            <p:ph idx="1"/>
+          </p:nvPr>
+        </p:nvSpPr>
+        <p:spPr/>
+        <p:txBody>
+          <a:bodyPr/>
+          <a:lstStyle/>
+          <a:p>
+            <a:pPr marL="0" indent="0">
+              <a:buNone/>
+            </a:pPr>
+            <a:r>
+              <a:rPr lang="fa-IR" b="1" dirty="0"/>
+              <a:t>مطالعه </a:t>
+            </a:r>
+            <a:r>
+              <a:rPr lang="fa-IR" b="1" dirty="0" err="1"/>
+              <a:t>کرکوف</a:t>
+            </a:r>
+            <a:r>
+              <a:rPr lang="fa-IR" b="1" dirty="0"/>
+              <a:t> و همکاران (2011)</a:t>
+            </a:r>
+            <a:endParaRPr lang="fa-IR" dirty="0"/>
+          </a:p>
+          <a:p>
+            <a:pPr>
+              <a:buFont typeface="Arial" panose="020B0604020202020204" pitchFamily="34" charset="0"/>
+              <a:buChar char="•"/>
+            </a:pPr>
+            <a:r>
+              <a:rPr lang="fa-IR" dirty="0"/>
+              <a:t>بررسی </a:t>
+            </a:r>
+            <a:r>
+              <a:rPr lang="en-US" dirty="0"/>
+              <a:t>PK</a:t>
+            </a:r>
+            <a:r>
+              <a:rPr lang="fa-IR" dirty="0"/>
+              <a:t> </a:t>
+            </a:r>
+            <a:r>
+              <a:rPr lang="fa-IR" dirty="0" err="1"/>
+              <a:t>اپوئتین</a:t>
+            </a:r>
+            <a:r>
+              <a:rPr lang="fa-IR" dirty="0"/>
+              <a:t> </a:t>
+            </a:r>
+            <a:r>
+              <a:rPr lang="fa-IR" dirty="0" err="1"/>
+              <a:t>زتا</a:t>
+            </a:r>
+            <a:r>
+              <a:rPr lang="fa-IR" dirty="0"/>
+              <a:t> و </a:t>
+            </a:r>
+            <a:r>
+              <a:rPr lang="fa-IR" dirty="0" err="1"/>
+              <a:t>اپوئتین</a:t>
+            </a:r>
+            <a:r>
+              <a:rPr lang="fa-IR" dirty="0"/>
+              <a:t> آلفا</a:t>
+            </a:r>
+          </a:p>
+          <a:p>
+            <a:pPr>
+              <a:buFont typeface="Arial" panose="020B0604020202020204" pitchFamily="34" charset="0"/>
+              <a:buChar char="•"/>
+            </a:pPr>
+            <a:r>
+              <a:rPr lang="fa-IR" dirty="0"/>
+              <a:t>نتایج:</a:t>
+            </a:r>
+          </a:p>
+          <a:p>
+            <a:pPr marL="742950" lvl="1" indent="-285750">
+              <a:buFont typeface="Arial" panose="020B0604020202020204" pitchFamily="34" charset="0"/>
+              <a:buChar char="•"/>
+            </a:pPr>
+            <a:r>
+              <a:rPr lang="fa-IR" dirty="0" err="1"/>
+              <a:t>فراهمی</a:t>
+            </a:r>
+            <a:r>
+              <a:rPr lang="fa-IR" dirty="0"/>
+              <a:t> زیستی </a:t>
+            </a:r>
+            <a:r>
+              <a:rPr lang="en-US" dirty="0"/>
+              <a:t>SC </a:t>
+            </a:r>
+            <a:r>
+              <a:rPr lang="fa-IR" dirty="0"/>
+              <a:t>برای </a:t>
+            </a:r>
+            <a:r>
+              <a:rPr lang="fa-IR" dirty="0" err="1"/>
+              <a:t>اپوئتین</a:t>
+            </a:r>
+            <a:r>
+              <a:rPr lang="fa-IR" dirty="0"/>
+              <a:t> </a:t>
+            </a:r>
+            <a:r>
+              <a:rPr lang="fa-IR" dirty="0" err="1"/>
+              <a:t>زتا</a:t>
+            </a:r>
+            <a:r>
+              <a:rPr lang="fa-IR" dirty="0"/>
+              <a:t> 24 درصد و برای </a:t>
+            </a:r>
+            <a:r>
+              <a:rPr lang="fa-IR" dirty="0" err="1"/>
+              <a:t>اپوئتین</a:t>
+            </a:r>
+            <a:r>
+              <a:rPr lang="fa-IR" dirty="0"/>
+              <a:t> آلفا 20 درصد</a:t>
+            </a:r>
+          </a:p>
+          <a:p>
+            <a:pPr marL="742950" lvl="1" indent="-285750">
+              <a:buFont typeface="Arial" panose="020B0604020202020204" pitchFamily="34" charset="0"/>
+              <a:buChar char="•"/>
+            </a:pPr>
+            <a:r>
+              <a:rPr lang="fa-IR" dirty="0" err="1"/>
+              <a:t>نیمه‌عمر</a:t>
+            </a:r>
+            <a:r>
+              <a:rPr lang="fa-IR" dirty="0"/>
+              <a:t> هر دو دارو تقریباً 24 ساعت</a:t>
+            </a:r>
+          </a:p>
+          <a:p>
+            <a:pPr marL="742950" lvl="1" indent="-285750">
+              <a:buFont typeface="Arial" panose="020B0604020202020204" pitchFamily="34" charset="0"/>
+              <a:buChar char="•"/>
+            </a:pPr>
+            <a:r>
+              <a:rPr lang="fa-IR" dirty="0" err="1"/>
+              <a:t>اپوئتین</a:t>
+            </a:r>
+            <a:r>
+              <a:rPr lang="fa-IR" dirty="0"/>
+              <a:t> </a:t>
+            </a:r>
+            <a:r>
+              <a:rPr lang="fa-IR" dirty="0" err="1"/>
+              <a:t>زتا</a:t>
+            </a:r>
+            <a:r>
+              <a:rPr lang="fa-IR" dirty="0"/>
+              <a:t> از نظر </a:t>
+            </a:r>
+            <a:r>
+              <a:rPr lang="en-US" dirty="0"/>
+              <a:t>PK </a:t>
+            </a:r>
+            <a:r>
+              <a:rPr lang="fa-IR" dirty="0"/>
+              <a:t>معادل </a:t>
+            </a:r>
+            <a:r>
+              <a:rPr lang="fa-IR" dirty="0" err="1"/>
+              <a:t>اپوئتین</a:t>
+            </a:r>
+            <a:r>
+              <a:rPr lang="fa-IR" dirty="0"/>
+              <a:t> آلفا است</a:t>
+            </a:r>
+          </a:p>
+          <a:p>
+            <a:endParaRPr lang="en-US" dirty="0"/>
           </a:p>
         </p:txBody>
       </p:sp>
     </p:spTree>
     <p:extLst>
       <p:ext uri="{BB962C8B-B14F-4D97-AF65-F5344CB8AC3E}">
-        <p14:creationId xmlns:p14="http://schemas.microsoft.com/office/powerpoint/2010/main" val="436838293"/>
+        <p14:creationId xmlns:p14="http://schemas.microsoft.com/office/powerpoint/2010/main" val="2407310158"/>
       </p:ext>
     </p:extLst>
   </p:cSld>
@@ -7101,6 +7462,1284 @@
       </p:grpSpPr>
       <p:sp>
         <p:nvSpPr>
+          <p:cNvPr id="6" name="Title 5">
+            <a:extLst>
+              <a:ext uri="{FF2B5EF4-FFF2-40B4-BE49-F238E27FC236}">
+                <a16:creationId xmlns:a16="http://schemas.microsoft.com/office/drawing/2014/main" id="{F5E85519-6374-848A-AF33-E0252F45D60A}"/>
+              </a:ext>
+            </a:extLst>
+          </p:cNvPr>
+          <p:cNvSpPr>
+            <a:spLocks noGrp="1"/>
+          </p:cNvSpPr>
+          <p:nvPr>
+            <p:ph type="title"/>
+          </p:nvPr>
+        </p:nvSpPr>
+        <p:spPr/>
+        <p:txBody>
+          <a:bodyPr/>
+          <a:lstStyle/>
+          <a:p>
+            <a:r>
+              <a:rPr lang="fa-IR" dirty="0"/>
+              <a:t>مطالعه </a:t>
+            </a:r>
+            <a:r>
+              <a:rPr lang="fa-IR" dirty="0" err="1"/>
+              <a:t>یان</a:t>
+            </a:r>
+            <a:r>
+              <a:rPr lang="fa-IR" dirty="0"/>
+              <a:t> و همکاران (2012)</a:t>
+            </a:r>
+            <a:endParaRPr lang="en-US" dirty="0"/>
+          </a:p>
+        </p:txBody>
+      </p:sp>
+      <p:sp>
+        <p:nvSpPr>
+          <p:cNvPr id="4" name="Rectangle 1">
+            <a:extLst>
+              <a:ext uri="{FF2B5EF4-FFF2-40B4-BE49-F238E27FC236}">
+                <a16:creationId xmlns:a16="http://schemas.microsoft.com/office/drawing/2014/main" id="{3A5B0904-4C8F-FD0B-9658-46A40E77E87C}"/>
+              </a:ext>
+            </a:extLst>
+          </p:cNvPr>
+          <p:cNvSpPr>
+            <a:spLocks noGrp="1" noChangeArrowheads="1"/>
+          </p:cNvSpPr>
+          <p:nvPr>
+            <p:ph idx="1"/>
+          </p:nvPr>
+        </p:nvSpPr>
+        <p:spPr bwMode="auto">
+          <a:xfrm>
+            <a:off x="3521208" y="2013057"/>
+            <a:ext cx="7832592" cy="3976473"/>
+          </a:xfrm>
+          <a:noFill/>
+          <a:ln>
+            <a:noFill/>
+          </a:ln>
+          <a:effectLst/>
+          <a:extLst>
+            <a:ext uri="{909E8E84-426E-40DD-AFC4-6F175D3DCCD1}">
+              <a14:hiddenFill xmlns:a14="http://schemas.microsoft.com/office/drawing/2010/main">
+                <a:solidFill>
+                  <a:schemeClr val="accent1"/>
+                </a:solidFill>
+              </a14:hiddenFill>
+            </a:ext>
+            <a:ext uri="{91240B29-F687-4F45-9708-019B960494DF}">
+              <a14:hiddenLine xmlns:a14="http://schemas.microsoft.com/office/drawing/2010/main" w="9525">
+                <a:solidFill>
+                  <a:schemeClr val="tx1"/>
+                </a:solidFill>
+                <a:miter lim="800000"/>
+                <a:headEnd/>
+                <a:tailEnd/>
+              </a14:hiddenLine>
+            </a:ext>
+            <a:ext uri="{AF507438-7753-43E0-B8FC-AC1667EBCBE1}">
+              <a14:hiddenEffects xmlns:a14="http://schemas.microsoft.com/office/drawing/2010/main">
+                <a:effectLst>
+                  <a:outerShdw dist="35921" dir="2700000" algn="ctr" rotWithShape="0">
+                    <a:schemeClr val="bg2"/>
+                  </a:outerShdw>
+                </a:effectLst>
+              </a14:hiddenEffects>
+            </a:ext>
+          </a:extLst>
+        </p:spPr>
+        <p:txBody>
+          <a:bodyPr vert="horz" wrap="none" lIns="91440" tIns="45720" rIns="91440" bIns="45720" numCol="1" anchor="ctr" anchorCtr="0" compatLnSpc="1">
+            <a:prstTxWarp prst="textNoShape">
+              <a:avLst/>
+            </a:prstTxWarp>
+            <a:spAutoFit/>
+          </a:bodyPr>
+          <a:lstStyle/>
+          <a:p>
+            <a:pPr lvl="0"/>
+            <a:endParaRPr lang="en-US" altLang="en-US" dirty="0"/>
+          </a:p>
+          <a:p>
+            <a:pPr lvl="0"/>
+            <a:r>
+              <a:rPr lang="ar-SA" altLang="en-US" dirty="0"/>
+              <a:t>مقایسه</a:t>
+            </a:r>
+            <a:r>
+              <a:rPr lang="en-US" altLang="en-US" dirty="0"/>
+              <a:t> PK </a:t>
+            </a:r>
+            <a:r>
+              <a:rPr lang="ar-SA" altLang="en-US" dirty="0"/>
+              <a:t>و</a:t>
+            </a:r>
+            <a:r>
+              <a:rPr lang="en-US" altLang="en-US" dirty="0"/>
+              <a:t> PD </a:t>
+            </a:r>
+            <a:r>
+              <a:rPr lang="ar-SA" altLang="en-US" dirty="0"/>
+              <a:t>زیست‌مشابه</a:t>
+            </a:r>
+            <a:r>
+              <a:rPr lang="en-US" altLang="en-US" dirty="0"/>
+              <a:t> HX575 </a:t>
+            </a:r>
+            <a:r>
+              <a:rPr lang="ar-SA" altLang="en-US" dirty="0"/>
+              <a:t>با اپوئتین آلفا</a:t>
+            </a:r>
+            <a:endParaRPr lang="en-US" altLang="en-US" dirty="0"/>
+          </a:p>
+          <a:p>
+            <a:pPr marL="0" lvl="0" indent="0">
+              <a:buNone/>
+            </a:pPr>
+            <a:r>
+              <a:rPr lang="ar-SA" altLang="en-US" dirty="0"/>
+              <a:t>نتایج</a:t>
+            </a:r>
+            <a:r>
+              <a:rPr lang="en-US" altLang="en-US" dirty="0"/>
+              <a:t>:</a:t>
+            </a:r>
+          </a:p>
+          <a:p>
+            <a:pPr lvl="0"/>
+            <a:r>
+              <a:rPr lang="en-US" altLang="en-US" dirty="0"/>
+              <a:t>PK </a:t>
+            </a:r>
+            <a:r>
+              <a:rPr lang="ar-SA" altLang="en-US" dirty="0"/>
+              <a:t>غیرایستا، پاکسازی کل پس از دوزدهی افزایش یافت</a:t>
+            </a:r>
+            <a:endParaRPr lang="en-US" altLang="en-US" dirty="0"/>
+          </a:p>
+          <a:p>
+            <a:pPr lvl="0"/>
+            <a:r>
+              <a:rPr lang="ar-SA" altLang="en-US" dirty="0"/>
+              <a:t>تفاوت معناداری در</a:t>
+            </a:r>
+            <a:r>
+              <a:rPr lang="en-US" altLang="en-US" dirty="0"/>
+              <a:t> Hb، </a:t>
+            </a:r>
+            <a:r>
+              <a:rPr lang="ar-SA" altLang="en-US" dirty="0"/>
+              <a:t>رتیکولوسیت‌ها و</a:t>
+            </a:r>
+            <a:r>
+              <a:rPr lang="en-US" altLang="en-US" dirty="0"/>
+              <a:t> RBC </a:t>
+            </a:r>
+            <a:r>
+              <a:rPr lang="ar-SA" altLang="en-US" dirty="0"/>
+              <a:t>مشاهده نشد</a:t>
+            </a:r>
+            <a:endParaRPr lang="en-US" altLang="en-US" dirty="0"/>
+          </a:p>
+          <a:p>
+            <a:pPr lvl="0"/>
+            <a:r>
+              <a:rPr lang="en-US" altLang="en-US" dirty="0"/>
+              <a:t>HX575 </a:t>
+            </a:r>
+            <a:r>
+              <a:rPr lang="ar-SA" altLang="en-US" dirty="0"/>
+              <a:t>از نظر فارماکولوژیکی معادل اپوئتین آلفا است</a:t>
+            </a:r>
+            <a:endParaRPr lang="en-US" altLang="en-US" dirty="0"/>
+          </a:p>
+          <a:p>
+            <a:pPr lvl="0"/>
+            <a:endParaRPr lang="en-US" altLang="en-US" dirty="0"/>
+          </a:p>
+        </p:txBody>
+      </p:sp>
+    </p:spTree>
+    <p:extLst>
+      <p:ext uri="{BB962C8B-B14F-4D97-AF65-F5344CB8AC3E}">
+        <p14:creationId xmlns:p14="http://schemas.microsoft.com/office/powerpoint/2010/main" val="1691698802"/>
+      </p:ext>
+    </p:extLst>
+  </p:cSld>
+  <p:clrMapOvr>
+    <a:masterClrMapping/>
+  </p:clrMapOvr>
+</p:sld>
+</file>
+
+<file path=ppt/slides/slide13.xml><?xml version="1.0" encoding="utf-8"?>
+<p:sld xmlns:a="http://schemas.openxmlformats.org/drawingml/2006/main" xmlns:r="http://schemas.openxmlformats.org/officeDocument/2006/relationships" xmlns:p="http://schemas.openxmlformats.org/presentationml/2006/main">
+  <p:cSld>
+    <p:spTree>
+      <p:nvGrpSpPr>
+        <p:cNvPr id="1" name=""/>
+        <p:cNvGrpSpPr/>
+        <p:nvPr/>
+      </p:nvGrpSpPr>
+      <p:grpSpPr>
+        <a:xfrm>
+          <a:off x="0" y="0"/>
+          <a:ext cx="0" cy="0"/>
+          <a:chOff x="0" y="0"/>
+          <a:chExt cx="0" cy="0"/>
+        </a:xfrm>
+      </p:grpSpPr>
+      <p:sp>
+        <p:nvSpPr>
+          <p:cNvPr id="6" name="Title 5">
+            <a:extLst>
+              <a:ext uri="{FF2B5EF4-FFF2-40B4-BE49-F238E27FC236}">
+                <a16:creationId xmlns:a16="http://schemas.microsoft.com/office/drawing/2014/main" id="{84A0ADD9-F418-1CAA-4615-5FCE3A99A2AF}"/>
+              </a:ext>
+            </a:extLst>
+          </p:cNvPr>
+          <p:cNvSpPr>
+            <a:spLocks noGrp="1"/>
+          </p:cNvSpPr>
+          <p:nvPr>
+            <p:ph type="title"/>
+          </p:nvPr>
+        </p:nvSpPr>
+        <p:spPr/>
+        <p:txBody>
+          <a:bodyPr/>
+          <a:lstStyle/>
+          <a:p>
+            <a:r>
+              <a:rPr lang="fa-IR" dirty="0"/>
+              <a:t>مطالعه </a:t>
+            </a:r>
+            <a:r>
+              <a:rPr lang="fa-IR" dirty="0" err="1"/>
+              <a:t>استالکر</a:t>
+            </a:r>
+            <a:r>
+              <a:rPr lang="fa-IR" dirty="0"/>
+              <a:t> و همکاران (2016)</a:t>
+            </a:r>
+            <a:endParaRPr lang="en-US" dirty="0"/>
+          </a:p>
+        </p:txBody>
+      </p:sp>
+      <p:sp>
+        <p:nvSpPr>
+          <p:cNvPr id="4" name="Rectangle 1">
+            <a:extLst>
+              <a:ext uri="{FF2B5EF4-FFF2-40B4-BE49-F238E27FC236}">
+                <a16:creationId xmlns:a16="http://schemas.microsoft.com/office/drawing/2014/main" id="{0D9C2D83-EC26-A32E-B02C-0C0207FE06BD}"/>
+              </a:ext>
+            </a:extLst>
+          </p:cNvPr>
+          <p:cNvSpPr>
+            <a:spLocks noGrp="1" noChangeArrowheads="1"/>
+          </p:cNvSpPr>
+          <p:nvPr>
+            <p:ph idx="1"/>
+          </p:nvPr>
+        </p:nvSpPr>
+        <p:spPr bwMode="auto">
+          <a:xfrm>
+            <a:off x="2334985" y="2013057"/>
+            <a:ext cx="9018815" cy="3976473"/>
+          </a:xfrm>
+          <a:noFill/>
+          <a:ln>
+            <a:noFill/>
+          </a:ln>
+          <a:effectLst/>
+          <a:extLst>
+            <a:ext uri="{909E8E84-426E-40DD-AFC4-6F175D3DCCD1}">
+              <a14:hiddenFill xmlns:a14="http://schemas.microsoft.com/office/drawing/2010/main">
+                <a:solidFill>
+                  <a:schemeClr val="accent1"/>
+                </a:solidFill>
+              </a14:hiddenFill>
+            </a:ext>
+            <a:ext uri="{91240B29-F687-4F45-9708-019B960494DF}">
+              <a14:hiddenLine xmlns:a14="http://schemas.microsoft.com/office/drawing/2010/main" w="9525">
+                <a:solidFill>
+                  <a:schemeClr val="tx1"/>
+                </a:solidFill>
+                <a:miter lim="800000"/>
+                <a:headEnd/>
+                <a:tailEnd/>
+              </a14:hiddenLine>
+            </a:ext>
+            <a:ext uri="{AF507438-7753-43E0-B8FC-AC1667EBCBE1}">
+              <a14:hiddenEffects xmlns:a14="http://schemas.microsoft.com/office/drawing/2010/main">
+                <a:effectLst>
+                  <a:outerShdw dist="35921" dir="2700000" algn="ctr" rotWithShape="0">
+                    <a:schemeClr val="bg2"/>
+                  </a:outerShdw>
+                </a:effectLst>
+              </a14:hiddenEffects>
+            </a:ext>
+          </a:extLst>
+        </p:spPr>
+        <p:txBody>
+          <a:bodyPr vert="horz" wrap="none" lIns="91440" tIns="45720" rIns="91440" bIns="45720" numCol="1" anchor="ctr" anchorCtr="0" compatLnSpc="1">
+            <a:prstTxWarp prst="textNoShape">
+              <a:avLst/>
+            </a:prstTxWarp>
+            <a:spAutoFit/>
+          </a:bodyPr>
+          <a:lstStyle/>
+          <a:p>
+            <a:pPr lvl="0"/>
+            <a:endParaRPr lang="en-US" altLang="en-US" dirty="0"/>
+          </a:p>
+          <a:p>
+            <a:pPr lvl="0"/>
+            <a:r>
+              <a:rPr lang="ar-SA" altLang="en-US" dirty="0"/>
+              <a:t>مقایسه زیست‌مشابه</a:t>
+            </a:r>
+            <a:r>
+              <a:rPr lang="en-US" altLang="en-US" dirty="0"/>
+              <a:t> Epoetin Hospira </a:t>
+            </a:r>
+            <a:r>
+              <a:rPr lang="ar-SA" altLang="en-US" dirty="0"/>
+              <a:t>با</a:t>
+            </a:r>
+            <a:r>
+              <a:rPr lang="en-US" altLang="en-US" dirty="0"/>
+              <a:t> Epogen</a:t>
+            </a:r>
+          </a:p>
+          <a:p>
+            <a:pPr marL="0" lvl="0" indent="0">
+              <a:buNone/>
+            </a:pPr>
+            <a:r>
+              <a:rPr lang="ar-SA" altLang="en-US" dirty="0"/>
+              <a:t>نتایج</a:t>
+            </a:r>
+            <a:r>
+              <a:rPr lang="en-US" altLang="en-US" dirty="0"/>
+              <a:t>:</a:t>
+            </a:r>
+          </a:p>
+          <a:p>
+            <a:pPr lvl="0"/>
+            <a:r>
+              <a:rPr lang="en-US" altLang="en-US" dirty="0"/>
+              <a:t>AUC </a:t>
+            </a:r>
+            <a:r>
+              <a:rPr lang="ar-SA" altLang="en-US" dirty="0"/>
+              <a:t>و</a:t>
+            </a:r>
+            <a:r>
+              <a:rPr lang="en-US" altLang="en-US" dirty="0"/>
+              <a:t> </a:t>
+            </a:r>
+            <a:r>
+              <a:rPr lang="en-US" altLang="en-US" dirty="0" err="1"/>
+              <a:t>Cmax</a:t>
+            </a:r>
+            <a:r>
+              <a:rPr lang="en-US" altLang="en-US" dirty="0"/>
+              <a:t> </a:t>
+            </a:r>
+            <a:r>
+              <a:rPr lang="ar-SA" altLang="en-US" dirty="0"/>
+              <a:t>در محدوده معادل بودن (0.80–1.25) قرار داشتند</a:t>
+            </a:r>
+            <a:endParaRPr lang="en-US" altLang="en-US" dirty="0"/>
+          </a:p>
+          <a:p>
+            <a:pPr lvl="0"/>
+            <a:r>
+              <a:rPr lang="ar-SA" altLang="en-US" dirty="0"/>
+              <a:t>پروفایل ایمنی مشابه بود (21.2 درصد و 23.8 درصد رویداد نامطلوب)</a:t>
+            </a:r>
+            <a:endParaRPr lang="en-US" altLang="en-US" dirty="0"/>
+          </a:p>
+          <a:p>
+            <a:pPr lvl="0"/>
+            <a:r>
+              <a:rPr lang="en-US" altLang="en-US" dirty="0"/>
+              <a:t>Epoetin Hospira </a:t>
+            </a:r>
+            <a:r>
+              <a:rPr lang="ar-SA" altLang="en-US" dirty="0"/>
+              <a:t>جایگزین مناسبی برای</a:t>
+            </a:r>
+            <a:r>
+              <a:rPr lang="en-US" altLang="en-US" dirty="0"/>
+              <a:t> Epogen </a:t>
+            </a:r>
+            <a:r>
+              <a:rPr lang="ar-SA" altLang="en-US" dirty="0"/>
+              <a:t>است</a:t>
+            </a:r>
+            <a:endParaRPr lang="en-US" altLang="en-US" dirty="0"/>
+          </a:p>
+          <a:p>
+            <a:pPr lvl="0"/>
+            <a:endParaRPr lang="en-US" altLang="en-US" dirty="0"/>
+          </a:p>
+        </p:txBody>
+      </p:sp>
+    </p:spTree>
+    <p:extLst>
+      <p:ext uri="{BB962C8B-B14F-4D97-AF65-F5344CB8AC3E}">
+        <p14:creationId xmlns:p14="http://schemas.microsoft.com/office/powerpoint/2010/main" val="524364582"/>
+      </p:ext>
+    </p:extLst>
+  </p:cSld>
+  <p:clrMapOvr>
+    <a:masterClrMapping/>
+  </p:clrMapOvr>
+</p:sld>
+</file>
+
+<file path=ppt/slides/slide14.xml><?xml version="1.0" encoding="utf-8"?>
+<p:sld xmlns:a="http://schemas.openxmlformats.org/drawingml/2006/main" xmlns:r="http://schemas.openxmlformats.org/officeDocument/2006/relationships" xmlns:p="http://schemas.openxmlformats.org/presentationml/2006/main">
+  <p:cSld>
+    <p:spTree>
+      <p:nvGrpSpPr>
+        <p:cNvPr id="1" name=""/>
+        <p:cNvGrpSpPr/>
+        <p:nvPr/>
+      </p:nvGrpSpPr>
+      <p:grpSpPr>
+        <a:xfrm>
+          <a:off x="0" y="0"/>
+          <a:ext cx="0" cy="0"/>
+          <a:chOff x="0" y="0"/>
+          <a:chExt cx="0" cy="0"/>
+        </a:xfrm>
+      </p:grpSpPr>
+      <p:sp>
+        <p:nvSpPr>
+          <p:cNvPr id="2" name="Title 1">
+            <a:extLst>
+              <a:ext uri="{FF2B5EF4-FFF2-40B4-BE49-F238E27FC236}">
+                <a16:creationId xmlns:a16="http://schemas.microsoft.com/office/drawing/2014/main" id="{C4DADA27-23D1-F9DF-242A-AAEB74EED2B5}"/>
+              </a:ext>
+            </a:extLst>
+          </p:cNvPr>
+          <p:cNvSpPr>
+            <a:spLocks noGrp="1"/>
+          </p:cNvSpPr>
+          <p:nvPr>
+            <p:ph type="title"/>
+          </p:nvPr>
+        </p:nvSpPr>
+        <p:spPr>
+          <a:xfrm>
+            <a:off x="838200" y="524019"/>
+            <a:ext cx="10515600" cy="1009651"/>
+          </a:xfrm>
+        </p:spPr>
+        <p:txBody>
+          <a:bodyPr/>
+          <a:lstStyle/>
+          <a:p>
+            <a:r>
+              <a:rPr lang="fa-IR" dirty="0"/>
+              <a:t>مطالعه </a:t>
+            </a:r>
+            <a:r>
+              <a:rPr lang="fa-IR" dirty="0" err="1"/>
+              <a:t>آلون</a:t>
+            </a:r>
+            <a:r>
+              <a:rPr lang="fa-IR" dirty="0"/>
+              <a:t> و همکاران (2002)</a:t>
+            </a:r>
+            <a:endParaRPr lang="en-US" dirty="0"/>
+          </a:p>
+        </p:txBody>
+      </p:sp>
+      <p:sp>
+        <p:nvSpPr>
+          <p:cNvPr id="4" name="Rectangle 1">
+            <a:extLst>
+              <a:ext uri="{FF2B5EF4-FFF2-40B4-BE49-F238E27FC236}">
+                <a16:creationId xmlns:a16="http://schemas.microsoft.com/office/drawing/2014/main" id="{7375DE84-9691-2505-0149-21C788BB01BF}"/>
+              </a:ext>
+            </a:extLst>
+          </p:cNvPr>
+          <p:cNvSpPr>
+            <a:spLocks noGrp="1" noChangeArrowheads="1"/>
+          </p:cNvSpPr>
+          <p:nvPr>
+            <p:ph idx="1"/>
+          </p:nvPr>
+        </p:nvSpPr>
+        <p:spPr bwMode="auto">
+          <a:xfrm>
+            <a:off x="1102276" y="2013057"/>
+            <a:ext cx="10251524" cy="3976473"/>
+          </a:xfrm>
+          <a:noFill/>
+          <a:ln>
+            <a:noFill/>
+          </a:ln>
+          <a:effectLst/>
+          <a:extLst>
+            <a:ext uri="{909E8E84-426E-40DD-AFC4-6F175D3DCCD1}">
+              <a14:hiddenFill xmlns:a14="http://schemas.microsoft.com/office/drawing/2010/main">
+                <a:solidFill>
+                  <a:schemeClr val="accent1"/>
+                </a:solidFill>
+              </a14:hiddenFill>
+            </a:ext>
+            <a:ext uri="{91240B29-F687-4F45-9708-019B960494DF}">
+              <a14:hiddenLine xmlns:a14="http://schemas.microsoft.com/office/drawing/2010/main" w="9525">
+                <a:solidFill>
+                  <a:schemeClr val="tx1"/>
+                </a:solidFill>
+                <a:miter lim="800000"/>
+                <a:headEnd/>
+                <a:tailEnd/>
+              </a14:hiddenLine>
+            </a:ext>
+            <a:ext uri="{AF507438-7753-43E0-B8FC-AC1667EBCBE1}">
+              <a14:hiddenEffects xmlns:a14="http://schemas.microsoft.com/office/drawing/2010/main">
+                <a:effectLst>
+                  <a:outerShdw dist="35921" dir="2700000" algn="ctr" rotWithShape="0">
+                    <a:schemeClr val="bg2"/>
+                  </a:outerShdw>
+                </a:effectLst>
+              </a14:hiddenEffects>
+            </a:ext>
+          </a:extLst>
+        </p:spPr>
+        <p:txBody>
+          <a:bodyPr vert="horz" wrap="none" lIns="91440" tIns="45720" rIns="91440" bIns="45720" numCol="1" anchor="ctr" anchorCtr="0" compatLnSpc="1">
+            <a:prstTxWarp prst="textNoShape">
+              <a:avLst/>
+            </a:prstTxWarp>
+            <a:spAutoFit/>
+          </a:bodyPr>
+          <a:lstStyle/>
+          <a:p>
+            <a:pPr lvl="0"/>
+            <a:endParaRPr lang="en-US" altLang="en-US" dirty="0"/>
+          </a:p>
+          <a:p>
+            <a:pPr lvl="0"/>
+            <a:r>
+              <a:rPr lang="ar-SA" altLang="en-US" dirty="0"/>
+              <a:t>مقایسه</a:t>
+            </a:r>
+            <a:r>
+              <a:rPr lang="en-US" altLang="en-US" dirty="0"/>
+              <a:t> PK </a:t>
+            </a:r>
+            <a:r>
+              <a:rPr lang="ar-SA" altLang="en-US" dirty="0"/>
+              <a:t>و</a:t>
+            </a:r>
+            <a:r>
+              <a:rPr lang="en-US" altLang="en-US" dirty="0"/>
+              <a:t> PD </a:t>
+            </a:r>
+            <a:r>
+              <a:rPr lang="ar-SA" altLang="en-US" dirty="0"/>
+              <a:t>داربپوئتین آلفا و اپوئتین آلفا در بیماران</a:t>
+            </a:r>
+            <a:r>
+              <a:rPr lang="en-US" altLang="en-US" dirty="0"/>
+              <a:t> CKD </a:t>
+            </a:r>
+            <a:r>
+              <a:rPr lang="ar-SA" altLang="en-US" dirty="0"/>
+              <a:t>تحت همودیالیز</a:t>
+            </a:r>
+            <a:endParaRPr lang="en-US" altLang="en-US" dirty="0"/>
+          </a:p>
+          <a:p>
+            <a:pPr marL="0" lvl="0" indent="0">
+              <a:buNone/>
+            </a:pPr>
+            <a:r>
+              <a:rPr lang="ar-SA" altLang="en-US" dirty="0"/>
+              <a:t>نتایج</a:t>
+            </a:r>
+            <a:r>
+              <a:rPr lang="en-US" altLang="en-US" dirty="0"/>
+              <a:t>:</a:t>
+            </a:r>
+          </a:p>
+          <a:p>
+            <a:pPr lvl="0"/>
+            <a:r>
+              <a:rPr lang="ar-SA" altLang="en-US" dirty="0"/>
+              <a:t>نیمه‌عمر داربپوئتین آلفا دو تا سه برابر بیشتر از اپوئتین آلفا بود</a:t>
+            </a:r>
+            <a:endParaRPr lang="en-US" altLang="en-US" dirty="0"/>
+          </a:p>
+          <a:p>
+            <a:pPr lvl="0"/>
+            <a:r>
+              <a:rPr lang="ar-SA" altLang="en-US" dirty="0"/>
+              <a:t>پاکسازی آهسته‌تر باعث کاهش نیاز به دوزدهی مکرر شد</a:t>
+            </a:r>
+            <a:endParaRPr lang="en-US" altLang="en-US" dirty="0"/>
+          </a:p>
+          <a:p>
+            <a:pPr lvl="0"/>
+            <a:r>
+              <a:rPr lang="ar-SA" altLang="en-US" dirty="0"/>
+              <a:t>داربپوئتین آلفا گزینه‌ای مناسب‌تر برای</a:t>
+            </a:r>
+            <a:r>
+              <a:rPr lang="en-US" altLang="en-US" dirty="0"/>
+              <a:t> CKD </a:t>
+            </a:r>
+            <a:r>
+              <a:rPr lang="ar-SA" altLang="en-US" dirty="0"/>
+              <a:t>است</a:t>
+            </a:r>
+            <a:endParaRPr lang="en-US" altLang="en-US" dirty="0"/>
+          </a:p>
+          <a:p>
+            <a:pPr lvl="0"/>
+            <a:endParaRPr lang="en-US" altLang="en-US" dirty="0"/>
+          </a:p>
+        </p:txBody>
+      </p:sp>
+    </p:spTree>
+    <p:extLst>
+      <p:ext uri="{BB962C8B-B14F-4D97-AF65-F5344CB8AC3E}">
+        <p14:creationId xmlns:p14="http://schemas.microsoft.com/office/powerpoint/2010/main" val="1993421680"/>
+      </p:ext>
+    </p:extLst>
+  </p:cSld>
+  <p:clrMapOvr>
+    <a:masterClrMapping/>
+  </p:clrMapOvr>
+</p:sld>
+</file>
+
+<file path=ppt/slides/slide15.xml><?xml version="1.0" encoding="utf-8"?>
+<p:sld xmlns:a="http://schemas.openxmlformats.org/drawingml/2006/main" xmlns:r="http://schemas.openxmlformats.org/officeDocument/2006/relationships" xmlns:p="http://schemas.openxmlformats.org/presentationml/2006/main">
+  <p:cSld>
+    <p:spTree>
+      <p:nvGrpSpPr>
+        <p:cNvPr id="1" name=""/>
+        <p:cNvGrpSpPr/>
+        <p:nvPr/>
+      </p:nvGrpSpPr>
+      <p:grpSpPr>
+        <a:xfrm>
+          <a:off x="0" y="0"/>
+          <a:ext cx="0" cy="0"/>
+          <a:chOff x="0" y="0"/>
+          <a:chExt cx="0" cy="0"/>
+        </a:xfrm>
+      </p:grpSpPr>
+      <p:sp>
+        <p:nvSpPr>
+          <p:cNvPr id="2" name="Title 1">
+            <a:extLst>
+              <a:ext uri="{FF2B5EF4-FFF2-40B4-BE49-F238E27FC236}">
+                <a16:creationId xmlns:a16="http://schemas.microsoft.com/office/drawing/2014/main" id="{72DDDB96-2660-7DC0-1642-8457F45E2B11}"/>
+              </a:ext>
+            </a:extLst>
+          </p:cNvPr>
+          <p:cNvSpPr>
+            <a:spLocks noGrp="1"/>
+          </p:cNvSpPr>
+          <p:nvPr>
+            <p:ph type="title"/>
+          </p:nvPr>
+        </p:nvSpPr>
+        <p:spPr/>
+        <p:txBody>
+          <a:bodyPr>
+            <a:normAutofit/>
+          </a:bodyPr>
+          <a:lstStyle/>
+          <a:p>
+            <a:r>
+              <a:rPr lang="fa-IR" b="1" dirty="0"/>
+              <a:t>مطالعه </a:t>
+            </a:r>
+            <a:r>
+              <a:rPr lang="fa-IR" b="1" dirty="0" err="1"/>
+              <a:t>فیشبین</a:t>
+            </a:r>
+            <a:r>
+              <a:rPr lang="fa-IR" b="1" dirty="0"/>
+              <a:t> و همکاران (2018)</a:t>
+            </a:r>
+            <a:endParaRPr lang="en-US" dirty="0"/>
+          </a:p>
+        </p:txBody>
+      </p:sp>
+      <p:sp>
+        <p:nvSpPr>
+          <p:cNvPr id="3" name="Content Placeholder 2">
+            <a:extLst>
+              <a:ext uri="{FF2B5EF4-FFF2-40B4-BE49-F238E27FC236}">
+                <a16:creationId xmlns:a16="http://schemas.microsoft.com/office/drawing/2014/main" id="{1864E108-4F4A-8004-F1E0-5A8FC57106E4}"/>
+              </a:ext>
+            </a:extLst>
+          </p:cNvPr>
+          <p:cNvSpPr>
+            <a:spLocks noGrp="1"/>
+          </p:cNvSpPr>
+          <p:nvPr>
+            <p:ph idx="1"/>
+          </p:nvPr>
+        </p:nvSpPr>
+        <p:spPr/>
+        <p:txBody>
+          <a:bodyPr/>
+          <a:lstStyle/>
+          <a:p>
+            <a:pPr>
+              <a:buFont typeface="Arial" panose="020B0604020202020204" pitchFamily="34" charset="0"/>
+              <a:buChar char="•"/>
+            </a:pPr>
+            <a:r>
+              <a:rPr lang="fa-IR" dirty="0"/>
+              <a:t>مقایسه ایمنی و اثربخشی </a:t>
+            </a:r>
+            <a:r>
+              <a:rPr lang="fa-IR" dirty="0" err="1"/>
+              <a:t>اپوئتین</a:t>
+            </a:r>
+            <a:r>
+              <a:rPr lang="fa-IR" dirty="0"/>
+              <a:t> آلفا-</a:t>
+            </a:r>
+            <a:r>
+              <a:rPr lang="en-US" dirty="0" err="1"/>
+              <a:t>epbx</a:t>
+            </a:r>
+            <a:r>
+              <a:rPr lang="en-US" dirty="0"/>
+              <a:t> </a:t>
+            </a:r>
+            <a:r>
+              <a:rPr lang="fa-IR" dirty="0"/>
+              <a:t>در بیماران </a:t>
+            </a:r>
+            <a:r>
+              <a:rPr lang="en-US" dirty="0"/>
+              <a:t>ESKD </a:t>
+            </a:r>
+            <a:r>
+              <a:rPr lang="fa-IR" dirty="0"/>
+              <a:t>تحت </a:t>
+            </a:r>
+            <a:r>
+              <a:rPr lang="fa-IR" dirty="0" err="1"/>
+              <a:t>همودیالیز</a:t>
+            </a:r>
+            <a:endParaRPr lang="fa-IR" dirty="0"/>
+          </a:p>
+          <a:p>
+            <a:pPr marL="0" indent="0">
+              <a:buNone/>
+            </a:pPr>
+            <a:r>
+              <a:rPr lang="fa-IR" dirty="0"/>
+              <a:t>نتایج:</a:t>
+            </a:r>
+          </a:p>
+          <a:p>
+            <a:pPr marL="742950" lvl="1" indent="-285750">
+              <a:buFont typeface="Arial" panose="020B0604020202020204" pitchFamily="34" charset="0"/>
+              <a:buChar char="•"/>
+            </a:pPr>
+            <a:r>
+              <a:rPr lang="fa-IR" dirty="0"/>
+              <a:t>تفاوت معناداری در </a:t>
+            </a:r>
+            <a:r>
+              <a:rPr lang="en-US" dirty="0"/>
+              <a:t>Hb </a:t>
+            </a:r>
+            <a:r>
+              <a:rPr lang="fa-IR" dirty="0"/>
+              <a:t>یا دوز </a:t>
+            </a:r>
+            <a:r>
+              <a:rPr lang="fa-IR" dirty="0" err="1"/>
+              <a:t>اپوئتین</a:t>
+            </a:r>
+            <a:r>
+              <a:rPr lang="fa-IR" dirty="0"/>
+              <a:t> بین </a:t>
+            </a:r>
+            <a:r>
+              <a:rPr lang="fa-IR" dirty="0" err="1"/>
+              <a:t>گروه‌ها</a:t>
+            </a:r>
+            <a:r>
+              <a:rPr lang="fa-IR" dirty="0"/>
+              <a:t> وجود نداشت</a:t>
+            </a:r>
+          </a:p>
+          <a:p>
+            <a:pPr marL="742950" lvl="1" indent="-285750">
+              <a:buFont typeface="Arial" panose="020B0604020202020204" pitchFamily="34" charset="0"/>
+              <a:buChar char="•"/>
+            </a:pPr>
+            <a:r>
+              <a:rPr lang="fa-IR" dirty="0"/>
+              <a:t>پروفایل ایمنی مشابه بود، اما عوارض جانبی در گروه </a:t>
+            </a:r>
+            <a:r>
+              <a:rPr lang="fa-IR" dirty="0" err="1"/>
+              <a:t>اپوئتین</a:t>
+            </a:r>
+            <a:r>
+              <a:rPr lang="fa-IR" dirty="0"/>
+              <a:t> آلفا کمی بیشتر مشاهده شد</a:t>
+            </a:r>
+          </a:p>
+          <a:p>
+            <a:pPr marL="742950" lvl="1" indent="-285750">
+              <a:buFont typeface="Arial" panose="020B0604020202020204" pitchFamily="34" charset="0"/>
+              <a:buChar char="•"/>
+            </a:pPr>
+            <a:r>
+              <a:rPr lang="fa-IR" dirty="0" err="1"/>
+              <a:t>اپوئتین</a:t>
+            </a:r>
+            <a:r>
+              <a:rPr lang="fa-IR" dirty="0"/>
+              <a:t> آلفا-</a:t>
+            </a:r>
+            <a:r>
+              <a:rPr lang="en-US" dirty="0" err="1"/>
+              <a:t>epbx</a:t>
+            </a:r>
+            <a:r>
+              <a:rPr lang="en-US" dirty="0"/>
+              <a:t> </a:t>
+            </a:r>
+            <a:r>
+              <a:rPr lang="fa-IR" dirty="0"/>
+              <a:t>جایگزین </a:t>
+            </a:r>
+            <a:r>
+              <a:rPr lang="fa-IR" dirty="0" err="1"/>
+              <a:t>کم‌هزینه</a:t>
+            </a:r>
+            <a:r>
+              <a:rPr lang="fa-IR" dirty="0"/>
+              <a:t> و معادل </a:t>
+            </a:r>
+            <a:r>
+              <a:rPr lang="fa-IR" dirty="0" err="1"/>
+              <a:t>اپوئتین</a:t>
+            </a:r>
+            <a:r>
+              <a:rPr lang="fa-IR" dirty="0"/>
+              <a:t> آلفا است</a:t>
+            </a:r>
+          </a:p>
+          <a:p>
+            <a:endParaRPr lang="en-US" dirty="0"/>
+          </a:p>
+        </p:txBody>
+      </p:sp>
+    </p:spTree>
+    <p:extLst>
+      <p:ext uri="{BB962C8B-B14F-4D97-AF65-F5344CB8AC3E}">
+        <p14:creationId xmlns:p14="http://schemas.microsoft.com/office/powerpoint/2010/main" val="3286883181"/>
+      </p:ext>
+    </p:extLst>
+  </p:cSld>
+  <p:clrMapOvr>
+    <a:masterClrMapping/>
+  </p:clrMapOvr>
+</p:sld>
+</file>
+
+<file path=ppt/slides/slide16.xml><?xml version="1.0" encoding="utf-8"?>
+<p:sld xmlns:a="http://schemas.openxmlformats.org/drawingml/2006/main" xmlns:r="http://schemas.openxmlformats.org/officeDocument/2006/relationships" xmlns:p="http://schemas.openxmlformats.org/presentationml/2006/main">
+  <p:cSld>
+    <p:spTree>
+      <p:nvGrpSpPr>
+        <p:cNvPr id="1" name=""/>
+        <p:cNvGrpSpPr/>
+        <p:nvPr/>
+      </p:nvGrpSpPr>
+      <p:grpSpPr>
+        <a:xfrm>
+          <a:off x="0" y="0"/>
+          <a:ext cx="0" cy="0"/>
+          <a:chOff x="0" y="0"/>
+          <a:chExt cx="0" cy="0"/>
+        </a:xfrm>
+      </p:grpSpPr>
+      <p:sp>
+        <p:nvSpPr>
+          <p:cNvPr id="2" name="Title 1">
+            <a:extLst>
+              <a:ext uri="{FF2B5EF4-FFF2-40B4-BE49-F238E27FC236}">
+                <a16:creationId xmlns:a16="http://schemas.microsoft.com/office/drawing/2014/main" id="{E4394BA4-2902-90AB-0DD7-8743ACA12F24}"/>
+              </a:ext>
+            </a:extLst>
+          </p:cNvPr>
+          <p:cNvSpPr>
+            <a:spLocks noGrp="1"/>
+          </p:cNvSpPr>
+          <p:nvPr>
+            <p:ph type="title"/>
+          </p:nvPr>
+        </p:nvSpPr>
+        <p:spPr/>
+        <p:txBody>
+          <a:bodyPr/>
+          <a:lstStyle/>
+          <a:p>
+            <a:r>
+              <a:rPr lang="fa-IR" dirty="0"/>
+              <a:t>روش اجرا</a:t>
+            </a:r>
+            <a:endParaRPr lang="en-US" dirty="0"/>
+          </a:p>
+        </p:txBody>
+      </p:sp>
+      <p:sp>
+        <p:nvSpPr>
+          <p:cNvPr id="3" name="Text Placeholder 2">
+            <a:extLst>
+              <a:ext uri="{FF2B5EF4-FFF2-40B4-BE49-F238E27FC236}">
+                <a16:creationId xmlns:a16="http://schemas.microsoft.com/office/drawing/2014/main" id="{CBD7ED54-3D94-D303-824A-FDFBDD323E4B}"/>
+              </a:ext>
+            </a:extLst>
+          </p:cNvPr>
+          <p:cNvSpPr>
+            <a:spLocks noGrp="1"/>
+          </p:cNvSpPr>
+          <p:nvPr>
+            <p:ph type="body" sz="quarter" idx="13"/>
+          </p:nvPr>
+        </p:nvSpPr>
+        <p:spPr/>
+        <p:txBody>
+          <a:bodyPr anchor="ctr"/>
+          <a:lstStyle/>
+          <a:p>
+            <a:r>
+              <a:rPr lang="fa-IR" dirty="0"/>
+              <a:t>یک پژوهش پایلوت</a:t>
+            </a:r>
+          </a:p>
+          <a:p>
+            <a:r>
+              <a:rPr lang="fa-IR" dirty="0"/>
+              <a:t>تک دوز اریتروپویتین آلفا</a:t>
+            </a:r>
+          </a:p>
+          <a:p>
+            <a:r>
+              <a:rPr lang="fa-IR" dirty="0"/>
+              <a:t>دوز 20000 واحد وریدی</a:t>
+            </a:r>
+          </a:p>
+          <a:p>
+            <a:endParaRPr lang="fa-IR" dirty="0"/>
+          </a:p>
+          <a:p>
+            <a:r>
+              <a:rPr lang="fa-IR" dirty="0"/>
+              <a:t>بیماران بدحال دچار آنمی بستری در بخش مراقبت های ویژه بیمارستان سینا در سال 1403. </a:t>
+            </a:r>
+            <a:endParaRPr lang="en-US" dirty="0"/>
+          </a:p>
+        </p:txBody>
+      </p:sp>
+    </p:spTree>
+    <p:extLst>
+      <p:ext uri="{BB962C8B-B14F-4D97-AF65-F5344CB8AC3E}">
+        <p14:creationId xmlns:p14="http://schemas.microsoft.com/office/powerpoint/2010/main" val="959072616"/>
+      </p:ext>
+    </p:extLst>
+  </p:cSld>
+  <p:clrMapOvr>
+    <a:masterClrMapping/>
+  </p:clrMapOvr>
+  <p:transition spd="slow">
+    <p:push dir="u"/>
+  </p:transition>
+</p:sld>
+</file>
+
+<file path=ppt/slides/slide17.xml><?xml version="1.0" encoding="utf-8"?>
+<p:sld xmlns:a="http://schemas.openxmlformats.org/drawingml/2006/main" xmlns:r="http://schemas.openxmlformats.org/officeDocument/2006/relationships" xmlns:p="http://schemas.openxmlformats.org/presentationml/2006/main">
+  <p:cSld>
+    <p:spTree>
+      <p:nvGrpSpPr>
+        <p:cNvPr id="1" name=""/>
+        <p:cNvGrpSpPr/>
+        <p:nvPr/>
+      </p:nvGrpSpPr>
+      <p:grpSpPr>
+        <a:xfrm>
+          <a:off x="0" y="0"/>
+          <a:ext cx="0" cy="0"/>
+          <a:chOff x="0" y="0"/>
+          <a:chExt cx="0" cy="0"/>
+        </a:xfrm>
+      </p:grpSpPr>
+      <p:sp>
+        <p:nvSpPr>
+          <p:cNvPr id="2" name="Title 1">
+            <a:extLst>
+              <a:ext uri="{FF2B5EF4-FFF2-40B4-BE49-F238E27FC236}">
+                <a16:creationId xmlns:a16="http://schemas.microsoft.com/office/drawing/2014/main" id="{FF8FDF87-F3B2-1167-0DFF-225632C19308}"/>
+              </a:ext>
+            </a:extLst>
+          </p:cNvPr>
+          <p:cNvSpPr>
+            <a:spLocks noGrp="1"/>
+          </p:cNvSpPr>
+          <p:nvPr>
+            <p:ph type="title"/>
+          </p:nvPr>
+        </p:nvSpPr>
+        <p:spPr/>
+        <p:txBody>
+          <a:bodyPr/>
+          <a:lstStyle/>
+          <a:p>
+            <a:r>
+              <a:rPr lang="fa-IR" dirty="0"/>
+              <a:t>شرایط ورود به مطالعه</a:t>
+            </a:r>
+            <a:endParaRPr lang="en-US" dirty="0"/>
+          </a:p>
+        </p:txBody>
+      </p:sp>
+      <p:sp>
+        <p:nvSpPr>
+          <p:cNvPr id="3" name="Content Placeholder 2">
+            <a:extLst>
+              <a:ext uri="{FF2B5EF4-FFF2-40B4-BE49-F238E27FC236}">
+                <a16:creationId xmlns:a16="http://schemas.microsoft.com/office/drawing/2014/main" id="{27A4C79F-A968-EB04-83AB-02B1017FC257}"/>
+              </a:ext>
+            </a:extLst>
+          </p:cNvPr>
+          <p:cNvSpPr>
+            <a:spLocks noGrp="1"/>
+          </p:cNvSpPr>
+          <p:nvPr>
+            <p:ph idx="1"/>
+          </p:nvPr>
+        </p:nvSpPr>
+        <p:spPr/>
+        <p:txBody>
+          <a:bodyPr>
+            <a:normAutofit/>
+          </a:bodyPr>
+          <a:lstStyle/>
+          <a:p>
+            <a:r>
+              <a:rPr lang="fa-IR" dirty="0"/>
+              <a:t>بیماران بستری در بخش مراقبتهای ویژه </a:t>
+            </a:r>
+          </a:p>
+          <a:p>
+            <a:r>
+              <a:rPr lang="en-US" dirty="0"/>
+              <a:t>Hb </a:t>
+            </a:r>
+            <a:r>
+              <a:rPr lang="fa-IR" dirty="0"/>
+              <a:t>سرم &lt;10 گرم در </a:t>
+            </a:r>
+            <a:r>
+              <a:rPr lang="fa-IR" dirty="0" err="1"/>
+              <a:t>دسی</a:t>
+            </a:r>
+            <a:r>
+              <a:rPr lang="fa-IR" dirty="0"/>
+              <a:t> لیتر  </a:t>
+            </a:r>
+          </a:p>
+          <a:p>
+            <a:r>
+              <a:rPr lang="fa-IR" dirty="0"/>
+              <a:t>سن بالای 18 سال </a:t>
+            </a:r>
+          </a:p>
+          <a:p>
+            <a:r>
+              <a:rPr lang="fa-IR" dirty="0"/>
+              <a:t>بیماران دارای حداقل دو معیار از معیارهای سندروم </a:t>
+            </a:r>
+            <a:r>
+              <a:rPr lang="fa-IR" dirty="0" err="1"/>
+              <a:t>التهابی</a:t>
+            </a:r>
+            <a:r>
+              <a:rPr lang="fa-IR" dirty="0"/>
+              <a:t> سیستمیک (</a:t>
+            </a:r>
+            <a:r>
+              <a:rPr lang="en-US" dirty="0"/>
+              <a:t>SIRS</a:t>
+            </a:r>
+            <a:r>
+              <a:rPr lang="fa-IR" dirty="0"/>
+              <a:t>)</a:t>
+            </a:r>
+          </a:p>
+          <a:p>
+            <a:r>
+              <a:rPr lang="fa-IR" dirty="0"/>
+              <a:t>انتظار اقامت در </a:t>
+            </a:r>
+            <a:r>
+              <a:rPr lang="en-US" dirty="0"/>
+              <a:t>ICU </a:t>
+            </a:r>
+            <a:r>
+              <a:rPr lang="fa-IR" dirty="0"/>
+              <a:t>حداقل 7 روز پس از ورود به مطالعه بر اساس تشخیص پزشک معالج بیمار</a:t>
+            </a:r>
+          </a:p>
+          <a:p>
+            <a:r>
+              <a:rPr lang="fa-IR" dirty="0"/>
+              <a:t>رضایت آگاهانه بیمار یا قیم قانونی وی </a:t>
+            </a:r>
+          </a:p>
+          <a:p>
+            <a:endParaRPr lang="en-US" dirty="0"/>
+          </a:p>
+        </p:txBody>
+      </p:sp>
+    </p:spTree>
+    <p:extLst>
+      <p:ext uri="{BB962C8B-B14F-4D97-AF65-F5344CB8AC3E}">
+        <p14:creationId xmlns:p14="http://schemas.microsoft.com/office/powerpoint/2010/main" val="4281404498"/>
+      </p:ext>
+    </p:extLst>
+  </p:cSld>
+  <p:clrMapOvr>
+    <a:masterClrMapping/>
+  </p:clrMapOvr>
+</p:sld>
+</file>
+
+<file path=ppt/slides/slide18.xml><?xml version="1.0" encoding="utf-8"?>
+<p:sld xmlns:a="http://schemas.openxmlformats.org/drawingml/2006/main" xmlns:r="http://schemas.openxmlformats.org/officeDocument/2006/relationships" xmlns:p="http://schemas.openxmlformats.org/presentationml/2006/main">
+  <p:cSld>
+    <p:spTree>
+      <p:nvGrpSpPr>
+        <p:cNvPr id="1" name=""/>
+        <p:cNvGrpSpPr/>
+        <p:nvPr/>
+      </p:nvGrpSpPr>
+      <p:grpSpPr>
+        <a:xfrm>
+          <a:off x="0" y="0"/>
+          <a:ext cx="0" cy="0"/>
+          <a:chOff x="0" y="0"/>
+          <a:chExt cx="0" cy="0"/>
+        </a:xfrm>
+      </p:grpSpPr>
+      <p:pic>
+        <p:nvPicPr>
+          <p:cNvPr id="6" name="Picture 5">
+            <a:extLst>
+              <a:ext uri="{FF2B5EF4-FFF2-40B4-BE49-F238E27FC236}">
+                <a16:creationId xmlns:a16="http://schemas.microsoft.com/office/drawing/2014/main" id="{32881F6B-3CDD-DE1D-EEC5-5C93AB954400}"/>
+              </a:ext>
+            </a:extLst>
+          </p:cNvPr>
+          <p:cNvPicPr>
+            <a:picLocks noChangeAspect="1"/>
+          </p:cNvPicPr>
+          <p:nvPr/>
+        </p:nvPicPr>
+        <p:blipFill>
+          <a:blip r:embed="rId2"/>
+          <a:stretch>
+            <a:fillRect/>
+          </a:stretch>
+        </p:blipFill>
+        <p:spPr>
+          <a:xfrm>
+            <a:off x="1118912" y="1634918"/>
+            <a:ext cx="9954176" cy="4303766"/>
+          </a:xfrm>
+          <a:prstGeom prst="rect">
+            <a:avLst/>
+          </a:prstGeom>
+        </p:spPr>
+      </p:pic>
+      <p:sp>
+        <p:nvSpPr>
+          <p:cNvPr id="7" name="Title 6">
+            <a:extLst>
+              <a:ext uri="{FF2B5EF4-FFF2-40B4-BE49-F238E27FC236}">
+                <a16:creationId xmlns:a16="http://schemas.microsoft.com/office/drawing/2014/main" id="{DAAD03C6-4A53-6B4F-85D2-81536659F9B4}"/>
+              </a:ext>
+            </a:extLst>
+          </p:cNvPr>
+          <p:cNvSpPr>
+            <a:spLocks noGrp="1"/>
+          </p:cNvSpPr>
+          <p:nvPr>
+            <p:ph type="title"/>
+          </p:nvPr>
+        </p:nvSpPr>
+        <p:spPr/>
+        <p:txBody>
+          <a:bodyPr/>
+          <a:lstStyle/>
+          <a:p>
+            <a:endParaRPr lang="en-US"/>
+          </a:p>
+        </p:txBody>
+      </p:sp>
+    </p:spTree>
+    <p:extLst>
+      <p:ext uri="{BB962C8B-B14F-4D97-AF65-F5344CB8AC3E}">
+        <p14:creationId xmlns:p14="http://schemas.microsoft.com/office/powerpoint/2010/main" val="436838293"/>
+      </p:ext>
+    </p:extLst>
+  </p:cSld>
+  <p:clrMapOvr>
+    <a:masterClrMapping/>
+  </p:clrMapOvr>
+</p:sld>
+</file>
+
+<file path=ppt/slides/slide19.xml><?xml version="1.0" encoding="utf-8"?>
+<p:sld xmlns:a="http://schemas.openxmlformats.org/drawingml/2006/main" xmlns:r="http://schemas.openxmlformats.org/officeDocument/2006/relationships" xmlns:p="http://schemas.openxmlformats.org/presentationml/2006/main">
+  <p:cSld>
+    <p:spTree>
+      <p:nvGrpSpPr>
+        <p:cNvPr id="1" name=""/>
+        <p:cNvGrpSpPr/>
+        <p:nvPr/>
+      </p:nvGrpSpPr>
+      <p:grpSpPr>
+        <a:xfrm>
+          <a:off x="0" y="0"/>
+          <a:ext cx="0" cy="0"/>
+          <a:chOff x="0" y="0"/>
+          <a:chExt cx="0" cy="0"/>
+        </a:xfrm>
+      </p:grpSpPr>
+      <p:sp>
+        <p:nvSpPr>
           <p:cNvPr id="2" name="Title 1">
             <a:extLst>
               <a:ext uri="{FF2B5EF4-FFF2-40B4-BE49-F238E27FC236}">
@@ -7329,7 +8968,717 @@
 </p:sld>
 </file>
 
-<file path=ppt/slides/slide13.xml><?xml version="1.0" encoding="utf-8"?>
+<file path=ppt/slides/slide2.xml><?xml version="1.0" encoding="utf-8"?>
+<p:sld xmlns:a="http://schemas.openxmlformats.org/drawingml/2006/main" xmlns:r="http://schemas.openxmlformats.org/officeDocument/2006/relationships" xmlns:p="http://schemas.openxmlformats.org/presentationml/2006/main">
+  <p:cSld>
+    <p:spTree>
+      <p:nvGrpSpPr>
+        <p:cNvPr id="1" name="">
+          <a:extLst>
+            <a:ext uri="{FF2B5EF4-FFF2-40B4-BE49-F238E27FC236}">
+              <a16:creationId xmlns:a16="http://schemas.microsoft.com/office/drawing/2014/main" id="{41CF9500-92A7-8D27-2F0D-B96799C5E1FB}"/>
+            </a:ext>
+          </a:extLst>
+        </p:cNvPr>
+        <p:cNvGrpSpPr/>
+        <p:nvPr/>
+      </p:nvGrpSpPr>
+      <p:grpSpPr>
+        <a:xfrm>
+          <a:off x="0" y="0"/>
+          <a:ext cx="0" cy="0"/>
+          <a:chOff x="0" y="0"/>
+          <a:chExt cx="0" cy="0"/>
+        </a:xfrm>
+      </p:grpSpPr>
+      <p:sp>
+        <p:nvSpPr>
+          <p:cNvPr id="2" name="Title 1">
+            <a:extLst>
+              <a:ext uri="{FF2B5EF4-FFF2-40B4-BE49-F238E27FC236}">
+                <a16:creationId xmlns:a16="http://schemas.microsoft.com/office/drawing/2014/main" id="{7C99DB24-9A78-6946-387A-F77DEDCD52E5}"/>
+              </a:ext>
+            </a:extLst>
+          </p:cNvPr>
+          <p:cNvSpPr>
+            <a:spLocks noGrp="1"/>
+          </p:cNvSpPr>
+          <p:nvPr>
+            <p:ph type="title"/>
+          </p:nvPr>
+        </p:nvSpPr>
+        <p:spPr/>
+        <p:txBody>
+          <a:bodyPr/>
+          <a:lstStyle/>
+          <a:p>
+            <a:r>
+              <a:rPr lang="fa-IR" dirty="0"/>
+              <a:t>فهرست مطالب</a:t>
+            </a:r>
+            <a:endParaRPr lang="en-US" dirty="0"/>
+          </a:p>
+        </p:txBody>
+      </p:sp>
+      <p:pic>
+        <p:nvPicPr>
+          <p:cNvPr id="5" name="Picture 4" descr="A blue logo with two birds&#10;&#10;Description automatically generated">
+            <a:extLst>
+              <a:ext uri="{FF2B5EF4-FFF2-40B4-BE49-F238E27FC236}">
+                <a16:creationId xmlns:a16="http://schemas.microsoft.com/office/drawing/2014/main" id="{3EA552BC-42F5-207A-599B-4CC594DFD8C9}"/>
+              </a:ext>
+            </a:extLst>
+          </p:cNvPr>
+          <p:cNvPicPr>
+            <a:picLocks/>
+          </p:cNvPicPr>
+          <p:nvPr/>
+        </p:nvPicPr>
+        <p:blipFill>
+          <a:blip r:embed="rId2" cstate="print">
+            <a:clrChange>
+              <a:clrFrom>
+                <a:srgbClr val="FFFDFE"/>
+              </a:clrFrom>
+              <a:clrTo>
+                <a:srgbClr val="FFFDFE">
+                  <a:alpha val="0"/>
+                </a:srgbClr>
+              </a:clrTo>
+            </a:clrChange>
+            <a:extLst>
+              <a:ext uri="{28A0092B-C50C-407E-A947-70E740481C1C}">
+                <a14:useLocalDpi xmlns:a14="http://schemas.microsoft.com/office/drawing/2010/main" val="0"/>
+              </a:ext>
+            </a:extLst>
+          </a:blip>
+          <a:srcRect/>
+          <a:stretch>
+            <a:fillRect/>
+          </a:stretch>
+        </p:blipFill>
+        <p:spPr bwMode="auto">
+          <a:xfrm>
+            <a:off x="73025" y="6182592"/>
+            <a:ext cx="640080" cy="640080"/>
+          </a:xfrm>
+          <a:prstGeom prst="rect">
+            <a:avLst/>
+          </a:prstGeom>
+          <a:noFill/>
+          <a:ln>
+            <a:noFill/>
+          </a:ln>
+        </p:spPr>
+      </p:pic>
+      <mc:AlternateContent xmlns:mc="http://schemas.openxmlformats.org/markup-compatibility/2006" xmlns:psez="http://schemas.microsoft.com/office/powerpoint/2016/sectionzoom">
+        <mc:Choice Requires="psez">
+          <p:graphicFrame>
+            <p:nvGraphicFramePr>
+              <p:cNvPr id="11" name="Section Zoom 10">
+                <a:extLst>
+                  <a:ext uri="{FF2B5EF4-FFF2-40B4-BE49-F238E27FC236}">
+                    <a16:creationId xmlns:a16="http://schemas.microsoft.com/office/drawing/2014/main" id="{58283ACB-5077-432F-BEBB-2BB27DBC45E6}"/>
+                  </a:ext>
+                </a:extLst>
+              </p:cNvPr>
+              <p:cNvGraphicFramePr>
+                <a:graphicFrameLocks noChangeAspect="1"/>
+              </p:cNvGraphicFramePr>
+              <p:nvPr>
+                <p:extLst>
+                  <p:ext uri="{D42A27DB-BD31-4B8C-83A1-F6EECF244321}">
+                    <p14:modId xmlns:p14="http://schemas.microsoft.com/office/powerpoint/2010/main" val="3713046551"/>
+                  </p:ext>
+                </p:extLst>
+              </p:nvPr>
+            </p:nvGraphicFramePr>
+            <p:xfrm>
+              <a:off x="4138908" y="224299"/>
+              <a:ext cx="3048000" cy="1714500"/>
+            </p:xfrm>
+            <a:graphic>
+              <a:graphicData uri="http://schemas.microsoft.com/office/powerpoint/2016/sectionzoom">
+                <psez:sectionZm>
+                  <psez:sectionZmObj sectionId="{98A9290C-9B75-46FC-89A6-25B5F567CD2A}">
+                    <psez:zmPr id="{E16A583A-E626-42B3-AE1E-CFF21648ECD5}" transitionDur="1000">
+                      <p166:blipFill xmlns:p166="http://schemas.microsoft.com/office/powerpoint/2016/6/main">
+                        <a:blip r:embed="rId3"/>
+                        <a:stretch>
+                          <a:fillRect/>
+                        </a:stretch>
+                      </p166:blipFill>
+                      <p166:spPr xmlns:p166="http://schemas.microsoft.com/office/powerpoint/2016/6/main">
+                        <a:xfrm>
+                          <a:off x="0" y="0"/>
+                          <a:ext cx="3048000" cy="1714500"/>
+                        </a:xfrm>
+                        <a:prstGeom prst="rect">
+                          <a:avLst/>
+                        </a:prstGeom>
+                        <a:ln w="3175">
+                          <a:solidFill>
+                            <a:prstClr val="ltGray"/>
+                          </a:solidFill>
+                        </a:ln>
+                      </p166:spPr>
+                    </psez:zmPr>
+                  </psez:sectionZmObj>
+                </psez:sectionZm>
+              </a:graphicData>
+            </a:graphic>
+          </p:graphicFrame>
+        </mc:Choice>
+        <mc:Fallback xmlns="">
+          <p:pic>
+            <p:nvPicPr>
+              <p:cNvPr id="11" name="Section Zoom 10">
+                <a:hlinkClick r:id="rId4" action="ppaction://hlinksldjump"/>
+                <a:extLst>
+                  <a:ext uri="{FF2B5EF4-FFF2-40B4-BE49-F238E27FC236}">
+                    <a16:creationId xmlns:a16="http://schemas.microsoft.com/office/drawing/2014/main" id="{58283ACB-5077-432F-BEBB-2BB27DBC45E6}"/>
+                  </a:ext>
+                </a:extLst>
+              </p:cNvPr>
+              <p:cNvPicPr>
+                <a:picLocks noGrp="1" noRot="1" noChangeAspect="1" noMove="1" noResize="1" noEditPoints="1" noAdjustHandles="1" noChangeArrowheads="1" noChangeShapeType="1"/>
+              </p:cNvPicPr>
+              <p:nvPr/>
+            </p:nvPicPr>
+            <p:blipFill>
+              <a:blip r:embed="rId5"/>
+              <a:stretch>
+                <a:fillRect/>
+              </a:stretch>
+            </p:blipFill>
+            <p:spPr>
+              <a:xfrm>
+                <a:off x="4138908" y="224299"/>
+                <a:ext cx="3048000" cy="1714500"/>
+              </a:xfrm>
+              <a:prstGeom prst="rect">
+                <a:avLst/>
+              </a:prstGeom>
+              <a:ln w="3175">
+                <a:solidFill>
+                  <a:prstClr val="ltGray"/>
+                </a:solidFill>
+              </a:ln>
+            </p:spPr>
+          </p:pic>
+        </mc:Fallback>
+      </mc:AlternateContent>
+      <mc:AlternateContent xmlns:mc="http://schemas.openxmlformats.org/markup-compatibility/2006">
+        <mc:Choice xmlns:psez="http://schemas.microsoft.com/office/powerpoint/2016/sectionzoom" Requires="psez">
+          <p:graphicFrame>
+            <p:nvGraphicFramePr>
+              <p:cNvPr id="15" name="Section Zoom 14">
+                <a:extLst>
+                  <a:ext uri="{FF2B5EF4-FFF2-40B4-BE49-F238E27FC236}">
+                    <a16:creationId xmlns:a16="http://schemas.microsoft.com/office/drawing/2014/main" id="{6109E1ED-6E64-5549-1537-BD9A4ED35B57}"/>
+                  </a:ext>
+                </a:extLst>
+              </p:cNvPr>
+              <p:cNvGraphicFramePr>
+                <a:graphicFrameLocks noChangeAspect="1"/>
+              </p:cNvGraphicFramePr>
+              <p:nvPr>
+                <p:extLst>
+                  <p:ext uri="{D42A27DB-BD31-4B8C-83A1-F6EECF244321}">
+                    <p14:modId xmlns:p14="http://schemas.microsoft.com/office/powerpoint/2010/main" val="2323381308"/>
+                  </p:ext>
+                </p:extLst>
+              </p:nvPr>
+            </p:nvGraphicFramePr>
+            <p:xfrm>
+              <a:off x="4138908" y="2174131"/>
+              <a:ext cx="3048000" cy="1714500"/>
+            </p:xfrm>
+            <a:graphic>
+              <a:graphicData uri="http://schemas.microsoft.com/office/powerpoint/2016/sectionzoom">
+                <psez:sectionZm>
+                  <psez:sectionZmObj sectionId="{D767CB8A-0153-46F6-89FC-F079A745DFB0}">
+                    <psez:zmPr id="{1754C6AC-D172-47FE-BD76-ACAD1696EF2B}" transitionDur="1000">
+                      <p166:blipFill xmlns:p166="http://schemas.microsoft.com/office/powerpoint/2016/6/main">
+                        <a:blip r:embed="rId6"/>
+                        <a:stretch>
+                          <a:fillRect/>
+                        </a:stretch>
+                      </p166:blipFill>
+                      <p166:spPr xmlns:p166="http://schemas.microsoft.com/office/powerpoint/2016/6/main">
+                        <a:xfrm>
+                          <a:off x="0" y="0"/>
+                          <a:ext cx="3048000" cy="1714500"/>
+                        </a:xfrm>
+                        <a:prstGeom prst="rect">
+                          <a:avLst/>
+                        </a:prstGeom>
+                        <a:ln w="3175">
+                          <a:solidFill>
+                            <a:prstClr val="ltGray"/>
+                          </a:solidFill>
+                        </a:ln>
+                      </p166:spPr>
+                    </psez:zmPr>
+                  </psez:sectionZmObj>
+                </psez:sectionZm>
+              </a:graphicData>
+            </a:graphic>
+          </p:graphicFrame>
+        </mc:Choice>
+        <mc:Fallback>
+          <p:pic>
+            <p:nvPicPr>
+              <p:cNvPr id="15" name="Section Zoom 14">
+                <a:hlinkClick r:id="rId7" action="ppaction://hlinksldjump"/>
+                <a:extLst>
+                  <a:ext uri="{FF2B5EF4-FFF2-40B4-BE49-F238E27FC236}">
+                    <a16:creationId xmlns:a16="http://schemas.microsoft.com/office/drawing/2014/main" id="{6109E1ED-6E64-5549-1537-BD9A4ED35B57}"/>
+                  </a:ext>
+                </a:extLst>
+              </p:cNvPr>
+              <p:cNvPicPr>
+                <a:picLocks noGrp="1" noRot="1" noChangeAspect="1" noMove="1" noResize="1" noEditPoints="1" noAdjustHandles="1" noChangeArrowheads="1" noChangeShapeType="1"/>
+              </p:cNvPicPr>
+              <p:nvPr/>
+            </p:nvPicPr>
+            <p:blipFill>
+              <a:blip r:embed="rId6"/>
+              <a:stretch>
+                <a:fillRect/>
+              </a:stretch>
+            </p:blipFill>
+            <p:spPr>
+              <a:xfrm>
+                <a:off x="4138908" y="2174131"/>
+                <a:ext cx="3048000" cy="1714500"/>
+              </a:xfrm>
+              <a:prstGeom prst="rect">
+                <a:avLst/>
+              </a:prstGeom>
+              <a:ln w="3175">
+                <a:solidFill>
+                  <a:prstClr val="ltGray"/>
+                </a:solidFill>
+              </a:ln>
+            </p:spPr>
+          </p:pic>
+        </mc:Fallback>
+      </mc:AlternateContent>
+      <mc:AlternateContent xmlns:mc="http://schemas.openxmlformats.org/markup-compatibility/2006">
+        <mc:Choice xmlns:psez="http://schemas.microsoft.com/office/powerpoint/2016/sectionzoom" Requires="psez">
+          <p:graphicFrame>
+            <p:nvGraphicFramePr>
+              <p:cNvPr id="17" name="Section Zoom 16">
+                <a:extLst>
+                  <a:ext uri="{FF2B5EF4-FFF2-40B4-BE49-F238E27FC236}">
+                    <a16:creationId xmlns:a16="http://schemas.microsoft.com/office/drawing/2014/main" id="{927D5D90-DF1A-AD0D-AF28-74685EC47167}"/>
+                  </a:ext>
+                </a:extLst>
+              </p:cNvPr>
+              <p:cNvGraphicFramePr>
+                <a:graphicFrameLocks noChangeAspect="1"/>
+              </p:cNvGraphicFramePr>
+              <p:nvPr>
+                <p:extLst>
+                  <p:ext uri="{D42A27DB-BD31-4B8C-83A1-F6EECF244321}">
+                    <p14:modId xmlns:p14="http://schemas.microsoft.com/office/powerpoint/2010/main" val="2043264677"/>
+                  </p:ext>
+                </p:extLst>
+              </p:nvPr>
+            </p:nvGraphicFramePr>
+            <p:xfrm>
+              <a:off x="7778916" y="2174131"/>
+              <a:ext cx="3048000" cy="1714500"/>
+            </p:xfrm>
+            <a:graphic>
+              <a:graphicData uri="http://schemas.microsoft.com/office/powerpoint/2016/sectionzoom">
+                <psez:sectionZm>
+                  <psez:sectionZmObj sectionId="{C3156E9A-3C03-434F-B51C-05D078DA7BBD}">
+                    <psez:zmPr id="{CFF44564-BD30-4436-BAB7-67B2A95443CE}" transitionDur="1000">
+                      <p166:blipFill xmlns:p166="http://schemas.microsoft.com/office/powerpoint/2016/6/main">
+                        <a:blip r:embed="rId8"/>
+                        <a:stretch>
+                          <a:fillRect/>
+                        </a:stretch>
+                      </p166:blipFill>
+                      <p166:spPr xmlns:p166="http://schemas.microsoft.com/office/powerpoint/2016/6/main">
+                        <a:xfrm>
+                          <a:off x="0" y="0"/>
+                          <a:ext cx="3048000" cy="1714500"/>
+                        </a:xfrm>
+                        <a:prstGeom prst="rect">
+                          <a:avLst/>
+                        </a:prstGeom>
+                        <a:ln w="3175">
+                          <a:solidFill>
+                            <a:prstClr val="ltGray"/>
+                          </a:solidFill>
+                        </a:ln>
+                      </p166:spPr>
+                    </psez:zmPr>
+                  </psez:sectionZmObj>
+                </psez:sectionZm>
+              </a:graphicData>
+            </a:graphic>
+          </p:graphicFrame>
+        </mc:Choice>
+        <mc:Fallback>
+          <p:pic>
+            <p:nvPicPr>
+              <p:cNvPr id="17" name="Section Zoom 16">
+                <a:hlinkClick r:id="rId9" action="ppaction://hlinksldjump"/>
+                <a:extLst>
+                  <a:ext uri="{FF2B5EF4-FFF2-40B4-BE49-F238E27FC236}">
+                    <a16:creationId xmlns:a16="http://schemas.microsoft.com/office/drawing/2014/main" id="{927D5D90-DF1A-AD0D-AF28-74685EC47167}"/>
+                  </a:ext>
+                </a:extLst>
+              </p:cNvPr>
+              <p:cNvPicPr>
+                <a:picLocks noGrp="1" noRot="1" noChangeAspect="1" noMove="1" noResize="1" noEditPoints="1" noAdjustHandles="1" noChangeArrowheads="1" noChangeShapeType="1"/>
+              </p:cNvPicPr>
+              <p:nvPr/>
+            </p:nvPicPr>
+            <p:blipFill>
+              <a:blip r:embed="rId8"/>
+              <a:stretch>
+                <a:fillRect/>
+              </a:stretch>
+            </p:blipFill>
+            <p:spPr>
+              <a:xfrm>
+                <a:off x="7778916" y="2174131"/>
+                <a:ext cx="3048000" cy="1714500"/>
+              </a:xfrm>
+              <a:prstGeom prst="rect">
+                <a:avLst/>
+              </a:prstGeom>
+              <a:ln w="3175">
+                <a:solidFill>
+                  <a:prstClr val="ltGray"/>
+                </a:solidFill>
+              </a:ln>
+            </p:spPr>
+          </p:pic>
+        </mc:Fallback>
+      </mc:AlternateContent>
+      <mc:AlternateContent xmlns:mc="http://schemas.openxmlformats.org/markup-compatibility/2006">
+        <mc:Choice xmlns:psez="http://schemas.microsoft.com/office/powerpoint/2016/sectionzoom" Requires="psez">
+          <p:graphicFrame>
+            <p:nvGraphicFramePr>
+              <p:cNvPr id="19" name="Section Zoom 18">
+                <a:extLst>
+                  <a:ext uri="{FF2B5EF4-FFF2-40B4-BE49-F238E27FC236}">
+                    <a16:creationId xmlns:a16="http://schemas.microsoft.com/office/drawing/2014/main" id="{022A1C72-DF26-C276-1BC4-4F548D6DA665}"/>
+                  </a:ext>
+                </a:extLst>
+              </p:cNvPr>
+              <p:cNvGraphicFramePr>
+                <a:graphicFrameLocks noChangeAspect="1"/>
+              </p:cNvGraphicFramePr>
+              <p:nvPr>
+                <p:extLst>
+                  <p:ext uri="{D42A27DB-BD31-4B8C-83A1-F6EECF244321}">
+                    <p14:modId xmlns:p14="http://schemas.microsoft.com/office/powerpoint/2010/main" val="2177984831"/>
+                  </p:ext>
+                </p:extLst>
+              </p:nvPr>
+            </p:nvGraphicFramePr>
+            <p:xfrm>
+              <a:off x="7778916" y="4089217"/>
+              <a:ext cx="3048000" cy="1714500"/>
+            </p:xfrm>
+            <a:graphic>
+              <a:graphicData uri="http://schemas.microsoft.com/office/powerpoint/2016/sectionzoom">
+                <psez:sectionZm>
+                  <psez:sectionZmObj sectionId="{97CEEFF9-98CB-455D-8C16-06139B513E56}">
+                    <psez:zmPr id="{26CE9652-46F8-4F25-8B95-F86CF78C457A}" transitionDur="1000">
+                      <p166:blipFill xmlns:p166="http://schemas.microsoft.com/office/powerpoint/2016/6/main">
+                        <a:blip r:embed="rId10"/>
+                        <a:stretch>
+                          <a:fillRect/>
+                        </a:stretch>
+                      </p166:blipFill>
+                      <p166:spPr xmlns:p166="http://schemas.microsoft.com/office/powerpoint/2016/6/main">
+                        <a:xfrm>
+                          <a:off x="0" y="0"/>
+                          <a:ext cx="3048000" cy="1714500"/>
+                        </a:xfrm>
+                        <a:prstGeom prst="rect">
+                          <a:avLst/>
+                        </a:prstGeom>
+                        <a:ln w="3175">
+                          <a:solidFill>
+                            <a:prstClr val="ltGray"/>
+                          </a:solidFill>
+                        </a:ln>
+                      </p166:spPr>
+                    </psez:zmPr>
+                  </psez:sectionZmObj>
+                </psez:sectionZm>
+              </a:graphicData>
+            </a:graphic>
+          </p:graphicFrame>
+        </mc:Choice>
+        <mc:Fallback>
+          <p:pic>
+            <p:nvPicPr>
+              <p:cNvPr id="19" name="Section Zoom 18">
+                <a:hlinkClick r:id="rId11" action="ppaction://hlinksldjump"/>
+                <a:extLst>
+                  <a:ext uri="{FF2B5EF4-FFF2-40B4-BE49-F238E27FC236}">
+                    <a16:creationId xmlns:a16="http://schemas.microsoft.com/office/drawing/2014/main" id="{022A1C72-DF26-C276-1BC4-4F548D6DA665}"/>
+                  </a:ext>
+                </a:extLst>
+              </p:cNvPr>
+              <p:cNvPicPr>
+                <a:picLocks noGrp="1" noRot="1" noChangeAspect="1" noMove="1" noResize="1" noEditPoints="1" noAdjustHandles="1" noChangeArrowheads="1" noChangeShapeType="1"/>
+              </p:cNvPicPr>
+              <p:nvPr/>
+            </p:nvPicPr>
+            <p:blipFill>
+              <a:blip r:embed="rId10"/>
+              <a:stretch>
+                <a:fillRect/>
+              </a:stretch>
+            </p:blipFill>
+            <p:spPr>
+              <a:xfrm>
+                <a:off x="7778916" y="4089217"/>
+                <a:ext cx="3048000" cy="1714500"/>
+              </a:xfrm>
+              <a:prstGeom prst="rect">
+                <a:avLst/>
+              </a:prstGeom>
+              <a:ln w="3175">
+                <a:solidFill>
+                  <a:prstClr val="ltGray"/>
+                </a:solidFill>
+              </a:ln>
+            </p:spPr>
+          </p:pic>
+        </mc:Fallback>
+      </mc:AlternateContent>
+      <mc:AlternateContent xmlns:mc="http://schemas.openxmlformats.org/markup-compatibility/2006">
+        <mc:Choice xmlns:psez="http://schemas.microsoft.com/office/powerpoint/2016/sectionzoom" Requires="psez">
+          <p:graphicFrame>
+            <p:nvGraphicFramePr>
+              <p:cNvPr id="21" name="Section Zoom 20">
+                <a:extLst>
+                  <a:ext uri="{FF2B5EF4-FFF2-40B4-BE49-F238E27FC236}">
+                    <a16:creationId xmlns:a16="http://schemas.microsoft.com/office/drawing/2014/main" id="{9BFEF01A-499C-3A18-BAE4-A7EBE386683E}"/>
+                  </a:ext>
+                </a:extLst>
+              </p:cNvPr>
+              <p:cNvGraphicFramePr>
+                <a:graphicFrameLocks noChangeAspect="1"/>
+              </p:cNvGraphicFramePr>
+              <p:nvPr>
+                <p:extLst>
+                  <p:ext uri="{D42A27DB-BD31-4B8C-83A1-F6EECF244321}">
+                    <p14:modId xmlns:p14="http://schemas.microsoft.com/office/powerpoint/2010/main" val="2799672571"/>
+                  </p:ext>
+                </p:extLst>
+              </p:nvPr>
+            </p:nvGraphicFramePr>
+            <p:xfrm>
+              <a:off x="4138908" y="4089217"/>
+              <a:ext cx="3048000" cy="1714500"/>
+            </p:xfrm>
+            <a:graphic>
+              <a:graphicData uri="http://schemas.microsoft.com/office/powerpoint/2016/sectionzoom">
+                <psez:sectionZm>
+                  <psez:sectionZmObj sectionId="{F7A5B370-85E4-4382-AA37-A73C15148025}">
+                    <psez:zmPr id="{DE535D5D-8F47-46EA-8EE8-FC19E3FA8536}" transitionDur="1000">
+                      <p166:blipFill xmlns:p166="http://schemas.microsoft.com/office/powerpoint/2016/6/main">
+                        <a:blip r:embed="rId12"/>
+                        <a:stretch>
+                          <a:fillRect/>
+                        </a:stretch>
+                      </p166:blipFill>
+                      <p166:spPr xmlns:p166="http://schemas.microsoft.com/office/powerpoint/2016/6/main">
+                        <a:xfrm>
+                          <a:off x="0" y="0"/>
+                          <a:ext cx="3048000" cy="1714500"/>
+                        </a:xfrm>
+                        <a:prstGeom prst="rect">
+                          <a:avLst/>
+                        </a:prstGeom>
+                        <a:ln w="3175">
+                          <a:solidFill>
+                            <a:prstClr val="ltGray"/>
+                          </a:solidFill>
+                        </a:ln>
+                      </p166:spPr>
+                    </psez:zmPr>
+                  </psez:sectionZmObj>
+                </psez:sectionZm>
+              </a:graphicData>
+            </a:graphic>
+          </p:graphicFrame>
+        </mc:Choice>
+        <mc:Fallback>
+          <p:pic>
+            <p:nvPicPr>
+              <p:cNvPr id="21" name="Section Zoom 20">
+                <a:hlinkClick r:id="rId13" action="ppaction://hlinksldjump"/>
+                <a:extLst>
+                  <a:ext uri="{FF2B5EF4-FFF2-40B4-BE49-F238E27FC236}">
+                    <a16:creationId xmlns:a16="http://schemas.microsoft.com/office/drawing/2014/main" id="{9BFEF01A-499C-3A18-BAE4-A7EBE386683E}"/>
+                  </a:ext>
+                </a:extLst>
+              </p:cNvPr>
+              <p:cNvPicPr>
+                <a:picLocks noGrp="1" noRot="1" noChangeAspect="1" noMove="1" noResize="1" noEditPoints="1" noAdjustHandles="1" noChangeArrowheads="1" noChangeShapeType="1"/>
+              </p:cNvPicPr>
+              <p:nvPr/>
+            </p:nvPicPr>
+            <p:blipFill>
+              <a:blip r:embed="rId12"/>
+              <a:stretch>
+                <a:fillRect/>
+              </a:stretch>
+            </p:blipFill>
+            <p:spPr>
+              <a:xfrm>
+                <a:off x="4138908" y="4089217"/>
+                <a:ext cx="3048000" cy="1714500"/>
+              </a:xfrm>
+              <a:prstGeom prst="rect">
+                <a:avLst/>
+              </a:prstGeom>
+              <a:ln w="3175">
+                <a:solidFill>
+                  <a:prstClr val="ltGray"/>
+                </a:solidFill>
+              </a:ln>
+            </p:spPr>
+          </p:pic>
+        </mc:Fallback>
+      </mc:AlternateContent>
+      <mc:AlternateContent xmlns:mc="http://schemas.openxmlformats.org/markup-compatibility/2006">
+        <mc:Choice xmlns:psez="http://schemas.microsoft.com/office/powerpoint/2016/sectionzoom" Requires="psez">
+          <p:graphicFrame>
+            <p:nvGraphicFramePr>
+              <p:cNvPr id="4" name="Section Zoom 3">
+                <a:extLst>
+                  <a:ext uri="{FF2B5EF4-FFF2-40B4-BE49-F238E27FC236}">
+                    <a16:creationId xmlns:a16="http://schemas.microsoft.com/office/drawing/2014/main" id="{16C01AF2-AAB6-86CE-1319-EFC53E44DE54}"/>
+                  </a:ext>
+                </a:extLst>
+              </p:cNvPr>
+              <p:cNvGraphicFramePr>
+                <a:graphicFrameLocks noChangeAspect="1"/>
+              </p:cNvGraphicFramePr>
+              <p:nvPr>
+                <p:extLst>
+                  <p:ext uri="{D42A27DB-BD31-4B8C-83A1-F6EECF244321}">
+                    <p14:modId xmlns:p14="http://schemas.microsoft.com/office/powerpoint/2010/main" val="2934944678"/>
+                  </p:ext>
+                </p:extLst>
+              </p:nvPr>
+            </p:nvGraphicFramePr>
+            <p:xfrm>
+              <a:off x="7849640" y="224299"/>
+              <a:ext cx="3048000" cy="1714500"/>
+            </p:xfrm>
+            <a:graphic>
+              <a:graphicData uri="http://schemas.microsoft.com/office/powerpoint/2016/sectionzoom">
+                <psez:sectionZm>
+                  <psez:sectionZmObj sectionId="{E68386CA-BC6D-4109-A6C3-F4D272BEBAC9}">
+                    <psez:zmPr id="{F4A6DCEE-C5F9-4407-A75F-FD6EE5CDD1E4}" transitionDur="1000">
+                      <p166:blipFill xmlns:p166="http://schemas.microsoft.com/office/powerpoint/2016/6/main">
+                        <a:blip r:embed="rId14"/>
+                        <a:stretch>
+                          <a:fillRect/>
+                        </a:stretch>
+                      </p166:blipFill>
+                      <p166:spPr xmlns:p166="http://schemas.microsoft.com/office/powerpoint/2016/6/main">
+                        <a:xfrm>
+                          <a:off x="0" y="0"/>
+                          <a:ext cx="3048000" cy="1714500"/>
+                        </a:xfrm>
+                        <a:prstGeom prst="rect">
+                          <a:avLst/>
+                        </a:prstGeom>
+                        <a:ln w="3175">
+                          <a:solidFill>
+                            <a:prstClr val="ltGray"/>
+                          </a:solidFill>
+                        </a:ln>
+                      </p166:spPr>
+                    </psez:zmPr>
+                  </psez:sectionZmObj>
+                </psez:sectionZm>
+              </a:graphicData>
+            </a:graphic>
+          </p:graphicFrame>
+        </mc:Choice>
+        <mc:Fallback>
+          <p:pic>
+            <p:nvPicPr>
+              <p:cNvPr id="4" name="Section Zoom 3">
+                <a:hlinkClick r:id="rId15" action="ppaction://hlinksldjump"/>
+                <a:extLst>
+                  <a:ext uri="{FF2B5EF4-FFF2-40B4-BE49-F238E27FC236}">
+                    <a16:creationId xmlns:a16="http://schemas.microsoft.com/office/drawing/2014/main" id="{16C01AF2-AAB6-86CE-1319-EFC53E44DE54}"/>
+                  </a:ext>
+                </a:extLst>
+              </p:cNvPr>
+              <p:cNvPicPr>
+                <a:picLocks noGrp="1" noRot="1" noChangeAspect="1" noMove="1" noResize="1" noEditPoints="1" noAdjustHandles="1" noChangeArrowheads="1" noChangeShapeType="1"/>
+              </p:cNvPicPr>
+              <p:nvPr/>
+            </p:nvPicPr>
+            <p:blipFill>
+              <a:blip r:embed="rId14"/>
+              <a:stretch>
+                <a:fillRect/>
+              </a:stretch>
+            </p:blipFill>
+            <p:spPr>
+              <a:xfrm>
+                <a:off x="7849640" y="224299"/>
+                <a:ext cx="3048000" cy="1714500"/>
+              </a:xfrm>
+              <a:prstGeom prst="rect">
+                <a:avLst/>
+              </a:prstGeom>
+              <a:ln w="3175">
+                <a:solidFill>
+                  <a:prstClr val="ltGray"/>
+                </a:solidFill>
+              </a:ln>
+            </p:spPr>
+          </p:pic>
+        </mc:Fallback>
+      </mc:AlternateContent>
+    </p:spTree>
+    <p:extLst>
+      <p:ext uri="{BB962C8B-B14F-4D97-AF65-F5344CB8AC3E}">
+        <p14:creationId xmlns:p14="http://schemas.microsoft.com/office/powerpoint/2010/main" val="2456407364"/>
+      </p:ext>
+    </p:extLst>
+  </p:cSld>
+  <p:clrMapOvr>
+    <a:masterClrMapping/>
+  </p:clrMapOvr>
+  <mc:AlternateContent xmlns:mc="http://schemas.openxmlformats.org/markup-compatibility/2006" xmlns:p159="http://schemas.microsoft.com/office/powerpoint/2015/09/main">
+    <mc:Choice Requires="p159">
+      <p:transition xmlns:p14="http://schemas.microsoft.com/office/powerpoint/2010/main" spd="slow" p14:dur="2000">
+        <p159:morph option="byObject"/>
+      </p:transition>
+    </mc:Choice>
+    <mc:Fallback xmlns="">
+      <p:transition spd="slow">
+        <p:fade/>
+      </p:transition>
+    </mc:Fallback>
+  </mc:AlternateContent>
+</p:sld>
+</file>
+
+<file path=ppt/slides/slide20.xml><?xml version="1.0" encoding="utf-8"?>
 <p:sld xmlns:a="http://schemas.openxmlformats.org/drawingml/2006/main" xmlns:r="http://schemas.openxmlformats.org/officeDocument/2006/relationships" xmlns:p="http://schemas.openxmlformats.org/presentationml/2006/main">
   <p:cSld>
     <p:spTree>
@@ -7558,7 +9907,7 @@
 </p:sld>
 </file>
 
-<file path=ppt/slides/slide14.xml><?xml version="1.0" encoding="utf-8"?>
+<file path=ppt/slides/slide21.xml><?xml version="1.0" encoding="utf-8"?>
 <p:sld xmlns:a="http://schemas.openxmlformats.org/drawingml/2006/main" xmlns:r="http://schemas.openxmlformats.org/officeDocument/2006/relationships" xmlns:p="http://schemas.openxmlformats.org/presentationml/2006/main">
   <p:cSld>
     <p:spTree>
@@ -8440,7 +10789,7 @@
 </p:sld>
 </file>
 
-<file path=ppt/slides/slide15.xml><?xml version="1.0" encoding="utf-8"?>
+<file path=ppt/slides/slide22.xml><?xml version="1.0" encoding="utf-8"?>
 <p:sld xmlns:a="http://schemas.openxmlformats.org/drawingml/2006/main" xmlns:r="http://schemas.openxmlformats.org/officeDocument/2006/relationships" xmlns:p="http://schemas.openxmlformats.org/presentationml/2006/main">
   <p:cSld>
     <p:spTree>
@@ -8529,7 +10878,7 @@
 </p:sld>
 </file>
 
-<file path=ppt/slides/slide16.xml><?xml version="1.0" encoding="utf-8"?>
+<file path=ppt/slides/slide23.xml><?xml version="1.0" encoding="utf-8"?>
 <p:sld xmlns:a="http://schemas.openxmlformats.org/drawingml/2006/main" xmlns:r="http://schemas.openxmlformats.org/officeDocument/2006/relationships" xmlns:p="http://schemas.openxmlformats.org/presentationml/2006/main">
   <p:cSld>
     <p:spTree>
@@ -8724,7 +11073,7 @@
 </p:sld>
 </file>
 
-<file path=ppt/slides/slide17.xml><?xml version="1.0" encoding="utf-8"?>
+<file path=ppt/slides/slide24.xml><?xml version="1.0" encoding="utf-8"?>
 <p:sld xmlns:a="http://schemas.openxmlformats.org/drawingml/2006/main" xmlns:r="http://schemas.openxmlformats.org/officeDocument/2006/relationships" xmlns:p="http://schemas.openxmlformats.org/presentationml/2006/main">
   <p:cSld>
     <p:spTree>
@@ -8895,7 +11244,7 @@
 </p:sld>
 </file>
 
-<file path=ppt/slides/slide18.xml><?xml version="1.0" encoding="utf-8"?>
+<file path=ppt/slides/slide25.xml><?xml version="1.0" encoding="utf-8"?>
 <p:sld xmlns:a="http://schemas.openxmlformats.org/drawingml/2006/main" xmlns:r="http://schemas.openxmlformats.org/officeDocument/2006/relationships" xmlns:p="http://schemas.openxmlformats.org/presentationml/2006/main">
   <p:cSld>
     <p:spTree>
@@ -8983,7 +11332,7 @@
 </p:sld>
 </file>
 
-<file path=ppt/slides/slide19.xml><?xml version="1.0" encoding="utf-8"?>
+<file path=ppt/slides/slide26.xml><?xml version="1.0" encoding="utf-8"?>
 <p:sld xmlns:a="http://schemas.openxmlformats.org/drawingml/2006/main" xmlns:r="http://schemas.openxmlformats.org/officeDocument/2006/relationships" xmlns:p="http://schemas.openxmlformats.org/presentationml/2006/main">
   <p:cSld>
     <p:spTree>
@@ -9096,620 +11445,7 @@
 </p:sld>
 </file>
 
-<file path=ppt/slides/slide2.xml><?xml version="1.0" encoding="utf-8"?>
-<p:sld xmlns:a="http://schemas.openxmlformats.org/drawingml/2006/main" xmlns:r="http://schemas.openxmlformats.org/officeDocument/2006/relationships" xmlns:p="http://schemas.openxmlformats.org/presentationml/2006/main">
-  <p:cSld>
-    <p:spTree>
-      <p:nvGrpSpPr>
-        <p:cNvPr id="1" name="">
-          <a:extLst>
-            <a:ext uri="{FF2B5EF4-FFF2-40B4-BE49-F238E27FC236}">
-              <a16:creationId xmlns:a16="http://schemas.microsoft.com/office/drawing/2014/main" id="{41CF9500-92A7-8D27-2F0D-B96799C5E1FB}"/>
-            </a:ext>
-          </a:extLst>
-        </p:cNvPr>
-        <p:cNvGrpSpPr/>
-        <p:nvPr/>
-      </p:nvGrpSpPr>
-      <p:grpSpPr>
-        <a:xfrm>
-          <a:off x="0" y="0"/>
-          <a:ext cx="0" cy="0"/>
-          <a:chOff x="0" y="0"/>
-          <a:chExt cx="0" cy="0"/>
-        </a:xfrm>
-      </p:grpSpPr>
-      <p:sp>
-        <p:nvSpPr>
-          <p:cNvPr id="2" name="Title 1">
-            <a:extLst>
-              <a:ext uri="{FF2B5EF4-FFF2-40B4-BE49-F238E27FC236}">
-                <a16:creationId xmlns:a16="http://schemas.microsoft.com/office/drawing/2014/main" id="{7C99DB24-9A78-6946-387A-F77DEDCD52E5}"/>
-              </a:ext>
-            </a:extLst>
-          </p:cNvPr>
-          <p:cNvSpPr>
-            <a:spLocks noGrp="1"/>
-          </p:cNvSpPr>
-          <p:nvPr>
-            <p:ph type="title"/>
-          </p:nvPr>
-        </p:nvSpPr>
-        <p:spPr/>
-        <p:txBody>
-          <a:bodyPr/>
-          <a:lstStyle/>
-          <a:p>
-            <a:r>
-              <a:rPr lang="fa-IR" dirty="0"/>
-              <a:t>فهرست مطالب</a:t>
-            </a:r>
-            <a:endParaRPr lang="en-US" dirty="0"/>
-          </a:p>
-        </p:txBody>
-      </p:sp>
-      <p:pic>
-        <p:nvPicPr>
-          <p:cNvPr id="5" name="Picture 4" descr="A blue logo with two birds&#10;&#10;Description automatically generated">
-            <a:extLst>
-              <a:ext uri="{FF2B5EF4-FFF2-40B4-BE49-F238E27FC236}">
-                <a16:creationId xmlns:a16="http://schemas.microsoft.com/office/drawing/2014/main" id="{3EA552BC-42F5-207A-599B-4CC594DFD8C9}"/>
-              </a:ext>
-            </a:extLst>
-          </p:cNvPr>
-          <p:cNvPicPr>
-            <a:picLocks/>
-          </p:cNvPicPr>
-          <p:nvPr/>
-        </p:nvPicPr>
-        <p:blipFill>
-          <a:blip r:embed="rId2" cstate="print">
-            <a:clrChange>
-              <a:clrFrom>
-                <a:srgbClr val="FFFDFE"/>
-              </a:clrFrom>
-              <a:clrTo>
-                <a:srgbClr val="FFFDFE">
-                  <a:alpha val="0"/>
-                </a:srgbClr>
-              </a:clrTo>
-            </a:clrChange>
-            <a:extLst>
-              <a:ext uri="{28A0092B-C50C-407E-A947-70E740481C1C}">
-                <a14:useLocalDpi xmlns:a14="http://schemas.microsoft.com/office/drawing/2010/main" val="0"/>
-              </a:ext>
-            </a:extLst>
-          </a:blip>
-          <a:srcRect/>
-          <a:stretch>
-            <a:fillRect/>
-          </a:stretch>
-        </p:blipFill>
-        <p:spPr bwMode="auto">
-          <a:xfrm>
-            <a:off x="73025" y="6182592"/>
-            <a:ext cx="640080" cy="640080"/>
-          </a:xfrm>
-          <a:prstGeom prst="rect">
-            <a:avLst/>
-          </a:prstGeom>
-          <a:noFill/>
-          <a:ln>
-            <a:noFill/>
-          </a:ln>
-        </p:spPr>
-      </p:pic>
-      <mc:AlternateContent xmlns:mc="http://schemas.openxmlformats.org/markup-compatibility/2006" xmlns:psez="http://schemas.microsoft.com/office/powerpoint/2016/sectionzoom">
-        <mc:Choice Requires="psez">
-          <p:graphicFrame>
-            <p:nvGraphicFramePr>
-              <p:cNvPr id="11" name="Section Zoom 10">
-                <a:extLst>
-                  <a:ext uri="{FF2B5EF4-FFF2-40B4-BE49-F238E27FC236}">
-                    <a16:creationId xmlns:a16="http://schemas.microsoft.com/office/drawing/2014/main" id="{58283ACB-5077-432F-BEBB-2BB27DBC45E6}"/>
-                  </a:ext>
-                </a:extLst>
-              </p:cNvPr>
-              <p:cNvGraphicFramePr>
-                <a:graphicFrameLocks noChangeAspect="1"/>
-              </p:cNvGraphicFramePr>
-              <p:nvPr>
-                <p:extLst>
-                  <p:ext uri="{D42A27DB-BD31-4B8C-83A1-F6EECF244321}">
-                    <p14:modId xmlns:p14="http://schemas.microsoft.com/office/powerpoint/2010/main" val="3713046551"/>
-                  </p:ext>
-                </p:extLst>
-              </p:nvPr>
-            </p:nvGraphicFramePr>
-            <p:xfrm>
-              <a:off x="4138908" y="224299"/>
-              <a:ext cx="3048000" cy="1714500"/>
-            </p:xfrm>
-            <a:graphic>
-              <a:graphicData uri="http://schemas.microsoft.com/office/powerpoint/2016/sectionzoom">
-                <psez:sectionZm>
-                  <psez:sectionZmObj sectionId="{98A9290C-9B75-46FC-89A6-25B5F567CD2A}">
-                    <psez:zmPr id="{E16A583A-E626-42B3-AE1E-CFF21648ECD5}" transitionDur="1000">
-                      <p166:blipFill xmlns:p166="http://schemas.microsoft.com/office/powerpoint/2016/6/main">
-                        <a:blip r:embed="rId3"/>
-                        <a:stretch>
-                          <a:fillRect/>
-                        </a:stretch>
-                      </p166:blipFill>
-                      <p166:spPr xmlns:p166="http://schemas.microsoft.com/office/powerpoint/2016/6/main">
-                        <a:xfrm>
-                          <a:off x="0" y="0"/>
-                          <a:ext cx="3048000" cy="1714500"/>
-                        </a:xfrm>
-                        <a:prstGeom prst="rect">
-                          <a:avLst/>
-                        </a:prstGeom>
-                        <a:ln w="3175">
-                          <a:solidFill>
-                            <a:prstClr val="ltGray"/>
-                          </a:solidFill>
-                        </a:ln>
-                      </p166:spPr>
-                    </psez:zmPr>
-                  </psez:sectionZmObj>
-                </psez:sectionZm>
-              </a:graphicData>
-            </a:graphic>
-          </p:graphicFrame>
-        </mc:Choice>
-        <mc:Fallback xmlns="">
-          <p:pic>
-            <p:nvPicPr>
-              <p:cNvPr id="11" name="Section Zoom 10">
-                <a:hlinkClick r:id="rId4" action="ppaction://hlinksldjump"/>
-                <a:extLst>
-                  <a:ext uri="{FF2B5EF4-FFF2-40B4-BE49-F238E27FC236}">
-                    <a16:creationId xmlns:a16="http://schemas.microsoft.com/office/drawing/2014/main" id="{58283ACB-5077-432F-BEBB-2BB27DBC45E6}"/>
-                  </a:ext>
-                </a:extLst>
-              </p:cNvPr>
-              <p:cNvPicPr>
-                <a:picLocks noGrp="1" noRot="1" noChangeAspect="1" noMove="1" noResize="1" noEditPoints="1" noAdjustHandles="1" noChangeArrowheads="1" noChangeShapeType="1"/>
-              </p:cNvPicPr>
-              <p:nvPr/>
-            </p:nvPicPr>
-            <p:blipFill>
-              <a:blip r:embed="rId5"/>
-              <a:stretch>
-                <a:fillRect/>
-              </a:stretch>
-            </p:blipFill>
-            <p:spPr>
-              <a:xfrm>
-                <a:off x="4138908" y="224299"/>
-                <a:ext cx="3048000" cy="1714500"/>
-              </a:xfrm>
-              <a:prstGeom prst="rect">
-                <a:avLst/>
-              </a:prstGeom>
-              <a:ln w="3175">
-                <a:solidFill>
-                  <a:prstClr val="ltGray"/>
-                </a:solidFill>
-              </a:ln>
-            </p:spPr>
-          </p:pic>
-        </mc:Fallback>
-      </mc:AlternateContent>
-      <mc:AlternateContent xmlns:mc="http://schemas.openxmlformats.org/markup-compatibility/2006" xmlns:psez="http://schemas.microsoft.com/office/powerpoint/2016/sectionzoom">
-        <mc:Choice Requires="psez">
-          <p:graphicFrame>
-            <p:nvGraphicFramePr>
-              <p:cNvPr id="15" name="Section Zoom 14">
-                <a:extLst>
-                  <a:ext uri="{FF2B5EF4-FFF2-40B4-BE49-F238E27FC236}">
-                    <a16:creationId xmlns:a16="http://schemas.microsoft.com/office/drawing/2014/main" id="{6109E1ED-6E64-5549-1537-BD9A4ED35B57}"/>
-                  </a:ext>
-                </a:extLst>
-              </p:cNvPr>
-              <p:cNvGraphicFramePr>
-                <a:graphicFrameLocks noChangeAspect="1"/>
-              </p:cNvGraphicFramePr>
-              <p:nvPr>
-                <p:extLst>
-                  <p:ext uri="{D42A27DB-BD31-4B8C-83A1-F6EECF244321}">
-                    <p14:modId xmlns:p14="http://schemas.microsoft.com/office/powerpoint/2010/main" val="3276909159"/>
-                  </p:ext>
-                </p:extLst>
-              </p:nvPr>
-            </p:nvGraphicFramePr>
-            <p:xfrm>
-              <a:off x="7778916" y="259045"/>
-              <a:ext cx="3048000" cy="1714500"/>
-            </p:xfrm>
-            <a:graphic>
-              <a:graphicData uri="http://schemas.microsoft.com/office/powerpoint/2016/sectionzoom">
-                <psez:sectionZm>
-                  <psez:sectionZmObj sectionId="{D767CB8A-0153-46F6-89FC-F079A745DFB0}">
-                    <psez:zmPr id="{1754C6AC-D172-47FE-BD76-ACAD1696EF2B}" transitionDur="1000">
-                      <p166:blipFill xmlns:p166="http://schemas.microsoft.com/office/powerpoint/2016/6/main">
-                        <a:blip r:embed="rId6"/>
-                        <a:stretch>
-                          <a:fillRect/>
-                        </a:stretch>
-                      </p166:blipFill>
-                      <p166:spPr xmlns:p166="http://schemas.microsoft.com/office/powerpoint/2016/6/main">
-                        <a:xfrm>
-                          <a:off x="0" y="0"/>
-                          <a:ext cx="3048000" cy="1714500"/>
-                        </a:xfrm>
-                        <a:prstGeom prst="rect">
-                          <a:avLst/>
-                        </a:prstGeom>
-                        <a:ln w="3175">
-                          <a:solidFill>
-                            <a:prstClr val="ltGray"/>
-                          </a:solidFill>
-                        </a:ln>
-                      </p166:spPr>
-                    </psez:zmPr>
-                  </psez:sectionZmObj>
-                </psez:sectionZm>
-              </a:graphicData>
-            </a:graphic>
-          </p:graphicFrame>
-        </mc:Choice>
-        <mc:Fallback xmlns="">
-          <p:pic>
-            <p:nvPicPr>
-              <p:cNvPr id="15" name="Section Zoom 14">
-                <a:hlinkClick r:id="rId7" action="ppaction://hlinksldjump"/>
-                <a:extLst>
-                  <a:ext uri="{FF2B5EF4-FFF2-40B4-BE49-F238E27FC236}">
-                    <a16:creationId xmlns:a16="http://schemas.microsoft.com/office/drawing/2014/main" id="{6109E1ED-6E64-5549-1537-BD9A4ED35B57}"/>
-                  </a:ext>
-                </a:extLst>
-              </p:cNvPr>
-              <p:cNvPicPr>
-                <a:picLocks noGrp="1" noRot="1" noChangeAspect="1" noMove="1" noResize="1" noEditPoints="1" noAdjustHandles="1" noChangeArrowheads="1" noChangeShapeType="1"/>
-              </p:cNvPicPr>
-              <p:nvPr/>
-            </p:nvPicPr>
-            <p:blipFill>
-              <a:blip r:embed="rId8"/>
-              <a:stretch>
-                <a:fillRect/>
-              </a:stretch>
-            </p:blipFill>
-            <p:spPr>
-              <a:xfrm>
-                <a:off x="7778916" y="259045"/>
-                <a:ext cx="3048000" cy="1714500"/>
-              </a:xfrm>
-              <a:prstGeom prst="rect">
-                <a:avLst/>
-              </a:prstGeom>
-              <a:ln w="3175">
-                <a:solidFill>
-                  <a:prstClr val="ltGray"/>
-                </a:solidFill>
-              </a:ln>
-            </p:spPr>
-          </p:pic>
-        </mc:Fallback>
-      </mc:AlternateContent>
-      <mc:AlternateContent xmlns:mc="http://schemas.openxmlformats.org/markup-compatibility/2006" xmlns:psez="http://schemas.microsoft.com/office/powerpoint/2016/sectionzoom">
-        <mc:Choice Requires="psez">
-          <p:graphicFrame>
-            <p:nvGraphicFramePr>
-              <p:cNvPr id="17" name="Section Zoom 16">
-                <a:extLst>
-                  <a:ext uri="{FF2B5EF4-FFF2-40B4-BE49-F238E27FC236}">
-                    <a16:creationId xmlns:a16="http://schemas.microsoft.com/office/drawing/2014/main" id="{927D5D90-DF1A-AD0D-AF28-74685EC47167}"/>
-                  </a:ext>
-                </a:extLst>
-              </p:cNvPr>
-              <p:cNvGraphicFramePr>
-                <a:graphicFrameLocks noChangeAspect="1"/>
-              </p:cNvGraphicFramePr>
-              <p:nvPr>
-                <p:extLst>
-                  <p:ext uri="{D42A27DB-BD31-4B8C-83A1-F6EECF244321}">
-                    <p14:modId xmlns:p14="http://schemas.microsoft.com/office/powerpoint/2010/main" val="2371375988"/>
-                  </p:ext>
-                </p:extLst>
-              </p:nvPr>
-            </p:nvGraphicFramePr>
-            <p:xfrm>
-              <a:off x="4138908" y="2174131"/>
-              <a:ext cx="3048000" cy="1714500"/>
-            </p:xfrm>
-            <a:graphic>
-              <a:graphicData uri="http://schemas.microsoft.com/office/powerpoint/2016/sectionzoom">
-                <psez:sectionZm>
-                  <psez:sectionZmObj sectionId="{C3156E9A-3C03-434F-B51C-05D078DA7BBD}">
-                    <psez:zmPr id="{CFF44564-BD30-4436-BAB7-67B2A95443CE}" transitionDur="1000">
-                      <p166:blipFill xmlns:p166="http://schemas.microsoft.com/office/powerpoint/2016/6/main">
-                        <a:blip r:embed="rId9"/>
-                        <a:stretch>
-                          <a:fillRect/>
-                        </a:stretch>
-                      </p166:blipFill>
-                      <p166:spPr xmlns:p166="http://schemas.microsoft.com/office/powerpoint/2016/6/main">
-                        <a:xfrm>
-                          <a:off x="0" y="0"/>
-                          <a:ext cx="3048000" cy="1714500"/>
-                        </a:xfrm>
-                        <a:prstGeom prst="rect">
-                          <a:avLst/>
-                        </a:prstGeom>
-                        <a:ln w="3175">
-                          <a:solidFill>
-                            <a:prstClr val="ltGray"/>
-                          </a:solidFill>
-                        </a:ln>
-                      </p166:spPr>
-                    </psez:zmPr>
-                  </psez:sectionZmObj>
-                </psez:sectionZm>
-              </a:graphicData>
-            </a:graphic>
-          </p:graphicFrame>
-        </mc:Choice>
-        <mc:Fallback xmlns="">
-          <p:pic>
-            <p:nvPicPr>
-              <p:cNvPr id="17" name="Section Zoom 16">
-                <a:hlinkClick r:id="rId10" action="ppaction://hlinksldjump"/>
-                <a:extLst>
-                  <a:ext uri="{FF2B5EF4-FFF2-40B4-BE49-F238E27FC236}">
-                    <a16:creationId xmlns:a16="http://schemas.microsoft.com/office/drawing/2014/main" id="{927D5D90-DF1A-AD0D-AF28-74685EC47167}"/>
-                  </a:ext>
-                </a:extLst>
-              </p:cNvPr>
-              <p:cNvPicPr>
-                <a:picLocks noGrp="1" noRot="1" noChangeAspect="1" noMove="1" noResize="1" noEditPoints="1" noAdjustHandles="1" noChangeArrowheads="1" noChangeShapeType="1"/>
-              </p:cNvPicPr>
-              <p:nvPr/>
-            </p:nvPicPr>
-            <p:blipFill>
-              <a:blip r:embed="rId11"/>
-              <a:stretch>
-                <a:fillRect/>
-              </a:stretch>
-            </p:blipFill>
-            <p:spPr>
-              <a:xfrm>
-                <a:off x="4138908" y="2174131"/>
-                <a:ext cx="3048000" cy="1714500"/>
-              </a:xfrm>
-              <a:prstGeom prst="rect">
-                <a:avLst/>
-              </a:prstGeom>
-              <a:ln w="3175">
-                <a:solidFill>
-                  <a:prstClr val="ltGray"/>
-                </a:solidFill>
-              </a:ln>
-            </p:spPr>
-          </p:pic>
-        </mc:Fallback>
-      </mc:AlternateContent>
-      <mc:AlternateContent xmlns:mc="http://schemas.openxmlformats.org/markup-compatibility/2006" xmlns:psez="http://schemas.microsoft.com/office/powerpoint/2016/sectionzoom">
-        <mc:Choice Requires="psez">
-          <p:graphicFrame>
-            <p:nvGraphicFramePr>
-              <p:cNvPr id="19" name="Section Zoom 18">
-                <a:extLst>
-                  <a:ext uri="{FF2B5EF4-FFF2-40B4-BE49-F238E27FC236}">
-                    <a16:creationId xmlns:a16="http://schemas.microsoft.com/office/drawing/2014/main" id="{022A1C72-DF26-C276-1BC4-4F548D6DA665}"/>
-                  </a:ext>
-                </a:extLst>
-              </p:cNvPr>
-              <p:cNvGraphicFramePr>
-                <a:graphicFrameLocks noChangeAspect="1"/>
-              </p:cNvGraphicFramePr>
-              <p:nvPr>
-                <p:extLst>
-                  <p:ext uri="{D42A27DB-BD31-4B8C-83A1-F6EECF244321}">
-                    <p14:modId xmlns:p14="http://schemas.microsoft.com/office/powerpoint/2010/main" val="2028574134"/>
-                  </p:ext>
-                </p:extLst>
-              </p:nvPr>
-            </p:nvGraphicFramePr>
-            <p:xfrm>
-              <a:off x="5908714" y="4123963"/>
-              <a:ext cx="3048000" cy="1714500"/>
-            </p:xfrm>
-            <a:graphic>
-              <a:graphicData uri="http://schemas.microsoft.com/office/powerpoint/2016/sectionzoom">
-                <psez:sectionZm>
-                  <psez:sectionZmObj sectionId="{97CEEFF9-98CB-455D-8C16-06139B513E56}">
-                    <psez:zmPr id="{26CE9652-46F8-4F25-8B95-F86CF78C457A}" transitionDur="1000">
-                      <p166:blipFill xmlns:p166="http://schemas.microsoft.com/office/powerpoint/2016/6/main">
-                        <a:blip r:embed="rId12"/>
-                        <a:stretch>
-                          <a:fillRect/>
-                        </a:stretch>
-                      </p166:blipFill>
-                      <p166:spPr xmlns:p166="http://schemas.microsoft.com/office/powerpoint/2016/6/main">
-                        <a:xfrm>
-                          <a:off x="0" y="0"/>
-                          <a:ext cx="3048000" cy="1714500"/>
-                        </a:xfrm>
-                        <a:prstGeom prst="rect">
-                          <a:avLst/>
-                        </a:prstGeom>
-                        <a:ln w="3175">
-                          <a:solidFill>
-                            <a:prstClr val="ltGray"/>
-                          </a:solidFill>
-                        </a:ln>
-                      </p166:spPr>
-                    </psez:zmPr>
-                  </psez:sectionZmObj>
-                </psez:sectionZm>
-              </a:graphicData>
-            </a:graphic>
-          </p:graphicFrame>
-        </mc:Choice>
-        <mc:Fallback xmlns="">
-          <p:pic>
-            <p:nvPicPr>
-              <p:cNvPr id="19" name="Section Zoom 18">
-                <a:hlinkClick r:id="rId13" action="ppaction://hlinksldjump"/>
-                <a:extLst>
-                  <a:ext uri="{FF2B5EF4-FFF2-40B4-BE49-F238E27FC236}">
-                    <a16:creationId xmlns:a16="http://schemas.microsoft.com/office/drawing/2014/main" id="{022A1C72-DF26-C276-1BC4-4F548D6DA665}"/>
-                  </a:ext>
-                </a:extLst>
-              </p:cNvPr>
-              <p:cNvPicPr>
-                <a:picLocks noGrp="1" noRot="1" noChangeAspect="1" noMove="1" noResize="1" noEditPoints="1" noAdjustHandles="1" noChangeArrowheads="1" noChangeShapeType="1"/>
-              </p:cNvPicPr>
-              <p:nvPr/>
-            </p:nvPicPr>
-            <p:blipFill>
-              <a:blip r:embed="rId14"/>
-              <a:stretch>
-                <a:fillRect/>
-              </a:stretch>
-            </p:blipFill>
-            <p:spPr>
-              <a:xfrm>
-                <a:off x="5908714" y="4123963"/>
-                <a:ext cx="3048000" cy="1714500"/>
-              </a:xfrm>
-              <a:prstGeom prst="rect">
-                <a:avLst/>
-              </a:prstGeom>
-              <a:ln w="3175">
-                <a:solidFill>
-                  <a:prstClr val="ltGray"/>
-                </a:solidFill>
-              </a:ln>
-            </p:spPr>
-          </p:pic>
-        </mc:Fallback>
-      </mc:AlternateContent>
-      <mc:AlternateContent xmlns:mc="http://schemas.openxmlformats.org/markup-compatibility/2006" xmlns:psez="http://schemas.microsoft.com/office/powerpoint/2016/sectionzoom">
-        <mc:Choice Requires="psez">
-          <p:graphicFrame>
-            <p:nvGraphicFramePr>
-              <p:cNvPr id="21" name="Section Zoom 20">
-                <a:extLst>
-                  <a:ext uri="{FF2B5EF4-FFF2-40B4-BE49-F238E27FC236}">
-                    <a16:creationId xmlns:a16="http://schemas.microsoft.com/office/drawing/2014/main" id="{9BFEF01A-499C-3A18-BAE4-A7EBE386683E}"/>
-                  </a:ext>
-                </a:extLst>
-              </p:cNvPr>
-              <p:cNvGraphicFramePr>
-                <a:graphicFrameLocks noChangeAspect="1"/>
-              </p:cNvGraphicFramePr>
-              <p:nvPr>
-                <p:extLst>
-                  <p:ext uri="{D42A27DB-BD31-4B8C-83A1-F6EECF244321}">
-                    <p14:modId xmlns:p14="http://schemas.microsoft.com/office/powerpoint/2010/main" val="1087910566"/>
-                  </p:ext>
-                </p:extLst>
-              </p:nvPr>
-            </p:nvGraphicFramePr>
-            <p:xfrm>
-              <a:off x="7778916" y="2174131"/>
-              <a:ext cx="3048000" cy="1714500"/>
-            </p:xfrm>
-            <a:graphic>
-              <a:graphicData uri="http://schemas.microsoft.com/office/powerpoint/2016/sectionzoom">
-                <psez:sectionZm>
-                  <psez:sectionZmObj sectionId="{F7A5B370-85E4-4382-AA37-A73C15148025}">
-                    <psez:zmPr id="{DE535D5D-8F47-46EA-8EE8-FC19E3FA8536}" transitionDur="1000">
-                      <p166:blipFill xmlns:p166="http://schemas.microsoft.com/office/powerpoint/2016/6/main">
-                        <a:blip r:embed="rId15"/>
-                        <a:stretch>
-                          <a:fillRect/>
-                        </a:stretch>
-                      </p166:blipFill>
-                      <p166:spPr xmlns:p166="http://schemas.microsoft.com/office/powerpoint/2016/6/main">
-                        <a:xfrm>
-                          <a:off x="0" y="0"/>
-                          <a:ext cx="3048000" cy="1714500"/>
-                        </a:xfrm>
-                        <a:prstGeom prst="rect">
-                          <a:avLst/>
-                        </a:prstGeom>
-                        <a:ln w="3175">
-                          <a:solidFill>
-                            <a:prstClr val="ltGray"/>
-                          </a:solidFill>
-                        </a:ln>
-                      </p166:spPr>
-                    </psez:zmPr>
-                  </psez:sectionZmObj>
-                </psez:sectionZm>
-              </a:graphicData>
-            </a:graphic>
-          </p:graphicFrame>
-        </mc:Choice>
-        <mc:Fallback xmlns="">
-          <p:pic>
-            <p:nvPicPr>
-              <p:cNvPr id="21" name="Section Zoom 20">
-                <a:hlinkClick r:id="rId16" action="ppaction://hlinksldjump"/>
-                <a:extLst>
-                  <a:ext uri="{FF2B5EF4-FFF2-40B4-BE49-F238E27FC236}">
-                    <a16:creationId xmlns:a16="http://schemas.microsoft.com/office/drawing/2014/main" id="{9BFEF01A-499C-3A18-BAE4-A7EBE386683E}"/>
-                  </a:ext>
-                </a:extLst>
-              </p:cNvPr>
-              <p:cNvPicPr>
-                <a:picLocks noGrp="1" noRot="1" noChangeAspect="1" noMove="1" noResize="1" noEditPoints="1" noAdjustHandles="1" noChangeArrowheads="1" noChangeShapeType="1"/>
-              </p:cNvPicPr>
-              <p:nvPr/>
-            </p:nvPicPr>
-            <p:blipFill>
-              <a:blip r:embed="rId17"/>
-              <a:stretch>
-                <a:fillRect/>
-              </a:stretch>
-            </p:blipFill>
-            <p:spPr>
-              <a:xfrm>
-                <a:off x="7778916" y="2174131"/>
-                <a:ext cx="3048000" cy="1714500"/>
-              </a:xfrm>
-              <a:prstGeom prst="rect">
-                <a:avLst/>
-              </a:prstGeom>
-              <a:ln w="3175">
-                <a:solidFill>
-                  <a:prstClr val="ltGray"/>
-                </a:solidFill>
-              </a:ln>
-            </p:spPr>
-          </p:pic>
-        </mc:Fallback>
-      </mc:AlternateContent>
-    </p:spTree>
-    <p:extLst>
-      <p:ext uri="{BB962C8B-B14F-4D97-AF65-F5344CB8AC3E}">
-        <p14:creationId xmlns:p14="http://schemas.microsoft.com/office/powerpoint/2010/main" val="2456407364"/>
-      </p:ext>
-    </p:extLst>
-  </p:cSld>
-  <p:clrMapOvr>
-    <a:masterClrMapping/>
-  </p:clrMapOvr>
-  <mc:AlternateContent xmlns:mc="http://schemas.openxmlformats.org/markup-compatibility/2006" xmlns:p159="http://schemas.microsoft.com/office/powerpoint/2015/09/main">
-    <mc:Choice Requires="p159">
-      <p:transition xmlns:p14="http://schemas.microsoft.com/office/powerpoint/2010/main" spd="slow" p14:dur="2000">
-        <p159:morph option="byObject"/>
-      </p:transition>
-    </mc:Choice>
-    <mc:Fallback xmlns="">
-      <p:transition spd="slow">
-        <p:fade/>
-      </p:transition>
-    </mc:Fallback>
-  </mc:AlternateContent>
-</p:sld>
-</file>
-
-<file path=ppt/slides/slide20.xml><?xml version="1.0" encoding="utf-8"?>
+<file path=ppt/slides/slide27.xml><?xml version="1.0" encoding="utf-8"?>
 <p:sld xmlns:a="http://schemas.openxmlformats.org/drawingml/2006/main" xmlns:r="http://schemas.openxmlformats.org/officeDocument/2006/relationships" xmlns:p="http://schemas.openxmlformats.org/presentationml/2006/main">
   <p:cSld>
     <p:spTree>
@@ -9798,7 +11534,7 @@
 </p:sld>
 </file>
 
-<file path=ppt/slides/slide21.xml><?xml version="1.0" encoding="utf-8"?>
+<file path=ppt/slides/slide28.xml><?xml version="1.0" encoding="utf-8"?>
 <p:sld xmlns:a="http://schemas.openxmlformats.org/drawingml/2006/main" xmlns:r="http://schemas.openxmlformats.org/officeDocument/2006/relationships" xmlns:p="http://schemas.openxmlformats.org/presentationml/2006/main">
   <p:cSld>
     <p:spTree>
@@ -9950,7 +11686,7 @@
 </p:sld>
 </file>
 
-<file path=ppt/slides/slide22.xml><?xml version="1.0" encoding="utf-8"?>
+<file path=ppt/slides/slide29.xml><?xml version="1.0" encoding="utf-8"?>
 <p:sld xmlns:a="http://schemas.openxmlformats.org/drawingml/2006/main" xmlns:r="http://schemas.openxmlformats.org/officeDocument/2006/relationships" xmlns:p="http://schemas.openxmlformats.org/presentationml/2006/main">
   <p:cSld>
     <p:spTree>
@@ -10007,748 +11743,6 @@
   <p:clrMapOvr>
     <a:masterClrMapping/>
   </p:clrMapOvr>
-</p:sld>
-</file>
-
-<file path=ppt/slides/slide23.xml><?xml version="1.0" encoding="utf-8"?>
-<p:sld xmlns:a="http://schemas.openxmlformats.org/drawingml/2006/main" xmlns:r="http://schemas.openxmlformats.org/officeDocument/2006/relationships" xmlns:p="http://schemas.openxmlformats.org/presentationml/2006/main">
-  <p:cSld>
-    <p:spTree>
-      <p:nvGrpSpPr>
-        <p:cNvPr id="1" name="">
-          <a:extLst>
-            <a:ext uri="{FF2B5EF4-FFF2-40B4-BE49-F238E27FC236}">
-              <a16:creationId xmlns:a16="http://schemas.microsoft.com/office/drawing/2014/main" id="{6F2C13D6-4DB7-AC1A-3B78-78BA8E2E109A}"/>
-            </a:ext>
-          </a:extLst>
-        </p:cNvPr>
-        <p:cNvGrpSpPr/>
-        <p:nvPr/>
-      </p:nvGrpSpPr>
-      <p:grpSpPr>
-        <a:xfrm>
-          <a:off x="0" y="0"/>
-          <a:ext cx="0" cy="0"/>
-          <a:chOff x="0" y="0"/>
-          <a:chExt cx="0" cy="0"/>
-        </a:xfrm>
-      </p:grpSpPr>
-      <p:sp>
-        <p:nvSpPr>
-          <p:cNvPr id="2" name="Title 1">
-            <a:extLst>
-              <a:ext uri="{FF2B5EF4-FFF2-40B4-BE49-F238E27FC236}">
-                <a16:creationId xmlns:a16="http://schemas.microsoft.com/office/drawing/2014/main" id="{4879A729-24CA-C85D-1AF8-8CE36C7914BE}"/>
-              </a:ext>
-            </a:extLst>
-          </p:cNvPr>
-          <p:cNvSpPr>
-            <a:spLocks noGrp="1"/>
-          </p:cNvSpPr>
-          <p:nvPr>
-            <p:ph type="title"/>
-          </p:nvPr>
-        </p:nvSpPr>
-        <p:spPr/>
-        <p:txBody>
-          <a:bodyPr/>
-          <a:lstStyle/>
-          <a:p>
-            <a:r>
-              <a:rPr lang="fa-IR" dirty="0"/>
-              <a:t>نتیجه گیری</a:t>
-            </a:r>
-            <a:endParaRPr lang="en-US" dirty="0"/>
-          </a:p>
-        </p:txBody>
-      </p:sp>
-      <p:sp>
-        <p:nvSpPr>
-          <p:cNvPr id="3" name="Text Placeholder 2">
-            <a:extLst>
-              <a:ext uri="{FF2B5EF4-FFF2-40B4-BE49-F238E27FC236}">
-                <a16:creationId xmlns:a16="http://schemas.microsoft.com/office/drawing/2014/main" id="{44A68D25-B86B-CE2C-3264-DBED75B29067}"/>
-              </a:ext>
-            </a:extLst>
-          </p:cNvPr>
-          <p:cNvSpPr>
-            <a:spLocks noGrp="1"/>
-          </p:cNvSpPr>
-          <p:nvPr>
-            <p:ph type="body" sz="quarter" idx="13"/>
-          </p:nvPr>
-        </p:nvSpPr>
-        <p:spPr/>
-        <p:txBody>
-          <a:bodyPr anchor="ctr">
-            <a:normAutofit/>
-          </a:bodyPr>
-          <a:lstStyle/>
-          <a:p>
-            <a:r>
-              <a:rPr lang="fa-IR" dirty="0"/>
-              <a:t>نتایج این مطالعه نشان </a:t>
-            </a:r>
-            <a:r>
-              <a:rPr lang="fa-IR" dirty="0" err="1"/>
-              <a:t>می‌دهد</a:t>
-            </a:r>
-            <a:r>
-              <a:rPr lang="fa-IR" dirty="0"/>
-              <a:t> که مدل </a:t>
-            </a:r>
-            <a:r>
-              <a:rPr lang="fa-IR" dirty="0" err="1"/>
-              <a:t>دو‌کمپارتمانه</a:t>
-            </a:r>
-            <a:r>
-              <a:rPr lang="fa-IR" dirty="0"/>
-              <a:t> با در نظر گرفتن </a:t>
-            </a:r>
-            <a:r>
-              <a:rPr lang="en-US" dirty="0"/>
-              <a:t>GFR، </a:t>
-            </a:r>
-            <a:r>
-              <a:rPr lang="fa-IR" dirty="0"/>
-              <a:t>جنسیت و سن بهترین تطابق را با </a:t>
-            </a:r>
-            <a:r>
-              <a:rPr lang="fa-IR" dirty="0" err="1"/>
-              <a:t>داده‌ها</a:t>
-            </a:r>
-            <a:r>
-              <a:rPr lang="fa-IR" dirty="0"/>
-              <a:t> داشته و </a:t>
-            </a:r>
-            <a:r>
-              <a:rPr lang="fa-IR" dirty="0" err="1"/>
-              <a:t>می‌تواند</a:t>
-            </a:r>
-            <a:r>
-              <a:rPr lang="fa-IR" dirty="0"/>
-              <a:t> برای تحلیل و </a:t>
-            </a:r>
-            <a:r>
-              <a:rPr lang="fa-IR" dirty="0" err="1"/>
-              <a:t>پیش‌بینی</a:t>
-            </a:r>
-            <a:r>
-              <a:rPr lang="fa-IR" dirty="0"/>
-              <a:t> سطح سرمی اریتروپویتین وریدی استفاده شود.</a:t>
-            </a:r>
-          </a:p>
-        </p:txBody>
-      </p:sp>
-    </p:spTree>
-    <p:extLst>
-      <p:ext uri="{BB962C8B-B14F-4D97-AF65-F5344CB8AC3E}">
-        <p14:creationId xmlns:p14="http://schemas.microsoft.com/office/powerpoint/2010/main" val="690068946"/>
-      </p:ext>
-    </p:extLst>
-  </p:cSld>
-  <p:clrMapOvr>
-    <a:masterClrMapping/>
-  </p:clrMapOvr>
-</p:sld>
-</file>
-
-<file path=ppt/slides/slide24.xml><?xml version="1.0" encoding="utf-8"?>
-<p:sld xmlns:a="http://schemas.openxmlformats.org/drawingml/2006/main" xmlns:r="http://schemas.openxmlformats.org/officeDocument/2006/relationships" xmlns:p="http://schemas.openxmlformats.org/presentationml/2006/main">
-  <p:cSld>
-    <p:spTree>
-      <p:nvGrpSpPr>
-        <p:cNvPr id="1" name=""/>
-        <p:cNvGrpSpPr/>
-        <p:nvPr/>
-      </p:nvGrpSpPr>
-      <p:grpSpPr>
-        <a:xfrm>
-          <a:off x="0" y="0"/>
-          <a:ext cx="0" cy="0"/>
-          <a:chOff x="0" y="0"/>
-          <a:chExt cx="0" cy="0"/>
-        </a:xfrm>
-      </p:grpSpPr>
-      <p:sp>
-        <p:nvSpPr>
-          <p:cNvPr id="2" name="Title 1">
-            <a:extLst>
-              <a:ext uri="{FF2B5EF4-FFF2-40B4-BE49-F238E27FC236}">
-                <a16:creationId xmlns:a16="http://schemas.microsoft.com/office/drawing/2014/main" id="{88B7119C-132A-FDBF-3988-93ACC4C35A43}"/>
-              </a:ext>
-            </a:extLst>
-          </p:cNvPr>
-          <p:cNvSpPr>
-            <a:spLocks noGrp="1"/>
-          </p:cNvSpPr>
-          <p:nvPr>
-            <p:ph type="title"/>
-          </p:nvPr>
-        </p:nvSpPr>
-        <p:spPr/>
-        <p:txBody>
-          <a:bodyPr/>
-          <a:lstStyle/>
-          <a:p>
-            <a:r>
-              <a:rPr lang="fa-IR" dirty="0"/>
-              <a:t>نتیجه گیری</a:t>
-            </a:r>
-            <a:endParaRPr lang="en-US" dirty="0"/>
-          </a:p>
-        </p:txBody>
-      </p:sp>
-      <p:sp>
-        <p:nvSpPr>
-          <p:cNvPr id="3" name="Text Placeholder 2">
-            <a:extLst>
-              <a:ext uri="{FF2B5EF4-FFF2-40B4-BE49-F238E27FC236}">
-                <a16:creationId xmlns:a16="http://schemas.microsoft.com/office/drawing/2014/main" id="{70C93CF8-DD50-8ED5-11D9-9CEE7779B2C6}"/>
-              </a:ext>
-            </a:extLst>
-          </p:cNvPr>
-          <p:cNvSpPr>
-            <a:spLocks noGrp="1"/>
-          </p:cNvSpPr>
-          <p:nvPr>
-            <p:ph type="body" sz="quarter" idx="13"/>
-          </p:nvPr>
-        </p:nvSpPr>
-        <p:spPr/>
-        <p:txBody>
-          <a:bodyPr anchor="ctr">
-            <a:normAutofit/>
-          </a:bodyPr>
-          <a:lstStyle/>
-          <a:p>
-            <a:r>
-              <a:rPr lang="fa-IR" dirty="0"/>
-              <a:t>این مطالعه نشان </a:t>
-            </a:r>
-            <a:r>
-              <a:rPr lang="fa-IR" dirty="0" err="1"/>
-              <a:t>می‌دهد</a:t>
-            </a:r>
-            <a:r>
-              <a:rPr lang="fa-IR" dirty="0"/>
-              <a:t> که فارماکوکینتیک </a:t>
-            </a:r>
-            <a:r>
-              <a:rPr lang="fa-IR" dirty="0" err="1"/>
-              <a:t>اریتروپوئتین</a:t>
-            </a:r>
-            <a:r>
-              <a:rPr lang="fa-IR" dirty="0"/>
-              <a:t> تحت تأثیر عوامل فردی نظیر سن، جنسیت و عملکرد کلیوی است. </a:t>
-            </a:r>
-            <a:endParaRPr lang="en-US" dirty="0"/>
-          </a:p>
-          <a:p>
-            <a:r>
-              <a:rPr lang="fa-IR" dirty="0"/>
-              <a:t>این عوامل </a:t>
-            </a:r>
-            <a:r>
-              <a:rPr lang="fa-IR" dirty="0" err="1"/>
-              <a:t>می‌توانند</a:t>
-            </a:r>
-            <a:r>
-              <a:rPr lang="fa-IR" dirty="0"/>
-              <a:t> بر حجم توزیع، </a:t>
-            </a:r>
-            <a:r>
-              <a:rPr lang="fa-IR" dirty="0" err="1"/>
-              <a:t>زیست‌دسترس‌پذیری</a:t>
-            </a:r>
-            <a:r>
-              <a:rPr lang="fa-IR" dirty="0"/>
-              <a:t> و نرخ پاکسازی دارو تأثیر بگذارند. </a:t>
-            </a:r>
-            <a:endParaRPr lang="en-US" dirty="0"/>
-          </a:p>
-          <a:p>
-            <a:r>
-              <a:rPr lang="fa-IR" dirty="0" err="1"/>
-              <a:t>مدل‌سازی</a:t>
-            </a:r>
-            <a:r>
-              <a:rPr lang="fa-IR" dirty="0"/>
-              <a:t> دو-</a:t>
-            </a:r>
-            <a:r>
-              <a:rPr lang="fa-IR" dirty="0" err="1"/>
-              <a:t>کمپارتمانه</a:t>
-            </a:r>
-            <a:r>
-              <a:rPr lang="fa-IR" dirty="0"/>
-              <a:t> ابزار مناسبی برای درک بهتر </a:t>
-            </a:r>
-            <a:r>
-              <a:rPr lang="fa-IR" dirty="0" err="1"/>
-              <a:t>دینامیک</a:t>
-            </a:r>
-            <a:r>
-              <a:rPr lang="fa-IR" dirty="0"/>
-              <a:t> دارو ارائه </a:t>
-            </a:r>
-            <a:r>
-              <a:rPr lang="fa-IR" dirty="0" err="1"/>
-              <a:t>می‌دهد</a:t>
-            </a:r>
-            <a:r>
-              <a:rPr lang="fa-IR" dirty="0"/>
-              <a:t> و </a:t>
-            </a:r>
-            <a:r>
-              <a:rPr lang="fa-IR" dirty="0" err="1"/>
-              <a:t>می‌تواند</a:t>
-            </a:r>
-            <a:r>
-              <a:rPr lang="fa-IR" dirty="0"/>
-              <a:t> به بهبود </a:t>
-            </a:r>
-            <a:r>
-              <a:rPr lang="fa-IR" dirty="0" err="1"/>
-              <a:t>دوزبندی</a:t>
-            </a:r>
-            <a:r>
-              <a:rPr lang="fa-IR" dirty="0"/>
-              <a:t> و افزایش اثربخشی </a:t>
-            </a:r>
-            <a:r>
-              <a:rPr lang="fa-IR" dirty="0" err="1"/>
-              <a:t>اریتروپوئتین</a:t>
-            </a:r>
-            <a:r>
-              <a:rPr lang="fa-IR" dirty="0"/>
-              <a:t> در بیماران </a:t>
-            </a:r>
-            <a:r>
-              <a:rPr lang="fa-IR" dirty="0" err="1"/>
-              <a:t>بدحال</a:t>
-            </a:r>
-            <a:r>
-              <a:rPr lang="fa-IR" dirty="0"/>
-              <a:t> کمک کند.</a:t>
-            </a:r>
-            <a:endParaRPr lang="en-US" dirty="0"/>
-          </a:p>
-        </p:txBody>
-      </p:sp>
-    </p:spTree>
-    <p:extLst>
-      <p:ext uri="{BB962C8B-B14F-4D97-AF65-F5344CB8AC3E}">
-        <p14:creationId xmlns:p14="http://schemas.microsoft.com/office/powerpoint/2010/main" val="196395468"/>
-      </p:ext>
-    </p:extLst>
-  </p:cSld>
-  <p:clrMapOvr>
-    <a:masterClrMapping/>
-  </p:clrMapOvr>
-</p:sld>
-</file>
-
-<file path=ppt/slides/slide25.xml><?xml version="1.0" encoding="utf-8"?>
-<p:sld xmlns:a="http://schemas.openxmlformats.org/drawingml/2006/main" xmlns:r="http://schemas.openxmlformats.org/officeDocument/2006/relationships" xmlns:p="http://schemas.openxmlformats.org/presentationml/2006/main">
-  <p:cSld>
-    <p:spTree>
-      <p:nvGrpSpPr>
-        <p:cNvPr id="1" name=""/>
-        <p:cNvGrpSpPr/>
-        <p:nvPr/>
-      </p:nvGrpSpPr>
-      <p:grpSpPr>
-        <a:xfrm>
-          <a:off x="0" y="0"/>
-          <a:ext cx="0" cy="0"/>
-          <a:chOff x="0" y="0"/>
-          <a:chExt cx="0" cy="0"/>
-        </a:xfrm>
-      </p:grpSpPr>
-      <p:sp>
-        <p:nvSpPr>
-          <p:cNvPr id="2" name="Title 1">
-            <a:extLst>
-              <a:ext uri="{FF2B5EF4-FFF2-40B4-BE49-F238E27FC236}">
-                <a16:creationId xmlns:a16="http://schemas.microsoft.com/office/drawing/2014/main" id="{E441D7D2-C8DA-1A88-E01D-84EF282D5198}"/>
-              </a:ext>
-            </a:extLst>
-          </p:cNvPr>
-          <p:cNvSpPr>
-            <a:spLocks noGrp="1"/>
-          </p:cNvSpPr>
-          <p:nvPr>
-            <p:ph type="title"/>
-          </p:nvPr>
-        </p:nvSpPr>
-        <p:spPr/>
-        <p:txBody>
-          <a:bodyPr/>
-          <a:lstStyle/>
-          <a:p>
-            <a:r>
-              <a:rPr lang="fa-IR" dirty="0"/>
-              <a:t>محدودیت های مطالعه</a:t>
-            </a:r>
-            <a:endParaRPr lang="en-US" dirty="0"/>
-          </a:p>
-        </p:txBody>
-      </p:sp>
-      <p:sp>
-        <p:nvSpPr>
-          <p:cNvPr id="3" name="Text Placeholder 2">
-            <a:extLst>
-              <a:ext uri="{FF2B5EF4-FFF2-40B4-BE49-F238E27FC236}">
-                <a16:creationId xmlns:a16="http://schemas.microsoft.com/office/drawing/2014/main" id="{48C9A99A-AD4D-A585-5378-38AF1EB2C5E3}"/>
-              </a:ext>
-            </a:extLst>
-          </p:cNvPr>
-          <p:cNvSpPr>
-            <a:spLocks noGrp="1"/>
-          </p:cNvSpPr>
-          <p:nvPr>
-            <p:ph type="body" sz="quarter" idx="13"/>
-          </p:nvPr>
-        </p:nvSpPr>
-        <p:spPr/>
-        <p:txBody>
-          <a:bodyPr anchor="ctr">
-            <a:normAutofit/>
-          </a:bodyPr>
-          <a:lstStyle/>
-          <a:p>
-            <a:pPr>
-              <a:spcBef>
-                <a:spcPts val="1800"/>
-              </a:spcBef>
-            </a:pPr>
-            <a:r>
-              <a:rPr lang="fa-IR" dirty="0"/>
-              <a:t>اندازه نمونه کوچک: کاهش قدرت آماری و قابلیت تعمیم نتایج.</a:t>
-            </a:r>
-          </a:p>
-          <a:p>
-            <a:pPr>
-              <a:spcBef>
-                <a:spcPts val="1800"/>
-              </a:spcBef>
-            </a:pPr>
-            <a:r>
-              <a:rPr lang="fa-IR" dirty="0"/>
-              <a:t>عدم تنوع جمعیتی: ممکن است </a:t>
-            </a:r>
-            <a:r>
-              <a:rPr lang="fa-IR" dirty="0" err="1"/>
-              <a:t>پاسخ‌های</a:t>
-            </a:r>
-            <a:r>
-              <a:rPr lang="fa-IR" dirty="0"/>
-              <a:t> متنوع به درمان را در جمعیت </a:t>
-            </a:r>
-            <a:r>
-              <a:rPr lang="fa-IR" dirty="0" err="1"/>
-              <a:t>گسترده‌تر</a:t>
-            </a:r>
-            <a:r>
-              <a:rPr lang="fa-IR" dirty="0"/>
-              <a:t> نشان ندهد.</a:t>
-            </a:r>
-          </a:p>
-          <a:p>
-            <a:pPr>
-              <a:spcBef>
-                <a:spcPts val="1800"/>
-              </a:spcBef>
-            </a:pPr>
-            <a:r>
-              <a:rPr lang="fa-IR" dirty="0"/>
-              <a:t>طراحی </a:t>
-            </a:r>
-            <a:r>
-              <a:rPr lang="fa-IR" dirty="0" err="1"/>
-              <a:t>تک‌مرکزی</a:t>
-            </a:r>
-            <a:r>
-              <a:rPr lang="fa-IR" dirty="0"/>
-              <a:t>: </a:t>
-            </a:r>
-            <a:r>
-              <a:rPr lang="fa-IR" dirty="0" err="1"/>
-              <a:t>جمع‌آوری</a:t>
-            </a:r>
-            <a:r>
-              <a:rPr lang="fa-IR" dirty="0"/>
-              <a:t> </a:t>
-            </a:r>
-            <a:r>
-              <a:rPr lang="fa-IR" dirty="0" err="1"/>
-              <a:t>داده‌ها</a:t>
-            </a:r>
-            <a:r>
-              <a:rPr lang="fa-IR" dirty="0"/>
-              <a:t> از یک بیمارستان، احتمال </a:t>
-            </a:r>
-            <a:r>
-              <a:rPr lang="fa-IR" dirty="0" err="1"/>
-              <a:t>سوگیری</a:t>
-            </a:r>
-            <a:r>
-              <a:rPr lang="fa-IR" dirty="0"/>
-              <a:t> و کاهش قابلیت تعمیم.</a:t>
-            </a:r>
-          </a:p>
-        </p:txBody>
-      </p:sp>
-    </p:spTree>
-    <p:extLst>
-      <p:ext uri="{BB962C8B-B14F-4D97-AF65-F5344CB8AC3E}">
-        <p14:creationId xmlns:p14="http://schemas.microsoft.com/office/powerpoint/2010/main" val="3836518309"/>
-      </p:ext>
-    </p:extLst>
-  </p:cSld>
-  <p:clrMapOvr>
-    <a:masterClrMapping/>
-  </p:clrMapOvr>
-</p:sld>
-</file>
-
-<file path=ppt/slides/slide26.xml><?xml version="1.0" encoding="utf-8"?>
-<p:sld xmlns:a="http://schemas.openxmlformats.org/drawingml/2006/main" xmlns:r="http://schemas.openxmlformats.org/officeDocument/2006/relationships" xmlns:p="http://schemas.openxmlformats.org/presentationml/2006/main">
-  <p:cSld>
-    <p:spTree>
-      <p:nvGrpSpPr>
-        <p:cNvPr id="1" name="">
-          <a:extLst>
-            <a:ext uri="{FF2B5EF4-FFF2-40B4-BE49-F238E27FC236}">
-              <a16:creationId xmlns:a16="http://schemas.microsoft.com/office/drawing/2014/main" id="{59004178-EB35-4C53-FB33-CBBD2AA31D01}"/>
-            </a:ext>
-          </a:extLst>
-        </p:cNvPr>
-        <p:cNvGrpSpPr/>
-        <p:nvPr/>
-      </p:nvGrpSpPr>
-      <p:grpSpPr>
-        <a:xfrm>
-          <a:off x="0" y="0"/>
-          <a:ext cx="0" cy="0"/>
-          <a:chOff x="0" y="0"/>
-          <a:chExt cx="0" cy="0"/>
-        </a:xfrm>
-      </p:grpSpPr>
-      <p:sp>
-        <p:nvSpPr>
-          <p:cNvPr id="2" name="Title 1">
-            <a:extLst>
-              <a:ext uri="{FF2B5EF4-FFF2-40B4-BE49-F238E27FC236}">
-                <a16:creationId xmlns:a16="http://schemas.microsoft.com/office/drawing/2014/main" id="{A71F55D4-1D8B-E928-3690-1837B9F1A303}"/>
-              </a:ext>
-            </a:extLst>
-          </p:cNvPr>
-          <p:cNvSpPr>
-            <a:spLocks noGrp="1"/>
-          </p:cNvSpPr>
-          <p:nvPr>
-            <p:ph type="title"/>
-          </p:nvPr>
-        </p:nvSpPr>
-        <p:spPr/>
-        <p:txBody>
-          <a:bodyPr/>
-          <a:lstStyle/>
-          <a:p>
-            <a:r>
-              <a:rPr lang="fa-IR" dirty="0"/>
-              <a:t>محدودیت های مطالعه</a:t>
-            </a:r>
-            <a:endParaRPr lang="en-US" dirty="0"/>
-          </a:p>
-        </p:txBody>
-      </p:sp>
-      <p:sp>
-        <p:nvSpPr>
-          <p:cNvPr id="3" name="Text Placeholder 2">
-            <a:extLst>
-              <a:ext uri="{FF2B5EF4-FFF2-40B4-BE49-F238E27FC236}">
-                <a16:creationId xmlns:a16="http://schemas.microsoft.com/office/drawing/2014/main" id="{6592437B-0B96-634F-0C0E-05D26CA0091F}"/>
-              </a:ext>
-            </a:extLst>
-          </p:cNvPr>
-          <p:cNvSpPr>
-            <a:spLocks noGrp="1"/>
-          </p:cNvSpPr>
-          <p:nvPr>
-            <p:ph type="body" sz="quarter" idx="13"/>
-          </p:nvPr>
-        </p:nvSpPr>
-        <p:spPr/>
-        <p:txBody>
-          <a:bodyPr anchor="ctr">
-            <a:normAutofit/>
-          </a:bodyPr>
-          <a:lstStyle/>
-          <a:p>
-            <a:pPr>
-              <a:spcBef>
-                <a:spcPts val="1800"/>
-              </a:spcBef>
-            </a:pPr>
-            <a:r>
-              <a:rPr lang="fa-IR" dirty="0"/>
-              <a:t>نبود </a:t>
-            </a:r>
-            <a:r>
-              <a:rPr lang="fa-IR" dirty="0" err="1"/>
-              <a:t>داده‌های</a:t>
-            </a:r>
-            <a:r>
-              <a:rPr lang="fa-IR" dirty="0"/>
-              <a:t> پیگیری </a:t>
-            </a:r>
-            <a:r>
-              <a:rPr lang="fa-IR" dirty="0" err="1"/>
-              <a:t>طولانی‌مدت</a:t>
-            </a:r>
-            <a:r>
-              <a:rPr lang="fa-IR" dirty="0"/>
-              <a:t>: محدودیت در ارزیابی ایمنی و اثربخشی در </a:t>
-            </a:r>
-            <a:r>
-              <a:rPr lang="fa-IR" dirty="0" err="1"/>
-              <a:t>بلندمدت</a:t>
-            </a:r>
-            <a:r>
-              <a:rPr lang="fa-IR" dirty="0"/>
-              <a:t>.</a:t>
-            </a:r>
-          </a:p>
-          <a:p>
-            <a:pPr>
-              <a:spcBef>
-                <a:spcPts val="1800"/>
-              </a:spcBef>
-            </a:pPr>
-            <a:r>
-              <a:rPr lang="fa-IR" dirty="0"/>
-              <a:t>تمرکز </a:t>
-            </a:r>
-            <a:r>
-              <a:rPr lang="fa-IR" dirty="0" err="1"/>
-              <a:t>کوتاه‌مدت</a:t>
-            </a:r>
-            <a:r>
-              <a:rPr lang="fa-IR" dirty="0"/>
-              <a:t>: احتمال نادیده گرفتن اثرات جانبی تأخیری یا فواید </a:t>
-            </a:r>
-            <a:r>
-              <a:rPr lang="fa-IR" dirty="0" err="1"/>
-              <a:t>بلندمدت</a:t>
-            </a:r>
-            <a:r>
-              <a:rPr lang="fa-IR" dirty="0"/>
-              <a:t>.</a:t>
-            </a:r>
-          </a:p>
-          <a:p>
-            <a:pPr>
-              <a:spcBef>
-                <a:spcPts val="1800"/>
-              </a:spcBef>
-            </a:pPr>
-            <a:r>
-              <a:rPr lang="fa-IR" dirty="0"/>
-              <a:t>عدم تحلیل پیامدهای بالینی: تمرکز بر فارماکوکینتیک بدون بررسی تأثیر بر آنمی یا نرخ بقا.</a:t>
-            </a:r>
-            <a:endParaRPr lang="en-US" dirty="0"/>
-          </a:p>
-        </p:txBody>
-      </p:sp>
-    </p:spTree>
-    <p:extLst>
-      <p:ext uri="{BB962C8B-B14F-4D97-AF65-F5344CB8AC3E}">
-        <p14:creationId xmlns:p14="http://schemas.microsoft.com/office/powerpoint/2010/main" val="3429740160"/>
-      </p:ext>
-    </p:extLst>
-  </p:cSld>
-  <p:clrMapOvr>
-    <a:masterClrMapping/>
-  </p:clrMapOvr>
-</p:sld>
-</file>
-
-<file path=ppt/slides/slide27.xml><?xml version="1.0" encoding="utf-8"?>
-<p:sld xmlns:a="http://schemas.openxmlformats.org/drawingml/2006/main" xmlns:r="http://schemas.openxmlformats.org/officeDocument/2006/relationships" xmlns:p="http://schemas.openxmlformats.org/presentationml/2006/main">
-  <p:cSld>
-    <p:spTree>
-      <p:nvGrpSpPr>
-        <p:cNvPr id="1" name=""/>
-        <p:cNvGrpSpPr/>
-        <p:nvPr/>
-      </p:nvGrpSpPr>
-      <p:grpSpPr>
-        <a:xfrm>
-          <a:off x="0" y="0"/>
-          <a:ext cx="0" cy="0"/>
-          <a:chOff x="0" y="0"/>
-          <a:chExt cx="0" cy="0"/>
-        </a:xfrm>
-      </p:grpSpPr>
-      <p:sp>
-        <p:nvSpPr>
-          <p:cNvPr id="2" name="Title 1">
-            <a:extLst>
-              <a:ext uri="{FF2B5EF4-FFF2-40B4-BE49-F238E27FC236}">
-                <a16:creationId xmlns:a16="http://schemas.microsoft.com/office/drawing/2014/main" id="{08557BE7-AE20-4B26-E0CF-5F6E9A1EC007}"/>
-              </a:ext>
-            </a:extLst>
-          </p:cNvPr>
-          <p:cNvSpPr>
-            <a:spLocks noGrp="1"/>
-          </p:cNvSpPr>
-          <p:nvPr>
-            <p:ph type="title"/>
-          </p:nvPr>
-        </p:nvSpPr>
-        <p:spPr>
-          <a:xfrm>
-            <a:off x="5168187" y="2698954"/>
-            <a:ext cx="5507182" cy="1118033"/>
-          </a:xfrm>
-        </p:spPr>
-        <p:txBody>
-          <a:bodyPr/>
-          <a:lstStyle/>
-          <a:p>
-            <a:r>
-              <a:rPr lang="fa-IR" dirty="0"/>
-              <a:t>از توجه شما سپاس گزارم</a:t>
-            </a:r>
-            <a:endParaRPr lang="en-US" dirty="0"/>
-          </a:p>
-        </p:txBody>
-      </p:sp>
-    </p:spTree>
-    <p:extLst>
-      <p:ext uri="{BB962C8B-B14F-4D97-AF65-F5344CB8AC3E}">
-        <p14:creationId xmlns:p14="http://schemas.microsoft.com/office/powerpoint/2010/main" val="3418968558"/>
-      </p:ext>
-    </p:extLst>
-  </p:cSld>
-  <p:clrMapOvr>
-    <a:masterClrMapping/>
-  </p:clrMapOvr>
-  <mc:AlternateContent xmlns:mc="http://schemas.openxmlformats.org/markup-compatibility/2006" xmlns:p14="http://schemas.microsoft.com/office/powerpoint/2010/main">
-    <mc:Choice Requires="p14">
-      <p:transition spd="slow" p14:dur="1300">
-        <p14:pan dir="u"/>
-      </p:transition>
-    </mc:Choice>
-    <mc:Fallback xmlns="">
-      <p:transition spd="slow">
-        <p:fade/>
-      </p:transition>
-    </mc:Fallback>
-  </mc:AlternateContent>
 </p:sld>
 </file>
 
@@ -11213,6 +12207,748 @@
 </p:sld>
 </file>
 
+<file path=ppt/slides/slide30.xml><?xml version="1.0" encoding="utf-8"?>
+<p:sld xmlns:a="http://schemas.openxmlformats.org/drawingml/2006/main" xmlns:r="http://schemas.openxmlformats.org/officeDocument/2006/relationships" xmlns:p="http://schemas.openxmlformats.org/presentationml/2006/main">
+  <p:cSld>
+    <p:spTree>
+      <p:nvGrpSpPr>
+        <p:cNvPr id="1" name="">
+          <a:extLst>
+            <a:ext uri="{FF2B5EF4-FFF2-40B4-BE49-F238E27FC236}">
+              <a16:creationId xmlns:a16="http://schemas.microsoft.com/office/drawing/2014/main" id="{6F2C13D6-4DB7-AC1A-3B78-78BA8E2E109A}"/>
+            </a:ext>
+          </a:extLst>
+        </p:cNvPr>
+        <p:cNvGrpSpPr/>
+        <p:nvPr/>
+      </p:nvGrpSpPr>
+      <p:grpSpPr>
+        <a:xfrm>
+          <a:off x="0" y="0"/>
+          <a:ext cx="0" cy="0"/>
+          <a:chOff x="0" y="0"/>
+          <a:chExt cx="0" cy="0"/>
+        </a:xfrm>
+      </p:grpSpPr>
+      <p:sp>
+        <p:nvSpPr>
+          <p:cNvPr id="2" name="Title 1">
+            <a:extLst>
+              <a:ext uri="{FF2B5EF4-FFF2-40B4-BE49-F238E27FC236}">
+                <a16:creationId xmlns:a16="http://schemas.microsoft.com/office/drawing/2014/main" id="{4879A729-24CA-C85D-1AF8-8CE36C7914BE}"/>
+              </a:ext>
+            </a:extLst>
+          </p:cNvPr>
+          <p:cNvSpPr>
+            <a:spLocks noGrp="1"/>
+          </p:cNvSpPr>
+          <p:nvPr>
+            <p:ph type="title"/>
+          </p:nvPr>
+        </p:nvSpPr>
+        <p:spPr/>
+        <p:txBody>
+          <a:bodyPr/>
+          <a:lstStyle/>
+          <a:p>
+            <a:r>
+              <a:rPr lang="fa-IR" dirty="0"/>
+              <a:t>نتیجه گیری</a:t>
+            </a:r>
+            <a:endParaRPr lang="en-US" dirty="0"/>
+          </a:p>
+        </p:txBody>
+      </p:sp>
+      <p:sp>
+        <p:nvSpPr>
+          <p:cNvPr id="3" name="Text Placeholder 2">
+            <a:extLst>
+              <a:ext uri="{FF2B5EF4-FFF2-40B4-BE49-F238E27FC236}">
+                <a16:creationId xmlns:a16="http://schemas.microsoft.com/office/drawing/2014/main" id="{44A68D25-B86B-CE2C-3264-DBED75B29067}"/>
+              </a:ext>
+            </a:extLst>
+          </p:cNvPr>
+          <p:cNvSpPr>
+            <a:spLocks noGrp="1"/>
+          </p:cNvSpPr>
+          <p:nvPr>
+            <p:ph type="body" sz="quarter" idx="13"/>
+          </p:nvPr>
+        </p:nvSpPr>
+        <p:spPr/>
+        <p:txBody>
+          <a:bodyPr anchor="ctr">
+            <a:normAutofit/>
+          </a:bodyPr>
+          <a:lstStyle/>
+          <a:p>
+            <a:r>
+              <a:rPr lang="fa-IR" dirty="0"/>
+              <a:t>نتایج این مطالعه نشان </a:t>
+            </a:r>
+            <a:r>
+              <a:rPr lang="fa-IR" dirty="0" err="1"/>
+              <a:t>می‌دهد</a:t>
+            </a:r>
+            <a:r>
+              <a:rPr lang="fa-IR" dirty="0"/>
+              <a:t> که مدل </a:t>
+            </a:r>
+            <a:r>
+              <a:rPr lang="fa-IR" dirty="0" err="1"/>
+              <a:t>دو‌کمپارتمانه</a:t>
+            </a:r>
+            <a:r>
+              <a:rPr lang="fa-IR" dirty="0"/>
+              <a:t> با در نظر گرفتن </a:t>
+            </a:r>
+            <a:r>
+              <a:rPr lang="en-US" dirty="0"/>
+              <a:t>GFR، </a:t>
+            </a:r>
+            <a:r>
+              <a:rPr lang="fa-IR" dirty="0"/>
+              <a:t>جنسیت و سن بهترین تطابق را با </a:t>
+            </a:r>
+            <a:r>
+              <a:rPr lang="fa-IR" dirty="0" err="1"/>
+              <a:t>داده‌ها</a:t>
+            </a:r>
+            <a:r>
+              <a:rPr lang="fa-IR" dirty="0"/>
+              <a:t> داشته و </a:t>
+            </a:r>
+            <a:r>
+              <a:rPr lang="fa-IR" dirty="0" err="1"/>
+              <a:t>می‌تواند</a:t>
+            </a:r>
+            <a:r>
+              <a:rPr lang="fa-IR" dirty="0"/>
+              <a:t> برای تحلیل و </a:t>
+            </a:r>
+            <a:r>
+              <a:rPr lang="fa-IR" dirty="0" err="1"/>
+              <a:t>پیش‌بینی</a:t>
+            </a:r>
+            <a:r>
+              <a:rPr lang="fa-IR" dirty="0"/>
+              <a:t> سطح سرمی اریتروپویتین وریدی استفاده شود.</a:t>
+            </a:r>
+          </a:p>
+        </p:txBody>
+      </p:sp>
+    </p:spTree>
+    <p:extLst>
+      <p:ext uri="{BB962C8B-B14F-4D97-AF65-F5344CB8AC3E}">
+        <p14:creationId xmlns:p14="http://schemas.microsoft.com/office/powerpoint/2010/main" val="690068946"/>
+      </p:ext>
+    </p:extLst>
+  </p:cSld>
+  <p:clrMapOvr>
+    <a:masterClrMapping/>
+  </p:clrMapOvr>
+</p:sld>
+</file>
+
+<file path=ppt/slides/slide31.xml><?xml version="1.0" encoding="utf-8"?>
+<p:sld xmlns:a="http://schemas.openxmlformats.org/drawingml/2006/main" xmlns:r="http://schemas.openxmlformats.org/officeDocument/2006/relationships" xmlns:p="http://schemas.openxmlformats.org/presentationml/2006/main">
+  <p:cSld>
+    <p:spTree>
+      <p:nvGrpSpPr>
+        <p:cNvPr id="1" name=""/>
+        <p:cNvGrpSpPr/>
+        <p:nvPr/>
+      </p:nvGrpSpPr>
+      <p:grpSpPr>
+        <a:xfrm>
+          <a:off x="0" y="0"/>
+          <a:ext cx="0" cy="0"/>
+          <a:chOff x="0" y="0"/>
+          <a:chExt cx="0" cy="0"/>
+        </a:xfrm>
+      </p:grpSpPr>
+      <p:sp>
+        <p:nvSpPr>
+          <p:cNvPr id="2" name="Title 1">
+            <a:extLst>
+              <a:ext uri="{FF2B5EF4-FFF2-40B4-BE49-F238E27FC236}">
+                <a16:creationId xmlns:a16="http://schemas.microsoft.com/office/drawing/2014/main" id="{88B7119C-132A-FDBF-3988-93ACC4C35A43}"/>
+              </a:ext>
+            </a:extLst>
+          </p:cNvPr>
+          <p:cNvSpPr>
+            <a:spLocks noGrp="1"/>
+          </p:cNvSpPr>
+          <p:nvPr>
+            <p:ph type="title"/>
+          </p:nvPr>
+        </p:nvSpPr>
+        <p:spPr/>
+        <p:txBody>
+          <a:bodyPr/>
+          <a:lstStyle/>
+          <a:p>
+            <a:r>
+              <a:rPr lang="fa-IR" dirty="0"/>
+              <a:t>نتیجه گیری</a:t>
+            </a:r>
+            <a:endParaRPr lang="en-US" dirty="0"/>
+          </a:p>
+        </p:txBody>
+      </p:sp>
+      <p:sp>
+        <p:nvSpPr>
+          <p:cNvPr id="3" name="Text Placeholder 2">
+            <a:extLst>
+              <a:ext uri="{FF2B5EF4-FFF2-40B4-BE49-F238E27FC236}">
+                <a16:creationId xmlns:a16="http://schemas.microsoft.com/office/drawing/2014/main" id="{70C93CF8-DD50-8ED5-11D9-9CEE7779B2C6}"/>
+              </a:ext>
+            </a:extLst>
+          </p:cNvPr>
+          <p:cNvSpPr>
+            <a:spLocks noGrp="1"/>
+          </p:cNvSpPr>
+          <p:nvPr>
+            <p:ph type="body" sz="quarter" idx="13"/>
+          </p:nvPr>
+        </p:nvSpPr>
+        <p:spPr/>
+        <p:txBody>
+          <a:bodyPr anchor="ctr">
+            <a:normAutofit/>
+          </a:bodyPr>
+          <a:lstStyle/>
+          <a:p>
+            <a:r>
+              <a:rPr lang="fa-IR" dirty="0"/>
+              <a:t>این مطالعه نشان </a:t>
+            </a:r>
+            <a:r>
+              <a:rPr lang="fa-IR" dirty="0" err="1"/>
+              <a:t>می‌دهد</a:t>
+            </a:r>
+            <a:r>
+              <a:rPr lang="fa-IR" dirty="0"/>
+              <a:t> که فارماکوکینتیک </a:t>
+            </a:r>
+            <a:r>
+              <a:rPr lang="fa-IR" dirty="0" err="1"/>
+              <a:t>اریتروپوئتین</a:t>
+            </a:r>
+            <a:r>
+              <a:rPr lang="fa-IR" dirty="0"/>
+              <a:t> تحت تأثیر عوامل فردی نظیر سن، جنسیت و عملکرد کلیوی است. </a:t>
+            </a:r>
+            <a:endParaRPr lang="en-US" dirty="0"/>
+          </a:p>
+          <a:p>
+            <a:r>
+              <a:rPr lang="fa-IR" dirty="0"/>
+              <a:t>این عوامل </a:t>
+            </a:r>
+            <a:r>
+              <a:rPr lang="fa-IR" dirty="0" err="1"/>
+              <a:t>می‌توانند</a:t>
+            </a:r>
+            <a:r>
+              <a:rPr lang="fa-IR" dirty="0"/>
+              <a:t> بر حجم توزیع، </a:t>
+            </a:r>
+            <a:r>
+              <a:rPr lang="fa-IR" dirty="0" err="1"/>
+              <a:t>زیست‌دسترس‌پذیری</a:t>
+            </a:r>
+            <a:r>
+              <a:rPr lang="fa-IR" dirty="0"/>
+              <a:t> و نرخ پاکسازی دارو تأثیر بگذارند. </a:t>
+            </a:r>
+            <a:endParaRPr lang="en-US" dirty="0"/>
+          </a:p>
+          <a:p>
+            <a:r>
+              <a:rPr lang="fa-IR" dirty="0" err="1"/>
+              <a:t>مدل‌سازی</a:t>
+            </a:r>
+            <a:r>
+              <a:rPr lang="fa-IR" dirty="0"/>
+              <a:t> دو-</a:t>
+            </a:r>
+            <a:r>
+              <a:rPr lang="fa-IR" dirty="0" err="1"/>
+              <a:t>کمپارتمانه</a:t>
+            </a:r>
+            <a:r>
+              <a:rPr lang="fa-IR" dirty="0"/>
+              <a:t> ابزار مناسبی برای درک بهتر </a:t>
+            </a:r>
+            <a:r>
+              <a:rPr lang="fa-IR" dirty="0" err="1"/>
+              <a:t>دینامیک</a:t>
+            </a:r>
+            <a:r>
+              <a:rPr lang="fa-IR" dirty="0"/>
+              <a:t> دارو ارائه </a:t>
+            </a:r>
+            <a:r>
+              <a:rPr lang="fa-IR" dirty="0" err="1"/>
+              <a:t>می‌دهد</a:t>
+            </a:r>
+            <a:r>
+              <a:rPr lang="fa-IR" dirty="0"/>
+              <a:t> و </a:t>
+            </a:r>
+            <a:r>
+              <a:rPr lang="fa-IR" dirty="0" err="1"/>
+              <a:t>می‌تواند</a:t>
+            </a:r>
+            <a:r>
+              <a:rPr lang="fa-IR" dirty="0"/>
+              <a:t> به بهبود </a:t>
+            </a:r>
+            <a:r>
+              <a:rPr lang="fa-IR" dirty="0" err="1"/>
+              <a:t>دوزبندی</a:t>
+            </a:r>
+            <a:r>
+              <a:rPr lang="fa-IR" dirty="0"/>
+              <a:t> و افزایش اثربخشی </a:t>
+            </a:r>
+            <a:r>
+              <a:rPr lang="fa-IR" dirty="0" err="1"/>
+              <a:t>اریتروپوئتین</a:t>
+            </a:r>
+            <a:r>
+              <a:rPr lang="fa-IR" dirty="0"/>
+              <a:t> در بیماران </a:t>
+            </a:r>
+            <a:r>
+              <a:rPr lang="fa-IR" dirty="0" err="1"/>
+              <a:t>بدحال</a:t>
+            </a:r>
+            <a:r>
+              <a:rPr lang="fa-IR" dirty="0"/>
+              <a:t> کمک کند.</a:t>
+            </a:r>
+            <a:endParaRPr lang="en-US" dirty="0"/>
+          </a:p>
+        </p:txBody>
+      </p:sp>
+    </p:spTree>
+    <p:extLst>
+      <p:ext uri="{BB962C8B-B14F-4D97-AF65-F5344CB8AC3E}">
+        <p14:creationId xmlns:p14="http://schemas.microsoft.com/office/powerpoint/2010/main" val="196395468"/>
+      </p:ext>
+    </p:extLst>
+  </p:cSld>
+  <p:clrMapOvr>
+    <a:masterClrMapping/>
+  </p:clrMapOvr>
+</p:sld>
+</file>
+
+<file path=ppt/slides/slide32.xml><?xml version="1.0" encoding="utf-8"?>
+<p:sld xmlns:a="http://schemas.openxmlformats.org/drawingml/2006/main" xmlns:r="http://schemas.openxmlformats.org/officeDocument/2006/relationships" xmlns:p="http://schemas.openxmlformats.org/presentationml/2006/main">
+  <p:cSld>
+    <p:spTree>
+      <p:nvGrpSpPr>
+        <p:cNvPr id="1" name=""/>
+        <p:cNvGrpSpPr/>
+        <p:nvPr/>
+      </p:nvGrpSpPr>
+      <p:grpSpPr>
+        <a:xfrm>
+          <a:off x="0" y="0"/>
+          <a:ext cx="0" cy="0"/>
+          <a:chOff x="0" y="0"/>
+          <a:chExt cx="0" cy="0"/>
+        </a:xfrm>
+      </p:grpSpPr>
+      <p:sp>
+        <p:nvSpPr>
+          <p:cNvPr id="2" name="Title 1">
+            <a:extLst>
+              <a:ext uri="{FF2B5EF4-FFF2-40B4-BE49-F238E27FC236}">
+                <a16:creationId xmlns:a16="http://schemas.microsoft.com/office/drawing/2014/main" id="{E441D7D2-C8DA-1A88-E01D-84EF282D5198}"/>
+              </a:ext>
+            </a:extLst>
+          </p:cNvPr>
+          <p:cNvSpPr>
+            <a:spLocks noGrp="1"/>
+          </p:cNvSpPr>
+          <p:nvPr>
+            <p:ph type="title"/>
+          </p:nvPr>
+        </p:nvSpPr>
+        <p:spPr/>
+        <p:txBody>
+          <a:bodyPr/>
+          <a:lstStyle/>
+          <a:p>
+            <a:r>
+              <a:rPr lang="fa-IR" dirty="0"/>
+              <a:t>محدودیت های مطالعه</a:t>
+            </a:r>
+            <a:endParaRPr lang="en-US" dirty="0"/>
+          </a:p>
+        </p:txBody>
+      </p:sp>
+      <p:sp>
+        <p:nvSpPr>
+          <p:cNvPr id="3" name="Text Placeholder 2">
+            <a:extLst>
+              <a:ext uri="{FF2B5EF4-FFF2-40B4-BE49-F238E27FC236}">
+                <a16:creationId xmlns:a16="http://schemas.microsoft.com/office/drawing/2014/main" id="{48C9A99A-AD4D-A585-5378-38AF1EB2C5E3}"/>
+              </a:ext>
+            </a:extLst>
+          </p:cNvPr>
+          <p:cNvSpPr>
+            <a:spLocks noGrp="1"/>
+          </p:cNvSpPr>
+          <p:nvPr>
+            <p:ph type="body" sz="quarter" idx="13"/>
+          </p:nvPr>
+        </p:nvSpPr>
+        <p:spPr/>
+        <p:txBody>
+          <a:bodyPr anchor="ctr">
+            <a:normAutofit/>
+          </a:bodyPr>
+          <a:lstStyle/>
+          <a:p>
+            <a:pPr>
+              <a:spcBef>
+                <a:spcPts val="1800"/>
+              </a:spcBef>
+            </a:pPr>
+            <a:r>
+              <a:rPr lang="fa-IR" dirty="0"/>
+              <a:t>اندازه نمونه کوچک: کاهش قدرت آماری و قابلیت تعمیم نتایج.</a:t>
+            </a:r>
+          </a:p>
+          <a:p>
+            <a:pPr>
+              <a:spcBef>
+                <a:spcPts val="1800"/>
+              </a:spcBef>
+            </a:pPr>
+            <a:r>
+              <a:rPr lang="fa-IR" dirty="0"/>
+              <a:t>عدم تنوع جمعیتی: ممکن است </a:t>
+            </a:r>
+            <a:r>
+              <a:rPr lang="fa-IR" dirty="0" err="1"/>
+              <a:t>پاسخ‌های</a:t>
+            </a:r>
+            <a:r>
+              <a:rPr lang="fa-IR" dirty="0"/>
+              <a:t> متنوع به درمان را در جمعیت </a:t>
+            </a:r>
+            <a:r>
+              <a:rPr lang="fa-IR" dirty="0" err="1"/>
+              <a:t>گسترده‌تر</a:t>
+            </a:r>
+            <a:r>
+              <a:rPr lang="fa-IR" dirty="0"/>
+              <a:t> نشان ندهد.</a:t>
+            </a:r>
+          </a:p>
+          <a:p>
+            <a:pPr>
+              <a:spcBef>
+                <a:spcPts val="1800"/>
+              </a:spcBef>
+            </a:pPr>
+            <a:r>
+              <a:rPr lang="fa-IR" dirty="0"/>
+              <a:t>طراحی </a:t>
+            </a:r>
+            <a:r>
+              <a:rPr lang="fa-IR" dirty="0" err="1"/>
+              <a:t>تک‌مرکزی</a:t>
+            </a:r>
+            <a:r>
+              <a:rPr lang="fa-IR" dirty="0"/>
+              <a:t>: </a:t>
+            </a:r>
+            <a:r>
+              <a:rPr lang="fa-IR" dirty="0" err="1"/>
+              <a:t>جمع‌آوری</a:t>
+            </a:r>
+            <a:r>
+              <a:rPr lang="fa-IR" dirty="0"/>
+              <a:t> </a:t>
+            </a:r>
+            <a:r>
+              <a:rPr lang="fa-IR" dirty="0" err="1"/>
+              <a:t>داده‌ها</a:t>
+            </a:r>
+            <a:r>
+              <a:rPr lang="fa-IR" dirty="0"/>
+              <a:t> از یک بیمارستان، احتمال </a:t>
+            </a:r>
+            <a:r>
+              <a:rPr lang="fa-IR" dirty="0" err="1"/>
+              <a:t>سوگیری</a:t>
+            </a:r>
+            <a:r>
+              <a:rPr lang="fa-IR" dirty="0"/>
+              <a:t> و کاهش قابلیت تعمیم.</a:t>
+            </a:r>
+          </a:p>
+        </p:txBody>
+      </p:sp>
+    </p:spTree>
+    <p:extLst>
+      <p:ext uri="{BB962C8B-B14F-4D97-AF65-F5344CB8AC3E}">
+        <p14:creationId xmlns:p14="http://schemas.microsoft.com/office/powerpoint/2010/main" val="3836518309"/>
+      </p:ext>
+    </p:extLst>
+  </p:cSld>
+  <p:clrMapOvr>
+    <a:masterClrMapping/>
+  </p:clrMapOvr>
+</p:sld>
+</file>
+
+<file path=ppt/slides/slide33.xml><?xml version="1.0" encoding="utf-8"?>
+<p:sld xmlns:a="http://schemas.openxmlformats.org/drawingml/2006/main" xmlns:r="http://schemas.openxmlformats.org/officeDocument/2006/relationships" xmlns:p="http://schemas.openxmlformats.org/presentationml/2006/main">
+  <p:cSld>
+    <p:spTree>
+      <p:nvGrpSpPr>
+        <p:cNvPr id="1" name="">
+          <a:extLst>
+            <a:ext uri="{FF2B5EF4-FFF2-40B4-BE49-F238E27FC236}">
+              <a16:creationId xmlns:a16="http://schemas.microsoft.com/office/drawing/2014/main" id="{59004178-EB35-4C53-FB33-CBBD2AA31D01}"/>
+            </a:ext>
+          </a:extLst>
+        </p:cNvPr>
+        <p:cNvGrpSpPr/>
+        <p:nvPr/>
+      </p:nvGrpSpPr>
+      <p:grpSpPr>
+        <a:xfrm>
+          <a:off x="0" y="0"/>
+          <a:ext cx="0" cy="0"/>
+          <a:chOff x="0" y="0"/>
+          <a:chExt cx="0" cy="0"/>
+        </a:xfrm>
+      </p:grpSpPr>
+      <p:sp>
+        <p:nvSpPr>
+          <p:cNvPr id="2" name="Title 1">
+            <a:extLst>
+              <a:ext uri="{FF2B5EF4-FFF2-40B4-BE49-F238E27FC236}">
+                <a16:creationId xmlns:a16="http://schemas.microsoft.com/office/drawing/2014/main" id="{A71F55D4-1D8B-E928-3690-1837B9F1A303}"/>
+              </a:ext>
+            </a:extLst>
+          </p:cNvPr>
+          <p:cNvSpPr>
+            <a:spLocks noGrp="1"/>
+          </p:cNvSpPr>
+          <p:nvPr>
+            <p:ph type="title"/>
+          </p:nvPr>
+        </p:nvSpPr>
+        <p:spPr/>
+        <p:txBody>
+          <a:bodyPr/>
+          <a:lstStyle/>
+          <a:p>
+            <a:r>
+              <a:rPr lang="fa-IR" dirty="0"/>
+              <a:t>محدودیت های مطالعه</a:t>
+            </a:r>
+            <a:endParaRPr lang="en-US" dirty="0"/>
+          </a:p>
+        </p:txBody>
+      </p:sp>
+      <p:sp>
+        <p:nvSpPr>
+          <p:cNvPr id="3" name="Text Placeholder 2">
+            <a:extLst>
+              <a:ext uri="{FF2B5EF4-FFF2-40B4-BE49-F238E27FC236}">
+                <a16:creationId xmlns:a16="http://schemas.microsoft.com/office/drawing/2014/main" id="{6592437B-0B96-634F-0C0E-05D26CA0091F}"/>
+              </a:ext>
+            </a:extLst>
+          </p:cNvPr>
+          <p:cNvSpPr>
+            <a:spLocks noGrp="1"/>
+          </p:cNvSpPr>
+          <p:nvPr>
+            <p:ph type="body" sz="quarter" idx="13"/>
+          </p:nvPr>
+        </p:nvSpPr>
+        <p:spPr/>
+        <p:txBody>
+          <a:bodyPr anchor="ctr">
+            <a:normAutofit/>
+          </a:bodyPr>
+          <a:lstStyle/>
+          <a:p>
+            <a:pPr>
+              <a:spcBef>
+                <a:spcPts val="1800"/>
+              </a:spcBef>
+            </a:pPr>
+            <a:r>
+              <a:rPr lang="fa-IR" dirty="0"/>
+              <a:t>نبود </a:t>
+            </a:r>
+            <a:r>
+              <a:rPr lang="fa-IR" dirty="0" err="1"/>
+              <a:t>داده‌های</a:t>
+            </a:r>
+            <a:r>
+              <a:rPr lang="fa-IR" dirty="0"/>
+              <a:t> پیگیری </a:t>
+            </a:r>
+            <a:r>
+              <a:rPr lang="fa-IR" dirty="0" err="1"/>
+              <a:t>طولانی‌مدت</a:t>
+            </a:r>
+            <a:r>
+              <a:rPr lang="fa-IR" dirty="0"/>
+              <a:t>: محدودیت در ارزیابی ایمنی و اثربخشی در </a:t>
+            </a:r>
+            <a:r>
+              <a:rPr lang="fa-IR" dirty="0" err="1"/>
+              <a:t>بلندمدت</a:t>
+            </a:r>
+            <a:r>
+              <a:rPr lang="fa-IR" dirty="0"/>
+              <a:t>.</a:t>
+            </a:r>
+          </a:p>
+          <a:p>
+            <a:pPr>
+              <a:spcBef>
+                <a:spcPts val="1800"/>
+              </a:spcBef>
+            </a:pPr>
+            <a:r>
+              <a:rPr lang="fa-IR" dirty="0"/>
+              <a:t>تمرکز </a:t>
+            </a:r>
+            <a:r>
+              <a:rPr lang="fa-IR" dirty="0" err="1"/>
+              <a:t>کوتاه‌مدت</a:t>
+            </a:r>
+            <a:r>
+              <a:rPr lang="fa-IR" dirty="0"/>
+              <a:t>: احتمال نادیده گرفتن اثرات جانبی تأخیری یا فواید </a:t>
+            </a:r>
+            <a:r>
+              <a:rPr lang="fa-IR" dirty="0" err="1"/>
+              <a:t>بلندمدت</a:t>
+            </a:r>
+            <a:r>
+              <a:rPr lang="fa-IR" dirty="0"/>
+              <a:t>.</a:t>
+            </a:r>
+          </a:p>
+          <a:p>
+            <a:pPr>
+              <a:spcBef>
+                <a:spcPts val="1800"/>
+              </a:spcBef>
+            </a:pPr>
+            <a:r>
+              <a:rPr lang="fa-IR" dirty="0"/>
+              <a:t>عدم تحلیل پیامدهای بالینی: تمرکز بر فارماکوکینتیک بدون بررسی تأثیر بر آنمی یا نرخ بقا.</a:t>
+            </a:r>
+            <a:endParaRPr lang="en-US" dirty="0"/>
+          </a:p>
+        </p:txBody>
+      </p:sp>
+    </p:spTree>
+    <p:extLst>
+      <p:ext uri="{BB962C8B-B14F-4D97-AF65-F5344CB8AC3E}">
+        <p14:creationId xmlns:p14="http://schemas.microsoft.com/office/powerpoint/2010/main" val="3429740160"/>
+      </p:ext>
+    </p:extLst>
+  </p:cSld>
+  <p:clrMapOvr>
+    <a:masterClrMapping/>
+  </p:clrMapOvr>
+</p:sld>
+</file>
+
+<file path=ppt/slides/slide34.xml><?xml version="1.0" encoding="utf-8"?>
+<p:sld xmlns:a="http://schemas.openxmlformats.org/drawingml/2006/main" xmlns:r="http://schemas.openxmlformats.org/officeDocument/2006/relationships" xmlns:p="http://schemas.openxmlformats.org/presentationml/2006/main">
+  <p:cSld>
+    <p:spTree>
+      <p:nvGrpSpPr>
+        <p:cNvPr id="1" name=""/>
+        <p:cNvGrpSpPr/>
+        <p:nvPr/>
+      </p:nvGrpSpPr>
+      <p:grpSpPr>
+        <a:xfrm>
+          <a:off x="0" y="0"/>
+          <a:ext cx="0" cy="0"/>
+          <a:chOff x="0" y="0"/>
+          <a:chExt cx="0" cy="0"/>
+        </a:xfrm>
+      </p:grpSpPr>
+      <p:sp>
+        <p:nvSpPr>
+          <p:cNvPr id="2" name="Title 1">
+            <a:extLst>
+              <a:ext uri="{FF2B5EF4-FFF2-40B4-BE49-F238E27FC236}">
+                <a16:creationId xmlns:a16="http://schemas.microsoft.com/office/drawing/2014/main" id="{08557BE7-AE20-4B26-E0CF-5F6E9A1EC007}"/>
+              </a:ext>
+            </a:extLst>
+          </p:cNvPr>
+          <p:cNvSpPr>
+            <a:spLocks noGrp="1"/>
+          </p:cNvSpPr>
+          <p:nvPr>
+            <p:ph type="title"/>
+          </p:nvPr>
+        </p:nvSpPr>
+        <p:spPr>
+          <a:xfrm>
+            <a:off x="5168187" y="2698954"/>
+            <a:ext cx="5507182" cy="1118033"/>
+          </a:xfrm>
+        </p:spPr>
+        <p:txBody>
+          <a:bodyPr/>
+          <a:lstStyle/>
+          <a:p>
+            <a:r>
+              <a:rPr lang="fa-IR" dirty="0"/>
+              <a:t>از توجه شما سپاس گزارم</a:t>
+            </a:r>
+            <a:endParaRPr lang="en-US" dirty="0"/>
+          </a:p>
+        </p:txBody>
+      </p:sp>
+    </p:spTree>
+    <p:extLst>
+      <p:ext uri="{BB962C8B-B14F-4D97-AF65-F5344CB8AC3E}">
+        <p14:creationId xmlns:p14="http://schemas.microsoft.com/office/powerpoint/2010/main" val="3418968558"/>
+      </p:ext>
+    </p:extLst>
+  </p:cSld>
+  <p:clrMapOvr>
+    <a:masterClrMapping/>
+  </p:clrMapOvr>
+  <mc:AlternateContent xmlns:mc="http://schemas.openxmlformats.org/markup-compatibility/2006" xmlns:p14="http://schemas.microsoft.com/office/powerpoint/2010/main">
+    <mc:Choice Requires="p14">
+      <p:transition spd="slow" p14:dur="1300">
+        <p14:pan dir="u"/>
+      </p:transition>
+    </mc:Choice>
+    <mc:Fallback xmlns="">
+      <p:transition spd="slow">
+        <p:fade/>
+      </p:transition>
+    </mc:Fallback>
+  </mc:AlternateContent>
+</p:sld>
+</file>
+
 <file path=ppt/slides/slide4.xml><?xml version="1.0" encoding="utf-8"?>
 <p:sld xmlns:a="http://schemas.openxmlformats.org/drawingml/2006/main" xmlns:r="http://schemas.openxmlformats.org/officeDocument/2006/relationships" xmlns:p="http://schemas.openxmlformats.org/presentationml/2006/main">
   <p:cSld>
@@ -11918,10 +13654,10 @@
       </p:grpSpPr>
       <p:sp>
         <p:nvSpPr>
-          <p:cNvPr id="2" name="Title 1">
-            <a:extLst>
-              <a:ext uri="{FF2B5EF4-FFF2-40B4-BE49-F238E27FC236}">
-                <a16:creationId xmlns:a16="http://schemas.microsoft.com/office/drawing/2014/main" id="{E4394BA4-2902-90AB-0DD7-8743ACA12F24}"/>
+          <p:cNvPr id="6" name="Title 5">
+            <a:extLst>
+              <a:ext uri="{FF2B5EF4-FFF2-40B4-BE49-F238E27FC236}">
+                <a16:creationId xmlns:a16="http://schemas.microsoft.com/office/drawing/2014/main" id="{64052C69-C2F1-B820-90DD-30F2C4979424}"/>
               </a:ext>
             </a:extLst>
           </p:cNvPr>
@@ -11939,7 +13675,7 @@
           <a:p>
             <a:r>
               <a:rPr lang="fa-IR" dirty="0"/>
-              <a:t>روش اجرا</a:t>
+              <a:t>بررسی متون</a:t>
             </a:r>
             <a:endParaRPr lang="en-US" dirty="0"/>
           </a:p>
@@ -11947,67 +13683,231 @@
       </p:sp>
       <p:sp>
         <p:nvSpPr>
-          <p:cNvPr id="3" name="Text Placeholder 2">
-            <a:extLst>
-              <a:ext uri="{FF2B5EF4-FFF2-40B4-BE49-F238E27FC236}">
-                <a16:creationId xmlns:a16="http://schemas.microsoft.com/office/drawing/2014/main" id="{CBD7ED54-3D94-D303-824A-FDFBDD323E4B}"/>
+          <p:cNvPr id="13" name="Rectangle 2">
+            <a:extLst>
+              <a:ext uri="{FF2B5EF4-FFF2-40B4-BE49-F238E27FC236}">
+                <a16:creationId xmlns:a16="http://schemas.microsoft.com/office/drawing/2014/main" id="{16E8113F-BD4C-B9DE-3B12-8FEBDB1AF17E}"/>
               </a:ext>
             </a:extLst>
           </p:cNvPr>
           <p:cNvSpPr>
-            <a:spLocks noGrp="1"/>
+            <a:spLocks noGrp="1" noChangeArrowheads="1"/>
           </p:cNvSpPr>
           <p:nvPr>
             <p:ph type="body" sz="quarter" idx="13"/>
           </p:nvPr>
         </p:nvSpPr>
-        <p:spPr/>
+        <p:spPr bwMode="auto">
+          <a:xfrm>
+            <a:off x="3823855" y="857287"/>
+            <a:ext cx="7529945" cy="4862870"/>
+          </a:xfrm>
+          <a:noFill/>
+          <a:ln>
+            <a:noFill/>
+          </a:ln>
+          <a:effectLst/>
+          <a:extLst>
+            <a:ext uri="{909E8E84-426E-40DD-AFC4-6F175D3DCCD1}">
+              <a14:hiddenFill xmlns:a14="http://schemas.microsoft.com/office/drawing/2010/main">
+                <a:solidFill>
+                  <a:schemeClr val="accent1"/>
+                </a:solidFill>
+              </a14:hiddenFill>
+            </a:ext>
+            <a:ext uri="{91240B29-F687-4F45-9708-019B960494DF}">
+              <a14:hiddenLine xmlns:a14="http://schemas.microsoft.com/office/drawing/2010/main" w="9525">
+                <a:solidFill>
+                  <a:schemeClr val="tx1"/>
+                </a:solidFill>
+                <a:miter lim="800000"/>
+                <a:headEnd/>
+                <a:tailEnd/>
+              </a14:hiddenLine>
+            </a:ext>
+            <a:ext uri="{AF507438-7753-43E0-B8FC-AC1667EBCBE1}">
+              <a14:hiddenEffects xmlns:a14="http://schemas.microsoft.com/office/drawing/2010/main">
+                <a:effectLst>
+                  <a:outerShdw dist="35921" dir="2700000" algn="ctr" rotWithShape="0">
+                    <a:schemeClr val="bg2"/>
+                  </a:outerShdw>
+                </a:effectLst>
+              </a14:hiddenEffects>
+            </a:ext>
+          </a:extLst>
+        </p:spPr>
         <p:txBody>
-          <a:bodyPr anchor="ctr"/>
+          <a:bodyPr vert="horz" wrap="square" lIns="91440" tIns="45720" rIns="91440" bIns="45720" numCol="1" anchor="ctr" anchorCtr="0" compatLnSpc="1">
+            <a:prstTxWarp prst="textNoShape">
+              <a:avLst/>
+            </a:prstTxWarp>
+            <a:spAutoFit/>
+          </a:bodyPr>
           <a:lstStyle/>
           <a:p>
-            <a:r>
-              <a:rPr lang="fa-IR" dirty="0"/>
-              <a:t>یک پژوهش پایلوت</a:t>
-            </a:r>
-          </a:p>
-          <a:p>
-            <a:r>
-              <a:rPr lang="fa-IR" dirty="0"/>
-              <a:t>تک دوز اریتروپویتین آلفا</a:t>
-            </a:r>
-          </a:p>
-          <a:p>
-            <a:r>
-              <a:rPr lang="fa-IR" dirty="0"/>
-              <a:t>دوز 20000 واحد وریدی</a:t>
-            </a:r>
-          </a:p>
-          <a:p>
-            <a:endParaRPr lang="fa-IR" dirty="0"/>
-          </a:p>
-          <a:p>
-            <a:r>
-              <a:rPr lang="fa-IR" dirty="0"/>
-              <a:t>بیماران بدحال دچار آنمی بستری در بخش مراقبت های ویژه بیمارستان سینا در سال 1403. </a:t>
-            </a:r>
-            <a:endParaRPr lang="en-US" dirty="0"/>
+            <a:pPr marL="0" lvl="0" indent="0">
+              <a:buNone/>
+            </a:pPr>
+            <a:r>
+              <a:rPr lang="fa-IR" altLang="en-US" dirty="0">
+                <a:solidFill>
+                  <a:srgbClr val="002060"/>
+                </a:solidFill>
+                <a:cs typeface="B Titr" panose="00000700000000000000" pitchFamily="2" charset="-78"/>
+              </a:rPr>
+              <a:t>مطالعه </a:t>
+            </a:r>
+            <a:r>
+              <a:rPr lang="fa-IR" altLang="en-US" dirty="0" err="1">
+                <a:solidFill>
+                  <a:srgbClr val="002060"/>
+                </a:solidFill>
+                <a:cs typeface="B Titr" panose="00000700000000000000" pitchFamily="2" charset="-78"/>
+              </a:rPr>
+              <a:t>فریمن</a:t>
+            </a:r>
+            <a:r>
+              <a:rPr lang="fa-IR" altLang="en-US" dirty="0">
+                <a:solidFill>
+                  <a:srgbClr val="002060"/>
+                </a:solidFill>
+                <a:cs typeface="B Titr" panose="00000700000000000000" pitchFamily="2" charset="-78"/>
+              </a:rPr>
+              <a:t> و همکاران (2006)</a:t>
+            </a:r>
+            <a:endParaRPr lang="en-US" altLang="en-US" dirty="0">
+              <a:solidFill>
+                <a:srgbClr val="002060"/>
+              </a:solidFill>
+              <a:cs typeface="B Titr" panose="00000700000000000000" pitchFamily="2" charset="-78"/>
+            </a:endParaRPr>
+          </a:p>
+          <a:p>
+            <a:pPr marL="0" lvl="0" indent="0">
+              <a:buNone/>
+            </a:pPr>
+            <a:endParaRPr lang="en-US" altLang="en-US" dirty="0">
+              <a:solidFill>
+                <a:srgbClr val="002060"/>
+              </a:solidFill>
+              <a:cs typeface="B Titr" panose="00000700000000000000" pitchFamily="2" charset="-78"/>
+            </a:endParaRPr>
+          </a:p>
+          <a:p>
+            <a:pPr lvl="0"/>
+            <a:r>
+              <a:rPr lang="ar-SA" altLang="en-US" dirty="0"/>
+              <a:t>بررسی</a:t>
+            </a:r>
+            <a:r>
+              <a:rPr lang="en-US" altLang="en-US" dirty="0"/>
+              <a:t> PK </a:t>
+            </a:r>
+            <a:r>
+              <a:rPr lang="ar-SA" altLang="en-US" dirty="0"/>
+              <a:t>و</a:t>
+            </a:r>
+            <a:r>
+              <a:rPr lang="en-US" altLang="en-US" dirty="0"/>
+              <a:t> PD </a:t>
+            </a:r>
+            <a:r>
+              <a:rPr lang="ar-SA" altLang="en-US" dirty="0"/>
+              <a:t>اپوئتین آلفا</a:t>
+            </a:r>
+            <a:r>
+              <a:rPr lang="en-US" altLang="en-US" dirty="0"/>
+              <a:t> IV </a:t>
+            </a:r>
+            <a:r>
+              <a:rPr lang="ar-SA" altLang="en-US" dirty="0"/>
+              <a:t>در کودکان مبتلا به سرطان</a:t>
+            </a:r>
+            <a:endParaRPr lang="en-US" altLang="en-US" dirty="0"/>
+          </a:p>
+          <a:p>
+            <a:pPr lvl="0"/>
+            <a:r>
+              <a:rPr lang="ar-SA" altLang="en-US" dirty="0"/>
+              <a:t>نمونه: 12 کودک (6 اپوئتین آلفا، 6 دارونما)</a:t>
+            </a:r>
+            <a:endParaRPr lang="en-US" altLang="en-US" dirty="0"/>
+          </a:p>
+          <a:p>
+            <a:pPr lvl="0"/>
+            <a:r>
+              <a:rPr lang="ar-SA" altLang="en-US" dirty="0"/>
+              <a:t>نتایج</a:t>
+            </a:r>
+            <a:r>
+              <a:rPr lang="en-US" altLang="en-US" dirty="0"/>
+              <a:t> PK:</a:t>
+            </a:r>
+          </a:p>
+          <a:p>
+            <a:pPr lvl="0"/>
+            <a:r>
+              <a:rPr lang="en-US" altLang="en-US" dirty="0"/>
+              <a:t>AUC(0–24) </a:t>
+            </a:r>
+            <a:r>
+              <a:rPr lang="ar-SA" altLang="en-US" dirty="0"/>
+              <a:t>دوز 1 برابر با 67.1</a:t>
+            </a:r>
+            <a:r>
+              <a:rPr lang="en-US" altLang="en-US" dirty="0"/>
+              <a:t> </a:t>
+            </a:r>
+            <a:r>
+              <a:rPr lang="en-US" altLang="en-US" dirty="0" err="1"/>
+              <a:t>IU·h</a:t>
+            </a:r>
+            <a:r>
+              <a:rPr lang="en-US" altLang="en-US" dirty="0"/>
+              <a:t>/mL، </a:t>
+            </a:r>
+            <a:r>
+              <a:rPr lang="ar-SA" altLang="en-US" dirty="0"/>
+              <a:t>در دوز 10-11 به 126.5</a:t>
+            </a:r>
+            <a:r>
+              <a:rPr lang="en-US" altLang="en-US" dirty="0"/>
+              <a:t> </a:t>
+            </a:r>
+            <a:r>
+              <a:rPr lang="en-US" altLang="en-US" dirty="0" err="1"/>
+              <a:t>IU·h</a:t>
+            </a:r>
+            <a:r>
+              <a:rPr lang="en-US" altLang="en-US" dirty="0"/>
+              <a:t>/mL </a:t>
+            </a:r>
+            <a:r>
+              <a:rPr lang="ar-SA" altLang="en-US" dirty="0"/>
+              <a:t>افزایش یافت</a:t>
+            </a:r>
+            <a:endParaRPr lang="en-US" altLang="en-US" dirty="0"/>
+          </a:p>
+          <a:p>
+            <a:pPr lvl="0"/>
+            <a:r>
+              <a:rPr lang="ar-SA" altLang="en-US" dirty="0"/>
+              <a:t>پاکسازی بین بیماران بسیار متغیر بود</a:t>
+            </a:r>
+            <a:endParaRPr lang="en-US" altLang="en-US" dirty="0"/>
           </a:p>
         </p:txBody>
       </p:sp>
     </p:spTree>
     <p:extLst>
       <p:ext uri="{BB962C8B-B14F-4D97-AF65-F5344CB8AC3E}">
-        <p14:creationId xmlns:p14="http://schemas.microsoft.com/office/powerpoint/2010/main" val="959072616"/>
+        <p14:creationId xmlns:p14="http://schemas.microsoft.com/office/powerpoint/2010/main" val="3226966679"/>
       </p:ext>
     </p:extLst>
   </p:cSld>
   <p:clrMapOvr>
     <a:masterClrMapping/>
   </p:clrMapOvr>
-  <p:transition spd="slow">
-    <p:push dir="u"/>
-  </p:transition>
 </p:sld>
 </file>
 

--- a/presentation slides/ارائه پایان نامه.pptx
+++ b/presentation slides/ارائه پایان نامه.pptx
@@ -12,35 +12,35 @@
     <p:sldId id="267" r:id="rId3"/>
     <p:sldId id="257" r:id="rId4"/>
     <p:sldId id="259" r:id="rId5"/>
-    <p:sldId id="260" r:id="rId6"/>
-    <p:sldId id="318" r:id="rId7"/>
-    <p:sldId id="319" r:id="rId8"/>
-    <p:sldId id="316" r:id="rId9"/>
-    <p:sldId id="324" r:id="rId10"/>
-    <p:sldId id="325" r:id="rId11"/>
-    <p:sldId id="326" r:id="rId12"/>
-    <p:sldId id="327" r:id="rId13"/>
-    <p:sldId id="328" r:id="rId14"/>
-    <p:sldId id="329" r:id="rId15"/>
-    <p:sldId id="330" r:id="rId16"/>
-    <p:sldId id="270" r:id="rId17"/>
-    <p:sldId id="299" r:id="rId18"/>
-    <p:sldId id="301" r:id="rId19"/>
-    <p:sldId id="300" r:id="rId20"/>
-    <p:sldId id="302" r:id="rId21"/>
-    <p:sldId id="320" r:id="rId22"/>
-    <p:sldId id="304" r:id="rId23"/>
-    <p:sldId id="305" r:id="rId24"/>
-    <p:sldId id="271" r:id="rId25"/>
-    <p:sldId id="306" r:id="rId26"/>
-    <p:sldId id="307" r:id="rId27"/>
-    <p:sldId id="321" r:id="rId28"/>
-    <p:sldId id="322" r:id="rId29"/>
-    <p:sldId id="323" r:id="rId30"/>
+    <p:sldId id="318" r:id="rId6"/>
+    <p:sldId id="319" r:id="rId7"/>
+    <p:sldId id="316" r:id="rId8"/>
+    <p:sldId id="327" r:id="rId9"/>
+    <p:sldId id="328" r:id="rId10"/>
+    <p:sldId id="329" r:id="rId11"/>
+    <p:sldId id="330" r:id="rId12"/>
+    <p:sldId id="331" r:id="rId13"/>
+    <p:sldId id="332" r:id="rId14"/>
+    <p:sldId id="333" r:id="rId15"/>
+    <p:sldId id="270" r:id="rId16"/>
+    <p:sldId id="299" r:id="rId17"/>
+    <p:sldId id="301" r:id="rId18"/>
+    <p:sldId id="300" r:id="rId19"/>
+    <p:sldId id="302" r:id="rId20"/>
+    <p:sldId id="320" r:id="rId21"/>
+    <p:sldId id="304" r:id="rId22"/>
+    <p:sldId id="305" r:id="rId23"/>
+    <p:sldId id="271" r:id="rId24"/>
+    <p:sldId id="306" r:id="rId25"/>
+    <p:sldId id="307" r:id="rId26"/>
+    <p:sldId id="321" r:id="rId27"/>
+    <p:sldId id="322" r:id="rId28"/>
+    <p:sldId id="323" r:id="rId29"/>
+    <p:sldId id="324" r:id="rId30"/>
     <p:sldId id="315" r:id="rId31"/>
     <p:sldId id="297" r:id="rId32"/>
-    <p:sldId id="272" r:id="rId33"/>
-    <p:sldId id="314" r:id="rId34"/>
+    <p:sldId id="325" r:id="rId33"/>
+    <p:sldId id="272" r:id="rId34"/>
     <p:sldId id="298" r:id="rId35"/>
   </p:sldIdLst>
   <p:sldSz cx="12192000" cy="6858000"/>
@@ -64,10 +64,6 @@
     <p:embeddedFont>
       <p:font typeface="IRTitr" panose="02000506000000020002" pitchFamily="2" charset="-78"/>
       <p:regular r:id="rId43"/>
-    </p:embeddedFont>
-    <p:embeddedFont>
-      <p:font typeface="Wingdings 3" panose="05040102010807070707" pitchFamily="18" charset="2"/>
-      <p:regular r:id="rId44"/>
     </p:embeddedFont>
   </p:embeddedFontLst>
   <p:defaultTextStyle>
@@ -182,21 +178,20 @@
           <p14:sldIdLst>
             <p14:sldId id="257"/>
             <p14:sldId id="259"/>
-            <p14:sldId id="260"/>
             <p14:sldId id="318"/>
             <p14:sldId id="319"/>
             <p14:sldId id="316"/>
           </p14:sldIdLst>
         </p14:section>
-        <p14:section name="بررسی متون" id="{E68386CA-BC6D-4109-A6C3-F4D272BEBAC9}">
+        <p14:section name="پیشینه پژوهش" id="{E7865294-A529-4710-8CCC-8F0D56C376D8}">
           <p14:sldIdLst>
-            <p14:sldId id="324"/>
-            <p14:sldId id="325"/>
-            <p14:sldId id="326"/>
             <p14:sldId id="327"/>
             <p14:sldId id="328"/>
             <p14:sldId id="329"/>
             <p14:sldId id="330"/>
+            <p14:sldId id="331"/>
+            <p14:sldId id="332"/>
+            <p14:sldId id="333"/>
           </p14:sldIdLst>
         </p14:section>
         <p14:section name="روش اجرا" id="{D767CB8A-0153-46F6-89FC-F079A745DFB0}">
@@ -219,18 +214,19 @@
             <p14:sldId id="321"/>
             <p14:sldId id="322"/>
             <p14:sldId id="323"/>
+            <p14:sldId id="324"/>
           </p14:sldIdLst>
         </p14:section>
         <p14:section name="نتیجه گیری" id="{F7A5B370-85E4-4382-AA37-A73C15148025}">
           <p14:sldIdLst>
             <p14:sldId id="315"/>
             <p14:sldId id="297"/>
+            <p14:sldId id="325"/>
           </p14:sldIdLst>
         </p14:section>
         <p14:section name="محدودیت های مطالعه" id="{97CEEFF9-98CB-455D-8C16-06139B513E56}">
           <p14:sldIdLst>
             <p14:sldId id="272"/>
-            <p14:sldId id="314"/>
             <p14:sldId id="298"/>
           </p14:sldIdLst>
         </p14:section>
@@ -6737,6 +6733,14 @@
               <a:rPr lang="fa-IR" sz="2000" dirty="0"/>
               <a:t>اساتید راهنما:</a:t>
             </a:r>
+            <a:r>
+              <a:rPr lang="en-GB" sz="2000" dirty="0"/>
+              <a:t>        </a:t>
+            </a:r>
+            <a:r>
+              <a:rPr lang="fa-IR" sz="2000" dirty="0"/>
+              <a:t>                                     اساتید مشاور:</a:t>
+            </a:r>
           </a:p>
           <a:p>
             <a:r>
@@ -6747,6 +6751,18 @@
               <a:rPr lang="fa-IR" sz="2000" dirty="0" err="1"/>
               <a:t>مجتهدزاده</a:t>
             </a:r>
+            <a:r>
+              <a:rPr lang="en-GB" sz="2000" dirty="0"/>
+              <a:t>     </a:t>
+            </a:r>
+            <a:r>
+              <a:rPr lang="fa-IR" sz="2000" dirty="0"/>
+              <a:t>                       دکتر فرهاد نجم </a:t>
+            </a:r>
+            <a:r>
+              <a:rPr lang="fa-IR" sz="2000" dirty="0" err="1"/>
+              <a:t>الدین</a:t>
+            </a:r>
             <a:endParaRPr lang="fa-IR" sz="2000" dirty="0"/>
           </a:p>
           <a:p>
@@ -6758,6 +6774,14 @@
               <a:rPr lang="fa-IR" sz="2000" dirty="0" err="1"/>
               <a:t>شهرامی</a:t>
             </a:r>
+            <a:r>
+              <a:rPr lang="fa-IR" sz="2000" dirty="0"/>
+              <a:t>.                                      دکتر محمد </a:t>
+            </a:r>
+            <a:r>
+              <a:rPr lang="fa-IR" sz="2000" dirty="0" err="1"/>
+              <a:t>بیگلری</a:t>
+            </a:r>
             <a:endParaRPr lang="fa-IR" sz="2000" dirty="0"/>
           </a:p>
           <a:p>
@@ -6765,6 +6789,13 @@
               <a:rPr lang="fa-IR" sz="2000" dirty="0"/>
               <a:t>دکتر حمیدرضا شریف نیا</a:t>
             </a:r>
+            <a:r>
+              <a:rPr lang="en-GB" sz="2000" dirty="0"/>
+              <a:t>  </a:t>
+            </a:r>
+          </a:p>
+          <a:p>
+            <a:endParaRPr lang="fa-IR" sz="2000" dirty="0"/>
           </a:p>
         </p:txBody>
       </p:sp>
@@ -6883,332 +6914,6 @@
           <p:cNvPr id="2" name="Title 1">
             <a:extLst>
               <a:ext uri="{FF2B5EF4-FFF2-40B4-BE49-F238E27FC236}">
-                <a16:creationId xmlns:a16="http://schemas.microsoft.com/office/drawing/2014/main" id="{BEB42EE1-30F8-398C-B23A-BAB85BC4F222}"/>
-              </a:ext>
-            </a:extLst>
-          </p:cNvPr>
-          <p:cNvSpPr>
-            <a:spLocks noGrp="1"/>
-          </p:cNvSpPr>
-          <p:nvPr>
-            <p:ph type="title"/>
-          </p:nvPr>
-        </p:nvSpPr>
-        <p:spPr>
-          <a:xfrm>
-            <a:off x="838200" y="524019"/>
-            <a:ext cx="10515600" cy="1009651"/>
-          </a:xfrm>
-        </p:spPr>
-        <p:txBody>
-          <a:bodyPr/>
-          <a:lstStyle/>
-          <a:p>
-            <a:r>
-              <a:rPr lang="fa-IR" dirty="0"/>
-              <a:t>مطالعه </a:t>
-            </a:r>
-            <a:r>
-              <a:rPr lang="fa-IR" dirty="0" err="1"/>
-              <a:t>آرولیگا</a:t>
-            </a:r>
-            <a:r>
-              <a:rPr lang="fa-IR" dirty="0"/>
-              <a:t> و همکاران (2009)</a:t>
-            </a:r>
-            <a:endParaRPr lang="en-US" dirty="0"/>
-          </a:p>
-        </p:txBody>
-      </p:sp>
-      <p:sp>
-        <p:nvSpPr>
-          <p:cNvPr id="5" name="Rectangle 2">
-            <a:extLst>
-              <a:ext uri="{FF2B5EF4-FFF2-40B4-BE49-F238E27FC236}">
-                <a16:creationId xmlns:a16="http://schemas.microsoft.com/office/drawing/2014/main" id="{15084B3D-F956-B8FA-839F-FCA0E04C81AF}"/>
-              </a:ext>
-            </a:extLst>
-          </p:cNvPr>
-          <p:cNvSpPr>
-            <a:spLocks noGrp="1" noChangeArrowheads="1"/>
-          </p:cNvSpPr>
-          <p:nvPr>
-            <p:ph idx="1"/>
-          </p:nvPr>
-        </p:nvSpPr>
-        <p:spPr bwMode="auto">
-          <a:xfrm>
-            <a:off x="838200" y="1949706"/>
-            <a:ext cx="10515600" cy="4103175"/>
-          </a:xfrm>
-          <a:noFill/>
-          <a:ln>
-            <a:noFill/>
-          </a:ln>
-          <a:effectLst/>
-          <a:extLst>
-            <a:ext uri="{909E8E84-426E-40DD-AFC4-6F175D3DCCD1}">
-              <a14:hiddenFill xmlns:a14="http://schemas.microsoft.com/office/drawing/2010/main">
-                <a:solidFill>
-                  <a:schemeClr val="accent1"/>
-                </a:solidFill>
-              </a14:hiddenFill>
-            </a:ext>
-            <a:ext uri="{91240B29-F687-4F45-9708-019B960494DF}">
-              <a14:hiddenLine xmlns:a14="http://schemas.microsoft.com/office/drawing/2010/main" w="9525">
-                <a:solidFill>
-                  <a:schemeClr val="tx1"/>
-                </a:solidFill>
-                <a:miter lim="800000"/>
-                <a:headEnd/>
-                <a:tailEnd/>
-              </a14:hiddenLine>
-            </a:ext>
-            <a:ext uri="{AF507438-7753-43E0-B8FC-AC1667EBCBE1}">
-              <a14:hiddenEffects xmlns:a14="http://schemas.microsoft.com/office/drawing/2010/main">
-                <a:effectLst>
-                  <a:outerShdw dist="35921" dir="2700000" algn="ctr" rotWithShape="0">
-                    <a:schemeClr val="bg2"/>
-                  </a:outerShdw>
-                </a:effectLst>
-              </a14:hiddenEffects>
-            </a:ext>
-          </a:extLst>
-        </p:spPr>
-        <p:txBody>
-          <a:bodyPr vert="horz" wrap="square" lIns="91440" tIns="45720" rIns="91440" bIns="45720" numCol="1" anchor="ctr" anchorCtr="0" compatLnSpc="1">
-            <a:prstTxWarp prst="textNoShape">
-              <a:avLst/>
-            </a:prstTxWarp>
-            <a:spAutoFit/>
-          </a:bodyPr>
-          <a:lstStyle/>
-          <a:p>
-            <a:pPr lvl="0"/>
-            <a:r>
-              <a:rPr lang="ar-SA" altLang="en-US" sz="2800" dirty="0"/>
-              <a:t>بررسی</a:t>
-            </a:r>
-            <a:r>
-              <a:rPr lang="en-US" altLang="en-US" sz="2800" dirty="0"/>
-              <a:t> PK </a:t>
-            </a:r>
-            <a:r>
-              <a:rPr lang="ar-SA" altLang="en-US" sz="2800" dirty="0"/>
-              <a:t>و</a:t>
-            </a:r>
-            <a:r>
-              <a:rPr lang="en-US" altLang="en-US" sz="2800" dirty="0"/>
-              <a:t> PD </a:t>
-            </a:r>
-            <a:r>
-              <a:rPr lang="ar-SA" altLang="en-US" sz="2800" dirty="0"/>
-              <a:t>اپوئتین آلفا</a:t>
-            </a:r>
-            <a:r>
-              <a:rPr lang="en-US" altLang="en-US" sz="2800" dirty="0"/>
-              <a:t> IV </a:t>
-            </a:r>
-            <a:r>
-              <a:rPr lang="ar-SA" altLang="en-US" sz="2800" dirty="0"/>
-              <a:t>در بیماران</a:t>
-            </a:r>
-            <a:r>
-              <a:rPr lang="en-US" altLang="en-US" sz="2800" dirty="0"/>
-              <a:t> ICU</a:t>
-            </a:r>
-          </a:p>
-          <a:p>
-            <a:pPr lvl="0"/>
-            <a:r>
-              <a:rPr lang="ar-SA" altLang="en-US" sz="2800" dirty="0"/>
-              <a:t>نمونه: 60 بیمار، 6 گروه دوزدهی</a:t>
-            </a:r>
-            <a:endParaRPr lang="en-US" altLang="en-US" sz="2800" dirty="0"/>
-          </a:p>
-          <a:p>
-            <a:pPr marL="0" lvl="0" indent="0">
-              <a:buNone/>
-            </a:pPr>
-            <a:r>
-              <a:rPr lang="ar-SA" altLang="en-US" sz="2800" dirty="0"/>
-              <a:t>نتایج</a:t>
-            </a:r>
-            <a:r>
-              <a:rPr lang="en-US" altLang="en-US" sz="2800" dirty="0"/>
-              <a:t> PK:</a:t>
-            </a:r>
-          </a:p>
-          <a:p>
-            <a:pPr lvl="0"/>
-            <a:r>
-              <a:rPr lang="en-US" altLang="en-US" sz="2800" dirty="0" err="1"/>
-              <a:t>Cmax</a:t>
-            </a:r>
-            <a:r>
-              <a:rPr lang="en-US" altLang="en-US" sz="2800" dirty="0"/>
-              <a:t> IV </a:t>
-            </a:r>
-            <a:r>
-              <a:rPr lang="ar-SA" altLang="en-US" sz="2800" dirty="0"/>
-              <a:t>برابر با 19,398</a:t>
-            </a:r>
-            <a:r>
-              <a:rPr lang="en-US" altLang="en-US" sz="2800" dirty="0"/>
-              <a:t> </a:t>
-            </a:r>
-            <a:r>
-              <a:rPr lang="en-US" altLang="en-US" sz="2800" dirty="0" err="1"/>
-              <a:t>mIU</a:t>
-            </a:r>
-            <a:r>
-              <a:rPr lang="en-US" altLang="en-US" sz="2800" dirty="0"/>
-              <a:t>/mL، </a:t>
-            </a:r>
-            <a:r>
-              <a:rPr lang="ar-SA" altLang="en-US" sz="2800" dirty="0"/>
-              <a:t>در حالی که</a:t>
-            </a:r>
-            <a:r>
-              <a:rPr lang="en-US" altLang="en-US" sz="2800" dirty="0"/>
-              <a:t> </a:t>
-            </a:r>
-            <a:r>
-              <a:rPr lang="en-US" altLang="en-US" sz="2800" dirty="0" err="1"/>
-              <a:t>Cmax</a:t>
-            </a:r>
-            <a:r>
-              <a:rPr lang="en-US" altLang="en-US" sz="2800" dirty="0"/>
-              <a:t> SC </a:t>
-            </a:r>
-            <a:r>
-              <a:rPr lang="ar-SA" altLang="en-US" sz="2800" dirty="0"/>
-              <a:t>برابر با 434</a:t>
-            </a:r>
-            <a:r>
-              <a:rPr lang="en-US" altLang="en-US" sz="2800" dirty="0"/>
-              <a:t> </a:t>
-            </a:r>
-            <a:r>
-              <a:rPr lang="en-US" altLang="en-US" sz="2800" dirty="0" err="1"/>
-              <a:t>mIU</a:t>
-            </a:r>
-            <a:r>
-              <a:rPr lang="en-US" altLang="en-US" sz="2800" dirty="0"/>
-              <a:t>/mL </a:t>
-            </a:r>
-            <a:r>
-              <a:rPr lang="ar-SA" altLang="en-US" sz="2800" dirty="0"/>
-              <a:t>بود</a:t>
-            </a:r>
-            <a:endParaRPr lang="en-US" altLang="en-US" sz="2800" dirty="0"/>
-          </a:p>
-          <a:p>
-            <a:pPr lvl="0"/>
-            <a:r>
-              <a:rPr lang="en-US" altLang="en-US" sz="2800" dirty="0"/>
-              <a:t>AUC IV </a:t>
-            </a:r>
-            <a:r>
-              <a:rPr lang="ar-SA" altLang="en-US" sz="2800" dirty="0"/>
-              <a:t>به‌طور قابل‌توجهی بالاتر از</a:t>
-            </a:r>
-            <a:r>
-              <a:rPr lang="en-US" altLang="en-US" sz="2800" dirty="0"/>
-              <a:t> SC </a:t>
-            </a:r>
-            <a:r>
-              <a:rPr lang="ar-SA" altLang="en-US" sz="2800" dirty="0"/>
-              <a:t>بود</a:t>
-            </a:r>
-            <a:endParaRPr lang="en-US" altLang="en-US" sz="2800" dirty="0"/>
-          </a:p>
-          <a:p>
-            <a:pPr marL="0" lvl="0" indent="0">
-              <a:buNone/>
-            </a:pPr>
-            <a:r>
-              <a:rPr lang="ar-SA" altLang="en-US" sz="2800" dirty="0"/>
-              <a:t>نتایج</a:t>
-            </a:r>
-            <a:r>
-              <a:rPr lang="en-US" altLang="en-US" sz="2800" dirty="0"/>
-              <a:t> PD:</a:t>
-            </a:r>
-          </a:p>
-          <a:p>
-            <a:pPr lvl="0"/>
-            <a:r>
-              <a:rPr lang="ar-SA" altLang="en-US" sz="2800" dirty="0"/>
-              <a:t>پاسخ رتیکولوسیتی در</a:t>
-            </a:r>
-            <a:r>
-              <a:rPr lang="en-US" altLang="en-US" sz="2800" dirty="0"/>
-              <a:t> SC </a:t>
-            </a:r>
-            <a:r>
-              <a:rPr lang="ar-SA" altLang="en-US" sz="2800" dirty="0"/>
-              <a:t>بالاتر از</a:t>
-            </a:r>
-            <a:r>
-              <a:rPr lang="en-US" altLang="en-US" sz="2800" dirty="0"/>
-              <a:t> IV </a:t>
-            </a:r>
-            <a:r>
-              <a:rPr lang="ar-SA" altLang="en-US" sz="2800" dirty="0"/>
-              <a:t>بود</a:t>
-            </a:r>
-            <a:endParaRPr lang="en-US" altLang="en-US" sz="2800" dirty="0"/>
-          </a:p>
-          <a:p>
-            <a:pPr lvl="0"/>
-            <a:r>
-              <a:rPr lang="en-US" altLang="en-US" sz="2800" dirty="0"/>
-              <a:t>93 </a:t>
-            </a:r>
-            <a:r>
-              <a:rPr lang="ar-SA" altLang="en-US" sz="2800" dirty="0"/>
-              <a:t>درصد بیماران حداقل یک عارضه جانبی داشتند اما هیچ‌کدام مرتبط با دارو نبود</a:t>
-            </a:r>
-            <a:endParaRPr lang="en-US" altLang="en-US" sz="2800" dirty="0"/>
-          </a:p>
-        </p:txBody>
-      </p:sp>
-    </p:spTree>
-    <p:extLst>
-      <p:ext uri="{BB962C8B-B14F-4D97-AF65-F5344CB8AC3E}">
-        <p14:creationId xmlns:p14="http://schemas.microsoft.com/office/powerpoint/2010/main" val="1519020151"/>
-      </p:ext>
-    </p:extLst>
-  </p:cSld>
-  <p:clrMapOvr>
-    <a:masterClrMapping/>
-  </p:clrMapOvr>
-</p:sld>
-</file>
-
-<file path=ppt/slides/slide11.xml><?xml version="1.0" encoding="utf-8"?>
-<p:sld xmlns:a="http://schemas.openxmlformats.org/drawingml/2006/main" xmlns:r="http://schemas.openxmlformats.org/officeDocument/2006/relationships" xmlns:p="http://schemas.openxmlformats.org/presentationml/2006/main">
-  <p:cSld>
-    <p:spTree>
-      <p:nvGrpSpPr>
-        <p:cNvPr id="1" name=""/>
-        <p:cNvGrpSpPr/>
-        <p:nvPr/>
-      </p:nvGrpSpPr>
-      <p:grpSpPr>
-        <a:xfrm>
-          <a:off x="0" y="0"/>
-          <a:ext cx="0" cy="0"/>
-          <a:chOff x="0" y="0"/>
-          <a:chExt cx="0" cy="0"/>
-        </a:xfrm>
-      </p:grpSpPr>
-      <p:sp>
-        <p:nvSpPr>
-          <p:cNvPr id="2" name="Title 1">
-            <a:extLst>
-              <a:ext uri="{FF2B5EF4-FFF2-40B4-BE49-F238E27FC236}">
                 <a16:creationId xmlns:a16="http://schemas.microsoft.com/office/drawing/2014/main" id="{DE4DC08A-0346-9140-F77A-B302446B165E}"/>
               </a:ext>
             </a:extLst>
@@ -7443,7 +7148,7 @@
 </p:sld>
 </file>
 
-<file path=ppt/slides/slide12.xml><?xml version="1.0" encoding="utf-8"?>
+<file path=ppt/slides/slide11.xml><?xml version="1.0" encoding="utf-8"?>
 <p:sld xmlns:a="http://schemas.openxmlformats.org/drawingml/2006/main" xmlns:r="http://schemas.openxmlformats.org/officeDocument/2006/relationships" xmlns:p="http://schemas.openxmlformats.org/presentationml/2006/main">
   <p:cSld>
     <p:spTree>
@@ -7676,7 +7381,7 @@
 </p:sld>
 </file>
 
-<file path=ppt/slides/slide13.xml><?xml version="1.0" encoding="utf-8"?>
+<file path=ppt/slides/slide12.xml><?xml version="1.0" encoding="utf-8"?>
 <p:sld xmlns:a="http://schemas.openxmlformats.org/drawingml/2006/main" xmlns:r="http://schemas.openxmlformats.org/officeDocument/2006/relationships" xmlns:p="http://schemas.openxmlformats.org/presentationml/2006/main">
   <p:cSld>
     <p:spTree>
@@ -7904,7 +7609,7 @@
 </p:sld>
 </file>
 
-<file path=ppt/slides/slide14.xml><?xml version="1.0" encoding="utf-8"?>
+<file path=ppt/slides/slide13.xml><?xml version="1.0" encoding="utf-8"?>
 <p:sld xmlns:a="http://schemas.openxmlformats.org/drawingml/2006/main" xmlns:r="http://schemas.openxmlformats.org/officeDocument/2006/relationships" xmlns:p="http://schemas.openxmlformats.org/presentationml/2006/main">
   <p:cSld>
     <p:spTree>
@@ -8126,6 +7831,246 @@
 </p:sld>
 </file>
 
+<file path=ppt/slides/slide14.xml><?xml version="1.0" encoding="utf-8"?>
+<p:sld xmlns:a="http://schemas.openxmlformats.org/drawingml/2006/main" xmlns:r="http://schemas.openxmlformats.org/officeDocument/2006/relationships" xmlns:p="http://schemas.openxmlformats.org/presentationml/2006/main">
+  <p:cSld>
+    <p:spTree>
+      <p:nvGrpSpPr>
+        <p:cNvPr id="1" name=""/>
+        <p:cNvGrpSpPr/>
+        <p:nvPr/>
+      </p:nvGrpSpPr>
+      <p:grpSpPr>
+        <a:xfrm>
+          <a:off x="0" y="0"/>
+          <a:ext cx="0" cy="0"/>
+          <a:chOff x="0" y="0"/>
+          <a:chExt cx="0" cy="0"/>
+        </a:xfrm>
+      </p:grpSpPr>
+      <p:sp>
+        <p:nvSpPr>
+          <p:cNvPr id="2" name="Title 1">
+            <a:extLst>
+              <a:ext uri="{FF2B5EF4-FFF2-40B4-BE49-F238E27FC236}">
+                <a16:creationId xmlns:a16="http://schemas.microsoft.com/office/drawing/2014/main" id="{72DDDB96-2660-7DC0-1642-8457F45E2B11}"/>
+              </a:ext>
+            </a:extLst>
+          </p:cNvPr>
+          <p:cNvSpPr>
+            <a:spLocks noGrp="1"/>
+          </p:cNvSpPr>
+          <p:nvPr>
+            <p:ph type="title"/>
+          </p:nvPr>
+        </p:nvSpPr>
+        <p:spPr/>
+        <p:txBody>
+          <a:bodyPr>
+            <a:normAutofit/>
+          </a:bodyPr>
+          <a:lstStyle/>
+          <a:p>
+            <a:r>
+              <a:rPr lang="fa-IR" b="1" dirty="0"/>
+              <a:t>مطالعه </a:t>
+            </a:r>
+            <a:r>
+              <a:rPr lang="fa-IR" b="1" dirty="0" err="1"/>
+              <a:t>فیشبین</a:t>
+            </a:r>
+            <a:r>
+              <a:rPr lang="fa-IR" b="1" dirty="0"/>
+              <a:t> و همکاران (2018)</a:t>
+            </a:r>
+            <a:endParaRPr lang="en-US" dirty="0"/>
+          </a:p>
+        </p:txBody>
+      </p:sp>
+      <p:sp>
+        <p:nvSpPr>
+          <p:cNvPr id="3" name="Content Placeholder 2">
+            <a:extLst>
+              <a:ext uri="{FF2B5EF4-FFF2-40B4-BE49-F238E27FC236}">
+                <a16:creationId xmlns:a16="http://schemas.microsoft.com/office/drawing/2014/main" id="{1864E108-4F4A-8004-F1E0-5A8FC57106E4}"/>
+              </a:ext>
+            </a:extLst>
+          </p:cNvPr>
+          <p:cNvSpPr>
+            <a:spLocks noGrp="1"/>
+          </p:cNvSpPr>
+          <p:nvPr>
+            <p:ph idx="1"/>
+          </p:nvPr>
+        </p:nvSpPr>
+        <p:spPr/>
+        <p:txBody>
+          <a:bodyPr/>
+          <a:lstStyle/>
+          <a:p>
+            <a:pPr>
+              <a:buFont typeface="Arial" panose="020B0604020202020204" pitchFamily="34" charset="0"/>
+              <a:buChar char="•"/>
+            </a:pPr>
+            <a:r>
+              <a:rPr lang="fa-IR" dirty="0"/>
+              <a:t>مقایسه ایمنی و اثربخشی </a:t>
+            </a:r>
+            <a:r>
+              <a:rPr lang="fa-IR" dirty="0" err="1"/>
+              <a:t>اپوئتین</a:t>
+            </a:r>
+            <a:r>
+              <a:rPr lang="fa-IR" dirty="0"/>
+              <a:t> آلفا-</a:t>
+            </a:r>
+            <a:r>
+              <a:rPr lang="en-US" dirty="0" err="1"/>
+              <a:t>epbx</a:t>
+            </a:r>
+            <a:r>
+              <a:rPr lang="en-US" dirty="0"/>
+              <a:t> </a:t>
+            </a:r>
+            <a:r>
+              <a:rPr lang="fa-IR" dirty="0"/>
+              <a:t>در بیماران </a:t>
+            </a:r>
+            <a:r>
+              <a:rPr lang="en-US" dirty="0"/>
+              <a:t>ESKD </a:t>
+            </a:r>
+            <a:r>
+              <a:rPr lang="fa-IR" dirty="0"/>
+              <a:t>تحت </a:t>
+            </a:r>
+            <a:r>
+              <a:rPr lang="fa-IR" dirty="0" err="1"/>
+              <a:t>همودیالیز</a:t>
+            </a:r>
+            <a:endParaRPr lang="fa-IR" dirty="0"/>
+          </a:p>
+          <a:p>
+            <a:pPr marL="0" indent="0">
+              <a:buNone/>
+            </a:pPr>
+            <a:r>
+              <a:rPr lang="fa-IR" dirty="0"/>
+              <a:t>نتایج:</a:t>
+            </a:r>
+          </a:p>
+          <a:p>
+            <a:pPr marL="742950" lvl="1" indent="-285750">
+              <a:buFont typeface="Arial" panose="020B0604020202020204" pitchFamily="34" charset="0"/>
+              <a:buChar char="•"/>
+            </a:pPr>
+            <a:r>
+              <a:rPr lang="fa-IR" dirty="0"/>
+              <a:t>تفاوت معناداری در </a:t>
+            </a:r>
+            <a:r>
+              <a:rPr lang="en-US" dirty="0"/>
+              <a:t>Hb </a:t>
+            </a:r>
+            <a:r>
+              <a:rPr lang="fa-IR" dirty="0"/>
+              <a:t>یا دوز </a:t>
+            </a:r>
+            <a:r>
+              <a:rPr lang="fa-IR" dirty="0" err="1"/>
+              <a:t>اپوئتین</a:t>
+            </a:r>
+            <a:r>
+              <a:rPr lang="fa-IR" dirty="0"/>
+              <a:t> بین </a:t>
+            </a:r>
+            <a:r>
+              <a:rPr lang="fa-IR" dirty="0" err="1"/>
+              <a:t>گروه‌ها</a:t>
+            </a:r>
+            <a:r>
+              <a:rPr lang="fa-IR" dirty="0"/>
+              <a:t> وجود نداشت</a:t>
+            </a:r>
+          </a:p>
+          <a:p>
+            <a:pPr marL="742950" lvl="1" indent="-285750">
+              <a:buFont typeface="Arial" panose="020B0604020202020204" pitchFamily="34" charset="0"/>
+              <a:buChar char="•"/>
+            </a:pPr>
+            <a:r>
+              <a:rPr lang="fa-IR" dirty="0"/>
+              <a:t>پروفایل ایمنی مشابه بود، اما عوارض جانبی در گروه </a:t>
+            </a:r>
+            <a:r>
+              <a:rPr lang="fa-IR" dirty="0" err="1"/>
+              <a:t>اپوئتین</a:t>
+            </a:r>
+            <a:r>
+              <a:rPr lang="fa-IR" dirty="0"/>
+              <a:t> آلفا کمی بیشتر مشاهده شد</a:t>
+            </a:r>
+          </a:p>
+          <a:p>
+            <a:pPr marL="742950" lvl="1" indent="-285750">
+              <a:buFont typeface="Arial" panose="020B0604020202020204" pitchFamily="34" charset="0"/>
+              <a:buChar char="•"/>
+            </a:pPr>
+            <a:r>
+              <a:rPr lang="fa-IR" dirty="0" err="1"/>
+              <a:t>اپوئتین</a:t>
+            </a:r>
+            <a:r>
+              <a:rPr lang="fa-IR" dirty="0"/>
+              <a:t> آلفا-</a:t>
+            </a:r>
+            <a:r>
+              <a:rPr lang="en-US" dirty="0" err="1"/>
+              <a:t>epbx</a:t>
+            </a:r>
+            <a:r>
+              <a:rPr lang="en-US" dirty="0"/>
+              <a:t> </a:t>
+            </a:r>
+            <a:r>
+              <a:rPr lang="fa-IR" dirty="0"/>
+              <a:t>جایگزین </a:t>
+            </a:r>
+            <a:r>
+              <a:rPr lang="fa-IR" dirty="0" err="1"/>
+              <a:t>کم‌هزینه</a:t>
+            </a:r>
+            <a:r>
+              <a:rPr lang="fa-IR" dirty="0"/>
+              <a:t> و معادل </a:t>
+            </a:r>
+            <a:r>
+              <a:rPr lang="fa-IR" dirty="0" err="1"/>
+              <a:t>اپوئتین</a:t>
+            </a:r>
+            <a:r>
+              <a:rPr lang="fa-IR" dirty="0"/>
+              <a:t> آلفا است</a:t>
+            </a:r>
+          </a:p>
+          <a:p>
+            <a:endParaRPr lang="en-US" dirty="0"/>
+          </a:p>
+        </p:txBody>
+      </p:sp>
+    </p:spTree>
+    <p:extLst>
+      <p:ext uri="{BB962C8B-B14F-4D97-AF65-F5344CB8AC3E}">
+        <p14:creationId xmlns:p14="http://schemas.microsoft.com/office/powerpoint/2010/main" val="3286883181"/>
+      </p:ext>
+    </p:extLst>
+  </p:cSld>
+  <p:clrMapOvr>
+    <a:masterClrMapping/>
+  </p:clrMapOvr>
+</p:sld>
+</file>
+
 <file path=ppt/slides/slide15.xml><?xml version="1.0" encoding="utf-8"?>
 <p:sld xmlns:a="http://schemas.openxmlformats.org/drawingml/2006/main" xmlns:r="http://schemas.openxmlformats.org/officeDocument/2006/relationships" xmlns:p="http://schemas.openxmlformats.org/presentationml/2006/main">
   <p:cSld>
@@ -8148,7 +8093,7 @@
           <p:cNvPr id="2" name="Title 1">
             <a:extLst>
               <a:ext uri="{FF2B5EF4-FFF2-40B4-BE49-F238E27FC236}">
-                <a16:creationId xmlns:a16="http://schemas.microsoft.com/office/drawing/2014/main" id="{72DDDB96-2660-7DC0-1642-8457F45E2B11}"/>
+                <a16:creationId xmlns:a16="http://schemas.microsoft.com/office/drawing/2014/main" id="{E4394BA4-2902-90AB-0DD7-8743ACA12F24}"/>
               </a:ext>
             </a:extLst>
           </p:cNvPr>
@@ -8161,22 +8106,12 @@
         </p:nvSpPr>
         <p:spPr/>
         <p:txBody>
-          <a:bodyPr>
-            <a:normAutofit/>
-          </a:bodyPr>
+          <a:bodyPr/>
           <a:lstStyle/>
           <a:p>
             <a:r>
-              <a:rPr lang="fa-IR" b="1" dirty="0"/>
-              <a:t>مطالعه </a:t>
-            </a:r>
-            <a:r>
-              <a:rPr lang="fa-IR" b="1" dirty="0" err="1"/>
-              <a:t>فیشبین</a:t>
-            </a:r>
-            <a:r>
-              <a:rPr lang="fa-IR" b="1" dirty="0"/>
-              <a:t> و همکاران (2018)</a:t>
+              <a:rPr lang="fa-IR" dirty="0"/>
+              <a:t>روش اجرا</a:t>
             </a:r>
             <a:endParaRPr lang="en-US" dirty="0"/>
           </a:p>
@@ -8184,10 +8119,10 @@
       </p:sp>
       <p:sp>
         <p:nvSpPr>
-          <p:cNvPr id="3" name="Content Placeholder 2">
-            <a:extLst>
-              <a:ext uri="{FF2B5EF4-FFF2-40B4-BE49-F238E27FC236}">
-                <a16:creationId xmlns:a16="http://schemas.microsoft.com/office/drawing/2014/main" id="{1864E108-4F4A-8004-F1E0-5A8FC57106E4}"/>
+          <p:cNvPr id="3" name="Text Placeholder 2">
+            <a:extLst>
+              <a:ext uri="{FF2B5EF4-FFF2-40B4-BE49-F238E27FC236}">
+                <a16:creationId xmlns:a16="http://schemas.microsoft.com/office/drawing/2014/main" id="{CBD7ED54-3D94-D303-824A-FDFBDD323E4B}"/>
               </a:ext>
             </a:extLst>
           </p:cNvPr>
@@ -8195,174 +8130,134 @@
             <a:spLocks noGrp="1"/>
           </p:cNvSpPr>
           <p:nvPr>
-            <p:ph idx="1"/>
+            <p:ph type="body" sz="quarter" idx="13"/>
           </p:nvPr>
         </p:nvSpPr>
-        <p:spPr/>
+        <p:spPr>
+          <a:xfrm>
+            <a:off x="3823855" y="675410"/>
+            <a:ext cx="7529945" cy="2483708"/>
+          </a:xfrm>
+        </p:spPr>
         <p:txBody>
-          <a:bodyPr/>
+          <a:bodyPr anchor="ctr">
+            <a:normAutofit fontScale="85000" lnSpcReduction="20000"/>
+          </a:bodyPr>
           <a:lstStyle/>
           <a:p>
-            <a:pPr>
-              <a:buFont typeface="Arial" panose="020B0604020202020204" pitchFamily="34" charset="0"/>
-              <a:buChar char="•"/>
-            </a:pPr>
             <a:r>
               <a:rPr lang="fa-IR" dirty="0"/>
-              <a:t>مقایسه ایمنی و اثربخشی </a:t>
-            </a:r>
-            <a:r>
-              <a:rPr lang="fa-IR" dirty="0" err="1"/>
-              <a:t>اپوئتین</a:t>
-            </a:r>
+              <a:t>یک پژوهش پایلوت</a:t>
+            </a:r>
+          </a:p>
+          <a:p>
             <a:r>
               <a:rPr lang="fa-IR" dirty="0"/>
-              <a:t> آلفا-</a:t>
-            </a:r>
-            <a:r>
-              <a:rPr lang="en-US" dirty="0" err="1"/>
-              <a:t>epbx</a:t>
-            </a:r>
-            <a:r>
-              <a:rPr lang="en-US" dirty="0"/>
-              <a:t> </a:t>
-            </a:r>
+              <a:t>تک دوز اریتروپویتین آلفا</a:t>
+            </a:r>
+          </a:p>
+          <a:p>
             <a:r>
               <a:rPr lang="fa-IR" dirty="0"/>
-              <a:t>در بیماران </a:t>
-            </a:r>
-            <a:r>
-              <a:rPr lang="en-US" dirty="0"/>
-              <a:t>ESKD </a:t>
-            </a:r>
+              <a:t>دوز 20000 واحد وریدی</a:t>
+            </a:r>
+          </a:p>
+          <a:p>
+            <a:endParaRPr lang="fa-IR" dirty="0"/>
+          </a:p>
+          <a:p>
             <a:r>
               <a:rPr lang="fa-IR" dirty="0"/>
-              <a:t>تحت </a:t>
-            </a:r>
-            <a:r>
-              <a:rPr lang="fa-IR" dirty="0" err="1"/>
-              <a:t>همودیالیز</a:t>
-            </a:r>
-            <a:endParaRPr lang="fa-IR" dirty="0"/>
-          </a:p>
-          <a:p>
-            <a:pPr marL="0" indent="0">
-              <a:buNone/>
-            </a:pPr>
-            <a:r>
-              <a:rPr lang="fa-IR" dirty="0"/>
-              <a:t>نتایج:</a:t>
-            </a:r>
-          </a:p>
-          <a:p>
-            <a:pPr marL="742950" lvl="1" indent="-285750">
-              <a:buFont typeface="Arial" panose="020B0604020202020204" pitchFamily="34" charset="0"/>
-              <a:buChar char="•"/>
-            </a:pPr>
-            <a:r>
-              <a:rPr lang="fa-IR" dirty="0"/>
-              <a:t>تفاوت معناداری در </a:t>
-            </a:r>
-            <a:r>
-              <a:rPr lang="en-US" dirty="0"/>
-              <a:t>Hb </a:t>
-            </a:r>
-            <a:r>
-              <a:rPr lang="fa-IR" dirty="0"/>
-              <a:t>یا دوز </a:t>
-            </a:r>
-            <a:r>
-              <a:rPr lang="fa-IR" dirty="0" err="1"/>
-              <a:t>اپوئتین</a:t>
-            </a:r>
-            <a:r>
-              <a:rPr lang="fa-IR" dirty="0"/>
-              <a:t> بین </a:t>
-            </a:r>
-            <a:r>
-              <a:rPr lang="fa-IR" dirty="0" err="1"/>
-              <a:t>گروه‌ها</a:t>
-            </a:r>
-            <a:r>
-              <a:rPr lang="fa-IR" dirty="0"/>
-              <a:t> وجود نداشت</a:t>
-            </a:r>
-          </a:p>
-          <a:p>
-            <a:pPr marL="742950" lvl="1" indent="-285750">
-              <a:buFont typeface="Arial" panose="020B0604020202020204" pitchFamily="34" charset="0"/>
-              <a:buChar char="•"/>
-            </a:pPr>
-            <a:r>
-              <a:rPr lang="fa-IR" dirty="0"/>
-              <a:t>پروفایل ایمنی مشابه بود، اما عوارض جانبی در گروه </a:t>
-            </a:r>
-            <a:r>
-              <a:rPr lang="fa-IR" dirty="0" err="1"/>
-              <a:t>اپوئتین</a:t>
-            </a:r>
-            <a:r>
-              <a:rPr lang="fa-IR" dirty="0"/>
-              <a:t> آلفا کمی بیشتر مشاهده شد</a:t>
-            </a:r>
-          </a:p>
-          <a:p>
-            <a:pPr marL="742950" lvl="1" indent="-285750">
-              <a:buFont typeface="Arial" panose="020B0604020202020204" pitchFamily="34" charset="0"/>
-              <a:buChar char="•"/>
-            </a:pPr>
-            <a:r>
-              <a:rPr lang="fa-IR" dirty="0" err="1"/>
-              <a:t>اپوئتین</a:t>
-            </a:r>
-            <a:r>
-              <a:rPr lang="fa-IR" dirty="0"/>
-              <a:t> آلفا-</a:t>
-            </a:r>
-            <a:r>
-              <a:rPr lang="en-US" dirty="0" err="1"/>
-              <a:t>epbx</a:t>
-            </a:r>
-            <a:r>
-              <a:rPr lang="en-US" dirty="0"/>
-              <a:t> </a:t>
-            </a:r>
-            <a:r>
-              <a:rPr lang="fa-IR" dirty="0"/>
-              <a:t>جایگزین </a:t>
-            </a:r>
-            <a:r>
-              <a:rPr lang="fa-IR" dirty="0" err="1"/>
-              <a:t>کم‌هزینه</a:t>
-            </a:r>
-            <a:r>
-              <a:rPr lang="fa-IR" dirty="0"/>
-              <a:t> و معادل </a:t>
-            </a:r>
-            <a:r>
-              <a:rPr lang="fa-IR" dirty="0" err="1"/>
-              <a:t>اپوئتین</a:t>
-            </a:r>
-            <a:r>
-              <a:rPr lang="fa-IR" dirty="0"/>
-              <a:t> آلفا است</a:t>
-            </a:r>
-          </a:p>
-          <a:p>
-            <a:endParaRPr lang="en-US" dirty="0"/>
+              <a:t>بیماران بدحال دچار آنمی بستری در بخش مراقبت های ویژه بیمارستان سینا در سال 1403. </a:t>
+            </a:r>
           </a:p>
         </p:txBody>
       </p:sp>
+      <p:pic>
+        <p:nvPicPr>
+          <p:cNvPr id="4" name="Picture 3">
+            <a:extLst>
+              <a:ext uri="{FF2B5EF4-FFF2-40B4-BE49-F238E27FC236}">
+                <a16:creationId xmlns:a16="http://schemas.microsoft.com/office/drawing/2014/main" id="{C1715D5F-5952-F1C7-5365-9C3F8299F69F}"/>
+              </a:ext>
+            </a:extLst>
+          </p:cNvPr>
+          <p:cNvPicPr>
+            <a:picLocks noChangeAspect="1"/>
+          </p:cNvPicPr>
+          <p:nvPr/>
+        </p:nvPicPr>
+        <p:blipFill>
+          <a:blip r:embed="rId2" cstate="hqprint">
+            <a:extLst>
+              <a:ext uri="{28A0092B-C50C-407E-A947-70E740481C1C}">
+                <a14:useLocalDpi xmlns:a14="http://schemas.microsoft.com/office/drawing/2010/main" val="0"/>
+              </a:ext>
+            </a:extLst>
+          </a:blip>
+          <a:stretch>
+            <a:fillRect/>
+          </a:stretch>
+        </p:blipFill>
+        <p:spPr>
+          <a:xfrm>
+            <a:off x="3959779" y="3385753"/>
+            <a:ext cx="3519054" cy="2483708"/>
+          </a:xfrm>
+          <a:prstGeom prst="rect">
+            <a:avLst/>
+          </a:prstGeom>
+        </p:spPr>
+      </p:pic>
+      <p:pic>
+        <p:nvPicPr>
+          <p:cNvPr id="5" name="Picture 4">
+            <a:extLst>
+              <a:ext uri="{FF2B5EF4-FFF2-40B4-BE49-F238E27FC236}">
+                <a16:creationId xmlns:a16="http://schemas.microsoft.com/office/drawing/2014/main" id="{7868CD2B-9364-BD02-85C3-8A4B30533342}"/>
+              </a:ext>
+            </a:extLst>
+          </p:cNvPr>
+          <p:cNvPicPr>
+            <a:picLocks noChangeAspect="1"/>
+          </p:cNvPicPr>
+          <p:nvPr/>
+        </p:nvPicPr>
+        <p:blipFill>
+          <a:blip r:embed="rId3">
+            <a:extLst>
+              <a:ext uri="{28A0092B-C50C-407E-A947-70E740481C1C}">
+                <a14:useLocalDpi xmlns:a14="http://schemas.microsoft.com/office/drawing/2010/main" val="0"/>
+              </a:ext>
+            </a:extLst>
+          </a:blip>
+          <a:stretch>
+            <a:fillRect/>
+          </a:stretch>
+        </p:blipFill>
+        <p:spPr>
+          <a:xfrm>
+            <a:off x="7910944" y="3385752"/>
+            <a:ext cx="3442855" cy="2516283"/>
+          </a:xfrm>
+          <a:prstGeom prst="rect">
+            <a:avLst/>
+          </a:prstGeom>
+        </p:spPr>
+      </p:pic>
     </p:spTree>
     <p:extLst>
       <p:ext uri="{BB962C8B-B14F-4D97-AF65-F5344CB8AC3E}">
-        <p14:creationId xmlns:p14="http://schemas.microsoft.com/office/powerpoint/2010/main" val="3286883181"/>
+        <p14:creationId xmlns:p14="http://schemas.microsoft.com/office/powerpoint/2010/main" val="959072616"/>
       </p:ext>
     </p:extLst>
   </p:cSld>
   <p:clrMapOvr>
     <a:masterClrMapping/>
   </p:clrMapOvr>
+  <p:transition spd="slow">
+    <p:push dir="u"/>
+  </p:transition>
 </p:sld>
 </file>
 
@@ -8388,7 +8283,7 @@
           <p:cNvPr id="2" name="Title 1">
             <a:extLst>
               <a:ext uri="{FF2B5EF4-FFF2-40B4-BE49-F238E27FC236}">
-                <a16:creationId xmlns:a16="http://schemas.microsoft.com/office/drawing/2014/main" id="{E4394BA4-2902-90AB-0DD7-8743ACA12F24}"/>
+                <a16:creationId xmlns:a16="http://schemas.microsoft.com/office/drawing/2014/main" id="{FF8FDF87-F3B2-1167-0DFF-225632C19308}"/>
               </a:ext>
             </a:extLst>
           </p:cNvPr>
@@ -8406,7 +8301,7 @@
           <a:p>
             <a:r>
               <a:rPr lang="fa-IR" dirty="0"/>
-              <a:t>روش اجرا</a:t>
+              <a:t>شرایط ورود به مطالعه</a:t>
             </a:r>
             <a:endParaRPr lang="en-US" dirty="0"/>
           </a:p>
@@ -8414,10 +8309,10 @@
       </p:sp>
       <p:sp>
         <p:nvSpPr>
-          <p:cNvPr id="3" name="Text Placeholder 2">
-            <a:extLst>
-              <a:ext uri="{FF2B5EF4-FFF2-40B4-BE49-F238E27FC236}">
-                <a16:creationId xmlns:a16="http://schemas.microsoft.com/office/drawing/2014/main" id="{CBD7ED54-3D94-D303-824A-FDFBDD323E4B}"/>
+          <p:cNvPr id="3" name="Content Placeholder 2">
+            <a:extLst>
+              <a:ext uri="{FF2B5EF4-FFF2-40B4-BE49-F238E27FC236}">
+                <a16:creationId xmlns:a16="http://schemas.microsoft.com/office/drawing/2014/main" id="{27A4C79F-A968-EB04-83AB-02B1017FC257}"/>
               </a:ext>
             </a:extLst>
           </p:cNvPr>
@@ -8425,39 +8320,118 @@
             <a:spLocks noGrp="1"/>
           </p:cNvSpPr>
           <p:nvPr>
-            <p:ph type="body" sz="quarter" idx="13"/>
+            <p:ph idx="1"/>
           </p:nvPr>
         </p:nvSpPr>
         <p:spPr/>
         <p:txBody>
-          <a:bodyPr anchor="ctr"/>
+          <a:bodyPr>
+            <a:normAutofit/>
+          </a:bodyPr>
           <a:lstStyle/>
           <a:p>
             <a:r>
-              <a:rPr lang="fa-IR" dirty="0"/>
-              <a:t>یک پژوهش پایلوت</a:t>
-            </a:r>
-          </a:p>
-          <a:p>
-            <a:r>
-              <a:rPr lang="fa-IR" dirty="0"/>
-              <a:t>تک دوز اریتروپویتین آلفا</a:t>
-            </a:r>
-          </a:p>
-          <a:p>
-            <a:r>
-              <a:rPr lang="fa-IR" dirty="0"/>
-              <a:t>دوز 20000 واحد وریدی</a:t>
-            </a:r>
-          </a:p>
-          <a:p>
-            <a:endParaRPr lang="fa-IR" dirty="0"/>
-          </a:p>
-          <a:p>
-            <a:r>
-              <a:rPr lang="fa-IR" dirty="0"/>
-              <a:t>بیماران بدحال دچار آنمی بستری در بخش مراقبت های ویژه بیمارستان سینا در سال 1403. </a:t>
-            </a:r>
+              <a:rPr lang="fa-IR" dirty="0">
+                <a:cs typeface="+mj-cs"/>
+              </a:rPr>
+              <a:t>بیماران بستری در بخش مراقبتهای ویژه </a:t>
+            </a:r>
+          </a:p>
+          <a:p>
+            <a:r>
+              <a:rPr lang="en-US" dirty="0">
+                <a:cs typeface="+mj-cs"/>
+              </a:rPr>
+              <a:t>Hb </a:t>
+            </a:r>
+            <a:r>
+              <a:rPr lang="fa-IR" dirty="0">
+                <a:cs typeface="+mj-cs"/>
+              </a:rPr>
+              <a:t>سرم &lt;10 گرم در </a:t>
+            </a:r>
+            <a:r>
+              <a:rPr lang="fa-IR" dirty="0" err="1">
+                <a:cs typeface="+mj-cs"/>
+              </a:rPr>
+              <a:t>دسی</a:t>
+            </a:r>
+            <a:r>
+              <a:rPr lang="fa-IR" dirty="0">
+                <a:cs typeface="+mj-cs"/>
+              </a:rPr>
+              <a:t> لیتر  </a:t>
+            </a:r>
+          </a:p>
+          <a:p>
+            <a:r>
+              <a:rPr lang="fa-IR" dirty="0">
+                <a:cs typeface="+mj-cs"/>
+              </a:rPr>
+              <a:t>سن بالای 18 سال </a:t>
+            </a:r>
+          </a:p>
+          <a:p>
+            <a:r>
+              <a:rPr lang="fa-IR" dirty="0">
+                <a:cs typeface="+mj-cs"/>
+              </a:rPr>
+              <a:t>بیماران دارای حداقل دو معیار از معیارهای سندروم </a:t>
+            </a:r>
+            <a:r>
+              <a:rPr lang="fa-IR" dirty="0" err="1">
+                <a:cs typeface="+mj-cs"/>
+              </a:rPr>
+              <a:t>التهابی</a:t>
+            </a:r>
+            <a:r>
+              <a:rPr lang="fa-IR" dirty="0">
+                <a:cs typeface="+mj-cs"/>
+              </a:rPr>
+              <a:t> سیستمیک (</a:t>
+            </a:r>
+            <a:r>
+              <a:rPr lang="en-US" dirty="0">
+                <a:cs typeface="+mj-cs"/>
+              </a:rPr>
+              <a:t>SIRS</a:t>
+            </a:r>
+            <a:r>
+              <a:rPr lang="fa-IR" dirty="0">
+                <a:cs typeface="+mj-cs"/>
+              </a:rPr>
+              <a:t>)</a:t>
+            </a:r>
+          </a:p>
+          <a:p>
+            <a:r>
+              <a:rPr lang="fa-IR" dirty="0">
+                <a:cs typeface="+mj-cs"/>
+              </a:rPr>
+              <a:t>انتظار اقامت در </a:t>
+            </a:r>
+            <a:r>
+              <a:rPr lang="en-US" dirty="0">
+                <a:cs typeface="+mj-cs"/>
+              </a:rPr>
+              <a:t>ICU </a:t>
+            </a:r>
+            <a:r>
+              <a:rPr lang="fa-IR" dirty="0">
+                <a:cs typeface="+mj-cs"/>
+              </a:rPr>
+              <a:t>حداقل 7 روز پس از ورود به مطالعه بر اساس تشخیص پزشک معالج بیمار</a:t>
+            </a:r>
+          </a:p>
+          <a:p>
+            <a:r>
+              <a:rPr lang="fa-IR" dirty="0">
+                <a:cs typeface="+mj-cs"/>
+              </a:rPr>
+              <a:t>رضایت آگاهانه بیمار یا قیم قانونی وی </a:t>
+            </a:r>
+          </a:p>
+          <a:p>
             <a:endParaRPr lang="en-US" dirty="0"/>
           </a:p>
         </p:txBody>
@@ -8465,16 +8439,13 @@
     </p:spTree>
     <p:extLst>
       <p:ext uri="{BB962C8B-B14F-4D97-AF65-F5344CB8AC3E}">
-        <p14:creationId xmlns:p14="http://schemas.microsoft.com/office/powerpoint/2010/main" val="959072616"/>
+        <p14:creationId xmlns:p14="http://schemas.microsoft.com/office/powerpoint/2010/main" val="4281404498"/>
       </p:ext>
     </p:extLst>
   </p:cSld>
   <p:clrMapOvr>
     <a:masterClrMapping/>
   </p:clrMapOvr>
-  <p:transition spd="slow">
-    <p:push dir="u"/>
-  </p:transition>
 </p:sld>
 </file>
 
@@ -8495,12 +8466,42 @@
           <a:chExt cx="0" cy="0"/>
         </a:xfrm>
       </p:grpSpPr>
+      <p:pic>
+        <p:nvPicPr>
+          <p:cNvPr id="6" name="Picture 5">
+            <a:extLst>
+              <a:ext uri="{FF2B5EF4-FFF2-40B4-BE49-F238E27FC236}">
+                <a16:creationId xmlns:a16="http://schemas.microsoft.com/office/drawing/2014/main" id="{32881F6B-3CDD-DE1D-EEC5-5C93AB954400}"/>
+              </a:ext>
+            </a:extLst>
+          </p:cNvPr>
+          <p:cNvPicPr>
+            <a:picLocks noChangeAspect="1"/>
+          </p:cNvPicPr>
+          <p:nvPr/>
+        </p:nvPicPr>
+        <p:blipFill>
+          <a:blip r:embed="rId2"/>
+          <a:stretch>
+            <a:fillRect/>
+          </a:stretch>
+        </p:blipFill>
+        <p:spPr>
+          <a:xfrm>
+            <a:off x="1118912" y="1659632"/>
+            <a:ext cx="9954176" cy="4303766"/>
+          </a:xfrm>
+          <a:prstGeom prst="rect">
+            <a:avLst/>
+          </a:prstGeom>
+        </p:spPr>
+      </p:pic>
       <p:sp>
         <p:nvSpPr>
-          <p:cNvPr id="2" name="Title 1">
-            <a:extLst>
-              <a:ext uri="{FF2B5EF4-FFF2-40B4-BE49-F238E27FC236}">
-                <a16:creationId xmlns:a16="http://schemas.microsoft.com/office/drawing/2014/main" id="{FF8FDF87-F3B2-1167-0DFF-225632C19308}"/>
+          <p:cNvPr id="7" name="Title 6">
+            <a:extLst>
+              <a:ext uri="{FF2B5EF4-FFF2-40B4-BE49-F238E27FC236}">
+                <a16:creationId xmlns:a16="http://schemas.microsoft.com/office/drawing/2014/main" id="{DAAD03C6-4A53-6B4F-85D2-81536659F9B4}"/>
               </a:ext>
             </a:extLst>
           </p:cNvPr>
@@ -8517,116 +8518,16 @@
           <a:lstStyle/>
           <a:p>
             <a:r>
-              <a:rPr lang="fa-IR" dirty="0"/>
-              <a:t>شرایط ورود به مطالعه</a:t>
-            </a:r>
-            <a:endParaRPr lang="en-US" dirty="0"/>
-          </a:p>
-        </p:txBody>
-      </p:sp>
-      <p:sp>
-        <p:nvSpPr>
-          <p:cNvPr id="3" name="Content Placeholder 2">
-            <a:extLst>
-              <a:ext uri="{FF2B5EF4-FFF2-40B4-BE49-F238E27FC236}">
-                <a16:creationId xmlns:a16="http://schemas.microsoft.com/office/drawing/2014/main" id="{27A4C79F-A968-EB04-83AB-02B1017FC257}"/>
-              </a:ext>
-            </a:extLst>
-          </p:cNvPr>
-          <p:cNvSpPr>
-            <a:spLocks noGrp="1"/>
-          </p:cNvSpPr>
-          <p:nvPr>
-            <p:ph idx="1"/>
-          </p:nvPr>
-        </p:nvSpPr>
-        <p:spPr/>
-        <p:txBody>
-          <a:bodyPr>
-            <a:normAutofit/>
-          </a:bodyPr>
-          <a:lstStyle/>
-          <a:p>
-            <a:r>
-              <a:rPr lang="fa-IR" dirty="0"/>
-              <a:t>بیماران بستری در بخش مراقبتهای ویژه </a:t>
-            </a:r>
-          </a:p>
-          <a:p>
-            <a:r>
-              <a:rPr lang="en-US" dirty="0"/>
-              <a:t>Hb </a:t>
-            </a:r>
-            <a:r>
-              <a:rPr lang="fa-IR" dirty="0"/>
-              <a:t>سرم &lt;10 گرم در </a:t>
-            </a:r>
-            <a:r>
-              <a:rPr lang="fa-IR" dirty="0" err="1"/>
-              <a:t>دسی</a:t>
-            </a:r>
-            <a:r>
-              <a:rPr lang="fa-IR" dirty="0"/>
-              <a:t> لیتر  </a:t>
-            </a:r>
-          </a:p>
-          <a:p>
-            <a:r>
-              <a:rPr lang="fa-IR" dirty="0"/>
-              <a:t>سن بالای 18 سال </a:t>
-            </a:r>
-          </a:p>
-          <a:p>
-            <a:r>
-              <a:rPr lang="fa-IR" dirty="0"/>
-              <a:t>بیماران دارای حداقل دو معیار از معیارهای سندروم </a:t>
-            </a:r>
-            <a:r>
-              <a:rPr lang="fa-IR" dirty="0" err="1"/>
-              <a:t>التهابی</a:t>
-            </a:r>
-            <a:r>
-              <a:rPr lang="fa-IR" dirty="0"/>
-              <a:t> سیستمیک (</a:t>
-            </a:r>
-            <a:r>
               <a:rPr lang="en-US" dirty="0"/>
               <a:t>SIRS</a:t>
             </a:r>
-            <a:r>
-              <a:rPr lang="fa-IR" dirty="0"/>
-              <a:t>)</a:t>
-            </a:r>
-          </a:p>
-          <a:p>
-            <a:r>
-              <a:rPr lang="fa-IR" dirty="0"/>
-              <a:t>انتظار اقامت در </a:t>
-            </a:r>
-            <a:r>
-              <a:rPr lang="en-US" dirty="0"/>
-              <a:t>ICU </a:t>
-            </a:r>
-            <a:r>
-              <a:rPr lang="fa-IR" dirty="0"/>
-              <a:t>حداقل 7 روز پس از ورود به مطالعه بر اساس تشخیص پزشک معالج بیمار</a:t>
-            </a:r>
-          </a:p>
-          <a:p>
-            <a:r>
-              <a:rPr lang="fa-IR" dirty="0"/>
-              <a:t>رضایت آگاهانه بیمار یا قیم قانونی وی </a:t>
-            </a:r>
-          </a:p>
-          <a:p>
-            <a:endParaRPr lang="en-US" dirty="0"/>
           </a:p>
         </p:txBody>
       </p:sp>
     </p:spTree>
     <p:extLst>
       <p:ext uri="{BB962C8B-B14F-4D97-AF65-F5344CB8AC3E}">
-        <p14:creationId xmlns:p14="http://schemas.microsoft.com/office/powerpoint/2010/main" val="4281404498"/>
+        <p14:creationId xmlns:p14="http://schemas.microsoft.com/office/powerpoint/2010/main" val="436838293"/>
       </p:ext>
     </p:extLst>
   </p:cSld>
@@ -8653,42 +8554,12 @@
           <a:chExt cx="0" cy="0"/>
         </a:xfrm>
       </p:grpSpPr>
-      <p:pic>
-        <p:nvPicPr>
-          <p:cNvPr id="6" name="Picture 5">
-            <a:extLst>
-              <a:ext uri="{FF2B5EF4-FFF2-40B4-BE49-F238E27FC236}">
-                <a16:creationId xmlns:a16="http://schemas.microsoft.com/office/drawing/2014/main" id="{32881F6B-3CDD-DE1D-EEC5-5C93AB954400}"/>
-              </a:ext>
-            </a:extLst>
-          </p:cNvPr>
-          <p:cNvPicPr>
-            <a:picLocks noChangeAspect="1"/>
-          </p:cNvPicPr>
-          <p:nvPr/>
-        </p:nvPicPr>
-        <p:blipFill>
-          <a:blip r:embed="rId2"/>
-          <a:stretch>
-            <a:fillRect/>
-          </a:stretch>
-        </p:blipFill>
-        <p:spPr>
-          <a:xfrm>
-            <a:off x="1118912" y="1634918"/>
-            <a:ext cx="9954176" cy="4303766"/>
-          </a:xfrm>
-          <a:prstGeom prst="rect">
-            <a:avLst/>
-          </a:prstGeom>
-        </p:spPr>
-      </p:pic>
       <p:sp>
         <p:nvSpPr>
-          <p:cNvPr id="7" name="Title 6">
-            <a:extLst>
-              <a:ext uri="{FF2B5EF4-FFF2-40B4-BE49-F238E27FC236}">
-                <a16:creationId xmlns:a16="http://schemas.microsoft.com/office/drawing/2014/main" id="{DAAD03C6-4A53-6B4F-85D2-81536659F9B4}"/>
+          <p:cNvPr id="2" name="Title 1">
+            <a:extLst>
+              <a:ext uri="{FF2B5EF4-FFF2-40B4-BE49-F238E27FC236}">
+                <a16:creationId xmlns:a16="http://schemas.microsoft.com/office/drawing/2014/main" id="{C7E87E29-861D-608D-C4B8-053DF49D84F3}"/>
               </a:ext>
             </a:extLst>
           </p:cNvPr>
@@ -8704,14 +8575,278 @@
           <a:bodyPr/>
           <a:lstStyle/>
           <a:p>
-            <a:endParaRPr lang="en-US"/>
+            <a:r>
+              <a:rPr lang="fa-IR" dirty="0"/>
+              <a:t>شرایط خروج از مطالعه</a:t>
+            </a:r>
+            <a:endParaRPr lang="en-US" dirty="0"/>
+          </a:p>
+        </p:txBody>
+      </p:sp>
+      <p:sp>
+        <p:nvSpPr>
+          <p:cNvPr id="3" name="Content Placeholder 2">
+            <a:extLst>
+              <a:ext uri="{FF2B5EF4-FFF2-40B4-BE49-F238E27FC236}">
+                <a16:creationId xmlns:a16="http://schemas.microsoft.com/office/drawing/2014/main" id="{C9B70213-1AF8-56D4-4ECC-D85C886FAB5B}"/>
+              </a:ext>
+            </a:extLst>
+          </p:cNvPr>
+          <p:cNvSpPr>
+            <a:spLocks noGrp="1"/>
+          </p:cNvSpPr>
+          <p:nvPr>
+            <p:ph idx="1"/>
+          </p:nvPr>
+        </p:nvSpPr>
+        <p:spPr/>
+        <p:txBody>
+          <a:bodyPr>
+            <a:normAutofit fontScale="85000" lnSpcReduction="20000"/>
+          </a:bodyPr>
+          <a:lstStyle/>
+          <a:p>
+            <a:r>
+              <a:rPr lang="fa-IR" dirty="0">
+                <a:cs typeface="+mj-cs"/>
+              </a:rPr>
+              <a:t>سابقه </a:t>
+            </a:r>
+            <a:r>
+              <a:rPr lang="fa-IR" dirty="0" err="1">
+                <a:cs typeface="+mj-cs"/>
+              </a:rPr>
+              <a:t>ترانسفیوژن</a:t>
+            </a:r>
+            <a:r>
+              <a:rPr lang="fa-IR" dirty="0">
+                <a:cs typeface="+mj-cs"/>
+              </a:rPr>
+              <a:t> طی 7 روز قبل از ورود به مطالعه </a:t>
+            </a:r>
+          </a:p>
+          <a:p>
+            <a:r>
+              <a:rPr lang="fa-IR" dirty="0">
+                <a:cs typeface="+mj-cs"/>
+              </a:rPr>
+              <a:t>سابقه قبلی </a:t>
+            </a:r>
+            <a:r>
+              <a:rPr lang="fa-IR" dirty="0" err="1">
+                <a:cs typeface="+mj-cs"/>
+              </a:rPr>
+              <a:t>ترومبوز</a:t>
+            </a:r>
+            <a:r>
+              <a:rPr lang="fa-IR" dirty="0">
+                <a:cs typeface="+mj-cs"/>
+              </a:rPr>
+              <a:t> ورید عمقی یا آمبولی ریه </a:t>
+            </a:r>
+          </a:p>
+          <a:p>
+            <a:r>
+              <a:rPr lang="fa-IR" dirty="0">
+                <a:cs typeface="+mj-cs"/>
+              </a:rPr>
+              <a:t>تشنج تازه شروع شده </a:t>
+            </a:r>
+          </a:p>
+          <a:p>
+            <a:r>
+              <a:rPr lang="fa-IR" dirty="0">
+                <a:cs typeface="+mj-cs"/>
+              </a:rPr>
+              <a:t>فشار خون بالای </a:t>
+            </a:r>
+            <a:r>
+              <a:rPr lang="fa-IR" dirty="0" err="1">
+                <a:cs typeface="+mj-cs"/>
+              </a:rPr>
+              <a:t>كنترل</a:t>
+            </a:r>
+            <a:r>
+              <a:rPr lang="fa-IR" dirty="0">
+                <a:cs typeface="+mj-cs"/>
+              </a:rPr>
+              <a:t> نشده (</a:t>
+            </a:r>
+            <a:r>
+              <a:rPr lang="en-US" dirty="0">
+                <a:cs typeface="+mj-cs"/>
+              </a:rPr>
+              <a:t>SBP&gt;140 </a:t>
+            </a:r>
+            <a:r>
+              <a:rPr lang="fa-IR" dirty="0">
+                <a:cs typeface="+mj-cs"/>
+              </a:rPr>
+              <a:t> و</a:t>
+            </a:r>
+            <a:r>
+              <a:rPr lang="en-US" dirty="0">
+                <a:cs typeface="+mj-cs"/>
+              </a:rPr>
+              <a:t>DBP&gt;90</a:t>
+            </a:r>
+            <a:r>
+              <a:rPr lang="fa-IR" dirty="0">
+                <a:cs typeface="+mj-cs"/>
+              </a:rPr>
+              <a:t>)</a:t>
+            </a:r>
+            <a:endParaRPr lang="en-US" dirty="0">
+              <a:cs typeface="+mj-cs"/>
+            </a:endParaRPr>
+          </a:p>
+          <a:p>
+            <a:r>
+              <a:rPr lang="fa-IR" dirty="0">
+                <a:cs typeface="+mj-cs"/>
+              </a:rPr>
+              <a:t>سابقه بیماری </a:t>
+            </a:r>
+            <a:r>
+              <a:rPr lang="fa-IR" dirty="0" err="1">
+                <a:cs typeface="+mj-cs"/>
+              </a:rPr>
+              <a:t>ایسكمیک</a:t>
+            </a:r>
+            <a:r>
+              <a:rPr lang="fa-IR" dirty="0">
+                <a:cs typeface="+mj-cs"/>
+              </a:rPr>
+              <a:t> حاد قلبی یا عصبی </a:t>
+            </a:r>
+          </a:p>
+          <a:p>
+            <a:r>
+              <a:rPr lang="fa-IR" dirty="0">
+                <a:cs typeface="+mj-cs"/>
+              </a:rPr>
+              <a:t>سابقه نارسایی </a:t>
+            </a:r>
+            <a:r>
+              <a:rPr lang="fa-IR" dirty="0" err="1">
+                <a:cs typeface="+mj-cs"/>
+              </a:rPr>
+              <a:t>كلیه</a:t>
+            </a:r>
+            <a:r>
+              <a:rPr lang="fa-IR" dirty="0">
+                <a:cs typeface="+mj-cs"/>
+              </a:rPr>
+              <a:t> </a:t>
+            </a:r>
+            <a:r>
+              <a:rPr lang="en-US" dirty="0">
+                <a:cs typeface="+mj-cs"/>
+              </a:rPr>
+              <a:t>eGFR &lt;60 mL/min) </a:t>
+            </a:r>
+            <a:r>
+              <a:rPr lang="fa-IR" dirty="0">
+                <a:cs typeface="+mj-cs"/>
+              </a:rPr>
+              <a:t> و بیماران تحت دیالیز)</a:t>
+            </a:r>
+          </a:p>
+          <a:p>
+            <a:r>
+              <a:rPr lang="fa-IR" dirty="0">
+                <a:cs typeface="+mj-cs"/>
+              </a:rPr>
+              <a:t>بیماران مبتلا به </a:t>
+            </a:r>
+            <a:r>
+              <a:rPr lang="fa-IR" dirty="0" err="1">
+                <a:cs typeface="+mj-cs"/>
+              </a:rPr>
+              <a:t>كمبود</a:t>
+            </a:r>
+            <a:r>
+              <a:rPr lang="fa-IR" dirty="0">
+                <a:cs typeface="+mj-cs"/>
+              </a:rPr>
+              <a:t> آهن یا </a:t>
+            </a:r>
+            <a:r>
+              <a:rPr lang="fa-IR" dirty="0" err="1">
+                <a:cs typeface="+mj-cs"/>
+              </a:rPr>
+              <a:t>فولات</a:t>
+            </a:r>
+            <a:r>
+              <a:rPr lang="fa-IR" dirty="0">
+                <a:cs typeface="+mj-cs"/>
+              </a:rPr>
+              <a:t> در هنگام شروع مطالعه</a:t>
+            </a:r>
+          </a:p>
+          <a:p>
+            <a:r>
+              <a:rPr lang="fa-IR" dirty="0">
+                <a:cs typeface="+mj-cs"/>
+              </a:rPr>
+              <a:t>بیماران مبتلا </a:t>
+            </a:r>
+            <a:r>
+              <a:rPr lang="fa-IR" dirty="0" err="1">
+                <a:cs typeface="+mj-cs"/>
+              </a:rPr>
+              <a:t>هموگلوبینوپاتی</a:t>
+            </a:r>
+            <a:r>
+              <a:rPr lang="fa-IR" dirty="0">
+                <a:cs typeface="+mj-cs"/>
+              </a:rPr>
+              <a:t> </a:t>
+            </a:r>
+          </a:p>
+          <a:p>
+            <a:r>
+              <a:rPr lang="fa-IR" dirty="0">
+                <a:cs typeface="+mj-cs"/>
+              </a:rPr>
+              <a:t>بیماران باردار </a:t>
+            </a:r>
+          </a:p>
+          <a:p>
+            <a:r>
+              <a:rPr lang="fa-IR" dirty="0">
+                <a:cs typeface="+mj-cs"/>
+              </a:rPr>
+              <a:t>بیماران مبتلا به بیماری های مغز استخوان ازجمله آنمی </a:t>
+            </a:r>
+            <a:r>
+              <a:rPr lang="fa-IR" dirty="0" err="1">
+                <a:cs typeface="+mj-cs"/>
+              </a:rPr>
+              <a:t>آپلاستیک</a:t>
+            </a:r>
+            <a:r>
+              <a:rPr lang="fa-IR" dirty="0">
+                <a:cs typeface="+mj-cs"/>
+              </a:rPr>
+              <a:t> و </a:t>
+            </a:r>
+            <a:r>
+              <a:rPr lang="en-US" dirty="0">
+                <a:cs typeface="+mj-cs"/>
+              </a:rPr>
+              <a:t>MDS </a:t>
+            </a:r>
+          </a:p>
+          <a:p>
+            <a:endParaRPr lang="en-US" dirty="0"/>
           </a:p>
         </p:txBody>
       </p:sp>
     </p:spTree>
     <p:extLst>
       <p:ext uri="{BB962C8B-B14F-4D97-AF65-F5344CB8AC3E}">
-        <p14:creationId xmlns:p14="http://schemas.microsoft.com/office/powerpoint/2010/main" val="436838293"/>
+        <p14:creationId xmlns:p14="http://schemas.microsoft.com/office/powerpoint/2010/main" val="2892616950"/>
       </p:ext>
     </p:extLst>
   </p:cSld>
@@ -8743,7 +8878,7 @@
           <p:cNvPr id="2" name="Title 1">
             <a:extLst>
               <a:ext uri="{FF2B5EF4-FFF2-40B4-BE49-F238E27FC236}">
-                <a16:creationId xmlns:a16="http://schemas.microsoft.com/office/drawing/2014/main" id="{C7E87E29-861D-608D-C4B8-053DF49D84F3}"/>
+                <a16:creationId xmlns:a16="http://schemas.microsoft.com/office/drawing/2014/main" id="{4E69BD38-FCCD-96C0-47E7-CE99A760DB4D}"/>
               </a:ext>
             </a:extLst>
           </p:cNvPr>
@@ -8761,7 +8896,7 @@
           <a:p>
             <a:r>
               <a:rPr lang="fa-IR" dirty="0"/>
-              <a:t>شرایط خروج از مطالعه</a:t>
+              <a:t>مداخله صورت گرفته</a:t>
             </a:r>
             <a:endParaRPr lang="en-US" dirty="0"/>
           </a:p>
@@ -8772,7 +8907,7 @@
           <p:cNvPr id="3" name="Content Placeholder 2">
             <a:extLst>
               <a:ext uri="{FF2B5EF4-FFF2-40B4-BE49-F238E27FC236}">
-                <a16:creationId xmlns:a16="http://schemas.microsoft.com/office/drawing/2014/main" id="{C9B70213-1AF8-56D4-4ECC-D85C886FAB5B}"/>
+                <a16:creationId xmlns:a16="http://schemas.microsoft.com/office/drawing/2014/main" id="{D9B2BB2A-0F26-EFDA-D854-7AED00C6D235}"/>
               </a:ext>
             </a:extLst>
           </p:cNvPr>
@@ -8783,182 +8918,208 @@
             <p:ph idx="1"/>
           </p:nvPr>
         </p:nvSpPr>
-        <p:spPr/>
+        <p:spPr>
+          <a:xfrm>
+            <a:off x="5378245" y="1850338"/>
+            <a:ext cx="5975555" cy="4351338"/>
+          </a:xfrm>
+        </p:spPr>
         <p:txBody>
           <a:bodyPr>
-            <a:normAutofit fontScale="85000" lnSpcReduction="20000"/>
+            <a:normAutofit fontScale="92500" lnSpcReduction="20000"/>
           </a:bodyPr>
           <a:lstStyle/>
           <a:p>
+            <a:pPr marL="0" indent="0">
+              <a:buNone/>
+            </a:pPr>
+            <a:r>
+              <a:rPr lang="fa-IR" dirty="0">
+                <a:cs typeface="+mj-cs"/>
+              </a:rPr>
+              <a:t>تزریق وریدی یک دوز ۲۰,۰۰۰ واحدی </a:t>
+            </a:r>
+            <a:r>
+              <a:rPr lang="fa-IR" dirty="0" err="1">
+                <a:cs typeface="+mj-cs"/>
+              </a:rPr>
+              <a:t>اپوئتین</a:t>
+            </a:r>
+            <a:r>
+              <a:rPr lang="fa-IR" dirty="0">
+                <a:cs typeface="+mj-cs"/>
+              </a:rPr>
+              <a:t> آلفا</a:t>
+            </a:r>
+          </a:p>
+          <a:p>
+            <a:r>
+              <a:rPr lang="fa-IR" dirty="0">
+                <a:cs typeface="+mj-cs"/>
+              </a:rPr>
+              <a:t>دارو طبق پروتکل استاندارد </a:t>
+            </a:r>
+            <a:r>
+              <a:rPr lang="en-US" dirty="0">
+                <a:cs typeface="+mj-cs"/>
+              </a:rPr>
+              <a:t>ICU، </a:t>
+            </a:r>
+            <a:r>
+              <a:rPr lang="fa-IR" dirty="0">
+                <a:cs typeface="+mj-cs"/>
+              </a:rPr>
+              <a:t>توسط پرستار </a:t>
+            </a:r>
+            <a:r>
+              <a:rPr lang="fa-IR" dirty="0" err="1">
+                <a:cs typeface="+mj-cs"/>
+              </a:rPr>
+              <a:t>به‌صورت</a:t>
+            </a:r>
+            <a:r>
+              <a:rPr lang="fa-IR" dirty="0">
+                <a:cs typeface="+mj-cs"/>
+              </a:rPr>
+              <a:t> وریدی تزریق شد.</a:t>
+            </a:r>
+          </a:p>
+          <a:p>
+            <a:r>
+              <a:rPr lang="fa-IR" dirty="0" err="1">
+                <a:cs typeface="+mj-cs"/>
+              </a:rPr>
+              <a:t>اپوئتین</a:t>
+            </a:r>
+            <a:r>
+              <a:rPr lang="fa-IR" dirty="0">
+                <a:cs typeface="+mj-cs"/>
+              </a:rPr>
+              <a:t> آلفا در ۱۰ </a:t>
+            </a:r>
+            <a:r>
+              <a:rPr lang="fa-IR" dirty="0" err="1">
+                <a:cs typeface="+mj-cs"/>
+              </a:rPr>
+              <a:t>میلی‌لیتر</a:t>
+            </a:r>
+            <a:r>
+              <a:rPr lang="fa-IR" dirty="0">
+                <a:cs typeface="+mj-cs"/>
+              </a:rPr>
+              <a:t> نرمال </a:t>
+            </a:r>
+            <a:r>
+              <a:rPr lang="fa-IR" dirty="0" err="1">
+                <a:cs typeface="+mj-cs"/>
+              </a:rPr>
+              <a:t>سالین</a:t>
+            </a:r>
+            <a:r>
+              <a:rPr lang="fa-IR" dirty="0">
+                <a:cs typeface="+mj-cs"/>
+              </a:rPr>
+              <a:t> (۰.۹٪) حل شد.</a:t>
+            </a:r>
+          </a:p>
+          <a:p>
+            <a:r>
+              <a:rPr lang="fa-IR" dirty="0">
+                <a:cs typeface="+mj-cs"/>
+              </a:rPr>
+              <a:t>۱۰ </a:t>
+            </a:r>
+            <a:r>
+              <a:rPr lang="fa-IR" dirty="0" err="1">
+                <a:cs typeface="+mj-cs"/>
+              </a:rPr>
+              <a:t>میلی‌لیتر</a:t>
+            </a:r>
+            <a:r>
+              <a:rPr lang="fa-IR" dirty="0">
+                <a:cs typeface="+mj-cs"/>
+              </a:rPr>
+              <a:t> نرمال </a:t>
+            </a:r>
+            <a:r>
+              <a:rPr lang="fa-IR" dirty="0" err="1">
+                <a:cs typeface="+mj-cs"/>
+              </a:rPr>
+              <a:t>سالین</a:t>
+            </a:r>
+            <a:r>
+              <a:rPr lang="fa-IR" dirty="0">
+                <a:cs typeface="+mj-cs"/>
+              </a:rPr>
+              <a:t> قبل و بعد از تزریق دارو استفاده شد.</a:t>
+            </a:r>
+          </a:p>
+          <a:p>
+            <a:r>
+              <a:rPr lang="fa-IR" dirty="0">
+                <a:cs typeface="+mj-cs"/>
+              </a:rPr>
+              <a:t>در زمان یا بلافاصله پس از تزریق، هیچ داروی دیگری از طریق خط وریدی تجویز نشد</a:t>
+            </a:r>
             <a:r>
               <a:rPr lang="fa-IR" dirty="0"/>
-              <a:t>سابقه </a:t>
-            </a:r>
-            <a:r>
-              <a:rPr lang="fa-IR" dirty="0" err="1"/>
-              <a:t>ترانسفیوژن</a:t>
-            </a:r>
-            <a:r>
-              <a:rPr lang="fa-IR" dirty="0"/>
-              <a:t> طی 7 روز قبل از ورود به مطالعه </a:t>
-            </a:r>
-          </a:p>
-          <a:p>
-            <a:r>
-              <a:rPr lang="fa-IR" dirty="0"/>
-              <a:t>سابقه قبلی </a:t>
-            </a:r>
-            <a:r>
-              <a:rPr lang="fa-IR" dirty="0" err="1"/>
-              <a:t>ترومبوز</a:t>
-            </a:r>
-            <a:r>
-              <a:rPr lang="fa-IR" dirty="0"/>
-              <a:t> ورید عمقی یا آمبولی ریه </a:t>
-            </a:r>
-          </a:p>
-          <a:p>
-            <a:r>
-              <a:rPr lang="fa-IR" dirty="0"/>
-              <a:t>تشنج تازه شروع شده </a:t>
-            </a:r>
-          </a:p>
-          <a:p>
-            <a:r>
-              <a:rPr lang="fa-IR" dirty="0"/>
-              <a:t>فشار خون بالای </a:t>
-            </a:r>
-            <a:r>
-              <a:rPr lang="fa-IR" dirty="0" err="1"/>
-              <a:t>كنترل</a:t>
-            </a:r>
-            <a:r>
-              <a:rPr lang="fa-IR" dirty="0"/>
-              <a:t> نشده (</a:t>
-            </a:r>
-            <a:r>
-              <a:rPr lang="en-US" dirty="0"/>
-              <a:t>SBP&gt;140 </a:t>
-            </a:r>
-            <a:r>
-              <a:rPr lang="fa-IR" dirty="0"/>
-              <a:t> و</a:t>
-            </a:r>
-            <a:r>
-              <a:rPr lang="en-US" dirty="0"/>
-              <a:t>DBP&gt;90</a:t>
-            </a:r>
-            <a:r>
-              <a:rPr lang="fa-IR" dirty="0"/>
-              <a:t>)</a:t>
-            </a:r>
-            <a:endParaRPr lang="en-US" dirty="0"/>
-          </a:p>
-          <a:p>
-            <a:r>
-              <a:rPr lang="fa-IR" dirty="0"/>
-              <a:t>سابقه بیماری </a:t>
-            </a:r>
-            <a:r>
-              <a:rPr lang="fa-IR" dirty="0" err="1"/>
-              <a:t>ایسكمیک</a:t>
-            </a:r>
-            <a:r>
-              <a:rPr lang="fa-IR" dirty="0"/>
-              <a:t> حاد قلبی یا عصبی </a:t>
-            </a:r>
-          </a:p>
-          <a:p>
-            <a:r>
-              <a:rPr lang="fa-IR" dirty="0"/>
-              <a:t>سابقه نارسایی </a:t>
-            </a:r>
-            <a:r>
-              <a:rPr lang="fa-IR" dirty="0" err="1"/>
-              <a:t>كلیه</a:t>
-            </a:r>
-            <a:r>
-              <a:rPr lang="fa-IR" dirty="0"/>
-              <a:t> </a:t>
-            </a:r>
-            <a:r>
-              <a:rPr lang="en-US" dirty="0"/>
-              <a:t>eGFR &lt;60 mL/min) </a:t>
-            </a:r>
-            <a:r>
-              <a:rPr lang="fa-IR" dirty="0"/>
-              <a:t> و بیماران تحت دیالیز)</a:t>
-            </a:r>
-          </a:p>
-          <a:p>
-            <a:r>
-              <a:rPr lang="fa-IR" dirty="0"/>
-              <a:t>بیماران مبتلا به </a:t>
-            </a:r>
-            <a:r>
-              <a:rPr lang="fa-IR" dirty="0" err="1"/>
-              <a:t>كمبود</a:t>
-            </a:r>
-            <a:r>
-              <a:rPr lang="fa-IR" dirty="0"/>
-              <a:t> آهن یا </a:t>
-            </a:r>
-            <a:r>
-              <a:rPr lang="fa-IR" dirty="0" err="1"/>
-              <a:t>فولات</a:t>
-            </a:r>
-            <a:r>
-              <a:rPr lang="fa-IR" dirty="0"/>
-              <a:t> در هنگام شروع مطالعه</a:t>
-            </a:r>
-          </a:p>
-          <a:p>
-            <a:r>
-              <a:rPr lang="fa-IR" dirty="0"/>
-              <a:t>بیماران مبتلا </a:t>
-            </a:r>
-            <a:r>
-              <a:rPr lang="fa-IR" dirty="0" err="1"/>
-              <a:t>هموگلوبینوپاتی</a:t>
-            </a:r>
-            <a:r>
-              <a:rPr lang="fa-IR" dirty="0"/>
-              <a:t> </a:t>
-            </a:r>
-          </a:p>
-          <a:p>
-            <a:r>
-              <a:rPr lang="fa-IR" dirty="0"/>
-              <a:t>بیماران باردار </a:t>
-            </a:r>
-          </a:p>
-          <a:p>
-            <a:r>
-              <a:rPr lang="fa-IR" dirty="0"/>
-              <a:t>بیماران مبتلا به بیماری های مغز استخوان ازجمله آنمی </a:t>
-            </a:r>
-            <a:r>
-              <a:rPr lang="fa-IR" dirty="0" err="1"/>
-              <a:t>آپلاستیک</a:t>
-            </a:r>
-            <a:r>
-              <a:rPr lang="fa-IR" dirty="0"/>
-              <a:t> و </a:t>
-            </a:r>
-            <a:r>
-              <a:rPr lang="en-US" dirty="0"/>
-              <a:t>MDS </a:t>
-            </a:r>
-          </a:p>
-          <a:p>
+              <a:t>.</a:t>
+            </a:r>
             <a:endParaRPr lang="en-US" dirty="0"/>
           </a:p>
         </p:txBody>
       </p:sp>
+      <p:pic>
+        <p:nvPicPr>
+          <p:cNvPr id="1030" name="Picture 6" descr="دارو اریتروپوئیتین : موارد مصرف و عوارض جانبی Erythropoietin">
+            <a:extLst>
+              <a:ext uri="{FF2B5EF4-FFF2-40B4-BE49-F238E27FC236}">
+                <a16:creationId xmlns:a16="http://schemas.microsoft.com/office/drawing/2014/main" id="{61F9A5C6-FB4E-30CD-D1DC-E8C345FF951C}"/>
+              </a:ext>
+            </a:extLst>
+          </p:cNvPr>
+          <p:cNvPicPr>
+            <a:picLocks noChangeAspect="1" noChangeArrowheads="1"/>
+          </p:cNvPicPr>
+          <p:nvPr/>
+        </p:nvPicPr>
+        <p:blipFill>
+          <a:blip r:embed="rId2">
+            <a:extLst>
+              <a:ext uri="{28A0092B-C50C-407E-A947-70E740481C1C}">
+                <a14:useLocalDpi xmlns:a14="http://schemas.microsoft.com/office/drawing/2010/main" val="0"/>
+              </a:ext>
+            </a:extLst>
+          </a:blip>
+          <a:srcRect/>
+          <a:stretch>
+            <a:fillRect/>
+          </a:stretch>
+        </p:blipFill>
+        <p:spPr bwMode="auto">
+          <a:xfrm>
+            <a:off x="282370" y="2231922"/>
+            <a:ext cx="4969976" cy="3313317"/>
+          </a:xfrm>
+          <a:prstGeom prst="rect">
+            <a:avLst/>
+          </a:prstGeom>
+          <a:noFill/>
+          <a:extLst>
+            <a:ext uri="{909E8E84-426E-40DD-AFC4-6F175D3DCCD1}">
+              <a14:hiddenFill xmlns:a14="http://schemas.microsoft.com/office/drawing/2010/main">
+                <a:solidFill>
+                  <a:srgbClr val="FFFFFF"/>
+                </a:solidFill>
+              </a14:hiddenFill>
+            </a:ext>
+          </a:extLst>
+        </p:spPr>
+      </p:pic>
     </p:spTree>
     <p:extLst>
       <p:ext uri="{BB962C8B-B14F-4D97-AF65-F5344CB8AC3E}">
-        <p14:creationId xmlns:p14="http://schemas.microsoft.com/office/powerpoint/2010/main" val="2892616950"/>
+        <p14:creationId xmlns:p14="http://schemas.microsoft.com/office/powerpoint/2010/main" val="3041852771"/>
       </p:ext>
     </p:extLst>
   </p:cSld>
@@ -9185,7 +9346,7 @@
               <p:nvPr>
                 <p:extLst>
                   <p:ext uri="{D42A27DB-BD31-4B8C-83A1-F6EECF244321}">
-                    <p14:modId xmlns:p14="http://schemas.microsoft.com/office/powerpoint/2010/main" val="2323381308"/>
+                    <p14:modId xmlns:p14="http://schemas.microsoft.com/office/powerpoint/2010/main" val="3983665059"/>
                   </p:ext>
                 </p:extLst>
               </p:nvPr>
@@ -9282,7 +9443,7 @@
               <p:nvPr>
                 <p:extLst>
                   <p:ext uri="{D42A27DB-BD31-4B8C-83A1-F6EECF244321}">
-                    <p14:modId xmlns:p14="http://schemas.microsoft.com/office/powerpoint/2010/main" val="2043264677"/>
+                    <p14:modId xmlns:p14="http://schemas.microsoft.com/office/powerpoint/2010/main" val="453910979"/>
                   </p:ext>
                 </p:extLst>
               </p:nvPr>
@@ -9379,13 +9540,13 @@
               <p:nvPr>
                 <p:extLst>
                   <p:ext uri="{D42A27DB-BD31-4B8C-83A1-F6EECF244321}">
-                    <p14:modId xmlns:p14="http://schemas.microsoft.com/office/powerpoint/2010/main" val="2177984831"/>
+                    <p14:modId xmlns:p14="http://schemas.microsoft.com/office/powerpoint/2010/main" val="256177312"/>
                   </p:ext>
                 </p:extLst>
               </p:nvPr>
             </p:nvGraphicFramePr>
             <p:xfrm>
-              <a:off x="7778916" y="4089217"/>
+              <a:off x="7778916" y="4123963"/>
               <a:ext cx="3048000" cy="1714500"/>
             </p:xfrm>
             <a:graphic>
@@ -9444,7 +9605,7 @@
             </p:blipFill>
             <p:spPr>
               <a:xfrm>
-                <a:off x="7778916" y="4089217"/>
+                <a:off x="7778916" y="4123963"/>
                 <a:ext cx="3048000" cy="1714500"/>
               </a:xfrm>
               <a:prstGeom prst="rect">
@@ -9476,13 +9637,13 @@
               <p:nvPr>
                 <p:extLst>
                   <p:ext uri="{D42A27DB-BD31-4B8C-83A1-F6EECF244321}">
-                    <p14:modId xmlns:p14="http://schemas.microsoft.com/office/powerpoint/2010/main" val="2799672571"/>
+                    <p14:modId xmlns:p14="http://schemas.microsoft.com/office/powerpoint/2010/main" val="955495213"/>
                   </p:ext>
                 </p:extLst>
               </p:nvPr>
             </p:nvGraphicFramePr>
             <p:xfrm>
-              <a:off x="4138908" y="4089217"/>
+              <a:off x="4138908" y="4123963"/>
               <a:ext cx="3048000" cy="1714500"/>
             </p:xfrm>
             <a:graphic>
@@ -9541,7 +9702,7 @@
             </p:blipFill>
             <p:spPr>
               <a:xfrm>
-                <a:off x="4138908" y="4089217"/>
+                <a:off x="4138908" y="4123963"/>
                 <a:ext cx="3048000" cy="1714500"/>
               </a:xfrm>
               <a:prstGeom prst="rect">
@@ -9563,7 +9724,7 @@
               <p:cNvPr id="4" name="Section Zoom 3">
                 <a:extLst>
                   <a:ext uri="{FF2B5EF4-FFF2-40B4-BE49-F238E27FC236}">
-                    <a16:creationId xmlns:a16="http://schemas.microsoft.com/office/drawing/2014/main" id="{16C01AF2-AAB6-86CE-1319-EFC53E44DE54}"/>
+                    <a16:creationId xmlns:a16="http://schemas.microsoft.com/office/drawing/2014/main" id="{594C158C-F4E9-ADB2-88E0-E8CCDF7C0C91}"/>
                   </a:ext>
                 </a:extLst>
               </p:cNvPr>
@@ -9573,20 +9734,20 @@
               <p:nvPr>
                 <p:extLst>
                   <p:ext uri="{D42A27DB-BD31-4B8C-83A1-F6EECF244321}">
-                    <p14:modId xmlns:p14="http://schemas.microsoft.com/office/powerpoint/2010/main" val="2934944678"/>
+                    <p14:modId xmlns:p14="http://schemas.microsoft.com/office/powerpoint/2010/main" val="3486761488"/>
                   </p:ext>
                 </p:extLst>
               </p:nvPr>
             </p:nvGraphicFramePr>
             <p:xfrm>
-              <a:off x="7849640" y="224299"/>
+              <a:off x="7778916" y="224299"/>
               <a:ext cx="3048000" cy="1714500"/>
             </p:xfrm>
             <a:graphic>
               <a:graphicData uri="http://schemas.microsoft.com/office/powerpoint/2016/sectionzoom">
                 <psez:sectionZm>
-                  <psez:sectionZmObj sectionId="{E68386CA-BC6D-4109-A6C3-F4D272BEBAC9}">
-                    <psez:zmPr id="{F4A6DCEE-C5F9-4407-A75F-FD6EE5CDD1E4}" transitionDur="1000">
+                  <psez:sectionZmObj sectionId="{E7865294-A529-4710-8CCC-8F0D56C376D8}">
+                    <psez:zmPr id="{0AE0565F-5B1A-42C4-A7B5-9CFA33E20B9F}" transitionDur="1000">
                       <p166:blipFill xmlns:p166="http://schemas.microsoft.com/office/powerpoint/2016/6/main">
                         <a:blip r:embed="rId14"/>
                         <a:stretch>
@@ -9621,7 +9782,7 @@
                 <a:hlinkClick r:id="rId15" action="ppaction://hlinksldjump"/>
                 <a:extLst>
                   <a:ext uri="{FF2B5EF4-FFF2-40B4-BE49-F238E27FC236}">
-                    <a16:creationId xmlns:a16="http://schemas.microsoft.com/office/drawing/2014/main" id="{16C01AF2-AAB6-86CE-1319-EFC53E44DE54}"/>
+                    <a16:creationId xmlns:a16="http://schemas.microsoft.com/office/drawing/2014/main" id="{594C158C-F4E9-ADB2-88E0-E8CCDF7C0C91}"/>
                   </a:ext>
                 </a:extLst>
               </p:cNvPr>
@@ -9638,7 +9799,7 @@
             </p:blipFill>
             <p:spPr>
               <a:xfrm>
-                <a:off x="7849640" y="224299"/>
+                <a:off x="7778916" y="224299"/>
                 <a:ext cx="3048000" cy="1714500"/>
               </a:xfrm>
               <a:prstGeom prst="rect">
@@ -9679,235 +9840,6 @@
 </file>
 
 <file path=ppt/slides/slide20.xml><?xml version="1.0" encoding="utf-8"?>
-<p:sld xmlns:a="http://schemas.openxmlformats.org/drawingml/2006/main" xmlns:r="http://schemas.openxmlformats.org/officeDocument/2006/relationships" xmlns:p="http://schemas.openxmlformats.org/presentationml/2006/main">
-  <p:cSld>
-    <p:spTree>
-      <p:nvGrpSpPr>
-        <p:cNvPr id="1" name=""/>
-        <p:cNvGrpSpPr/>
-        <p:nvPr/>
-      </p:nvGrpSpPr>
-      <p:grpSpPr>
-        <a:xfrm>
-          <a:off x="0" y="0"/>
-          <a:ext cx="0" cy="0"/>
-          <a:chOff x="0" y="0"/>
-          <a:chExt cx="0" cy="0"/>
-        </a:xfrm>
-      </p:grpSpPr>
-      <p:sp>
-        <p:nvSpPr>
-          <p:cNvPr id="2" name="Title 1">
-            <a:extLst>
-              <a:ext uri="{FF2B5EF4-FFF2-40B4-BE49-F238E27FC236}">
-                <a16:creationId xmlns:a16="http://schemas.microsoft.com/office/drawing/2014/main" id="{4E69BD38-FCCD-96C0-47E7-CE99A760DB4D}"/>
-              </a:ext>
-            </a:extLst>
-          </p:cNvPr>
-          <p:cNvSpPr>
-            <a:spLocks noGrp="1"/>
-          </p:cNvSpPr>
-          <p:nvPr>
-            <p:ph type="title"/>
-          </p:nvPr>
-        </p:nvSpPr>
-        <p:spPr/>
-        <p:txBody>
-          <a:bodyPr/>
-          <a:lstStyle/>
-          <a:p>
-            <a:r>
-              <a:rPr lang="fa-IR" dirty="0"/>
-              <a:t>مداخله صورت گرفته</a:t>
-            </a:r>
-            <a:endParaRPr lang="en-US" dirty="0"/>
-          </a:p>
-        </p:txBody>
-      </p:sp>
-      <p:sp>
-        <p:nvSpPr>
-          <p:cNvPr id="3" name="Content Placeholder 2">
-            <a:extLst>
-              <a:ext uri="{FF2B5EF4-FFF2-40B4-BE49-F238E27FC236}">
-                <a16:creationId xmlns:a16="http://schemas.microsoft.com/office/drawing/2014/main" id="{D9B2BB2A-0F26-EFDA-D854-7AED00C6D235}"/>
-              </a:ext>
-            </a:extLst>
-          </p:cNvPr>
-          <p:cNvSpPr>
-            <a:spLocks noGrp="1"/>
-          </p:cNvSpPr>
-          <p:nvPr>
-            <p:ph idx="1"/>
-          </p:nvPr>
-        </p:nvSpPr>
-        <p:spPr>
-          <a:xfrm>
-            <a:off x="5378244" y="1825625"/>
-            <a:ext cx="5975555" cy="4351338"/>
-          </a:xfrm>
-        </p:spPr>
-        <p:txBody>
-          <a:bodyPr>
-            <a:normAutofit fontScale="92500" lnSpcReduction="10000"/>
-          </a:bodyPr>
-          <a:lstStyle/>
-          <a:p>
-            <a:pPr marL="0" indent="0">
-              <a:buNone/>
-            </a:pPr>
-            <a:r>
-              <a:rPr lang="fa-IR" dirty="0"/>
-              <a:t>تزریق وریدی یک دوز ۲۰,۰۰۰ واحدی </a:t>
-            </a:r>
-            <a:r>
-              <a:rPr lang="fa-IR" dirty="0" err="1"/>
-              <a:t>اپوئتین</a:t>
-            </a:r>
-            <a:r>
-              <a:rPr lang="fa-IR" dirty="0"/>
-              <a:t> آلفا</a:t>
-            </a:r>
-          </a:p>
-          <a:p>
-            <a:r>
-              <a:rPr lang="fa-IR" dirty="0"/>
-              <a:t>دارو طبق پروتکل استاندارد </a:t>
-            </a:r>
-            <a:r>
-              <a:rPr lang="en-US" dirty="0"/>
-              <a:t>ICU، </a:t>
-            </a:r>
-            <a:r>
-              <a:rPr lang="fa-IR" dirty="0"/>
-              <a:t>توسط پرستار </a:t>
-            </a:r>
-            <a:r>
-              <a:rPr lang="fa-IR" dirty="0" err="1"/>
-              <a:t>به‌صورت</a:t>
-            </a:r>
-            <a:r>
-              <a:rPr lang="fa-IR" dirty="0"/>
-              <a:t> وریدی تزریق شد.</a:t>
-            </a:r>
-          </a:p>
-          <a:p>
-            <a:r>
-              <a:rPr lang="fa-IR" dirty="0" err="1"/>
-              <a:t>اپوئتین</a:t>
-            </a:r>
-            <a:r>
-              <a:rPr lang="fa-IR" dirty="0"/>
-              <a:t> آلفا در ۱۰ </a:t>
-            </a:r>
-            <a:r>
-              <a:rPr lang="fa-IR" dirty="0" err="1"/>
-              <a:t>میلی‌لیتر</a:t>
-            </a:r>
-            <a:r>
-              <a:rPr lang="fa-IR" dirty="0"/>
-              <a:t> نرمال </a:t>
-            </a:r>
-            <a:r>
-              <a:rPr lang="fa-IR" dirty="0" err="1"/>
-              <a:t>سالین</a:t>
-            </a:r>
-            <a:r>
-              <a:rPr lang="fa-IR" dirty="0"/>
-              <a:t> (۰.۹٪) حل شد.</a:t>
-            </a:r>
-          </a:p>
-          <a:p>
-            <a:r>
-              <a:rPr lang="fa-IR" dirty="0"/>
-              <a:t>۱۰ </a:t>
-            </a:r>
-            <a:r>
-              <a:rPr lang="fa-IR" dirty="0" err="1"/>
-              <a:t>میلی‌لیتر</a:t>
-            </a:r>
-            <a:r>
-              <a:rPr lang="fa-IR" dirty="0"/>
-              <a:t> نرمال </a:t>
-            </a:r>
-            <a:r>
-              <a:rPr lang="fa-IR" dirty="0" err="1"/>
-              <a:t>سالین</a:t>
-            </a:r>
-            <a:r>
-              <a:rPr lang="fa-IR" dirty="0"/>
-              <a:t> قبل و بعد از تزریق دارو استفاده شد.</a:t>
-            </a:r>
-          </a:p>
-          <a:p>
-            <a:r>
-              <a:rPr lang="fa-IR" dirty="0"/>
-              <a:t>در زمان یا بلافاصله پس از تزریق، هیچ داروی دیگری از طریق خط وریدی تجویز نشد.</a:t>
-            </a:r>
-            <a:endParaRPr lang="en-US" dirty="0"/>
-          </a:p>
-        </p:txBody>
-      </p:sp>
-      <p:pic>
-        <p:nvPicPr>
-          <p:cNvPr id="1030" name="Picture 6" descr="دارو اریتروپوئیتین : موارد مصرف و عوارض جانبی Erythropoietin">
-            <a:extLst>
-              <a:ext uri="{FF2B5EF4-FFF2-40B4-BE49-F238E27FC236}">
-                <a16:creationId xmlns:a16="http://schemas.microsoft.com/office/drawing/2014/main" id="{61F9A5C6-FB4E-30CD-D1DC-E8C345FF951C}"/>
-              </a:ext>
-            </a:extLst>
-          </p:cNvPr>
-          <p:cNvPicPr>
-            <a:picLocks noChangeAspect="1" noChangeArrowheads="1"/>
-          </p:cNvPicPr>
-          <p:nvPr/>
-        </p:nvPicPr>
-        <p:blipFill>
-          <a:blip r:embed="rId2">
-            <a:extLst>
-              <a:ext uri="{28A0092B-C50C-407E-A947-70E740481C1C}">
-                <a14:useLocalDpi xmlns:a14="http://schemas.microsoft.com/office/drawing/2010/main" val="0"/>
-              </a:ext>
-            </a:extLst>
-          </a:blip>
-          <a:srcRect/>
-          <a:stretch>
-            <a:fillRect/>
-          </a:stretch>
-        </p:blipFill>
-        <p:spPr bwMode="auto">
-          <a:xfrm>
-            <a:off x="282370" y="2231922"/>
-            <a:ext cx="4969976" cy="3313317"/>
-          </a:xfrm>
-          <a:prstGeom prst="rect">
-            <a:avLst/>
-          </a:prstGeom>
-          <a:noFill/>
-          <a:extLst>
-            <a:ext uri="{909E8E84-426E-40DD-AFC4-6F175D3DCCD1}">
-              <a14:hiddenFill xmlns:a14="http://schemas.microsoft.com/office/drawing/2010/main">
-                <a:solidFill>
-                  <a:srgbClr val="FFFFFF"/>
-                </a:solidFill>
-              </a14:hiddenFill>
-            </a:ext>
-          </a:extLst>
-        </p:spPr>
-      </p:pic>
-    </p:spTree>
-    <p:extLst>
-      <p:ext uri="{BB962C8B-B14F-4D97-AF65-F5344CB8AC3E}">
-        <p14:creationId xmlns:p14="http://schemas.microsoft.com/office/powerpoint/2010/main" val="3041852771"/>
-      </p:ext>
-    </p:extLst>
-  </p:cSld>
-  <p:clrMapOvr>
-    <a:masterClrMapping/>
-  </p:clrMapOvr>
-</p:sld>
-</file>
-
-<file path=ppt/slides/slide21.xml><?xml version="1.0" encoding="utf-8"?>
 <p:sld xmlns:a="http://schemas.openxmlformats.org/drawingml/2006/main" xmlns:r="http://schemas.openxmlformats.org/officeDocument/2006/relationships" xmlns:p="http://schemas.openxmlformats.org/presentationml/2006/main">
   <p:cSld>
     <p:spTree>
@@ -10789,7 +10721,7 @@
 </p:sld>
 </file>
 
-<file path=ppt/slides/slide22.xml><?xml version="1.0" encoding="utf-8"?>
+<file path=ppt/slides/slide21.xml><?xml version="1.0" encoding="utf-8"?>
 <p:sld xmlns:a="http://schemas.openxmlformats.org/drawingml/2006/main" xmlns:r="http://schemas.openxmlformats.org/officeDocument/2006/relationships" xmlns:p="http://schemas.openxmlformats.org/presentationml/2006/main">
   <p:cSld>
     <p:spTree>
@@ -10878,6 +10810,241 @@
 </p:sld>
 </file>
 
+<file path=ppt/slides/slide22.xml><?xml version="1.0" encoding="utf-8"?>
+<p:sld xmlns:a="http://schemas.openxmlformats.org/drawingml/2006/main" xmlns:r="http://schemas.openxmlformats.org/officeDocument/2006/relationships" xmlns:p="http://schemas.openxmlformats.org/presentationml/2006/main">
+  <p:cSld>
+    <p:spTree>
+      <p:nvGrpSpPr>
+        <p:cNvPr id="1" name=""/>
+        <p:cNvGrpSpPr/>
+        <p:nvPr/>
+      </p:nvGrpSpPr>
+      <p:grpSpPr>
+        <a:xfrm>
+          <a:off x="0" y="0"/>
+          <a:ext cx="0" cy="0"/>
+          <a:chOff x="0" y="0"/>
+          <a:chExt cx="0" cy="0"/>
+        </a:xfrm>
+      </p:grpSpPr>
+      <p:sp>
+        <p:nvSpPr>
+          <p:cNvPr id="2" name="Title 1">
+            <a:extLst>
+              <a:ext uri="{FF2B5EF4-FFF2-40B4-BE49-F238E27FC236}">
+                <a16:creationId xmlns:a16="http://schemas.microsoft.com/office/drawing/2014/main" id="{8DE660B3-21CF-C5BF-DE75-9C4E66A58226}"/>
+              </a:ext>
+            </a:extLst>
+          </p:cNvPr>
+          <p:cNvSpPr>
+            <a:spLocks noGrp="1"/>
+          </p:cNvSpPr>
+          <p:nvPr>
+            <p:ph type="title"/>
+          </p:nvPr>
+        </p:nvSpPr>
+        <p:spPr/>
+        <p:txBody>
+          <a:bodyPr/>
+          <a:lstStyle/>
+          <a:p>
+            <a:r>
+              <a:rPr lang="fa-IR" dirty="0"/>
+              <a:t>تحلیل فارماکوکینتیک</a:t>
+            </a:r>
+            <a:endParaRPr lang="en-US" dirty="0"/>
+          </a:p>
+        </p:txBody>
+      </p:sp>
+      <p:sp>
+        <p:nvSpPr>
+          <p:cNvPr id="3" name="Content Placeholder 2">
+            <a:extLst>
+              <a:ext uri="{FF2B5EF4-FFF2-40B4-BE49-F238E27FC236}">
+                <a16:creationId xmlns:a16="http://schemas.microsoft.com/office/drawing/2014/main" id="{90E25786-ED40-3D64-5C62-6DCCBAAD5B47}"/>
+              </a:ext>
+            </a:extLst>
+          </p:cNvPr>
+          <p:cNvSpPr>
+            <a:spLocks noGrp="1"/>
+          </p:cNvSpPr>
+          <p:nvPr>
+            <p:ph idx="1"/>
+          </p:nvPr>
+        </p:nvSpPr>
+        <p:spPr/>
+        <p:txBody>
+          <a:bodyPr/>
+          <a:lstStyle/>
+          <a:p>
+            <a:pPr>
+              <a:lnSpc>
+                <a:spcPct val="100000"/>
+              </a:lnSpc>
+            </a:pPr>
+            <a:r>
+              <a:rPr lang="fa-IR" dirty="0" err="1">
+                <a:cs typeface="+mj-cs"/>
+              </a:rPr>
+              <a:t>داده‌ها</a:t>
+            </a:r>
+            <a:r>
+              <a:rPr lang="fa-IR" dirty="0">
+                <a:cs typeface="+mj-cs"/>
+              </a:rPr>
+              <a:t> با استفاده از </a:t>
+            </a:r>
+            <a:r>
+              <a:rPr lang="fa-IR" dirty="0" err="1">
+                <a:cs typeface="+mj-cs"/>
+              </a:rPr>
+              <a:t>نرم‌افزار</a:t>
+            </a:r>
+            <a:r>
+              <a:rPr lang="fa-IR" dirty="0">
+                <a:cs typeface="+mj-cs"/>
+              </a:rPr>
+              <a:t> </a:t>
+            </a:r>
+            <a:r>
+              <a:rPr lang="en-US" dirty="0" err="1">
+                <a:cs typeface="+mj-cs"/>
+              </a:rPr>
+              <a:t>Monolix</a:t>
+            </a:r>
+            <a:r>
+              <a:rPr lang="fa-IR" dirty="0">
+                <a:cs typeface="+mj-cs"/>
+              </a:rPr>
+              <a:t> تحلیل شدند.</a:t>
+            </a:r>
+          </a:p>
+          <a:p>
+            <a:pPr>
+              <a:lnSpc>
+                <a:spcPct val="100000"/>
+              </a:lnSpc>
+            </a:pPr>
+            <a:r>
+              <a:rPr lang="fa-IR" dirty="0">
+                <a:cs typeface="+mj-cs"/>
+              </a:rPr>
+              <a:t>ابتدا مدل </a:t>
+            </a:r>
+            <a:r>
+              <a:rPr lang="fa-IR" dirty="0" err="1">
+                <a:cs typeface="+mj-cs"/>
+              </a:rPr>
+              <a:t>تک‌کمپارتمانه</a:t>
+            </a:r>
+            <a:r>
+              <a:rPr lang="fa-IR" dirty="0">
+                <a:cs typeface="+mj-cs"/>
+              </a:rPr>
+              <a:t> برای بررسی </a:t>
+            </a:r>
+            <a:r>
+              <a:rPr lang="fa-IR" dirty="0" err="1">
+                <a:cs typeface="+mj-cs"/>
+              </a:rPr>
+              <a:t>داده‌ها</a:t>
+            </a:r>
+            <a:r>
+              <a:rPr lang="fa-IR" dirty="0">
+                <a:cs typeface="+mj-cs"/>
+              </a:rPr>
+              <a:t> استفاده شد.</a:t>
+            </a:r>
+          </a:p>
+          <a:p>
+            <a:pPr>
+              <a:lnSpc>
+                <a:spcPct val="100000"/>
+              </a:lnSpc>
+            </a:pPr>
+            <a:r>
+              <a:rPr lang="fa-IR" dirty="0">
+                <a:cs typeface="+mj-cs"/>
+              </a:rPr>
+              <a:t>مدل با در نظر گرفتن غلظت پایه دارو و نرخ </a:t>
+            </a:r>
+            <a:r>
+              <a:rPr lang="fa-IR" dirty="0" err="1">
+                <a:cs typeface="+mj-cs"/>
+              </a:rPr>
+              <a:t>فیلتراسیون</a:t>
+            </a:r>
+            <a:r>
+              <a:rPr lang="fa-IR" dirty="0">
+                <a:cs typeface="+mj-cs"/>
+              </a:rPr>
+              <a:t> </a:t>
+            </a:r>
+            <a:r>
+              <a:rPr lang="fa-IR" dirty="0" err="1">
+                <a:cs typeface="+mj-cs"/>
+              </a:rPr>
+              <a:t>گلومرولی</a:t>
+            </a:r>
+            <a:r>
+              <a:rPr lang="fa-IR" dirty="0">
+                <a:cs typeface="+mj-cs"/>
+              </a:rPr>
+              <a:t> (</a:t>
+            </a:r>
+            <a:r>
+              <a:rPr lang="en-US" dirty="0">
+                <a:cs typeface="+mj-cs"/>
+              </a:rPr>
+              <a:t>GFR</a:t>
+            </a:r>
+            <a:r>
+              <a:rPr lang="fa-IR" dirty="0">
+                <a:cs typeface="+mj-cs"/>
+              </a:rPr>
+              <a:t>) اصلاح شد.</a:t>
+            </a:r>
+            <a:endParaRPr lang="en-US" dirty="0">
+              <a:cs typeface="+mj-cs"/>
+            </a:endParaRPr>
+          </a:p>
+          <a:p>
+            <a:pPr>
+              <a:lnSpc>
+                <a:spcPct val="100000"/>
+              </a:lnSpc>
+            </a:pPr>
+            <a:r>
+              <a:rPr lang="fa-IR" dirty="0">
+                <a:cs typeface="+mj-cs"/>
+              </a:rPr>
+              <a:t>مدل‌های یک‌کمپارتمانه، دو‌کمپارتمانه و سه‌کمپارتمانه مقایسه شدند تا مناسب‌ترین مدل انتخاب شود. </a:t>
+            </a:r>
+          </a:p>
+          <a:p>
+            <a:pPr marL="0" indent="0">
+              <a:lnSpc>
+                <a:spcPct val="100000"/>
+              </a:lnSpc>
+              <a:buNone/>
+            </a:pPr>
+            <a:endParaRPr lang="en-US" dirty="0"/>
+          </a:p>
+        </p:txBody>
+      </p:sp>
+    </p:spTree>
+    <p:extLst>
+      <p:ext uri="{BB962C8B-B14F-4D97-AF65-F5344CB8AC3E}">
+        <p14:creationId xmlns:p14="http://schemas.microsoft.com/office/powerpoint/2010/main" val="191647200"/>
+      </p:ext>
+    </p:extLst>
+  </p:cSld>
+  <p:clrMapOvr>
+    <a:masterClrMapping/>
+  </p:clrMapOvr>
+</p:sld>
+</file>
+
 <file path=ppt/slides/slide23.xml><?xml version="1.0" encoding="utf-8"?>
 <p:sld xmlns:a="http://schemas.openxmlformats.org/drawingml/2006/main" xmlns:r="http://schemas.openxmlformats.org/officeDocument/2006/relationships" xmlns:p="http://schemas.openxmlformats.org/presentationml/2006/main">
   <p:cSld>
@@ -10900,7 +11067,7 @@
           <p:cNvPr id="2" name="Title 1">
             <a:extLst>
               <a:ext uri="{FF2B5EF4-FFF2-40B4-BE49-F238E27FC236}">
-                <a16:creationId xmlns:a16="http://schemas.microsoft.com/office/drawing/2014/main" id="{8DE660B3-21CF-C5BF-DE75-9C4E66A58226}"/>
+                <a16:creationId xmlns:a16="http://schemas.microsoft.com/office/drawing/2014/main" id="{4BC1F650-F988-3CA6-AAA8-442019423B94}"/>
               </a:ext>
             </a:extLst>
           </p:cNvPr>
@@ -10918,7 +11085,7 @@
           <a:p>
             <a:r>
               <a:rPr lang="fa-IR" dirty="0"/>
-              <a:t>تحلیل فارماکوکینتیک</a:t>
+              <a:t>یافته ها</a:t>
             </a:r>
             <a:endParaRPr lang="en-US" dirty="0"/>
           </a:p>
@@ -10926,10 +11093,10 @@
       </p:sp>
       <p:sp>
         <p:nvSpPr>
-          <p:cNvPr id="3" name="Content Placeholder 2">
-            <a:extLst>
-              <a:ext uri="{FF2B5EF4-FFF2-40B4-BE49-F238E27FC236}">
-                <a16:creationId xmlns:a16="http://schemas.microsoft.com/office/drawing/2014/main" id="{90E25786-ED40-3D64-5C62-6DCCBAAD5B47}"/>
+          <p:cNvPr id="4" name="Text Placeholder 3">
+            <a:extLst>
+              <a:ext uri="{FF2B5EF4-FFF2-40B4-BE49-F238E27FC236}">
+                <a16:creationId xmlns:a16="http://schemas.microsoft.com/office/drawing/2014/main" id="{E252DA76-3CF8-7AA4-19F0-6DDDF91B6C85}"/>
               </a:ext>
             </a:extLst>
           </p:cNvPr>
@@ -10937,133 +11104,141 @@
             <a:spLocks noGrp="1"/>
           </p:cNvSpPr>
           <p:nvPr>
-            <p:ph idx="1"/>
+            <p:ph type="body" sz="quarter" idx="13"/>
           </p:nvPr>
         </p:nvSpPr>
-        <p:spPr/>
+        <p:spPr>
+          <a:xfrm>
+            <a:off x="3827913" y="815686"/>
+            <a:ext cx="7529945" cy="5226627"/>
+          </a:xfrm>
+        </p:spPr>
         <p:txBody>
-          <a:bodyPr/>
+          <a:bodyPr>
+            <a:normAutofit/>
+          </a:bodyPr>
           <a:lstStyle/>
-          <a:p>
-            <a:pPr>
-              <a:lnSpc>
-                <a:spcPct val="100000"/>
-              </a:lnSpc>
-            </a:pPr>
-            <a:r>
-              <a:rPr lang="fa-IR" dirty="0" err="1"/>
-              <a:t>داده‌ها</a:t>
-            </a:r>
-            <a:r>
-              <a:rPr lang="fa-IR" dirty="0"/>
-              <a:t> با استفاده از </a:t>
-            </a:r>
-            <a:r>
-              <a:rPr lang="fa-IR" dirty="0" err="1"/>
-              <a:t>نرم‌افزار</a:t>
-            </a:r>
-            <a:r>
-              <a:rPr lang="fa-IR" dirty="0"/>
-              <a:t> </a:t>
-            </a:r>
-            <a:r>
-              <a:rPr lang="en-US" dirty="0" err="1"/>
-              <a:t>Monolix</a:t>
-            </a:r>
-            <a:r>
-              <a:rPr lang="fa-IR" dirty="0"/>
-              <a:t> تحلیل شدند.</a:t>
-            </a:r>
-          </a:p>
-          <a:p>
-            <a:pPr>
-              <a:lnSpc>
-                <a:spcPct val="100000"/>
-              </a:lnSpc>
-            </a:pPr>
-            <a:r>
-              <a:rPr lang="fa-IR" dirty="0"/>
-              <a:t>ابتدا مدل </a:t>
-            </a:r>
-            <a:r>
-              <a:rPr lang="fa-IR" dirty="0" err="1"/>
-              <a:t>تک‌کمپارتمانه</a:t>
-            </a:r>
-            <a:r>
-              <a:rPr lang="fa-IR" dirty="0"/>
-              <a:t> برای بررسی </a:t>
-            </a:r>
-            <a:r>
-              <a:rPr lang="fa-IR" dirty="0" err="1"/>
-              <a:t>داده‌ها</a:t>
-            </a:r>
-            <a:r>
-              <a:rPr lang="fa-IR" dirty="0"/>
-              <a:t> استفاده شد.</a:t>
-            </a:r>
-          </a:p>
-          <a:p>
-            <a:pPr>
-              <a:lnSpc>
-                <a:spcPct val="100000"/>
-              </a:lnSpc>
-            </a:pPr>
-            <a:r>
-              <a:rPr lang="fa-IR" dirty="0"/>
-              <a:t>مدل با در نظر گرفتن غلظت پایه دارو و نرخ </a:t>
-            </a:r>
-            <a:r>
-              <a:rPr lang="fa-IR" dirty="0" err="1"/>
-              <a:t>فیلتراسیون</a:t>
-            </a:r>
-            <a:r>
-              <a:rPr lang="fa-IR" dirty="0"/>
-              <a:t> </a:t>
-            </a:r>
-            <a:r>
-              <a:rPr lang="fa-IR" dirty="0" err="1"/>
-              <a:t>گلومرولی</a:t>
-            </a:r>
-            <a:r>
-              <a:rPr lang="fa-IR" dirty="0"/>
-              <a:t> (</a:t>
-            </a:r>
-            <a:r>
-              <a:rPr lang="en-US" dirty="0"/>
-              <a:t>GFR</a:t>
-            </a:r>
-            <a:r>
-              <a:rPr lang="fa-IR" dirty="0"/>
-              <a:t>) اصلاح شد.</a:t>
-            </a:r>
-            <a:endParaRPr lang="en-US" dirty="0"/>
-          </a:p>
-          <a:p>
-            <a:pPr>
-              <a:lnSpc>
-                <a:spcPct val="100000"/>
-              </a:lnSpc>
-            </a:pPr>
-            <a:r>
-              <a:rPr lang="fa-IR" dirty="0"/>
-              <a:t>مدل‌های یک‌کمپارتمانه، دو‌کمپارتمانه و سه‌کمپارتمانه مقایسه شدند تا مناسب‌ترین مدل انتخاب شود. </a:t>
-            </a:r>
-          </a:p>
           <a:p>
             <a:pPr marL="0" indent="0">
               <a:lnSpc>
-                <a:spcPct val="100000"/>
+                <a:spcPct val="200000"/>
               </a:lnSpc>
               <a:buNone/>
             </a:pPr>
-            <a:endParaRPr lang="en-US" dirty="0"/>
+            <a:r>
+              <a:rPr lang="fa-IR" dirty="0">
+                <a:solidFill>
+                  <a:srgbClr val="002060"/>
+                </a:solidFill>
+                <a:cs typeface="+mj-cs"/>
+              </a:rPr>
+              <a:t>جمعیت مطالعه</a:t>
+            </a:r>
+          </a:p>
+          <a:p>
+            <a:pPr lvl="1">
+              <a:lnSpc>
+                <a:spcPct val="200000"/>
+              </a:lnSpc>
+            </a:pPr>
+            <a:r>
+              <a:rPr lang="fa-IR" dirty="0">
+                <a:cs typeface="+mj-cs"/>
+              </a:rPr>
+              <a:t>13 بیمار </a:t>
+            </a:r>
+            <a:r>
+              <a:rPr lang="en-US" dirty="0">
+                <a:cs typeface="+mj-cs"/>
+              </a:rPr>
+              <a:t>ICU</a:t>
+            </a:r>
+            <a:endParaRPr lang="fa-IR" dirty="0">
+              <a:cs typeface="+mj-cs"/>
+            </a:endParaRPr>
+          </a:p>
+          <a:p>
+            <a:pPr lvl="1">
+              <a:lnSpc>
+                <a:spcPct val="200000"/>
+              </a:lnSpc>
+            </a:pPr>
+            <a:r>
+              <a:rPr lang="fa-IR" dirty="0">
+                <a:cs typeface="+mj-cs"/>
+              </a:rPr>
+              <a:t>۵۴.۶۱٪ </a:t>
+            </a:r>
+            <a:r>
+              <a:rPr lang="fa-IR" dirty="0">
+                <a:cs typeface="+mj-cs"/>
+                <a:sym typeface="Wingdings 3" panose="05040102010807070707" pitchFamily="18" charset="2"/>
+              </a:rPr>
+              <a:t></a:t>
+            </a:r>
+            <a:r>
+              <a:rPr lang="en-US" dirty="0">
+                <a:cs typeface="+mj-cs"/>
+                <a:sym typeface="Wingdings 3" panose="05040102010807070707" pitchFamily="18" charset="2"/>
+              </a:rPr>
+              <a:t> </a:t>
+            </a:r>
+            <a:r>
+              <a:rPr lang="fa-IR" dirty="0">
+                <a:cs typeface="+mj-cs"/>
+              </a:rPr>
+              <a:t>مردان </a:t>
+            </a:r>
+            <a:endParaRPr lang="en-US" dirty="0">
+              <a:cs typeface="+mj-cs"/>
+            </a:endParaRPr>
+          </a:p>
+          <a:p>
+            <a:pPr lvl="1">
+              <a:lnSpc>
+                <a:spcPct val="200000"/>
+              </a:lnSpc>
+            </a:pPr>
+            <a:r>
+              <a:rPr lang="fa-IR" dirty="0">
+                <a:cs typeface="+mj-cs"/>
+              </a:rPr>
+              <a:t>میانگین سنی </a:t>
+            </a:r>
+            <a:r>
+              <a:rPr lang="fa-IR" dirty="0" err="1">
+                <a:cs typeface="+mj-cs"/>
+              </a:rPr>
+              <a:t>شرکت‌کنندگان</a:t>
+            </a:r>
+            <a:r>
+              <a:rPr lang="fa-IR" dirty="0">
+                <a:cs typeface="+mj-cs"/>
+              </a:rPr>
+              <a:t> </a:t>
+            </a:r>
+            <a:r>
+              <a:rPr lang="en-US" dirty="0">
+                <a:cs typeface="+mj-cs"/>
+              </a:rPr>
+              <a:t>63.38 ± 17.52</a:t>
+            </a:r>
+            <a:r>
+              <a:rPr lang="fa-IR" dirty="0">
+                <a:cs typeface="+mj-cs"/>
+              </a:rPr>
+              <a:t> سال بود.</a:t>
+            </a:r>
+            <a:endParaRPr lang="en-US" dirty="0">
+              <a:cs typeface="+mj-cs"/>
+            </a:endParaRPr>
           </a:p>
         </p:txBody>
       </p:sp>
     </p:spTree>
     <p:extLst>
       <p:ext uri="{BB962C8B-B14F-4D97-AF65-F5344CB8AC3E}">
-        <p14:creationId xmlns:p14="http://schemas.microsoft.com/office/powerpoint/2010/main" val="191647200"/>
+        <p14:creationId xmlns:p14="http://schemas.microsoft.com/office/powerpoint/2010/main" val="1481792794"/>
       </p:ext>
     </p:extLst>
   </p:cSld>
@@ -11095,7 +11270,7 @@
           <p:cNvPr id="2" name="Title 1">
             <a:extLst>
               <a:ext uri="{FF2B5EF4-FFF2-40B4-BE49-F238E27FC236}">
-                <a16:creationId xmlns:a16="http://schemas.microsoft.com/office/drawing/2014/main" id="{4BC1F650-F988-3CA6-AAA8-442019423B94}"/>
+                <a16:creationId xmlns:a16="http://schemas.microsoft.com/office/drawing/2014/main" id="{90D90BC4-66AD-976C-3D78-AAB7AE6AC037}"/>
               </a:ext>
             </a:extLst>
           </p:cNvPr>
@@ -11113,177 +11288,6 @@
           <a:p>
             <a:r>
               <a:rPr lang="fa-IR" dirty="0"/>
-              <a:t>یافته ها</a:t>
-            </a:r>
-            <a:endParaRPr lang="en-US" dirty="0"/>
-          </a:p>
-        </p:txBody>
-      </p:sp>
-      <p:sp>
-        <p:nvSpPr>
-          <p:cNvPr id="4" name="Text Placeholder 3">
-            <a:extLst>
-              <a:ext uri="{FF2B5EF4-FFF2-40B4-BE49-F238E27FC236}">
-                <a16:creationId xmlns:a16="http://schemas.microsoft.com/office/drawing/2014/main" id="{E252DA76-3CF8-7AA4-19F0-6DDDF91B6C85}"/>
-              </a:ext>
-            </a:extLst>
-          </p:cNvPr>
-          <p:cNvSpPr>
-            <a:spLocks noGrp="1"/>
-          </p:cNvSpPr>
-          <p:nvPr>
-            <p:ph type="body" sz="quarter" idx="13"/>
-          </p:nvPr>
-        </p:nvSpPr>
-        <p:spPr/>
-        <p:txBody>
-          <a:bodyPr>
-            <a:normAutofit/>
-          </a:bodyPr>
-          <a:lstStyle/>
-          <a:p>
-            <a:pPr marL="0" indent="0">
-              <a:lnSpc>
-                <a:spcPct val="200000"/>
-              </a:lnSpc>
-              <a:buNone/>
-            </a:pPr>
-            <a:r>
-              <a:rPr lang="fa-IR" dirty="0">
-                <a:solidFill>
-                  <a:srgbClr val="002060"/>
-                </a:solidFill>
-              </a:rPr>
-              <a:t>جمعیت مطالعه</a:t>
-            </a:r>
-          </a:p>
-          <a:p>
-            <a:pPr lvl="1">
-              <a:lnSpc>
-                <a:spcPct val="200000"/>
-              </a:lnSpc>
-            </a:pPr>
-            <a:r>
-              <a:rPr lang="fa-IR" dirty="0"/>
-              <a:t>13 بیمار </a:t>
-            </a:r>
-            <a:r>
-              <a:rPr lang="en-US" dirty="0"/>
-              <a:t>ICU</a:t>
-            </a:r>
-            <a:endParaRPr lang="fa-IR" dirty="0"/>
-          </a:p>
-          <a:p>
-            <a:pPr lvl="1">
-              <a:lnSpc>
-                <a:spcPct val="200000"/>
-              </a:lnSpc>
-            </a:pPr>
-            <a:r>
-              <a:rPr lang="fa-IR" dirty="0"/>
-              <a:t>۵۴.۶۱٪ </a:t>
-            </a:r>
-            <a:r>
-              <a:rPr lang="fa-IR" dirty="0">
-                <a:sym typeface="Wingdings 3" panose="05040102010807070707" pitchFamily="18" charset="2"/>
-              </a:rPr>
-              <a:t></a:t>
-            </a:r>
-            <a:r>
-              <a:rPr lang="en-US" dirty="0">
-                <a:sym typeface="Wingdings 3" panose="05040102010807070707" pitchFamily="18" charset="2"/>
-              </a:rPr>
-              <a:t> </a:t>
-            </a:r>
-            <a:r>
-              <a:rPr lang="fa-IR" dirty="0"/>
-              <a:t>مردان </a:t>
-            </a:r>
-            <a:endParaRPr lang="en-US" dirty="0"/>
-          </a:p>
-          <a:p>
-            <a:pPr lvl="1">
-              <a:lnSpc>
-                <a:spcPct val="200000"/>
-              </a:lnSpc>
-            </a:pPr>
-            <a:r>
-              <a:rPr lang="fa-IR" dirty="0"/>
-              <a:t>میانگین سنی </a:t>
-            </a:r>
-            <a:r>
-              <a:rPr lang="fa-IR" dirty="0" err="1"/>
-              <a:t>شرکت‌کنندگان</a:t>
-            </a:r>
-            <a:r>
-              <a:rPr lang="fa-IR" dirty="0"/>
-              <a:t> </a:t>
-            </a:r>
-            <a:r>
-              <a:rPr lang="en-US" dirty="0"/>
-              <a:t>63.38 ± 17.52</a:t>
-            </a:r>
-            <a:r>
-              <a:rPr lang="fa-IR" dirty="0"/>
-              <a:t> سال بود.</a:t>
-            </a:r>
-            <a:endParaRPr lang="en-US" dirty="0"/>
-          </a:p>
-        </p:txBody>
-      </p:sp>
-    </p:spTree>
-    <p:extLst>
-      <p:ext uri="{BB962C8B-B14F-4D97-AF65-F5344CB8AC3E}">
-        <p14:creationId xmlns:p14="http://schemas.microsoft.com/office/powerpoint/2010/main" val="1481792794"/>
-      </p:ext>
-    </p:extLst>
-  </p:cSld>
-  <p:clrMapOvr>
-    <a:masterClrMapping/>
-  </p:clrMapOvr>
-</p:sld>
-</file>
-
-<file path=ppt/slides/slide25.xml><?xml version="1.0" encoding="utf-8"?>
-<p:sld xmlns:a="http://schemas.openxmlformats.org/drawingml/2006/main" xmlns:r="http://schemas.openxmlformats.org/officeDocument/2006/relationships" xmlns:p="http://schemas.openxmlformats.org/presentationml/2006/main">
-  <p:cSld>
-    <p:spTree>
-      <p:nvGrpSpPr>
-        <p:cNvPr id="1" name=""/>
-        <p:cNvGrpSpPr/>
-        <p:nvPr/>
-      </p:nvGrpSpPr>
-      <p:grpSpPr>
-        <a:xfrm>
-          <a:off x="0" y="0"/>
-          <a:ext cx="0" cy="0"/>
-          <a:chOff x="0" y="0"/>
-          <a:chExt cx="0" cy="0"/>
-        </a:xfrm>
-      </p:grpSpPr>
-      <p:sp>
-        <p:nvSpPr>
-          <p:cNvPr id="2" name="Title 1">
-            <a:extLst>
-              <a:ext uri="{FF2B5EF4-FFF2-40B4-BE49-F238E27FC236}">
-                <a16:creationId xmlns:a16="http://schemas.microsoft.com/office/drawing/2014/main" id="{90D90BC4-66AD-976C-3D78-AAB7AE6AC037}"/>
-              </a:ext>
-            </a:extLst>
-          </p:cNvPr>
-          <p:cNvSpPr>
-            <a:spLocks noGrp="1"/>
-          </p:cNvSpPr>
-          <p:nvPr>
-            <p:ph type="title"/>
-          </p:nvPr>
-        </p:nvSpPr>
-        <p:spPr/>
-        <p:txBody>
-          <a:bodyPr/>
-          <a:lstStyle/>
-          <a:p>
-            <a:r>
-              <a:rPr lang="fa-IR" dirty="0"/>
               <a:t>خصوصیات پایه ای بیماران</a:t>
             </a:r>
             <a:endParaRPr lang="en-US" dirty="0"/>
@@ -11292,19 +11296,17 @@
       </p:sp>
       <p:pic>
         <p:nvPicPr>
-          <p:cNvPr id="7" name="Content Placeholder 6">
-            <a:extLst>
-              <a:ext uri="{FF2B5EF4-FFF2-40B4-BE49-F238E27FC236}">
-                <a16:creationId xmlns:a16="http://schemas.microsoft.com/office/drawing/2014/main" id="{D2070E2B-8F70-9BE3-B2DE-D88C5A8FE78D}"/>
+          <p:cNvPr id="4" name="Picture 3">
+            <a:extLst>
+              <a:ext uri="{FF2B5EF4-FFF2-40B4-BE49-F238E27FC236}">
+                <a16:creationId xmlns:a16="http://schemas.microsoft.com/office/drawing/2014/main" id="{7283A694-B35C-DF94-C43F-49F55D106295}"/>
               </a:ext>
             </a:extLst>
           </p:cNvPr>
           <p:cNvPicPr>
-            <a:picLocks noGrp="1" noChangeAspect="1"/>
+            <a:picLocks noChangeAspect="1"/>
           </p:cNvPicPr>
-          <p:nvPr>
-            <p:ph idx="4294967295"/>
-          </p:nvPr>
+          <p:nvPr/>
         </p:nvPicPr>
         <p:blipFill>
           <a:blip r:embed="rId2"/>
@@ -11314,9 +11316,12 @@
         </p:blipFill>
         <p:spPr>
           <a:xfrm>
-            <a:off x="4261260" y="492792"/>
-            <a:ext cx="6623050" cy="5416550"/>
+            <a:off x="4461499" y="523923"/>
+            <a:ext cx="6747276" cy="5810154"/>
           </a:xfrm>
+          <a:prstGeom prst="rect">
+            <a:avLst/>
+          </a:prstGeom>
         </p:spPr>
       </p:pic>
     </p:spTree>
@@ -11332,7 +11337,7 @@
 </p:sld>
 </file>
 
-<file path=ppt/slides/slide26.xml><?xml version="1.0" encoding="utf-8"?>
+<file path=ppt/slides/slide25.xml><?xml version="1.0" encoding="utf-8"?>
 <p:sld xmlns:a="http://schemas.openxmlformats.org/drawingml/2006/main" xmlns:r="http://schemas.openxmlformats.org/officeDocument/2006/relationships" xmlns:p="http://schemas.openxmlformats.org/presentationml/2006/main">
   <p:cSld>
     <p:spTree>
@@ -11445,7 +11450,7 @@
 </p:sld>
 </file>
 
-<file path=ppt/slides/slide27.xml><?xml version="1.0" encoding="utf-8"?>
+<file path=ppt/slides/slide26.xml><?xml version="1.0" encoding="utf-8"?>
 <p:sld xmlns:a="http://schemas.openxmlformats.org/drawingml/2006/main" xmlns:r="http://schemas.openxmlformats.org/officeDocument/2006/relationships" xmlns:p="http://schemas.openxmlformats.org/presentationml/2006/main">
   <p:cSld>
     <p:spTree>
@@ -11534,7 +11539,7 @@
 </p:sld>
 </file>
 
-<file path=ppt/slides/slide28.xml><?xml version="1.0" encoding="utf-8"?>
+<file path=ppt/slides/slide27.xml><?xml version="1.0" encoding="utf-8"?>
 <p:sld xmlns:a="http://schemas.openxmlformats.org/drawingml/2006/main" xmlns:r="http://schemas.openxmlformats.org/officeDocument/2006/relationships" xmlns:p="http://schemas.openxmlformats.org/presentationml/2006/main">
   <p:cSld>
     <p:spTree>
@@ -11686,7 +11691,7 @@
 </p:sld>
 </file>
 
-<file path=ppt/slides/slide29.xml><?xml version="1.0" encoding="utf-8"?>
+<file path=ppt/slides/slide28.xml><?xml version="1.0" encoding="utf-8"?>
 <p:sld xmlns:a="http://schemas.openxmlformats.org/drawingml/2006/main" xmlns:r="http://schemas.openxmlformats.org/officeDocument/2006/relationships" xmlns:p="http://schemas.openxmlformats.org/presentationml/2006/main">
   <p:cSld>
     <p:spTree>
@@ -11733,10 +11738,150 @@
           </a:prstGeom>
         </p:spPr>
       </p:pic>
+      <p:sp>
+        <p:nvSpPr>
+          <p:cNvPr id="2" name="TextBox 1">
+            <a:extLst>
+              <a:ext uri="{FF2B5EF4-FFF2-40B4-BE49-F238E27FC236}">
+                <a16:creationId xmlns:a16="http://schemas.microsoft.com/office/drawing/2014/main" id="{E9DFCDD4-71EE-937D-8556-DC963012E5C2}"/>
+              </a:ext>
+            </a:extLst>
+          </p:cNvPr>
+          <p:cNvSpPr txBox="1"/>
+          <p:nvPr/>
+        </p:nvSpPr>
+        <p:spPr>
+          <a:xfrm>
+            <a:off x="10354962" y="2854411"/>
+            <a:ext cx="184731" cy="369332"/>
+          </a:xfrm>
+          <a:prstGeom prst="rect">
+            <a:avLst/>
+          </a:prstGeom>
+          <a:noFill/>
+        </p:spPr>
+        <p:txBody>
+          <a:bodyPr wrap="none" rtlCol="0">
+            <a:spAutoFit/>
+          </a:bodyPr>
+          <a:lstStyle/>
+          <a:p>
+            <a:pPr marL="0" algn="r" defTabSz="914400" rtl="1" eaLnBrk="1" latinLnBrk="0" hangingPunct="1"/>
+            <a:endParaRPr lang="en-IR"/>
+          </a:p>
+        </p:txBody>
+      </p:sp>
     </p:spTree>
     <p:extLst>
       <p:ext uri="{BB962C8B-B14F-4D97-AF65-F5344CB8AC3E}">
         <p14:creationId xmlns:p14="http://schemas.microsoft.com/office/powerpoint/2010/main" val="1977110573"/>
+      </p:ext>
+    </p:extLst>
+  </p:cSld>
+  <p:clrMapOvr>
+    <a:masterClrMapping/>
+  </p:clrMapOvr>
+</p:sld>
+</file>
+
+<file path=ppt/slides/slide29.xml><?xml version="1.0" encoding="utf-8"?>
+<p:sld xmlns:a="http://schemas.openxmlformats.org/drawingml/2006/main" xmlns:r="http://schemas.openxmlformats.org/officeDocument/2006/relationships" xmlns:p="http://schemas.openxmlformats.org/presentationml/2006/main">
+  <p:cSld>
+    <p:spTree>
+      <p:nvGrpSpPr>
+        <p:cNvPr id="1" name=""/>
+        <p:cNvGrpSpPr/>
+        <p:nvPr/>
+      </p:nvGrpSpPr>
+      <p:grpSpPr>
+        <a:xfrm>
+          <a:off x="0" y="0"/>
+          <a:ext cx="0" cy="0"/>
+          <a:chOff x="0" y="0"/>
+          <a:chExt cx="0" cy="0"/>
+        </a:xfrm>
+      </p:grpSpPr>
+      <p:sp>
+        <p:nvSpPr>
+          <p:cNvPr id="2" name="Title 1">
+            <a:extLst>
+              <a:ext uri="{FF2B5EF4-FFF2-40B4-BE49-F238E27FC236}">
+                <a16:creationId xmlns:a16="http://schemas.microsoft.com/office/drawing/2014/main" id="{9FF5F8A0-7C79-8907-3A9D-256FCC7C8863}"/>
+              </a:ext>
+            </a:extLst>
+          </p:cNvPr>
+          <p:cNvSpPr>
+            <a:spLocks noGrp="1"/>
+          </p:cNvSpPr>
+          <p:nvPr>
+            <p:ph type="title"/>
+          </p:nvPr>
+        </p:nvSpPr>
+        <p:spPr>
+          <a:xfrm rot="16200000">
+            <a:off x="-1360432" y="2869984"/>
+            <a:ext cx="5507182" cy="1118033"/>
+          </a:xfrm>
+        </p:spPr>
+        <p:txBody>
+          <a:bodyPr>
+            <a:normAutofit fontScale="90000"/>
+          </a:bodyPr>
+          <a:lstStyle/>
+          <a:p>
+            <a:r>
+              <a:rPr lang="fa-IR" dirty="0"/>
+              <a:t>توصیف فارماکوکینتیک اریتروپویتین۲۰۰۰۰وریدی</a:t>
+            </a:r>
+            <a:endParaRPr lang="en-IR" dirty="0"/>
+          </a:p>
+        </p:txBody>
+      </p:sp>
+      <p:sp>
+        <p:nvSpPr>
+          <p:cNvPr id="3" name="Text Placeholder 2">
+            <a:extLst>
+              <a:ext uri="{FF2B5EF4-FFF2-40B4-BE49-F238E27FC236}">
+                <a16:creationId xmlns:a16="http://schemas.microsoft.com/office/drawing/2014/main" id="{C13B65BA-C83B-A5E6-EC2E-CC9CDCA4558E}"/>
+              </a:ext>
+            </a:extLst>
+          </p:cNvPr>
+          <p:cNvSpPr>
+            <a:spLocks noGrp="1"/>
+          </p:cNvSpPr>
+          <p:nvPr>
+            <p:ph type="body" sz="quarter" idx="13"/>
+          </p:nvPr>
+        </p:nvSpPr>
+        <p:spPr>
+          <a:xfrm>
+            <a:off x="3823855" y="675408"/>
+            <a:ext cx="7529945" cy="5226627"/>
+          </a:xfrm>
+        </p:spPr>
+        <p:txBody>
+          <a:bodyPr anchor="ctr">
+            <a:normAutofit/>
+          </a:bodyPr>
+          <a:lstStyle/>
+          <a:p>
+            <a:r>
+              <a:rPr lang="fa-IR" dirty="0"/>
+              <a:t> حجم توزیع دارو:۲۳.۲۱ لیتر</a:t>
+            </a:r>
+          </a:p>
+          <a:p>
+            <a:r>
+              <a:rPr lang="fa-IR" dirty="0"/>
+              <a:t>نیمه عمر دارو:۲۵.۶۷ساعت</a:t>
+            </a:r>
+          </a:p>
+        </p:txBody>
+      </p:sp>
+    </p:spTree>
+    <p:extLst>
+      <p:ext uri="{BB962C8B-B14F-4D97-AF65-F5344CB8AC3E}">
+        <p14:creationId xmlns:p14="http://schemas.microsoft.com/office/powerpoint/2010/main" val="3110860715"/>
       </p:ext>
     </p:extLst>
   </p:cSld>
@@ -11810,8 +11955,8 @@
         </p:nvSpPr>
         <p:spPr>
           <a:xfrm>
-            <a:off x="7423355" y="675408"/>
-            <a:ext cx="3930445" cy="5226627"/>
+            <a:off x="3793525" y="675409"/>
+            <a:ext cx="7560276" cy="4885132"/>
           </a:xfrm>
         </p:spPr>
         <p:txBody>
@@ -11821,65 +11966,92 @@
           <a:lstStyle/>
           <a:p>
             <a:r>
-              <a:rPr lang="fa-IR" dirty="0"/>
+              <a:rPr lang="fa-IR" dirty="0">
+                <a:cs typeface="+mj-cs"/>
+              </a:rPr>
               <a:t>آنمی: کاهش سطح هموگلوبین</a:t>
             </a:r>
           </a:p>
           <a:p>
             <a:pPr lvl="1"/>
             <a:r>
-              <a:rPr lang="fa-IR" dirty="0"/>
+              <a:rPr lang="fa-IR" sz="3200" dirty="0">
+                <a:cs typeface="+mj-cs"/>
+              </a:rPr>
               <a:t>یکی از مشکلات بسیار شایع در </a:t>
             </a:r>
             <a:r>
-              <a:rPr lang="en-US" dirty="0"/>
+              <a:rPr lang="en-US" sz="3200" dirty="0">
+                <a:cs typeface="+mj-cs"/>
+              </a:rPr>
               <a:t>ICU</a:t>
             </a:r>
+            <a:endParaRPr lang="fa-IR" sz="3200" dirty="0">
+              <a:cs typeface="+mj-cs"/>
+            </a:endParaRPr>
+          </a:p>
+          <a:p>
+            <a:pPr marL="457200" lvl="1" indent="0">
+              <a:buNone/>
+            </a:pPr>
+            <a:endParaRPr lang="en-US" sz="3200" dirty="0">
+              <a:cs typeface="+mj-cs"/>
+            </a:endParaRPr>
           </a:p>
           <a:p>
             <a:pPr lvl="1"/>
-            <a:endParaRPr lang="en-US" dirty="0"/>
-          </a:p>
-          <a:p>
-            <a:r>
-              <a:rPr lang="fa-IR" dirty="0"/>
+            <a:endParaRPr lang="fa-IR" sz="3200" dirty="0">
+              <a:cs typeface="+mj-cs"/>
+            </a:endParaRPr>
+          </a:p>
+          <a:p>
+            <a:pPr lvl="1"/>
+            <a:endParaRPr lang="fa-IR" sz="3200" dirty="0">
+              <a:cs typeface="+mj-cs"/>
+            </a:endParaRPr>
+          </a:p>
+          <a:p>
+            <a:r>
+              <a:rPr lang="fa-IR" sz="2400" dirty="0">
+                <a:cs typeface="+mj-cs"/>
+              </a:rPr>
               <a:t>کاهش </a:t>
             </a:r>
             <a:r>
-              <a:rPr lang="fa-IR" dirty="0" err="1"/>
-              <a:t>هماتوپوئز</a:t>
-            </a:r>
-            <a:endParaRPr lang="fa-IR" dirty="0"/>
+              <a:rPr lang="fa-IR" sz="2400" dirty="0" err="1">
+                <a:cs typeface="+mj-cs"/>
+              </a:rPr>
+              <a:t>هماتوپویتز</a:t>
+            </a:r>
+            <a:endParaRPr lang="fa-IR" sz="2400" dirty="0">
+              <a:cs typeface="+mj-cs"/>
+            </a:endParaRPr>
           </a:p>
           <a:p>
             <a:pPr lvl="1"/>
             <a:r>
-              <a:rPr lang="fa-IR" dirty="0"/>
+              <a:rPr lang="fa-IR" sz="2400" dirty="0">
+                <a:cs typeface="+mj-cs"/>
+              </a:rPr>
               <a:t>سوء تغذیه</a:t>
             </a:r>
           </a:p>
           <a:p>
             <a:pPr lvl="1"/>
             <a:r>
-              <a:rPr lang="fa-IR" dirty="0"/>
+              <a:rPr lang="fa-IR" sz="2400" dirty="0">
+                <a:cs typeface="+mj-cs"/>
+              </a:rPr>
               <a:t>نارسایی کلیه</a:t>
             </a:r>
           </a:p>
           <a:p>
             <a:pPr lvl="1"/>
-            <a:r>
-              <a:rPr lang="fa-IR" dirty="0"/>
-              <a:t>بیماری های </a:t>
-            </a:r>
-            <a:r>
-              <a:rPr lang="fa-IR" dirty="0" err="1"/>
-              <a:t>میلوپرولیفراتیو</a:t>
-            </a:r>
-            <a:endParaRPr lang="fa-IR" dirty="0"/>
+            <a:endParaRPr lang="en-US" sz="2400" dirty="0"/>
           </a:p>
           <a:p>
             <a:pPr lvl="1"/>
-            <a:endParaRPr lang="en-US" dirty="0"/>
+            <a:endParaRPr lang="en-US" sz="2400" dirty="0"/>
           </a:p>
         </p:txBody>
       </p:sp>
@@ -11950,8 +12122,8 @@
         </p:nvSpPr>
         <p:spPr>
           <a:xfrm>
-            <a:off x="3492910" y="675407"/>
-            <a:ext cx="3930445" cy="5226627"/>
+            <a:off x="2912143" y="2261286"/>
+            <a:ext cx="5539879" cy="3188044"/>
           </a:xfrm>
           <a:prstGeom prst="rect">
             <a:avLst/>
@@ -11959,7 +12131,7 @@
         </p:spPr>
         <p:txBody>
           <a:bodyPr vert="horz" lIns="91440" tIns="45720" rIns="91440" bIns="45720" rtlCol="0">
-            <a:normAutofit/>
+            <a:normAutofit fontScale="85000" lnSpcReduction="20000"/>
           </a:bodyPr>
           <a:lstStyle>
             <a:lvl1pPr marL="228600" indent="-228600" algn="r" defTabSz="914400" rtl="1" eaLnBrk="1" latinLnBrk="0" hangingPunct="1">
@@ -12127,68 +12299,94 @@
           </a:lstStyle>
           <a:p>
             <a:r>
-              <a:rPr lang="fa-IR" dirty="0"/>
+              <a:rPr lang="fa-IR" dirty="0">
+                <a:cs typeface="+mj-cs"/>
+              </a:rPr>
               <a:t>افزایش تخریب</a:t>
             </a:r>
           </a:p>
           <a:p>
             <a:pPr lvl="1"/>
             <a:r>
-              <a:rPr lang="fa-IR" dirty="0"/>
+              <a:rPr lang="fa-IR" dirty="0">
+                <a:cs typeface="+mj-cs"/>
+              </a:rPr>
               <a:t>مکانیسم های خود ایمنی</a:t>
             </a:r>
           </a:p>
           <a:p>
             <a:pPr lvl="1"/>
             <a:r>
-              <a:rPr lang="fa-IR" dirty="0" err="1"/>
+              <a:rPr lang="fa-IR" dirty="0" err="1">
+                <a:cs typeface="+mj-cs"/>
+              </a:rPr>
               <a:t>همولیز</a:t>
             </a:r>
             <a:r>
-              <a:rPr lang="fa-IR" dirty="0"/>
+              <a:rPr lang="fa-IR" dirty="0">
+                <a:cs typeface="+mj-cs"/>
+              </a:rPr>
               <a:t> داخل عروقی</a:t>
             </a:r>
           </a:p>
           <a:p>
             <a:pPr lvl="1"/>
             <a:r>
-              <a:rPr lang="fa-IR" dirty="0" err="1"/>
+              <a:rPr lang="fa-IR" dirty="0" err="1">
+                <a:cs typeface="+mj-cs"/>
+              </a:rPr>
               <a:t>همولیز</a:t>
             </a:r>
             <a:r>
-              <a:rPr lang="fa-IR" dirty="0"/>
+              <a:rPr lang="fa-IR" dirty="0">
+                <a:cs typeface="+mj-cs"/>
+              </a:rPr>
               <a:t> خارج عروقی</a:t>
             </a:r>
           </a:p>
           <a:p>
             <a:pPr lvl="1"/>
-            <a:endParaRPr lang="fa-IR" dirty="0"/>
-          </a:p>
-          <a:p>
-            <a:r>
-              <a:rPr lang="fa-IR" dirty="0"/>
+            <a:endParaRPr lang="fa-IR" dirty="0">
+              <a:cs typeface="+mj-cs"/>
+            </a:endParaRPr>
+          </a:p>
+          <a:p>
+            <a:r>
+              <a:rPr lang="fa-IR" sz="3300" dirty="0">
+                <a:latin typeface="Hiragino Kaku Gothic Std W8" panose="020B0800000000000000" pitchFamily="34" charset="-128"/>
+                <a:ea typeface="Hiragino Kaku Gothic Std W8" panose="020B0800000000000000" pitchFamily="34" charset="-128"/>
+                <a:cs typeface="+mj-cs"/>
+              </a:rPr>
               <a:t>از دست دادن خون</a:t>
             </a:r>
           </a:p>
           <a:p>
             <a:pPr lvl="1"/>
             <a:r>
-              <a:rPr lang="fa-IR" dirty="0"/>
+              <a:rPr lang="fa-IR" dirty="0">
+                <a:cs typeface="+mj-cs"/>
+              </a:rPr>
               <a:t>خونریزی </a:t>
             </a:r>
-            <a:endParaRPr lang="en-US" dirty="0"/>
+            <a:endParaRPr lang="en-US" dirty="0">
+              <a:cs typeface="+mj-cs"/>
+            </a:endParaRPr>
           </a:p>
           <a:p>
             <a:pPr lvl="1"/>
             <a:r>
-              <a:rPr lang="fa-IR" dirty="0"/>
+              <a:rPr lang="fa-IR" dirty="0">
+                <a:cs typeface="+mj-cs"/>
+              </a:rPr>
               <a:t>جراحی های گسترده</a:t>
             </a:r>
           </a:p>
           <a:p>
             <a:pPr lvl="1"/>
             <a:r>
-              <a:rPr lang="fa-IR" dirty="0"/>
+              <a:rPr lang="fa-IR" dirty="0">
+                <a:cs typeface="+mj-cs"/>
+              </a:rPr>
               <a:t>تروما</a:t>
             </a:r>
           </a:p>
@@ -12283,55 +12481,81 @@
           <a:lstStyle/>
           <a:p>
             <a:r>
-              <a:rPr lang="fa-IR" dirty="0"/>
+              <a:rPr lang="fa-IR" dirty="0">
+                <a:cs typeface="+mj-cs"/>
+              </a:rPr>
               <a:t>نتایج این مطالعه نشان </a:t>
             </a:r>
             <a:r>
-              <a:rPr lang="fa-IR" dirty="0" err="1"/>
+              <a:rPr lang="fa-IR" dirty="0" err="1">
+                <a:cs typeface="+mj-cs"/>
+              </a:rPr>
               <a:t>می‌دهد</a:t>
             </a:r>
             <a:r>
-              <a:rPr lang="fa-IR" dirty="0"/>
+              <a:rPr lang="fa-IR" dirty="0">
+                <a:cs typeface="+mj-cs"/>
+              </a:rPr>
               <a:t> که مدل </a:t>
             </a:r>
             <a:r>
-              <a:rPr lang="fa-IR" dirty="0" err="1"/>
+              <a:rPr lang="fa-IR" dirty="0" err="1">
+                <a:cs typeface="+mj-cs"/>
+              </a:rPr>
               <a:t>دو‌کمپارتمانه</a:t>
             </a:r>
             <a:r>
-              <a:rPr lang="fa-IR" dirty="0"/>
+              <a:rPr lang="fa-IR" dirty="0">
+                <a:cs typeface="+mj-cs"/>
+              </a:rPr>
               <a:t> با در نظر گرفتن </a:t>
             </a:r>
             <a:r>
-              <a:rPr lang="en-US" dirty="0"/>
-              <a:t>GFR، </a:t>
-            </a:r>
-            <a:r>
-              <a:rPr lang="fa-IR" dirty="0"/>
+              <a:rPr lang="en-US" dirty="0">
+                <a:cs typeface="+mj-cs"/>
+              </a:rPr>
+              <a:t>، GFR</a:t>
+            </a:r>
+            <a:r>
+              <a:rPr lang="fa-IR" dirty="0">
+                <a:cs typeface="+mj-cs"/>
+              </a:rPr>
               <a:t>جنسیت و سن بهترین تطابق را با </a:t>
             </a:r>
             <a:r>
-              <a:rPr lang="fa-IR" dirty="0" err="1"/>
+              <a:rPr lang="fa-IR" dirty="0" err="1">
+                <a:cs typeface="+mj-cs"/>
+              </a:rPr>
               <a:t>داده‌ها</a:t>
             </a:r>
             <a:r>
-              <a:rPr lang="fa-IR" dirty="0"/>
+              <a:rPr lang="fa-IR" dirty="0">
+                <a:cs typeface="+mj-cs"/>
+              </a:rPr>
               <a:t> داشته و </a:t>
             </a:r>
             <a:r>
-              <a:rPr lang="fa-IR" dirty="0" err="1"/>
+              <a:rPr lang="fa-IR" dirty="0" err="1">
+                <a:cs typeface="+mj-cs"/>
+              </a:rPr>
               <a:t>می‌تواند</a:t>
             </a:r>
             <a:r>
-              <a:rPr lang="fa-IR" dirty="0"/>
+              <a:rPr lang="fa-IR" dirty="0">
+                <a:cs typeface="+mj-cs"/>
+              </a:rPr>
               <a:t> برای تحلیل و </a:t>
             </a:r>
             <a:r>
-              <a:rPr lang="fa-IR" dirty="0" err="1"/>
+              <a:rPr lang="fa-IR" dirty="0" err="1">
+                <a:cs typeface="+mj-cs"/>
+              </a:rPr>
               <a:t>پیش‌بینی</a:t>
             </a:r>
             <a:r>
-              <a:rPr lang="fa-IR" dirty="0"/>
+              <a:rPr lang="fa-IR" dirty="0">
+                <a:cs typeface="+mj-cs"/>
+              </a:rPr>
               <a:t> سطح سرمی اریتروپویتین وریدی استفاده شود.</a:t>
             </a:r>
           </a:p>
@@ -12420,114 +12644,186 @@
           <a:lstStyle/>
           <a:p>
             <a:r>
+              <a:rPr lang="fa-IR" sz="2800" dirty="0">
+                <a:cs typeface="+mj-cs"/>
+              </a:rPr>
+              <a:t>این مطالعه نشان </a:t>
+            </a:r>
+            <a:r>
+              <a:rPr lang="fa-IR" sz="2800" dirty="0" err="1">
+                <a:cs typeface="+mj-cs"/>
+              </a:rPr>
+              <a:t>می‌دهد</a:t>
+            </a:r>
+            <a:r>
+              <a:rPr lang="fa-IR" sz="2800" dirty="0">
+                <a:cs typeface="+mj-cs"/>
+              </a:rPr>
+              <a:t> که فارماکوکینتیک </a:t>
+            </a:r>
+            <a:r>
+              <a:rPr lang="fa-IR" sz="2800" dirty="0" err="1">
+                <a:cs typeface="+mj-cs"/>
+              </a:rPr>
+              <a:t>اریتروپوئتین</a:t>
+            </a:r>
+            <a:r>
+              <a:rPr lang="fa-IR" sz="2800" dirty="0">
+                <a:cs typeface="+mj-cs"/>
+              </a:rPr>
+              <a:t> وریدی های دوز در مریض </a:t>
+            </a:r>
+            <a:r>
+              <a:rPr lang="fa-IR" sz="2800" dirty="0" err="1">
+                <a:cs typeface="+mj-cs"/>
+              </a:rPr>
+              <a:t>بدحال</a:t>
+            </a:r>
+            <a:r>
+              <a:rPr lang="fa-IR" sz="2800" dirty="0">
+                <a:cs typeface="+mj-cs"/>
+              </a:rPr>
+              <a:t> تحت تأثیر عوامل فردی نظیر سن، جنسیت و عملکرد کلیوی است. </a:t>
+            </a:r>
+            <a:endParaRPr lang="en-US" sz="2800" dirty="0">
+              <a:cs typeface="+mj-cs"/>
+            </a:endParaRPr>
+          </a:p>
+          <a:p>
+            <a:r>
+              <a:rPr lang="fa-IR" sz="2800" dirty="0">
+                <a:cs typeface="+mj-cs"/>
+              </a:rPr>
+              <a:t>این عوامل </a:t>
+            </a:r>
+            <a:r>
+              <a:rPr lang="fa-IR" sz="2800" dirty="0" err="1">
+                <a:cs typeface="+mj-cs"/>
+              </a:rPr>
+              <a:t>می‌توانند</a:t>
+            </a:r>
+            <a:r>
+              <a:rPr lang="fa-IR" sz="2800" dirty="0">
+                <a:cs typeface="+mj-cs"/>
+              </a:rPr>
+              <a:t> بر حجم توزیع، </a:t>
+            </a:r>
+            <a:r>
+              <a:rPr lang="fa-IR" sz="2800" dirty="0" err="1">
+                <a:cs typeface="+mj-cs"/>
+              </a:rPr>
+              <a:t>زیست‌دسترس‌پذیری</a:t>
+            </a:r>
+            <a:r>
+              <a:rPr lang="fa-IR" sz="2800" dirty="0">
+                <a:cs typeface="+mj-cs"/>
+              </a:rPr>
+              <a:t> و نرخ پاکسازی دارو تأثیر بگذارند. </a:t>
+            </a:r>
+            <a:endParaRPr lang="en-US" sz="2800" dirty="0">
+              <a:cs typeface="+mj-cs"/>
+            </a:endParaRPr>
+          </a:p>
+          <a:p>
+            <a:r>
+              <a:rPr lang="fa-IR" sz="2800" dirty="0" err="1">
+                <a:cs typeface="+mj-cs"/>
+              </a:rPr>
+              <a:t>مدل‌سازی</a:t>
+            </a:r>
+            <a:r>
+              <a:rPr lang="fa-IR" sz="2800" dirty="0">
+                <a:cs typeface="+mj-cs"/>
+              </a:rPr>
+              <a:t> دو-</a:t>
+            </a:r>
+            <a:r>
+              <a:rPr lang="fa-IR" sz="2800" dirty="0" err="1">
+                <a:cs typeface="+mj-cs"/>
+              </a:rPr>
+              <a:t>کمپارتمانه</a:t>
+            </a:r>
+            <a:r>
+              <a:rPr lang="fa-IR" sz="2800" dirty="0">
+                <a:cs typeface="+mj-cs"/>
+              </a:rPr>
+              <a:t> ابزار مناسبی برای درک بهتر </a:t>
+            </a:r>
+            <a:r>
+              <a:rPr lang="fa-IR" sz="2800" dirty="0" err="1">
+                <a:cs typeface="+mj-cs"/>
+              </a:rPr>
+              <a:t>کینتیک</a:t>
+            </a:r>
+            <a:r>
+              <a:rPr lang="fa-IR" sz="2800" dirty="0">
+                <a:cs typeface="+mj-cs"/>
+              </a:rPr>
+              <a:t> دارو ارائه </a:t>
+            </a:r>
+            <a:r>
+              <a:rPr lang="fa-IR" sz="2800" dirty="0" err="1">
+                <a:cs typeface="+mj-cs"/>
+              </a:rPr>
+              <a:t>می‌دهد</a:t>
+            </a:r>
+            <a:r>
+              <a:rPr lang="fa-IR" sz="2800" dirty="0">
+                <a:cs typeface="+mj-cs"/>
+              </a:rPr>
+              <a:t> و </a:t>
+            </a:r>
+            <a:r>
+              <a:rPr lang="fa-IR" sz="2800" dirty="0" err="1">
+                <a:cs typeface="+mj-cs"/>
+              </a:rPr>
+              <a:t>می‌تواند</a:t>
+            </a:r>
+            <a:r>
+              <a:rPr lang="fa-IR" sz="2800" dirty="0">
+                <a:cs typeface="+mj-cs"/>
+              </a:rPr>
+              <a:t> به بهبود </a:t>
+            </a:r>
+            <a:r>
+              <a:rPr lang="fa-IR" sz="2800" dirty="0" err="1">
+                <a:cs typeface="+mj-cs"/>
+              </a:rPr>
+              <a:t>دوزبندی</a:t>
+            </a:r>
+            <a:r>
+              <a:rPr lang="fa-IR" sz="2800" dirty="0">
+                <a:cs typeface="+mj-cs"/>
+              </a:rPr>
+              <a:t> و افزایش اثربخشی </a:t>
+            </a:r>
+            <a:r>
+              <a:rPr lang="fa-IR" sz="2800" dirty="0" err="1">
+                <a:cs typeface="+mj-cs"/>
+              </a:rPr>
+              <a:t>اریتروپوئتین</a:t>
+            </a:r>
+            <a:r>
+              <a:rPr lang="fa-IR" sz="2800" dirty="0">
+                <a:cs typeface="+mj-cs"/>
+              </a:rPr>
+              <a:t> در بیماران </a:t>
+            </a:r>
+            <a:r>
+              <a:rPr lang="fa-IR" sz="2800" dirty="0" err="1">
+                <a:cs typeface="+mj-cs"/>
+              </a:rPr>
+              <a:t>بدحال</a:t>
+            </a:r>
+            <a:r>
+              <a:rPr lang="fa-IR" sz="2800" dirty="0">
+                <a:cs typeface="+mj-cs"/>
+              </a:rPr>
+              <a:t> کمک کند</a:t>
+            </a:r>
+            <a:r>
               <a:rPr lang="fa-IR" dirty="0"/>
-              <a:t>این مطالعه نشان </a:t>
-            </a:r>
-            <a:r>
-              <a:rPr lang="fa-IR" dirty="0" err="1"/>
-              <a:t>می‌دهد</a:t>
-            </a:r>
-            <a:r>
-              <a:rPr lang="fa-IR" dirty="0"/>
-              <a:t> که فارماکوکینتیک </a:t>
-            </a:r>
-            <a:r>
-              <a:rPr lang="fa-IR" dirty="0" err="1"/>
-              <a:t>اریتروپوئتین</a:t>
-            </a:r>
-            <a:r>
-              <a:rPr lang="fa-IR" dirty="0"/>
-              <a:t> تحت تأثیر عوامل فردی نظیر سن، جنسیت و عملکرد کلیوی است. </a:t>
-            </a:r>
-            <a:endParaRPr lang="en-US" dirty="0"/>
-          </a:p>
-          <a:p>
-            <a:r>
-              <a:rPr lang="fa-IR" dirty="0"/>
-              <a:t>این عوامل </a:t>
-            </a:r>
-            <a:r>
-              <a:rPr lang="fa-IR" dirty="0" err="1"/>
-              <a:t>می‌توانند</a:t>
-            </a:r>
-            <a:r>
-              <a:rPr lang="fa-IR" dirty="0"/>
-              <a:t> بر حجم توزیع، </a:t>
-            </a:r>
-            <a:r>
-              <a:rPr lang="fa-IR" dirty="0" err="1"/>
-              <a:t>زیست‌دسترس‌پذیری</a:t>
-            </a:r>
-            <a:r>
-              <a:rPr lang="fa-IR" dirty="0"/>
-              <a:t> و نرخ پاکسازی دارو تأثیر بگذارند. </a:t>
-            </a:r>
-            <a:endParaRPr lang="en-US" dirty="0"/>
-          </a:p>
-          <a:p>
-            <a:r>
-              <a:rPr lang="fa-IR" dirty="0" err="1"/>
-              <a:t>مدل‌سازی</a:t>
-            </a:r>
-            <a:r>
-              <a:rPr lang="fa-IR" dirty="0"/>
-              <a:t> دو-</a:t>
-            </a:r>
-            <a:r>
-              <a:rPr lang="fa-IR" dirty="0" err="1"/>
-              <a:t>کمپارتمانه</a:t>
-            </a:r>
-            <a:r>
-              <a:rPr lang="fa-IR" dirty="0"/>
-              <a:t> ابزار مناسبی برای درک بهتر </a:t>
-            </a:r>
-            <a:r>
-              <a:rPr lang="fa-IR" dirty="0" err="1"/>
-              <a:t>دینامیک</a:t>
-            </a:r>
-            <a:r>
-              <a:rPr lang="fa-IR" dirty="0"/>
-              <a:t> دارو ارائه </a:t>
-            </a:r>
-            <a:r>
-              <a:rPr lang="fa-IR" dirty="0" err="1"/>
-              <a:t>می‌دهد</a:t>
-            </a:r>
-            <a:r>
-              <a:rPr lang="fa-IR" dirty="0"/>
-              <a:t> و </a:t>
-            </a:r>
-            <a:r>
-              <a:rPr lang="fa-IR" dirty="0" err="1"/>
-              <a:t>می‌تواند</a:t>
-            </a:r>
-            <a:r>
-              <a:rPr lang="fa-IR" dirty="0"/>
-              <a:t> به بهبود </a:t>
-            </a:r>
-            <a:r>
-              <a:rPr lang="fa-IR" dirty="0" err="1"/>
-              <a:t>دوزبندی</a:t>
-            </a:r>
-            <a:r>
-              <a:rPr lang="fa-IR" dirty="0"/>
-              <a:t> و افزایش اثربخشی </a:t>
-            </a:r>
-            <a:r>
-              <a:rPr lang="fa-IR" dirty="0" err="1"/>
-              <a:t>اریتروپوئتین</a:t>
-            </a:r>
-            <a:r>
-              <a:rPr lang="fa-IR" dirty="0"/>
-              <a:t> در بیماران </a:t>
-            </a:r>
-            <a:r>
-              <a:rPr lang="fa-IR" dirty="0" err="1"/>
-              <a:t>بدحال</a:t>
-            </a:r>
-            <a:r>
-              <a:rPr lang="fa-IR" dirty="0"/>
-              <a:t> کمک کند.</a:t>
+              <a:t>.</a:t>
             </a:r>
             <a:endParaRPr lang="en-US" dirty="0"/>
           </a:p>
@@ -12568,7 +12864,7 @@
           <p:cNvPr id="2" name="Title 1">
             <a:extLst>
               <a:ext uri="{FF2B5EF4-FFF2-40B4-BE49-F238E27FC236}">
-                <a16:creationId xmlns:a16="http://schemas.microsoft.com/office/drawing/2014/main" id="{E441D7D2-C8DA-1A88-E01D-84EF282D5198}"/>
+                <a16:creationId xmlns:a16="http://schemas.microsoft.com/office/drawing/2014/main" id="{90E9E7AD-A6AA-17F9-41FE-8D0816B7C23C}"/>
               </a:ext>
             </a:extLst>
           </p:cNvPr>
@@ -12586,9 +12882,9 @@
           <a:p>
             <a:r>
               <a:rPr lang="fa-IR" dirty="0"/>
-              <a:t>محدودیت های مطالعه</a:t>
-            </a:r>
-            <a:endParaRPr lang="en-US" dirty="0"/>
+              <a:t>نقاط قوت مطالعه</a:t>
+            </a:r>
+            <a:endParaRPr lang="en-IR" dirty="0"/>
           </a:p>
         </p:txBody>
       </p:sp>
@@ -12597,7 +12893,7 @@
           <p:cNvPr id="3" name="Text Placeholder 2">
             <a:extLst>
               <a:ext uri="{FF2B5EF4-FFF2-40B4-BE49-F238E27FC236}">
-                <a16:creationId xmlns:a16="http://schemas.microsoft.com/office/drawing/2014/main" id="{48C9A99A-AD4D-A585-5378-38AF1EB2C5E3}"/>
+                <a16:creationId xmlns:a16="http://schemas.microsoft.com/office/drawing/2014/main" id="{99758E98-4356-1C4C-02EC-06D162FC9A3D}"/>
               </a:ext>
             </a:extLst>
           </p:cNvPr>
@@ -12608,99 +12904,51 @@
             <p:ph type="body" sz="quarter" idx="13"/>
           </p:nvPr>
         </p:nvSpPr>
-        <p:spPr/>
+        <p:spPr>
+          <a:xfrm>
+            <a:off x="3823855" y="1705232"/>
+            <a:ext cx="7529945" cy="4196803"/>
+          </a:xfrm>
+        </p:spPr>
         <p:txBody>
-          <a:bodyPr anchor="ctr">
+          <a:bodyPr>
             <a:normAutofit/>
           </a:bodyPr>
           <a:lstStyle/>
           <a:p>
-            <a:pPr>
-              <a:spcBef>
-                <a:spcPts val="1800"/>
-              </a:spcBef>
-            </a:pPr>
-            <a:r>
-              <a:rPr lang="fa-IR" dirty="0"/>
-              <a:t>اندازه نمونه کوچک: کاهش قدرت آماری و قابلیت تعمیم نتایج.</a:t>
-            </a:r>
-          </a:p>
-          <a:p>
-            <a:pPr>
-              <a:spcBef>
-                <a:spcPts val="1800"/>
-              </a:spcBef>
-            </a:pPr>
-            <a:r>
-              <a:rPr lang="fa-IR" dirty="0"/>
-              <a:t>عدم تنوع جمعیتی: ممکن است </a:t>
-            </a:r>
-            <a:r>
-              <a:rPr lang="fa-IR" dirty="0" err="1"/>
-              <a:t>پاسخ‌های</a:t>
-            </a:r>
-            <a:r>
-              <a:rPr lang="fa-IR" dirty="0"/>
-              <a:t> متنوع به درمان را در جمعیت </a:t>
-            </a:r>
-            <a:r>
-              <a:rPr lang="fa-IR" dirty="0" err="1"/>
-              <a:t>گسترده‌تر</a:t>
-            </a:r>
-            <a:r>
-              <a:rPr lang="fa-IR" dirty="0"/>
-              <a:t> نشان ندهد.</a:t>
-            </a:r>
-          </a:p>
-          <a:p>
-            <a:pPr>
-              <a:spcBef>
-                <a:spcPts val="1800"/>
-              </a:spcBef>
-            </a:pPr>
-            <a:r>
-              <a:rPr lang="fa-IR" dirty="0"/>
-              <a:t>طراحی </a:t>
-            </a:r>
-            <a:r>
-              <a:rPr lang="fa-IR" dirty="0" err="1"/>
-              <a:t>تک‌مرکزی</a:t>
-            </a:r>
-            <a:r>
-              <a:rPr lang="fa-IR" dirty="0"/>
-              <a:t>: </a:t>
-            </a:r>
-            <a:r>
-              <a:rPr lang="fa-IR" dirty="0" err="1"/>
-              <a:t>جمع‌آوری</a:t>
-            </a:r>
-            <a:r>
-              <a:rPr lang="fa-IR" dirty="0"/>
-              <a:t> </a:t>
-            </a:r>
-            <a:r>
-              <a:rPr lang="fa-IR" dirty="0" err="1"/>
-              <a:t>داده‌ها</a:t>
-            </a:r>
-            <a:r>
-              <a:rPr lang="fa-IR" dirty="0"/>
-              <a:t> از یک بیمارستان، احتمال </a:t>
-            </a:r>
-            <a:r>
-              <a:rPr lang="fa-IR" dirty="0" err="1"/>
-              <a:t>سوگیری</a:t>
-            </a:r>
-            <a:r>
-              <a:rPr lang="fa-IR" dirty="0"/>
-              <a:t> و کاهش قابلیت تعمیم.</a:t>
-            </a:r>
+            <a:r>
+              <a:rPr lang="fa-IR" sz="3600" dirty="0">
+                <a:cs typeface="+mj-cs"/>
+              </a:rPr>
+              <a:t>اولین مطالعه بررسی کننده فارماکوکینتیک دوز بالای اریتروپویتین در بیماران </a:t>
+            </a:r>
+            <a:r>
+              <a:rPr lang="fa-IR" sz="3600" dirty="0" err="1">
+                <a:cs typeface="+mj-cs"/>
+              </a:rPr>
+              <a:t>بدحال</a:t>
+            </a:r>
+            <a:endParaRPr lang="fa-IR" sz="3600" dirty="0">
+              <a:cs typeface="+mj-cs"/>
+            </a:endParaRPr>
+          </a:p>
+          <a:p>
+            <a:r>
+              <a:rPr lang="fa-IR" sz="3600" dirty="0">
+                <a:cs typeface="+mj-cs"/>
+              </a:rPr>
+              <a:t>تنها مطالعه بررسی کننده دوز ۲۰۰۰۰ واحد اریتروپویتین به صورت وریدی</a:t>
+            </a:r>
+            <a:endParaRPr lang="en-IR" sz="3600" dirty="0">
+              <a:cs typeface="+mj-cs"/>
+            </a:endParaRPr>
           </a:p>
         </p:txBody>
       </p:sp>
     </p:spTree>
     <p:extLst>
       <p:ext uri="{BB962C8B-B14F-4D97-AF65-F5344CB8AC3E}">
-        <p14:creationId xmlns:p14="http://schemas.microsoft.com/office/powerpoint/2010/main" val="3836518309"/>
+        <p14:creationId xmlns:p14="http://schemas.microsoft.com/office/powerpoint/2010/main" val="3614271370"/>
       </p:ext>
     </p:extLst>
   </p:cSld>
@@ -12715,13 +12963,7 @@
   <p:cSld>
     <p:spTree>
       <p:nvGrpSpPr>
-        <p:cNvPr id="1" name="">
-          <a:extLst>
-            <a:ext uri="{FF2B5EF4-FFF2-40B4-BE49-F238E27FC236}">
-              <a16:creationId xmlns:a16="http://schemas.microsoft.com/office/drawing/2014/main" id="{59004178-EB35-4C53-FB33-CBBD2AA31D01}"/>
-            </a:ext>
-          </a:extLst>
-        </p:cNvPr>
+        <p:cNvPr id="1" name=""/>
         <p:cNvGrpSpPr/>
         <p:nvPr/>
       </p:nvGrpSpPr>
@@ -12738,7 +12980,7 @@
           <p:cNvPr id="2" name="Title 1">
             <a:extLst>
               <a:ext uri="{FF2B5EF4-FFF2-40B4-BE49-F238E27FC236}">
-                <a16:creationId xmlns:a16="http://schemas.microsoft.com/office/drawing/2014/main" id="{A71F55D4-1D8B-E928-3690-1837B9F1A303}"/>
+                <a16:creationId xmlns:a16="http://schemas.microsoft.com/office/drawing/2014/main" id="{E441D7D2-C8DA-1A88-E01D-84EF282D5198}"/>
               </a:ext>
             </a:extLst>
           </p:cNvPr>
@@ -12767,7 +13009,7 @@
           <p:cNvPr id="3" name="Text Placeholder 2">
             <a:extLst>
               <a:ext uri="{FF2B5EF4-FFF2-40B4-BE49-F238E27FC236}">
-                <a16:creationId xmlns:a16="http://schemas.microsoft.com/office/drawing/2014/main" id="{6592437B-0B96-634F-0C0E-05D26CA0091F}"/>
+                <a16:creationId xmlns:a16="http://schemas.microsoft.com/office/drawing/2014/main" id="{48C9A99A-AD4D-A585-5378-38AF1EB2C5E3}"/>
               </a:ext>
             </a:extLst>
           </p:cNvPr>
@@ -12791,32 +13033,10 @@
               </a:spcBef>
             </a:pPr>
             <a:r>
-              <a:rPr lang="fa-IR" dirty="0"/>
-              <a:t>نبود </a:t>
-            </a:r>
-            <a:r>
-              <a:rPr lang="fa-IR" dirty="0" err="1"/>
-              <a:t>داده‌های</a:t>
-            </a:r>
-            <a:r>
-              <a:rPr lang="fa-IR" dirty="0"/>
-              <a:t> پیگیری </a:t>
-            </a:r>
-            <a:r>
-              <a:rPr lang="fa-IR" dirty="0" err="1"/>
-              <a:t>طولانی‌مدت</a:t>
-            </a:r>
-            <a:r>
-              <a:rPr lang="fa-IR" dirty="0"/>
-              <a:t>: محدودیت در ارزیابی ایمنی و اثربخشی در </a:t>
-            </a:r>
-            <a:r>
-              <a:rPr lang="fa-IR" dirty="0" err="1"/>
-              <a:t>بلندمدت</a:t>
-            </a:r>
-            <a:r>
-              <a:rPr lang="fa-IR" dirty="0"/>
-              <a:t>.</a:t>
+              <a:rPr lang="fa-IR" dirty="0">
+                <a:cs typeface="+mj-cs"/>
+              </a:rPr>
+              <a:t>اندازه نمونه کوچک</a:t>
             </a:r>
           </a:p>
           <a:p>
@@ -12826,24 +13046,10 @@
               </a:spcBef>
             </a:pPr>
             <a:r>
-              <a:rPr lang="fa-IR" dirty="0"/>
-              <a:t>تمرکز </a:t>
-            </a:r>
-            <a:r>
-              <a:rPr lang="fa-IR" dirty="0" err="1"/>
-              <a:t>کوتاه‌مدت</a:t>
-            </a:r>
-            <a:r>
-              <a:rPr lang="fa-IR" dirty="0"/>
-              <a:t>: احتمال نادیده گرفتن اثرات جانبی تأخیری یا فواید </a:t>
-            </a:r>
-            <a:r>
-              <a:rPr lang="fa-IR" dirty="0" err="1"/>
-              <a:t>بلندمدت</a:t>
-            </a:r>
-            <a:r>
-              <a:rPr lang="fa-IR" dirty="0"/>
-              <a:t>.</a:t>
+              <a:rPr lang="fa-IR" dirty="0">
+                <a:cs typeface="+mj-cs"/>
+              </a:rPr>
+              <a:t>عدم تنوع جمعیتی</a:t>
             </a:r>
           </a:p>
           <a:p>
@@ -12853,17 +13059,40 @@
               </a:spcBef>
             </a:pPr>
             <a:r>
-              <a:rPr lang="fa-IR" dirty="0"/>
-              <a:t>عدم تحلیل پیامدهای بالینی: تمرکز بر فارماکوکینتیک بدون بررسی تأثیر بر آنمی یا نرخ بقا.</a:t>
-            </a:r>
-            <a:endParaRPr lang="en-US" dirty="0"/>
+              <a:rPr lang="fa-IR" dirty="0">
+                <a:cs typeface="+mj-cs"/>
+              </a:rPr>
+              <a:t>طراحی </a:t>
+            </a:r>
+            <a:r>
+              <a:rPr lang="fa-IR" dirty="0" err="1">
+                <a:cs typeface="+mj-cs"/>
+              </a:rPr>
+              <a:t>تک‌مرکزی</a:t>
+            </a:r>
+            <a:endParaRPr lang="fa-IR" dirty="0">
+              <a:cs typeface="+mj-cs"/>
+            </a:endParaRPr>
+          </a:p>
+          <a:p>
+            <a:pPr>
+              <a:spcBef>
+                <a:spcPts val="1800"/>
+              </a:spcBef>
+            </a:pPr>
+            <a:r>
+              <a:rPr lang="fa-IR" dirty="0">
+                <a:cs typeface="+mj-cs"/>
+              </a:rPr>
+              <a:t>عدم تحلیل پیامدهای بالینی و تمرکز بر فارماکوکینتیک</a:t>
+            </a:r>
           </a:p>
         </p:txBody>
       </p:sp>
     </p:spTree>
     <p:extLst>
       <p:ext uri="{BB962C8B-B14F-4D97-AF65-F5344CB8AC3E}">
-        <p14:creationId xmlns:p14="http://schemas.microsoft.com/office/powerpoint/2010/main" val="3429740160"/>
+        <p14:creationId xmlns:p14="http://schemas.microsoft.com/office/powerpoint/2010/main" val="3836518309"/>
       </p:ext>
     </p:extLst>
   </p:cSld>
@@ -12918,7 +13147,7 @@
           <a:p>
             <a:r>
               <a:rPr lang="fa-IR" dirty="0"/>
-              <a:t>از توجه شما سپاس گزارم</a:t>
+              <a:t>از توجه شما سپاسگزارم</a:t>
             </a:r>
             <a:endParaRPr lang="en-US" dirty="0"/>
           </a:p>
@@ -12994,7 +13223,7 @@
           <a:p>
             <a:r>
               <a:rPr lang="fa-IR" dirty="0"/>
-              <a:t>مدیریت کم خونی در بیماران بدحال</a:t>
+              <a:t>مدیریت آنمی در بیماران بدحال</a:t>
             </a:r>
             <a:endParaRPr lang="en-US" dirty="0"/>
           </a:p>
@@ -13027,81 +13256,113 @@
           <a:lstStyle/>
           <a:p>
             <a:r>
-              <a:rPr lang="fa-IR" dirty="0" err="1"/>
+              <a:rPr lang="fa-IR" dirty="0" err="1">
+                <a:cs typeface="+mj-cs"/>
+              </a:rPr>
               <a:t>ترانسفیوژن</a:t>
             </a:r>
             <a:r>
-              <a:rPr lang="fa-IR" dirty="0"/>
+              <a:rPr lang="fa-IR" dirty="0">
+                <a:cs typeface="+mj-cs"/>
+              </a:rPr>
               <a:t> خون یکی از </a:t>
             </a:r>
             <a:r>
-              <a:rPr lang="fa-IR" dirty="0" err="1"/>
+              <a:rPr lang="fa-IR" dirty="0" err="1">
+                <a:cs typeface="+mj-cs"/>
+              </a:rPr>
               <a:t>روش‌های</a:t>
             </a:r>
             <a:r>
-              <a:rPr lang="fa-IR" dirty="0"/>
+              <a:rPr lang="fa-IR" dirty="0">
+                <a:cs typeface="+mj-cs"/>
+              </a:rPr>
               <a:t> رایج مدیریت آنمی در بیماران </a:t>
             </a:r>
             <a:r>
-              <a:rPr lang="en-US" dirty="0"/>
+              <a:rPr lang="en-US" dirty="0">
+                <a:cs typeface="+mj-cs"/>
+              </a:rPr>
               <a:t>ICU </a:t>
             </a:r>
             <a:r>
-              <a:rPr lang="fa-IR" dirty="0"/>
+              <a:rPr lang="fa-IR" dirty="0">
+                <a:cs typeface="+mj-cs"/>
+              </a:rPr>
               <a:t> است</a:t>
             </a:r>
           </a:p>
           <a:p>
             <a:pPr lvl="1"/>
             <a:r>
-              <a:rPr lang="fa-IR" dirty="0"/>
+              <a:rPr lang="fa-IR" dirty="0">
+                <a:cs typeface="+mj-cs"/>
+              </a:rPr>
               <a:t>عفونت</a:t>
             </a:r>
           </a:p>
           <a:p>
             <a:pPr lvl="1"/>
             <a:r>
-              <a:rPr lang="fa-IR" dirty="0" err="1"/>
+              <a:rPr lang="fa-IR" dirty="0" err="1">
+                <a:cs typeface="+mj-cs"/>
+              </a:rPr>
               <a:t>اضافه‌بار</a:t>
             </a:r>
             <a:r>
-              <a:rPr lang="fa-IR" dirty="0"/>
+              <a:rPr lang="fa-IR" dirty="0">
+                <a:cs typeface="+mj-cs"/>
+              </a:rPr>
               <a:t> گردش خون</a:t>
             </a:r>
           </a:p>
           <a:p>
             <a:pPr lvl="1"/>
-            <a:endParaRPr lang="fa-IR" dirty="0"/>
-          </a:p>
-          <a:p>
-            <a:r>
-              <a:rPr lang="fa-IR" dirty="0" err="1"/>
+            <a:endParaRPr lang="fa-IR" dirty="0">
+              <a:cs typeface="+mj-cs"/>
+            </a:endParaRPr>
+          </a:p>
+          <a:p>
+            <a:r>
+              <a:rPr lang="fa-IR" dirty="0" err="1">
+                <a:cs typeface="+mj-cs"/>
+              </a:rPr>
               <a:t>گزینه‌های</a:t>
             </a:r>
             <a:r>
-              <a:rPr lang="fa-IR" dirty="0"/>
+              <a:rPr lang="fa-IR" dirty="0">
+                <a:cs typeface="+mj-cs"/>
+              </a:rPr>
               <a:t> جایگزین </a:t>
             </a:r>
           </a:p>
           <a:p>
             <a:pPr lvl="1"/>
             <a:r>
-              <a:rPr lang="fa-IR" dirty="0"/>
+              <a:rPr lang="fa-IR" dirty="0">
+                <a:cs typeface="+mj-cs"/>
+              </a:rPr>
               <a:t>عوامل محرک تولید گلبول قرمز (</a:t>
             </a:r>
             <a:r>
-              <a:rPr lang="en-US" dirty="0"/>
+              <a:rPr lang="en-US" dirty="0">
+                <a:cs typeface="+mj-cs"/>
+              </a:rPr>
               <a:t>ESA</a:t>
             </a:r>
             <a:r>
-              <a:rPr lang="fa-IR" dirty="0"/>
+              <a:rPr lang="fa-IR" dirty="0">
+                <a:cs typeface="+mj-cs"/>
+              </a:rPr>
               <a:t>ها) مانند اریتروپویتین</a:t>
             </a:r>
           </a:p>
           <a:p>
             <a:pPr lvl="1"/>
             <a:r>
-              <a:rPr lang="fa-IR" dirty="0"/>
+              <a:rPr lang="fa-IR" dirty="0">
+                <a:cs typeface="+mj-cs"/>
+              </a:rPr>
               <a:t>آهن وریدی</a:t>
             </a:r>
           </a:p>
@@ -13142,13 +13403,7 @@
       </p:grpSpPr>
       <p:sp>
         <p:nvSpPr>
-          <p:cNvPr id="2" name="Title 1">
-            <a:extLst>
-              <a:ext uri="{FF2B5EF4-FFF2-40B4-BE49-F238E27FC236}">
-                <a16:creationId xmlns:a16="http://schemas.microsoft.com/office/drawing/2014/main" id="{2F29800F-26E0-6A84-A93C-6F2BBC1DF146}"/>
-              </a:ext>
-            </a:extLst>
-          </p:cNvPr>
+          <p:cNvPr id="2" name="Title 1"/>
           <p:cNvSpPr>
             <a:spLocks noGrp="1"/>
           </p:cNvSpPr>
@@ -13161,89 +13416,97 @@
           <a:bodyPr/>
           <a:lstStyle/>
           <a:p>
+            <a:r>
+              <a:rPr lang="fa-IR" dirty="0"/>
+              <a:t>اریتروپویتین</a:t>
+            </a:r>
             <a:endParaRPr lang="en-US" dirty="0"/>
           </a:p>
         </p:txBody>
       </p:sp>
       <p:sp>
         <p:nvSpPr>
-          <p:cNvPr id="3" name="Content Placeholder 2">
-            <a:extLst>
-              <a:ext uri="{FF2B5EF4-FFF2-40B4-BE49-F238E27FC236}">
-                <a16:creationId xmlns:a16="http://schemas.microsoft.com/office/drawing/2014/main" id="{89C08F42-6239-1ED1-C254-A56F0BDE2B02}"/>
-              </a:ext>
-            </a:extLst>
-          </p:cNvPr>
+          <p:cNvPr id="3" name="Text Placeholder 2"/>
           <p:cNvSpPr>
             <a:spLocks noGrp="1"/>
           </p:cNvSpPr>
           <p:nvPr>
-            <p:ph idx="1"/>
+            <p:ph type="body" sz="quarter" idx="13"/>
           </p:nvPr>
         </p:nvSpPr>
         <p:spPr/>
         <p:txBody>
-          <a:bodyPr anchor="ctr">
-            <a:normAutofit/>
-          </a:bodyPr>
+          <a:bodyPr/>
           <a:lstStyle/>
           <a:p>
-            <a:pPr>
-              <a:lnSpc>
-                <a:spcPct val="200000"/>
-              </a:lnSpc>
-            </a:pPr>
-            <a:r>
-              <a:rPr lang="fa-IR" dirty="0"/>
-              <a:t>شدت بالاتر بیماری در بیماران </a:t>
-            </a:r>
-            <a:r>
-              <a:rPr lang="en-US" dirty="0"/>
-              <a:t>ICU</a:t>
-            </a:r>
-          </a:p>
-          <a:p>
-            <a:pPr>
-              <a:lnSpc>
-                <a:spcPct val="200000"/>
-              </a:lnSpc>
-            </a:pPr>
-            <a:r>
-              <a:rPr lang="fa-IR" dirty="0"/>
-              <a:t>نارسایی چند ارگانی دخیل در کاهش </a:t>
-            </a:r>
-            <a:r>
-              <a:rPr lang="fa-IR" dirty="0" err="1"/>
-              <a:t>هماتوپوئز</a:t>
-            </a:r>
-            <a:endParaRPr lang="fa-IR" dirty="0"/>
-          </a:p>
-          <a:p>
-            <a:pPr>
-              <a:lnSpc>
-                <a:spcPct val="200000"/>
-              </a:lnSpc>
-            </a:pPr>
-            <a:r>
-              <a:rPr lang="fa-IR" dirty="0"/>
-              <a:t>کاهش قدرت مکانیسم های جبرانی</a:t>
-            </a:r>
+            <a:r>
+              <a:rPr lang="fa-IR" dirty="0">
+                <a:cs typeface="+mj-cs"/>
+              </a:rPr>
+              <a:t>هورمون گلیکوپروتئینی تولید شده توسط کبد و کلیه</a:t>
+            </a:r>
+          </a:p>
+          <a:p>
+            <a:r>
+              <a:rPr lang="fa-IR" dirty="0">
+                <a:cs typeface="+mj-cs"/>
+              </a:rPr>
+              <a:t>تنظیم کننده اصلی تولید گلبول های قرمز خون</a:t>
+            </a:r>
+          </a:p>
+          <a:p>
+            <a:r>
+              <a:rPr lang="fa-IR" dirty="0">
+                <a:cs typeface="+mj-cs"/>
+              </a:rPr>
+              <a:t>تحریک کننده سنتز هموگلوبین </a:t>
+            </a:r>
+          </a:p>
+          <a:p>
+            <a:endParaRPr lang="en-US" dirty="0"/>
           </a:p>
         </p:txBody>
       </p:sp>
+      <p:pic>
+        <p:nvPicPr>
+          <p:cNvPr id="4" name="Picture 3"/>
+          <p:cNvPicPr>
+            <a:picLocks noChangeAspect="1"/>
+          </p:cNvPicPr>
+          <p:nvPr/>
+        </p:nvPicPr>
+        <p:blipFill>
+          <a:blip r:embed="rId2">
+            <a:extLst>
+              <a:ext uri="{28A0092B-C50C-407E-A947-70E740481C1C}">
+                <a14:useLocalDpi xmlns:a14="http://schemas.microsoft.com/office/drawing/2010/main" val="0"/>
+              </a:ext>
+            </a:extLst>
+          </a:blip>
+          <a:stretch>
+            <a:fillRect/>
+          </a:stretch>
+        </p:blipFill>
+        <p:spPr>
+          <a:xfrm>
+            <a:off x="4807526" y="3288721"/>
+            <a:ext cx="5763491" cy="2479964"/>
+          </a:xfrm>
+          <a:prstGeom prst="rect">
+            <a:avLst/>
+          </a:prstGeom>
+        </p:spPr>
+      </p:pic>
     </p:spTree>
     <p:extLst>
       <p:ext uri="{BB962C8B-B14F-4D97-AF65-F5344CB8AC3E}">
-        <p14:creationId xmlns:p14="http://schemas.microsoft.com/office/powerpoint/2010/main" val="1163140569"/>
+        <p14:creationId xmlns:p14="http://schemas.microsoft.com/office/powerpoint/2010/main" val="3935028227"/>
       </p:ext>
     </p:extLst>
   </p:cSld>
   <p:clrMapOvr>
     <a:masterClrMapping/>
   </p:clrMapOvr>
-  <p:transition spd="slow">
-    <p:push dir="u"/>
-  </p:transition>
 </p:sld>
 </file>
 
@@ -13281,7 +13544,7 @@
           <a:p>
             <a:r>
               <a:rPr lang="fa-IR" dirty="0"/>
-              <a:t>اریتروپویتین</a:t>
+              <a:t>کاربرد اریتروپویتین </a:t>
             </a:r>
             <a:endParaRPr lang="en-US" dirty="0"/>
           </a:p>
@@ -13297,67 +13560,50 @@
             <p:ph type="body" sz="quarter" idx="13"/>
           </p:nvPr>
         </p:nvSpPr>
-        <p:spPr/>
+        <p:spPr>
+          <a:xfrm>
+            <a:off x="3823855" y="1804086"/>
+            <a:ext cx="7529945" cy="2965622"/>
+          </a:xfrm>
+        </p:spPr>
         <p:txBody>
-          <a:bodyPr/>
+          <a:bodyPr>
+            <a:normAutofit/>
+          </a:bodyPr>
           <a:lstStyle/>
           <a:p>
             <a:r>
-              <a:rPr lang="fa-IR" dirty="0"/>
-              <a:t>هورمون گلیکوپروتئینی تولید شده توسط کبد و کلیه</a:t>
-            </a:r>
-          </a:p>
-          <a:p>
-            <a:r>
-              <a:rPr lang="fa-IR" dirty="0"/>
-              <a:t>تنظیم کننده اصلی تولید گلبول های قرمز خون</a:t>
-            </a:r>
-          </a:p>
-          <a:p>
-            <a:r>
-              <a:rPr lang="fa-IR" dirty="0"/>
-              <a:t>تحریک کننده سنتز هموگلوبین </a:t>
-            </a:r>
-          </a:p>
-          <a:p>
-            <a:endParaRPr lang="en-US" dirty="0"/>
+              <a:rPr lang="fa-IR" dirty="0">
+                <a:cs typeface="+mj-cs"/>
+              </a:rPr>
+              <a:t>مدیریت آنمی مرتبط با بیماران بدحال</a:t>
+            </a:r>
+          </a:p>
+          <a:p>
+            <a:r>
+              <a:rPr lang="fa-IR" dirty="0">
+                <a:cs typeface="+mj-cs"/>
+              </a:rPr>
+              <a:t>کاهش نیاز به ترانسفیوژن گلبول های قرمز</a:t>
+            </a:r>
+          </a:p>
+          <a:p>
+            <a:r>
+              <a:rPr lang="fa-IR" dirty="0">
+                <a:cs typeface="+mj-cs"/>
+              </a:rPr>
+              <a:t>کاهش مرگ و میر بدون افزایش در ریسک ترومبوآمبولی و عوارض قلبی عروقی </a:t>
+            </a:r>
+            <a:endParaRPr lang="en-US" dirty="0">
+              <a:cs typeface="+mj-cs"/>
+            </a:endParaRPr>
           </a:p>
         </p:txBody>
       </p:sp>
-      <p:pic>
-        <p:nvPicPr>
-          <p:cNvPr id="4" name="Picture 3"/>
-          <p:cNvPicPr>
-            <a:picLocks noChangeAspect="1"/>
-          </p:cNvPicPr>
-          <p:nvPr/>
-        </p:nvPicPr>
-        <p:blipFill>
-          <a:blip r:embed="rId2">
-            <a:extLst>
-              <a:ext uri="{28A0092B-C50C-407E-A947-70E740481C1C}">
-                <a14:useLocalDpi xmlns:a14="http://schemas.microsoft.com/office/drawing/2010/main" val="0"/>
-              </a:ext>
-            </a:extLst>
-          </a:blip>
-          <a:stretch>
-            <a:fillRect/>
-          </a:stretch>
-        </p:blipFill>
-        <p:spPr>
-          <a:xfrm>
-            <a:off x="4807526" y="3288721"/>
-            <a:ext cx="5763491" cy="2479964"/>
-          </a:xfrm>
-          <a:prstGeom prst="rect">
-            <a:avLst/>
-          </a:prstGeom>
-        </p:spPr>
-      </p:pic>
     </p:spTree>
     <p:extLst>
       <p:ext uri="{BB962C8B-B14F-4D97-AF65-F5344CB8AC3E}">
-        <p14:creationId xmlns:p14="http://schemas.microsoft.com/office/powerpoint/2010/main" val="3935028227"/>
+        <p14:creationId xmlns:p14="http://schemas.microsoft.com/office/powerpoint/2010/main" val="3089686470"/>
       </p:ext>
     </p:extLst>
   </p:cSld>
@@ -13386,7 +13632,13 @@
       </p:grpSpPr>
       <p:sp>
         <p:nvSpPr>
-          <p:cNvPr id="2" name="Title 1"/>
+          <p:cNvPr id="2" name="Title 1">
+            <a:extLst>
+              <a:ext uri="{FF2B5EF4-FFF2-40B4-BE49-F238E27FC236}">
+                <a16:creationId xmlns:a16="http://schemas.microsoft.com/office/drawing/2014/main" id="{98503F91-4AE1-6F4F-CFD6-0584E299822F}"/>
+              </a:ext>
+            </a:extLst>
+          </p:cNvPr>
           <p:cNvSpPr>
             <a:spLocks noGrp="1"/>
           </p:cNvSpPr>
@@ -13401,160 +13653,6 @@
           <a:p>
             <a:r>
               <a:rPr lang="fa-IR" dirty="0"/>
-              <a:t>کاربرد اریتروپویتین </a:t>
-            </a:r>
-            <a:endParaRPr lang="en-US" dirty="0"/>
-          </a:p>
-        </p:txBody>
-      </p:sp>
-      <p:sp>
-        <p:nvSpPr>
-          <p:cNvPr id="3" name="Text Placeholder 2"/>
-          <p:cNvSpPr>
-            <a:spLocks noGrp="1"/>
-          </p:cNvSpPr>
-          <p:nvPr>
-            <p:ph type="body" sz="quarter" idx="13"/>
-          </p:nvPr>
-        </p:nvSpPr>
-        <p:spPr/>
-        <p:txBody>
-          <a:bodyPr/>
-          <a:lstStyle/>
-          <a:p>
-            <a:r>
-              <a:rPr lang="fa-IR" dirty="0"/>
-              <a:t>مدیریت آنمی مرتبط با بیماران بدحال</a:t>
-            </a:r>
-          </a:p>
-          <a:p>
-            <a:r>
-              <a:rPr lang="fa-IR" dirty="0"/>
-              <a:t>کاهش نیاز به ترانسفیوژن گلبول های قرمز</a:t>
-            </a:r>
-          </a:p>
-          <a:p>
-            <a:r>
-              <a:rPr lang="fa-IR" dirty="0"/>
-              <a:t>کاهش مرگ و میر بدون افزایش در ریسک ترومبوآمبولی و عوارض قلبی عروقی </a:t>
-            </a:r>
-            <a:endParaRPr lang="en-US" dirty="0"/>
-          </a:p>
-        </p:txBody>
-      </p:sp>
-      <p:pic>
-        <p:nvPicPr>
-          <p:cNvPr id="4" name="Picture 3"/>
-          <p:cNvPicPr>
-            <a:picLocks noChangeAspect="1"/>
-          </p:cNvPicPr>
-          <p:nvPr/>
-        </p:nvPicPr>
-        <p:blipFill>
-          <a:blip r:embed="rId2" cstate="hqprint">
-            <a:extLst>
-              <a:ext uri="{28A0092B-C50C-407E-A947-70E740481C1C}">
-                <a14:useLocalDpi xmlns:a14="http://schemas.microsoft.com/office/drawing/2010/main" val="0"/>
-              </a:ext>
-            </a:extLst>
-          </a:blip>
-          <a:stretch>
-            <a:fillRect/>
-          </a:stretch>
-        </p:blipFill>
-        <p:spPr>
-          <a:xfrm>
-            <a:off x="3823855" y="2903695"/>
-            <a:ext cx="3519054" cy="2998340"/>
-          </a:xfrm>
-          <a:prstGeom prst="rect">
-            <a:avLst/>
-          </a:prstGeom>
-        </p:spPr>
-      </p:pic>
-      <p:pic>
-        <p:nvPicPr>
-          <p:cNvPr id="5" name="Picture 4"/>
-          <p:cNvPicPr>
-            <a:picLocks noChangeAspect="1"/>
-          </p:cNvPicPr>
-          <p:nvPr/>
-        </p:nvPicPr>
-        <p:blipFill>
-          <a:blip r:embed="rId3">
-            <a:extLst>
-              <a:ext uri="{28A0092B-C50C-407E-A947-70E740481C1C}">
-                <a14:useLocalDpi xmlns:a14="http://schemas.microsoft.com/office/drawing/2010/main" val="0"/>
-              </a:ext>
-            </a:extLst>
-          </a:blip>
-          <a:stretch>
-            <a:fillRect/>
-          </a:stretch>
-        </p:blipFill>
-        <p:spPr>
-          <a:xfrm>
-            <a:off x="7910944" y="2903696"/>
-            <a:ext cx="3442855" cy="2998340"/>
-          </a:xfrm>
-          <a:prstGeom prst="rect">
-            <a:avLst/>
-          </a:prstGeom>
-        </p:spPr>
-      </p:pic>
-    </p:spTree>
-    <p:extLst>
-      <p:ext uri="{BB962C8B-B14F-4D97-AF65-F5344CB8AC3E}">
-        <p14:creationId xmlns:p14="http://schemas.microsoft.com/office/powerpoint/2010/main" val="3089686470"/>
-      </p:ext>
-    </p:extLst>
-  </p:cSld>
-  <p:clrMapOvr>
-    <a:masterClrMapping/>
-  </p:clrMapOvr>
-</p:sld>
-</file>
-
-<file path=ppt/slides/slide8.xml><?xml version="1.0" encoding="utf-8"?>
-<p:sld xmlns:a="http://schemas.openxmlformats.org/drawingml/2006/main" xmlns:r="http://schemas.openxmlformats.org/officeDocument/2006/relationships" xmlns:p="http://schemas.openxmlformats.org/presentationml/2006/main">
-  <p:cSld>
-    <p:spTree>
-      <p:nvGrpSpPr>
-        <p:cNvPr id="1" name=""/>
-        <p:cNvGrpSpPr/>
-        <p:nvPr/>
-      </p:nvGrpSpPr>
-      <p:grpSpPr>
-        <a:xfrm>
-          <a:off x="0" y="0"/>
-          <a:ext cx="0" cy="0"/>
-          <a:chOff x="0" y="0"/>
-          <a:chExt cx="0" cy="0"/>
-        </a:xfrm>
-      </p:grpSpPr>
-      <p:sp>
-        <p:nvSpPr>
-          <p:cNvPr id="2" name="Title 1">
-            <a:extLst>
-              <a:ext uri="{FF2B5EF4-FFF2-40B4-BE49-F238E27FC236}">
-                <a16:creationId xmlns:a16="http://schemas.microsoft.com/office/drawing/2014/main" id="{98503F91-4AE1-6F4F-CFD6-0584E299822F}"/>
-              </a:ext>
-            </a:extLst>
-          </p:cNvPr>
-          <p:cNvSpPr>
-            <a:spLocks noGrp="1"/>
-          </p:cNvSpPr>
-          <p:nvPr>
-            <p:ph type="title"/>
-          </p:nvPr>
-        </p:nvSpPr>
-        <p:spPr/>
-        <p:txBody>
-          <a:bodyPr/>
-          <a:lstStyle/>
-          <a:p>
-            <a:r>
-              <a:rPr lang="fa-IR" dirty="0"/>
               <a:t>هدف مطالعه</a:t>
             </a:r>
             <a:endParaRPr lang="en-US" dirty="0"/>
@@ -13583,42 +13681,62 @@
           <a:lstStyle/>
           <a:p>
             <a:r>
-              <a:rPr lang="fa-IR" dirty="0"/>
+              <a:rPr lang="fa-IR" dirty="0">
+                <a:cs typeface="+mj-cs"/>
+              </a:rPr>
               <a:t>بررسی خصوصیات </a:t>
             </a:r>
             <a:r>
-              <a:rPr lang="fa-IR" dirty="0" err="1"/>
+              <a:rPr lang="fa-IR" dirty="0" err="1">
+                <a:cs typeface="+mj-cs"/>
+              </a:rPr>
               <a:t>فارماکوکینتیکی</a:t>
             </a:r>
             <a:r>
-              <a:rPr lang="fa-IR" dirty="0"/>
+              <a:rPr lang="fa-IR" dirty="0">
+                <a:cs typeface="+mj-cs"/>
+              </a:rPr>
               <a:t> </a:t>
             </a:r>
             <a:r>
-              <a:rPr lang="fa-IR" dirty="0" err="1"/>
+              <a:rPr lang="fa-IR" dirty="0" err="1">
+                <a:cs typeface="+mj-cs"/>
+              </a:rPr>
               <a:t>اریتروپوئتین</a:t>
             </a:r>
             <a:r>
-              <a:rPr lang="fa-IR" dirty="0"/>
+              <a:rPr lang="fa-IR" dirty="0">
+                <a:cs typeface="+mj-cs"/>
+              </a:rPr>
               <a:t> وریدی در بیماران </a:t>
             </a:r>
             <a:r>
-              <a:rPr lang="fa-IR" dirty="0" err="1"/>
+              <a:rPr lang="fa-IR" dirty="0" err="1">
+                <a:cs typeface="+mj-cs"/>
+              </a:rPr>
               <a:t>بدحال</a:t>
             </a:r>
             <a:r>
-              <a:rPr lang="fa-IR" dirty="0"/>
+              <a:rPr lang="fa-IR" dirty="0">
+                <a:cs typeface="+mj-cs"/>
+              </a:rPr>
               <a:t> بستری در بخش </a:t>
             </a:r>
             <a:r>
-              <a:rPr lang="en-US" dirty="0"/>
+              <a:rPr lang="en-US" dirty="0">
+                <a:cs typeface="+mj-cs"/>
+              </a:rPr>
               <a:t>ICU</a:t>
             </a:r>
             <a:r>
-              <a:rPr lang="fa-IR" dirty="0"/>
+              <a:rPr lang="fa-IR" dirty="0">
+                <a:cs typeface="+mj-cs"/>
+              </a:rPr>
               <a:t> و ارائه راهکارهای بهینه سازی دوز دارو</a:t>
             </a:r>
-            <a:endParaRPr lang="en-US" dirty="0"/>
+            <a:endParaRPr lang="en-US" dirty="0">
+              <a:cs typeface="+mj-cs"/>
+            </a:endParaRPr>
           </a:p>
         </p:txBody>
       </p:sp>
@@ -13635,7 +13753,7 @@
 </p:sld>
 </file>
 
-<file path=ppt/slides/slide9.xml><?xml version="1.0" encoding="utf-8"?>
+<file path=ppt/slides/slide8.xml><?xml version="1.0" encoding="utf-8"?>
 <p:sld xmlns:a="http://schemas.openxmlformats.org/drawingml/2006/main" xmlns:r="http://schemas.openxmlformats.org/officeDocument/2006/relationships" xmlns:p="http://schemas.openxmlformats.org/presentationml/2006/main">
   <p:cSld>
     <p:spTree>
@@ -13902,6 +14020,332 @@
     <p:extLst>
       <p:ext uri="{BB962C8B-B14F-4D97-AF65-F5344CB8AC3E}">
         <p14:creationId xmlns:p14="http://schemas.microsoft.com/office/powerpoint/2010/main" val="3226966679"/>
+      </p:ext>
+    </p:extLst>
+  </p:cSld>
+  <p:clrMapOvr>
+    <a:masterClrMapping/>
+  </p:clrMapOvr>
+</p:sld>
+</file>
+
+<file path=ppt/slides/slide9.xml><?xml version="1.0" encoding="utf-8"?>
+<p:sld xmlns:a="http://schemas.openxmlformats.org/drawingml/2006/main" xmlns:r="http://schemas.openxmlformats.org/officeDocument/2006/relationships" xmlns:p="http://schemas.openxmlformats.org/presentationml/2006/main">
+  <p:cSld>
+    <p:spTree>
+      <p:nvGrpSpPr>
+        <p:cNvPr id="1" name=""/>
+        <p:cNvGrpSpPr/>
+        <p:nvPr/>
+      </p:nvGrpSpPr>
+      <p:grpSpPr>
+        <a:xfrm>
+          <a:off x="0" y="0"/>
+          <a:ext cx="0" cy="0"/>
+          <a:chOff x="0" y="0"/>
+          <a:chExt cx="0" cy="0"/>
+        </a:xfrm>
+      </p:grpSpPr>
+      <p:sp>
+        <p:nvSpPr>
+          <p:cNvPr id="2" name="Title 1">
+            <a:extLst>
+              <a:ext uri="{FF2B5EF4-FFF2-40B4-BE49-F238E27FC236}">
+                <a16:creationId xmlns:a16="http://schemas.microsoft.com/office/drawing/2014/main" id="{BEB42EE1-30F8-398C-B23A-BAB85BC4F222}"/>
+              </a:ext>
+            </a:extLst>
+          </p:cNvPr>
+          <p:cNvSpPr>
+            <a:spLocks noGrp="1"/>
+          </p:cNvSpPr>
+          <p:nvPr>
+            <p:ph type="title"/>
+          </p:nvPr>
+        </p:nvSpPr>
+        <p:spPr>
+          <a:xfrm>
+            <a:off x="838200" y="524019"/>
+            <a:ext cx="10515600" cy="1009651"/>
+          </a:xfrm>
+        </p:spPr>
+        <p:txBody>
+          <a:bodyPr/>
+          <a:lstStyle/>
+          <a:p>
+            <a:r>
+              <a:rPr lang="fa-IR" dirty="0"/>
+              <a:t>مطالعه </a:t>
+            </a:r>
+            <a:r>
+              <a:rPr lang="fa-IR" dirty="0" err="1"/>
+              <a:t>آرولیگا</a:t>
+            </a:r>
+            <a:r>
+              <a:rPr lang="fa-IR" dirty="0"/>
+              <a:t> و همکاران (2009)</a:t>
+            </a:r>
+            <a:endParaRPr lang="en-US" dirty="0"/>
+          </a:p>
+        </p:txBody>
+      </p:sp>
+      <p:sp>
+        <p:nvSpPr>
+          <p:cNvPr id="5" name="Rectangle 2">
+            <a:extLst>
+              <a:ext uri="{FF2B5EF4-FFF2-40B4-BE49-F238E27FC236}">
+                <a16:creationId xmlns:a16="http://schemas.microsoft.com/office/drawing/2014/main" id="{15084B3D-F956-B8FA-839F-FCA0E04C81AF}"/>
+              </a:ext>
+            </a:extLst>
+          </p:cNvPr>
+          <p:cNvSpPr>
+            <a:spLocks noGrp="1" noChangeArrowheads="1"/>
+          </p:cNvSpPr>
+          <p:nvPr>
+            <p:ph idx="1"/>
+          </p:nvPr>
+        </p:nvSpPr>
+        <p:spPr bwMode="auto">
+          <a:xfrm>
+            <a:off x="838200" y="1949706"/>
+            <a:ext cx="10515600" cy="4103175"/>
+          </a:xfrm>
+          <a:noFill/>
+          <a:ln>
+            <a:noFill/>
+          </a:ln>
+          <a:effectLst/>
+          <a:extLst>
+            <a:ext uri="{909E8E84-426E-40DD-AFC4-6F175D3DCCD1}">
+              <a14:hiddenFill xmlns:a14="http://schemas.microsoft.com/office/drawing/2010/main">
+                <a:solidFill>
+                  <a:schemeClr val="accent1"/>
+                </a:solidFill>
+              </a14:hiddenFill>
+            </a:ext>
+            <a:ext uri="{91240B29-F687-4F45-9708-019B960494DF}">
+              <a14:hiddenLine xmlns:a14="http://schemas.microsoft.com/office/drawing/2010/main" w="9525">
+                <a:solidFill>
+                  <a:schemeClr val="tx1"/>
+                </a:solidFill>
+                <a:miter lim="800000"/>
+                <a:headEnd/>
+                <a:tailEnd/>
+              </a14:hiddenLine>
+            </a:ext>
+            <a:ext uri="{AF507438-7753-43E0-B8FC-AC1667EBCBE1}">
+              <a14:hiddenEffects xmlns:a14="http://schemas.microsoft.com/office/drawing/2010/main">
+                <a:effectLst>
+                  <a:outerShdw dist="35921" dir="2700000" algn="ctr" rotWithShape="0">
+                    <a:schemeClr val="bg2"/>
+                  </a:outerShdw>
+                </a:effectLst>
+              </a14:hiddenEffects>
+            </a:ext>
+          </a:extLst>
+        </p:spPr>
+        <p:txBody>
+          <a:bodyPr vert="horz" wrap="square" lIns="91440" tIns="45720" rIns="91440" bIns="45720" numCol="1" anchor="ctr" anchorCtr="0" compatLnSpc="1">
+            <a:prstTxWarp prst="textNoShape">
+              <a:avLst/>
+            </a:prstTxWarp>
+            <a:spAutoFit/>
+          </a:bodyPr>
+          <a:lstStyle/>
+          <a:p>
+            <a:pPr lvl="0"/>
+            <a:r>
+              <a:rPr lang="ar-SA" altLang="en-US" sz="2800" dirty="0"/>
+              <a:t>بررسی</a:t>
+            </a:r>
+            <a:r>
+              <a:rPr lang="en-US" altLang="en-US" sz="2800" dirty="0"/>
+              <a:t> PK </a:t>
+            </a:r>
+            <a:r>
+              <a:rPr lang="ar-SA" altLang="en-US" sz="2800" dirty="0"/>
+              <a:t>و</a:t>
+            </a:r>
+            <a:r>
+              <a:rPr lang="en-US" altLang="en-US" sz="2800" dirty="0"/>
+              <a:t> PD </a:t>
+            </a:r>
+            <a:r>
+              <a:rPr lang="ar-SA" altLang="en-US" sz="2800" dirty="0"/>
+              <a:t>اپوئتین آلفا</a:t>
+            </a:r>
+            <a:r>
+              <a:rPr lang="en-US" altLang="en-US" sz="2800" dirty="0"/>
+              <a:t> IV </a:t>
+            </a:r>
+            <a:r>
+              <a:rPr lang="ar-SA" altLang="en-US" sz="2800" dirty="0"/>
+              <a:t>در بیماران</a:t>
+            </a:r>
+            <a:r>
+              <a:rPr lang="en-US" altLang="en-US" sz="2800" dirty="0"/>
+              <a:t> ICU</a:t>
+            </a:r>
+          </a:p>
+          <a:p>
+            <a:pPr lvl="0"/>
+            <a:r>
+              <a:rPr lang="ar-SA" altLang="en-US" sz="2800" dirty="0"/>
+              <a:t>نمونه: 60 بیمار، 6 گروه دوزدهی</a:t>
+            </a:r>
+            <a:endParaRPr lang="en-US" altLang="en-US" sz="2800" dirty="0"/>
+          </a:p>
+          <a:p>
+            <a:pPr marL="0" lvl="0" indent="0">
+              <a:buNone/>
+            </a:pPr>
+            <a:r>
+              <a:rPr lang="ar-SA" altLang="en-US" sz="2800" dirty="0"/>
+              <a:t>نتایج</a:t>
+            </a:r>
+            <a:r>
+              <a:rPr lang="en-US" altLang="en-US" sz="2800" dirty="0"/>
+              <a:t> PK:</a:t>
+            </a:r>
+          </a:p>
+          <a:p>
+            <a:pPr lvl="0"/>
+            <a:r>
+              <a:rPr lang="en-US" altLang="en-US" sz="2800" dirty="0" err="1"/>
+              <a:t>Cmax</a:t>
+            </a:r>
+            <a:r>
+              <a:rPr lang="en-US" altLang="en-US" sz="2800" dirty="0"/>
+              <a:t> IV </a:t>
+            </a:r>
+            <a:r>
+              <a:rPr lang="ar-SA" altLang="en-US" sz="2800" dirty="0"/>
+              <a:t>برابر با 19,398</a:t>
+            </a:r>
+            <a:r>
+              <a:rPr lang="en-US" altLang="en-US" sz="2800" dirty="0"/>
+              <a:t> </a:t>
+            </a:r>
+            <a:r>
+              <a:rPr lang="en-US" altLang="en-US" sz="2800" dirty="0" err="1"/>
+              <a:t>mIU</a:t>
+            </a:r>
+            <a:r>
+              <a:rPr lang="en-US" altLang="en-US" sz="2800" dirty="0"/>
+              <a:t>/mL، </a:t>
+            </a:r>
+            <a:r>
+              <a:rPr lang="ar-SA" altLang="en-US" sz="2800" dirty="0"/>
+              <a:t>در حالی که</a:t>
+            </a:r>
+            <a:r>
+              <a:rPr lang="en-US" altLang="en-US" sz="2800" dirty="0"/>
+              <a:t> </a:t>
+            </a:r>
+            <a:r>
+              <a:rPr lang="en-US" altLang="en-US" sz="2800" dirty="0" err="1"/>
+              <a:t>Cmax</a:t>
+            </a:r>
+            <a:r>
+              <a:rPr lang="en-US" altLang="en-US" sz="2800" dirty="0"/>
+              <a:t> SC </a:t>
+            </a:r>
+            <a:r>
+              <a:rPr lang="ar-SA" altLang="en-US" sz="2800" dirty="0"/>
+              <a:t>برابر با 434</a:t>
+            </a:r>
+            <a:r>
+              <a:rPr lang="en-US" altLang="en-US" sz="2800" dirty="0"/>
+              <a:t> </a:t>
+            </a:r>
+            <a:r>
+              <a:rPr lang="en-US" altLang="en-US" sz="2800" dirty="0" err="1"/>
+              <a:t>mIU</a:t>
+            </a:r>
+            <a:r>
+              <a:rPr lang="en-US" altLang="en-US" sz="2800" dirty="0"/>
+              <a:t>/mL </a:t>
+            </a:r>
+            <a:r>
+              <a:rPr lang="ar-SA" altLang="en-US" sz="2800" dirty="0"/>
+              <a:t>بود</a:t>
+            </a:r>
+            <a:endParaRPr lang="en-US" altLang="en-US" sz="2800" dirty="0"/>
+          </a:p>
+          <a:p>
+            <a:pPr lvl="0"/>
+            <a:r>
+              <a:rPr lang="en-US" altLang="en-US" sz="2800" dirty="0"/>
+              <a:t>AUC IV </a:t>
+            </a:r>
+            <a:r>
+              <a:rPr lang="ar-SA" altLang="en-US" sz="2800" dirty="0"/>
+              <a:t>به‌طور قابل‌توجهی بالاتر از</a:t>
+            </a:r>
+            <a:r>
+              <a:rPr lang="en-US" altLang="en-US" sz="2800" dirty="0"/>
+              <a:t> SC </a:t>
+            </a:r>
+            <a:r>
+              <a:rPr lang="ar-SA" altLang="en-US" sz="2800" dirty="0"/>
+              <a:t>بود</a:t>
+            </a:r>
+            <a:endParaRPr lang="en-US" altLang="en-US" sz="2800" dirty="0"/>
+          </a:p>
+          <a:p>
+            <a:pPr marL="0" lvl="0" indent="0">
+              <a:buNone/>
+            </a:pPr>
+            <a:r>
+              <a:rPr lang="ar-SA" altLang="en-US" sz="2800" dirty="0"/>
+              <a:t>نتایج</a:t>
+            </a:r>
+            <a:r>
+              <a:rPr lang="en-US" altLang="en-US" sz="2800" dirty="0"/>
+              <a:t> PD:</a:t>
+            </a:r>
+          </a:p>
+          <a:p>
+            <a:pPr lvl="0"/>
+            <a:r>
+              <a:rPr lang="ar-SA" altLang="en-US" sz="2800" dirty="0"/>
+              <a:t>پاسخ رتیکولوسیتی در</a:t>
+            </a:r>
+            <a:r>
+              <a:rPr lang="en-US" altLang="en-US" sz="2800" dirty="0"/>
+              <a:t> SC </a:t>
+            </a:r>
+            <a:r>
+              <a:rPr lang="ar-SA" altLang="en-US" sz="2800" dirty="0"/>
+              <a:t>بالاتر از</a:t>
+            </a:r>
+            <a:r>
+              <a:rPr lang="en-US" altLang="en-US" sz="2800" dirty="0"/>
+              <a:t> IV </a:t>
+            </a:r>
+            <a:r>
+              <a:rPr lang="ar-SA" altLang="en-US" sz="2800" dirty="0"/>
+              <a:t>بود</a:t>
+            </a:r>
+            <a:endParaRPr lang="en-US" altLang="en-US" sz="2800" dirty="0"/>
+          </a:p>
+          <a:p>
+            <a:pPr lvl="0"/>
+            <a:r>
+              <a:rPr lang="en-US" altLang="en-US" sz="2800" dirty="0"/>
+              <a:t>93 </a:t>
+            </a:r>
+            <a:r>
+              <a:rPr lang="ar-SA" altLang="en-US" sz="2800" dirty="0"/>
+              <a:t>درصد بیماران حداقل یک عارضه جانبی داشتند اما هیچ‌کدام مرتبط با دارو نبود</a:t>
+            </a:r>
+            <a:endParaRPr lang="en-US" altLang="en-US" sz="2800" dirty="0"/>
+          </a:p>
+        </p:txBody>
+      </p:sp>
+    </p:spTree>
+    <p:extLst>
+      <p:ext uri="{BB962C8B-B14F-4D97-AF65-F5344CB8AC3E}">
+        <p14:creationId xmlns:p14="http://schemas.microsoft.com/office/powerpoint/2010/main" val="1519020151"/>
       </p:ext>
     </p:extLst>
   </p:cSld>
